--- a/Vortrag.pptx
+++ b/Vortrag.pptx
@@ -5,11 +5,14 @@
     <p:sldMasterId id="2147483648" r:id="rId4"/>
   </p:sldMasterIdLst>
   <p:notesMasterIdLst>
-    <p:notesMasterId r:id="rId7"/>
+    <p:notesMasterId r:id="rId10"/>
   </p:notesMasterIdLst>
   <p:sldIdLst>
     <p:sldId id="256" r:id="rId5"/>
     <p:sldId id="257" r:id="rId6"/>
+    <p:sldId id="258" r:id="rId7"/>
+    <p:sldId id="259" r:id="rId8"/>
+    <p:sldId id="260" r:id="rId9"/>
   </p:sldIdLst>
   <p:sldSz cx="12192000" cy="6858000"/>
   <p:notesSz cx="6858000" cy="9144000"/>
@@ -812,6 +815,508 @@
 </file>
 
 <file path=ppt/slideLayouts/slideLayout10.xml><?xml version="1.0" encoding="utf-8"?>
+<p:sldLayout xmlns:a="http://schemas.openxmlformats.org/drawingml/2006/main" xmlns:r="http://schemas.openxmlformats.org/officeDocument/2006/relationships" xmlns:p="http://schemas.openxmlformats.org/presentationml/2006/main" type="twoTxTwoObj" preserve="1">
+  <p:cSld name="Vergleich">
+    <p:spTree>
+      <p:nvGrpSpPr>
+        <p:cNvPr id="1" name=""/>
+        <p:cNvGrpSpPr/>
+        <p:nvPr/>
+      </p:nvGrpSpPr>
+      <p:grpSpPr>
+        <a:xfrm>
+          <a:off x="0" y="0"/>
+          <a:ext cx="0" cy="0"/>
+          <a:chOff x="0" y="0"/>
+          <a:chExt cx="0" cy="0"/>
+        </a:xfrm>
+      </p:grpSpPr>
+      <p:sp>
+        <p:nvSpPr>
+          <p:cNvPr id="20" name="Rectangle 19"/>
+          <p:cNvSpPr/>
+          <p:nvPr/>
+        </p:nvSpPr>
+        <p:spPr>
+          <a:xfrm>
+            <a:off x="1004479" y="0"/>
+            <a:ext cx="10372316" cy="6858000"/>
+          </a:xfrm>
+          <a:prstGeom prst="rect">
+            <a:avLst/>
+          </a:prstGeom>
+          <a:solidFill>
+            <a:schemeClr val="bg2">
+              <a:alpha val="92000"/>
+            </a:schemeClr>
+          </a:solidFill>
+          <a:ln>
+            <a:noFill/>
+          </a:ln>
+        </p:spPr>
+        <p:style>
+          <a:lnRef idx="2">
+            <a:schemeClr val="accent1">
+              <a:shade val="50000"/>
+            </a:schemeClr>
+          </a:lnRef>
+          <a:fillRef idx="1">
+            <a:schemeClr val="accent1"/>
+          </a:fillRef>
+          <a:effectRef idx="0">
+            <a:schemeClr val="accent1"/>
+          </a:effectRef>
+          <a:fontRef idx="minor">
+            <a:schemeClr val="lt1"/>
+          </a:fontRef>
+        </p:style>
+      </p:sp>
+      <p:sp>
+        <p:nvSpPr>
+          <p:cNvPr id="21" name="Rectangle 20"/>
+          <p:cNvSpPr/>
+          <p:nvPr/>
+        </p:nvSpPr>
+        <p:spPr>
+          <a:xfrm>
+            <a:off x="11377328" y="0"/>
+            <a:ext cx="27432" cy="6858000"/>
+          </a:xfrm>
+          <a:prstGeom prst="rect">
+            <a:avLst/>
+          </a:prstGeom>
+          <a:solidFill>
+            <a:schemeClr val="accent6"/>
+          </a:solidFill>
+          <a:ln>
+            <a:noFill/>
+          </a:ln>
+        </p:spPr>
+        <p:style>
+          <a:lnRef idx="2">
+            <a:schemeClr val="accent1">
+              <a:shade val="50000"/>
+            </a:schemeClr>
+          </a:lnRef>
+          <a:fillRef idx="1">
+            <a:schemeClr val="accent1"/>
+          </a:fillRef>
+          <a:effectRef idx="0">
+            <a:schemeClr val="accent1"/>
+          </a:effectRef>
+          <a:fontRef idx="minor">
+            <a:schemeClr val="lt1"/>
+          </a:fontRef>
+        </p:style>
+      </p:sp>
+      <p:sp>
+        <p:nvSpPr>
+          <p:cNvPr id="12" name="TextBox 11"/>
+          <p:cNvSpPr txBox="1"/>
+          <p:nvPr/>
+        </p:nvSpPr>
+        <p:spPr>
+          <a:xfrm>
+            <a:off x="2193650" y="636424"/>
+            <a:ext cx="415636" cy="369332"/>
+          </a:xfrm>
+          <a:prstGeom prst="rect">
+            <a:avLst/>
+          </a:prstGeom>
+          <a:noFill/>
+        </p:spPr>
+        <p:txBody>
+          <a:bodyPr wrap="square" rtlCol="0">
+            <a:spAutoFit/>
+          </a:bodyPr>
+          <a:lstStyle/>
+          <a:p>
+            <a:pPr algn="r"/>
+            <a:r>
+              <a:rPr lang="en-US" sz="1800">
+                <a:solidFill>
+                  <a:schemeClr val="accent6"/>
+                </a:solidFill>
+                <a:latin typeface="Wingdings 3" panose="05040102010807070707" pitchFamily="18" charset="2"/>
+              </a:rPr>
+              <a:t>z</a:t>
+            </a:r>
+            <a:endParaRPr lang="en-US" sz="1000">
+              <a:solidFill>
+                <a:schemeClr val="accent6"/>
+              </a:solidFill>
+              <a:latin typeface="MS Shell Dlg 2" panose="020B0604030504040204" pitchFamily="34" charset="0"/>
+            </a:endParaRPr>
+          </a:p>
+        </p:txBody>
+      </p:sp>
+      <p:sp>
+        <p:nvSpPr>
+          <p:cNvPr id="2" name="Title 1"/>
+          <p:cNvSpPr>
+            <a:spLocks noGrp="1"/>
+          </p:cNvSpPr>
+          <p:nvPr>
+            <p:ph type="title"/>
+          </p:nvPr>
+        </p:nvSpPr>
+        <p:spPr>
+          <a:xfrm>
+            <a:off x="2609873" y="805818"/>
+            <a:ext cx="7956560" cy="1078348"/>
+          </a:xfrm>
+        </p:spPr>
+        <p:txBody>
+          <a:bodyPr/>
+          <a:lstStyle/>
+          <a:p>
+            <a:r>
+              <a:rPr lang="de-DE"/>
+              <a:t>Mastertitelformat bearbeiten</a:t>
+            </a:r>
+            <a:endParaRPr lang="en-US"/>
+          </a:p>
+        </p:txBody>
+      </p:sp>
+      <p:sp>
+        <p:nvSpPr>
+          <p:cNvPr id="3" name="Text Placeholder 2"/>
+          <p:cNvSpPr>
+            <a:spLocks noGrp="1"/>
+          </p:cNvSpPr>
+          <p:nvPr>
+            <p:ph type="body" idx="1"/>
+          </p:nvPr>
+        </p:nvSpPr>
+        <p:spPr>
+          <a:xfrm>
+            <a:off x="2609285" y="2052115"/>
+            <a:ext cx="3896467" cy="713818"/>
+          </a:xfrm>
+        </p:spPr>
+        <p:txBody>
+          <a:bodyPr anchor="b">
+            <a:noAutofit/>
+          </a:bodyPr>
+          <a:lstStyle>
+            <a:lvl1pPr marL="0" indent="0" algn="l">
+              <a:lnSpc>
+                <a:spcPct val="100000"/>
+              </a:lnSpc>
+              <a:buNone/>
+              <a:defRPr sz="2200" b="0" cap="none" baseline="0">
+                <a:solidFill>
+                  <a:schemeClr val="accent6"/>
+                </a:solidFill>
+              </a:defRPr>
+            </a:lvl1pPr>
+            <a:lvl2pPr marL="457200" indent="0">
+              <a:buNone/>
+              <a:defRPr sz="2000" b="1"/>
+            </a:lvl2pPr>
+            <a:lvl3pPr marL="914400" indent="0">
+              <a:buNone/>
+              <a:defRPr sz="1800" b="1"/>
+            </a:lvl3pPr>
+            <a:lvl4pPr marL="1371600" indent="0">
+              <a:buNone/>
+              <a:defRPr sz="1600" b="1"/>
+            </a:lvl4pPr>
+            <a:lvl5pPr marL="1828800" indent="0">
+              <a:buNone/>
+              <a:defRPr sz="1600" b="1"/>
+            </a:lvl5pPr>
+            <a:lvl6pPr marL="2286000" indent="0">
+              <a:buNone/>
+              <a:defRPr sz="1600" b="1"/>
+            </a:lvl6pPr>
+            <a:lvl7pPr marL="2743200" indent="0">
+              <a:buNone/>
+              <a:defRPr sz="1600" b="1"/>
+            </a:lvl7pPr>
+            <a:lvl8pPr marL="3200400" indent="0">
+              <a:buNone/>
+              <a:defRPr sz="1600" b="1"/>
+            </a:lvl8pPr>
+            <a:lvl9pPr marL="3657600" indent="0">
+              <a:buNone/>
+              <a:defRPr sz="1600" b="1"/>
+            </a:lvl9pPr>
+          </a:lstStyle>
+          <a:p>
+            <a:pPr lvl="0"/>
+            <a:r>
+              <a:rPr lang="de-DE"/>
+              <a:t>Mastertextformat bearbeiten</a:t>
+            </a:r>
+          </a:p>
+        </p:txBody>
+      </p:sp>
+      <p:sp>
+        <p:nvSpPr>
+          <p:cNvPr id="4" name="Content Placeholder 3"/>
+          <p:cNvSpPr>
+            <a:spLocks noGrp="1"/>
+          </p:cNvSpPr>
+          <p:nvPr>
+            <p:ph sz="half" idx="2"/>
+          </p:nvPr>
+        </p:nvSpPr>
+        <p:spPr>
+          <a:xfrm>
+            <a:off x="2609285" y="2851331"/>
+            <a:ext cx="3893623" cy="3071434"/>
+          </a:xfrm>
+        </p:spPr>
+        <p:txBody>
+          <a:bodyPr/>
+          <a:lstStyle/>
+          <a:p>
+            <a:pPr lvl="0"/>
+            <a:r>
+              <a:rPr lang="de-DE"/>
+              <a:t>Mastertextformat bearbeiten</a:t>
+            </a:r>
+          </a:p>
+          <a:p>
+            <a:pPr lvl="1"/>
+            <a:r>
+              <a:rPr lang="de-DE"/>
+              <a:t>Zweite Ebene</a:t>
+            </a:r>
+          </a:p>
+          <a:p>
+            <a:pPr lvl="2"/>
+            <a:r>
+              <a:rPr lang="de-DE"/>
+              <a:t>Dritte Ebene</a:t>
+            </a:r>
+          </a:p>
+          <a:p>
+            <a:pPr lvl="3"/>
+            <a:r>
+              <a:rPr lang="de-DE"/>
+              <a:t>Vierte Ebene</a:t>
+            </a:r>
+          </a:p>
+          <a:p>
+            <a:pPr lvl="4"/>
+            <a:r>
+              <a:rPr lang="de-DE"/>
+              <a:t>Fünfte Ebene</a:t>
+            </a:r>
+            <a:endParaRPr lang="en-US"/>
+          </a:p>
+        </p:txBody>
+      </p:sp>
+      <p:sp>
+        <p:nvSpPr>
+          <p:cNvPr id="5" name="Text Placeholder 4"/>
+          <p:cNvSpPr>
+            <a:spLocks noGrp="1"/>
+          </p:cNvSpPr>
+          <p:nvPr>
+            <p:ph type="body" sz="quarter" idx="3"/>
+          </p:nvPr>
+        </p:nvSpPr>
+        <p:spPr>
+          <a:xfrm>
+            <a:off x="6666634" y="2052115"/>
+            <a:ext cx="3899798" cy="713818"/>
+          </a:xfrm>
+        </p:spPr>
+        <p:txBody>
+          <a:bodyPr anchor="b">
+            <a:noAutofit/>
+          </a:bodyPr>
+          <a:lstStyle>
+            <a:lvl1pPr marL="0" indent="0" algn="l">
+              <a:lnSpc>
+                <a:spcPct val="100000"/>
+              </a:lnSpc>
+              <a:buNone/>
+              <a:defRPr sz="2200" b="0" cap="none" baseline="0">
+                <a:solidFill>
+                  <a:schemeClr val="accent6"/>
+                </a:solidFill>
+              </a:defRPr>
+            </a:lvl1pPr>
+            <a:lvl2pPr marL="457200" indent="0">
+              <a:buNone/>
+              <a:defRPr sz="2000" b="1"/>
+            </a:lvl2pPr>
+            <a:lvl3pPr marL="914400" indent="0">
+              <a:buNone/>
+              <a:defRPr sz="1800" b="1"/>
+            </a:lvl3pPr>
+            <a:lvl4pPr marL="1371600" indent="0">
+              <a:buNone/>
+              <a:defRPr sz="1600" b="1"/>
+            </a:lvl4pPr>
+            <a:lvl5pPr marL="1828800" indent="0">
+              <a:buNone/>
+              <a:defRPr sz="1600" b="1"/>
+            </a:lvl5pPr>
+            <a:lvl6pPr marL="2286000" indent="0">
+              <a:buNone/>
+              <a:defRPr sz="1600" b="1"/>
+            </a:lvl6pPr>
+            <a:lvl7pPr marL="2743200" indent="0">
+              <a:buNone/>
+              <a:defRPr sz="1600" b="1"/>
+            </a:lvl7pPr>
+            <a:lvl8pPr marL="3200400" indent="0">
+              <a:buNone/>
+              <a:defRPr sz="1600" b="1"/>
+            </a:lvl8pPr>
+            <a:lvl9pPr marL="3657600" indent="0">
+              <a:buNone/>
+              <a:defRPr sz="1600" b="1"/>
+            </a:lvl9pPr>
+          </a:lstStyle>
+          <a:p>
+            <a:pPr lvl="0"/>
+            <a:r>
+              <a:rPr lang="de-DE"/>
+              <a:t>Mastertextformat bearbeiten</a:t>
+            </a:r>
+          </a:p>
+        </p:txBody>
+      </p:sp>
+      <p:sp>
+        <p:nvSpPr>
+          <p:cNvPr id="6" name="Content Placeholder 5"/>
+          <p:cNvSpPr>
+            <a:spLocks noGrp="1"/>
+          </p:cNvSpPr>
+          <p:nvPr>
+            <p:ph sz="quarter" idx="4"/>
+          </p:nvPr>
+        </p:nvSpPr>
+        <p:spPr>
+          <a:xfrm>
+            <a:off x="6666635" y="2851331"/>
+            <a:ext cx="3899798" cy="3071434"/>
+          </a:xfrm>
+        </p:spPr>
+        <p:txBody>
+          <a:bodyPr/>
+          <a:lstStyle/>
+          <a:p>
+            <a:pPr lvl="0"/>
+            <a:r>
+              <a:rPr lang="de-DE"/>
+              <a:t>Mastertextformat bearbeiten</a:t>
+            </a:r>
+          </a:p>
+          <a:p>
+            <a:pPr lvl="1"/>
+            <a:r>
+              <a:rPr lang="de-DE"/>
+              <a:t>Zweite Ebene</a:t>
+            </a:r>
+          </a:p>
+          <a:p>
+            <a:pPr lvl="2"/>
+            <a:r>
+              <a:rPr lang="de-DE"/>
+              <a:t>Dritte Ebene</a:t>
+            </a:r>
+          </a:p>
+          <a:p>
+            <a:pPr lvl="3"/>
+            <a:r>
+              <a:rPr lang="de-DE"/>
+              <a:t>Vierte Ebene</a:t>
+            </a:r>
+          </a:p>
+          <a:p>
+            <a:pPr lvl="4"/>
+            <a:r>
+              <a:rPr lang="de-DE"/>
+              <a:t>Fünfte Ebene</a:t>
+            </a:r>
+            <a:endParaRPr lang="en-US"/>
+          </a:p>
+        </p:txBody>
+      </p:sp>
+      <p:sp>
+        <p:nvSpPr>
+          <p:cNvPr id="7" name="Date Placeholder 6"/>
+          <p:cNvSpPr>
+            <a:spLocks noGrp="1"/>
+          </p:cNvSpPr>
+          <p:nvPr>
+            <p:ph type="dt" sz="half" idx="10"/>
+          </p:nvPr>
+        </p:nvSpPr>
+        <p:spPr/>
+        <p:txBody>
+          <a:bodyPr/>
+          <a:lstStyle/>
+          <a:p>
+            <a:fld id="{6CA99C16-F3DE-4BEA-BEA0-185955F827CC}" type="datetime1">
+              <a:rPr lang="de-DE" smtClean="0"/>
+              <a:t>03.11.2021</a:t>
+            </a:fld>
+            <a:endParaRPr lang="en-US"/>
+          </a:p>
+        </p:txBody>
+      </p:sp>
+      <p:sp>
+        <p:nvSpPr>
+          <p:cNvPr id="8" name="Footer Placeholder 7"/>
+          <p:cNvSpPr>
+            <a:spLocks noGrp="1"/>
+          </p:cNvSpPr>
+          <p:nvPr>
+            <p:ph type="ftr" sz="quarter" idx="11"/>
+          </p:nvPr>
+        </p:nvSpPr>
+        <p:spPr/>
+        <p:txBody>
+          <a:bodyPr/>
+          <a:lstStyle/>
+          <a:p>
+            <a:r>
+              <a:rPr lang="en-US"/>
+              <a:t>Sarah El Kalqui, Benjamin Swarovsky</a:t>
+            </a:r>
+          </a:p>
+        </p:txBody>
+      </p:sp>
+      <p:sp>
+        <p:nvSpPr>
+          <p:cNvPr id="9" name="Slide Number Placeholder 8"/>
+          <p:cNvSpPr>
+            <a:spLocks noGrp="1"/>
+          </p:cNvSpPr>
+          <p:nvPr>
+            <p:ph type="sldNum" sz="quarter" idx="12"/>
+          </p:nvPr>
+        </p:nvSpPr>
+        <p:spPr/>
+        <p:txBody>
+          <a:bodyPr/>
+          <a:lstStyle/>
+          <a:p>
+            <a:fld id="{6D22F896-40B5-4ADD-8801-0D06FADFA095}" type="slidenum">
+              <a:rPr lang="en-US" dirty="0"/>
+              <a:t>‹Nr.›</a:t>
+            </a:fld>
+            <a:endParaRPr lang="en-US"/>
+          </a:p>
+        </p:txBody>
+      </p:sp>
+    </p:spTree>
+  </p:cSld>
+  <p:clrMapOvr>
+    <a:masterClrMapping/>
+  </p:clrMapOvr>
+</p:sldLayout>
+</file>
+
+<file path=ppt/slideLayouts/slideLayout11.xml><?xml version="1.0" encoding="utf-8"?>
 <p:sldLayout xmlns:a="http://schemas.openxmlformats.org/drawingml/2006/main" xmlns:r="http://schemas.openxmlformats.org/officeDocument/2006/relationships" xmlns:p="http://schemas.openxmlformats.org/presentationml/2006/main" type="titleOnly" preserve="1">
   <p:cSld name="Nur Titel">
     <p:spTree>
@@ -1046,7 +1551,7 @@
 </p:sldLayout>
 </file>
 
-<file path=ppt/slideLayouts/slideLayout11.xml><?xml version="1.0" encoding="utf-8"?>
+<file path=ppt/slideLayouts/slideLayout12.xml><?xml version="1.0" encoding="utf-8"?>
 <p:sldLayout xmlns:a="http://schemas.openxmlformats.org/drawingml/2006/main" xmlns:r="http://schemas.openxmlformats.org/officeDocument/2006/relationships" xmlns:p="http://schemas.openxmlformats.org/presentationml/2006/main" type="blank" preserve="1">
   <p:cSld name="Leer">
     <p:spTree>
@@ -1217,7 +1722,7 @@
 </p:sldLayout>
 </file>
 
-<file path=ppt/slideLayouts/slideLayout12.xml><?xml version="1.0" encoding="utf-8"?>
+<file path=ppt/slideLayouts/slideLayout13.xml><?xml version="1.0" encoding="utf-8"?>
 <p:sldLayout xmlns:a="http://schemas.openxmlformats.org/drawingml/2006/main" xmlns:r="http://schemas.openxmlformats.org/officeDocument/2006/relationships" xmlns:p="http://schemas.openxmlformats.org/presentationml/2006/main" type="objTx" preserve="1">
   <p:cSld name="Inhalt mit Überschrift">
     <p:spTree>
@@ -1585,7 +2090,7 @@
 </p:sldLayout>
 </file>
 
-<file path=ppt/slideLayouts/slideLayout13.xml><?xml version="1.0" encoding="utf-8"?>
+<file path=ppt/slideLayouts/slideLayout14.xml><?xml version="1.0" encoding="utf-8"?>
 <p:sldLayout xmlns:a="http://schemas.openxmlformats.org/drawingml/2006/main" xmlns:r="http://schemas.openxmlformats.org/officeDocument/2006/relationships" xmlns:p="http://schemas.openxmlformats.org/presentationml/2006/main" type="picTx" preserve="1">
   <p:cSld name="Bild mit Überschrift">
     <p:spTree>
@@ -1987,7 +2492,7 @@
 </p:sldLayout>
 </file>
 
-<file path=ppt/slideLayouts/slideLayout14.xml><?xml version="1.0" encoding="utf-8"?>
+<file path=ppt/slideLayouts/slideLayout15.xml><?xml version="1.0" encoding="utf-8"?>
 <p:sldLayout xmlns:a="http://schemas.openxmlformats.org/drawingml/2006/main" xmlns:r="http://schemas.openxmlformats.org/officeDocument/2006/relationships" xmlns:p="http://schemas.openxmlformats.org/presentationml/2006/main" type="vertTx" preserve="1">
   <p:cSld name="Titel und vertikaler Text">
     <p:spTree>
@@ -2279,7 +2784,7 @@
 </p:sldLayout>
 </file>
 
-<file path=ppt/slideLayouts/slideLayout15.xml><?xml version="1.0" encoding="utf-8"?>
+<file path=ppt/slideLayouts/slideLayout16.xml><?xml version="1.0" encoding="utf-8"?>
 <p:sldLayout xmlns:a="http://schemas.openxmlformats.org/drawingml/2006/main" xmlns:r="http://schemas.openxmlformats.org/officeDocument/2006/relationships" xmlns:p="http://schemas.openxmlformats.org/presentationml/2006/main" type="vertTitleAndTx" preserve="1">
   <p:cSld name="Vertikaler Titel und Text">
     <p:spTree>
@@ -2850,7 +3355,7 @@
 
 <file path=ppt/slideLayouts/slideLayout3.xml><?xml version="1.0" encoding="utf-8"?>
 <p:sldLayout xmlns:a="http://schemas.openxmlformats.org/drawingml/2006/main" xmlns:r="http://schemas.openxmlformats.org/officeDocument/2006/relationships" xmlns:p="http://schemas.openxmlformats.org/presentationml/2006/main" type="obj" preserve="1">
-  <p:cSld name="2_Titel und Inhalt">
+  <p:cSld name="5_Titel und Inhalt">
     <p:spTree>
       <p:nvGrpSpPr>
         <p:cNvPr id="1" name=""/>
@@ -2869,7 +3374,7 @@
         <p:nvSpPr>
           <p:cNvPr id="29" name="Rectangle 28"/>
           <p:cNvSpPr/>
-          <p:nvPr/>
+          <p:nvPr userDrawn="1"/>
         </p:nvSpPr>
         <p:spPr>
           <a:xfrm>
@@ -2904,6 +3409,13 @@
             <a:schemeClr val="lt1"/>
           </a:fontRef>
         </p:style>
+        <p:txBody>
+          <a:bodyPr/>
+          <a:lstStyle/>
+          <a:p>
+            <a:endParaRPr lang="de-DE"/>
+          </a:p>
+        </p:txBody>
       </p:sp>
       <p:sp>
         <p:nvSpPr>
@@ -3047,6 +3559,272 @@
           <a:bodyPr/>
           <a:lstStyle/>
           <a:p>
+            <a:fld id="{BB7604C3-A478-448A-88D6-07EFA8665C1F}" type="datetime1">
+              <a:rPr lang="de-DE" smtClean="0"/>
+              <a:t>03.11.2021</a:t>
+            </a:fld>
+            <a:endParaRPr lang="en-US"/>
+          </a:p>
+        </p:txBody>
+      </p:sp>
+      <p:sp>
+        <p:nvSpPr>
+          <p:cNvPr id="5" name="Footer Placeholder 4"/>
+          <p:cNvSpPr>
+            <a:spLocks noGrp="1"/>
+          </p:cNvSpPr>
+          <p:nvPr>
+            <p:ph type="ftr" sz="quarter" idx="11"/>
+          </p:nvPr>
+        </p:nvSpPr>
+        <p:spPr/>
+        <p:txBody>
+          <a:bodyPr/>
+          <a:lstStyle/>
+          <a:p>
+            <a:pPr algn="ctr"/>
+            <a:r>
+              <a:rPr lang="en-US" dirty="0"/>
+              <a:t>Benjamin Swarovsky</a:t>
+            </a:r>
+          </a:p>
+        </p:txBody>
+      </p:sp>
+      <p:sp>
+        <p:nvSpPr>
+          <p:cNvPr id="6" name="Slide Number Placeholder 5"/>
+          <p:cNvSpPr>
+            <a:spLocks noGrp="1"/>
+          </p:cNvSpPr>
+          <p:nvPr>
+            <p:ph type="sldNum" sz="quarter" idx="12"/>
+          </p:nvPr>
+        </p:nvSpPr>
+        <p:spPr/>
+        <p:txBody>
+          <a:bodyPr/>
+          <a:lstStyle/>
+          <a:p>
+            <a:fld id="{6D22F896-40B5-4ADD-8801-0D06FADFA095}" type="slidenum">
+              <a:rPr lang="en-US" dirty="0"/>
+              <a:t>‹Nr.›</a:t>
+            </a:fld>
+            <a:endParaRPr lang="en-US"/>
+          </a:p>
+        </p:txBody>
+      </p:sp>
+    </p:spTree>
+    <p:extLst>
+      <p:ext uri="{BB962C8B-B14F-4D97-AF65-F5344CB8AC3E}">
+        <p14:creationId xmlns:p14="http://schemas.microsoft.com/office/powerpoint/2010/main" val="400599716"/>
+      </p:ext>
+    </p:extLst>
+  </p:cSld>
+  <p:clrMapOvr>
+    <a:masterClrMapping/>
+  </p:clrMapOvr>
+</p:sldLayout>
+</file>
+
+<file path=ppt/slideLayouts/slideLayout4.xml><?xml version="1.0" encoding="utf-8"?>
+<p:sldLayout xmlns:a="http://schemas.openxmlformats.org/drawingml/2006/main" xmlns:r="http://schemas.openxmlformats.org/officeDocument/2006/relationships" xmlns:p="http://schemas.openxmlformats.org/presentationml/2006/main" type="obj" preserve="1">
+  <p:cSld name="2_Titel und Inhalt">
+    <p:spTree>
+      <p:nvGrpSpPr>
+        <p:cNvPr id="1" name=""/>
+        <p:cNvGrpSpPr/>
+        <p:nvPr/>
+      </p:nvGrpSpPr>
+      <p:grpSpPr>
+        <a:xfrm>
+          <a:off x="0" y="0"/>
+          <a:ext cx="0" cy="0"/>
+          <a:chOff x="0" y="0"/>
+          <a:chExt cx="0" cy="0"/>
+        </a:xfrm>
+      </p:grpSpPr>
+      <p:sp>
+        <p:nvSpPr>
+          <p:cNvPr id="29" name="Rectangle 28"/>
+          <p:cNvSpPr/>
+          <p:nvPr/>
+        </p:nvSpPr>
+        <p:spPr>
+          <a:xfrm>
+            <a:off x="1004479" y="0"/>
+            <a:ext cx="10372316" cy="6858000"/>
+          </a:xfrm>
+          <a:prstGeom prst="rect">
+            <a:avLst/>
+          </a:prstGeom>
+          <a:solidFill>
+            <a:schemeClr val="bg2">
+              <a:alpha val="92000"/>
+            </a:schemeClr>
+          </a:solidFill>
+          <a:ln>
+            <a:noFill/>
+          </a:ln>
+        </p:spPr>
+        <p:style>
+          <a:lnRef idx="2">
+            <a:schemeClr val="accent1">
+              <a:shade val="50000"/>
+            </a:schemeClr>
+          </a:lnRef>
+          <a:fillRef idx="1">
+            <a:schemeClr val="accent1"/>
+          </a:fillRef>
+          <a:effectRef idx="0">
+            <a:schemeClr val="accent1"/>
+          </a:effectRef>
+          <a:fontRef idx="minor">
+            <a:schemeClr val="lt1"/>
+          </a:fontRef>
+        </p:style>
+      </p:sp>
+      <p:sp>
+        <p:nvSpPr>
+          <p:cNvPr id="9" name="Rectangle 8"/>
+          <p:cNvSpPr/>
+          <p:nvPr/>
+        </p:nvSpPr>
+        <p:spPr>
+          <a:xfrm>
+            <a:off x="11377328" y="0"/>
+            <a:ext cx="27432" cy="6858000"/>
+          </a:xfrm>
+          <a:prstGeom prst="rect">
+            <a:avLst/>
+          </a:prstGeom>
+          <a:solidFill>
+            <a:schemeClr val="accent6"/>
+          </a:solidFill>
+          <a:ln>
+            <a:noFill/>
+          </a:ln>
+        </p:spPr>
+        <p:style>
+          <a:lnRef idx="2">
+            <a:schemeClr val="accent1">
+              <a:shade val="50000"/>
+            </a:schemeClr>
+          </a:lnRef>
+          <a:fillRef idx="1">
+            <a:schemeClr val="accent1"/>
+          </a:fillRef>
+          <a:effectRef idx="0">
+            <a:schemeClr val="accent1"/>
+          </a:effectRef>
+          <a:fontRef idx="minor">
+            <a:schemeClr val="lt1"/>
+          </a:fontRef>
+        </p:style>
+      </p:sp>
+      <p:sp>
+        <p:nvSpPr>
+          <p:cNvPr id="2" name="Title 1"/>
+          <p:cNvSpPr>
+            <a:spLocks noGrp="1"/>
+          </p:cNvSpPr>
+          <p:nvPr>
+            <p:ph type="title"/>
+          </p:nvPr>
+        </p:nvSpPr>
+        <p:spPr>
+          <a:xfrm>
+            <a:off x="1614650" y="808056"/>
+            <a:ext cx="7958331" cy="1077229"/>
+          </a:xfrm>
+        </p:spPr>
+        <p:txBody>
+          <a:bodyPr/>
+          <a:lstStyle>
+            <a:lvl1pPr algn="l">
+              <a:defRPr/>
+            </a:lvl1pPr>
+          </a:lstStyle>
+          <a:p>
+            <a:r>
+              <a:rPr lang="de-DE"/>
+              <a:t>Mastertitelformat bearbeiten</a:t>
+            </a:r>
+            <a:endParaRPr lang="en-US"/>
+          </a:p>
+        </p:txBody>
+      </p:sp>
+      <p:sp>
+        <p:nvSpPr>
+          <p:cNvPr id="3" name="Content Placeholder 2"/>
+          <p:cNvSpPr>
+            <a:spLocks noGrp="1"/>
+          </p:cNvSpPr>
+          <p:nvPr>
+            <p:ph idx="1"/>
+          </p:nvPr>
+        </p:nvSpPr>
+        <p:spPr>
+          <a:xfrm>
+            <a:off x="1614650" y="2052116"/>
+            <a:ext cx="7796540" cy="3997828"/>
+          </a:xfrm>
+        </p:spPr>
+        <p:txBody>
+          <a:bodyPr anchor="ctr"/>
+          <a:lstStyle/>
+          <a:p>
+            <a:pPr lvl="0"/>
+            <a:r>
+              <a:rPr lang="de-DE"/>
+              <a:t>Mastertextformat bearbeiten</a:t>
+            </a:r>
+          </a:p>
+          <a:p>
+            <a:pPr lvl="1"/>
+            <a:r>
+              <a:rPr lang="de-DE"/>
+              <a:t>Zweite Ebene</a:t>
+            </a:r>
+          </a:p>
+          <a:p>
+            <a:pPr lvl="2"/>
+            <a:r>
+              <a:rPr lang="de-DE"/>
+              <a:t>Dritte Ebene</a:t>
+            </a:r>
+          </a:p>
+          <a:p>
+            <a:pPr lvl="3"/>
+            <a:r>
+              <a:rPr lang="de-DE"/>
+              <a:t>Vierte Ebene</a:t>
+            </a:r>
+          </a:p>
+          <a:p>
+            <a:pPr lvl="4"/>
+            <a:r>
+              <a:rPr lang="de-DE"/>
+              <a:t>Fünfte Ebene</a:t>
+            </a:r>
+            <a:endParaRPr lang="en-US"/>
+          </a:p>
+        </p:txBody>
+      </p:sp>
+      <p:sp>
+        <p:nvSpPr>
+          <p:cNvPr id="4" name="Date Placeholder 3"/>
+          <p:cNvSpPr>
+            <a:spLocks noGrp="1"/>
+          </p:cNvSpPr>
+          <p:nvPr>
+            <p:ph type="dt" sz="half" idx="10"/>
+          </p:nvPr>
+        </p:nvSpPr>
+        <p:spPr/>
+        <p:txBody>
+          <a:bodyPr/>
+          <a:lstStyle/>
+          <a:p>
             <a:fld id="{A04AC0E9-B042-43D8-AB78-DC52AC0C585D}" type="datetime1">
               <a:rPr lang="de-DE" smtClean="0"/>
               <a:t>03.11.2021</a:t>
@@ -3119,7 +3897,7 @@
 </p:sldLayout>
 </file>
 
-<file path=ppt/slideLayouts/slideLayout4.xml><?xml version="1.0" encoding="utf-8"?>
+<file path=ppt/slideLayouts/slideLayout5.xml><?xml version="1.0" encoding="utf-8"?>
 <p:sldLayout xmlns:a="http://schemas.openxmlformats.org/drawingml/2006/main" xmlns:r="http://schemas.openxmlformats.org/officeDocument/2006/relationships" xmlns:p="http://schemas.openxmlformats.org/presentationml/2006/main" type="obj" preserve="1">
   <p:cSld name="3_Titel und Inhalt">
     <p:spTree>
@@ -3392,7 +4170,7 @@
 </p:sldLayout>
 </file>
 
-<file path=ppt/slideLayouts/slideLayout5.xml><?xml version="1.0" encoding="utf-8"?>
+<file path=ppt/slideLayouts/slideLayout6.xml><?xml version="1.0" encoding="utf-8"?>
 <p:sldLayout xmlns:a="http://schemas.openxmlformats.org/drawingml/2006/main" xmlns:r="http://schemas.openxmlformats.org/officeDocument/2006/relationships" xmlns:p="http://schemas.openxmlformats.org/presentationml/2006/main" type="obj" preserve="1">
   <p:cSld name="4_Titel und Inhalt">
     <p:spTree>
@@ -3665,7 +4443,7 @@
 </p:sldLayout>
 </file>
 
-<file path=ppt/slideLayouts/slideLayout6.xml><?xml version="1.0" encoding="utf-8"?>
+<file path=ppt/slideLayouts/slideLayout7.xml><?xml version="1.0" encoding="utf-8"?>
 <p:sldLayout xmlns:a="http://schemas.openxmlformats.org/drawingml/2006/main" xmlns:r="http://schemas.openxmlformats.org/officeDocument/2006/relationships" xmlns:p="http://schemas.openxmlformats.org/presentationml/2006/main" type="obj" preserve="1">
   <p:cSld name="1_Titel und Inhalt">
     <p:spTree>
@@ -3970,7 +4748,7 @@
 </p:sldLayout>
 </file>
 
-<file path=ppt/slideLayouts/slideLayout7.xml><?xml version="1.0" encoding="utf-8"?>
+<file path=ppt/slideLayouts/slideLayout8.xml><?xml version="1.0" encoding="utf-8"?>
 <p:sldLayout xmlns:a="http://schemas.openxmlformats.org/drawingml/2006/main" xmlns:r="http://schemas.openxmlformats.org/officeDocument/2006/relationships" xmlns:p="http://schemas.openxmlformats.org/presentationml/2006/main" type="secHead" preserve="1">
   <p:cSld name="Abschnitts-&#10;überschrift">
     <p:spTree>
@@ -4335,7 +5113,7 @@
 </p:sldLayout>
 </file>
 
-<file path=ppt/slideLayouts/slideLayout8.xml><?xml version="1.0" encoding="utf-8"?>
+<file path=ppt/slideLayouts/slideLayout9.xml><?xml version="1.0" encoding="utf-8"?>
 <p:sldLayout xmlns:a="http://schemas.openxmlformats.org/drawingml/2006/main" xmlns:r="http://schemas.openxmlformats.org/officeDocument/2006/relationships" xmlns:p="http://schemas.openxmlformats.org/presentationml/2006/main" type="twoObj" preserve="1">
   <p:cSld name="Zwei Inhalte">
     <p:spTree>
@@ -4678,508 +5456,6 @@
               </a:solidFill>
               <a:latin typeface="MS Shell Dlg 2" panose="020B0604030504040204" pitchFamily="34" charset="0"/>
             </a:endParaRPr>
-          </a:p>
-        </p:txBody>
-      </p:sp>
-    </p:spTree>
-  </p:cSld>
-  <p:clrMapOvr>
-    <a:masterClrMapping/>
-  </p:clrMapOvr>
-</p:sldLayout>
-</file>
-
-<file path=ppt/slideLayouts/slideLayout9.xml><?xml version="1.0" encoding="utf-8"?>
-<p:sldLayout xmlns:a="http://schemas.openxmlformats.org/drawingml/2006/main" xmlns:r="http://schemas.openxmlformats.org/officeDocument/2006/relationships" xmlns:p="http://schemas.openxmlformats.org/presentationml/2006/main" type="twoTxTwoObj" preserve="1">
-  <p:cSld name="Vergleich">
-    <p:spTree>
-      <p:nvGrpSpPr>
-        <p:cNvPr id="1" name=""/>
-        <p:cNvGrpSpPr/>
-        <p:nvPr/>
-      </p:nvGrpSpPr>
-      <p:grpSpPr>
-        <a:xfrm>
-          <a:off x="0" y="0"/>
-          <a:ext cx="0" cy="0"/>
-          <a:chOff x="0" y="0"/>
-          <a:chExt cx="0" cy="0"/>
-        </a:xfrm>
-      </p:grpSpPr>
-      <p:sp>
-        <p:nvSpPr>
-          <p:cNvPr id="20" name="Rectangle 19"/>
-          <p:cNvSpPr/>
-          <p:nvPr/>
-        </p:nvSpPr>
-        <p:spPr>
-          <a:xfrm>
-            <a:off x="1004479" y="0"/>
-            <a:ext cx="10372316" cy="6858000"/>
-          </a:xfrm>
-          <a:prstGeom prst="rect">
-            <a:avLst/>
-          </a:prstGeom>
-          <a:solidFill>
-            <a:schemeClr val="bg2">
-              <a:alpha val="92000"/>
-            </a:schemeClr>
-          </a:solidFill>
-          <a:ln>
-            <a:noFill/>
-          </a:ln>
-        </p:spPr>
-        <p:style>
-          <a:lnRef idx="2">
-            <a:schemeClr val="accent1">
-              <a:shade val="50000"/>
-            </a:schemeClr>
-          </a:lnRef>
-          <a:fillRef idx="1">
-            <a:schemeClr val="accent1"/>
-          </a:fillRef>
-          <a:effectRef idx="0">
-            <a:schemeClr val="accent1"/>
-          </a:effectRef>
-          <a:fontRef idx="minor">
-            <a:schemeClr val="lt1"/>
-          </a:fontRef>
-        </p:style>
-      </p:sp>
-      <p:sp>
-        <p:nvSpPr>
-          <p:cNvPr id="21" name="Rectangle 20"/>
-          <p:cNvSpPr/>
-          <p:nvPr/>
-        </p:nvSpPr>
-        <p:spPr>
-          <a:xfrm>
-            <a:off x="11377328" y="0"/>
-            <a:ext cx="27432" cy="6858000"/>
-          </a:xfrm>
-          <a:prstGeom prst="rect">
-            <a:avLst/>
-          </a:prstGeom>
-          <a:solidFill>
-            <a:schemeClr val="accent6"/>
-          </a:solidFill>
-          <a:ln>
-            <a:noFill/>
-          </a:ln>
-        </p:spPr>
-        <p:style>
-          <a:lnRef idx="2">
-            <a:schemeClr val="accent1">
-              <a:shade val="50000"/>
-            </a:schemeClr>
-          </a:lnRef>
-          <a:fillRef idx="1">
-            <a:schemeClr val="accent1"/>
-          </a:fillRef>
-          <a:effectRef idx="0">
-            <a:schemeClr val="accent1"/>
-          </a:effectRef>
-          <a:fontRef idx="minor">
-            <a:schemeClr val="lt1"/>
-          </a:fontRef>
-        </p:style>
-      </p:sp>
-      <p:sp>
-        <p:nvSpPr>
-          <p:cNvPr id="12" name="TextBox 11"/>
-          <p:cNvSpPr txBox="1"/>
-          <p:nvPr/>
-        </p:nvSpPr>
-        <p:spPr>
-          <a:xfrm>
-            <a:off x="2193650" y="636424"/>
-            <a:ext cx="415636" cy="369332"/>
-          </a:xfrm>
-          <a:prstGeom prst="rect">
-            <a:avLst/>
-          </a:prstGeom>
-          <a:noFill/>
-        </p:spPr>
-        <p:txBody>
-          <a:bodyPr wrap="square" rtlCol="0">
-            <a:spAutoFit/>
-          </a:bodyPr>
-          <a:lstStyle/>
-          <a:p>
-            <a:pPr algn="r"/>
-            <a:r>
-              <a:rPr lang="en-US" sz="1800">
-                <a:solidFill>
-                  <a:schemeClr val="accent6"/>
-                </a:solidFill>
-                <a:latin typeface="Wingdings 3" panose="05040102010807070707" pitchFamily="18" charset="2"/>
-              </a:rPr>
-              <a:t>z</a:t>
-            </a:r>
-            <a:endParaRPr lang="en-US" sz="1000">
-              <a:solidFill>
-                <a:schemeClr val="accent6"/>
-              </a:solidFill>
-              <a:latin typeface="MS Shell Dlg 2" panose="020B0604030504040204" pitchFamily="34" charset="0"/>
-            </a:endParaRPr>
-          </a:p>
-        </p:txBody>
-      </p:sp>
-      <p:sp>
-        <p:nvSpPr>
-          <p:cNvPr id="2" name="Title 1"/>
-          <p:cNvSpPr>
-            <a:spLocks noGrp="1"/>
-          </p:cNvSpPr>
-          <p:nvPr>
-            <p:ph type="title"/>
-          </p:nvPr>
-        </p:nvSpPr>
-        <p:spPr>
-          <a:xfrm>
-            <a:off x="2609873" y="805818"/>
-            <a:ext cx="7956560" cy="1078348"/>
-          </a:xfrm>
-        </p:spPr>
-        <p:txBody>
-          <a:bodyPr/>
-          <a:lstStyle/>
-          <a:p>
-            <a:r>
-              <a:rPr lang="de-DE"/>
-              <a:t>Mastertitelformat bearbeiten</a:t>
-            </a:r>
-            <a:endParaRPr lang="en-US"/>
-          </a:p>
-        </p:txBody>
-      </p:sp>
-      <p:sp>
-        <p:nvSpPr>
-          <p:cNvPr id="3" name="Text Placeholder 2"/>
-          <p:cNvSpPr>
-            <a:spLocks noGrp="1"/>
-          </p:cNvSpPr>
-          <p:nvPr>
-            <p:ph type="body" idx="1"/>
-          </p:nvPr>
-        </p:nvSpPr>
-        <p:spPr>
-          <a:xfrm>
-            <a:off x="2609285" y="2052115"/>
-            <a:ext cx="3896467" cy="713818"/>
-          </a:xfrm>
-        </p:spPr>
-        <p:txBody>
-          <a:bodyPr anchor="b">
-            <a:noAutofit/>
-          </a:bodyPr>
-          <a:lstStyle>
-            <a:lvl1pPr marL="0" indent="0" algn="l">
-              <a:lnSpc>
-                <a:spcPct val="100000"/>
-              </a:lnSpc>
-              <a:buNone/>
-              <a:defRPr sz="2200" b="0" cap="none" baseline="0">
-                <a:solidFill>
-                  <a:schemeClr val="accent6"/>
-                </a:solidFill>
-              </a:defRPr>
-            </a:lvl1pPr>
-            <a:lvl2pPr marL="457200" indent="0">
-              <a:buNone/>
-              <a:defRPr sz="2000" b="1"/>
-            </a:lvl2pPr>
-            <a:lvl3pPr marL="914400" indent="0">
-              <a:buNone/>
-              <a:defRPr sz="1800" b="1"/>
-            </a:lvl3pPr>
-            <a:lvl4pPr marL="1371600" indent="0">
-              <a:buNone/>
-              <a:defRPr sz="1600" b="1"/>
-            </a:lvl4pPr>
-            <a:lvl5pPr marL="1828800" indent="0">
-              <a:buNone/>
-              <a:defRPr sz="1600" b="1"/>
-            </a:lvl5pPr>
-            <a:lvl6pPr marL="2286000" indent="0">
-              <a:buNone/>
-              <a:defRPr sz="1600" b="1"/>
-            </a:lvl6pPr>
-            <a:lvl7pPr marL="2743200" indent="0">
-              <a:buNone/>
-              <a:defRPr sz="1600" b="1"/>
-            </a:lvl7pPr>
-            <a:lvl8pPr marL="3200400" indent="0">
-              <a:buNone/>
-              <a:defRPr sz="1600" b="1"/>
-            </a:lvl8pPr>
-            <a:lvl9pPr marL="3657600" indent="0">
-              <a:buNone/>
-              <a:defRPr sz="1600" b="1"/>
-            </a:lvl9pPr>
-          </a:lstStyle>
-          <a:p>
-            <a:pPr lvl="0"/>
-            <a:r>
-              <a:rPr lang="de-DE"/>
-              <a:t>Mastertextformat bearbeiten</a:t>
-            </a:r>
-          </a:p>
-        </p:txBody>
-      </p:sp>
-      <p:sp>
-        <p:nvSpPr>
-          <p:cNvPr id="4" name="Content Placeholder 3"/>
-          <p:cNvSpPr>
-            <a:spLocks noGrp="1"/>
-          </p:cNvSpPr>
-          <p:nvPr>
-            <p:ph sz="half" idx="2"/>
-          </p:nvPr>
-        </p:nvSpPr>
-        <p:spPr>
-          <a:xfrm>
-            <a:off x="2609285" y="2851331"/>
-            <a:ext cx="3893623" cy="3071434"/>
-          </a:xfrm>
-        </p:spPr>
-        <p:txBody>
-          <a:bodyPr/>
-          <a:lstStyle/>
-          <a:p>
-            <a:pPr lvl="0"/>
-            <a:r>
-              <a:rPr lang="de-DE"/>
-              <a:t>Mastertextformat bearbeiten</a:t>
-            </a:r>
-          </a:p>
-          <a:p>
-            <a:pPr lvl="1"/>
-            <a:r>
-              <a:rPr lang="de-DE"/>
-              <a:t>Zweite Ebene</a:t>
-            </a:r>
-          </a:p>
-          <a:p>
-            <a:pPr lvl="2"/>
-            <a:r>
-              <a:rPr lang="de-DE"/>
-              <a:t>Dritte Ebene</a:t>
-            </a:r>
-          </a:p>
-          <a:p>
-            <a:pPr lvl="3"/>
-            <a:r>
-              <a:rPr lang="de-DE"/>
-              <a:t>Vierte Ebene</a:t>
-            </a:r>
-          </a:p>
-          <a:p>
-            <a:pPr lvl="4"/>
-            <a:r>
-              <a:rPr lang="de-DE"/>
-              <a:t>Fünfte Ebene</a:t>
-            </a:r>
-            <a:endParaRPr lang="en-US"/>
-          </a:p>
-        </p:txBody>
-      </p:sp>
-      <p:sp>
-        <p:nvSpPr>
-          <p:cNvPr id="5" name="Text Placeholder 4"/>
-          <p:cNvSpPr>
-            <a:spLocks noGrp="1"/>
-          </p:cNvSpPr>
-          <p:nvPr>
-            <p:ph type="body" sz="quarter" idx="3"/>
-          </p:nvPr>
-        </p:nvSpPr>
-        <p:spPr>
-          <a:xfrm>
-            <a:off x="6666634" y="2052115"/>
-            <a:ext cx="3899798" cy="713818"/>
-          </a:xfrm>
-        </p:spPr>
-        <p:txBody>
-          <a:bodyPr anchor="b">
-            <a:noAutofit/>
-          </a:bodyPr>
-          <a:lstStyle>
-            <a:lvl1pPr marL="0" indent="0" algn="l">
-              <a:lnSpc>
-                <a:spcPct val="100000"/>
-              </a:lnSpc>
-              <a:buNone/>
-              <a:defRPr sz="2200" b="0" cap="none" baseline="0">
-                <a:solidFill>
-                  <a:schemeClr val="accent6"/>
-                </a:solidFill>
-              </a:defRPr>
-            </a:lvl1pPr>
-            <a:lvl2pPr marL="457200" indent="0">
-              <a:buNone/>
-              <a:defRPr sz="2000" b="1"/>
-            </a:lvl2pPr>
-            <a:lvl3pPr marL="914400" indent="0">
-              <a:buNone/>
-              <a:defRPr sz="1800" b="1"/>
-            </a:lvl3pPr>
-            <a:lvl4pPr marL="1371600" indent="0">
-              <a:buNone/>
-              <a:defRPr sz="1600" b="1"/>
-            </a:lvl4pPr>
-            <a:lvl5pPr marL="1828800" indent="0">
-              <a:buNone/>
-              <a:defRPr sz="1600" b="1"/>
-            </a:lvl5pPr>
-            <a:lvl6pPr marL="2286000" indent="0">
-              <a:buNone/>
-              <a:defRPr sz="1600" b="1"/>
-            </a:lvl6pPr>
-            <a:lvl7pPr marL="2743200" indent="0">
-              <a:buNone/>
-              <a:defRPr sz="1600" b="1"/>
-            </a:lvl7pPr>
-            <a:lvl8pPr marL="3200400" indent="0">
-              <a:buNone/>
-              <a:defRPr sz="1600" b="1"/>
-            </a:lvl8pPr>
-            <a:lvl9pPr marL="3657600" indent="0">
-              <a:buNone/>
-              <a:defRPr sz="1600" b="1"/>
-            </a:lvl9pPr>
-          </a:lstStyle>
-          <a:p>
-            <a:pPr lvl="0"/>
-            <a:r>
-              <a:rPr lang="de-DE"/>
-              <a:t>Mastertextformat bearbeiten</a:t>
-            </a:r>
-          </a:p>
-        </p:txBody>
-      </p:sp>
-      <p:sp>
-        <p:nvSpPr>
-          <p:cNvPr id="6" name="Content Placeholder 5"/>
-          <p:cNvSpPr>
-            <a:spLocks noGrp="1"/>
-          </p:cNvSpPr>
-          <p:nvPr>
-            <p:ph sz="quarter" idx="4"/>
-          </p:nvPr>
-        </p:nvSpPr>
-        <p:spPr>
-          <a:xfrm>
-            <a:off x="6666635" y="2851331"/>
-            <a:ext cx="3899798" cy="3071434"/>
-          </a:xfrm>
-        </p:spPr>
-        <p:txBody>
-          <a:bodyPr/>
-          <a:lstStyle/>
-          <a:p>
-            <a:pPr lvl="0"/>
-            <a:r>
-              <a:rPr lang="de-DE"/>
-              <a:t>Mastertextformat bearbeiten</a:t>
-            </a:r>
-          </a:p>
-          <a:p>
-            <a:pPr lvl="1"/>
-            <a:r>
-              <a:rPr lang="de-DE"/>
-              <a:t>Zweite Ebene</a:t>
-            </a:r>
-          </a:p>
-          <a:p>
-            <a:pPr lvl="2"/>
-            <a:r>
-              <a:rPr lang="de-DE"/>
-              <a:t>Dritte Ebene</a:t>
-            </a:r>
-          </a:p>
-          <a:p>
-            <a:pPr lvl="3"/>
-            <a:r>
-              <a:rPr lang="de-DE"/>
-              <a:t>Vierte Ebene</a:t>
-            </a:r>
-          </a:p>
-          <a:p>
-            <a:pPr lvl="4"/>
-            <a:r>
-              <a:rPr lang="de-DE"/>
-              <a:t>Fünfte Ebene</a:t>
-            </a:r>
-            <a:endParaRPr lang="en-US"/>
-          </a:p>
-        </p:txBody>
-      </p:sp>
-      <p:sp>
-        <p:nvSpPr>
-          <p:cNvPr id="7" name="Date Placeholder 6"/>
-          <p:cNvSpPr>
-            <a:spLocks noGrp="1"/>
-          </p:cNvSpPr>
-          <p:nvPr>
-            <p:ph type="dt" sz="half" idx="10"/>
-          </p:nvPr>
-        </p:nvSpPr>
-        <p:spPr/>
-        <p:txBody>
-          <a:bodyPr/>
-          <a:lstStyle/>
-          <a:p>
-            <a:fld id="{6CA99C16-F3DE-4BEA-BEA0-185955F827CC}" type="datetime1">
-              <a:rPr lang="de-DE" smtClean="0"/>
-              <a:t>03.11.2021</a:t>
-            </a:fld>
-            <a:endParaRPr lang="en-US"/>
-          </a:p>
-        </p:txBody>
-      </p:sp>
-      <p:sp>
-        <p:nvSpPr>
-          <p:cNvPr id="8" name="Footer Placeholder 7"/>
-          <p:cNvSpPr>
-            <a:spLocks noGrp="1"/>
-          </p:cNvSpPr>
-          <p:nvPr>
-            <p:ph type="ftr" sz="quarter" idx="11"/>
-          </p:nvPr>
-        </p:nvSpPr>
-        <p:spPr/>
-        <p:txBody>
-          <a:bodyPr/>
-          <a:lstStyle/>
-          <a:p>
-            <a:r>
-              <a:rPr lang="en-US"/>
-              <a:t>Sarah El Kalqui, Benjamin Swarovsky</a:t>
-            </a:r>
-          </a:p>
-        </p:txBody>
-      </p:sp>
-      <p:sp>
-        <p:nvSpPr>
-          <p:cNvPr id="9" name="Slide Number Placeholder 8"/>
-          <p:cNvSpPr>
-            <a:spLocks noGrp="1"/>
-          </p:cNvSpPr>
-          <p:nvPr>
-            <p:ph type="sldNum" sz="quarter" idx="12"/>
-          </p:nvPr>
-        </p:nvSpPr>
-        <p:spPr/>
-        <p:txBody>
-          <a:bodyPr/>
-          <a:lstStyle/>
-          <a:p>
-            <a:fld id="{6D22F896-40B5-4ADD-8801-0D06FADFA095}" type="slidenum">
-              <a:rPr lang="en-US" dirty="0"/>
-              <a:t>‹Nr.›</a:t>
-            </a:fld>
-            <a:endParaRPr lang="en-US"/>
           </a:p>
         </p:txBody>
       </p:sp>
@@ -5245,7 +5521,7 @@
           <p:nvPr/>
         </p:nvPicPr>
         <p:blipFill>
-          <a:blip r:embed="rId17">
+          <a:blip r:embed="rId18">
             <a:extLst>
               <a:ext uri="{28A0092B-C50C-407E-A947-70E740481C1C}">
                 <a14:useLocalDpi xmlns:a14="http://schemas.microsoft.com/office/drawing/2010/main" val="0"/>
@@ -5275,7 +5551,7 @@
           <p:nvPr/>
         </p:nvPicPr>
         <p:blipFill>
-          <a:blip r:embed="rId18">
+          <a:blip r:embed="rId19">
             <a:extLst>
               <a:ext uri="{28A0092B-C50C-407E-A947-70E740481C1C}">
                 <a14:useLocalDpi xmlns:a14="http://schemas.microsoft.com/office/drawing/2010/main" val="0"/>
@@ -5599,19 +5875,20 @@
   <p:sldLayoutIdLst>
     <p:sldLayoutId id="2147483649" r:id="rId1"/>
     <p:sldLayoutId id="2147483650" r:id="rId2"/>
-    <p:sldLayoutId id="2147483661" r:id="rId3"/>
-    <p:sldLayoutId id="2147483662" r:id="rId4"/>
-    <p:sldLayoutId id="2147483663" r:id="rId5"/>
-    <p:sldLayoutId id="2147483660" r:id="rId6"/>
-    <p:sldLayoutId id="2147483651" r:id="rId7"/>
-    <p:sldLayoutId id="2147483652" r:id="rId8"/>
-    <p:sldLayoutId id="2147483653" r:id="rId9"/>
-    <p:sldLayoutId id="2147483654" r:id="rId10"/>
-    <p:sldLayoutId id="2147483655" r:id="rId11"/>
-    <p:sldLayoutId id="2147483656" r:id="rId12"/>
-    <p:sldLayoutId id="2147483657" r:id="rId13"/>
-    <p:sldLayoutId id="2147483658" r:id="rId14"/>
-    <p:sldLayoutId id="2147483659" r:id="rId15"/>
+    <p:sldLayoutId id="2147483664" r:id="rId3"/>
+    <p:sldLayoutId id="2147483661" r:id="rId4"/>
+    <p:sldLayoutId id="2147483662" r:id="rId5"/>
+    <p:sldLayoutId id="2147483663" r:id="rId6"/>
+    <p:sldLayoutId id="2147483660" r:id="rId7"/>
+    <p:sldLayoutId id="2147483651" r:id="rId8"/>
+    <p:sldLayoutId id="2147483652" r:id="rId9"/>
+    <p:sldLayoutId id="2147483653" r:id="rId10"/>
+    <p:sldLayoutId id="2147483654" r:id="rId11"/>
+    <p:sldLayoutId id="2147483655" r:id="rId12"/>
+    <p:sldLayoutId id="2147483656" r:id="rId13"/>
+    <p:sldLayoutId id="2147483657" r:id="rId14"/>
+    <p:sldLayoutId id="2147483658" r:id="rId15"/>
+    <p:sldLayoutId id="2147483659" r:id="rId16"/>
   </p:sldLayoutIdLst>
   <p:hf hdr="0"/>
   <p:txStyles>
@@ -6718,49 +6995,50 @@
           <a:p>
             <a:r>
               <a:rPr lang="de-DE" dirty="0"/>
-              <a:t>1. Einleitung</a:t>
+              <a:t>Einleitung</a:t>
             </a:r>
           </a:p>
           <a:p>
             <a:r>
               <a:rPr lang="de-DE" dirty="0"/>
-              <a:t>2. Architektur</a:t>
+              <a:t>Architektur</a:t>
             </a:r>
           </a:p>
           <a:p>
             <a:r>
               <a:rPr lang="de-DE" dirty="0"/>
-              <a:t>3. API Gateway</a:t>
+              <a:t>API Gateway</a:t>
             </a:r>
           </a:p>
           <a:p>
             <a:r>
               <a:rPr lang="de-DE" dirty="0"/>
-              <a:t>4. Service Discovery</a:t>
-            </a:r>
+              <a:t>Service Discovery</a:t>
+            </a:r>
+          </a:p>
+          <a:p>
+            <a:r>
+              <a:rPr lang="de-DE"/>
+              <a:t>Load Balancer</a:t>
+            </a:r>
+            <a:endParaRPr lang="de-DE" dirty="0"/>
           </a:p>
           <a:p>
             <a:r>
               <a:rPr lang="de-DE" dirty="0"/>
-              <a:t>5. Loadbalancer</a:t>
+              <a:t>Zusammenspiel der Technologien</a:t>
             </a:r>
           </a:p>
           <a:p>
             <a:r>
               <a:rPr lang="de-DE" dirty="0"/>
-              <a:t>6. Zusammenspiel der Technologien</a:t>
+              <a:t>Auswertung</a:t>
             </a:r>
           </a:p>
           <a:p>
             <a:r>
               <a:rPr lang="de-DE" dirty="0"/>
-              <a:t>7. Auswertung</a:t>
-            </a:r>
-          </a:p>
-          <a:p>
-            <a:r>
-              <a:rPr lang="de-DE" dirty="0"/>
-              <a:t>8. Demonstration des Prototypen</a:t>
+              <a:t>Demonstration des Prototypen</a:t>
             </a:r>
           </a:p>
           <a:p>
@@ -6870,6 +7148,948 @@
     <p:extLst>
       <p:ext uri="{BB962C8B-B14F-4D97-AF65-F5344CB8AC3E}">
         <p14:creationId xmlns:p14="http://schemas.microsoft.com/office/powerpoint/2010/main" val="1135551138"/>
+      </p:ext>
+    </p:extLst>
+  </p:cSld>
+  <p:clrMapOvr>
+    <a:masterClrMapping/>
+  </p:clrMapOvr>
+</p:sld>
+</file>
+
+<file path=ppt/slides/slide3.xml><?xml version="1.0" encoding="utf-8"?>
+<p:sld xmlns:a="http://schemas.openxmlformats.org/drawingml/2006/main" xmlns:r="http://schemas.openxmlformats.org/officeDocument/2006/relationships" xmlns:p="http://schemas.openxmlformats.org/presentationml/2006/main">
+  <p:cSld>
+    <p:spTree>
+      <p:nvGrpSpPr>
+        <p:cNvPr id="1" name=""/>
+        <p:cNvGrpSpPr/>
+        <p:nvPr/>
+      </p:nvGrpSpPr>
+      <p:grpSpPr>
+        <a:xfrm>
+          <a:off x="0" y="0"/>
+          <a:ext cx="0" cy="0"/>
+          <a:chOff x="0" y="0"/>
+          <a:chExt cx="0" cy="0"/>
+        </a:xfrm>
+      </p:grpSpPr>
+      <p:sp>
+        <p:nvSpPr>
+          <p:cNvPr id="2" name="Titel 1">
+            <a:extLst>
+              <a:ext uri="{FF2B5EF4-FFF2-40B4-BE49-F238E27FC236}">
+                <a16:creationId xmlns:a16="http://schemas.microsoft.com/office/drawing/2014/main" id="{97E854AF-370A-4DD2-B05B-BA9F47E75C37}"/>
+              </a:ext>
+            </a:extLst>
+          </p:cNvPr>
+          <p:cNvSpPr>
+            <a:spLocks noGrp="1"/>
+          </p:cNvSpPr>
+          <p:nvPr>
+            <p:ph type="title"/>
+          </p:nvPr>
+        </p:nvSpPr>
+        <p:spPr/>
+        <p:txBody>
+          <a:bodyPr/>
+          <a:lstStyle/>
+          <a:p>
+            <a:endParaRPr lang="de-DE" dirty="0"/>
+          </a:p>
+        </p:txBody>
+      </p:sp>
+      <p:sp>
+        <p:nvSpPr>
+          <p:cNvPr id="3" name="Inhaltsplatzhalter 2">
+            <a:extLst>
+              <a:ext uri="{FF2B5EF4-FFF2-40B4-BE49-F238E27FC236}">
+                <a16:creationId xmlns:a16="http://schemas.microsoft.com/office/drawing/2014/main" id="{C98CDAB6-320F-43C1-90E0-C684815DE0C4}"/>
+              </a:ext>
+            </a:extLst>
+          </p:cNvPr>
+          <p:cNvSpPr>
+            <a:spLocks noGrp="1"/>
+          </p:cNvSpPr>
+          <p:nvPr>
+            <p:ph idx="1"/>
+          </p:nvPr>
+        </p:nvSpPr>
+        <p:spPr>
+          <a:xfrm>
+            <a:off x="1614649" y="1685228"/>
+            <a:ext cx="7901820" cy="4749440"/>
+          </a:xfrm>
+        </p:spPr>
+        <p:txBody>
+          <a:bodyPr>
+            <a:normAutofit fontScale="40000" lnSpcReduction="20000"/>
+          </a:bodyPr>
+          <a:lstStyle/>
+          <a:p>
+            <a:r>
+              <a:rPr lang="de-DE" sz="4000" b="1" dirty="0"/>
+              <a:t> Einleitung</a:t>
+            </a:r>
+          </a:p>
+          <a:p>
+            <a:pPr lvl="1"/>
+            <a:r>
+              <a:rPr lang="de-DE" sz="4000" dirty="0"/>
+              <a:t>Problemstellung</a:t>
+            </a:r>
+          </a:p>
+          <a:p>
+            <a:pPr lvl="1"/>
+            <a:r>
+              <a:rPr lang="de-DE" sz="4000" dirty="0"/>
+              <a:t>Ziele</a:t>
+            </a:r>
+          </a:p>
+          <a:p>
+            <a:r>
+              <a:rPr lang="de-DE" sz="4000" dirty="0">
+                <a:solidFill>
+                  <a:schemeClr val="tx1">
+                    <a:lumMod val="75000"/>
+                  </a:schemeClr>
+                </a:solidFill>
+              </a:rPr>
+              <a:t>Architektur</a:t>
+            </a:r>
+          </a:p>
+          <a:p>
+            <a:r>
+              <a:rPr lang="de-DE" sz="4000" dirty="0">
+                <a:solidFill>
+                  <a:schemeClr val="tx1">
+                    <a:lumMod val="75000"/>
+                  </a:schemeClr>
+                </a:solidFill>
+              </a:rPr>
+              <a:t>API Gateway</a:t>
+            </a:r>
+          </a:p>
+          <a:p>
+            <a:r>
+              <a:rPr lang="de-DE" sz="4000" dirty="0">
+                <a:solidFill>
+                  <a:schemeClr val="tx1">
+                    <a:lumMod val="75000"/>
+                  </a:schemeClr>
+                </a:solidFill>
+              </a:rPr>
+              <a:t>Service Discovery</a:t>
+            </a:r>
+          </a:p>
+          <a:p>
+            <a:r>
+              <a:rPr lang="de-DE" sz="4000" dirty="0">
+                <a:solidFill>
+                  <a:schemeClr val="tx1">
+                    <a:lumMod val="75000"/>
+                  </a:schemeClr>
+                </a:solidFill>
+              </a:rPr>
+              <a:t>Loadbalancer</a:t>
+            </a:r>
+          </a:p>
+          <a:p>
+            <a:r>
+              <a:rPr lang="de-DE" sz="4000" dirty="0">
+                <a:solidFill>
+                  <a:schemeClr val="tx1">
+                    <a:lumMod val="75000"/>
+                  </a:schemeClr>
+                </a:solidFill>
+              </a:rPr>
+              <a:t>Zusammenspiel der Technologien</a:t>
+            </a:r>
+          </a:p>
+          <a:p>
+            <a:r>
+              <a:rPr lang="de-DE" sz="4000" dirty="0">
+                <a:solidFill>
+                  <a:schemeClr val="tx1">
+                    <a:lumMod val="75000"/>
+                  </a:schemeClr>
+                </a:solidFill>
+              </a:rPr>
+              <a:t>Auswertung</a:t>
+            </a:r>
+          </a:p>
+          <a:p>
+            <a:r>
+              <a:rPr lang="de-DE" sz="4000" dirty="0">
+                <a:solidFill>
+                  <a:schemeClr val="tx1">
+                    <a:lumMod val="75000"/>
+                  </a:schemeClr>
+                </a:solidFill>
+              </a:rPr>
+              <a:t>Demonstration des Prototypen</a:t>
+            </a:r>
+          </a:p>
+          <a:p>
+            <a:pPr marL="457200" lvl="1" indent="0">
+              <a:buNone/>
+            </a:pPr>
+            <a:endParaRPr lang="de-DE" dirty="0"/>
+          </a:p>
+          <a:p>
+            <a:pPr lvl="1"/>
+            <a:endParaRPr lang="de-DE" dirty="0"/>
+          </a:p>
+          <a:p>
+            <a:endParaRPr lang="de-DE" dirty="0"/>
+          </a:p>
+        </p:txBody>
+      </p:sp>
+      <p:sp>
+        <p:nvSpPr>
+          <p:cNvPr id="4" name="Datumsplatzhalter 3">
+            <a:extLst>
+              <a:ext uri="{FF2B5EF4-FFF2-40B4-BE49-F238E27FC236}">
+                <a16:creationId xmlns:a16="http://schemas.microsoft.com/office/drawing/2014/main" id="{B1C5A0D9-0D16-40F0-A270-E2153F54A613}"/>
+              </a:ext>
+            </a:extLst>
+          </p:cNvPr>
+          <p:cNvSpPr>
+            <a:spLocks noGrp="1"/>
+          </p:cNvSpPr>
+          <p:nvPr>
+            <p:ph type="dt" sz="half" idx="10"/>
+          </p:nvPr>
+        </p:nvSpPr>
+        <p:spPr/>
+        <p:txBody>
+          <a:bodyPr/>
+          <a:lstStyle/>
+          <a:p>
+            <a:fld id="{BB7604C3-A478-448A-88D6-07EFA8665C1F}" type="datetime1">
+              <a:rPr lang="de-DE" smtClean="0"/>
+              <a:t>03.11.2021</a:t>
+            </a:fld>
+            <a:endParaRPr lang="en-US"/>
+          </a:p>
+        </p:txBody>
+      </p:sp>
+      <p:sp>
+        <p:nvSpPr>
+          <p:cNvPr id="5" name="Fußzeilenplatzhalter 4">
+            <a:extLst>
+              <a:ext uri="{FF2B5EF4-FFF2-40B4-BE49-F238E27FC236}">
+                <a16:creationId xmlns:a16="http://schemas.microsoft.com/office/drawing/2014/main" id="{6987783A-1F70-47FB-8650-215BADB0D895}"/>
+              </a:ext>
+            </a:extLst>
+          </p:cNvPr>
+          <p:cNvSpPr>
+            <a:spLocks noGrp="1"/>
+          </p:cNvSpPr>
+          <p:nvPr>
+            <p:ph type="ftr" sz="quarter" idx="11"/>
+          </p:nvPr>
+        </p:nvSpPr>
+        <p:spPr/>
+        <p:txBody>
+          <a:bodyPr/>
+          <a:lstStyle/>
+          <a:p>
+            <a:pPr algn="ctr"/>
+            <a:r>
+              <a:rPr lang="en-US"/>
+              <a:t>Benjamin Swarovsky</a:t>
+            </a:r>
+            <a:endParaRPr lang="en-US" dirty="0"/>
+          </a:p>
+        </p:txBody>
+      </p:sp>
+      <p:sp>
+        <p:nvSpPr>
+          <p:cNvPr id="6" name="Foliennummernplatzhalter 5">
+            <a:extLst>
+              <a:ext uri="{FF2B5EF4-FFF2-40B4-BE49-F238E27FC236}">
+                <a16:creationId xmlns:a16="http://schemas.microsoft.com/office/drawing/2014/main" id="{EDFC56A4-BEFD-4224-A109-1FFEDB0D2EF9}"/>
+              </a:ext>
+            </a:extLst>
+          </p:cNvPr>
+          <p:cNvSpPr>
+            <a:spLocks noGrp="1"/>
+          </p:cNvSpPr>
+          <p:nvPr>
+            <p:ph type="sldNum" sz="quarter" idx="12"/>
+          </p:nvPr>
+        </p:nvSpPr>
+        <p:spPr/>
+        <p:txBody>
+          <a:bodyPr/>
+          <a:lstStyle/>
+          <a:p>
+            <a:fld id="{6D22F896-40B5-4ADD-8801-0D06FADFA095}" type="slidenum">
+              <a:rPr lang="en-US" smtClean="0"/>
+              <a:t>3</a:t>
+            </a:fld>
+            <a:endParaRPr lang="en-US"/>
+          </a:p>
+        </p:txBody>
+      </p:sp>
+    </p:spTree>
+    <p:extLst>
+      <p:ext uri="{BB962C8B-B14F-4D97-AF65-F5344CB8AC3E}">
+        <p14:creationId xmlns:p14="http://schemas.microsoft.com/office/powerpoint/2010/main" val="97541895"/>
+      </p:ext>
+    </p:extLst>
+  </p:cSld>
+  <p:clrMapOvr>
+    <a:masterClrMapping/>
+  </p:clrMapOvr>
+</p:sld>
+</file>
+
+<file path=ppt/slides/slide4.xml><?xml version="1.0" encoding="utf-8"?>
+<p:sld xmlns:a="http://schemas.openxmlformats.org/drawingml/2006/main" xmlns:r="http://schemas.openxmlformats.org/officeDocument/2006/relationships" xmlns:p="http://schemas.openxmlformats.org/presentationml/2006/main">
+  <p:cSld>
+    <p:spTree>
+      <p:nvGrpSpPr>
+        <p:cNvPr id="1" name=""/>
+        <p:cNvGrpSpPr/>
+        <p:nvPr/>
+      </p:nvGrpSpPr>
+      <p:grpSpPr>
+        <a:xfrm>
+          <a:off x="0" y="0"/>
+          <a:ext cx="0" cy="0"/>
+          <a:chOff x="0" y="0"/>
+          <a:chExt cx="0" cy="0"/>
+        </a:xfrm>
+      </p:grpSpPr>
+      <p:sp>
+        <p:nvSpPr>
+          <p:cNvPr id="2" name="Titel 1">
+            <a:extLst>
+              <a:ext uri="{FF2B5EF4-FFF2-40B4-BE49-F238E27FC236}">
+                <a16:creationId xmlns:a16="http://schemas.microsoft.com/office/drawing/2014/main" id="{8272F12D-DE1B-43C8-BC90-15429E4678A2}"/>
+              </a:ext>
+            </a:extLst>
+          </p:cNvPr>
+          <p:cNvSpPr>
+            <a:spLocks noGrp="1"/>
+          </p:cNvSpPr>
+          <p:nvPr>
+            <p:ph type="title"/>
+          </p:nvPr>
+        </p:nvSpPr>
+        <p:spPr/>
+        <p:txBody>
+          <a:bodyPr/>
+          <a:lstStyle/>
+          <a:p>
+            <a:r>
+              <a:rPr lang="de-DE" dirty="0"/>
+              <a:t>Problemstellung</a:t>
+            </a:r>
+          </a:p>
+        </p:txBody>
+      </p:sp>
+      <p:sp>
+        <p:nvSpPr>
+          <p:cNvPr id="3" name="Inhaltsplatzhalter 2">
+            <a:extLst>
+              <a:ext uri="{FF2B5EF4-FFF2-40B4-BE49-F238E27FC236}">
+                <a16:creationId xmlns:a16="http://schemas.microsoft.com/office/drawing/2014/main" id="{D5FDEF89-6AD6-4318-9E78-F4CABD9A2761}"/>
+              </a:ext>
+            </a:extLst>
+          </p:cNvPr>
+          <p:cNvSpPr>
+            <a:spLocks noGrp="1"/>
+          </p:cNvSpPr>
+          <p:nvPr>
+            <p:ph idx="1"/>
+          </p:nvPr>
+        </p:nvSpPr>
+        <p:spPr>
+          <a:xfrm>
+            <a:off x="1614650" y="2236462"/>
+            <a:ext cx="7796540" cy="4907827"/>
+          </a:xfrm>
+        </p:spPr>
+        <p:txBody>
+          <a:bodyPr>
+            <a:normAutofit fontScale="85000" lnSpcReduction="20000"/>
+          </a:bodyPr>
+          <a:lstStyle/>
+          <a:p>
+            <a:r>
+              <a:rPr lang="de-DE" dirty="0"/>
+              <a:t>Monolith:</a:t>
+            </a:r>
+          </a:p>
+          <a:p>
+            <a:pPr lvl="1"/>
+            <a:r>
+              <a:rPr lang="de-DE" dirty="0"/>
+              <a:t>Enge Kopplung</a:t>
+            </a:r>
+          </a:p>
+          <a:p>
+            <a:pPr lvl="1"/>
+            <a:r>
+              <a:rPr lang="de-DE" dirty="0"/>
+              <a:t>Schlecht skalierbar</a:t>
+            </a:r>
+          </a:p>
+          <a:p>
+            <a:pPr lvl="1"/>
+            <a:r>
+              <a:rPr lang="de-DE" dirty="0"/>
+              <a:t>Big Ball </a:t>
+            </a:r>
+            <a:r>
+              <a:rPr lang="de-DE" dirty="0" err="1"/>
+              <a:t>of</a:t>
+            </a:r>
+            <a:r>
+              <a:rPr lang="de-DE" dirty="0"/>
+              <a:t> </a:t>
+            </a:r>
+            <a:r>
+              <a:rPr lang="de-DE" dirty="0" err="1"/>
+              <a:t>Mudd</a:t>
+            </a:r>
+            <a:endParaRPr lang="de-DE" dirty="0"/>
+          </a:p>
+          <a:p>
+            <a:pPr marL="457200" lvl="1" indent="0">
+              <a:buNone/>
+            </a:pPr>
+            <a:endParaRPr lang="de-DE" dirty="0"/>
+          </a:p>
+          <a:p>
+            <a:r>
+              <a:rPr lang="de-DE" dirty="0"/>
+              <a:t>Microservices	</a:t>
+            </a:r>
+          </a:p>
+          <a:p>
+            <a:endParaRPr lang="de-DE" dirty="0"/>
+          </a:p>
+          <a:p>
+            <a:r>
+              <a:rPr lang="de-DE" dirty="0"/>
+              <a:t>Anspruchsvolle Architektur</a:t>
+            </a:r>
+          </a:p>
+          <a:p>
+            <a:r>
+              <a:rPr lang="de-DE" dirty="0"/>
+              <a:t>Herausforderungen beim Einsatz mehrerer Services:</a:t>
+            </a:r>
+          </a:p>
+          <a:p>
+            <a:pPr lvl="1"/>
+            <a:r>
+              <a:rPr lang="de-DE" dirty="0"/>
+              <a:t>Konsistenz</a:t>
+            </a:r>
+          </a:p>
+          <a:p>
+            <a:pPr lvl="1"/>
+            <a:r>
+              <a:rPr lang="de-DE" dirty="0"/>
+              <a:t>Kommunikation</a:t>
+            </a:r>
+          </a:p>
+          <a:p>
+            <a:pPr lvl="1"/>
+            <a:r>
+              <a:rPr lang="de-DE" dirty="0"/>
+              <a:t>Fehlerbehandlung</a:t>
+            </a:r>
+          </a:p>
+          <a:p>
+            <a:pPr lvl="1"/>
+            <a:endParaRPr lang="de-DE" dirty="0"/>
+          </a:p>
+          <a:p>
+            <a:pPr marL="457200" lvl="1" indent="0">
+              <a:buNone/>
+            </a:pPr>
+            <a:endParaRPr lang="de-DE" dirty="0"/>
+          </a:p>
+          <a:p>
+            <a:pPr lvl="1"/>
+            <a:endParaRPr lang="de-DE" dirty="0"/>
+          </a:p>
+          <a:p>
+            <a:pPr lvl="1"/>
+            <a:endParaRPr lang="de-DE" dirty="0"/>
+          </a:p>
+        </p:txBody>
+      </p:sp>
+      <p:sp>
+        <p:nvSpPr>
+          <p:cNvPr id="4" name="Datumsplatzhalter 3">
+            <a:extLst>
+              <a:ext uri="{FF2B5EF4-FFF2-40B4-BE49-F238E27FC236}">
+                <a16:creationId xmlns:a16="http://schemas.microsoft.com/office/drawing/2014/main" id="{CE95745A-3467-44E8-AED4-FD11E77D1D4E}"/>
+              </a:ext>
+            </a:extLst>
+          </p:cNvPr>
+          <p:cNvSpPr>
+            <a:spLocks noGrp="1"/>
+          </p:cNvSpPr>
+          <p:nvPr>
+            <p:ph type="dt" sz="half" idx="10"/>
+          </p:nvPr>
+        </p:nvSpPr>
+        <p:spPr/>
+        <p:txBody>
+          <a:bodyPr/>
+          <a:lstStyle/>
+          <a:p>
+            <a:fld id="{BB7604C3-A478-448A-88D6-07EFA8665C1F}" type="datetime1">
+              <a:rPr lang="de-DE" smtClean="0"/>
+              <a:t>04.11.2021</a:t>
+            </a:fld>
+            <a:endParaRPr lang="en-US"/>
+          </a:p>
+        </p:txBody>
+      </p:sp>
+      <p:sp>
+        <p:nvSpPr>
+          <p:cNvPr id="5" name="Fußzeilenplatzhalter 4">
+            <a:extLst>
+              <a:ext uri="{FF2B5EF4-FFF2-40B4-BE49-F238E27FC236}">
+                <a16:creationId xmlns:a16="http://schemas.microsoft.com/office/drawing/2014/main" id="{D8CCE3C8-62DC-4AEF-9918-32ABE83C4C9E}"/>
+              </a:ext>
+            </a:extLst>
+          </p:cNvPr>
+          <p:cNvSpPr>
+            <a:spLocks noGrp="1"/>
+          </p:cNvSpPr>
+          <p:nvPr>
+            <p:ph type="ftr" sz="quarter" idx="11"/>
+          </p:nvPr>
+        </p:nvSpPr>
+        <p:spPr/>
+        <p:txBody>
+          <a:bodyPr/>
+          <a:lstStyle/>
+          <a:p>
+            <a:pPr algn="ctr"/>
+            <a:r>
+              <a:rPr lang="en-US"/>
+              <a:t>Benjamin Swarovsky</a:t>
+            </a:r>
+            <a:endParaRPr lang="en-US" dirty="0"/>
+          </a:p>
+        </p:txBody>
+      </p:sp>
+      <p:sp>
+        <p:nvSpPr>
+          <p:cNvPr id="6" name="Foliennummernplatzhalter 5">
+            <a:extLst>
+              <a:ext uri="{FF2B5EF4-FFF2-40B4-BE49-F238E27FC236}">
+                <a16:creationId xmlns:a16="http://schemas.microsoft.com/office/drawing/2014/main" id="{532A9456-6CBB-4F05-8203-214D2E79529F}"/>
+              </a:ext>
+            </a:extLst>
+          </p:cNvPr>
+          <p:cNvSpPr>
+            <a:spLocks noGrp="1"/>
+          </p:cNvSpPr>
+          <p:nvPr>
+            <p:ph type="sldNum" sz="quarter" idx="12"/>
+          </p:nvPr>
+        </p:nvSpPr>
+        <p:spPr/>
+        <p:txBody>
+          <a:bodyPr/>
+          <a:lstStyle/>
+          <a:p>
+            <a:fld id="{6D22F896-40B5-4ADD-8801-0D06FADFA095}" type="slidenum">
+              <a:rPr lang="en-US" smtClean="0"/>
+              <a:t>4</a:t>
+            </a:fld>
+            <a:endParaRPr lang="en-US"/>
+          </a:p>
+        </p:txBody>
+      </p:sp>
+      <p:pic>
+        <p:nvPicPr>
+          <p:cNvPr id="8" name="Grafik 7" descr="Häkchen mit einfarbiger Füllung">
+            <a:extLst>
+              <a:ext uri="{FF2B5EF4-FFF2-40B4-BE49-F238E27FC236}">
+                <a16:creationId xmlns:a16="http://schemas.microsoft.com/office/drawing/2014/main" id="{F11E36EA-8380-453A-BAC2-7A40D3C06E1E}"/>
+              </a:ext>
+            </a:extLst>
+          </p:cNvPr>
+          <p:cNvPicPr>
+            <a:picLocks noChangeAspect="1"/>
+          </p:cNvPicPr>
+          <p:nvPr/>
+        </p:nvPicPr>
+        <p:blipFill>
+          <a:blip r:embed="rId2">
+            <a:extLst>
+              <a:ext uri="{96DAC541-7B7A-43D3-8B79-37D633B846F1}">
+                <asvg:svgBlip xmlns:asvg="http://schemas.microsoft.com/office/drawing/2016/SVG/main" r:embed="rId3"/>
+              </a:ext>
+            </a:extLst>
+          </a:blip>
+          <a:stretch>
+            <a:fillRect/>
+          </a:stretch>
+        </p:blipFill>
+        <p:spPr>
+          <a:xfrm>
+            <a:off x="3636723" y="3429000"/>
+            <a:ext cx="450873" cy="450873"/>
+          </a:xfrm>
+          <a:prstGeom prst="rect">
+            <a:avLst/>
+          </a:prstGeom>
+        </p:spPr>
+      </p:pic>
+      <p:pic>
+        <p:nvPicPr>
+          <p:cNvPr id="9" name="Grafik 8" descr="Ausrufezeichen mit einfarbiger Füllung">
+            <a:extLst>
+              <a:ext uri="{FF2B5EF4-FFF2-40B4-BE49-F238E27FC236}">
+                <a16:creationId xmlns:a16="http://schemas.microsoft.com/office/drawing/2014/main" id="{D5538A56-7952-48B3-8F39-9B4828DC8ADE}"/>
+              </a:ext>
+            </a:extLst>
+          </p:cNvPr>
+          <p:cNvPicPr>
+            <a:picLocks noChangeAspect="1"/>
+          </p:cNvPicPr>
+          <p:nvPr/>
+        </p:nvPicPr>
+        <p:blipFill>
+          <a:blip r:embed="rId4">
+            <a:extLst>
+              <a:ext uri="{96DAC541-7B7A-43D3-8B79-37D633B846F1}">
+                <asvg:svgBlip xmlns:asvg="http://schemas.microsoft.com/office/drawing/2016/SVG/main" r:embed="rId5"/>
+              </a:ext>
+            </a:extLst>
+          </a:blip>
+          <a:stretch>
+            <a:fillRect/>
+          </a:stretch>
+        </p:blipFill>
+        <p:spPr>
+          <a:xfrm>
+            <a:off x="768322" y="4334895"/>
+            <a:ext cx="1071768" cy="1071768"/>
+          </a:xfrm>
+          <a:prstGeom prst="rect">
+            <a:avLst/>
+          </a:prstGeom>
+        </p:spPr>
+      </p:pic>
+      <p:pic>
+        <p:nvPicPr>
+          <p:cNvPr id="13" name="Grafik 12" descr="Markee nicht mehr folgen Silhouette">
+            <a:extLst>
+              <a:ext uri="{FF2B5EF4-FFF2-40B4-BE49-F238E27FC236}">
+                <a16:creationId xmlns:a16="http://schemas.microsoft.com/office/drawing/2014/main" id="{0F1AAF0D-FB20-40A7-A57E-5ACBC14A204F}"/>
+              </a:ext>
+            </a:extLst>
+          </p:cNvPr>
+          <p:cNvPicPr>
+            <a:picLocks noChangeAspect="1"/>
+          </p:cNvPicPr>
+          <p:nvPr/>
+        </p:nvPicPr>
+        <p:blipFill>
+          <a:blip r:embed="rId6">
+            <a:extLst>
+              <a:ext uri="{96DAC541-7B7A-43D3-8B79-37D633B846F1}">
+                <asvg:svgBlip xmlns:asvg="http://schemas.microsoft.com/office/drawing/2016/SVG/main" r:embed="rId7"/>
+              </a:ext>
+            </a:extLst>
+          </a:blip>
+          <a:stretch>
+            <a:fillRect/>
+          </a:stretch>
+        </p:blipFill>
+        <p:spPr>
+          <a:xfrm>
+            <a:off x="4583287" y="1909085"/>
+            <a:ext cx="327377" cy="327377"/>
+          </a:xfrm>
+          <a:prstGeom prst="rect">
+            <a:avLst/>
+          </a:prstGeom>
+        </p:spPr>
+      </p:pic>
+      <p:pic>
+        <p:nvPicPr>
+          <p:cNvPr id="14" name="Grafik 13" descr="Markee nicht mehr folgen Silhouette">
+            <a:extLst>
+              <a:ext uri="{FF2B5EF4-FFF2-40B4-BE49-F238E27FC236}">
+                <a16:creationId xmlns:a16="http://schemas.microsoft.com/office/drawing/2014/main" id="{4FB1D398-034B-4631-A519-D28242223CFB}"/>
+              </a:ext>
+            </a:extLst>
+          </p:cNvPr>
+          <p:cNvPicPr>
+            <a:picLocks noChangeAspect="1"/>
+          </p:cNvPicPr>
+          <p:nvPr/>
+        </p:nvPicPr>
+        <p:blipFill>
+          <a:blip r:embed="rId6">
+            <a:extLst>
+              <a:ext uri="{96DAC541-7B7A-43D3-8B79-37D633B846F1}">
+                <asvg:svgBlip xmlns:asvg="http://schemas.microsoft.com/office/drawing/2016/SVG/main" r:embed="rId7"/>
+              </a:ext>
+            </a:extLst>
+          </a:blip>
+          <a:stretch>
+            <a:fillRect/>
+          </a:stretch>
+        </p:blipFill>
+        <p:spPr>
+          <a:xfrm>
+            <a:off x="4583286" y="2334771"/>
+            <a:ext cx="327377" cy="327377"/>
+          </a:xfrm>
+          <a:prstGeom prst="rect">
+            <a:avLst/>
+          </a:prstGeom>
+        </p:spPr>
+      </p:pic>
+      <p:pic>
+        <p:nvPicPr>
+          <p:cNvPr id="15" name="Grafik 14" descr="Markee nicht mehr folgen Silhouette">
+            <a:extLst>
+              <a:ext uri="{FF2B5EF4-FFF2-40B4-BE49-F238E27FC236}">
+                <a16:creationId xmlns:a16="http://schemas.microsoft.com/office/drawing/2014/main" id="{8CD2E987-671F-4D41-A194-7E6E9A5D5B9F}"/>
+              </a:ext>
+            </a:extLst>
+          </p:cNvPr>
+          <p:cNvPicPr>
+            <a:picLocks noChangeAspect="1"/>
+          </p:cNvPicPr>
+          <p:nvPr/>
+        </p:nvPicPr>
+        <p:blipFill>
+          <a:blip r:embed="rId6">
+            <a:extLst>
+              <a:ext uri="{96DAC541-7B7A-43D3-8B79-37D633B846F1}">
+                <asvg:svgBlip xmlns:asvg="http://schemas.microsoft.com/office/drawing/2016/SVG/main" r:embed="rId7"/>
+              </a:ext>
+            </a:extLst>
+          </a:blip>
+          <a:stretch>
+            <a:fillRect/>
+          </a:stretch>
+        </p:blipFill>
+        <p:spPr>
+          <a:xfrm>
+            <a:off x="4583287" y="2765979"/>
+            <a:ext cx="327377" cy="327377"/>
+          </a:xfrm>
+          <a:prstGeom prst="rect">
+            <a:avLst/>
+          </a:prstGeom>
+        </p:spPr>
+      </p:pic>
+    </p:spTree>
+    <p:extLst>
+      <p:ext uri="{BB962C8B-B14F-4D97-AF65-F5344CB8AC3E}">
+        <p14:creationId xmlns:p14="http://schemas.microsoft.com/office/powerpoint/2010/main" val="2421269759"/>
+      </p:ext>
+    </p:extLst>
+  </p:cSld>
+  <p:clrMapOvr>
+    <a:masterClrMapping/>
+  </p:clrMapOvr>
+</p:sld>
+</file>
+
+<file path=ppt/slides/slide5.xml><?xml version="1.0" encoding="utf-8"?>
+<p:sld xmlns:a="http://schemas.openxmlformats.org/drawingml/2006/main" xmlns:r="http://schemas.openxmlformats.org/officeDocument/2006/relationships" xmlns:p="http://schemas.openxmlformats.org/presentationml/2006/main">
+  <p:cSld>
+    <p:spTree>
+      <p:nvGrpSpPr>
+        <p:cNvPr id="1" name=""/>
+        <p:cNvGrpSpPr/>
+        <p:nvPr/>
+      </p:nvGrpSpPr>
+      <p:grpSpPr>
+        <a:xfrm>
+          <a:off x="0" y="0"/>
+          <a:ext cx="0" cy="0"/>
+          <a:chOff x="0" y="0"/>
+          <a:chExt cx="0" cy="0"/>
+        </a:xfrm>
+      </p:grpSpPr>
+      <p:sp>
+        <p:nvSpPr>
+          <p:cNvPr id="2" name="Titel 1">
+            <a:extLst>
+              <a:ext uri="{FF2B5EF4-FFF2-40B4-BE49-F238E27FC236}">
+                <a16:creationId xmlns:a16="http://schemas.microsoft.com/office/drawing/2014/main" id="{AAE7E75E-C754-45F4-AEA9-8F15617425E7}"/>
+              </a:ext>
+            </a:extLst>
+          </p:cNvPr>
+          <p:cNvSpPr>
+            <a:spLocks noGrp="1"/>
+          </p:cNvSpPr>
+          <p:nvPr>
+            <p:ph type="title"/>
+          </p:nvPr>
+        </p:nvSpPr>
+        <p:spPr/>
+        <p:txBody>
+          <a:bodyPr/>
+          <a:lstStyle/>
+          <a:p>
+            <a:r>
+              <a:rPr lang="de-DE" dirty="0"/>
+              <a:t>Ziele</a:t>
+            </a:r>
+          </a:p>
+        </p:txBody>
+      </p:sp>
+      <p:sp>
+        <p:nvSpPr>
+          <p:cNvPr id="3" name="Inhaltsplatzhalter 2">
+            <a:extLst>
+              <a:ext uri="{FF2B5EF4-FFF2-40B4-BE49-F238E27FC236}">
+                <a16:creationId xmlns:a16="http://schemas.microsoft.com/office/drawing/2014/main" id="{B0FBA3C5-C760-41B5-91EE-CA076E083C8A}"/>
+              </a:ext>
+            </a:extLst>
+          </p:cNvPr>
+          <p:cNvSpPr>
+            <a:spLocks noGrp="1"/>
+          </p:cNvSpPr>
+          <p:nvPr>
+            <p:ph idx="1"/>
+          </p:nvPr>
+        </p:nvSpPr>
+        <p:spPr/>
+        <p:txBody>
+          <a:bodyPr/>
+          <a:lstStyle/>
+          <a:p>
+            <a:r>
+              <a:rPr lang="de-DE" dirty="0"/>
+              <a:t>Technologien</a:t>
+            </a:r>
+          </a:p>
+          <a:p>
+            <a:r>
+              <a:rPr lang="de-DE" dirty="0"/>
+              <a:t>Beispielanwendung (Architektur)</a:t>
+            </a:r>
+          </a:p>
+          <a:p>
+            <a:r>
+              <a:rPr lang="de-DE" dirty="0"/>
+              <a:t>Implementierung</a:t>
+            </a:r>
+          </a:p>
+          <a:p>
+            <a:r>
+              <a:rPr lang="de-DE" dirty="0"/>
+              <a:t>Auswertung</a:t>
+            </a:r>
+          </a:p>
+        </p:txBody>
+      </p:sp>
+      <p:sp>
+        <p:nvSpPr>
+          <p:cNvPr id="4" name="Datumsplatzhalter 3">
+            <a:extLst>
+              <a:ext uri="{FF2B5EF4-FFF2-40B4-BE49-F238E27FC236}">
+                <a16:creationId xmlns:a16="http://schemas.microsoft.com/office/drawing/2014/main" id="{8DA309CB-B748-4018-A7F5-7D9285C8B93C}"/>
+              </a:ext>
+            </a:extLst>
+          </p:cNvPr>
+          <p:cNvSpPr>
+            <a:spLocks noGrp="1"/>
+          </p:cNvSpPr>
+          <p:nvPr>
+            <p:ph type="dt" sz="half" idx="10"/>
+          </p:nvPr>
+        </p:nvSpPr>
+        <p:spPr/>
+        <p:txBody>
+          <a:bodyPr/>
+          <a:lstStyle/>
+          <a:p>
+            <a:fld id="{BB7604C3-A478-448A-88D6-07EFA8665C1F}" type="datetime1">
+              <a:rPr lang="de-DE" smtClean="0"/>
+              <a:t>04.11.2021</a:t>
+            </a:fld>
+            <a:endParaRPr lang="en-US"/>
+          </a:p>
+        </p:txBody>
+      </p:sp>
+      <p:sp>
+        <p:nvSpPr>
+          <p:cNvPr id="5" name="Fußzeilenplatzhalter 4">
+            <a:extLst>
+              <a:ext uri="{FF2B5EF4-FFF2-40B4-BE49-F238E27FC236}">
+                <a16:creationId xmlns:a16="http://schemas.microsoft.com/office/drawing/2014/main" id="{0F5C2B49-9B30-4D9D-AAA6-0D2D673712E9}"/>
+              </a:ext>
+            </a:extLst>
+          </p:cNvPr>
+          <p:cNvSpPr>
+            <a:spLocks noGrp="1"/>
+          </p:cNvSpPr>
+          <p:nvPr>
+            <p:ph type="ftr" sz="quarter" idx="11"/>
+          </p:nvPr>
+        </p:nvSpPr>
+        <p:spPr/>
+        <p:txBody>
+          <a:bodyPr/>
+          <a:lstStyle/>
+          <a:p>
+            <a:pPr algn="ctr"/>
+            <a:r>
+              <a:rPr lang="en-US"/>
+              <a:t>Benjamin Swarovsky</a:t>
+            </a:r>
+            <a:endParaRPr lang="en-US" dirty="0"/>
+          </a:p>
+        </p:txBody>
+      </p:sp>
+      <p:sp>
+        <p:nvSpPr>
+          <p:cNvPr id="6" name="Foliennummernplatzhalter 5">
+            <a:extLst>
+              <a:ext uri="{FF2B5EF4-FFF2-40B4-BE49-F238E27FC236}">
+                <a16:creationId xmlns:a16="http://schemas.microsoft.com/office/drawing/2014/main" id="{67D7554B-1BAB-4EDE-AE36-9C62A2331B97}"/>
+              </a:ext>
+            </a:extLst>
+          </p:cNvPr>
+          <p:cNvSpPr>
+            <a:spLocks noGrp="1"/>
+          </p:cNvSpPr>
+          <p:nvPr>
+            <p:ph type="sldNum" sz="quarter" idx="12"/>
+          </p:nvPr>
+        </p:nvSpPr>
+        <p:spPr/>
+        <p:txBody>
+          <a:bodyPr/>
+          <a:lstStyle/>
+          <a:p>
+            <a:fld id="{6D22F896-40B5-4ADD-8801-0D06FADFA095}" type="slidenum">
+              <a:rPr lang="en-US" smtClean="0"/>
+              <a:t>5</a:t>
+            </a:fld>
+            <a:endParaRPr lang="en-US"/>
+          </a:p>
+        </p:txBody>
+      </p:sp>
+    </p:spTree>
+    <p:extLst>
+      <p:ext uri="{BB962C8B-B14F-4D97-AF65-F5344CB8AC3E}">
+        <p14:creationId xmlns:p14="http://schemas.microsoft.com/office/powerpoint/2010/main" val="37100391"/>
       </p:ext>
     </p:extLst>
   </p:cSld>

--- a/Vortrag.pptx
+++ b/Vortrag.pptx
@@ -5,7 +5,7 @@
     <p:sldMasterId id="2147483648" r:id="rId4"/>
   </p:sldMasterIdLst>
   <p:notesMasterIdLst>
-    <p:notesMasterId r:id="rId10"/>
+    <p:notesMasterId r:id="rId15"/>
   </p:notesMasterIdLst>
   <p:sldIdLst>
     <p:sldId id="256" r:id="rId5"/>
@@ -13,6 +13,11 @@
     <p:sldId id="258" r:id="rId7"/>
     <p:sldId id="259" r:id="rId8"/>
     <p:sldId id="260" r:id="rId9"/>
+    <p:sldId id="262" r:id="rId10"/>
+    <p:sldId id="263" r:id="rId11"/>
+    <p:sldId id="264" r:id="rId12"/>
+    <p:sldId id="265" r:id="rId13"/>
+    <p:sldId id="266" r:id="rId14"/>
   </p:sldIdLst>
   <p:sldSz cx="12192000" cy="6858000"/>
   <p:notesSz cx="6858000" cy="9144000"/>
@@ -119,7 +124,7 @@
             <a:srgbClr val="A4A3A4"/>
           </p15:clr>
         </p15:guide>
-        <p15:guide id="2" pos="3840" userDrawn="1">
+        <p15:guide id="2" pos="3817" userDrawn="1">
           <p15:clr>
             <a:srgbClr val="A4A3A4"/>
           </p15:clr>
@@ -224,7 +229,7 @@
           <a:p>
             <a:fld id="{A7B8C7EC-8663-4343-8CB3-46B01580284C}" type="datetimeFigureOut">
               <a:rPr lang="de-DE" smtClean="0"/>
-              <a:t>03.11.2021</a:t>
+              <a:t>04.11.2021</a:t>
             </a:fld>
             <a:endParaRPr lang="de-DE"/>
           </a:p>
@@ -713,7 +718,7 @@
           <a:p>
             <a:fld id="{B59E6383-A8CB-4B08-927D-D4B4B7D9AC2E}" type="datetime1">
               <a:rPr lang="de-DE" smtClean="0"/>
-              <a:t>03.11.2021</a:t>
+              <a:t>04.11.2021</a:t>
             </a:fld>
             <a:endParaRPr lang="en-US"/>
           </a:p>
@@ -1257,7 +1262,7 @@
           <a:p>
             <a:fld id="{6CA99C16-F3DE-4BEA-BEA0-185955F827CC}" type="datetime1">
               <a:rPr lang="de-DE" smtClean="0"/>
-              <a:t>03.11.2021</a:t>
+              <a:t>04.11.2021</a:t>
             </a:fld>
             <a:endParaRPr lang="en-US"/>
           </a:p>
@@ -1451,7 +1456,7 @@
           <a:p>
             <a:fld id="{2D886228-5DBC-4625-A335-1BCDAFDC46C1}" type="datetime1">
               <a:rPr lang="de-DE" smtClean="0"/>
-              <a:t>03.11.2021</a:t>
+              <a:t>04.11.2021</a:t>
             </a:fld>
             <a:endParaRPr lang="en-US"/>
           </a:p>
@@ -1663,7 +1668,7 @@
           <a:p>
             <a:fld id="{C980135E-CF13-4F76-823B-93B2AE87FB42}" type="datetime1">
               <a:rPr lang="de-DE" smtClean="0"/>
-              <a:t>03.11.2021</a:t>
+              <a:t>04.11.2021</a:t>
             </a:fld>
             <a:endParaRPr lang="en-US"/>
           </a:p>
@@ -2031,7 +2036,7 @@
           <a:p>
             <a:fld id="{EE00E525-60F6-456C-ABD0-CA49B7CA1AC0}" type="datetime1">
               <a:rPr lang="de-DE" smtClean="0"/>
-              <a:t>03.11.2021</a:t>
+              <a:t>04.11.2021</a:t>
             </a:fld>
             <a:endParaRPr lang="en-US"/>
           </a:p>
@@ -2433,7 +2438,7 @@
           <a:p>
             <a:fld id="{9F737527-C30D-4C1B-8A57-8831FC877160}" type="datetime1">
               <a:rPr lang="de-DE" smtClean="0"/>
-              <a:t>03.11.2021</a:t>
+              <a:t>04.11.2021</a:t>
             </a:fld>
             <a:endParaRPr lang="en-US"/>
           </a:p>
@@ -2725,7 +2730,7 @@
           <a:p>
             <a:fld id="{7F4A9B1D-38C4-4A9A-BD74-09CB54D529F7}" type="datetime1">
               <a:rPr lang="de-DE" smtClean="0"/>
-              <a:t>03.11.2021</a:t>
+              <a:t>04.11.2021</a:t>
             </a:fld>
             <a:endParaRPr lang="en-US"/>
           </a:p>
@@ -3026,7 +3031,7 @@
           <a:p>
             <a:fld id="{171975C2-17DF-44AF-BAFC-99FC3839D6B6}" type="datetime1">
               <a:rPr lang="de-DE" smtClean="0"/>
-              <a:t>03.11.2021</a:t>
+              <a:t>04.11.2021</a:t>
             </a:fld>
             <a:endParaRPr lang="en-US"/>
           </a:p>
@@ -3293,7 +3298,7 @@
           <a:p>
             <a:fld id="{BB7604C3-A478-448A-88D6-07EFA8665C1F}" type="datetime1">
               <a:rPr lang="de-DE" smtClean="0"/>
-              <a:t>03.11.2021</a:t>
+              <a:t>04.11.2021</a:t>
             </a:fld>
             <a:endParaRPr lang="en-US"/>
           </a:p>
@@ -3561,7 +3566,7 @@
           <a:p>
             <a:fld id="{BB7604C3-A478-448A-88D6-07EFA8665C1F}" type="datetime1">
               <a:rPr lang="de-DE" smtClean="0"/>
-              <a:t>03.11.2021</a:t>
+              <a:t>04.11.2021</a:t>
             </a:fld>
             <a:endParaRPr lang="en-US"/>
           </a:p>
@@ -3827,7 +3832,7 @@
           <a:p>
             <a:fld id="{A04AC0E9-B042-43D8-AB78-DC52AC0C585D}" type="datetime1">
               <a:rPr lang="de-DE" smtClean="0"/>
-              <a:t>03.11.2021</a:t>
+              <a:t>04.11.2021</a:t>
             </a:fld>
             <a:endParaRPr lang="en-US"/>
           </a:p>
@@ -4098,7 +4103,7 @@
           <a:p>
             <a:fld id="{645C10F2-7973-42A2-B0DE-A6ED0ED91C8E}" type="datetime1">
               <a:rPr lang="de-DE" smtClean="0"/>
-              <a:t>03.11.2021</a:t>
+              <a:t>04.11.2021</a:t>
             </a:fld>
             <a:endParaRPr lang="en-US"/>
           </a:p>
@@ -4371,7 +4376,7 @@
           <a:p>
             <a:fld id="{BAFDFB72-582B-45F4-B36C-EF1963E97DC6}" type="datetime1">
               <a:rPr lang="de-DE" smtClean="0"/>
-              <a:t>03.11.2021</a:t>
+              <a:t>04.11.2021</a:t>
             </a:fld>
             <a:endParaRPr lang="en-US"/>
           </a:p>
@@ -4644,7 +4649,7 @@
           <a:p>
             <a:fld id="{7E7651B1-048A-4583-9423-E37907F714C8}" type="datetime1">
               <a:rPr lang="de-DE" smtClean="0"/>
-              <a:t>03.11.2021</a:t>
+              <a:t>04.11.2021</a:t>
             </a:fld>
             <a:endParaRPr lang="en-US"/>
           </a:p>
@@ -5054,7 +5059,7 @@
           <a:p>
             <a:fld id="{764358B9-31F4-4BA7-92DD-CF366B443679}" type="datetime1">
               <a:rPr lang="de-DE" smtClean="0"/>
-              <a:t>03.11.2021</a:t>
+              <a:t>04.11.2021</a:t>
             </a:fld>
             <a:endParaRPr lang="en-US"/>
           </a:p>
@@ -5367,7 +5372,7 @@
           <a:p>
             <a:fld id="{5DF93BFA-DCCE-4E1B-9D54-AE151F0C2290}" type="datetime1">
               <a:rPr lang="de-DE" smtClean="0"/>
-              <a:t>03.11.2021</a:t>
+              <a:t>04.11.2021</a:t>
             </a:fld>
             <a:endParaRPr lang="en-US"/>
           </a:p>
@@ -5742,7 +5747,7 @@
             <a:fld id="{0B528F4A-65CA-4C1C-A385-CA3E5156BAA4}" type="datetime1">
               <a:rPr lang="de-DE" smtClean="0"/>
               <a:pPr/>
-              <a:t>03.11.2021</a:t>
+              <a:t>04.11.2021</a:t>
             </a:fld>
             <a:endParaRPr lang="en-US"/>
           </a:p>
@@ -6920,6 +6925,177 @@
 </p:sld>
 </file>
 
+<file path=ppt/slides/slide10.xml><?xml version="1.0" encoding="utf-8"?>
+<p:sld xmlns:a="http://schemas.openxmlformats.org/drawingml/2006/main" xmlns:r="http://schemas.openxmlformats.org/officeDocument/2006/relationships" xmlns:p="http://schemas.openxmlformats.org/presentationml/2006/main">
+  <p:cSld>
+    <p:spTree>
+      <p:nvGrpSpPr>
+        <p:cNvPr id="1" name=""/>
+        <p:cNvGrpSpPr/>
+        <p:nvPr/>
+      </p:nvGrpSpPr>
+      <p:grpSpPr>
+        <a:xfrm>
+          <a:off x="0" y="0"/>
+          <a:ext cx="0" cy="0"/>
+          <a:chOff x="0" y="0"/>
+          <a:chExt cx="0" cy="0"/>
+        </a:xfrm>
+      </p:grpSpPr>
+      <p:sp>
+        <p:nvSpPr>
+          <p:cNvPr id="2" name="Titel 1">
+            <a:extLst>
+              <a:ext uri="{FF2B5EF4-FFF2-40B4-BE49-F238E27FC236}">
+                <a16:creationId xmlns:a16="http://schemas.microsoft.com/office/drawing/2014/main" id="{0F70A0B9-E374-4E34-B8D2-21F4CE80394C}"/>
+              </a:ext>
+            </a:extLst>
+          </p:cNvPr>
+          <p:cNvSpPr>
+            <a:spLocks noGrp="1"/>
+          </p:cNvSpPr>
+          <p:nvPr>
+            <p:ph type="title"/>
+          </p:nvPr>
+        </p:nvSpPr>
+        <p:spPr/>
+        <p:txBody>
+          <a:bodyPr/>
+          <a:lstStyle/>
+          <a:p>
+            <a:r>
+              <a:rPr lang="de-DE" dirty="0"/>
+              <a:t>API Gateway - Grundlagen</a:t>
+            </a:r>
+          </a:p>
+        </p:txBody>
+      </p:sp>
+      <p:sp>
+        <p:nvSpPr>
+          <p:cNvPr id="3" name="Inhaltsplatzhalter 2">
+            <a:extLst>
+              <a:ext uri="{FF2B5EF4-FFF2-40B4-BE49-F238E27FC236}">
+                <a16:creationId xmlns:a16="http://schemas.microsoft.com/office/drawing/2014/main" id="{DA57C915-9777-4247-9577-61816DCE7D03}"/>
+              </a:ext>
+            </a:extLst>
+          </p:cNvPr>
+          <p:cNvSpPr>
+            <a:spLocks noGrp="1"/>
+          </p:cNvSpPr>
+          <p:nvPr>
+            <p:ph idx="1"/>
+          </p:nvPr>
+        </p:nvSpPr>
+        <p:spPr/>
+        <p:txBody>
+          <a:bodyPr/>
+          <a:lstStyle/>
+          <a:p>
+            <a:endParaRPr lang="de-DE" dirty="0"/>
+          </a:p>
+        </p:txBody>
+      </p:sp>
+      <p:sp>
+        <p:nvSpPr>
+          <p:cNvPr id="4" name="Datumsplatzhalter 3">
+            <a:extLst>
+              <a:ext uri="{FF2B5EF4-FFF2-40B4-BE49-F238E27FC236}">
+                <a16:creationId xmlns:a16="http://schemas.microsoft.com/office/drawing/2014/main" id="{2427328D-2DDC-4C7E-961C-D7E925CD7FB4}"/>
+              </a:ext>
+            </a:extLst>
+          </p:cNvPr>
+          <p:cNvSpPr>
+            <a:spLocks noGrp="1"/>
+          </p:cNvSpPr>
+          <p:nvPr>
+            <p:ph type="dt" sz="half" idx="10"/>
+          </p:nvPr>
+        </p:nvSpPr>
+        <p:spPr/>
+        <p:txBody>
+          <a:bodyPr/>
+          <a:lstStyle/>
+          <a:p>
+            <a:fld id="{BB7604C3-A478-448A-88D6-07EFA8665C1F}" type="datetime1">
+              <a:rPr lang="de-DE" smtClean="0"/>
+              <a:t>04.11.2021</a:t>
+            </a:fld>
+            <a:endParaRPr lang="en-US"/>
+          </a:p>
+        </p:txBody>
+      </p:sp>
+      <p:sp>
+        <p:nvSpPr>
+          <p:cNvPr id="5" name="Fußzeilenplatzhalter 4">
+            <a:extLst>
+              <a:ext uri="{FF2B5EF4-FFF2-40B4-BE49-F238E27FC236}">
+                <a16:creationId xmlns:a16="http://schemas.microsoft.com/office/drawing/2014/main" id="{98DD4018-6CC6-4135-A765-782C09261A23}"/>
+              </a:ext>
+            </a:extLst>
+          </p:cNvPr>
+          <p:cNvSpPr>
+            <a:spLocks noGrp="1"/>
+          </p:cNvSpPr>
+          <p:nvPr>
+            <p:ph type="ftr" sz="quarter" idx="11"/>
+          </p:nvPr>
+        </p:nvSpPr>
+        <p:spPr/>
+        <p:txBody>
+          <a:bodyPr/>
+          <a:lstStyle/>
+          <a:p>
+            <a:pPr algn="ctr"/>
+            <a:r>
+              <a:rPr lang="en-US"/>
+              <a:t>Benjamin Swarovsky</a:t>
+            </a:r>
+            <a:endParaRPr lang="en-US" dirty="0"/>
+          </a:p>
+        </p:txBody>
+      </p:sp>
+      <p:sp>
+        <p:nvSpPr>
+          <p:cNvPr id="6" name="Foliennummernplatzhalter 5">
+            <a:extLst>
+              <a:ext uri="{FF2B5EF4-FFF2-40B4-BE49-F238E27FC236}">
+                <a16:creationId xmlns:a16="http://schemas.microsoft.com/office/drawing/2014/main" id="{EA0251DC-2DBD-406C-BC8C-B297BAECA3B2}"/>
+              </a:ext>
+            </a:extLst>
+          </p:cNvPr>
+          <p:cNvSpPr>
+            <a:spLocks noGrp="1"/>
+          </p:cNvSpPr>
+          <p:nvPr>
+            <p:ph type="sldNum" sz="quarter" idx="12"/>
+          </p:nvPr>
+        </p:nvSpPr>
+        <p:spPr/>
+        <p:txBody>
+          <a:bodyPr/>
+          <a:lstStyle/>
+          <a:p>
+            <a:fld id="{6D22F896-40B5-4ADD-8801-0D06FADFA095}" type="slidenum">
+              <a:rPr lang="en-US" smtClean="0"/>
+              <a:t>10</a:t>
+            </a:fld>
+            <a:endParaRPr lang="en-US"/>
+          </a:p>
+        </p:txBody>
+      </p:sp>
+    </p:spTree>
+    <p:extLst>
+      <p:ext uri="{BB962C8B-B14F-4D97-AF65-F5344CB8AC3E}">
+        <p14:creationId xmlns:p14="http://schemas.microsoft.com/office/powerpoint/2010/main" val="4132415511"/>
+      </p:ext>
+    </p:extLst>
+  </p:cSld>
+  <p:clrMapOvr>
+    <a:masterClrMapping/>
+  </p:clrMapOvr>
+</p:sld>
+</file>
+
 <file path=ppt/slides/slide2.xml><?xml version="1.0" encoding="utf-8"?>
 <p:sld xmlns:a="http://schemas.openxmlformats.org/drawingml/2006/main" xmlns:r="http://schemas.openxmlformats.org/officeDocument/2006/relationships" xmlns:p="http://schemas.openxmlformats.org/presentationml/2006/main">
   <p:cSld>
@@ -7079,7 +7255,7 @@
           <a:p>
             <a:fld id="{BB7604C3-A478-448A-88D6-07EFA8665C1F}" type="datetime1">
               <a:rPr lang="de-DE" smtClean="0"/>
-              <a:t>03.11.2021</a:t>
+              <a:t>04.11.2021</a:t>
             </a:fld>
             <a:endParaRPr lang="en-US"/>
           </a:p>
@@ -7217,8 +7393,8 @@
         </p:nvSpPr>
         <p:spPr>
           <a:xfrm>
-            <a:off x="1614649" y="1685228"/>
-            <a:ext cx="7901820" cy="4749440"/>
+            <a:off x="1614650" y="1484051"/>
+            <a:ext cx="7901820" cy="5181601"/>
           </a:xfrm>
         </p:spPr>
         <p:txBody>
@@ -7228,27 +7404,27 @@
           <a:lstStyle/>
           <a:p>
             <a:r>
-              <a:rPr lang="de-DE" sz="4000" b="1" dirty="0"/>
-              <a:t> Einleitung</a:t>
+              <a:rPr lang="de-DE" sz="4800" b="1" dirty="0"/>
+              <a:t>Einleitung</a:t>
             </a:r>
           </a:p>
           <a:p>
             <a:pPr lvl="1"/>
             <a:r>
-              <a:rPr lang="de-DE" sz="4000" dirty="0"/>
+              <a:rPr lang="de-DE" sz="4800" b="1" dirty="0"/>
               <a:t>Problemstellung</a:t>
             </a:r>
           </a:p>
           <a:p>
             <a:pPr lvl="1"/>
             <a:r>
-              <a:rPr lang="de-DE" sz="4000" dirty="0"/>
+              <a:rPr lang="de-DE" sz="4800" b="1" dirty="0"/>
               <a:t>Ziele</a:t>
             </a:r>
           </a:p>
           <a:p>
             <a:r>
-              <a:rPr lang="de-DE" sz="4000" dirty="0">
+              <a:rPr lang="de-DE" sz="4800" dirty="0">
                 <a:solidFill>
                   <a:schemeClr val="tx1">
                     <a:lumMod val="75000"/>
@@ -7260,7 +7436,7 @@
           </a:p>
           <a:p>
             <a:r>
-              <a:rPr lang="de-DE" sz="4000" dirty="0">
+              <a:rPr lang="de-DE" sz="4800" dirty="0">
                 <a:solidFill>
                   <a:schemeClr val="tx1">
                     <a:lumMod val="75000"/>
@@ -7272,7 +7448,7 @@
           </a:p>
           <a:p>
             <a:r>
-              <a:rPr lang="de-DE" sz="4000" dirty="0">
+              <a:rPr lang="de-DE" sz="4800" dirty="0">
                 <a:solidFill>
                   <a:schemeClr val="tx1">
                     <a:lumMod val="75000"/>
@@ -7284,7 +7460,7 @@
           </a:p>
           <a:p>
             <a:r>
-              <a:rPr lang="de-DE" sz="4000" dirty="0">
+              <a:rPr lang="de-DE" sz="4800" dirty="0">
                 <a:solidFill>
                   <a:schemeClr val="tx1">
                     <a:lumMod val="75000"/>
@@ -7296,7 +7472,7 @@
           </a:p>
           <a:p>
             <a:r>
-              <a:rPr lang="de-DE" sz="4000" dirty="0">
+              <a:rPr lang="de-DE" sz="4800" dirty="0">
                 <a:solidFill>
                   <a:schemeClr val="tx1">
                     <a:lumMod val="75000"/>
@@ -7308,7 +7484,7 @@
           </a:p>
           <a:p>
             <a:r>
-              <a:rPr lang="de-DE" sz="4000" dirty="0">
+              <a:rPr lang="de-DE" sz="4800" dirty="0">
                 <a:solidFill>
                   <a:schemeClr val="tx1">
                     <a:lumMod val="75000"/>
@@ -7320,7 +7496,7 @@
           </a:p>
           <a:p>
             <a:r>
-              <a:rPr lang="de-DE" sz="4000" dirty="0">
+              <a:rPr lang="de-DE" sz="4800" dirty="0">
                 <a:solidFill>
                   <a:schemeClr val="tx1">
                     <a:lumMod val="75000"/>
@@ -7368,7 +7544,7 @@
           <a:p>
             <a:fld id="{BB7604C3-A478-448A-88D6-07EFA8665C1F}" type="datetime1">
               <a:rPr lang="de-DE" smtClean="0"/>
-              <a:t>03.11.2021</a:t>
+              <a:t>04.11.2021</a:t>
             </a:fld>
             <a:endParaRPr lang="en-US"/>
           </a:p>
@@ -7968,32 +8144,68 @@
             <p:ph idx="1"/>
           </p:nvPr>
         </p:nvSpPr>
-        <p:spPr/>
-        <p:txBody>
-          <a:bodyPr/>
+        <p:spPr>
+          <a:xfrm>
+            <a:off x="1614650" y="2052116"/>
+            <a:ext cx="9437172" cy="3997828"/>
+          </a:xfrm>
+        </p:spPr>
+        <p:txBody>
+          <a:bodyPr>
+            <a:normAutofit fontScale="92500"/>
+          </a:bodyPr>
           <a:lstStyle/>
           <a:p>
             <a:r>
               <a:rPr lang="de-DE" dirty="0"/>
-              <a:t>Technologien</a:t>
+              <a:t>Technologische Ansätze zur Umsetzung von Microservices (Frameworks, Bibliotheken, Algorithmen, …)</a:t>
             </a:r>
           </a:p>
           <a:p>
             <a:r>
               <a:rPr lang="de-DE" dirty="0"/>
-              <a:t>Beispielanwendung (Architektur)</a:t>
-            </a:r>
-          </a:p>
-          <a:p>
+              <a:t>Beispielanwendung (Verwaltungsprogramm für die IT-</a:t>
+            </a:r>
+            <a:r>
+              <a:rPr lang="de-DE" dirty="0" err="1"/>
+              <a:t>Kontakmesse</a:t>
+            </a:r>
             <a:r>
               <a:rPr lang="de-DE" dirty="0"/>
-              <a:t>Implementierung</a:t>
+              <a:t>)</a:t>
             </a:r>
           </a:p>
           <a:p>
             <a:r>
               <a:rPr lang="de-DE" dirty="0"/>
-              <a:t>Auswertung</a:t>
+              <a:t>Implementierung der Technologischen Ansätze (Springboot, Eureka, Jaeger, …)</a:t>
+            </a:r>
+          </a:p>
+          <a:p>
+            <a:r>
+              <a:rPr lang="de-DE" dirty="0"/>
+              <a:t>Auswertung 	</a:t>
+            </a:r>
+          </a:p>
+          <a:p>
+            <a:pPr lvl="1"/>
+            <a:r>
+              <a:rPr lang="de-DE" dirty="0"/>
+              <a:t>Komplexität</a:t>
+            </a:r>
+          </a:p>
+          <a:p>
+            <a:pPr lvl="1"/>
+            <a:r>
+              <a:rPr lang="de-DE" dirty="0"/>
+              <a:t>Welche Probleme traten auf</a:t>
+            </a:r>
+          </a:p>
+          <a:p>
+            <a:pPr lvl="1"/>
+            <a:r>
+              <a:rPr lang="de-DE" dirty="0"/>
+              <a:t>Wie wichtig sind einzelne Technologien für die Umsetzung von Microservices</a:t>
             </a:r>
           </a:p>
         </p:txBody>
@@ -8090,6 +8302,1394 @@
     <p:extLst>
       <p:ext uri="{BB962C8B-B14F-4D97-AF65-F5344CB8AC3E}">
         <p14:creationId xmlns:p14="http://schemas.microsoft.com/office/powerpoint/2010/main" val="37100391"/>
+      </p:ext>
+    </p:extLst>
+  </p:cSld>
+  <p:clrMapOvr>
+    <a:masterClrMapping/>
+  </p:clrMapOvr>
+</p:sld>
+</file>
+
+<file path=ppt/slides/slide6.xml><?xml version="1.0" encoding="utf-8"?>
+<p:sld xmlns:a="http://schemas.openxmlformats.org/drawingml/2006/main" xmlns:r="http://schemas.openxmlformats.org/officeDocument/2006/relationships" xmlns:p="http://schemas.openxmlformats.org/presentationml/2006/main">
+  <p:cSld>
+    <p:spTree>
+      <p:nvGrpSpPr>
+        <p:cNvPr id="1" name=""/>
+        <p:cNvGrpSpPr/>
+        <p:nvPr/>
+      </p:nvGrpSpPr>
+      <p:grpSpPr>
+        <a:xfrm>
+          <a:off x="0" y="0"/>
+          <a:ext cx="0" cy="0"/>
+          <a:chOff x="0" y="0"/>
+          <a:chExt cx="0" cy="0"/>
+        </a:xfrm>
+      </p:grpSpPr>
+      <p:sp>
+        <p:nvSpPr>
+          <p:cNvPr id="2" name="Titel 1">
+            <a:extLst>
+              <a:ext uri="{FF2B5EF4-FFF2-40B4-BE49-F238E27FC236}">
+                <a16:creationId xmlns:a16="http://schemas.microsoft.com/office/drawing/2014/main" id="{97E854AF-370A-4DD2-B05B-BA9F47E75C37}"/>
+              </a:ext>
+            </a:extLst>
+          </p:cNvPr>
+          <p:cNvSpPr>
+            <a:spLocks noGrp="1"/>
+          </p:cNvSpPr>
+          <p:nvPr>
+            <p:ph type="title"/>
+          </p:nvPr>
+        </p:nvSpPr>
+        <p:spPr/>
+        <p:txBody>
+          <a:bodyPr/>
+          <a:lstStyle/>
+          <a:p>
+            <a:endParaRPr lang="de-DE" dirty="0"/>
+          </a:p>
+        </p:txBody>
+      </p:sp>
+      <p:sp>
+        <p:nvSpPr>
+          <p:cNvPr id="3" name="Inhaltsplatzhalter 2">
+            <a:extLst>
+              <a:ext uri="{FF2B5EF4-FFF2-40B4-BE49-F238E27FC236}">
+                <a16:creationId xmlns:a16="http://schemas.microsoft.com/office/drawing/2014/main" id="{C98CDAB6-320F-43C1-90E0-C684815DE0C4}"/>
+              </a:ext>
+            </a:extLst>
+          </p:cNvPr>
+          <p:cNvSpPr>
+            <a:spLocks noGrp="1"/>
+          </p:cNvSpPr>
+          <p:nvPr>
+            <p:ph idx="1"/>
+          </p:nvPr>
+        </p:nvSpPr>
+        <p:spPr>
+          <a:xfrm>
+            <a:off x="1614649" y="1685228"/>
+            <a:ext cx="7901820" cy="4749440"/>
+          </a:xfrm>
+        </p:spPr>
+        <p:txBody>
+          <a:bodyPr>
+            <a:normAutofit fontScale="47500" lnSpcReduction="20000"/>
+          </a:bodyPr>
+          <a:lstStyle/>
+          <a:p>
+            <a:r>
+              <a:rPr lang="de-DE" sz="4000" dirty="0">
+                <a:solidFill>
+                  <a:schemeClr val="tx1">
+                    <a:lumMod val="50000"/>
+                  </a:schemeClr>
+                </a:solidFill>
+              </a:rPr>
+              <a:t>Einleitung</a:t>
+            </a:r>
+          </a:p>
+          <a:p>
+            <a:r>
+              <a:rPr lang="de-DE" sz="4000" b="1" dirty="0"/>
+              <a:t>Architektur</a:t>
+            </a:r>
+          </a:p>
+          <a:p>
+            <a:pPr lvl="1"/>
+            <a:r>
+              <a:rPr lang="de-DE" sz="3800" b="1" dirty="0"/>
+              <a:t>Bausteinsicht Ebene 1</a:t>
+            </a:r>
+          </a:p>
+          <a:p>
+            <a:pPr lvl="1"/>
+            <a:r>
+              <a:rPr lang="de-DE" sz="3800" b="1" dirty="0"/>
+              <a:t>Bausteinsicht Ebene 2</a:t>
+            </a:r>
+          </a:p>
+          <a:p>
+            <a:r>
+              <a:rPr lang="de-DE" sz="4000" dirty="0">
+                <a:solidFill>
+                  <a:schemeClr val="tx1">
+                    <a:lumMod val="75000"/>
+                  </a:schemeClr>
+                </a:solidFill>
+              </a:rPr>
+              <a:t>API Gateway</a:t>
+            </a:r>
+          </a:p>
+          <a:p>
+            <a:r>
+              <a:rPr lang="de-DE" sz="4000" dirty="0">
+                <a:solidFill>
+                  <a:schemeClr val="tx1">
+                    <a:lumMod val="75000"/>
+                  </a:schemeClr>
+                </a:solidFill>
+              </a:rPr>
+              <a:t>Service Discovery</a:t>
+            </a:r>
+          </a:p>
+          <a:p>
+            <a:r>
+              <a:rPr lang="de-DE" sz="4000" dirty="0">
+                <a:solidFill>
+                  <a:schemeClr val="tx1">
+                    <a:lumMod val="75000"/>
+                  </a:schemeClr>
+                </a:solidFill>
+              </a:rPr>
+              <a:t>Loadbalancer</a:t>
+            </a:r>
+          </a:p>
+          <a:p>
+            <a:r>
+              <a:rPr lang="de-DE" sz="4000" dirty="0">
+                <a:solidFill>
+                  <a:schemeClr val="tx1">
+                    <a:lumMod val="75000"/>
+                  </a:schemeClr>
+                </a:solidFill>
+              </a:rPr>
+              <a:t>Zusammenspiel der Technologien</a:t>
+            </a:r>
+          </a:p>
+          <a:p>
+            <a:r>
+              <a:rPr lang="de-DE" sz="4000" dirty="0">
+                <a:solidFill>
+                  <a:schemeClr val="tx1">
+                    <a:lumMod val="75000"/>
+                  </a:schemeClr>
+                </a:solidFill>
+              </a:rPr>
+              <a:t>Auswertung</a:t>
+            </a:r>
+          </a:p>
+          <a:p>
+            <a:r>
+              <a:rPr lang="de-DE" sz="4000" dirty="0">
+                <a:solidFill>
+                  <a:schemeClr val="tx1">
+                    <a:lumMod val="75000"/>
+                  </a:schemeClr>
+                </a:solidFill>
+              </a:rPr>
+              <a:t>Demonstration des Prototypen</a:t>
+            </a:r>
+          </a:p>
+          <a:p>
+            <a:pPr marL="457200" lvl="1" indent="0">
+              <a:buNone/>
+            </a:pPr>
+            <a:endParaRPr lang="de-DE" dirty="0"/>
+          </a:p>
+          <a:p>
+            <a:pPr lvl="1"/>
+            <a:endParaRPr lang="de-DE" dirty="0"/>
+          </a:p>
+          <a:p>
+            <a:endParaRPr lang="de-DE" dirty="0"/>
+          </a:p>
+        </p:txBody>
+      </p:sp>
+      <p:sp>
+        <p:nvSpPr>
+          <p:cNvPr id="4" name="Datumsplatzhalter 3">
+            <a:extLst>
+              <a:ext uri="{FF2B5EF4-FFF2-40B4-BE49-F238E27FC236}">
+                <a16:creationId xmlns:a16="http://schemas.microsoft.com/office/drawing/2014/main" id="{B1C5A0D9-0D16-40F0-A270-E2153F54A613}"/>
+              </a:ext>
+            </a:extLst>
+          </p:cNvPr>
+          <p:cNvSpPr>
+            <a:spLocks noGrp="1"/>
+          </p:cNvSpPr>
+          <p:nvPr>
+            <p:ph type="dt" sz="half" idx="10"/>
+          </p:nvPr>
+        </p:nvSpPr>
+        <p:spPr/>
+        <p:txBody>
+          <a:bodyPr/>
+          <a:lstStyle/>
+          <a:p>
+            <a:fld id="{BB7604C3-A478-448A-88D6-07EFA8665C1F}" type="datetime1">
+              <a:rPr lang="de-DE" smtClean="0"/>
+              <a:t>04.11.2021</a:t>
+            </a:fld>
+            <a:endParaRPr lang="en-US"/>
+          </a:p>
+        </p:txBody>
+      </p:sp>
+      <p:sp>
+        <p:nvSpPr>
+          <p:cNvPr id="5" name="Fußzeilenplatzhalter 4">
+            <a:extLst>
+              <a:ext uri="{FF2B5EF4-FFF2-40B4-BE49-F238E27FC236}">
+                <a16:creationId xmlns:a16="http://schemas.microsoft.com/office/drawing/2014/main" id="{6987783A-1F70-47FB-8650-215BADB0D895}"/>
+              </a:ext>
+            </a:extLst>
+          </p:cNvPr>
+          <p:cNvSpPr>
+            <a:spLocks noGrp="1"/>
+          </p:cNvSpPr>
+          <p:nvPr>
+            <p:ph type="ftr" sz="quarter" idx="11"/>
+          </p:nvPr>
+        </p:nvSpPr>
+        <p:spPr/>
+        <p:txBody>
+          <a:bodyPr/>
+          <a:lstStyle/>
+          <a:p>
+            <a:pPr algn="ctr"/>
+            <a:r>
+              <a:rPr lang="en-US"/>
+              <a:t>Benjamin Swarovsky</a:t>
+            </a:r>
+            <a:endParaRPr lang="en-US" dirty="0"/>
+          </a:p>
+        </p:txBody>
+      </p:sp>
+      <p:sp>
+        <p:nvSpPr>
+          <p:cNvPr id="6" name="Foliennummernplatzhalter 5">
+            <a:extLst>
+              <a:ext uri="{FF2B5EF4-FFF2-40B4-BE49-F238E27FC236}">
+                <a16:creationId xmlns:a16="http://schemas.microsoft.com/office/drawing/2014/main" id="{EDFC56A4-BEFD-4224-A109-1FFEDB0D2EF9}"/>
+              </a:ext>
+            </a:extLst>
+          </p:cNvPr>
+          <p:cNvSpPr>
+            <a:spLocks noGrp="1"/>
+          </p:cNvSpPr>
+          <p:nvPr>
+            <p:ph type="sldNum" sz="quarter" idx="12"/>
+          </p:nvPr>
+        </p:nvSpPr>
+        <p:spPr/>
+        <p:txBody>
+          <a:bodyPr/>
+          <a:lstStyle/>
+          <a:p>
+            <a:fld id="{6D22F896-40B5-4ADD-8801-0D06FADFA095}" type="slidenum">
+              <a:rPr lang="en-US" smtClean="0"/>
+              <a:t>6</a:t>
+            </a:fld>
+            <a:endParaRPr lang="en-US"/>
+          </a:p>
+        </p:txBody>
+      </p:sp>
+    </p:spTree>
+    <p:extLst>
+      <p:ext uri="{BB962C8B-B14F-4D97-AF65-F5344CB8AC3E}">
+        <p14:creationId xmlns:p14="http://schemas.microsoft.com/office/powerpoint/2010/main" val="3614595255"/>
+      </p:ext>
+    </p:extLst>
+  </p:cSld>
+  <p:clrMapOvr>
+    <a:masterClrMapping/>
+  </p:clrMapOvr>
+</p:sld>
+</file>
+
+<file path=ppt/slides/slide7.xml><?xml version="1.0" encoding="utf-8"?>
+<p:sld xmlns:a="http://schemas.openxmlformats.org/drawingml/2006/main" xmlns:r="http://schemas.openxmlformats.org/officeDocument/2006/relationships" xmlns:p="http://schemas.openxmlformats.org/presentationml/2006/main">
+  <p:cSld>
+    <p:spTree>
+      <p:nvGrpSpPr>
+        <p:cNvPr id="1" name=""/>
+        <p:cNvGrpSpPr/>
+        <p:nvPr/>
+      </p:nvGrpSpPr>
+      <p:grpSpPr>
+        <a:xfrm>
+          <a:off x="0" y="0"/>
+          <a:ext cx="0" cy="0"/>
+          <a:chOff x="0" y="0"/>
+          <a:chExt cx="0" cy="0"/>
+        </a:xfrm>
+      </p:grpSpPr>
+      <p:sp>
+        <p:nvSpPr>
+          <p:cNvPr id="2" name="Titel 1">
+            <a:extLst>
+              <a:ext uri="{FF2B5EF4-FFF2-40B4-BE49-F238E27FC236}">
+                <a16:creationId xmlns:a16="http://schemas.microsoft.com/office/drawing/2014/main" id="{FA74B7DF-C462-4C98-B947-889514E20C9E}"/>
+              </a:ext>
+            </a:extLst>
+          </p:cNvPr>
+          <p:cNvSpPr>
+            <a:spLocks noGrp="1"/>
+          </p:cNvSpPr>
+          <p:nvPr>
+            <p:ph type="title"/>
+          </p:nvPr>
+        </p:nvSpPr>
+        <p:spPr>
+          <a:xfrm>
+            <a:off x="1648516" y="613266"/>
+            <a:ext cx="7958331" cy="1077229"/>
+          </a:xfrm>
+        </p:spPr>
+        <p:txBody>
+          <a:bodyPr/>
+          <a:lstStyle/>
+          <a:p>
+            <a:r>
+              <a:rPr lang="de-DE" dirty="0"/>
+              <a:t>Bausteinsicht Ebene 1</a:t>
+            </a:r>
+          </a:p>
+        </p:txBody>
+      </p:sp>
+      <p:sp>
+        <p:nvSpPr>
+          <p:cNvPr id="4" name="Datumsplatzhalter 3">
+            <a:extLst>
+              <a:ext uri="{FF2B5EF4-FFF2-40B4-BE49-F238E27FC236}">
+                <a16:creationId xmlns:a16="http://schemas.microsoft.com/office/drawing/2014/main" id="{71AF1550-BC2D-44A0-8517-F800F4B0D4ED}"/>
+              </a:ext>
+            </a:extLst>
+          </p:cNvPr>
+          <p:cNvSpPr>
+            <a:spLocks noGrp="1"/>
+          </p:cNvSpPr>
+          <p:nvPr>
+            <p:ph type="dt" sz="half" idx="10"/>
+          </p:nvPr>
+        </p:nvSpPr>
+        <p:spPr/>
+        <p:txBody>
+          <a:bodyPr/>
+          <a:lstStyle/>
+          <a:p>
+            <a:fld id="{BB7604C3-A478-448A-88D6-07EFA8665C1F}" type="datetime1">
+              <a:rPr lang="de-DE" smtClean="0"/>
+              <a:t>04.11.2021</a:t>
+            </a:fld>
+            <a:endParaRPr lang="en-US"/>
+          </a:p>
+        </p:txBody>
+      </p:sp>
+      <p:sp>
+        <p:nvSpPr>
+          <p:cNvPr id="5" name="Fußzeilenplatzhalter 4">
+            <a:extLst>
+              <a:ext uri="{FF2B5EF4-FFF2-40B4-BE49-F238E27FC236}">
+                <a16:creationId xmlns:a16="http://schemas.microsoft.com/office/drawing/2014/main" id="{DFC917A6-3C42-4E0F-9485-4FF8389CD393}"/>
+              </a:ext>
+            </a:extLst>
+          </p:cNvPr>
+          <p:cNvSpPr>
+            <a:spLocks noGrp="1"/>
+          </p:cNvSpPr>
+          <p:nvPr>
+            <p:ph type="ftr" sz="quarter" idx="11"/>
+          </p:nvPr>
+        </p:nvSpPr>
+        <p:spPr/>
+        <p:txBody>
+          <a:bodyPr/>
+          <a:lstStyle/>
+          <a:p>
+            <a:pPr algn="ctr"/>
+            <a:r>
+              <a:rPr lang="en-US"/>
+              <a:t>Benjamin Swarovsky</a:t>
+            </a:r>
+            <a:endParaRPr lang="en-US" dirty="0"/>
+          </a:p>
+        </p:txBody>
+      </p:sp>
+      <p:sp>
+        <p:nvSpPr>
+          <p:cNvPr id="6" name="Foliennummernplatzhalter 5">
+            <a:extLst>
+              <a:ext uri="{FF2B5EF4-FFF2-40B4-BE49-F238E27FC236}">
+                <a16:creationId xmlns:a16="http://schemas.microsoft.com/office/drawing/2014/main" id="{266837D6-BFF8-41DC-B774-26692CD8E6DA}"/>
+              </a:ext>
+            </a:extLst>
+          </p:cNvPr>
+          <p:cNvSpPr>
+            <a:spLocks noGrp="1"/>
+          </p:cNvSpPr>
+          <p:nvPr>
+            <p:ph type="sldNum" sz="quarter" idx="12"/>
+          </p:nvPr>
+        </p:nvSpPr>
+        <p:spPr/>
+        <p:txBody>
+          <a:bodyPr/>
+          <a:lstStyle/>
+          <a:p>
+            <a:fld id="{6D22F896-40B5-4ADD-8801-0D06FADFA095}" type="slidenum">
+              <a:rPr lang="en-US" smtClean="0"/>
+              <a:t>7</a:t>
+            </a:fld>
+            <a:endParaRPr lang="en-US"/>
+          </a:p>
+        </p:txBody>
+      </p:sp>
+      <p:pic>
+        <p:nvPicPr>
+          <p:cNvPr id="7" name="Inhaltsplatzhalter 6">
+            <a:extLst>
+              <a:ext uri="{FF2B5EF4-FFF2-40B4-BE49-F238E27FC236}">
+                <a16:creationId xmlns:a16="http://schemas.microsoft.com/office/drawing/2014/main" id="{94328C0C-6A64-4A7B-B5CA-B011FB23454D}"/>
+              </a:ext>
+            </a:extLst>
+          </p:cNvPr>
+          <p:cNvPicPr>
+            <a:picLocks noGrp="1" noChangeAspect="1"/>
+          </p:cNvPicPr>
+          <p:nvPr>
+            <p:ph idx="1"/>
+          </p:nvPr>
+        </p:nvPicPr>
+        <p:blipFill>
+          <a:blip r:embed="rId2" cstate="print">
+            <a:extLst>
+              <a:ext uri="{28A0092B-C50C-407E-A947-70E740481C1C}">
+                <a14:useLocalDpi xmlns:a14="http://schemas.microsoft.com/office/drawing/2010/main" val="0"/>
+              </a:ext>
+            </a:extLst>
+          </a:blip>
+          <a:srcRect/>
+          <a:stretch>
+            <a:fillRect/>
+          </a:stretch>
+        </p:blipFill>
+        <p:spPr bwMode="auto">
+          <a:xfrm>
+            <a:off x="3262227" y="1448796"/>
+            <a:ext cx="5499456" cy="4896963"/>
+          </a:xfrm>
+          <a:prstGeom prst="rect">
+            <a:avLst/>
+          </a:prstGeom>
+          <a:noFill/>
+          <a:ln>
+            <a:noFill/>
+          </a:ln>
+        </p:spPr>
+      </p:pic>
+      <p:sp>
+        <p:nvSpPr>
+          <p:cNvPr id="8" name="Rechteck: abgerundete Ecken 7">
+            <a:extLst>
+              <a:ext uri="{FF2B5EF4-FFF2-40B4-BE49-F238E27FC236}">
+                <a16:creationId xmlns:a16="http://schemas.microsoft.com/office/drawing/2014/main" id="{FFC0056E-D879-49C3-A0C5-C83D9A67EDFE}"/>
+              </a:ext>
+            </a:extLst>
+          </p:cNvPr>
+          <p:cNvSpPr/>
+          <p:nvPr/>
+        </p:nvSpPr>
+        <p:spPr>
+          <a:xfrm>
+            <a:off x="6873522" y="4756009"/>
+            <a:ext cx="830580" cy="426720"/>
+          </a:xfrm>
+          <a:prstGeom prst="roundRect">
+            <a:avLst/>
+          </a:prstGeom>
+          <a:noFill/>
+          <a:ln>
+            <a:solidFill>
+              <a:srgbClr val="00B050"/>
+            </a:solidFill>
+          </a:ln>
+        </p:spPr>
+        <p:style>
+          <a:lnRef idx="2">
+            <a:schemeClr val="accent6"/>
+          </a:lnRef>
+          <a:fillRef idx="1">
+            <a:schemeClr val="lt1"/>
+          </a:fillRef>
+          <a:effectRef idx="0">
+            <a:schemeClr val="accent6"/>
+          </a:effectRef>
+          <a:fontRef idx="minor">
+            <a:schemeClr val="dk1"/>
+          </a:fontRef>
+        </p:style>
+        <p:txBody>
+          <a:bodyPr rtlCol="0" anchor="ctr"/>
+          <a:lstStyle/>
+          <a:p>
+            <a:pPr algn="ctr"/>
+            <a:endParaRPr lang="de-DE"/>
+          </a:p>
+        </p:txBody>
+      </p:sp>
+      <p:sp>
+        <p:nvSpPr>
+          <p:cNvPr id="25" name="Rechteck: abgerundete Ecken 24">
+            <a:extLst>
+              <a:ext uri="{FF2B5EF4-FFF2-40B4-BE49-F238E27FC236}">
+                <a16:creationId xmlns:a16="http://schemas.microsoft.com/office/drawing/2014/main" id="{D2365CEE-A5F7-445F-BEC1-21F7ECA25CAC}"/>
+              </a:ext>
+            </a:extLst>
+          </p:cNvPr>
+          <p:cNvSpPr/>
+          <p:nvPr/>
+        </p:nvSpPr>
+        <p:spPr>
+          <a:xfrm>
+            <a:off x="6873522" y="3119297"/>
+            <a:ext cx="830580" cy="426720"/>
+          </a:xfrm>
+          <a:prstGeom prst="roundRect">
+            <a:avLst/>
+          </a:prstGeom>
+          <a:noFill/>
+          <a:ln>
+            <a:solidFill>
+              <a:srgbClr val="00B050"/>
+            </a:solidFill>
+          </a:ln>
+        </p:spPr>
+        <p:style>
+          <a:lnRef idx="2">
+            <a:schemeClr val="accent6"/>
+          </a:lnRef>
+          <a:fillRef idx="1">
+            <a:schemeClr val="lt1"/>
+          </a:fillRef>
+          <a:effectRef idx="0">
+            <a:schemeClr val="accent6"/>
+          </a:effectRef>
+          <a:fontRef idx="minor">
+            <a:schemeClr val="dk1"/>
+          </a:fontRef>
+        </p:style>
+        <p:txBody>
+          <a:bodyPr rtlCol="0" anchor="ctr"/>
+          <a:lstStyle/>
+          <a:p>
+            <a:pPr algn="ctr"/>
+            <a:endParaRPr lang="de-DE"/>
+          </a:p>
+        </p:txBody>
+      </p:sp>
+      <p:sp>
+        <p:nvSpPr>
+          <p:cNvPr id="9" name="Rechteck: abgerundete Ecken 8">
+            <a:extLst>
+              <a:ext uri="{FF2B5EF4-FFF2-40B4-BE49-F238E27FC236}">
+                <a16:creationId xmlns:a16="http://schemas.microsoft.com/office/drawing/2014/main" id="{A84CA5D9-D407-4B9F-8162-B746A46BBCF0}"/>
+              </a:ext>
+            </a:extLst>
+          </p:cNvPr>
+          <p:cNvSpPr/>
+          <p:nvPr/>
+        </p:nvSpPr>
+        <p:spPr>
+          <a:xfrm>
+            <a:off x="4869462" y="3033889"/>
+            <a:ext cx="701040" cy="1348740"/>
+          </a:xfrm>
+          <a:prstGeom prst="roundRect">
+            <a:avLst/>
+          </a:prstGeom>
+          <a:noFill/>
+          <a:ln>
+            <a:solidFill>
+              <a:srgbClr val="00B050"/>
+            </a:solidFill>
+          </a:ln>
+        </p:spPr>
+        <p:style>
+          <a:lnRef idx="2">
+            <a:schemeClr val="accent1">
+              <a:shade val="50000"/>
+            </a:schemeClr>
+          </a:lnRef>
+          <a:fillRef idx="1">
+            <a:schemeClr val="accent1"/>
+          </a:fillRef>
+          <a:effectRef idx="0">
+            <a:schemeClr val="accent1"/>
+          </a:effectRef>
+          <a:fontRef idx="minor">
+            <a:schemeClr val="lt1"/>
+          </a:fontRef>
+        </p:style>
+        <p:txBody>
+          <a:bodyPr rtlCol="0" anchor="ctr"/>
+          <a:lstStyle/>
+          <a:p>
+            <a:pPr algn="ctr"/>
+            <a:endParaRPr lang="de-DE"/>
+          </a:p>
+        </p:txBody>
+      </p:sp>
+      <p:sp>
+        <p:nvSpPr>
+          <p:cNvPr id="10" name="Rechteck: abgerundete Ecken 9">
+            <a:extLst>
+              <a:ext uri="{FF2B5EF4-FFF2-40B4-BE49-F238E27FC236}">
+                <a16:creationId xmlns:a16="http://schemas.microsoft.com/office/drawing/2014/main" id="{F550D5EC-AFE7-4379-8058-DA9C469B5568}"/>
+              </a:ext>
+            </a:extLst>
+          </p:cNvPr>
+          <p:cNvSpPr/>
+          <p:nvPr/>
+        </p:nvSpPr>
+        <p:spPr>
+          <a:xfrm>
+            <a:off x="4869462" y="4618849"/>
+            <a:ext cx="701040" cy="563880"/>
+          </a:xfrm>
+          <a:prstGeom prst="roundRect">
+            <a:avLst/>
+          </a:prstGeom>
+          <a:noFill/>
+          <a:ln>
+            <a:solidFill>
+              <a:srgbClr val="00B050"/>
+            </a:solidFill>
+          </a:ln>
+        </p:spPr>
+        <p:style>
+          <a:lnRef idx="2">
+            <a:schemeClr val="accent1">
+              <a:shade val="50000"/>
+            </a:schemeClr>
+          </a:lnRef>
+          <a:fillRef idx="1">
+            <a:schemeClr val="accent1"/>
+          </a:fillRef>
+          <a:effectRef idx="0">
+            <a:schemeClr val="accent1"/>
+          </a:effectRef>
+          <a:fontRef idx="minor">
+            <a:schemeClr val="lt1"/>
+          </a:fontRef>
+        </p:style>
+        <p:txBody>
+          <a:bodyPr rtlCol="0" anchor="ctr"/>
+          <a:lstStyle/>
+          <a:p>
+            <a:pPr algn="ctr"/>
+            <a:endParaRPr lang="de-DE"/>
+          </a:p>
+        </p:txBody>
+      </p:sp>
+      <p:cxnSp>
+        <p:nvCxnSpPr>
+          <p:cNvPr id="13" name="Gerader Verbinder 12">
+            <a:extLst>
+              <a:ext uri="{FF2B5EF4-FFF2-40B4-BE49-F238E27FC236}">
+                <a16:creationId xmlns:a16="http://schemas.microsoft.com/office/drawing/2014/main" id="{4BDAC403-D0F8-48C4-8C0B-A9F340D4F52D}"/>
+              </a:ext>
+            </a:extLst>
+          </p:cNvPr>
+          <p:cNvCxnSpPr/>
+          <p:nvPr/>
+        </p:nvCxnSpPr>
+        <p:spPr>
+          <a:xfrm>
+            <a:off x="5652164" y="3712069"/>
+            <a:ext cx="719582" cy="0"/>
+          </a:xfrm>
+          <a:prstGeom prst="line">
+            <a:avLst/>
+          </a:prstGeom>
+        </p:spPr>
+        <p:style>
+          <a:lnRef idx="1">
+            <a:schemeClr val="accent2"/>
+          </a:lnRef>
+          <a:fillRef idx="0">
+            <a:schemeClr val="accent2"/>
+          </a:fillRef>
+          <a:effectRef idx="0">
+            <a:schemeClr val="accent2"/>
+          </a:effectRef>
+          <a:fontRef idx="minor">
+            <a:schemeClr val="tx1"/>
+          </a:fontRef>
+        </p:style>
+      </p:cxnSp>
+      <p:cxnSp>
+        <p:nvCxnSpPr>
+          <p:cNvPr id="17" name="Gerader Verbinder 16">
+            <a:extLst>
+              <a:ext uri="{FF2B5EF4-FFF2-40B4-BE49-F238E27FC236}">
+                <a16:creationId xmlns:a16="http://schemas.microsoft.com/office/drawing/2014/main" id="{1C8373F6-52B1-443F-8758-9CB94B12C180}"/>
+              </a:ext>
+            </a:extLst>
+          </p:cNvPr>
+          <p:cNvCxnSpPr/>
+          <p:nvPr/>
+        </p:nvCxnSpPr>
+        <p:spPr>
+          <a:xfrm>
+            <a:off x="6477282" y="3332657"/>
+            <a:ext cx="335280" cy="0"/>
+          </a:xfrm>
+          <a:prstGeom prst="line">
+            <a:avLst/>
+          </a:prstGeom>
+        </p:spPr>
+        <p:style>
+          <a:lnRef idx="1">
+            <a:schemeClr val="accent2"/>
+          </a:lnRef>
+          <a:fillRef idx="0">
+            <a:schemeClr val="accent2"/>
+          </a:fillRef>
+          <a:effectRef idx="0">
+            <a:schemeClr val="accent2"/>
+          </a:effectRef>
+          <a:fontRef idx="minor">
+            <a:schemeClr val="tx1"/>
+          </a:fontRef>
+        </p:style>
+      </p:cxnSp>
+      <p:cxnSp>
+        <p:nvCxnSpPr>
+          <p:cNvPr id="21" name="Gerader Verbinder 20">
+            <a:extLst>
+              <a:ext uri="{FF2B5EF4-FFF2-40B4-BE49-F238E27FC236}">
+                <a16:creationId xmlns:a16="http://schemas.microsoft.com/office/drawing/2014/main" id="{6CC55FE1-BD66-4051-8179-DECF9BAB2EBB}"/>
+              </a:ext>
+            </a:extLst>
+          </p:cNvPr>
+          <p:cNvCxnSpPr/>
+          <p:nvPr/>
+        </p:nvCxnSpPr>
+        <p:spPr>
+          <a:xfrm>
+            <a:off x="6446802" y="3332657"/>
+            <a:ext cx="0" cy="1636712"/>
+          </a:xfrm>
+          <a:prstGeom prst="line">
+            <a:avLst/>
+          </a:prstGeom>
+        </p:spPr>
+        <p:style>
+          <a:lnRef idx="1">
+            <a:schemeClr val="accent2"/>
+          </a:lnRef>
+          <a:fillRef idx="0">
+            <a:schemeClr val="accent2"/>
+          </a:fillRef>
+          <a:effectRef idx="0">
+            <a:schemeClr val="accent2"/>
+          </a:effectRef>
+          <a:fontRef idx="minor">
+            <a:schemeClr val="tx1"/>
+          </a:fontRef>
+        </p:style>
+      </p:cxnSp>
+      <p:cxnSp>
+        <p:nvCxnSpPr>
+          <p:cNvPr id="29" name="Gerader Verbinder 28">
+            <a:extLst>
+              <a:ext uri="{FF2B5EF4-FFF2-40B4-BE49-F238E27FC236}">
+                <a16:creationId xmlns:a16="http://schemas.microsoft.com/office/drawing/2014/main" id="{8147C5AF-65E1-48A9-A1CA-722A96B28A88}"/>
+              </a:ext>
+            </a:extLst>
+          </p:cNvPr>
+          <p:cNvCxnSpPr/>
+          <p:nvPr/>
+        </p:nvCxnSpPr>
+        <p:spPr>
+          <a:xfrm>
+            <a:off x="6477282" y="4969369"/>
+            <a:ext cx="335280" cy="0"/>
+          </a:xfrm>
+          <a:prstGeom prst="line">
+            <a:avLst/>
+          </a:prstGeom>
+        </p:spPr>
+        <p:style>
+          <a:lnRef idx="1">
+            <a:schemeClr val="accent2"/>
+          </a:lnRef>
+          <a:fillRef idx="0">
+            <a:schemeClr val="accent2"/>
+          </a:fillRef>
+          <a:effectRef idx="0">
+            <a:schemeClr val="accent2"/>
+          </a:effectRef>
+          <a:fontRef idx="minor">
+            <a:schemeClr val="tx1"/>
+          </a:fontRef>
+        </p:style>
+      </p:cxnSp>
+      <p:cxnSp>
+        <p:nvCxnSpPr>
+          <p:cNvPr id="33" name="Gerader Verbinder 32">
+            <a:extLst>
+              <a:ext uri="{FF2B5EF4-FFF2-40B4-BE49-F238E27FC236}">
+                <a16:creationId xmlns:a16="http://schemas.microsoft.com/office/drawing/2014/main" id="{4843CACC-014B-416D-8798-8D2298FF28AF}"/>
+              </a:ext>
+            </a:extLst>
+          </p:cNvPr>
+          <p:cNvCxnSpPr/>
+          <p:nvPr/>
+        </p:nvCxnSpPr>
+        <p:spPr>
+          <a:xfrm>
+            <a:off x="5652164" y="4885549"/>
+            <a:ext cx="719582" cy="0"/>
+          </a:xfrm>
+          <a:prstGeom prst="line">
+            <a:avLst/>
+          </a:prstGeom>
+        </p:spPr>
+        <p:style>
+          <a:lnRef idx="1">
+            <a:schemeClr val="accent2"/>
+          </a:lnRef>
+          <a:fillRef idx="0">
+            <a:schemeClr val="accent2"/>
+          </a:fillRef>
+          <a:effectRef idx="0">
+            <a:schemeClr val="accent2"/>
+          </a:effectRef>
+          <a:fontRef idx="minor">
+            <a:schemeClr val="tx1"/>
+          </a:fontRef>
+        </p:style>
+      </p:cxnSp>
+      <p:cxnSp>
+        <p:nvCxnSpPr>
+          <p:cNvPr id="37" name="Gerader Verbinder 36">
+            <a:extLst>
+              <a:ext uri="{FF2B5EF4-FFF2-40B4-BE49-F238E27FC236}">
+                <a16:creationId xmlns:a16="http://schemas.microsoft.com/office/drawing/2014/main" id="{3A7F8676-FB56-4750-9A38-9FD973180D0C}"/>
+              </a:ext>
+            </a:extLst>
+          </p:cNvPr>
+          <p:cNvCxnSpPr/>
+          <p:nvPr/>
+        </p:nvCxnSpPr>
+        <p:spPr>
+          <a:xfrm>
+            <a:off x="4191282" y="3332657"/>
+            <a:ext cx="678180" cy="379412"/>
+          </a:xfrm>
+          <a:prstGeom prst="line">
+            <a:avLst/>
+          </a:prstGeom>
+        </p:spPr>
+        <p:style>
+          <a:lnRef idx="1">
+            <a:schemeClr val="accent2"/>
+          </a:lnRef>
+          <a:fillRef idx="0">
+            <a:schemeClr val="accent2"/>
+          </a:fillRef>
+          <a:effectRef idx="0">
+            <a:schemeClr val="accent2"/>
+          </a:effectRef>
+          <a:fontRef idx="minor">
+            <a:schemeClr val="tx1"/>
+          </a:fontRef>
+        </p:style>
+      </p:cxnSp>
+    </p:spTree>
+    <p:extLst>
+      <p:ext uri="{BB962C8B-B14F-4D97-AF65-F5344CB8AC3E}">
+        <p14:creationId xmlns:p14="http://schemas.microsoft.com/office/powerpoint/2010/main" val="1248949786"/>
+      </p:ext>
+    </p:extLst>
+  </p:cSld>
+  <p:clrMapOvr>
+    <a:masterClrMapping/>
+  </p:clrMapOvr>
+</p:sld>
+</file>
+
+<file path=ppt/slides/slide8.xml><?xml version="1.0" encoding="utf-8"?>
+<p:sld xmlns:a="http://schemas.openxmlformats.org/drawingml/2006/main" xmlns:r="http://schemas.openxmlformats.org/officeDocument/2006/relationships" xmlns:p="http://schemas.openxmlformats.org/presentationml/2006/main">
+  <p:cSld>
+    <p:spTree>
+      <p:nvGrpSpPr>
+        <p:cNvPr id="1" name=""/>
+        <p:cNvGrpSpPr/>
+        <p:nvPr/>
+      </p:nvGrpSpPr>
+      <p:grpSpPr>
+        <a:xfrm>
+          <a:off x="0" y="0"/>
+          <a:ext cx="0" cy="0"/>
+          <a:chOff x="0" y="0"/>
+          <a:chExt cx="0" cy="0"/>
+        </a:xfrm>
+      </p:grpSpPr>
+      <p:sp>
+        <p:nvSpPr>
+          <p:cNvPr id="2" name="Titel 1">
+            <a:extLst>
+              <a:ext uri="{FF2B5EF4-FFF2-40B4-BE49-F238E27FC236}">
+                <a16:creationId xmlns:a16="http://schemas.microsoft.com/office/drawing/2014/main" id="{7EF002A0-F11C-49BF-B84B-91A7BDF0787B}"/>
+              </a:ext>
+            </a:extLst>
+          </p:cNvPr>
+          <p:cNvSpPr>
+            <a:spLocks noGrp="1"/>
+          </p:cNvSpPr>
+          <p:nvPr>
+            <p:ph type="title"/>
+          </p:nvPr>
+        </p:nvSpPr>
+        <p:spPr/>
+        <p:txBody>
+          <a:bodyPr/>
+          <a:lstStyle/>
+          <a:p>
+            <a:r>
+              <a:rPr lang="de-DE" dirty="0"/>
+              <a:t>Bausteinsicht Ebene 2</a:t>
+            </a:r>
+          </a:p>
+        </p:txBody>
+      </p:sp>
+      <p:sp>
+        <p:nvSpPr>
+          <p:cNvPr id="4" name="Datumsplatzhalter 3">
+            <a:extLst>
+              <a:ext uri="{FF2B5EF4-FFF2-40B4-BE49-F238E27FC236}">
+                <a16:creationId xmlns:a16="http://schemas.microsoft.com/office/drawing/2014/main" id="{C7FEB1F1-F5B0-49AC-A265-1215B6B7C2C7}"/>
+              </a:ext>
+            </a:extLst>
+          </p:cNvPr>
+          <p:cNvSpPr>
+            <a:spLocks noGrp="1"/>
+          </p:cNvSpPr>
+          <p:nvPr>
+            <p:ph type="dt" sz="half" idx="10"/>
+          </p:nvPr>
+        </p:nvSpPr>
+        <p:spPr/>
+        <p:txBody>
+          <a:bodyPr/>
+          <a:lstStyle/>
+          <a:p>
+            <a:fld id="{BB7604C3-A478-448A-88D6-07EFA8665C1F}" type="datetime1">
+              <a:rPr lang="de-DE" smtClean="0"/>
+              <a:t>04.11.2021</a:t>
+            </a:fld>
+            <a:endParaRPr lang="en-US"/>
+          </a:p>
+        </p:txBody>
+      </p:sp>
+      <p:sp>
+        <p:nvSpPr>
+          <p:cNvPr id="5" name="Fußzeilenplatzhalter 4">
+            <a:extLst>
+              <a:ext uri="{FF2B5EF4-FFF2-40B4-BE49-F238E27FC236}">
+                <a16:creationId xmlns:a16="http://schemas.microsoft.com/office/drawing/2014/main" id="{D389E94C-036B-4FE3-BCF5-FF772550F7FE}"/>
+              </a:ext>
+            </a:extLst>
+          </p:cNvPr>
+          <p:cNvSpPr>
+            <a:spLocks noGrp="1"/>
+          </p:cNvSpPr>
+          <p:nvPr>
+            <p:ph type="ftr" sz="quarter" idx="11"/>
+          </p:nvPr>
+        </p:nvSpPr>
+        <p:spPr/>
+        <p:txBody>
+          <a:bodyPr/>
+          <a:lstStyle/>
+          <a:p>
+            <a:pPr algn="ctr"/>
+            <a:r>
+              <a:rPr lang="en-US"/>
+              <a:t>Benjamin Swarovsky</a:t>
+            </a:r>
+            <a:endParaRPr lang="en-US" dirty="0"/>
+          </a:p>
+        </p:txBody>
+      </p:sp>
+      <p:sp>
+        <p:nvSpPr>
+          <p:cNvPr id="6" name="Foliennummernplatzhalter 5">
+            <a:extLst>
+              <a:ext uri="{FF2B5EF4-FFF2-40B4-BE49-F238E27FC236}">
+                <a16:creationId xmlns:a16="http://schemas.microsoft.com/office/drawing/2014/main" id="{736A3E70-1B51-445A-AA5D-E1FD1DDD689E}"/>
+              </a:ext>
+            </a:extLst>
+          </p:cNvPr>
+          <p:cNvSpPr>
+            <a:spLocks noGrp="1"/>
+          </p:cNvSpPr>
+          <p:nvPr>
+            <p:ph type="sldNum" sz="quarter" idx="12"/>
+          </p:nvPr>
+        </p:nvSpPr>
+        <p:spPr/>
+        <p:txBody>
+          <a:bodyPr/>
+          <a:lstStyle/>
+          <a:p>
+            <a:fld id="{6D22F896-40B5-4ADD-8801-0D06FADFA095}" type="slidenum">
+              <a:rPr lang="en-US" smtClean="0"/>
+              <a:t>8</a:t>
+            </a:fld>
+            <a:endParaRPr lang="en-US"/>
+          </a:p>
+        </p:txBody>
+      </p:sp>
+      <p:pic>
+        <p:nvPicPr>
+          <p:cNvPr id="7" name="Inhaltsplatzhalter 6">
+            <a:extLst>
+              <a:ext uri="{FF2B5EF4-FFF2-40B4-BE49-F238E27FC236}">
+                <a16:creationId xmlns:a16="http://schemas.microsoft.com/office/drawing/2014/main" id="{6CC8A200-D6BD-4651-81BD-C4BFD0D84E96}"/>
+              </a:ext>
+            </a:extLst>
+          </p:cNvPr>
+          <p:cNvPicPr>
+            <a:picLocks noGrp="1" noChangeAspect="1"/>
+          </p:cNvPicPr>
+          <p:nvPr>
+            <p:ph idx="1"/>
+          </p:nvPr>
+        </p:nvPicPr>
+        <p:blipFill>
+          <a:blip r:embed="rId2" cstate="print">
+            <a:extLst>
+              <a:ext uri="{28A0092B-C50C-407E-A947-70E740481C1C}">
+                <a14:useLocalDpi xmlns:a14="http://schemas.microsoft.com/office/drawing/2010/main" val="0"/>
+              </a:ext>
+            </a:extLst>
+          </a:blip>
+          <a:srcRect/>
+          <a:stretch>
+            <a:fillRect/>
+          </a:stretch>
+        </p:blipFill>
+        <p:spPr bwMode="auto">
+          <a:xfrm>
+            <a:off x="3260092" y="1705397"/>
+            <a:ext cx="5849184" cy="4516921"/>
+          </a:xfrm>
+          <a:prstGeom prst="rect">
+            <a:avLst/>
+          </a:prstGeom>
+          <a:noFill/>
+          <a:ln>
+            <a:noFill/>
+          </a:ln>
+        </p:spPr>
+      </p:pic>
+    </p:spTree>
+    <p:extLst>
+      <p:ext uri="{BB962C8B-B14F-4D97-AF65-F5344CB8AC3E}">
+        <p14:creationId xmlns:p14="http://schemas.microsoft.com/office/powerpoint/2010/main" val="397232701"/>
+      </p:ext>
+    </p:extLst>
+  </p:cSld>
+  <p:clrMapOvr>
+    <a:masterClrMapping/>
+  </p:clrMapOvr>
+</p:sld>
+</file>
+
+<file path=ppt/slides/slide9.xml><?xml version="1.0" encoding="utf-8"?>
+<p:sld xmlns:a="http://schemas.openxmlformats.org/drawingml/2006/main" xmlns:r="http://schemas.openxmlformats.org/officeDocument/2006/relationships" xmlns:p="http://schemas.openxmlformats.org/presentationml/2006/main">
+  <p:cSld>
+    <p:spTree>
+      <p:nvGrpSpPr>
+        <p:cNvPr id="1" name=""/>
+        <p:cNvGrpSpPr/>
+        <p:nvPr/>
+      </p:nvGrpSpPr>
+      <p:grpSpPr>
+        <a:xfrm>
+          <a:off x="0" y="0"/>
+          <a:ext cx="0" cy="0"/>
+          <a:chOff x="0" y="0"/>
+          <a:chExt cx="0" cy="0"/>
+        </a:xfrm>
+      </p:grpSpPr>
+      <p:sp>
+        <p:nvSpPr>
+          <p:cNvPr id="2" name="Titel 1">
+            <a:extLst>
+              <a:ext uri="{FF2B5EF4-FFF2-40B4-BE49-F238E27FC236}">
+                <a16:creationId xmlns:a16="http://schemas.microsoft.com/office/drawing/2014/main" id="{97E854AF-370A-4DD2-B05B-BA9F47E75C37}"/>
+              </a:ext>
+            </a:extLst>
+          </p:cNvPr>
+          <p:cNvSpPr>
+            <a:spLocks noGrp="1"/>
+          </p:cNvSpPr>
+          <p:nvPr>
+            <p:ph type="title"/>
+          </p:nvPr>
+        </p:nvSpPr>
+        <p:spPr/>
+        <p:txBody>
+          <a:bodyPr/>
+          <a:lstStyle/>
+          <a:p>
+            <a:endParaRPr lang="de-DE" dirty="0"/>
+          </a:p>
+        </p:txBody>
+      </p:sp>
+      <p:sp>
+        <p:nvSpPr>
+          <p:cNvPr id="3" name="Inhaltsplatzhalter 2">
+            <a:extLst>
+              <a:ext uri="{FF2B5EF4-FFF2-40B4-BE49-F238E27FC236}">
+                <a16:creationId xmlns:a16="http://schemas.microsoft.com/office/drawing/2014/main" id="{C98CDAB6-320F-43C1-90E0-C684815DE0C4}"/>
+              </a:ext>
+            </a:extLst>
+          </p:cNvPr>
+          <p:cNvSpPr>
+            <a:spLocks noGrp="1"/>
+          </p:cNvSpPr>
+          <p:nvPr>
+            <p:ph idx="1"/>
+          </p:nvPr>
+        </p:nvSpPr>
+        <p:spPr>
+          <a:xfrm>
+            <a:off x="1614649" y="1685228"/>
+            <a:ext cx="7901820" cy="4749440"/>
+          </a:xfrm>
+        </p:spPr>
+        <p:txBody>
+          <a:bodyPr>
+            <a:normAutofit fontScale="40000" lnSpcReduction="20000"/>
+          </a:bodyPr>
+          <a:lstStyle/>
+          <a:p>
+            <a:r>
+              <a:rPr lang="de-DE" sz="4000" dirty="0">
+                <a:solidFill>
+                  <a:schemeClr val="tx1">
+                    <a:lumMod val="50000"/>
+                  </a:schemeClr>
+                </a:solidFill>
+              </a:rPr>
+              <a:t>Einleitung</a:t>
+            </a:r>
+          </a:p>
+          <a:p>
+            <a:r>
+              <a:rPr lang="de-DE" sz="4000" dirty="0">
+                <a:solidFill>
+                  <a:schemeClr val="tx1">
+                    <a:lumMod val="50000"/>
+                  </a:schemeClr>
+                </a:solidFill>
+              </a:rPr>
+              <a:t>Architektur</a:t>
+            </a:r>
+          </a:p>
+          <a:p>
+            <a:r>
+              <a:rPr lang="de-DE" sz="4000" b="1" dirty="0"/>
+              <a:t>API Gateway</a:t>
+            </a:r>
+          </a:p>
+          <a:p>
+            <a:pPr lvl="1"/>
+            <a:r>
+              <a:rPr lang="de-DE" sz="3800" b="1" dirty="0"/>
+              <a:t>Grundlagen</a:t>
+            </a:r>
+          </a:p>
+          <a:p>
+            <a:pPr lvl="1"/>
+            <a:r>
+              <a:rPr lang="de-DE" sz="3800" b="1" dirty="0"/>
+              <a:t>Spring Cloud API Gateway</a:t>
+            </a:r>
+          </a:p>
+          <a:p>
+            <a:pPr lvl="1"/>
+            <a:r>
+              <a:rPr lang="de-DE" sz="3800" b="1" dirty="0"/>
+              <a:t>Implementierung</a:t>
+            </a:r>
+          </a:p>
+          <a:p>
+            <a:r>
+              <a:rPr lang="de-DE" sz="4000" dirty="0">
+                <a:solidFill>
+                  <a:schemeClr val="tx1">
+                    <a:lumMod val="75000"/>
+                  </a:schemeClr>
+                </a:solidFill>
+              </a:rPr>
+              <a:t>Service Discovery</a:t>
+            </a:r>
+          </a:p>
+          <a:p>
+            <a:r>
+              <a:rPr lang="de-DE" sz="4000" dirty="0">
+                <a:solidFill>
+                  <a:schemeClr val="tx1">
+                    <a:lumMod val="75000"/>
+                  </a:schemeClr>
+                </a:solidFill>
+              </a:rPr>
+              <a:t>Loadbalancer</a:t>
+            </a:r>
+          </a:p>
+          <a:p>
+            <a:r>
+              <a:rPr lang="de-DE" sz="4000" dirty="0">
+                <a:solidFill>
+                  <a:schemeClr val="tx1">
+                    <a:lumMod val="75000"/>
+                  </a:schemeClr>
+                </a:solidFill>
+              </a:rPr>
+              <a:t>Zusammenspiel der Technologien</a:t>
+            </a:r>
+          </a:p>
+          <a:p>
+            <a:r>
+              <a:rPr lang="de-DE" sz="4000" dirty="0">
+                <a:solidFill>
+                  <a:schemeClr val="tx1">
+                    <a:lumMod val="75000"/>
+                  </a:schemeClr>
+                </a:solidFill>
+              </a:rPr>
+              <a:t>Auswertung</a:t>
+            </a:r>
+          </a:p>
+          <a:p>
+            <a:r>
+              <a:rPr lang="de-DE" sz="4000" dirty="0">
+                <a:solidFill>
+                  <a:schemeClr val="tx1">
+                    <a:lumMod val="75000"/>
+                  </a:schemeClr>
+                </a:solidFill>
+              </a:rPr>
+              <a:t>Demonstration des Prototypen</a:t>
+            </a:r>
+          </a:p>
+          <a:p>
+            <a:pPr marL="457200" lvl="1" indent="0">
+              <a:buNone/>
+            </a:pPr>
+            <a:endParaRPr lang="de-DE" dirty="0"/>
+          </a:p>
+          <a:p>
+            <a:pPr lvl="1"/>
+            <a:endParaRPr lang="de-DE" dirty="0"/>
+          </a:p>
+          <a:p>
+            <a:endParaRPr lang="de-DE" dirty="0"/>
+          </a:p>
+        </p:txBody>
+      </p:sp>
+      <p:sp>
+        <p:nvSpPr>
+          <p:cNvPr id="4" name="Datumsplatzhalter 3">
+            <a:extLst>
+              <a:ext uri="{FF2B5EF4-FFF2-40B4-BE49-F238E27FC236}">
+                <a16:creationId xmlns:a16="http://schemas.microsoft.com/office/drawing/2014/main" id="{B1C5A0D9-0D16-40F0-A270-E2153F54A613}"/>
+              </a:ext>
+            </a:extLst>
+          </p:cNvPr>
+          <p:cNvSpPr>
+            <a:spLocks noGrp="1"/>
+          </p:cNvSpPr>
+          <p:nvPr>
+            <p:ph type="dt" sz="half" idx="10"/>
+          </p:nvPr>
+        </p:nvSpPr>
+        <p:spPr/>
+        <p:txBody>
+          <a:bodyPr/>
+          <a:lstStyle/>
+          <a:p>
+            <a:fld id="{BB7604C3-A478-448A-88D6-07EFA8665C1F}" type="datetime1">
+              <a:rPr lang="de-DE" smtClean="0"/>
+              <a:t>04.11.2021</a:t>
+            </a:fld>
+            <a:endParaRPr lang="en-US"/>
+          </a:p>
+        </p:txBody>
+      </p:sp>
+      <p:sp>
+        <p:nvSpPr>
+          <p:cNvPr id="5" name="Fußzeilenplatzhalter 4">
+            <a:extLst>
+              <a:ext uri="{FF2B5EF4-FFF2-40B4-BE49-F238E27FC236}">
+                <a16:creationId xmlns:a16="http://schemas.microsoft.com/office/drawing/2014/main" id="{6987783A-1F70-47FB-8650-215BADB0D895}"/>
+              </a:ext>
+            </a:extLst>
+          </p:cNvPr>
+          <p:cNvSpPr>
+            <a:spLocks noGrp="1"/>
+          </p:cNvSpPr>
+          <p:nvPr>
+            <p:ph type="ftr" sz="quarter" idx="11"/>
+          </p:nvPr>
+        </p:nvSpPr>
+        <p:spPr/>
+        <p:txBody>
+          <a:bodyPr/>
+          <a:lstStyle/>
+          <a:p>
+            <a:pPr algn="ctr"/>
+            <a:r>
+              <a:rPr lang="en-US"/>
+              <a:t>Benjamin Swarovsky</a:t>
+            </a:r>
+            <a:endParaRPr lang="en-US" dirty="0"/>
+          </a:p>
+        </p:txBody>
+      </p:sp>
+      <p:sp>
+        <p:nvSpPr>
+          <p:cNvPr id="6" name="Foliennummernplatzhalter 5">
+            <a:extLst>
+              <a:ext uri="{FF2B5EF4-FFF2-40B4-BE49-F238E27FC236}">
+                <a16:creationId xmlns:a16="http://schemas.microsoft.com/office/drawing/2014/main" id="{EDFC56A4-BEFD-4224-A109-1FFEDB0D2EF9}"/>
+              </a:ext>
+            </a:extLst>
+          </p:cNvPr>
+          <p:cNvSpPr>
+            <a:spLocks noGrp="1"/>
+          </p:cNvSpPr>
+          <p:nvPr>
+            <p:ph type="sldNum" sz="quarter" idx="12"/>
+          </p:nvPr>
+        </p:nvSpPr>
+        <p:spPr/>
+        <p:txBody>
+          <a:bodyPr/>
+          <a:lstStyle/>
+          <a:p>
+            <a:fld id="{6D22F896-40B5-4ADD-8801-0D06FADFA095}" type="slidenum">
+              <a:rPr lang="en-US" smtClean="0"/>
+              <a:t>9</a:t>
+            </a:fld>
+            <a:endParaRPr lang="en-US"/>
+          </a:p>
+        </p:txBody>
+      </p:sp>
+    </p:spTree>
+    <p:extLst>
+      <p:ext uri="{BB962C8B-B14F-4D97-AF65-F5344CB8AC3E}">
+        <p14:creationId xmlns:p14="http://schemas.microsoft.com/office/powerpoint/2010/main" val="2602881688"/>
       </p:ext>
     </p:extLst>
   </p:cSld>
@@ -8616,6 +10216,21 @@
 </file>
 
 <file path=customXml/item1.xml><?xml version="1.0" encoding="utf-8"?>
+<?mso-contentType ?>
+<FormTemplates xmlns="http://schemas.microsoft.com/sharepoint/v3/contenttype/forms">
+  <Display>DocumentLibraryForm</Display>
+  <Edit>DocumentLibraryForm</Edit>
+  <New>DocumentLibraryForm</New>
+</FormTemplates>
+</file>
+
+<file path=customXml/item2.xml><?xml version="1.0" encoding="utf-8"?>
+<p:properties xmlns:p="http://schemas.microsoft.com/office/2006/metadata/properties" xmlns:xsi="http://www.w3.org/2001/XMLSchema-instance" xmlns:pc="http://schemas.microsoft.com/office/infopath/2007/PartnerControls">
+  <documentManagement/>
+</p:properties>
+</file>
+
+<file path=customXml/item3.xml><?xml version="1.0" encoding="utf-8"?>
 <ct:contentTypeSchema xmlns:ct="http://schemas.microsoft.com/office/2006/metadata/contentType" xmlns:ma="http://schemas.microsoft.com/office/2006/metadata/properties/metaAttributes" ct:_="" ma:_="" ma:contentTypeName="Dokument" ma:contentTypeID="0x01010057DEBC6757D75944BF029D53C906043C" ma:contentTypeVersion="2" ma:contentTypeDescription="Ein neues Dokument erstellen." ma:contentTypeScope="" ma:versionID="92b2e5e144b5888bfe8e1716395d2054">
   <xsd:schema xmlns:xsd="http://www.w3.org/2001/XMLSchema" xmlns:xs="http://www.w3.org/2001/XMLSchema" xmlns:p="http://schemas.microsoft.com/office/2006/metadata/properties" xmlns:ns3="2e5082aa-21a9-4fb8-bc02-de89f01dc016" targetNamespace="http://schemas.microsoft.com/office/2006/metadata/properties" ma:root="true" ma:fieldsID="750a51e2518c422fe3db59dbb0fb1318" ns3:_="">
     <xsd:import namespace="2e5082aa-21a9-4fb8-bc02-de89f01dc016"/>
@@ -8747,35 +10362,10 @@
 </ct:contentTypeSchema>
 </file>
 
-<file path=customXml/item2.xml><?xml version="1.0" encoding="utf-8"?>
-<p:properties xmlns:p="http://schemas.microsoft.com/office/2006/metadata/properties" xmlns:xsi="http://www.w3.org/2001/XMLSchema-instance" xmlns:pc="http://schemas.microsoft.com/office/infopath/2007/PartnerControls">
-  <documentManagement/>
-</p:properties>
-</file>
-
-<file path=customXml/item3.xml><?xml version="1.0" encoding="utf-8"?>
-<?mso-contentType ?>
-<FormTemplates xmlns="http://schemas.microsoft.com/sharepoint/v3/contenttype/forms">
-  <Display>DocumentLibraryForm</Display>
-  <Edit>DocumentLibraryForm</Edit>
-  <New>DocumentLibraryForm</New>
-</FormTemplates>
-</file>
-
 <file path=customXml/itemProps1.xml><?xml version="1.0" encoding="utf-8"?>
-<ds:datastoreItem xmlns:ds="http://schemas.openxmlformats.org/officeDocument/2006/customXml" ds:itemID="{3E893F45-019B-40EF-B832-242EE941AB77}">
+<ds:datastoreItem xmlns:ds="http://schemas.openxmlformats.org/officeDocument/2006/customXml" ds:itemID="{2ABFB1C4-DEB4-4487-BA3A-A97A672A3FD3}">
   <ds:schemaRefs>
-    <ds:schemaRef ds:uri="2e5082aa-21a9-4fb8-bc02-de89f01dc016"/>
-    <ds:schemaRef ds:uri="http://purl.org/dc/elements/1.1/"/>
-    <ds:schemaRef ds:uri="http://purl.org/dc/terms/"/>
-    <ds:schemaRef ds:uri="http://schemas.microsoft.com/internal/obd"/>
-    <ds:schemaRef ds:uri="http://schemas.microsoft.com/office/2006/documentManagement/types"/>
-    <ds:schemaRef ds:uri="http://schemas.microsoft.com/office/2006/metadata/contentType"/>
-    <ds:schemaRef ds:uri="http://schemas.microsoft.com/office/2006/metadata/properties"/>
-    <ds:schemaRef ds:uri="http://schemas.microsoft.com/office/2006/metadata/properties/metaAttributes"/>
-    <ds:schemaRef ds:uri="http://schemas.microsoft.com/office/infopath/2007/PartnerControls"/>
-    <ds:schemaRef ds:uri="http://schemas.openxmlformats.org/package/2006/metadata/core-properties"/>
-    <ds:schemaRef ds:uri="http://www.w3.org/2001/XMLSchema"/>
+    <ds:schemaRef ds:uri="http://schemas.microsoft.com/sharepoint/v3/contenttype/forms"/>
   </ds:schemaRefs>
 </ds:datastoreItem>
 </file>
@@ -8797,9 +10387,19 @@
 </file>
 
 <file path=customXml/itemProps3.xml><?xml version="1.0" encoding="utf-8"?>
-<ds:datastoreItem xmlns:ds="http://schemas.openxmlformats.org/officeDocument/2006/customXml" ds:itemID="{2ABFB1C4-DEB4-4487-BA3A-A97A672A3FD3}">
+<ds:datastoreItem xmlns:ds="http://schemas.openxmlformats.org/officeDocument/2006/customXml" ds:itemID="{3E893F45-019B-40EF-B832-242EE941AB77}">
   <ds:schemaRefs>
-    <ds:schemaRef ds:uri="http://schemas.microsoft.com/sharepoint/v3/contenttype/forms"/>
+    <ds:schemaRef ds:uri="2e5082aa-21a9-4fb8-bc02-de89f01dc016"/>
+    <ds:schemaRef ds:uri="http://purl.org/dc/elements/1.1/"/>
+    <ds:schemaRef ds:uri="http://purl.org/dc/terms/"/>
+    <ds:schemaRef ds:uri="http://schemas.microsoft.com/internal/obd"/>
+    <ds:schemaRef ds:uri="http://schemas.microsoft.com/office/2006/documentManagement/types"/>
+    <ds:schemaRef ds:uri="http://schemas.microsoft.com/office/2006/metadata/contentType"/>
+    <ds:schemaRef ds:uri="http://schemas.microsoft.com/office/2006/metadata/properties"/>
+    <ds:schemaRef ds:uri="http://schemas.microsoft.com/office/2006/metadata/properties/metaAttributes"/>
+    <ds:schemaRef ds:uri="http://schemas.microsoft.com/office/infopath/2007/PartnerControls"/>
+    <ds:schemaRef ds:uri="http://schemas.openxmlformats.org/package/2006/metadata/core-properties"/>
+    <ds:schemaRef ds:uri="http://www.w3.org/2001/XMLSchema"/>
   </ds:schemaRefs>
 </ds:datastoreItem>
 </file>
--- a/Vortrag.pptx
+++ b/Vortrag.pptx
@@ -5,7 +5,7 @@
     <p:sldMasterId id="2147483648" r:id="rId4"/>
   </p:sldMasterIdLst>
   <p:notesMasterIdLst>
-    <p:notesMasterId r:id="rId15"/>
+    <p:notesMasterId r:id="rId18"/>
   </p:notesMasterIdLst>
   <p:sldIdLst>
     <p:sldId id="256" r:id="rId5"/>
@@ -18,6 +18,9 @@
     <p:sldId id="264" r:id="rId12"/>
     <p:sldId id="265" r:id="rId13"/>
     <p:sldId id="266" r:id="rId14"/>
+    <p:sldId id="269" r:id="rId15"/>
+    <p:sldId id="267" r:id="rId16"/>
+    <p:sldId id="268" r:id="rId17"/>
   </p:sldIdLst>
   <p:sldSz cx="12192000" cy="6858000"/>
   <p:notesSz cx="6858000" cy="9144000"/>
@@ -119,7 +122,7 @@
   <p:extLst>
     <p:ext uri="{EFAFB233-063F-42B5-8137-9DF3F51BA10A}">
       <p15:sldGuideLst xmlns:p15="http://schemas.microsoft.com/office/powerpoint/2012/main">
-        <p15:guide id="1" orient="horz" pos="2137" userDrawn="1">
+        <p15:guide id="1" orient="horz" pos="2115" userDrawn="1">
           <p15:clr>
             <a:srgbClr val="A4A3A4"/>
           </p15:clr>
@@ -6958,7 +6961,12 @@
             <p:ph type="title"/>
           </p:nvPr>
         </p:nvSpPr>
-        <p:spPr/>
+        <p:spPr>
+          <a:xfrm>
+            <a:off x="1614650" y="540904"/>
+            <a:ext cx="7958331" cy="1077229"/>
+          </a:xfrm>
+        </p:spPr>
         <p:txBody>
           <a:bodyPr/>
           <a:lstStyle/>
@@ -6967,31 +6975,6 @@
               <a:rPr lang="de-DE" dirty="0"/>
               <a:t>API Gateway - Grundlagen</a:t>
             </a:r>
-          </a:p>
-        </p:txBody>
-      </p:sp>
-      <p:sp>
-        <p:nvSpPr>
-          <p:cNvPr id="3" name="Inhaltsplatzhalter 2">
-            <a:extLst>
-              <a:ext uri="{FF2B5EF4-FFF2-40B4-BE49-F238E27FC236}">
-                <a16:creationId xmlns:a16="http://schemas.microsoft.com/office/drawing/2014/main" id="{DA57C915-9777-4247-9577-61816DCE7D03}"/>
-              </a:ext>
-            </a:extLst>
-          </p:cNvPr>
-          <p:cNvSpPr>
-            <a:spLocks noGrp="1"/>
-          </p:cNvSpPr>
-          <p:nvPr>
-            <p:ph idx="1"/>
-          </p:nvPr>
-        </p:nvSpPr>
-        <p:spPr/>
-        <p:txBody>
-          <a:bodyPr/>
-          <a:lstStyle/>
-          <a:p>
-            <a:endParaRPr lang="de-DE" dirty="0"/>
           </a:p>
         </p:txBody>
       </p:sp>
@@ -7083,10 +7066,1413 @@
           </a:p>
         </p:txBody>
       </p:sp>
+      <p:pic>
+        <p:nvPicPr>
+          <p:cNvPr id="7" name="Inhaltsplatzhalter 6">
+            <a:extLst>
+              <a:ext uri="{FF2B5EF4-FFF2-40B4-BE49-F238E27FC236}">
+                <a16:creationId xmlns:a16="http://schemas.microsoft.com/office/drawing/2014/main" id="{BDCFDA08-E078-4958-A7C6-3DD31EC5D3BB}"/>
+              </a:ext>
+            </a:extLst>
+          </p:cNvPr>
+          <p:cNvPicPr>
+            <a:picLocks noGrp="1" noChangeAspect="1"/>
+          </p:cNvPicPr>
+          <p:nvPr>
+            <p:ph idx="1"/>
+          </p:nvPr>
+        </p:nvPicPr>
+        <p:blipFill>
+          <a:blip r:embed="rId2">
+            <a:extLst>
+              <a:ext uri="{28A0092B-C50C-407E-A947-70E740481C1C}">
+                <a14:useLocalDpi xmlns:a14="http://schemas.microsoft.com/office/drawing/2010/main" val="0"/>
+              </a:ext>
+            </a:extLst>
+          </a:blip>
+          <a:srcRect/>
+          <a:stretch>
+            <a:fillRect/>
+          </a:stretch>
+        </p:blipFill>
+        <p:spPr bwMode="auto">
+          <a:xfrm>
+            <a:off x="6805984" y="1618133"/>
+            <a:ext cx="4268726" cy="1886181"/>
+          </a:xfrm>
+          <a:prstGeom prst="rect">
+            <a:avLst/>
+          </a:prstGeom>
+          <a:noFill/>
+          <a:ln>
+            <a:noFill/>
+          </a:ln>
+        </p:spPr>
+      </p:pic>
+      <p:pic>
+        <p:nvPicPr>
+          <p:cNvPr id="8" name="Grafik 7">
+            <a:extLst>
+              <a:ext uri="{FF2B5EF4-FFF2-40B4-BE49-F238E27FC236}">
+                <a16:creationId xmlns:a16="http://schemas.microsoft.com/office/drawing/2014/main" id="{E41F7E24-B02A-49DE-9FCE-694951ED5972}"/>
+              </a:ext>
+            </a:extLst>
+          </p:cNvPr>
+          <p:cNvPicPr>
+            <a:picLocks noChangeAspect="1"/>
+          </p:cNvPicPr>
+          <p:nvPr/>
+        </p:nvPicPr>
+        <p:blipFill>
+          <a:blip r:embed="rId3">
+            <a:extLst>
+              <a:ext uri="{28A0092B-C50C-407E-A947-70E740481C1C}">
+                <a14:useLocalDpi xmlns:a14="http://schemas.microsoft.com/office/drawing/2010/main" val="0"/>
+              </a:ext>
+            </a:extLst>
+          </a:blip>
+          <a:srcRect/>
+          <a:stretch>
+            <a:fillRect/>
+          </a:stretch>
+        </p:blipFill>
+        <p:spPr bwMode="auto">
+          <a:xfrm>
+            <a:off x="6805984" y="3942198"/>
+            <a:ext cx="4143950" cy="2462771"/>
+          </a:xfrm>
+          <a:prstGeom prst="rect">
+            <a:avLst/>
+          </a:prstGeom>
+          <a:noFill/>
+          <a:ln>
+            <a:noFill/>
+          </a:ln>
+        </p:spPr>
+      </p:pic>
+      <p:sp>
+        <p:nvSpPr>
+          <p:cNvPr id="11" name="Inhaltsplatzhalter 2">
+            <a:extLst>
+              <a:ext uri="{FF2B5EF4-FFF2-40B4-BE49-F238E27FC236}">
+                <a16:creationId xmlns:a16="http://schemas.microsoft.com/office/drawing/2014/main" id="{540C570D-65B6-4267-BEB2-EDB36260197E}"/>
+              </a:ext>
+            </a:extLst>
+          </p:cNvPr>
+          <p:cNvSpPr txBox="1">
+            <a:spLocks/>
+          </p:cNvSpPr>
+          <p:nvPr/>
+        </p:nvSpPr>
+        <p:spPr>
+          <a:xfrm>
+            <a:off x="1614650" y="1311072"/>
+            <a:ext cx="4391378" cy="2220087"/>
+          </a:xfrm>
+          <a:prstGeom prst="rect">
+            <a:avLst/>
+          </a:prstGeom>
+        </p:spPr>
+        <p:txBody>
+          <a:bodyPr vert="horz" lIns="91440" tIns="45720" rIns="91440" bIns="45720" rtlCol="0" anchor="ctr">
+            <a:noAutofit/>
+          </a:bodyPr>
+          <a:lstStyle>
+            <a:lvl1pPr marL="344488" indent="-344488" algn="l" defTabSz="914400" rtl="0" eaLnBrk="1" latinLnBrk="0" hangingPunct="1">
+              <a:lnSpc>
+                <a:spcPct val="120000"/>
+              </a:lnSpc>
+              <a:spcBef>
+                <a:spcPts val="1000"/>
+              </a:spcBef>
+              <a:spcAft>
+                <a:spcPts val="600"/>
+              </a:spcAft>
+              <a:buClr>
+                <a:schemeClr val="accent6"/>
+              </a:buClr>
+              <a:buSzPct val="90000"/>
+              <a:buFont typeface="Wingdings" panose="05000000000000000000" pitchFamily="2" charset="2"/>
+              <a:buChar char="§"/>
+              <a:defRPr sz="2000" kern="1200">
+                <a:solidFill>
+                  <a:schemeClr val="tx1"/>
+                </a:solidFill>
+                <a:effectLst/>
+                <a:latin typeface="+mn-lt"/>
+                <a:ea typeface="+mn-ea"/>
+                <a:cs typeface="+mn-cs"/>
+              </a:defRPr>
+            </a:lvl1pPr>
+            <a:lvl2pPr marL="795338" indent="-338138" algn="l" defTabSz="914400" rtl="0" eaLnBrk="1" latinLnBrk="0" hangingPunct="1">
+              <a:lnSpc>
+                <a:spcPct val="120000"/>
+              </a:lnSpc>
+              <a:spcBef>
+                <a:spcPts val="500"/>
+              </a:spcBef>
+              <a:spcAft>
+                <a:spcPts val="600"/>
+              </a:spcAft>
+              <a:buClr>
+                <a:schemeClr val="accent6"/>
+              </a:buClr>
+              <a:buSzPct val="90000"/>
+              <a:buFont typeface="Wingdings" panose="05000000000000000000" pitchFamily="2" charset="2"/>
+              <a:buChar char="§"/>
+              <a:defRPr sz="1800" kern="1200">
+                <a:solidFill>
+                  <a:schemeClr val="tx1"/>
+                </a:solidFill>
+                <a:effectLst/>
+                <a:latin typeface="+mn-lt"/>
+                <a:ea typeface="+mn-ea"/>
+                <a:cs typeface="+mn-cs"/>
+              </a:defRPr>
+            </a:lvl2pPr>
+            <a:lvl3pPr marL="1258888" indent="-344488" algn="l" defTabSz="914400" rtl="0" eaLnBrk="1" latinLnBrk="0" hangingPunct="1">
+              <a:lnSpc>
+                <a:spcPct val="120000"/>
+              </a:lnSpc>
+              <a:spcBef>
+                <a:spcPts val="500"/>
+              </a:spcBef>
+              <a:spcAft>
+                <a:spcPts val="600"/>
+              </a:spcAft>
+              <a:buClr>
+                <a:schemeClr val="accent6"/>
+              </a:buClr>
+              <a:buSzPct val="90000"/>
+              <a:buFont typeface="Wingdings" panose="05000000000000000000" pitchFamily="2" charset="2"/>
+              <a:buChar char="§"/>
+              <a:defRPr sz="1600" kern="1200">
+                <a:solidFill>
+                  <a:schemeClr val="tx1"/>
+                </a:solidFill>
+                <a:effectLst/>
+                <a:latin typeface="+mn-lt"/>
+                <a:ea typeface="+mn-ea"/>
+                <a:cs typeface="+mn-cs"/>
+              </a:defRPr>
+            </a:lvl3pPr>
+            <a:lvl4pPr marL="1709738" indent="-338138" algn="l" defTabSz="914400" rtl="0" eaLnBrk="1" latinLnBrk="0" hangingPunct="1">
+              <a:lnSpc>
+                <a:spcPct val="120000"/>
+              </a:lnSpc>
+              <a:spcBef>
+                <a:spcPts val="500"/>
+              </a:spcBef>
+              <a:spcAft>
+                <a:spcPts val="600"/>
+              </a:spcAft>
+              <a:buClr>
+                <a:schemeClr val="accent6"/>
+              </a:buClr>
+              <a:buSzPct val="90000"/>
+              <a:buFont typeface="Wingdings" panose="05000000000000000000" pitchFamily="2" charset="2"/>
+              <a:buChar char="§"/>
+              <a:defRPr sz="1400" kern="1200">
+                <a:solidFill>
+                  <a:schemeClr val="tx1"/>
+                </a:solidFill>
+                <a:effectLst/>
+                <a:latin typeface="+mn-lt"/>
+                <a:ea typeface="+mn-ea"/>
+                <a:cs typeface="+mn-cs"/>
+              </a:defRPr>
+            </a:lvl4pPr>
+            <a:lvl5pPr marL="2173288" indent="-344488" algn="l" defTabSz="914400" rtl="0" eaLnBrk="1" latinLnBrk="0" hangingPunct="1">
+              <a:lnSpc>
+                <a:spcPct val="120000"/>
+              </a:lnSpc>
+              <a:spcBef>
+                <a:spcPts val="500"/>
+              </a:spcBef>
+              <a:spcAft>
+                <a:spcPts val="600"/>
+              </a:spcAft>
+              <a:buClr>
+                <a:schemeClr val="accent6"/>
+              </a:buClr>
+              <a:buSzPct val="90000"/>
+              <a:buFont typeface="Wingdings" panose="05000000000000000000" pitchFamily="2" charset="2"/>
+              <a:buChar char="§"/>
+              <a:defRPr sz="1200" kern="1200">
+                <a:solidFill>
+                  <a:schemeClr val="tx1"/>
+                </a:solidFill>
+                <a:effectLst/>
+                <a:latin typeface="+mn-lt"/>
+                <a:ea typeface="+mn-ea"/>
+                <a:cs typeface="+mn-cs"/>
+              </a:defRPr>
+            </a:lvl5pPr>
+            <a:lvl6pPr marL="2642616" indent="-338328" algn="l" defTabSz="914400" rtl="0" eaLnBrk="1" latinLnBrk="0" hangingPunct="1">
+              <a:lnSpc>
+                <a:spcPct val="120000"/>
+              </a:lnSpc>
+              <a:spcBef>
+                <a:spcPts val="500"/>
+              </a:spcBef>
+              <a:spcAft>
+                <a:spcPts val="600"/>
+              </a:spcAft>
+              <a:buClr>
+                <a:schemeClr val="accent6"/>
+              </a:buClr>
+              <a:buSzPct val="90000"/>
+              <a:buFont typeface="Wingdings" panose="05000000000000000000" pitchFamily="2" charset="2"/>
+              <a:buChar char="§"/>
+              <a:defRPr sz="1200" kern="1200" baseline="0">
+                <a:solidFill>
+                  <a:schemeClr val="tx1"/>
+                </a:solidFill>
+                <a:effectLst/>
+                <a:latin typeface="+mn-lt"/>
+                <a:ea typeface="+mn-ea"/>
+                <a:cs typeface="+mn-cs"/>
+              </a:defRPr>
+            </a:lvl6pPr>
+            <a:lvl7pPr marL="3108960" indent="-338328" algn="l" defTabSz="914400" rtl="0" eaLnBrk="1" latinLnBrk="0" hangingPunct="1">
+              <a:lnSpc>
+                <a:spcPct val="120000"/>
+              </a:lnSpc>
+              <a:spcBef>
+                <a:spcPts val="500"/>
+              </a:spcBef>
+              <a:spcAft>
+                <a:spcPts val="600"/>
+              </a:spcAft>
+              <a:buClr>
+                <a:schemeClr val="accent6"/>
+              </a:buClr>
+              <a:buSzPct val="90000"/>
+              <a:buFont typeface="Wingdings" panose="05000000000000000000" pitchFamily="2" charset="2"/>
+              <a:buChar char="§"/>
+              <a:defRPr sz="1200" kern="1200" baseline="0">
+                <a:solidFill>
+                  <a:schemeClr val="tx1"/>
+                </a:solidFill>
+                <a:effectLst/>
+                <a:latin typeface="+mn-lt"/>
+                <a:ea typeface="+mn-ea"/>
+                <a:cs typeface="+mn-cs"/>
+              </a:defRPr>
+            </a:lvl7pPr>
+            <a:lvl8pPr marL="3575304" indent="-338328" algn="l" defTabSz="914400" rtl="0" eaLnBrk="1" latinLnBrk="0" hangingPunct="1">
+              <a:lnSpc>
+                <a:spcPct val="120000"/>
+              </a:lnSpc>
+              <a:spcBef>
+                <a:spcPts val="500"/>
+              </a:spcBef>
+              <a:spcAft>
+                <a:spcPts val="600"/>
+              </a:spcAft>
+              <a:buClr>
+                <a:schemeClr val="accent6"/>
+              </a:buClr>
+              <a:buSzPct val="90000"/>
+              <a:buFont typeface="Wingdings" panose="05000000000000000000" pitchFamily="2" charset="2"/>
+              <a:buChar char="§"/>
+              <a:defRPr sz="1200" kern="1200" baseline="0">
+                <a:solidFill>
+                  <a:schemeClr val="tx1"/>
+                </a:solidFill>
+                <a:effectLst/>
+                <a:latin typeface="+mn-lt"/>
+                <a:ea typeface="+mn-ea"/>
+                <a:cs typeface="+mn-cs"/>
+              </a:defRPr>
+            </a:lvl8pPr>
+            <a:lvl9pPr marL="4041648" indent="-338328" algn="l" defTabSz="914400" rtl="0" eaLnBrk="1" latinLnBrk="0" hangingPunct="1">
+              <a:lnSpc>
+                <a:spcPct val="120000"/>
+              </a:lnSpc>
+              <a:spcBef>
+                <a:spcPts val="500"/>
+              </a:spcBef>
+              <a:spcAft>
+                <a:spcPts val="600"/>
+              </a:spcAft>
+              <a:buClr>
+                <a:schemeClr val="accent6"/>
+              </a:buClr>
+              <a:buSzPct val="90000"/>
+              <a:buFont typeface="Wingdings" panose="05000000000000000000" pitchFamily="2" charset="2"/>
+              <a:buChar char="§"/>
+              <a:defRPr sz="1200" kern="1200" baseline="0">
+                <a:solidFill>
+                  <a:schemeClr val="tx1"/>
+                </a:solidFill>
+                <a:effectLst/>
+                <a:latin typeface="+mn-lt"/>
+                <a:ea typeface="+mn-ea"/>
+                <a:cs typeface="+mn-cs"/>
+              </a:defRPr>
+            </a:lvl9pPr>
+          </a:lstStyle>
+          <a:p>
+            <a:r>
+              <a:rPr lang="de-DE" sz="1700" dirty="0"/>
+              <a:t>Direkte Kommunikation (Client - Services)</a:t>
+            </a:r>
+          </a:p>
+          <a:p>
+            <a:pPr lvl="1"/>
+            <a:r>
+              <a:rPr lang="de-DE" sz="1500" dirty="0"/>
+              <a:t>Sicherheitsprobleme</a:t>
+            </a:r>
+          </a:p>
+          <a:p>
+            <a:pPr lvl="1"/>
+            <a:r>
+              <a:rPr lang="de-DE" sz="1500" dirty="0"/>
+              <a:t>Enge Kopplung</a:t>
+            </a:r>
+          </a:p>
+        </p:txBody>
+      </p:sp>
+      <p:sp>
+        <p:nvSpPr>
+          <p:cNvPr id="12" name="Inhaltsplatzhalter 2">
+            <a:extLst>
+              <a:ext uri="{FF2B5EF4-FFF2-40B4-BE49-F238E27FC236}">
+                <a16:creationId xmlns:a16="http://schemas.microsoft.com/office/drawing/2014/main" id="{9F66D196-0247-4AB4-A6B5-680C853FACDD}"/>
+              </a:ext>
+            </a:extLst>
+          </p:cNvPr>
+          <p:cNvSpPr txBox="1">
+            <a:spLocks/>
+          </p:cNvSpPr>
+          <p:nvPr/>
+        </p:nvSpPr>
+        <p:spPr>
+          <a:xfrm>
+            <a:off x="1614650" y="3787856"/>
+            <a:ext cx="4481350" cy="3022112"/>
+          </a:xfrm>
+          <a:prstGeom prst="rect">
+            <a:avLst/>
+          </a:prstGeom>
+        </p:spPr>
+        <p:txBody>
+          <a:bodyPr vert="horz" lIns="91440" tIns="45720" rIns="91440" bIns="45720" rtlCol="0" anchor="ctr">
+            <a:normAutofit fontScale="92500" lnSpcReduction="10000"/>
+          </a:bodyPr>
+          <a:lstStyle>
+            <a:lvl1pPr marL="344488" indent="-344488" algn="l" defTabSz="914400" rtl="0" eaLnBrk="1" latinLnBrk="0" hangingPunct="1">
+              <a:lnSpc>
+                <a:spcPct val="120000"/>
+              </a:lnSpc>
+              <a:spcBef>
+                <a:spcPts val="1000"/>
+              </a:spcBef>
+              <a:spcAft>
+                <a:spcPts val="600"/>
+              </a:spcAft>
+              <a:buClr>
+                <a:schemeClr val="accent6"/>
+              </a:buClr>
+              <a:buSzPct val="90000"/>
+              <a:buFont typeface="Wingdings" panose="05000000000000000000" pitchFamily="2" charset="2"/>
+              <a:buChar char="§"/>
+              <a:defRPr sz="2000" kern="1200">
+                <a:solidFill>
+                  <a:schemeClr val="tx1"/>
+                </a:solidFill>
+                <a:effectLst/>
+                <a:latin typeface="+mn-lt"/>
+                <a:ea typeface="+mn-ea"/>
+                <a:cs typeface="+mn-cs"/>
+              </a:defRPr>
+            </a:lvl1pPr>
+            <a:lvl2pPr marL="795338" indent="-338138" algn="l" defTabSz="914400" rtl="0" eaLnBrk="1" latinLnBrk="0" hangingPunct="1">
+              <a:lnSpc>
+                <a:spcPct val="120000"/>
+              </a:lnSpc>
+              <a:spcBef>
+                <a:spcPts val="500"/>
+              </a:spcBef>
+              <a:spcAft>
+                <a:spcPts val="600"/>
+              </a:spcAft>
+              <a:buClr>
+                <a:schemeClr val="accent6"/>
+              </a:buClr>
+              <a:buSzPct val="90000"/>
+              <a:buFont typeface="Wingdings" panose="05000000000000000000" pitchFamily="2" charset="2"/>
+              <a:buChar char="§"/>
+              <a:defRPr sz="1800" kern="1200">
+                <a:solidFill>
+                  <a:schemeClr val="tx1"/>
+                </a:solidFill>
+                <a:effectLst/>
+                <a:latin typeface="+mn-lt"/>
+                <a:ea typeface="+mn-ea"/>
+                <a:cs typeface="+mn-cs"/>
+              </a:defRPr>
+            </a:lvl2pPr>
+            <a:lvl3pPr marL="1258888" indent="-344488" algn="l" defTabSz="914400" rtl="0" eaLnBrk="1" latinLnBrk="0" hangingPunct="1">
+              <a:lnSpc>
+                <a:spcPct val="120000"/>
+              </a:lnSpc>
+              <a:spcBef>
+                <a:spcPts val="500"/>
+              </a:spcBef>
+              <a:spcAft>
+                <a:spcPts val="600"/>
+              </a:spcAft>
+              <a:buClr>
+                <a:schemeClr val="accent6"/>
+              </a:buClr>
+              <a:buSzPct val="90000"/>
+              <a:buFont typeface="Wingdings" panose="05000000000000000000" pitchFamily="2" charset="2"/>
+              <a:buChar char="§"/>
+              <a:defRPr sz="1600" kern="1200">
+                <a:solidFill>
+                  <a:schemeClr val="tx1"/>
+                </a:solidFill>
+                <a:effectLst/>
+                <a:latin typeface="+mn-lt"/>
+                <a:ea typeface="+mn-ea"/>
+                <a:cs typeface="+mn-cs"/>
+              </a:defRPr>
+            </a:lvl3pPr>
+            <a:lvl4pPr marL="1709738" indent="-338138" algn="l" defTabSz="914400" rtl="0" eaLnBrk="1" latinLnBrk="0" hangingPunct="1">
+              <a:lnSpc>
+                <a:spcPct val="120000"/>
+              </a:lnSpc>
+              <a:spcBef>
+                <a:spcPts val="500"/>
+              </a:spcBef>
+              <a:spcAft>
+                <a:spcPts val="600"/>
+              </a:spcAft>
+              <a:buClr>
+                <a:schemeClr val="accent6"/>
+              </a:buClr>
+              <a:buSzPct val="90000"/>
+              <a:buFont typeface="Wingdings" panose="05000000000000000000" pitchFamily="2" charset="2"/>
+              <a:buChar char="§"/>
+              <a:defRPr sz="1400" kern="1200">
+                <a:solidFill>
+                  <a:schemeClr val="tx1"/>
+                </a:solidFill>
+                <a:effectLst/>
+                <a:latin typeface="+mn-lt"/>
+                <a:ea typeface="+mn-ea"/>
+                <a:cs typeface="+mn-cs"/>
+              </a:defRPr>
+            </a:lvl4pPr>
+            <a:lvl5pPr marL="2173288" indent="-344488" algn="l" defTabSz="914400" rtl="0" eaLnBrk="1" latinLnBrk="0" hangingPunct="1">
+              <a:lnSpc>
+                <a:spcPct val="120000"/>
+              </a:lnSpc>
+              <a:spcBef>
+                <a:spcPts val="500"/>
+              </a:spcBef>
+              <a:spcAft>
+                <a:spcPts val="600"/>
+              </a:spcAft>
+              <a:buClr>
+                <a:schemeClr val="accent6"/>
+              </a:buClr>
+              <a:buSzPct val="90000"/>
+              <a:buFont typeface="Wingdings" panose="05000000000000000000" pitchFamily="2" charset="2"/>
+              <a:buChar char="§"/>
+              <a:defRPr sz="1200" kern="1200">
+                <a:solidFill>
+                  <a:schemeClr val="tx1"/>
+                </a:solidFill>
+                <a:effectLst/>
+                <a:latin typeface="+mn-lt"/>
+                <a:ea typeface="+mn-ea"/>
+                <a:cs typeface="+mn-cs"/>
+              </a:defRPr>
+            </a:lvl5pPr>
+            <a:lvl6pPr marL="2642616" indent="-338328" algn="l" defTabSz="914400" rtl="0" eaLnBrk="1" latinLnBrk="0" hangingPunct="1">
+              <a:lnSpc>
+                <a:spcPct val="120000"/>
+              </a:lnSpc>
+              <a:spcBef>
+                <a:spcPts val="500"/>
+              </a:spcBef>
+              <a:spcAft>
+                <a:spcPts val="600"/>
+              </a:spcAft>
+              <a:buClr>
+                <a:schemeClr val="accent6"/>
+              </a:buClr>
+              <a:buSzPct val="90000"/>
+              <a:buFont typeface="Wingdings" panose="05000000000000000000" pitchFamily="2" charset="2"/>
+              <a:buChar char="§"/>
+              <a:defRPr sz="1200" kern="1200" baseline="0">
+                <a:solidFill>
+                  <a:schemeClr val="tx1"/>
+                </a:solidFill>
+                <a:effectLst/>
+                <a:latin typeface="+mn-lt"/>
+                <a:ea typeface="+mn-ea"/>
+                <a:cs typeface="+mn-cs"/>
+              </a:defRPr>
+            </a:lvl6pPr>
+            <a:lvl7pPr marL="3108960" indent="-338328" algn="l" defTabSz="914400" rtl="0" eaLnBrk="1" latinLnBrk="0" hangingPunct="1">
+              <a:lnSpc>
+                <a:spcPct val="120000"/>
+              </a:lnSpc>
+              <a:spcBef>
+                <a:spcPts val="500"/>
+              </a:spcBef>
+              <a:spcAft>
+                <a:spcPts val="600"/>
+              </a:spcAft>
+              <a:buClr>
+                <a:schemeClr val="accent6"/>
+              </a:buClr>
+              <a:buSzPct val="90000"/>
+              <a:buFont typeface="Wingdings" panose="05000000000000000000" pitchFamily="2" charset="2"/>
+              <a:buChar char="§"/>
+              <a:defRPr sz="1200" kern="1200" baseline="0">
+                <a:solidFill>
+                  <a:schemeClr val="tx1"/>
+                </a:solidFill>
+                <a:effectLst/>
+                <a:latin typeface="+mn-lt"/>
+                <a:ea typeface="+mn-ea"/>
+                <a:cs typeface="+mn-cs"/>
+              </a:defRPr>
+            </a:lvl7pPr>
+            <a:lvl8pPr marL="3575304" indent="-338328" algn="l" defTabSz="914400" rtl="0" eaLnBrk="1" latinLnBrk="0" hangingPunct="1">
+              <a:lnSpc>
+                <a:spcPct val="120000"/>
+              </a:lnSpc>
+              <a:spcBef>
+                <a:spcPts val="500"/>
+              </a:spcBef>
+              <a:spcAft>
+                <a:spcPts val="600"/>
+              </a:spcAft>
+              <a:buClr>
+                <a:schemeClr val="accent6"/>
+              </a:buClr>
+              <a:buSzPct val="90000"/>
+              <a:buFont typeface="Wingdings" panose="05000000000000000000" pitchFamily="2" charset="2"/>
+              <a:buChar char="§"/>
+              <a:defRPr sz="1200" kern="1200" baseline="0">
+                <a:solidFill>
+                  <a:schemeClr val="tx1"/>
+                </a:solidFill>
+                <a:effectLst/>
+                <a:latin typeface="+mn-lt"/>
+                <a:ea typeface="+mn-ea"/>
+                <a:cs typeface="+mn-cs"/>
+              </a:defRPr>
+            </a:lvl8pPr>
+            <a:lvl9pPr marL="4041648" indent="-338328" algn="l" defTabSz="914400" rtl="0" eaLnBrk="1" latinLnBrk="0" hangingPunct="1">
+              <a:lnSpc>
+                <a:spcPct val="120000"/>
+              </a:lnSpc>
+              <a:spcBef>
+                <a:spcPts val="500"/>
+              </a:spcBef>
+              <a:spcAft>
+                <a:spcPts val="600"/>
+              </a:spcAft>
+              <a:buClr>
+                <a:schemeClr val="accent6"/>
+              </a:buClr>
+              <a:buSzPct val="90000"/>
+              <a:buFont typeface="Wingdings" panose="05000000000000000000" pitchFamily="2" charset="2"/>
+              <a:buChar char="§"/>
+              <a:defRPr sz="1200" kern="1200" baseline="0">
+                <a:solidFill>
+                  <a:schemeClr val="tx1"/>
+                </a:solidFill>
+                <a:effectLst/>
+                <a:latin typeface="+mn-lt"/>
+                <a:ea typeface="+mn-ea"/>
+                <a:cs typeface="+mn-cs"/>
+              </a:defRPr>
+            </a:lvl9pPr>
+          </a:lstStyle>
+          <a:p>
+            <a:endParaRPr lang="de-DE" sz="1800" dirty="0"/>
+          </a:p>
+          <a:p>
+            <a:r>
+              <a:rPr lang="de-DE" sz="1800" dirty="0"/>
+              <a:t>Kommunikation über Gateway</a:t>
+            </a:r>
+          </a:p>
+          <a:p>
+            <a:pPr lvl="1"/>
+            <a:r>
+              <a:rPr lang="de-DE" sz="1600" dirty="0"/>
+              <a:t>Kontaktpunkt für Ein/-Ausgehenden Netzverkehr</a:t>
+            </a:r>
+          </a:p>
+          <a:p>
+            <a:pPr lvl="1"/>
+            <a:r>
+              <a:rPr lang="de-DE" sz="1600" dirty="0"/>
+              <a:t>Autorisierung &amp; Authentifizierung</a:t>
+            </a:r>
+          </a:p>
+          <a:p>
+            <a:pPr lvl="1"/>
+            <a:r>
+              <a:rPr lang="de-DE" sz="1600" dirty="0"/>
+              <a:t>Zentrales </a:t>
+            </a:r>
+            <a:r>
+              <a:rPr lang="de-DE" sz="1600" dirty="0" err="1"/>
+              <a:t>Logging</a:t>
+            </a:r>
+            <a:r>
+              <a:rPr lang="de-DE" sz="1600" dirty="0"/>
+              <a:t> </a:t>
+            </a:r>
+          </a:p>
+          <a:p>
+            <a:pPr lvl="1"/>
+            <a:r>
+              <a:rPr lang="de-DE" sz="1600" dirty="0"/>
+              <a:t>Nachteil: Ausfall des Gateways zieht den Ausfall des gesamten Systems nach sich</a:t>
+            </a:r>
+          </a:p>
+          <a:p>
+            <a:pPr lvl="1"/>
+            <a:endParaRPr lang="de-DE" dirty="0"/>
+          </a:p>
+          <a:p>
+            <a:endParaRPr lang="de-DE" dirty="0"/>
+          </a:p>
+        </p:txBody>
+      </p:sp>
+      <p:pic>
+        <p:nvPicPr>
+          <p:cNvPr id="14" name="Grafik 13" descr="Schließen mit einfarbiger Füllung">
+            <a:extLst>
+              <a:ext uri="{FF2B5EF4-FFF2-40B4-BE49-F238E27FC236}">
+                <a16:creationId xmlns:a16="http://schemas.microsoft.com/office/drawing/2014/main" id="{DDB06532-B1A1-406D-BD5F-385D63C2756C}"/>
+              </a:ext>
+            </a:extLst>
+          </p:cNvPr>
+          <p:cNvPicPr>
+            <a:picLocks noChangeAspect="1"/>
+          </p:cNvPicPr>
+          <p:nvPr/>
+        </p:nvPicPr>
+        <p:blipFill>
+          <a:blip r:embed="rId4">
+            <a:extLst>
+              <a:ext uri="{96DAC541-7B7A-43D3-8B79-37D633B846F1}">
+                <asvg:svgBlip xmlns:asvg="http://schemas.microsoft.com/office/drawing/2016/SVG/main" r:embed="rId5"/>
+              </a:ext>
+            </a:extLst>
+          </a:blip>
+          <a:stretch>
+            <a:fillRect/>
+          </a:stretch>
+        </p:blipFill>
+        <p:spPr>
+          <a:xfrm>
+            <a:off x="8483147" y="4716383"/>
+            <a:ext cx="914400" cy="914400"/>
+          </a:xfrm>
+          <a:prstGeom prst="rect">
+            <a:avLst/>
+          </a:prstGeom>
+        </p:spPr>
+      </p:pic>
+      <p:pic>
+        <p:nvPicPr>
+          <p:cNvPr id="16" name="Grafik 15" descr="Ratlos mit einfarbiger Füllung">
+            <a:extLst>
+              <a:ext uri="{FF2B5EF4-FFF2-40B4-BE49-F238E27FC236}">
+                <a16:creationId xmlns:a16="http://schemas.microsoft.com/office/drawing/2014/main" id="{66A149B5-4521-40B8-BB88-BF6EC77AFF75}"/>
+              </a:ext>
+            </a:extLst>
+          </p:cNvPr>
+          <p:cNvPicPr>
+            <a:picLocks noChangeAspect="1"/>
+          </p:cNvPicPr>
+          <p:nvPr/>
+        </p:nvPicPr>
+        <p:blipFill>
+          <a:blip r:embed="rId6">
+            <a:extLst>
+              <a:ext uri="{96DAC541-7B7A-43D3-8B79-37D633B846F1}">
+                <asvg:svgBlip xmlns:asvg="http://schemas.microsoft.com/office/drawing/2016/SVG/main" r:embed="rId7"/>
+              </a:ext>
+            </a:extLst>
+          </a:blip>
+          <a:stretch>
+            <a:fillRect/>
+          </a:stretch>
+        </p:blipFill>
+        <p:spPr>
+          <a:xfrm>
+            <a:off x="8663423" y="2297722"/>
+            <a:ext cx="553847" cy="553847"/>
+          </a:xfrm>
+          <a:prstGeom prst="rect">
+            <a:avLst/>
+          </a:prstGeom>
+        </p:spPr>
+      </p:pic>
     </p:spTree>
     <p:extLst>
       <p:ext uri="{BB962C8B-B14F-4D97-AF65-F5344CB8AC3E}">
         <p14:creationId xmlns:p14="http://schemas.microsoft.com/office/powerpoint/2010/main" val="4132415511"/>
+      </p:ext>
+    </p:extLst>
+  </p:cSld>
+  <p:clrMapOvr>
+    <a:masterClrMapping/>
+  </p:clrMapOvr>
+</p:sld>
+</file>
+
+<file path=ppt/slides/slide11.xml><?xml version="1.0" encoding="utf-8"?>
+<p:sld xmlns:a="http://schemas.openxmlformats.org/drawingml/2006/main" xmlns:r="http://schemas.openxmlformats.org/officeDocument/2006/relationships" xmlns:p="http://schemas.openxmlformats.org/presentationml/2006/main">
+  <p:cSld>
+    <p:spTree>
+      <p:nvGrpSpPr>
+        <p:cNvPr id="1" name=""/>
+        <p:cNvGrpSpPr/>
+        <p:nvPr/>
+      </p:nvGrpSpPr>
+      <p:grpSpPr>
+        <a:xfrm>
+          <a:off x="0" y="0"/>
+          <a:ext cx="0" cy="0"/>
+          <a:chOff x="0" y="0"/>
+          <a:chExt cx="0" cy="0"/>
+        </a:xfrm>
+      </p:grpSpPr>
+      <p:sp>
+        <p:nvSpPr>
+          <p:cNvPr id="2" name="Titel 1">
+            <a:extLst>
+              <a:ext uri="{FF2B5EF4-FFF2-40B4-BE49-F238E27FC236}">
+                <a16:creationId xmlns:a16="http://schemas.microsoft.com/office/drawing/2014/main" id="{60FB2F06-EF8A-4105-BFA3-024BDB9D9BBD}"/>
+              </a:ext>
+            </a:extLst>
+          </p:cNvPr>
+          <p:cNvSpPr>
+            <a:spLocks noGrp="1"/>
+          </p:cNvSpPr>
+          <p:nvPr>
+            <p:ph type="title"/>
+          </p:nvPr>
+        </p:nvSpPr>
+        <p:spPr/>
+        <p:txBody>
+          <a:bodyPr/>
+          <a:lstStyle/>
+          <a:p>
+            <a:r>
+              <a:rPr lang="de-DE" dirty="0"/>
+              <a:t>Load Balancer</a:t>
+            </a:r>
+          </a:p>
+        </p:txBody>
+      </p:sp>
+      <p:sp>
+        <p:nvSpPr>
+          <p:cNvPr id="3" name="Inhaltsplatzhalter 2">
+            <a:extLst>
+              <a:ext uri="{FF2B5EF4-FFF2-40B4-BE49-F238E27FC236}">
+                <a16:creationId xmlns:a16="http://schemas.microsoft.com/office/drawing/2014/main" id="{748AB6D0-79DE-4B5E-8EF7-0333D4C8C65B}"/>
+              </a:ext>
+            </a:extLst>
+          </p:cNvPr>
+          <p:cNvSpPr>
+            <a:spLocks noGrp="1"/>
+          </p:cNvSpPr>
+          <p:nvPr>
+            <p:ph idx="1"/>
+          </p:nvPr>
+        </p:nvSpPr>
+        <p:spPr/>
+        <p:txBody>
+          <a:bodyPr/>
+          <a:lstStyle/>
+          <a:p>
+            <a:r>
+              <a:rPr lang="de-DE" dirty="0"/>
+              <a:t>Setzt Lastverteilung in einem Netzwerk um</a:t>
+            </a:r>
+          </a:p>
+          <a:p>
+            <a:r>
+              <a:rPr lang="de-DE" dirty="0"/>
+              <a:t>Ermittelt welche Rechenressource die Clientanforderung erfüllen kann</a:t>
+            </a:r>
+          </a:p>
+          <a:p>
+            <a:r>
+              <a:rPr lang="de-DE" dirty="0"/>
+              <a:t>Realisiert als Software- oder Hardware-Load Balancer</a:t>
+            </a:r>
+          </a:p>
+          <a:p>
+            <a:r>
+              <a:rPr lang="de-DE" dirty="0"/>
+              <a:t>Nutzt Algorithmen wie zum Beispiel: Round Robin</a:t>
+            </a:r>
+          </a:p>
+          <a:p>
+            <a:endParaRPr lang="de-DE" dirty="0"/>
+          </a:p>
+        </p:txBody>
+      </p:sp>
+      <p:sp>
+        <p:nvSpPr>
+          <p:cNvPr id="4" name="Datumsplatzhalter 3">
+            <a:extLst>
+              <a:ext uri="{FF2B5EF4-FFF2-40B4-BE49-F238E27FC236}">
+                <a16:creationId xmlns:a16="http://schemas.microsoft.com/office/drawing/2014/main" id="{FC3E1DB0-BC43-4A50-BC2B-4DEAD31BF47F}"/>
+              </a:ext>
+            </a:extLst>
+          </p:cNvPr>
+          <p:cNvSpPr>
+            <a:spLocks noGrp="1"/>
+          </p:cNvSpPr>
+          <p:nvPr>
+            <p:ph type="dt" sz="half" idx="10"/>
+          </p:nvPr>
+        </p:nvSpPr>
+        <p:spPr/>
+        <p:txBody>
+          <a:bodyPr/>
+          <a:lstStyle/>
+          <a:p>
+            <a:fld id="{BB7604C3-A478-448A-88D6-07EFA8665C1F}" type="datetime1">
+              <a:rPr lang="de-DE" smtClean="0"/>
+              <a:t>04.11.2021</a:t>
+            </a:fld>
+            <a:endParaRPr lang="en-US"/>
+          </a:p>
+        </p:txBody>
+      </p:sp>
+      <p:sp>
+        <p:nvSpPr>
+          <p:cNvPr id="5" name="Fußzeilenplatzhalter 4">
+            <a:extLst>
+              <a:ext uri="{FF2B5EF4-FFF2-40B4-BE49-F238E27FC236}">
+                <a16:creationId xmlns:a16="http://schemas.microsoft.com/office/drawing/2014/main" id="{A2165779-FC43-4D82-9713-0A4ED67D61F0}"/>
+              </a:ext>
+            </a:extLst>
+          </p:cNvPr>
+          <p:cNvSpPr>
+            <a:spLocks noGrp="1"/>
+          </p:cNvSpPr>
+          <p:nvPr>
+            <p:ph type="ftr" sz="quarter" idx="11"/>
+          </p:nvPr>
+        </p:nvSpPr>
+        <p:spPr/>
+        <p:txBody>
+          <a:bodyPr/>
+          <a:lstStyle/>
+          <a:p>
+            <a:pPr algn="ctr"/>
+            <a:r>
+              <a:rPr lang="en-US"/>
+              <a:t>Benjamin Swarovsky</a:t>
+            </a:r>
+            <a:endParaRPr lang="en-US" dirty="0"/>
+          </a:p>
+        </p:txBody>
+      </p:sp>
+      <p:sp>
+        <p:nvSpPr>
+          <p:cNvPr id="6" name="Foliennummernplatzhalter 5">
+            <a:extLst>
+              <a:ext uri="{FF2B5EF4-FFF2-40B4-BE49-F238E27FC236}">
+                <a16:creationId xmlns:a16="http://schemas.microsoft.com/office/drawing/2014/main" id="{1683AD29-EB1F-4515-B5C7-20E068ECDBD5}"/>
+              </a:ext>
+            </a:extLst>
+          </p:cNvPr>
+          <p:cNvSpPr>
+            <a:spLocks noGrp="1"/>
+          </p:cNvSpPr>
+          <p:nvPr>
+            <p:ph type="sldNum" sz="quarter" idx="12"/>
+          </p:nvPr>
+        </p:nvSpPr>
+        <p:spPr/>
+        <p:txBody>
+          <a:bodyPr/>
+          <a:lstStyle/>
+          <a:p>
+            <a:fld id="{6D22F896-40B5-4ADD-8801-0D06FADFA095}" type="slidenum">
+              <a:rPr lang="en-US" smtClean="0"/>
+              <a:t>11</a:t>
+            </a:fld>
+            <a:endParaRPr lang="en-US"/>
+          </a:p>
+        </p:txBody>
+      </p:sp>
+    </p:spTree>
+    <p:extLst>
+      <p:ext uri="{BB962C8B-B14F-4D97-AF65-F5344CB8AC3E}">
+        <p14:creationId xmlns:p14="http://schemas.microsoft.com/office/powerpoint/2010/main" val="2951404399"/>
+      </p:ext>
+    </p:extLst>
+  </p:cSld>
+  <p:clrMapOvr>
+    <a:masterClrMapping/>
+  </p:clrMapOvr>
+</p:sld>
+</file>
+
+<file path=ppt/slides/slide12.xml><?xml version="1.0" encoding="utf-8"?>
+<p:sld xmlns:a="http://schemas.openxmlformats.org/drawingml/2006/main" xmlns:r="http://schemas.openxmlformats.org/officeDocument/2006/relationships" xmlns:p="http://schemas.openxmlformats.org/presentationml/2006/main">
+  <p:cSld>
+    <p:spTree>
+      <p:nvGrpSpPr>
+        <p:cNvPr id="1" name=""/>
+        <p:cNvGrpSpPr/>
+        <p:nvPr/>
+      </p:nvGrpSpPr>
+      <p:grpSpPr>
+        <a:xfrm>
+          <a:off x="0" y="0"/>
+          <a:ext cx="0" cy="0"/>
+          <a:chOff x="0" y="0"/>
+          <a:chExt cx="0" cy="0"/>
+        </a:xfrm>
+      </p:grpSpPr>
+      <p:sp>
+        <p:nvSpPr>
+          <p:cNvPr id="2" name="Titel 1">
+            <a:extLst>
+              <a:ext uri="{FF2B5EF4-FFF2-40B4-BE49-F238E27FC236}">
+                <a16:creationId xmlns:a16="http://schemas.microsoft.com/office/drawing/2014/main" id="{C98F4DDA-EB53-4CF7-9E8B-BD59A1432A4F}"/>
+              </a:ext>
+            </a:extLst>
+          </p:cNvPr>
+          <p:cNvSpPr>
+            <a:spLocks noGrp="1"/>
+          </p:cNvSpPr>
+          <p:nvPr>
+            <p:ph type="title"/>
+          </p:nvPr>
+        </p:nvSpPr>
+        <p:spPr/>
+        <p:txBody>
+          <a:bodyPr/>
+          <a:lstStyle/>
+          <a:p>
+            <a:r>
+              <a:rPr lang="de-DE" dirty="0"/>
+              <a:t>Spring Cloud API Gateway</a:t>
+            </a:r>
+          </a:p>
+        </p:txBody>
+      </p:sp>
+      <p:sp>
+        <p:nvSpPr>
+          <p:cNvPr id="3" name="Inhaltsplatzhalter 2">
+            <a:extLst>
+              <a:ext uri="{FF2B5EF4-FFF2-40B4-BE49-F238E27FC236}">
+                <a16:creationId xmlns:a16="http://schemas.microsoft.com/office/drawing/2014/main" id="{285FD663-7D7F-4F17-ABC8-BF9BF3EE491D}"/>
+              </a:ext>
+            </a:extLst>
+          </p:cNvPr>
+          <p:cNvSpPr>
+            <a:spLocks noGrp="1"/>
+          </p:cNvSpPr>
+          <p:nvPr>
+            <p:ph idx="1"/>
+          </p:nvPr>
+        </p:nvSpPr>
+        <p:spPr/>
+        <p:txBody>
+          <a:bodyPr>
+            <a:normAutofit lnSpcReduction="10000"/>
+          </a:bodyPr>
+          <a:lstStyle/>
+          <a:p>
+            <a:r>
+              <a:rPr lang="de-DE" dirty="0"/>
+              <a:t>Basiert auf asynchronen eventgetriebenen Framework </a:t>
+            </a:r>
+            <a:r>
+              <a:rPr lang="de-DE" dirty="0" err="1"/>
+              <a:t>Netty</a:t>
+            </a:r>
+            <a:r>
+              <a:rPr lang="de-DE" dirty="0"/>
+              <a:t> </a:t>
+            </a:r>
+          </a:p>
+          <a:p>
+            <a:r>
+              <a:rPr lang="de-DE" dirty="0"/>
+              <a:t>Features:</a:t>
+            </a:r>
+          </a:p>
+          <a:p>
+            <a:pPr lvl="1"/>
+            <a:r>
+              <a:rPr lang="de-DE" dirty="0"/>
+              <a:t>Ribbon Load Balancer</a:t>
+            </a:r>
+          </a:p>
+          <a:p>
+            <a:pPr lvl="1"/>
+            <a:r>
+              <a:rPr lang="de-DE" dirty="0"/>
+              <a:t>Sicherheitskonfigurationsmöglichkeiten mit Spring Security</a:t>
+            </a:r>
+          </a:p>
+          <a:p>
+            <a:pPr lvl="1"/>
+            <a:r>
+              <a:rPr lang="de-DE" dirty="0"/>
+              <a:t>Einbindung eigener Filter</a:t>
+            </a:r>
+          </a:p>
+          <a:p>
+            <a:r>
+              <a:rPr lang="de-DE" dirty="0"/>
+              <a:t>Einfache Integration in Spring Anwendung </a:t>
+            </a:r>
+          </a:p>
+          <a:p>
+            <a:endParaRPr lang="de-DE" dirty="0"/>
+          </a:p>
+          <a:p>
+            <a:r>
+              <a:rPr lang="de-DE" dirty="0"/>
+              <a:t>Alternativen: </a:t>
+            </a:r>
+            <a:r>
+              <a:rPr lang="de-DE" dirty="0" err="1"/>
+              <a:t>Ocelot</a:t>
+            </a:r>
+            <a:r>
+              <a:rPr lang="de-DE" dirty="0"/>
+              <a:t>, </a:t>
+            </a:r>
+            <a:r>
+              <a:rPr lang="de-DE" dirty="0" err="1"/>
+              <a:t>KrakenD</a:t>
+            </a:r>
+            <a:r>
+              <a:rPr lang="de-DE" dirty="0"/>
+              <a:t>, Kong</a:t>
+            </a:r>
+          </a:p>
+          <a:p>
+            <a:endParaRPr lang="de-DE" dirty="0"/>
+          </a:p>
+        </p:txBody>
+      </p:sp>
+      <p:sp>
+        <p:nvSpPr>
+          <p:cNvPr id="4" name="Datumsplatzhalter 3">
+            <a:extLst>
+              <a:ext uri="{FF2B5EF4-FFF2-40B4-BE49-F238E27FC236}">
+                <a16:creationId xmlns:a16="http://schemas.microsoft.com/office/drawing/2014/main" id="{422593B4-547E-410E-8222-6C451C90D117}"/>
+              </a:ext>
+            </a:extLst>
+          </p:cNvPr>
+          <p:cNvSpPr>
+            <a:spLocks noGrp="1"/>
+          </p:cNvSpPr>
+          <p:nvPr>
+            <p:ph type="dt" sz="half" idx="10"/>
+          </p:nvPr>
+        </p:nvSpPr>
+        <p:spPr/>
+        <p:txBody>
+          <a:bodyPr/>
+          <a:lstStyle/>
+          <a:p>
+            <a:fld id="{BB7604C3-A478-448A-88D6-07EFA8665C1F}" type="datetime1">
+              <a:rPr lang="de-DE" smtClean="0"/>
+              <a:t>04.11.2021</a:t>
+            </a:fld>
+            <a:endParaRPr lang="en-US"/>
+          </a:p>
+        </p:txBody>
+      </p:sp>
+      <p:sp>
+        <p:nvSpPr>
+          <p:cNvPr id="5" name="Fußzeilenplatzhalter 4">
+            <a:extLst>
+              <a:ext uri="{FF2B5EF4-FFF2-40B4-BE49-F238E27FC236}">
+                <a16:creationId xmlns:a16="http://schemas.microsoft.com/office/drawing/2014/main" id="{91C237D6-6EFF-4509-A526-AE54F56AABB5}"/>
+              </a:ext>
+            </a:extLst>
+          </p:cNvPr>
+          <p:cNvSpPr>
+            <a:spLocks noGrp="1"/>
+          </p:cNvSpPr>
+          <p:nvPr>
+            <p:ph type="ftr" sz="quarter" idx="11"/>
+          </p:nvPr>
+        </p:nvSpPr>
+        <p:spPr/>
+        <p:txBody>
+          <a:bodyPr/>
+          <a:lstStyle/>
+          <a:p>
+            <a:pPr algn="ctr"/>
+            <a:r>
+              <a:rPr lang="en-US"/>
+              <a:t>Benjamin Swarovsky</a:t>
+            </a:r>
+            <a:endParaRPr lang="en-US" dirty="0"/>
+          </a:p>
+        </p:txBody>
+      </p:sp>
+      <p:sp>
+        <p:nvSpPr>
+          <p:cNvPr id="6" name="Foliennummernplatzhalter 5">
+            <a:extLst>
+              <a:ext uri="{FF2B5EF4-FFF2-40B4-BE49-F238E27FC236}">
+                <a16:creationId xmlns:a16="http://schemas.microsoft.com/office/drawing/2014/main" id="{D07A4059-489E-4C33-836E-C480D4D85231}"/>
+              </a:ext>
+            </a:extLst>
+          </p:cNvPr>
+          <p:cNvSpPr>
+            <a:spLocks noGrp="1"/>
+          </p:cNvSpPr>
+          <p:nvPr>
+            <p:ph type="sldNum" sz="quarter" idx="12"/>
+          </p:nvPr>
+        </p:nvSpPr>
+        <p:spPr/>
+        <p:txBody>
+          <a:bodyPr/>
+          <a:lstStyle/>
+          <a:p>
+            <a:fld id="{6D22F896-40B5-4ADD-8801-0D06FADFA095}" type="slidenum">
+              <a:rPr lang="en-US" smtClean="0"/>
+              <a:t>12</a:t>
+            </a:fld>
+            <a:endParaRPr lang="en-US"/>
+          </a:p>
+        </p:txBody>
+      </p:sp>
+    </p:spTree>
+    <p:extLst>
+      <p:ext uri="{BB962C8B-B14F-4D97-AF65-F5344CB8AC3E}">
+        <p14:creationId xmlns:p14="http://schemas.microsoft.com/office/powerpoint/2010/main" val="630963580"/>
+      </p:ext>
+    </p:extLst>
+  </p:cSld>
+  <p:clrMapOvr>
+    <a:masterClrMapping/>
+  </p:clrMapOvr>
+</p:sld>
+</file>
+
+<file path=ppt/slides/slide13.xml><?xml version="1.0" encoding="utf-8"?>
+<p:sld xmlns:a="http://schemas.openxmlformats.org/drawingml/2006/main" xmlns:r="http://schemas.openxmlformats.org/officeDocument/2006/relationships" xmlns:p="http://schemas.openxmlformats.org/presentationml/2006/main">
+  <p:cSld>
+    <p:spTree>
+      <p:nvGrpSpPr>
+        <p:cNvPr id="1" name=""/>
+        <p:cNvGrpSpPr/>
+        <p:nvPr/>
+      </p:nvGrpSpPr>
+      <p:grpSpPr>
+        <a:xfrm>
+          <a:off x="0" y="0"/>
+          <a:ext cx="0" cy="0"/>
+          <a:chOff x="0" y="0"/>
+          <a:chExt cx="0" cy="0"/>
+        </a:xfrm>
+      </p:grpSpPr>
+      <p:sp>
+        <p:nvSpPr>
+          <p:cNvPr id="2" name="Titel 1">
+            <a:extLst>
+              <a:ext uri="{FF2B5EF4-FFF2-40B4-BE49-F238E27FC236}">
+                <a16:creationId xmlns:a16="http://schemas.microsoft.com/office/drawing/2014/main" id="{A393D4A7-87E0-4E1B-9350-328351FD77BD}"/>
+              </a:ext>
+            </a:extLst>
+          </p:cNvPr>
+          <p:cNvSpPr>
+            <a:spLocks noGrp="1"/>
+          </p:cNvSpPr>
+          <p:nvPr>
+            <p:ph type="title"/>
+          </p:nvPr>
+        </p:nvSpPr>
+        <p:spPr/>
+        <p:txBody>
+          <a:bodyPr/>
+          <a:lstStyle/>
+          <a:p>
+            <a:r>
+              <a:rPr lang="de-DE" dirty="0"/>
+              <a:t>API Gateway - Implementierung</a:t>
+            </a:r>
+          </a:p>
+        </p:txBody>
+      </p:sp>
+      <p:sp>
+        <p:nvSpPr>
+          <p:cNvPr id="4" name="Datumsplatzhalter 3">
+            <a:extLst>
+              <a:ext uri="{FF2B5EF4-FFF2-40B4-BE49-F238E27FC236}">
+                <a16:creationId xmlns:a16="http://schemas.microsoft.com/office/drawing/2014/main" id="{CC976508-65A9-4915-B2AB-08E1244E7F65}"/>
+              </a:ext>
+            </a:extLst>
+          </p:cNvPr>
+          <p:cNvSpPr>
+            <a:spLocks noGrp="1"/>
+          </p:cNvSpPr>
+          <p:nvPr>
+            <p:ph type="dt" sz="half" idx="10"/>
+          </p:nvPr>
+        </p:nvSpPr>
+        <p:spPr/>
+        <p:txBody>
+          <a:bodyPr/>
+          <a:lstStyle/>
+          <a:p>
+            <a:fld id="{BB7604C3-A478-448A-88D6-07EFA8665C1F}" type="datetime1">
+              <a:rPr lang="de-DE" smtClean="0"/>
+              <a:t>04.11.2021</a:t>
+            </a:fld>
+            <a:endParaRPr lang="en-US"/>
+          </a:p>
+        </p:txBody>
+      </p:sp>
+      <p:sp>
+        <p:nvSpPr>
+          <p:cNvPr id="5" name="Fußzeilenplatzhalter 4">
+            <a:extLst>
+              <a:ext uri="{FF2B5EF4-FFF2-40B4-BE49-F238E27FC236}">
+                <a16:creationId xmlns:a16="http://schemas.microsoft.com/office/drawing/2014/main" id="{63510A91-F841-4F82-88BC-7B504F118D39}"/>
+              </a:ext>
+            </a:extLst>
+          </p:cNvPr>
+          <p:cNvSpPr>
+            <a:spLocks noGrp="1"/>
+          </p:cNvSpPr>
+          <p:nvPr>
+            <p:ph type="ftr" sz="quarter" idx="11"/>
+          </p:nvPr>
+        </p:nvSpPr>
+        <p:spPr/>
+        <p:txBody>
+          <a:bodyPr/>
+          <a:lstStyle/>
+          <a:p>
+            <a:pPr algn="ctr"/>
+            <a:r>
+              <a:rPr lang="en-US"/>
+              <a:t>Benjamin Swarovsky</a:t>
+            </a:r>
+            <a:endParaRPr lang="en-US" dirty="0"/>
+          </a:p>
+        </p:txBody>
+      </p:sp>
+      <p:sp>
+        <p:nvSpPr>
+          <p:cNvPr id="6" name="Foliennummernplatzhalter 5">
+            <a:extLst>
+              <a:ext uri="{FF2B5EF4-FFF2-40B4-BE49-F238E27FC236}">
+                <a16:creationId xmlns:a16="http://schemas.microsoft.com/office/drawing/2014/main" id="{D07C6A35-E2E0-42F0-B2A8-FDA7A0413F79}"/>
+              </a:ext>
+            </a:extLst>
+          </p:cNvPr>
+          <p:cNvSpPr>
+            <a:spLocks noGrp="1"/>
+          </p:cNvSpPr>
+          <p:nvPr>
+            <p:ph type="sldNum" sz="quarter" idx="12"/>
+          </p:nvPr>
+        </p:nvSpPr>
+        <p:spPr/>
+        <p:txBody>
+          <a:bodyPr/>
+          <a:lstStyle/>
+          <a:p>
+            <a:fld id="{6D22F896-40B5-4ADD-8801-0D06FADFA095}" type="slidenum">
+              <a:rPr lang="en-US" smtClean="0"/>
+              <a:t>13</a:t>
+            </a:fld>
+            <a:endParaRPr lang="en-US"/>
+          </a:p>
+        </p:txBody>
+      </p:sp>
+      <p:pic>
+        <p:nvPicPr>
+          <p:cNvPr id="18" name="Inhaltsplatzhalter 17" descr="Ein Bild, das Text enthält.&#10;&#10;Automatisch generierte Beschreibung">
+            <a:extLst>
+              <a:ext uri="{FF2B5EF4-FFF2-40B4-BE49-F238E27FC236}">
+                <a16:creationId xmlns:a16="http://schemas.microsoft.com/office/drawing/2014/main" id="{065C3447-6258-4897-B627-02F458FFDF33}"/>
+              </a:ext>
+            </a:extLst>
+          </p:cNvPr>
+          <p:cNvPicPr>
+            <a:picLocks noGrp="1" noChangeAspect="1"/>
+          </p:cNvPicPr>
+          <p:nvPr>
+            <p:ph idx="1"/>
+          </p:nvPr>
+        </p:nvPicPr>
+        <p:blipFill>
+          <a:blip r:embed="rId2"/>
+          <a:stretch>
+            <a:fillRect/>
+          </a:stretch>
+        </p:blipFill>
+        <p:spPr>
+          <a:xfrm>
+            <a:off x="1553802" y="1994677"/>
+            <a:ext cx="7125694" cy="724001"/>
+          </a:xfrm>
+        </p:spPr>
+      </p:pic>
+      <p:pic>
+        <p:nvPicPr>
+          <p:cNvPr id="20" name="Grafik 19">
+            <a:extLst>
+              <a:ext uri="{FF2B5EF4-FFF2-40B4-BE49-F238E27FC236}">
+                <a16:creationId xmlns:a16="http://schemas.microsoft.com/office/drawing/2014/main" id="{2B4106DB-FE6B-4574-9D84-532BF6F088B5}"/>
+              </a:ext>
+            </a:extLst>
+          </p:cNvPr>
+          <p:cNvPicPr>
+            <a:picLocks noChangeAspect="1"/>
+          </p:cNvPicPr>
+          <p:nvPr/>
+        </p:nvPicPr>
+        <p:blipFill>
+          <a:blip r:embed="rId3"/>
+          <a:stretch>
+            <a:fillRect/>
+          </a:stretch>
+        </p:blipFill>
+        <p:spPr>
+          <a:xfrm>
+            <a:off x="1553802" y="3553481"/>
+            <a:ext cx="7156168" cy="2134463"/>
+          </a:xfrm>
+          <a:prstGeom prst="rect">
+            <a:avLst/>
+          </a:prstGeom>
+        </p:spPr>
+      </p:pic>
+    </p:spTree>
+    <p:extLst>
+      <p:ext uri="{BB962C8B-B14F-4D97-AF65-F5344CB8AC3E}">
+        <p14:creationId xmlns:p14="http://schemas.microsoft.com/office/powerpoint/2010/main" val="3233717774"/>
       </p:ext>
     </p:extLst>
   </p:cSld>
@@ -7467,7 +8853,7 @@
                   </a:schemeClr>
                 </a:solidFill>
               </a:rPr>
-              <a:t>Loadbalancer</a:t>
+              <a:t>Load Balancer</a:t>
             </a:r>
           </a:p>
           <a:p>
@@ -8445,7 +9831,7 @@
                   </a:schemeClr>
                 </a:solidFill>
               </a:rPr>
-              <a:t>Loadbalancer</a:t>
+              <a:t>Load Balancer</a:t>
             </a:r>
           </a:p>
           <a:p>
@@ -9499,6 +10885,13 @@
           <a:p>
             <a:r>
               <a:rPr lang="de-DE" sz="4000" b="1" dirty="0"/>
+              <a:t>API Gateway / Load Balancer</a:t>
+            </a:r>
+          </a:p>
+          <a:p>
+            <a:pPr lvl="1"/>
+            <a:r>
+              <a:rPr lang="de-DE" sz="3800" b="1" dirty="0"/>
               <a:t>API Gateway</a:t>
             </a:r>
           </a:p>
@@ -9506,7 +10899,7 @@
             <a:pPr lvl="1"/>
             <a:r>
               <a:rPr lang="de-DE" sz="3800" b="1" dirty="0"/>
-              <a:t>Grundlagen</a:t>
+              <a:t>Load Balancer </a:t>
             </a:r>
           </a:p>
           <a:p>
@@ -9533,18 +10926,6 @@
                 </a:solidFill>
               </a:rPr>
               <a:t>Service Discovery</a:t>
-            </a:r>
-          </a:p>
-          <a:p>
-            <a:r>
-              <a:rPr lang="de-DE" sz="4000" dirty="0">
-                <a:solidFill>
-                  <a:schemeClr val="tx1">
-                    <a:lumMod val="75000"/>
-                  </a:schemeClr>
-                </a:solidFill>
-              </a:rPr>
-              <a:t>Loadbalancer</a:t>
             </a:r>
           </a:p>
           <a:p>
@@ -10225,12 +11606,6 @@
 </file>
 
 <file path=customXml/item2.xml><?xml version="1.0" encoding="utf-8"?>
-<p:properties xmlns:p="http://schemas.microsoft.com/office/2006/metadata/properties" xmlns:xsi="http://www.w3.org/2001/XMLSchema-instance" xmlns:pc="http://schemas.microsoft.com/office/infopath/2007/PartnerControls">
-  <documentManagement/>
-</p:properties>
-</file>
-
-<file path=customXml/item3.xml><?xml version="1.0" encoding="utf-8"?>
 <ct:contentTypeSchema xmlns:ct="http://schemas.microsoft.com/office/2006/metadata/contentType" xmlns:ma="http://schemas.microsoft.com/office/2006/metadata/properties/metaAttributes" ct:_="" ma:_="" ma:contentTypeName="Dokument" ma:contentTypeID="0x01010057DEBC6757D75944BF029D53C906043C" ma:contentTypeVersion="2" ma:contentTypeDescription="Ein neues Dokument erstellen." ma:contentTypeScope="" ma:versionID="92b2e5e144b5888bfe8e1716395d2054">
   <xsd:schema xmlns:xsd="http://www.w3.org/2001/XMLSchema" xmlns:xs="http://www.w3.org/2001/XMLSchema" xmlns:p="http://schemas.microsoft.com/office/2006/metadata/properties" xmlns:ns3="2e5082aa-21a9-4fb8-bc02-de89f01dc016" targetNamespace="http://schemas.microsoft.com/office/2006/metadata/properties" ma:root="true" ma:fieldsID="750a51e2518c422fe3db59dbb0fb1318" ns3:_="">
     <xsd:import namespace="2e5082aa-21a9-4fb8-bc02-de89f01dc016"/>
@@ -10362,6 +11737,12 @@
 </ct:contentTypeSchema>
 </file>
 
+<file path=customXml/item3.xml><?xml version="1.0" encoding="utf-8"?>
+<p:properties xmlns:p="http://schemas.microsoft.com/office/2006/metadata/properties" xmlns:xsi="http://www.w3.org/2001/XMLSchema-instance" xmlns:pc="http://schemas.microsoft.com/office/infopath/2007/PartnerControls">
+  <documentManagement/>
+</p:properties>
+</file>
+
 <file path=customXml/itemProps1.xml><?xml version="1.0" encoding="utf-8"?>
 <ds:datastoreItem xmlns:ds="http://schemas.openxmlformats.org/officeDocument/2006/customXml" ds:itemID="{2ABFB1C4-DEB4-4487-BA3A-A97A672A3FD3}">
   <ds:schemaRefs>
@@ -10371,22 +11752,6 @@
 </file>
 
 <file path=customXml/itemProps2.xml><?xml version="1.0" encoding="utf-8"?>
-<ds:datastoreItem xmlns:ds="http://schemas.openxmlformats.org/officeDocument/2006/customXml" ds:itemID="{FA6182B4-BB90-4186-BC76-0BE8F85920D5}">
-  <ds:schemaRefs>
-    <ds:schemaRef ds:uri="2e5082aa-21a9-4fb8-bc02-de89f01dc016"/>
-    <ds:schemaRef ds:uri="http://purl.org/dc/dcmitype/"/>
-    <ds:schemaRef ds:uri="http://purl.org/dc/elements/1.1/"/>
-    <ds:schemaRef ds:uri="http://purl.org/dc/terms/"/>
-    <ds:schemaRef ds:uri="http://schemas.microsoft.com/office/2006/documentManagement/types"/>
-    <ds:schemaRef ds:uri="http://schemas.microsoft.com/office/2006/metadata/properties"/>
-    <ds:schemaRef ds:uri="http://schemas.microsoft.com/office/infopath/2007/PartnerControls"/>
-    <ds:schemaRef ds:uri="http://schemas.openxmlformats.org/package/2006/metadata/core-properties"/>
-    <ds:schemaRef ds:uri="http://www.w3.org/XML/1998/namespace"/>
-  </ds:schemaRefs>
-</ds:datastoreItem>
-</file>
-
-<file path=customXml/itemProps3.xml><?xml version="1.0" encoding="utf-8"?>
 <ds:datastoreItem xmlns:ds="http://schemas.openxmlformats.org/officeDocument/2006/customXml" ds:itemID="{3E893F45-019B-40EF-B832-242EE941AB77}">
   <ds:schemaRefs>
     <ds:schemaRef ds:uri="2e5082aa-21a9-4fb8-bc02-de89f01dc016"/>
@@ -10402,4 +11767,20 @@
     <ds:schemaRef ds:uri="http://www.w3.org/2001/XMLSchema"/>
   </ds:schemaRefs>
 </ds:datastoreItem>
+</file>
+
+<file path=customXml/itemProps3.xml><?xml version="1.0" encoding="utf-8"?>
+<ds:datastoreItem xmlns:ds="http://schemas.openxmlformats.org/officeDocument/2006/customXml" ds:itemID="{FA6182B4-BB90-4186-BC76-0BE8F85920D5}">
+  <ds:schemaRefs>
+    <ds:schemaRef ds:uri="2e5082aa-21a9-4fb8-bc02-de89f01dc016"/>
+    <ds:schemaRef ds:uri="http://purl.org/dc/dcmitype/"/>
+    <ds:schemaRef ds:uri="http://purl.org/dc/elements/1.1/"/>
+    <ds:schemaRef ds:uri="http://purl.org/dc/terms/"/>
+    <ds:schemaRef ds:uri="http://schemas.microsoft.com/office/2006/documentManagement/types"/>
+    <ds:schemaRef ds:uri="http://schemas.microsoft.com/office/2006/metadata/properties"/>
+    <ds:schemaRef ds:uri="http://schemas.microsoft.com/office/infopath/2007/PartnerControls"/>
+    <ds:schemaRef ds:uri="http://schemas.openxmlformats.org/package/2006/metadata/core-properties"/>
+    <ds:schemaRef ds:uri="http://www.w3.org/XML/1998/namespace"/>
+  </ds:schemaRefs>
+</ds:datastoreItem>
 </file>
--- a/Vortrag.pptx
+++ b/Vortrag.pptx
@@ -5,7 +5,7 @@
     <p:sldMasterId id="2147483648" r:id="rId4"/>
   </p:sldMasterIdLst>
   <p:notesMasterIdLst>
-    <p:notesMasterId r:id="rId18"/>
+    <p:notesMasterId r:id="rId21"/>
   </p:notesMasterIdLst>
   <p:sldIdLst>
     <p:sldId id="256" r:id="rId5"/>
@@ -21,6 +21,9 @@
     <p:sldId id="269" r:id="rId15"/>
     <p:sldId id="267" r:id="rId16"/>
     <p:sldId id="268" r:id="rId17"/>
+    <p:sldId id="270" r:id="rId18"/>
+    <p:sldId id="271" r:id="rId19"/>
+    <p:sldId id="272" r:id="rId20"/>
   </p:sldIdLst>
   <p:sldSz cx="12192000" cy="6858000"/>
   <p:notesSz cx="6858000" cy="9144000"/>
@@ -7898,9 +7901,16 @@
             <p:ph idx="1"/>
           </p:nvPr>
         </p:nvSpPr>
-        <p:spPr/>
-        <p:txBody>
-          <a:bodyPr/>
+        <p:spPr>
+          <a:xfrm>
+            <a:off x="1614650" y="2052116"/>
+            <a:ext cx="5075517" cy="3144917"/>
+          </a:xfrm>
+        </p:spPr>
+        <p:txBody>
+          <a:bodyPr>
+            <a:normAutofit fontScale="92500" lnSpcReduction="20000"/>
+          </a:bodyPr>
           <a:lstStyle/>
           <a:p>
             <a:r>
@@ -8019,6 +8029,47 @@
           </a:p>
         </p:txBody>
       </p:sp>
+      <p:pic>
+        <p:nvPicPr>
+          <p:cNvPr id="7" name="Grafik 6">
+            <a:extLst>
+              <a:ext uri="{FF2B5EF4-FFF2-40B4-BE49-F238E27FC236}">
+                <a16:creationId xmlns:a16="http://schemas.microsoft.com/office/drawing/2014/main" id="{2B7E49EB-0683-45E3-8C42-4F3A5CACC0F7}"/>
+              </a:ext>
+            </a:extLst>
+          </p:cNvPr>
+          <p:cNvPicPr>
+            <a:picLocks noChangeAspect="1"/>
+          </p:cNvPicPr>
+          <p:nvPr/>
+        </p:nvPicPr>
+        <p:blipFill>
+          <a:blip r:embed="rId2">
+            <a:extLst>
+              <a:ext uri="{28A0092B-C50C-407E-A947-70E740481C1C}">
+                <a14:useLocalDpi xmlns:a14="http://schemas.microsoft.com/office/drawing/2010/main" val="0"/>
+              </a:ext>
+            </a:extLst>
+          </a:blip>
+          <a:srcRect/>
+          <a:stretch>
+            <a:fillRect/>
+          </a:stretch>
+        </p:blipFill>
+        <p:spPr bwMode="auto">
+          <a:xfrm>
+            <a:off x="6925356" y="2130404"/>
+            <a:ext cx="4999535" cy="2454317"/>
+          </a:xfrm>
+          <a:prstGeom prst="rect">
+            <a:avLst/>
+          </a:prstGeom>
+          <a:noFill/>
+          <a:ln>
+            <a:noFill/>
+          </a:ln>
+        </p:spPr>
+      </p:pic>
     </p:spTree>
     <p:extLst>
       <p:ext uri="{BB962C8B-B14F-4D97-AF65-F5344CB8AC3E}">
@@ -8473,6 +8524,726 @@
     <p:extLst>
       <p:ext uri="{BB962C8B-B14F-4D97-AF65-F5344CB8AC3E}">
         <p14:creationId xmlns:p14="http://schemas.microsoft.com/office/powerpoint/2010/main" val="3233717774"/>
+      </p:ext>
+    </p:extLst>
+  </p:cSld>
+  <p:clrMapOvr>
+    <a:masterClrMapping/>
+  </p:clrMapOvr>
+</p:sld>
+</file>
+
+<file path=ppt/slides/slide14.xml><?xml version="1.0" encoding="utf-8"?>
+<p:sld xmlns:a="http://schemas.openxmlformats.org/drawingml/2006/main" xmlns:r="http://schemas.openxmlformats.org/officeDocument/2006/relationships" xmlns:p="http://schemas.openxmlformats.org/presentationml/2006/main">
+  <p:cSld>
+    <p:spTree>
+      <p:nvGrpSpPr>
+        <p:cNvPr id="1" name=""/>
+        <p:cNvGrpSpPr/>
+        <p:nvPr/>
+      </p:nvGrpSpPr>
+      <p:grpSpPr>
+        <a:xfrm>
+          <a:off x="0" y="0"/>
+          <a:ext cx="0" cy="0"/>
+          <a:chOff x="0" y="0"/>
+          <a:chExt cx="0" cy="0"/>
+        </a:xfrm>
+      </p:grpSpPr>
+      <p:sp>
+        <p:nvSpPr>
+          <p:cNvPr id="2" name="Titel 1">
+            <a:extLst>
+              <a:ext uri="{FF2B5EF4-FFF2-40B4-BE49-F238E27FC236}">
+                <a16:creationId xmlns:a16="http://schemas.microsoft.com/office/drawing/2014/main" id="{97E854AF-370A-4DD2-B05B-BA9F47E75C37}"/>
+              </a:ext>
+            </a:extLst>
+          </p:cNvPr>
+          <p:cNvSpPr>
+            <a:spLocks noGrp="1"/>
+          </p:cNvSpPr>
+          <p:nvPr>
+            <p:ph type="title"/>
+          </p:nvPr>
+        </p:nvSpPr>
+        <p:spPr/>
+        <p:txBody>
+          <a:bodyPr/>
+          <a:lstStyle/>
+          <a:p>
+            <a:endParaRPr lang="de-DE" dirty="0"/>
+          </a:p>
+        </p:txBody>
+      </p:sp>
+      <p:sp>
+        <p:nvSpPr>
+          <p:cNvPr id="3" name="Inhaltsplatzhalter 2">
+            <a:extLst>
+              <a:ext uri="{FF2B5EF4-FFF2-40B4-BE49-F238E27FC236}">
+                <a16:creationId xmlns:a16="http://schemas.microsoft.com/office/drawing/2014/main" id="{C98CDAB6-320F-43C1-90E0-C684815DE0C4}"/>
+              </a:ext>
+            </a:extLst>
+          </p:cNvPr>
+          <p:cNvSpPr>
+            <a:spLocks noGrp="1"/>
+          </p:cNvSpPr>
+          <p:nvPr>
+            <p:ph idx="1"/>
+          </p:nvPr>
+        </p:nvSpPr>
+        <p:spPr>
+          <a:xfrm>
+            <a:off x="1614649" y="1685228"/>
+            <a:ext cx="7901820" cy="4749440"/>
+          </a:xfrm>
+        </p:spPr>
+        <p:txBody>
+          <a:bodyPr>
+            <a:normAutofit fontScale="47500" lnSpcReduction="20000"/>
+          </a:bodyPr>
+          <a:lstStyle/>
+          <a:p>
+            <a:r>
+              <a:rPr lang="de-DE" sz="4000" dirty="0">
+                <a:solidFill>
+                  <a:schemeClr val="tx1">
+                    <a:lumMod val="50000"/>
+                  </a:schemeClr>
+                </a:solidFill>
+              </a:rPr>
+              <a:t>Einleitung</a:t>
+            </a:r>
+          </a:p>
+          <a:p>
+            <a:r>
+              <a:rPr lang="de-DE" sz="4000" dirty="0">
+                <a:solidFill>
+                  <a:schemeClr val="tx1">
+                    <a:lumMod val="50000"/>
+                  </a:schemeClr>
+                </a:solidFill>
+              </a:rPr>
+              <a:t>Architektur</a:t>
+            </a:r>
+          </a:p>
+          <a:p>
+            <a:r>
+              <a:rPr lang="de-DE" sz="4000" dirty="0">
+                <a:solidFill>
+                  <a:schemeClr val="tx1">
+                    <a:lumMod val="50000"/>
+                  </a:schemeClr>
+                </a:solidFill>
+              </a:rPr>
+              <a:t>API Gateway / Load Balancer</a:t>
+            </a:r>
+          </a:p>
+          <a:p>
+            <a:r>
+              <a:rPr lang="de-DE" sz="4000" b="1" dirty="0"/>
+              <a:t>Service Discovery</a:t>
+            </a:r>
+          </a:p>
+          <a:p>
+            <a:pPr lvl="1"/>
+            <a:r>
+              <a:rPr lang="de-DE" sz="3800" b="1" dirty="0"/>
+              <a:t>Grundlagen</a:t>
+            </a:r>
+          </a:p>
+          <a:p>
+            <a:pPr lvl="1"/>
+            <a:r>
+              <a:rPr lang="de-DE" sz="3800" b="1" dirty="0"/>
+              <a:t>Eureka </a:t>
+            </a:r>
+          </a:p>
+          <a:p>
+            <a:pPr lvl="1"/>
+            <a:r>
+              <a:rPr lang="de-DE" sz="3800" b="1" dirty="0"/>
+              <a:t>Implementierung</a:t>
+            </a:r>
+          </a:p>
+          <a:p>
+            <a:r>
+              <a:rPr lang="de-DE" sz="4000" dirty="0">
+                <a:solidFill>
+                  <a:schemeClr val="tx1">
+                    <a:lumMod val="75000"/>
+                  </a:schemeClr>
+                </a:solidFill>
+              </a:rPr>
+              <a:t>Zusammenspiel der Technologien</a:t>
+            </a:r>
+          </a:p>
+          <a:p>
+            <a:r>
+              <a:rPr lang="de-DE" sz="4000" dirty="0">
+                <a:solidFill>
+                  <a:schemeClr val="tx1">
+                    <a:lumMod val="75000"/>
+                  </a:schemeClr>
+                </a:solidFill>
+              </a:rPr>
+              <a:t>Auswertung</a:t>
+            </a:r>
+          </a:p>
+          <a:p>
+            <a:r>
+              <a:rPr lang="de-DE" sz="4000" dirty="0">
+                <a:solidFill>
+                  <a:schemeClr val="tx1">
+                    <a:lumMod val="75000"/>
+                  </a:schemeClr>
+                </a:solidFill>
+              </a:rPr>
+              <a:t>Demonstration des Prototypen</a:t>
+            </a:r>
+          </a:p>
+          <a:p>
+            <a:pPr marL="457200" lvl="1" indent="0">
+              <a:buNone/>
+            </a:pPr>
+            <a:endParaRPr lang="de-DE" dirty="0"/>
+          </a:p>
+          <a:p>
+            <a:pPr lvl="1"/>
+            <a:endParaRPr lang="de-DE" dirty="0"/>
+          </a:p>
+          <a:p>
+            <a:endParaRPr lang="de-DE" dirty="0"/>
+          </a:p>
+        </p:txBody>
+      </p:sp>
+      <p:sp>
+        <p:nvSpPr>
+          <p:cNvPr id="4" name="Datumsplatzhalter 3">
+            <a:extLst>
+              <a:ext uri="{FF2B5EF4-FFF2-40B4-BE49-F238E27FC236}">
+                <a16:creationId xmlns:a16="http://schemas.microsoft.com/office/drawing/2014/main" id="{B1C5A0D9-0D16-40F0-A270-E2153F54A613}"/>
+              </a:ext>
+            </a:extLst>
+          </p:cNvPr>
+          <p:cNvSpPr>
+            <a:spLocks noGrp="1"/>
+          </p:cNvSpPr>
+          <p:nvPr>
+            <p:ph type="dt" sz="half" idx="10"/>
+          </p:nvPr>
+        </p:nvSpPr>
+        <p:spPr/>
+        <p:txBody>
+          <a:bodyPr/>
+          <a:lstStyle/>
+          <a:p>
+            <a:fld id="{BB7604C3-A478-448A-88D6-07EFA8665C1F}" type="datetime1">
+              <a:rPr lang="de-DE" smtClean="0"/>
+              <a:t>04.11.2021</a:t>
+            </a:fld>
+            <a:endParaRPr lang="en-US"/>
+          </a:p>
+        </p:txBody>
+      </p:sp>
+      <p:sp>
+        <p:nvSpPr>
+          <p:cNvPr id="5" name="Fußzeilenplatzhalter 4">
+            <a:extLst>
+              <a:ext uri="{FF2B5EF4-FFF2-40B4-BE49-F238E27FC236}">
+                <a16:creationId xmlns:a16="http://schemas.microsoft.com/office/drawing/2014/main" id="{6987783A-1F70-47FB-8650-215BADB0D895}"/>
+              </a:ext>
+            </a:extLst>
+          </p:cNvPr>
+          <p:cNvSpPr>
+            <a:spLocks noGrp="1"/>
+          </p:cNvSpPr>
+          <p:nvPr>
+            <p:ph type="ftr" sz="quarter" idx="11"/>
+          </p:nvPr>
+        </p:nvSpPr>
+        <p:spPr/>
+        <p:txBody>
+          <a:bodyPr/>
+          <a:lstStyle/>
+          <a:p>
+            <a:pPr algn="ctr"/>
+            <a:r>
+              <a:rPr lang="en-US"/>
+              <a:t>Benjamin Swarovsky</a:t>
+            </a:r>
+            <a:endParaRPr lang="en-US" dirty="0"/>
+          </a:p>
+        </p:txBody>
+      </p:sp>
+      <p:sp>
+        <p:nvSpPr>
+          <p:cNvPr id="6" name="Foliennummernplatzhalter 5">
+            <a:extLst>
+              <a:ext uri="{FF2B5EF4-FFF2-40B4-BE49-F238E27FC236}">
+                <a16:creationId xmlns:a16="http://schemas.microsoft.com/office/drawing/2014/main" id="{EDFC56A4-BEFD-4224-A109-1FFEDB0D2EF9}"/>
+              </a:ext>
+            </a:extLst>
+          </p:cNvPr>
+          <p:cNvSpPr>
+            <a:spLocks noGrp="1"/>
+          </p:cNvSpPr>
+          <p:nvPr>
+            <p:ph type="sldNum" sz="quarter" idx="12"/>
+          </p:nvPr>
+        </p:nvSpPr>
+        <p:spPr/>
+        <p:txBody>
+          <a:bodyPr/>
+          <a:lstStyle/>
+          <a:p>
+            <a:fld id="{6D22F896-40B5-4ADD-8801-0D06FADFA095}" type="slidenum">
+              <a:rPr lang="en-US" smtClean="0"/>
+              <a:t>14</a:t>
+            </a:fld>
+            <a:endParaRPr lang="en-US"/>
+          </a:p>
+        </p:txBody>
+      </p:sp>
+    </p:spTree>
+    <p:extLst>
+      <p:ext uri="{BB962C8B-B14F-4D97-AF65-F5344CB8AC3E}">
+        <p14:creationId xmlns:p14="http://schemas.microsoft.com/office/powerpoint/2010/main" val="4021090950"/>
+      </p:ext>
+    </p:extLst>
+  </p:cSld>
+  <p:clrMapOvr>
+    <a:masterClrMapping/>
+  </p:clrMapOvr>
+</p:sld>
+</file>
+
+<file path=ppt/slides/slide15.xml><?xml version="1.0" encoding="utf-8"?>
+<p:sld xmlns:a="http://schemas.openxmlformats.org/drawingml/2006/main" xmlns:r="http://schemas.openxmlformats.org/officeDocument/2006/relationships" xmlns:p="http://schemas.openxmlformats.org/presentationml/2006/main">
+  <p:cSld>
+    <p:spTree>
+      <p:nvGrpSpPr>
+        <p:cNvPr id="1" name=""/>
+        <p:cNvGrpSpPr/>
+        <p:nvPr/>
+      </p:nvGrpSpPr>
+      <p:grpSpPr>
+        <a:xfrm>
+          <a:off x="0" y="0"/>
+          <a:ext cx="0" cy="0"/>
+          <a:chOff x="0" y="0"/>
+          <a:chExt cx="0" cy="0"/>
+        </a:xfrm>
+      </p:grpSpPr>
+      <p:sp>
+        <p:nvSpPr>
+          <p:cNvPr id="2" name="Titel 1">
+            <a:extLst>
+              <a:ext uri="{FF2B5EF4-FFF2-40B4-BE49-F238E27FC236}">
+                <a16:creationId xmlns:a16="http://schemas.microsoft.com/office/drawing/2014/main" id="{4274F073-F9C6-4809-83EB-B729EC8C8D4E}"/>
+              </a:ext>
+            </a:extLst>
+          </p:cNvPr>
+          <p:cNvSpPr>
+            <a:spLocks noGrp="1"/>
+          </p:cNvSpPr>
+          <p:nvPr>
+            <p:ph type="title"/>
+          </p:nvPr>
+        </p:nvSpPr>
+        <p:spPr/>
+        <p:txBody>
+          <a:bodyPr/>
+          <a:lstStyle/>
+          <a:p>
+            <a:r>
+              <a:rPr lang="de-DE" dirty="0"/>
+              <a:t>Service Discovery - Grundlagen</a:t>
+            </a:r>
+          </a:p>
+        </p:txBody>
+      </p:sp>
+      <p:sp>
+        <p:nvSpPr>
+          <p:cNvPr id="3" name="Inhaltsplatzhalter 2">
+            <a:extLst>
+              <a:ext uri="{FF2B5EF4-FFF2-40B4-BE49-F238E27FC236}">
+                <a16:creationId xmlns:a16="http://schemas.microsoft.com/office/drawing/2014/main" id="{43BD7435-A98E-4D09-A0B6-A4CC9736A64B}"/>
+              </a:ext>
+            </a:extLst>
+          </p:cNvPr>
+          <p:cNvSpPr>
+            <a:spLocks noGrp="1"/>
+          </p:cNvSpPr>
+          <p:nvPr>
+            <p:ph idx="1"/>
+          </p:nvPr>
+        </p:nvSpPr>
+        <p:spPr>
+          <a:xfrm>
+            <a:off x="1614650" y="2052116"/>
+            <a:ext cx="6197261" cy="3400417"/>
+          </a:xfrm>
+        </p:spPr>
+        <p:txBody>
+          <a:bodyPr>
+            <a:normAutofit fontScale="92500"/>
+          </a:bodyPr>
+          <a:lstStyle/>
+          <a:p>
+            <a:r>
+              <a:rPr lang="de-DE" dirty="0"/>
+              <a:t>Services mit dynamisch zugewiesenen Netzwerkstandorten können sich gegenseitig finden </a:t>
+            </a:r>
+          </a:p>
+          <a:p>
+            <a:r>
+              <a:rPr lang="de-DE" dirty="0"/>
+              <a:t>Services registrieren sich an einer Registry</a:t>
+            </a:r>
+          </a:p>
+          <a:p>
+            <a:r>
+              <a:rPr lang="de-DE" dirty="0"/>
+              <a:t>Adressauflösung kann über Namen des Services erfolgen</a:t>
+            </a:r>
+          </a:p>
+          <a:p>
+            <a:r>
+              <a:rPr lang="de-DE" dirty="0"/>
+              <a:t>Unter anderem Clientseitige und Serverseitige Discovery </a:t>
+            </a:r>
+          </a:p>
+          <a:p>
+            <a:endParaRPr lang="de-DE" dirty="0"/>
+          </a:p>
+        </p:txBody>
+      </p:sp>
+      <p:sp>
+        <p:nvSpPr>
+          <p:cNvPr id="4" name="Datumsplatzhalter 3">
+            <a:extLst>
+              <a:ext uri="{FF2B5EF4-FFF2-40B4-BE49-F238E27FC236}">
+                <a16:creationId xmlns:a16="http://schemas.microsoft.com/office/drawing/2014/main" id="{96D56198-CEE9-4597-A630-E0C5D36E49A5}"/>
+              </a:ext>
+            </a:extLst>
+          </p:cNvPr>
+          <p:cNvSpPr>
+            <a:spLocks noGrp="1"/>
+          </p:cNvSpPr>
+          <p:nvPr>
+            <p:ph type="dt" sz="half" idx="10"/>
+          </p:nvPr>
+        </p:nvSpPr>
+        <p:spPr/>
+        <p:txBody>
+          <a:bodyPr/>
+          <a:lstStyle/>
+          <a:p>
+            <a:fld id="{BB7604C3-A478-448A-88D6-07EFA8665C1F}" type="datetime1">
+              <a:rPr lang="de-DE" smtClean="0"/>
+              <a:t>04.11.2021</a:t>
+            </a:fld>
+            <a:endParaRPr lang="en-US"/>
+          </a:p>
+        </p:txBody>
+      </p:sp>
+      <p:sp>
+        <p:nvSpPr>
+          <p:cNvPr id="5" name="Fußzeilenplatzhalter 4">
+            <a:extLst>
+              <a:ext uri="{FF2B5EF4-FFF2-40B4-BE49-F238E27FC236}">
+                <a16:creationId xmlns:a16="http://schemas.microsoft.com/office/drawing/2014/main" id="{ABFDF0A8-08D4-4452-8B29-F09FE0B36F13}"/>
+              </a:ext>
+            </a:extLst>
+          </p:cNvPr>
+          <p:cNvSpPr>
+            <a:spLocks noGrp="1"/>
+          </p:cNvSpPr>
+          <p:nvPr>
+            <p:ph type="ftr" sz="quarter" idx="11"/>
+          </p:nvPr>
+        </p:nvSpPr>
+        <p:spPr/>
+        <p:txBody>
+          <a:bodyPr/>
+          <a:lstStyle/>
+          <a:p>
+            <a:pPr algn="ctr"/>
+            <a:r>
+              <a:rPr lang="en-US"/>
+              <a:t>Benjamin Swarovsky</a:t>
+            </a:r>
+            <a:endParaRPr lang="en-US" dirty="0"/>
+          </a:p>
+        </p:txBody>
+      </p:sp>
+      <p:sp>
+        <p:nvSpPr>
+          <p:cNvPr id="6" name="Foliennummernplatzhalter 5">
+            <a:extLst>
+              <a:ext uri="{FF2B5EF4-FFF2-40B4-BE49-F238E27FC236}">
+                <a16:creationId xmlns:a16="http://schemas.microsoft.com/office/drawing/2014/main" id="{090B129D-EC71-470A-8422-940BFC2820CE}"/>
+              </a:ext>
+            </a:extLst>
+          </p:cNvPr>
+          <p:cNvSpPr>
+            <a:spLocks noGrp="1"/>
+          </p:cNvSpPr>
+          <p:nvPr>
+            <p:ph type="sldNum" sz="quarter" idx="12"/>
+          </p:nvPr>
+        </p:nvSpPr>
+        <p:spPr/>
+        <p:txBody>
+          <a:bodyPr/>
+          <a:lstStyle/>
+          <a:p>
+            <a:fld id="{6D22F896-40B5-4ADD-8801-0D06FADFA095}" type="slidenum">
+              <a:rPr lang="en-US" smtClean="0"/>
+              <a:t>15</a:t>
+            </a:fld>
+            <a:endParaRPr lang="en-US"/>
+          </a:p>
+        </p:txBody>
+      </p:sp>
+      <p:pic>
+        <p:nvPicPr>
+          <p:cNvPr id="7" name="Grafik 6">
+            <a:extLst>
+              <a:ext uri="{FF2B5EF4-FFF2-40B4-BE49-F238E27FC236}">
+                <a16:creationId xmlns:a16="http://schemas.microsoft.com/office/drawing/2014/main" id="{B79255A8-1C62-4D7F-8929-EADFCDA0435A}"/>
+              </a:ext>
+            </a:extLst>
+          </p:cNvPr>
+          <p:cNvPicPr>
+            <a:picLocks noChangeAspect="1"/>
+          </p:cNvPicPr>
+          <p:nvPr/>
+        </p:nvPicPr>
+        <p:blipFill>
+          <a:blip r:embed="rId2">
+            <a:extLst>
+              <a:ext uri="{28A0092B-C50C-407E-A947-70E740481C1C}">
+                <a14:useLocalDpi xmlns:a14="http://schemas.microsoft.com/office/drawing/2010/main" val="0"/>
+              </a:ext>
+            </a:extLst>
+          </a:blip>
+          <a:srcRect/>
+          <a:stretch>
+            <a:fillRect/>
+          </a:stretch>
+        </p:blipFill>
+        <p:spPr bwMode="auto">
+          <a:xfrm>
+            <a:off x="7811911" y="1734445"/>
+            <a:ext cx="4137619" cy="4035758"/>
+          </a:xfrm>
+          <a:prstGeom prst="rect">
+            <a:avLst/>
+          </a:prstGeom>
+          <a:noFill/>
+          <a:ln>
+            <a:noFill/>
+          </a:ln>
+        </p:spPr>
+      </p:pic>
+    </p:spTree>
+    <p:extLst>
+      <p:ext uri="{BB962C8B-B14F-4D97-AF65-F5344CB8AC3E}">
+        <p14:creationId xmlns:p14="http://schemas.microsoft.com/office/powerpoint/2010/main" val="2915564568"/>
+      </p:ext>
+    </p:extLst>
+  </p:cSld>
+  <p:clrMapOvr>
+    <a:masterClrMapping/>
+  </p:clrMapOvr>
+</p:sld>
+</file>
+
+<file path=ppt/slides/slide16.xml><?xml version="1.0" encoding="utf-8"?>
+<p:sld xmlns:a="http://schemas.openxmlformats.org/drawingml/2006/main" xmlns:r="http://schemas.openxmlformats.org/officeDocument/2006/relationships" xmlns:p="http://schemas.openxmlformats.org/presentationml/2006/main">
+  <p:cSld>
+    <p:spTree>
+      <p:nvGrpSpPr>
+        <p:cNvPr id="1" name=""/>
+        <p:cNvGrpSpPr/>
+        <p:nvPr/>
+      </p:nvGrpSpPr>
+      <p:grpSpPr>
+        <a:xfrm>
+          <a:off x="0" y="0"/>
+          <a:ext cx="0" cy="0"/>
+          <a:chOff x="0" y="0"/>
+          <a:chExt cx="0" cy="0"/>
+        </a:xfrm>
+      </p:grpSpPr>
+      <p:sp>
+        <p:nvSpPr>
+          <p:cNvPr id="2" name="Titel 1">
+            <a:extLst>
+              <a:ext uri="{FF2B5EF4-FFF2-40B4-BE49-F238E27FC236}">
+                <a16:creationId xmlns:a16="http://schemas.microsoft.com/office/drawing/2014/main" id="{17CF2BED-4F3F-494E-91EE-7E323438FA7F}"/>
+              </a:ext>
+            </a:extLst>
+          </p:cNvPr>
+          <p:cNvSpPr>
+            <a:spLocks noGrp="1"/>
+          </p:cNvSpPr>
+          <p:nvPr>
+            <p:ph type="title"/>
+          </p:nvPr>
+        </p:nvSpPr>
+        <p:spPr/>
+        <p:txBody>
+          <a:bodyPr/>
+          <a:lstStyle/>
+          <a:p>
+            <a:r>
+              <a:rPr lang="de-DE" dirty="0"/>
+              <a:t>Eureka Discovery Service</a:t>
+            </a:r>
+          </a:p>
+        </p:txBody>
+      </p:sp>
+      <p:sp>
+        <p:nvSpPr>
+          <p:cNvPr id="3" name="Inhaltsplatzhalter 2">
+            <a:extLst>
+              <a:ext uri="{FF2B5EF4-FFF2-40B4-BE49-F238E27FC236}">
+                <a16:creationId xmlns:a16="http://schemas.microsoft.com/office/drawing/2014/main" id="{E4448547-1D44-45FA-9FC0-D07A0762B5E3}"/>
+              </a:ext>
+            </a:extLst>
+          </p:cNvPr>
+          <p:cNvSpPr>
+            <a:spLocks noGrp="1"/>
+          </p:cNvSpPr>
+          <p:nvPr>
+            <p:ph idx="1"/>
+          </p:nvPr>
+        </p:nvSpPr>
+        <p:spPr/>
+        <p:txBody>
+          <a:bodyPr/>
+          <a:lstStyle/>
+          <a:p>
+            <a:r>
+              <a:rPr lang="de-DE" dirty="0"/>
+              <a:t>Clientseitige Service Discovery </a:t>
+            </a:r>
+          </a:p>
+          <a:p>
+            <a:r>
+              <a:rPr lang="de-DE" dirty="0"/>
+              <a:t>Alternativen: NGINX (serverseitig), </a:t>
+            </a:r>
+            <a:r>
+              <a:rPr lang="de-DE" dirty="0" err="1"/>
+              <a:t>Zookeeper</a:t>
+            </a:r>
+            <a:r>
+              <a:rPr lang="de-DE" dirty="0"/>
+              <a:t> (</a:t>
+            </a:r>
+            <a:r>
+              <a:rPr lang="de-DE"/>
+              <a:t>clientseitig), …</a:t>
+            </a:r>
+            <a:endParaRPr lang="de-DE" dirty="0"/>
+          </a:p>
+        </p:txBody>
+      </p:sp>
+      <p:sp>
+        <p:nvSpPr>
+          <p:cNvPr id="4" name="Datumsplatzhalter 3">
+            <a:extLst>
+              <a:ext uri="{FF2B5EF4-FFF2-40B4-BE49-F238E27FC236}">
+                <a16:creationId xmlns:a16="http://schemas.microsoft.com/office/drawing/2014/main" id="{F33A6C71-1AAE-4C03-B97B-51EAA05900AD}"/>
+              </a:ext>
+            </a:extLst>
+          </p:cNvPr>
+          <p:cNvSpPr>
+            <a:spLocks noGrp="1"/>
+          </p:cNvSpPr>
+          <p:nvPr>
+            <p:ph type="dt" sz="half" idx="10"/>
+          </p:nvPr>
+        </p:nvSpPr>
+        <p:spPr/>
+        <p:txBody>
+          <a:bodyPr/>
+          <a:lstStyle/>
+          <a:p>
+            <a:fld id="{BB7604C3-A478-448A-88D6-07EFA8665C1F}" type="datetime1">
+              <a:rPr lang="de-DE" smtClean="0"/>
+              <a:t>04.11.2021</a:t>
+            </a:fld>
+            <a:endParaRPr lang="en-US"/>
+          </a:p>
+        </p:txBody>
+      </p:sp>
+      <p:sp>
+        <p:nvSpPr>
+          <p:cNvPr id="5" name="Fußzeilenplatzhalter 4">
+            <a:extLst>
+              <a:ext uri="{FF2B5EF4-FFF2-40B4-BE49-F238E27FC236}">
+                <a16:creationId xmlns:a16="http://schemas.microsoft.com/office/drawing/2014/main" id="{A0F77433-9E22-4590-A3EE-BCCFF9B02A23}"/>
+              </a:ext>
+            </a:extLst>
+          </p:cNvPr>
+          <p:cNvSpPr>
+            <a:spLocks noGrp="1"/>
+          </p:cNvSpPr>
+          <p:nvPr>
+            <p:ph type="ftr" sz="quarter" idx="11"/>
+          </p:nvPr>
+        </p:nvSpPr>
+        <p:spPr/>
+        <p:txBody>
+          <a:bodyPr/>
+          <a:lstStyle/>
+          <a:p>
+            <a:pPr algn="ctr"/>
+            <a:r>
+              <a:rPr lang="en-US"/>
+              <a:t>Benjamin Swarovsky</a:t>
+            </a:r>
+            <a:endParaRPr lang="en-US" dirty="0"/>
+          </a:p>
+        </p:txBody>
+      </p:sp>
+      <p:sp>
+        <p:nvSpPr>
+          <p:cNvPr id="6" name="Foliennummernplatzhalter 5">
+            <a:extLst>
+              <a:ext uri="{FF2B5EF4-FFF2-40B4-BE49-F238E27FC236}">
+                <a16:creationId xmlns:a16="http://schemas.microsoft.com/office/drawing/2014/main" id="{813A712A-7C02-462E-8DEE-18B8F087B90A}"/>
+              </a:ext>
+            </a:extLst>
+          </p:cNvPr>
+          <p:cNvSpPr>
+            <a:spLocks noGrp="1"/>
+          </p:cNvSpPr>
+          <p:nvPr>
+            <p:ph type="sldNum" sz="quarter" idx="12"/>
+          </p:nvPr>
+        </p:nvSpPr>
+        <p:spPr/>
+        <p:txBody>
+          <a:bodyPr/>
+          <a:lstStyle/>
+          <a:p>
+            <a:fld id="{6D22F896-40B5-4ADD-8801-0D06FADFA095}" type="slidenum">
+              <a:rPr lang="en-US" smtClean="0"/>
+              <a:t>16</a:t>
+            </a:fld>
+            <a:endParaRPr lang="en-US"/>
+          </a:p>
+        </p:txBody>
+      </p:sp>
+    </p:spTree>
+    <p:extLst>
+      <p:ext uri="{BB962C8B-B14F-4D97-AF65-F5344CB8AC3E}">
+        <p14:creationId xmlns:p14="http://schemas.microsoft.com/office/powerpoint/2010/main" val="91511498"/>
       </p:ext>
     </p:extLst>
   </p:cSld>
@@ -11606,6 +12377,12 @@
 </file>
 
 <file path=customXml/item2.xml><?xml version="1.0" encoding="utf-8"?>
+<p:properties xmlns:p="http://schemas.microsoft.com/office/2006/metadata/properties" xmlns:xsi="http://www.w3.org/2001/XMLSchema-instance" xmlns:pc="http://schemas.microsoft.com/office/infopath/2007/PartnerControls">
+  <documentManagement/>
+</p:properties>
+</file>
+
+<file path=customXml/item3.xml><?xml version="1.0" encoding="utf-8"?>
 <ct:contentTypeSchema xmlns:ct="http://schemas.microsoft.com/office/2006/metadata/contentType" xmlns:ma="http://schemas.microsoft.com/office/2006/metadata/properties/metaAttributes" ct:_="" ma:_="" ma:contentTypeName="Dokument" ma:contentTypeID="0x01010057DEBC6757D75944BF029D53C906043C" ma:contentTypeVersion="2" ma:contentTypeDescription="Ein neues Dokument erstellen." ma:contentTypeScope="" ma:versionID="92b2e5e144b5888bfe8e1716395d2054">
   <xsd:schema xmlns:xsd="http://www.w3.org/2001/XMLSchema" xmlns:xs="http://www.w3.org/2001/XMLSchema" xmlns:p="http://schemas.microsoft.com/office/2006/metadata/properties" xmlns:ns3="2e5082aa-21a9-4fb8-bc02-de89f01dc016" targetNamespace="http://schemas.microsoft.com/office/2006/metadata/properties" ma:root="true" ma:fieldsID="750a51e2518c422fe3db59dbb0fb1318" ns3:_="">
     <xsd:import namespace="2e5082aa-21a9-4fb8-bc02-de89f01dc016"/>
@@ -11737,12 +12514,6 @@
 </ct:contentTypeSchema>
 </file>
 
-<file path=customXml/item3.xml><?xml version="1.0" encoding="utf-8"?>
-<p:properties xmlns:p="http://schemas.microsoft.com/office/2006/metadata/properties" xmlns:xsi="http://www.w3.org/2001/XMLSchema-instance" xmlns:pc="http://schemas.microsoft.com/office/infopath/2007/PartnerControls">
-  <documentManagement/>
-</p:properties>
-</file>
-
 <file path=customXml/itemProps1.xml><?xml version="1.0" encoding="utf-8"?>
 <ds:datastoreItem xmlns:ds="http://schemas.openxmlformats.org/officeDocument/2006/customXml" ds:itemID="{2ABFB1C4-DEB4-4487-BA3A-A97A672A3FD3}">
   <ds:schemaRefs>
@@ -11752,6 +12523,22 @@
 </file>
 
 <file path=customXml/itemProps2.xml><?xml version="1.0" encoding="utf-8"?>
+<ds:datastoreItem xmlns:ds="http://schemas.openxmlformats.org/officeDocument/2006/customXml" ds:itemID="{FA6182B4-BB90-4186-BC76-0BE8F85920D5}">
+  <ds:schemaRefs>
+    <ds:schemaRef ds:uri="2e5082aa-21a9-4fb8-bc02-de89f01dc016"/>
+    <ds:schemaRef ds:uri="http://purl.org/dc/dcmitype/"/>
+    <ds:schemaRef ds:uri="http://purl.org/dc/elements/1.1/"/>
+    <ds:schemaRef ds:uri="http://purl.org/dc/terms/"/>
+    <ds:schemaRef ds:uri="http://schemas.microsoft.com/office/2006/documentManagement/types"/>
+    <ds:schemaRef ds:uri="http://schemas.microsoft.com/office/2006/metadata/properties"/>
+    <ds:schemaRef ds:uri="http://schemas.microsoft.com/office/infopath/2007/PartnerControls"/>
+    <ds:schemaRef ds:uri="http://schemas.openxmlformats.org/package/2006/metadata/core-properties"/>
+    <ds:schemaRef ds:uri="http://www.w3.org/XML/1998/namespace"/>
+  </ds:schemaRefs>
+</ds:datastoreItem>
+</file>
+
+<file path=customXml/itemProps3.xml><?xml version="1.0" encoding="utf-8"?>
 <ds:datastoreItem xmlns:ds="http://schemas.openxmlformats.org/officeDocument/2006/customXml" ds:itemID="{3E893F45-019B-40EF-B832-242EE941AB77}">
   <ds:schemaRefs>
     <ds:schemaRef ds:uri="2e5082aa-21a9-4fb8-bc02-de89f01dc016"/>
@@ -11767,20 +12554,4 @@
     <ds:schemaRef ds:uri="http://www.w3.org/2001/XMLSchema"/>
   </ds:schemaRefs>
 </ds:datastoreItem>
-</file>
-
-<file path=customXml/itemProps3.xml><?xml version="1.0" encoding="utf-8"?>
-<ds:datastoreItem xmlns:ds="http://schemas.openxmlformats.org/officeDocument/2006/customXml" ds:itemID="{FA6182B4-BB90-4186-BC76-0BE8F85920D5}">
-  <ds:schemaRefs>
-    <ds:schemaRef ds:uri="2e5082aa-21a9-4fb8-bc02-de89f01dc016"/>
-    <ds:schemaRef ds:uri="http://purl.org/dc/dcmitype/"/>
-    <ds:schemaRef ds:uri="http://purl.org/dc/elements/1.1/"/>
-    <ds:schemaRef ds:uri="http://purl.org/dc/terms/"/>
-    <ds:schemaRef ds:uri="http://schemas.microsoft.com/office/2006/documentManagement/types"/>
-    <ds:schemaRef ds:uri="http://schemas.microsoft.com/office/2006/metadata/properties"/>
-    <ds:schemaRef ds:uri="http://schemas.microsoft.com/office/infopath/2007/PartnerControls"/>
-    <ds:schemaRef ds:uri="http://schemas.openxmlformats.org/package/2006/metadata/core-properties"/>
-    <ds:schemaRef ds:uri="http://www.w3.org/XML/1998/namespace"/>
-  </ds:schemaRefs>
-</ds:datastoreItem>
 </file>
--- a/Vortrag.pptx
+++ b/Vortrag.pptx
@@ -5,7 +5,7 @@
     <p:sldMasterId id="2147483648" r:id="rId4"/>
   </p:sldMasterIdLst>
   <p:notesMasterIdLst>
-    <p:notesMasterId r:id="rId21"/>
+    <p:notesMasterId r:id="rId30"/>
   </p:notesMasterIdLst>
   <p:sldIdLst>
     <p:sldId id="256" r:id="rId5"/>
@@ -24,6 +24,15 @@
     <p:sldId id="270" r:id="rId18"/>
     <p:sldId id="271" r:id="rId19"/>
     <p:sldId id="272" r:id="rId20"/>
+    <p:sldId id="283" r:id="rId21"/>
+    <p:sldId id="274" r:id="rId22"/>
+    <p:sldId id="275" r:id="rId23"/>
+    <p:sldId id="276" r:id="rId24"/>
+    <p:sldId id="279" r:id="rId25"/>
+    <p:sldId id="277" r:id="rId26"/>
+    <p:sldId id="280" r:id="rId27"/>
+    <p:sldId id="281" r:id="rId28"/>
+    <p:sldId id="282" r:id="rId29"/>
   </p:sldIdLst>
   <p:sldSz cx="12192000" cy="6858000"/>
   <p:notesSz cx="6858000" cy="9144000"/>
@@ -235,7 +244,7 @@
           <a:p>
             <a:fld id="{A7B8C7EC-8663-4343-8CB3-46B01580284C}" type="datetimeFigureOut">
               <a:rPr lang="de-DE" smtClean="0"/>
-              <a:t>04.11.2021</a:t>
+              <a:t>05.11.2021</a:t>
             </a:fld>
             <a:endParaRPr lang="de-DE"/>
           </a:p>
@@ -724,7 +733,7 @@
           <a:p>
             <a:fld id="{B59E6383-A8CB-4B08-927D-D4B4B7D9AC2E}" type="datetime1">
               <a:rPr lang="de-DE" smtClean="0"/>
-              <a:t>04.11.2021</a:t>
+              <a:t>05.11.2021</a:t>
             </a:fld>
             <a:endParaRPr lang="en-US"/>
           </a:p>
@@ -1268,7 +1277,7 @@
           <a:p>
             <a:fld id="{6CA99C16-F3DE-4BEA-BEA0-185955F827CC}" type="datetime1">
               <a:rPr lang="de-DE" smtClean="0"/>
-              <a:t>04.11.2021</a:t>
+              <a:t>05.11.2021</a:t>
             </a:fld>
             <a:endParaRPr lang="en-US"/>
           </a:p>
@@ -1462,7 +1471,7 @@
           <a:p>
             <a:fld id="{2D886228-5DBC-4625-A335-1BCDAFDC46C1}" type="datetime1">
               <a:rPr lang="de-DE" smtClean="0"/>
-              <a:t>04.11.2021</a:t>
+              <a:t>05.11.2021</a:t>
             </a:fld>
             <a:endParaRPr lang="en-US"/>
           </a:p>
@@ -1674,7 +1683,7 @@
           <a:p>
             <a:fld id="{C980135E-CF13-4F76-823B-93B2AE87FB42}" type="datetime1">
               <a:rPr lang="de-DE" smtClean="0"/>
-              <a:t>04.11.2021</a:t>
+              <a:t>05.11.2021</a:t>
             </a:fld>
             <a:endParaRPr lang="en-US"/>
           </a:p>
@@ -2042,7 +2051,7 @@
           <a:p>
             <a:fld id="{EE00E525-60F6-456C-ABD0-CA49B7CA1AC0}" type="datetime1">
               <a:rPr lang="de-DE" smtClean="0"/>
-              <a:t>04.11.2021</a:t>
+              <a:t>05.11.2021</a:t>
             </a:fld>
             <a:endParaRPr lang="en-US"/>
           </a:p>
@@ -2444,7 +2453,7 @@
           <a:p>
             <a:fld id="{9F737527-C30D-4C1B-8A57-8831FC877160}" type="datetime1">
               <a:rPr lang="de-DE" smtClean="0"/>
-              <a:t>04.11.2021</a:t>
+              <a:t>05.11.2021</a:t>
             </a:fld>
             <a:endParaRPr lang="en-US"/>
           </a:p>
@@ -2736,7 +2745,7 @@
           <a:p>
             <a:fld id="{7F4A9B1D-38C4-4A9A-BD74-09CB54D529F7}" type="datetime1">
               <a:rPr lang="de-DE" smtClean="0"/>
-              <a:t>04.11.2021</a:t>
+              <a:t>05.11.2021</a:t>
             </a:fld>
             <a:endParaRPr lang="en-US"/>
           </a:p>
@@ -3037,7 +3046,7 @@
           <a:p>
             <a:fld id="{171975C2-17DF-44AF-BAFC-99FC3839D6B6}" type="datetime1">
               <a:rPr lang="de-DE" smtClean="0"/>
-              <a:t>04.11.2021</a:t>
+              <a:t>05.11.2021</a:t>
             </a:fld>
             <a:endParaRPr lang="en-US"/>
           </a:p>
@@ -3304,7 +3313,7 @@
           <a:p>
             <a:fld id="{BB7604C3-A478-448A-88D6-07EFA8665C1F}" type="datetime1">
               <a:rPr lang="de-DE" smtClean="0"/>
-              <a:t>04.11.2021</a:t>
+              <a:t>05.11.2021</a:t>
             </a:fld>
             <a:endParaRPr lang="en-US"/>
           </a:p>
@@ -3572,7 +3581,7 @@
           <a:p>
             <a:fld id="{BB7604C3-A478-448A-88D6-07EFA8665C1F}" type="datetime1">
               <a:rPr lang="de-DE" smtClean="0"/>
-              <a:t>04.11.2021</a:t>
+              <a:t>05.11.2021</a:t>
             </a:fld>
             <a:endParaRPr lang="en-US"/>
           </a:p>
@@ -3838,7 +3847,7 @@
           <a:p>
             <a:fld id="{A04AC0E9-B042-43D8-AB78-DC52AC0C585D}" type="datetime1">
               <a:rPr lang="de-DE" smtClean="0"/>
-              <a:t>04.11.2021</a:t>
+              <a:t>05.11.2021</a:t>
             </a:fld>
             <a:endParaRPr lang="en-US"/>
           </a:p>
@@ -4109,7 +4118,7 @@
           <a:p>
             <a:fld id="{645C10F2-7973-42A2-B0DE-A6ED0ED91C8E}" type="datetime1">
               <a:rPr lang="de-DE" smtClean="0"/>
-              <a:t>04.11.2021</a:t>
+              <a:t>05.11.2021</a:t>
             </a:fld>
             <a:endParaRPr lang="en-US"/>
           </a:p>
@@ -4382,7 +4391,7 @@
           <a:p>
             <a:fld id="{BAFDFB72-582B-45F4-B36C-EF1963E97DC6}" type="datetime1">
               <a:rPr lang="de-DE" smtClean="0"/>
-              <a:t>04.11.2021</a:t>
+              <a:t>05.11.2021</a:t>
             </a:fld>
             <a:endParaRPr lang="en-US"/>
           </a:p>
@@ -4655,7 +4664,7 @@
           <a:p>
             <a:fld id="{7E7651B1-048A-4583-9423-E37907F714C8}" type="datetime1">
               <a:rPr lang="de-DE" smtClean="0"/>
-              <a:t>04.11.2021</a:t>
+              <a:t>05.11.2021</a:t>
             </a:fld>
             <a:endParaRPr lang="en-US"/>
           </a:p>
@@ -5065,7 +5074,7 @@
           <a:p>
             <a:fld id="{764358B9-31F4-4BA7-92DD-CF366B443679}" type="datetime1">
               <a:rPr lang="de-DE" smtClean="0"/>
-              <a:t>04.11.2021</a:t>
+              <a:t>05.11.2021</a:t>
             </a:fld>
             <a:endParaRPr lang="en-US"/>
           </a:p>
@@ -5378,7 +5387,7 @@
           <a:p>
             <a:fld id="{5DF93BFA-DCCE-4E1B-9D54-AE151F0C2290}" type="datetime1">
               <a:rPr lang="de-DE" smtClean="0"/>
-              <a:t>04.11.2021</a:t>
+              <a:t>05.11.2021</a:t>
             </a:fld>
             <a:endParaRPr lang="en-US"/>
           </a:p>
@@ -5753,7 +5762,7 @@
             <a:fld id="{0B528F4A-65CA-4C1C-A385-CA3E5156BAA4}" type="datetime1">
               <a:rPr lang="de-DE" smtClean="0"/>
               <a:pPr/>
-              <a:t>04.11.2021</a:t>
+              <a:t>05.11.2021</a:t>
             </a:fld>
             <a:endParaRPr lang="en-US"/>
           </a:p>
@@ -7004,7 +7013,7 @@
           <a:p>
             <a:fld id="{BB7604C3-A478-448A-88D6-07EFA8665C1F}" type="datetime1">
               <a:rPr lang="de-DE" smtClean="0"/>
-              <a:t>04.11.2021</a:t>
+              <a:t>05.11.2021</a:t>
             </a:fld>
             <a:endParaRPr lang="en-US"/>
           </a:p>
@@ -7837,6 +7846,514 @@
   <p:clrMapOvr>
     <a:masterClrMapping/>
   </p:clrMapOvr>
+  <p:timing>
+    <p:tnLst>
+      <p:par>
+        <p:cTn id="1" dur="indefinite" restart="never" nodeType="tmRoot">
+          <p:childTnLst>
+            <p:seq concurrent="1" nextAc="seek">
+              <p:cTn id="2" dur="indefinite" nodeType="mainSeq">
+                <p:childTnLst>
+                  <p:par>
+                    <p:cTn id="3" fill="hold">
+                      <p:stCondLst>
+                        <p:cond delay="indefinite"/>
+                      </p:stCondLst>
+                      <p:childTnLst>
+                        <p:par>
+                          <p:cTn id="4" fill="hold">
+                            <p:stCondLst>
+                              <p:cond delay="0"/>
+                            </p:stCondLst>
+                            <p:childTnLst>
+                              <p:par>
+                                <p:cTn id="5" presetID="1" presetClass="entr" presetSubtype="0" fill="hold" nodeType="clickEffect">
+                                  <p:stCondLst>
+                                    <p:cond delay="0"/>
+                                  </p:stCondLst>
+                                  <p:childTnLst>
+                                    <p:set>
+                                      <p:cBhvr>
+                                        <p:cTn id="6" dur="1" fill="hold">
+                                          <p:stCondLst>
+                                            <p:cond delay="0"/>
+                                          </p:stCondLst>
+                                        </p:cTn>
+                                        <p:tgtEl>
+                                          <p:spTgt spid="11">
+                                            <p:txEl>
+                                              <p:pRg st="1" end="1"/>
+                                            </p:txEl>
+                                          </p:spTgt>
+                                        </p:tgtEl>
+                                        <p:attrNameLst>
+                                          <p:attrName>style.visibility</p:attrName>
+                                        </p:attrNameLst>
+                                      </p:cBhvr>
+                                      <p:to>
+                                        <p:strVal val="visible"/>
+                                      </p:to>
+                                    </p:set>
+                                  </p:childTnLst>
+                                </p:cTn>
+                              </p:par>
+                            </p:childTnLst>
+                          </p:cTn>
+                        </p:par>
+                      </p:childTnLst>
+                    </p:cTn>
+                  </p:par>
+                  <p:par>
+                    <p:cTn id="7" fill="hold">
+                      <p:stCondLst>
+                        <p:cond delay="indefinite"/>
+                      </p:stCondLst>
+                      <p:childTnLst>
+                        <p:par>
+                          <p:cTn id="8" fill="hold">
+                            <p:stCondLst>
+                              <p:cond delay="0"/>
+                            </p:stCondLst>
+                            <p:childTnLst>
+                              <p:par>
+                                <p:cTn id="9" presetID="1" presetClass="entr" presetSubtype="0" fill="hold" nodeType="clickEffect">
+                                  <p:stCondLst>
+                                    <p:cond delay="0"/>
+                                  </p:stCondLst>
+                                  <p:childTnLst>
+                                    <p:set>
+                                      <p:cBhvr>
+                                        <p:cTn id="10" dur="1" fill="hold">
+                                          <p:stCondLst>
+                                            <p:cond delay="0"/>
+                                          </p:stCondLst>
+                                        </p:cTn>
+                                        <p:tgtEl>
+                                          <p:spTgt spid="11">
+                                            <p:txEl>
+                                              <p:pRg st="2" end="2"/>
+                                            </p:txEl>
+                                          </p:spTgt>
+                                        </p:tgtEl>
+                                        <p:attrNameLst>
+                                          <p:attrName>style.visibility</p:attrName>
+                                        </p:attrNameLst>
+                                      </p:cBhvr>
+                                      <p:to>
+                                        <p:strVal val="visible"/>
+                                      </p:to>
+                                    </p:set>
+                                  </p:childTnLst>
+                                </p:cTn>
+                              </p:par>
+                            </p:childTnLst>
+                          </p:cTn>
+                        </p:par>
+                      </p:childTnLst>
+                    </p:cTn>
+                  </p:par>
+                  <p:par>
+                    <p:cTn id="11" fill="hold">
+                      <p:stCondLst>
+                        <p:cond delay="indefinite"/>
+                      </p:stCondLst>
+                      <p:childTnLst>
+                        <p:par>
+                          <p:cTn id="12" fill="hold">
+                            <p:stCondLst>
+                              <p:cond delay="0"/>
+                            </p:stCondLst>
+                            <p:childTnLst>
+                              <p:par>
+                                <p:cTn id="13" presetID="1" presetClass="entr" presetSubtype="0" fill="hold" nodeType="clickEffect">
+                                  <p:stCondLst>
+                                    <p:cond delay="0"/>
+                                  </p:stCondLst>
+                                  <p:childTnLst>
+                                    <p:set>
+                                      <p:cBhvr>
+                                        <p:cTn id="14" dur="1" fill="hold">
+                                          <p:stCondLst>
+                                            <p:cond delay="0"/>
+                                          </p:stCondLst>
+                                        </p:cTn>
+                                        <p:tgtEl>
+                                          <p:spTgt spid="16"/>
+                                        </p:tgtEl>
+                                        <p:attrNameLst>
+                                          <p:attrName>style.visibility</p:attrName>
+                                        </p:attrNameLst>
+                                      </p:cBhvr>
+                                      <p:to>
+                                        <p:strVal val="visible"/>
+                                      </p:to>
+                                    </p:set>
+                                  </p:childTnLst>
+                                </p:cTn>
+                              </p:par>
+                            </p:childTnLst>
+                          </p:cTn>
+                        </p:par>
+                      </p:childTnLst>
+                    </p:cTn>
+                  </p:par>
+                  <p:par>
+                    <p:cTn id="15" fill="hold">
+                      <p:stCondLst>
+                        <p:cond delay="indefinite"/>
+                      </p:stCondLst>
+                      <p:childTnLst>
+                        <p:par>
+                          <p:cTn id="16" fill="hold">
+                            <p:stCondLst>
+                              <p:cond delay="0"/>
+                            </p:stCondLst>
+                            <p:childTnLst>
+                              <p:par>
+                                <p:cTn id="17" presetID="1" presetClass="entr" presetSubtype="0" fill="hold" nodeType="clickEffect">
+                                  <p:stCondLst>
+                                    <p:cond delay="0"/>
+                                  </p:stCondLst>
+                                  <p:childTnLst>
+                                    <p:set>
+                                      <p:cBhvr>
+                                        <p:cTn id="18" dur="1" fill="hold">
+                                          <p:stCondLst>
+                                            <p:cond delay="0"/>
+                                          </p:stCondLst>
+                                        </p:cTn>
+                                        <p:tgtEl>
+                                          <p:spTgt spid="12">
+                                            <p:txEl>
+                                              <p:pRg st="1" end="1"/>
+                                            </p:txEl>
+                                          </p:spTgt>
+                                        </p:tgtEl>
+                                        <p:attrNameLst>
+                                          <p:attrName>style.visibility</p:attrName>
+                                        </p:attrNameLst>
+                                      </p:cBhvr>
+                                      <p:to>
+                                        <p:strVal val="visible"/>
+                                      </p:to>
+                                    </p:set>
+                                  </p:childTnLst>
+                                </p:cTn>
+                              </p:par>
+                            </p:childTnLst>
+                          </p:cTn>
+                        </p:par>
+                      </p:childTnLst>
+                    </p:cTn>
+                  </p:par>
+                  <p:par>
+                    <p:cTn id="19" fill="hold">
+                      <p:stCondLst>
+                        <p:cond delay="indefinite"/>
+                      </p:stCondLst>
+                      <p:childTnLst>
+                        <p:par>
+                          <p:cTn id="20" fill="hold">
+                            <p:stCondLst>
+                              <p:cond delay="0"/>
+                            </p:stCondLst>
+                            <p:childTnLst>
+                              <p:par>
+                                <p:cTn id="21" presetID="1" presetClass="entr" presetSubtype="0" fill="hold" nodeType="clickEffect">
+                                  <p:stCondLst>
+                                    <p:cond delay="0"/>
+                                  </p:stCondLst>
+                                  <p:childTnLst>
+                                    <p:set>
+                                      <p:cBhvr>
+                                        <p:cTn id="22" dur="1" fill="hold">
+                                          <p:stCondLst>
+                                            <p:cond delay="0"/>
+                                          </p:stCondLst>
+                                        </p:cTn>
+                                        <p:tgtEl>
+                                          <p:spTgt spid="8"/>
+                                        </p:tgtEl>
+                                        <p:attrNameLst>
+                                          <p:attrName>style.visibility</p:attrName>
+                                        </p:attrNameLst>
+                                      </p:cBhvr>
+                                      <p:to>
+                                        <p:strVal val="visible"/>
+                                      </p:to>
+                                    </p:set>
+                                  </p:childTnLst>
+                                </p:cTn>
+                              </p:par>
+                            </p:childTnLst>
+                          </p:cTn>
+                        </p:par>
+                      </p:childTnLst>
+                    </p:cTn>
+                  </p:par>
+                  <p:par>
+                    <p:cTn id="23" fill="hold">
+                      <p:stCondLst>
+                        <p:cond delay="indefinite"/>
+                      </p:stCondLst>
+                      <p:childTnLst>
+                        <p:par>
+                          <p:cTn id="24" fill="hold">
+                            <p:stCondLst>
+                              <p:cond delay="0"/>
+                            </p:stCondLst>
+                            <p:childTnLst>
+                              <p:par>
+                                <p:cTn id="25" presetID="1" presetClass="entr" presetSubtype="0" fill="hold" nodeType="clickEffect">
+                                  <p:stCondLst>
+                                    <p:cond delay="0"/>
+                                  </p:stCondLst>
+                                  <p:childTnLst>
+                                    <p:set>
+                                      <p:cBhvr>
+                                        <p:cTn id="26" dur="1" fill="hold">
+                                          <p:stCondLst>
+                                            <p:cond delay="0"/>
+                                          </p:stCondLst>
+                                        </p:cTn>
+                                        <p:tgtEl>
+                                          <p:spTgt spid="12">
+                                            <p:txEl>
+                                              <p:pRg st="2" end="2"/>
+                                            </p:txEl>
+                                          </p:spTgt>
+                                        </p:tgtEl>
+                                        <p:attrNameLst>
+                                          <p:attrName>style.visibility</p:attrName>
+                                        </p:attrNameLst>
+                                      </p:cBhvr>
+                                      <p:to>
+                                        <p:strVal val="visible"/>
+                                      </p:to>
+                                    </p:set>
+                                  </p:childTnLst>
+                                </p:cTn>
+                              </p:par>
+                            </p:childTnLst>
+                          </p:cTn>
+                        </p:par>
+                      </p:childTnLst>
+                    </p:cTn>
+                  </p:par>
+                  <p:par>
+                    <p:cTn id="27" fill="hold">
+                      <p:stCondLst>
+                        <p:cond delay="indefinite"/>
+                      </p:stCondLst>
+                      <p:childTnLst>
+                        <p:par>
+                          <p:cTn id="28" fill="hold">
+                            <p:stCondLst>
+                              <p:cond delay="0"/>
+                            </p:stCondLst>
+                            <p:childTnLst>
+                              <p:par>
+                                <p:cTn id="29" presetID="1" presetClass="entr" presetSubtype="0" fill="hold" nodeType="clickEffect">
+                                  <p:stCondLst>
+                                    <p:cond delay="0"/>
+                                  </p:stCondLst>
+                                  <p:childTnLst>
+                                    <p:set>
+                                      <p:cBhvr>
+                                        <p:cTn id="30" dur="1" fill="hold">
+                                          <p:stCondLst>
+                                            <p:cond delay="0"/>
+                                          </p:stCondLst>
+                                        </p:cTn>
+                                        <p:tgtEl>
+                                          <p:spTgt spid="12">
+                                            <p:txEl>
+                                              <p:pRg st="3" end="3"/>
+                                            </p:txEl>
+                                          </p:spTgt>
+                                        </p:tgtEl>
+                                        <p:attrNameLst>
+                                          <p:attrName>style.visibility</p:attrName>
+                                        </p:attrNameLst>
+                                      </p:cBhvr>
+                                      <p:to>
+                                        <p:strVal val="visible"/>
+                                      </p:to>
+                                    </p:set>
+                                  </p:childTnLst>
+                                </p:cTn>
+                              </p:par>
+                            </p:childTnLst>
+                          </p:cTn>
+                        </p:par>
+                      </p:childTnLst>
+                    </p:cTn>
+                  </p:par>
+                  <p:par>
+                    <p:cTn id="31" fill="hold">
+                      <p:stCondLst>
+                        <p:cond delay="indefinite"/>
+                      </p:stCondLst>
+                      <p:childTnLst>
+                        <p:par>
+                          <p:cTn id="32" fill="hold">
+                            <p:stCondLst>
+                              <p:cond delay="0"/>
+                            </p:stCondLst>
+                            <p:childTnLst>
+                              <p:par>
+                                <p:cTn id="33" presetID="1" presetClass="entr" presetSubtype="0" fill="hold" nodeType="clickEffect">
+                                  <p:stCondLst>
+                                    <p:cond delay="0"/>
+                                  </p:stCondLst>
+                                  <p:childTnLst>
+                                    <p:set>
+                                      <p:cBhvr>
+                                        <p:cTn id="34" dur="1" fill="hold">
+                                          <p:stCondLst>
+                                            <p:cond delay="0"/>
+                                          </p:stCondLst>
+                                        </p:cTn>
+                                        <p:tgtEl>
+                                          <p:spTgt spid="12">
+                                            <p:txEl>
+                                              <p:pRg st="4" end="4"/>
+                                            </p:txEl>
+                                          </p:spTgt>
+                                        </p:tgtEl>
+                                        <p:attrNameLst>
+                                          <p:attrName>style.visibility</p:attrName>
+                                        </p:attrNameLst>
+                                      </p:cBhvr>
+                                      <p:to>
+                                        <p:strVal val="visible"/>
+                                      </p:to>
+                                    </p:set>
+                                  </p:childTnLst>
+                                </p:cTn>
+                              </p:par>
+                            </p:childTnLst>
+                          </p:cTn>
+                        </p:par>
+                      </p:childTnLst>
+                    </p:cTn>
+                  </p:par>
+                  <p:par>
+                    <p:cTn id="35" fill="hold">
+                      <p:stCondLst>
+                        <p:cond delay="indefinite"/>
+                      </p:stCondLst>
+                      <p:childTnLst>
+                        <p:par>
+                          <p:cTn id="36" fill="hold">
+                            <p:stCondLst>
+                              <p:cond delay="0"/>
+                            </p:stCondLst>
+                            <p:childTnLst>
+                              <p:par>
+                                <p:cTn id="37" presetID="1" presetClass="entr" presetSubtype="0" fill="hold" nodeType="clickEffect">
+                                  <p:stCondLst>
+                                    <p:cond delay="0"/>
+                                  </p:stCondLst>
+                                  <p:childTnLst>
+                                    <p:set>
+                                      <p:cBhvr>
+                                        <p:cTn id="38" dur="1" fill="hold">
+                                          <p:stCondLst>
+                                            <p:cond delay="0"/>
+                                          </p:stCondLst>
+                                        </p:cTn>
+                                        <p:tgtEl>
+                                          <p:spTgt spid="12">
+                                            <p:txEl>
+                                              <p:pRg st="5" end="5"/>
+                                            </p:txEl>
+                                          </p:spTgt>
+                                        </p:tgtEl>
+                                        <p:attrNameLst>
+                                          <p:attrName>style.visibility</p:attrName>
+                                        </p:attrNameLst>
+                                      </p:cBhvr>
+                                      <p:to>
+                                        <p:strVal val="visible"/>
+                                      </p:to>
+                                    </p:set>
+                                  </p:childTnLst>
+                                </p:cTn>
+                              </p:par>
+                            </p:childTnLst>
+                          </p:cTn>
+                        </p:par>
+                      </p:childTnLst>
+                    </p:cTn>
+                  </p:par>
+                  <p:par>
+                    <p:cTn id="39" fill="hold">
+                      <p:stCondLst>
+                        <p:cond delay="indefinite"/>
+                      </p:stCondLst>
+                      <p:childTnLst>
+                        <p:par>
+                          <p:cTn id="40" fill="hold">
+                            <p:stCondLst>
+                              <p:cond delay="0"/>
+                            </p:stCondLst>
+                            <p:childTnLst>
+                              <p:par>
+                                <p:cTn id="41" presetID="1" presetClass="entr" presetSubtype="0" fill="hold" nodeType="clickEffect">
+                                  <p:stCondLst>
+                                    <p:cond delay="0"/>
+                                  </p:stCondLst>
+                                  <p:childTnLst>
+                                    <p:set>
+                                      <p:cBhvr>
+                                        <p:cTn id="42" dur="1" fill="hold">
+                                          <p:stCondLst>
+                                            <p:cond delay="0"/>
+                                          </p:stCondLst>
+                                        </p:cTn>
+                                        <p:tgtEl>
+                                          <p:spTgt spid="14"/>
+                                        </p:tgtEl>
+                                        <p:attrNameLst>
+                                          <p:attrName>style.visibility</p:attrName>
+                                        </p:attrNameLst>
+                                      </p:cBhvr>
+                                      <p:to>
+                                        <p:strVal val="visible"/>
+                                      </p:to>
+                                    </p:set>
+                                  </p:childTnLst>
+                                </p:cTn>
+                              </p:par>
+                            </p:childTnLst>
+                          </p:cTn>
+                        </p:par>
+                      </p:childTnLst>
+                    </p:cTn>
+                  </p:par>
+                </p:childTnLst>
+              </p:cTn>
+              <p:prevCondLst>
+                <p:cond evt="onPrev" delay="0">
+                  <p:tgtEl>
+                    <p:sldTgt/>
+                  </p:tgtEl>
+                </p:cond>
+              </p:prevCondLst>
+              <p:nextCondLst>
+                <p:cond evt="onNext" delay="0">
+                  <p:tgtEl>
+                    <p:sldTgt/>
+                  </p:tgtEl>
+                </p:cond>
+              </p:nextCondLst>
+            </p:seq>
+          </p:childTnLst>
+        </p:cTn>
+      </p:par>
+    </p:tnLst>
+  </p:timing>
 </p:sld>
 </file>
 
@@ -7964,7 +8481,7 @@
           <a:p>
             <a:fld id="{BB7604C3-A478-448A-88D6-07EFA8665C1F}" type="datetime1">
               <a:rPr lang="de-DE" smtClean="0"/>
-              <a:t>04.11.2021</a:t>
+              <a:t>05.11.2021</a:t>
             </a:fld>
             <a:endParaRPr lang="en-US"/>
           </a:p>
@@ -8080,6 +8597,277 @@
   <p:clrMapOvr>
     <a:masterClrMapping/>
   </p:clrMapOvr>
+  <p:timing>
+    <p:tnLst>
+      <p:par>
+        <p:cTn id="1" dur="indefinite" restart="never" nodeType="tmRoot">
+          <p:childTnLst>
+            <p:seq concurrent="1" nextAc="seek">
+              <p:cTn id="2" dur="indefinite" nodeType="mainSeq">
+                <p:childTnLst>
+                  <p:par>
+                    <p:cTn id="3" fill="hold">
+                      <p:stCondLst>
+                        <p:cond delay="indefinite"/>
+                      </p:stCondLst>
+                      <p:childTnLst>
+                        <p:par>
+                          <p:cTn id="4" fill="hold">
+                            <p:stCondLst>
+                              <p:cond delay="0"/>
+                            </p:stCondLst>
+                            <p:childTnLst>
+                              <p:par>
+                                <p:cTn id="5" presetID="1" presetClass="entr" presetSubtype="0" fill="hold" nodeType="clickEffect">
+                                  <p:stCondLst>
+                                    <p:cond delay="0"/>
+                                  </p:stCondLst>
+                                  <p:childTnLst>
+                                    <p:set>
+                                      <p:cBhvr>
+                                        <p:cTn id="6" dur="1" fill="hold">
+                                          <p:stCondLst>
+                                            <p:cond delay="0"/>
+                                          </p:stCondLst>
+                                        </p:cTn>
+                                        <p:tgtEl>
+                                          <p:spTgt spid="3">
+                                            <p:txEl>
+                                              <p:pRg st="0" end="0"/>
+                                            </p:txEl>
+                                          </p:spTgt>
+                                        </p:tgtEl>
+                                        <p:attrNameLst>
+                                          <p:attrName>style.visibility</p:attrName>
+                                        </p:attrNameLst>
+                                      </p:cBhvr>
+                                      <p:to>
+                                        <p:strVal val="visible"/>
+                                      </p:to>
+                                    </p:set>
+                                  </p:childTnLst>
+                                </p:cTn>
+                              </p:par>
+                            </p:childTnLst>
+                          </p:cTn>
+                        </p:par>
+                      </p:childTnLst>
+                    </p:cTn>
+                  </p:par>
+                  <p:par>
+                    <p:cTn id="7" fill="hold">
+                      <p:stCondLst>
+                        <p:cond delay="indefinite"/>
+                      </p:stCondLst>
+                      <p:childTnLst>
+                        <p:par>
+                          <p:cTn id="8" fill="hold">
+                            <p:stCondLst>
+                              <p:cond delay="0"/>
+                            </p:stCondLst>
+                            <p:childTnLst>
+                              <p:par>
+                                <p:cTn id="9" presetID="1" presetClass="entr" presetSubtype="0" fill="hold" nodeType="clickEffect">
+                                  <p:stCondLst>
+                                    <p:cond delay="0"/>
+                                  </p:stCondLst>
+                                  <p:childTnLst>
+                                    <p:set>
+                                      <p:cBhvr>
+                                        <p:cTn id="10" dur="1" fill="hold">
+                                          <p:stCondLst>
+                                            <p:cond delay="0"/>
+                                          </p:stCondLst>
+                                        </p:cTn>
+                                        <p:tgtEl>
+                                          <p:spTgt spid="3">
+                                            <p:txEl>
+                                              <p:pRg st="1" end="1"/>
+                                            </p:txEl>
+                                          </p:spTgt>
+                                        </p:tgtEl>
+                                        <p:attrNameLst>
+                                          <p:attrName>style.visibility</p:attrName>
+                                        </p:attrNameLst>
+                                      </p:cBhvr>
+                                      <p:to>
+                                        <p:strVal val="visible"/>
+                                      </p:to>
+                                    </p:set>
+                                  </p:childTnLst>
+                                </p:cTn>
+                              </p:par>
+                            </p:childTnLst>
+                          </p:cTn>
+                        </p:par>
+                      </p:childTnLst>
+                    </p:cTn>
+                  </p:par>
+                  <p:par>
+                    <p:cTn id="11" fill="hold">
+                      <p:stCondLst>
+                        <p:cond delay="indefinite"/>
+                      </p:stCondLst>
+                      <p:childTnLst>
+                        <p:par>
+                          <p:cTn id="12" fill="hold">
+                            <p:stCondLst>
+                              <p:cond delay="0"/>
+                            </p:stCondLst>
+                            <p:childTnLst>
+                              <p:par>
+                                <p:cTn id="13" presetID="1" presetClass="entr" presetSubtype="0" fill="hold" nodeType="clickEffect">
+                                  <p:stCondLst>
+                                    <p:cond delay="0"/>
+                                  </p:stCondLst>
+                                  <p:childTnLst>
+                                    <p:set>
+                                      <p:cBhvr>
+                                        <p:cTn id="14" dur="1" fill="hold">
+                                          <p:stCondLst>
+                                            <p:cond delay="0"/>
+                                          </p:stCondLst>
+                                        </p:cTn>
+                                        <p:tgtEl>
+                                          <p:spTgt spid="3">
+                                            <p:txEl>
+                                              <p:pRg st="2" end="2"/>
+                                            </p:txEl>
+                                          </p:spTgt>
+                                        </p:tgtEl>
+                                        <p:attrNameLst>
+                                          <p:attrName>style.visibility</p:attrName>
+                                        </p:attrNameLst>
+                                      </p:cBhvr>
+                                      <p:to>
+                                        <p:strVal val="visible"/>
+                                      </p:to>
+                                    </p:set>
+                                  </p:childTnLst>
+                                </p:cTn>
+                              </p:par>
+                            </p:childTnLst>
+                          </p:cTn>
+                        </p:par>
+                      </p:childTnLst>
+                    </p:cTn>
+                  </p:par>
+                  <p:par>
+                    <p:cTn id="15" fill="hold">
+                      <p:stCondLst>
+                        <p:cond delay="indefinite"/>
+                      </p:stCondLst>
+                      <p:childTnLst>
+                        <p:par>
+                          <p:cTn id="16" fill="hold">
+                            <p:stCondLst>
+                              <p:cond delay="0"/>
+                            </p:stCondLst>
+                            <p:childTnLst>
+                              <p:par>
+                                <p:cTn id="17" presetID="1" presetClass="entr" presetSubtype="0" fill="hold" nodeType="clickEffect">
+                                  <p:stCondLst>
+                                    <p:cond delay="0"/>
+                                  </p:stCondLst>
+                                  <p:childTnLst>
+                                    <p:set>
+                                      <p:cBhvr>
+                                        <p:cTn id="18" dur="1" fill="hold">
+                                          <p:stCondLst>
+                                            <p:cond delay="0"/>
+                                          </p:stCondLst>
+                                        </p:cTn>
+                                        <p:tgtEl>
+                                          <p:spTgt spid="3">
+                                            <p:txEl>
+                                              <p:pRg st="3" end="3"/>
+                                            </p:txEl>
+                                          </p:spTgt>
+                                        </p:tgtEl>
+                                        <p:attrNameLst>
+                                          <p:attrName>style.visibility</p:attrName>
+                                        </p:attrNameLst>
+                                      </p:cBhvr>
+                                      <p:to>
+                                        <p:strVal val="visible"/>
+                                      </p:to>
+                                    </p:set>
+                                  </p:childTnLst>
+                                </p:cTn>
+                              </p:par>
+                            </p:childTnLst>
+                          </p:cTn>
+                        </p:par>
+                      </p:childTnLst>
+                    </p:cTn>
+                  </p:par>
+                  <p:par>
+                    <p:cTn id="19" fill="hold">
+                      <p:stCondLst>
+                        <p:cond delay="indefinite"/>
+                      </p:stCondLst>
+                      <p:childTnLst>
+                        <p:par>
+                          <p:cTn id="20" fill="hold">
+                            <p:stCondLst>
+                              <p:cond delay="0"/>
+                            </p:stCondLst>
+                            <p:childTnLst>
+                              <p:par>
+                                <p:cTn id="21" presetID="1" presetClass="entr" presetSubtype="0" fill="hold" nodeType="clickEffect">
+                                  <p:stCondLst>
+                                    <p:cond delay="0"/>
+                                  </p:stCondLst>
+                                  <p:childTnLst>
+                                    <p:set>
+                                      <p:cBhvr>
+                                        <p:cTn id="22" dur="1" fill="hold">
+                                          <p:stCondLst>
+                                            <p:cond delay="0"/>
+                                          </p:stCondLst>
+                                        </p:cTn>
+                                        <p:tgtEl>
+                                          <p:spTgt spid="7"/>
+                                        </p:tgtEl>
+                                        <p:attrNameLst>
+                                          <p:attrName>style.visibility</p:attrName>
+                                        </p:attrNameLst>
+                                      </p:cBhvr>
+                                      <p:to>
+                                        <p:strVal val="visible"/>
+                                      </p:to>
+                                    </p:set>
+                                  </p:childTnLst>
+                                </p:cTn>
+                              </p:par>
+                            </p:childTnLst>
+                          </p:cTn>
+                        </p:par>
+                      </p:childTnLst>
+                    </p:cTn>
+                  </p:par>
+                </p:childTnLst>
+              </p:cTn>
+              <p:prevCondLst>
+                <p:cond evt="onPrev" delay="0">
+                  <p:tgtEl>
+                    <p:sldTgt/>
+                  </p:tgtEl>
+                </p:cond>
+              </p:prevCondLst>
+              <p:nextCondLst>
+                <p:cond evt="onNext" delay="0">
+                  <p:tgtEl>
+                    <p:sldTgt/>
+                  </p:tgtEl>
+                </p:cond>
+              </p:nextCondLst>
+            </p:seq>
+          </p:childTnLst>
+        </p:cTn>
+      </p:par>
+    </p:tnLst>
+  </p:timing>
 </p:sld>
 </file>
 
@@ -8250,7 +9038,7 @@
           <a:p>
             <a:fld id="{BB7604C3-A478-448A-88D6-07EFA8665C1F}" type="datetime1">
               <a:rPr lang="de-DE" smtClean="0"/>
-              <a:t>04.11.2021</a:t>
+              <a:t>05.11.2021</a:t>
             </a:fld>
             <a:endParaRPr lang="en-US"/>
           </a:p>
@@ -8396,7 +9184,7 @@
           <a:p>
             <a:fld id="{BB7604C3-A478-448A-88D6-07EFA8665C1F}" type="datetime1">
               <a:rPr lang="de-DE" smtClean="0"/>
-              <a:t>04.11.2021</a:t>
+              <a:t>05.11.2021</a:t>
             </a:fld>
             <a:endParaRPr lang="en-US"/>
           </a:p>
@@ -8599,7 +9387,7 @@
         </p:spPr>
         <p:txBody>
           <a:bodyPr>
-            <a:normAutofit fontScale="47500" lnSpcReduction="20000"/>
+            <a:normAutofit fontScale="40000" lnSpcReduction="20000"/>
           </a:bodyPr>
           <a:lstStyle/>
           <a:p>
@@ -8662,7 +9450,14 @@
             <a:pPr lvl="1"/>
             <a:r>
               <a:rPr lang="de-DE" sz="3800" b="1" dirty="0"/>
-              <a:t>Implementierung</a:t>
+              <a:t>Implementierung (Eureka-Server)</a:t>
+            </a:r>
+          </a:p>
+          <a:p>
+            <a:pPr lvl="1"/>
+            <a:r>
+              <a:rPr lang="de-DE" sz="3800" b="1" dirty="0"/>
+              <a:t>Implementierung (Eureka-Client)</a:t>
             </a:r>
           </a:p>
           <a:p>
@@ -8739,7 +9534,7 @@
           <a:p>
             <a:fld id="{BB7604C3-A478-448A-88D6-07EFA8665C1F}" type="datetime1">
               <a:rPr lang="de-DE" smtClean="0"/>
-              <a:t>04.11.2021</a:t>
+              <a:t>05.11.2021</a:t>
             </a:fld>
             <a:endParaRPr lang="en-US"/>
           </a:p>
@@ -8941,7 +9736,7 @@
           <a:p>
             <a:fld id="{BB7604C3-A478-448A-88D6-07EFA8665C1F}" type="datetime1">
               <a:rPr lang="de-DE" smtClean="0"/>
-              <a:t>04.11.2021</a:t>
+              <a:t>05.11.2021</a:t>
             </a:fld>
             <a:endParaRPr lang="en-US"/>
           </a:p>
@@ -9121,7 +9916,12 @@
             <p:ph idx="1"/>
           </p:nvPr>
         </p:nvSpPr>
-        <p:spPr/>
+        <p:spPr>
+          <a:xfrm>
+            <a:off x="1614650" y="2052116"/>
+            <a:ext cx="4045370" cy="3997828"/>
+          </a:xfrm>
+        </p:spPr>
         <p:txBody>
           <a:bodyPr/>
           <a:lstStyle/>
@@ -9134,6 +9934,12 @@
           <a:p>
             <a:r>
               <a:rPr lang="de-DE" dirty="0"/>
+              <a:t>Leicht über Spring zu integrieren</a:t>
+            </a:r>
+          </a:p>
+          <a:p>
+            <a:r>
+              <a:rPr lang="de-DE" dirty="0"/>
               <a:t>Alternativen: NGINX (serverseitig), </a:t>
             </a:r>
             <a:r>
@@ -9142,13 +9948,8 @@
             </a:r>
             <a:r>
               <a:rPr lang="de-DE" dirty="0"/>
-              <a:t> (</a:t>
-            </a:r>
-            <a:r>
-              <a:rPr lang="de-DE"/>
-              <a:t>clientseitig), …</a:t>
-            </a:r>
-            <a:endParaRPr lang="de-DE" dirty="0"/>
+              <a:t> (clientseitig), …</a:t>
+            </a:r>
           </a:p>
         </p:txBody>
       </p:sp>
@@ -9175,7 +9976,7 @@
           <a:p>
             <a:fld id="{BB7604C3-A478-448A-88D6-07EFA8665C1F}" type="datetime1">
               <a:rPr lang="de-DE" smtClean="0"/>
-              <a:t>04.11.2021</a:t>
+              <a:t>05.11.2021</a:t>
             </a:fld>
             <a:endParaRPr lang="en-US"/>
           </a:p>
@@ -9240,10 +10041,888 @@
           </a:p>
         </p:txBody>
       </p:sp>
+      <p:pic>
+        <p:nvPicPr>
+          <p:cNvPr id="7" name="Grafik 6">
+            <a:extLst>
+              <a:ext uri="{FF2B5EF4-FFF2-40B4-BE49-F238E27FC236}">
+                <a16:creationId xmlns:a16="http://schemas.microsoft.com/office/drawing/2014/main" id="{2050B92F-0B02-4B4A-BAB0-14D5644E1C9F}"/>
+              </a:ext>
+            </a:extLst>
+          </p:cNvPr>
+          <p:cNvPicPr>
+            <a:picLocks noChangeAspect="1"/>
+          </p:cNvPicPr>
+          <p:nvPr/>
+        </p:nvPicPr>
+        <p:blipFill>
+          <a:blip r:embed="rId2" cstate="print">
+            <a:extLst>
+              <a:ext uri="{28A0092B-C50C-407E-A947-70E740481C1C}">
+                <a14:useLocalDpi xmlns:a14="http://schemas.microsoft.com/office/drawing/2010/main" val="0"/>
+              </a:ext>
+            </a:extLst>
+          </a:blip>
+          <a:srcRect/>
+          <a:stretch>
+            <a:fillRect/>
+          </a:stretch>
+        </p:blipFill>
+        <p:spPr bwMode="auto">
+          <a:xfrm>
+            <a:off x="5908472" y="2217177"/>
+            <a:ext cx="6032960" cy="3168066"/>
+          </a:xfrm>
+          <a:prstGeom prst="rect">
+            <a:avLst/>
+          </a:prstGeom>
+          <a:noFill/>
+          <a:ln>
+            <a:noFill/>
+          </a:ln>
+        </p:spPr>
+      </p:pic>
     </p:spTree>
     <p:extLst>
       <p:ext uri="{BB962C8B-B14F-4D97-AF65-F5344CB8AC3E}">
         <p14:creationId xmlns:p14="http://schemas.microsoft.com/office/powerpoint/2010/main" val="91511498"/>
+      </p:ext>
+    </p:extLst>
+  </p:cSld>
+  <p:clrMapOvr>
+    <a:masterClrMapping/>
+  </p:clrMapOvr>
+</p:sld>
+</file>
+
+<file path=ppt/slides/slide17.xml><?xml version="1.0" encoding="utf-8"?>
+<p:sld xmlns:a="http://schemas.openxmlformats.org/drawingml/2006/main" xmlns:r="http://schemas.openxmlformats.org/officeDocument/2006/relationships" xmlns:p="http://schemas.openxmlformats.org/presentationml/2006/main">
+  <p:cSld>
+    <p:spTree>
+      <p:nvGrpSpPr>
+        <p:cNvPr id="1" name=""/>
+        <p:cNvGrpSpPr/>
+        <p:nvPr/>
+      </p:nvGrpSpPr>
+      <p:grpSpPr>
+        <a:xfrm>
+          <a:off x="0" y="0"/>
+          <a:ext cx="0" cy="0"/>
+          <a:chOff x="0" y="0"/>
+          <a:chExt cx="0" cy="0"/>
+        </a:xfrm>
+      </p:grpSpPr>
+      <p:sp>
+        <p:nvSpPr>
+          <p:cNvPr id="2" name="Titel 1">
+            <a:extLst>
+              <a:ext uri="{FF2B5EF4-FFF2-40B4-BE49-F238E27FC236}">
+                <a16:creationId xmlns:a16="http://schemas.microsoft.com/office/drawing/2014/main" id="{B239AC1F-FD3E-4C2A-AB36-1E0EB6A237CF}"/>
+              </a:ext>
+            </a:extLst>
+          </p:cNvPr>
+          <p:cNvSpPr>
+            <a:spLocks noGrp="1"/>
+          </p:cNvSpPr>
+          <p:nvPr>
+            <p:ph type="title"/>
+          </p:nvPr>
+        </p:nvSpPr>
+        <p:spPr/>
+        <p:txBody>
+          <a:bodyPr/>
+          <a:lstStyle/>
+          <a:p>
+            <a:r>
+              <a:rPr lang="de-DE" dirty="0"/>
+              <a:t>Service Discovery - Implementierung (Eureka-Server)</a:t>
+            </a:r>
+          </a:p>
+        </p:txBody>
+      </p:sp>
+      <p:sp>
+        <p:nvSpPr>
+          <p:cNvPr id="3" name="Inhaltsplatzhalter 2">
+            <a:extLst>
+              <a:ext uri="{FF2B5EF4-FFF2-40B4-BE49-F238E27FC236}">
+                <a16:creationId xmlns:a16="http://schemas.microsoft.com/office/drawing/2014/main" id="{D45A52AF-2CE8-4B0F-8F21-A2B387FACE1E}"/>
+              </a:ext>
+            </a:extLst>
+          </p:cNvPr>
+          <p:cNvSpPr>
+            <a:spLocks noGrp="1"/>
+          </p:cNvSpPr>
+          <p:nvPr>
+            <p:ph idx="1"/>
+          </p:nvPr>
+        </p:nvSpPr>
+        <p:spPr>
+          <a:xfrm>
+            <a:off x="1614649" y="1573441"/>
+            <a:ext cx="7796540" cy="3711117"/>
+          </a:xfrm>
+        </p:spPr>
+        <p:txBody>
+          <a:bodyPr/>
+          <a:lstStyle/>
+          <a:p>
+            <a:r>
+              <a:rPr lang="de-DE" dirty="0">
+                <a:effectLst/>
+                <a:latin typeface="Arial" panose="020B0604020202020204" pitchFamily="34" charset="0"/>
+                <a:ea typeface="Calibri" panose="020F0502020204030204" pitchFamily="34" charset="0"/>
+                <a:cs typeface="Times New Roman" panose="02020603050405020304" pitchFamily="18" charset="0"/>
+              </a:rPr>
+              <a:t>Annotation @EnableEurekaServer in Main-Klasse</a:t>
+            </a:r>
+          </a:p>
+          <a:p>
+            <a:r>
+              <a:rPr lang="de-DE" dirty="0">
+                <a:effectLst/>
+                <a:latin typeface="Arial" panose="020B0604020202020204" pitchFamily="34" charset="0"/>
+                <a:ea typeface="Calibri" panose="020F0502020204030204" pitchFamily="34" charset="0"/>
+                <a:cs typeface="Times New Roman" panose="02020603050405020304" pitchFamily="18" charset="0"/>
+              </a:rPr>
+              <a:t>Abhängigkeit spring-</a:t>
+            </a:r>
+            <a:r>
+              <a:rPr lang="de-DE" dirty="0" err="1">
+                <a:effectLst/>
+                <a:latin typeface="Arial" panose="020B0604020202020204" pitchFamily="34" charset="0"/>
+                <a:ea typeface="Calibri" panose="020F0502020204030204" pitchFamily="34" charset="0"/>
+                <a:cs typeface="Times New Roman" panose="02020603050405020304" pitchFamily="18" charset="0"/>
+              </a:rPr>
+              <a:t>cloud</a:t>
+            </a:r>
+            <a:r>
+              <a:rPr lang="de-DE" dirty="0">
+                <a:effectLst/>
+                <a:latin typeface="Arial" panose="020B0604020202020204" pitchFamily="34" charset="0"/>
+                <a:ea typeface="Calibri" panose="020F0502020204030204" pitchFamily="34" charset="0"/>
+                <a:cs typeface="Times New Roman" panose="02020603050405020304" pitchFamily="18" charset="0"/>
+              </a:rPr>
+              <a:t>-starter-</a:t>
+            </a:r>
+            <a:r>
+              <a:rPr lang="de-DE" dirty="0" err="1">
+                <a:effectLst/>
+                <a:latin typeface="Arial" panose="020B0604020202020204" pitchFamily="34" charset="0"/>
+                <a:ea typeface="Calibri" panose="020F0502020204030204" pitchFamily="34" charset="0"/>
+                <a:cs typeface="Times New Roman" panose="02020603050405020304" pitchFamily="18" charset="0"/>
+              </a:rPr>
+              <a:t>netflix</a:t>
+            </a:r>
+            <a:r>
+              <a:rPr lang="de-DE" dirty="0">
+                <a:effectLst/>
+                <a:latin typeface="Arial" panose="020B0604020202020204" pitchFamily="34" charset="0"/>
+                <a:ea typeface="Calibri" panose="020F0502020204030204" pitchFamily="34" charset="0"/>
+                <a:cs typeface="Times New Roman" panose="02020603050405020304" pitchFamily="18" charset="0"/>
+              </a:rPr>
+              <a:t>-</a:t>
+            </a:r>
+            <a:r>
+              <a:rPr lang="de-DE" dirty="0" err="1">
+                <a:effectLst/>
+                <a:latin typeface="Arial" panose="020B0604020202020204" pitchFamily="34" charset="0"/>
+                <a:ea typeface="Calibri" panose="020F0502020204030204" pitchFamily="34" charset="0"/>
+                <a:cs typeface="Times New Roman" panose="02020603050405020304" pitchFamily="18" charset="0"/>
+              </a:rPr>
+              <a:t>eureka</a:t>
+            </a:r>
+            <a:r>
+              <a:rPr lang="de-DE" dirty="0">
+                <a:effectLst/>
+                <a:latin typeface="Arial" panose="020B0604020202020204" pitchFamily="34" charset="0"/>
+                <a:ea typeface="Calibri" panose="020F0502020204030204" pitchFamily="34" charset="0"/>
+                <a:cs typeface="Times New Roman" panose="02020603050405020304" pitchFamily="18" charset="0"/>
+              </a:rPr>
+              <a:t>-server in pom.xml</a:t>
+            </a:r>
+          </a:p>
+          <a:p>
+            <a:endParaRPr lang="de-DE" dirty="0"/>
+          </a:p>
+        </p:txBody>
+      </p:sp>
+      <p:sp>
+        <p:nvSpPr>
+          <p:cNvPr id="4" name="Datumsplatzhalter 3">
+            <a:extLst>
+              <a:ext uri="{FF2B5EF4-FFF2-40B4-BE49-F238E27FC236}">
+                <a16:creationId xmlns:a16="http://schemas.microsoft.com/office/drawing/2014/main" id="{7845BC14-2D1A-40CC-8839-CF8D8CC43F99}"/>
+              </a:ext>
+            </a:extLst>
+          </p:cNvPr>
+          <p:cNvSpPr>
+            <a:spLocks noGrp="1"/>
+          </p:cNvSpPr>
+          <p:nvPr>
+            <p:ph type="dt" sz="half" idx="10"/>
+          </p:nvPr>
+        </p:nvSpPr>
+        <p:spPr/>
+        <p:txBody>
+          <a:bodyPr/>
+          <a:lstStyle/>
+          <a:p>
+            <a:fld id="{BB7604C3-A478-448A-88D6-07EFA8665C1F}" type="datetime1">
+              <a:rPr lang="de-DE" smtClean="0"/>
+              <a:t>05.11.2021</a:t>
+            </a:fld>
+            <a:endParaRPr lang="en-US"/>
+          </a:p>
+        </p:txBody>
+      </p:sp>
+      <p:sp>
+        <p:nvSpPr>
+          <p:cNvPr id="5" name="Fußzeilenplatzhalter 4">
+            <a:extLst>
+              <a:ext uri="{FF2B5EF4-FFF2-40B4-BE49-F238E27FC236}">
+                <a16:creationId xmlns:a16="http://schemas.microsoft.com/office/drawing/2014/main" id="{F1C5999E-6C68-4295-BBEB-B308FC41D7A9}"/>
+              </a:ext>
+            </a:extLst>
+          </p:cNvPr>
+          <p:cNvSpPr>
+            <a:spLocks noGrp="1"/>
+          </p:cNvSpPr>
+          <p:nvPr>
+            <p:ph type="ftr" sz="quarter" idx="11"/>
+          </p:nvPr>
+        </p:nvSpPr>
+        <p:spPr/>
+        <p:txBody>
+          <a:bodyPr/>
+          <a:lstStyle/>
+          <a:p>
+            <a:pPr algn="ctr"/>
+            <a:r>
+              <a:rPr lang="en-US"/>
+              <a:t>Benjamin Swarovsky</a:t>
+            </a:r>
+            <a:endParaRPr lang="en-US" dirty="0"/>
+          </a:p>
+        </p:txBody>
+      </p:sp>
+      <p:sp>
+        <p:nvSpPr>
+          <p:cNvPr id="6" name="Foliennummernplatzhalter 5">
+            <a:extLst>
+              <a:ext uri="{FF2B5EF4-FFF2-40B4-BE49-F238E27FC236}">
+                <a16:creationId xmlns:a16="http://schemas.microsoft.com/office/drawing/2014/main" id="{46BD750B-F73E-42D5-A36A-AF829A2FA745}"/>
+              </a:ext>
+            </a:extLst>
+          </p:cNvPr>
+          <p:cNvSpPr>
+            <a:spLocks noGrp="1"/>
+          </p:cNvSpPr>
+          <p:nvPr>
+            <p:ph type="sldNum" sz="quarter" idx="12"/>
+          </p:nvPr>
+        </p:nvSpPr>
+        <p:spPr/>
+        <p:txBody>
+          <a:bodyPr/>
+          <a:lstStyle/>
+          <a:p>
+            <a:fld id="{6D22F896-40B5-4ADD-8801-0D06FADFA095}" type="slidenum">
+              <a:rPr lang="en-US" smtClean="0"/>
+              <a:t>17</a:t>
+            </a:fld>
+            <a:endParaRPr lang="en-US"/>
+          </a:p>
+        </p:txBody>
+      </p:sp>
+      <p:pic>
+        <p:nvPicPr>
+          <p:cNvPr id="8" name="Grafik 7" descr="Ein Bild, das Text enthält.&#10;&#10;Automatisch generierte Beschreibung">
+            <a:extLst>
+              <a:ext uri="{FF2B5EF4-FFF2-40B4-BE49-F238E27FC236}">
+                <a16:creationId xmlns:a16="http://schemas.microsoft.com/office/drawing/2014/main" id="{E0B94D53-0D48-4561-8FF7-F3A379452EB6}"/>
+              </a:ext>
+            </a:extLst>
+          </p:cNvPr>
+          <p:cNvPicPr>
+            <a:picLocks noChangeAspect="1"/>
+          </p:cNvPicPr>
+          <p:nvPr/>
+        </p:nvPicPr>
+        <p:blipFill>
+          <a:blip r:embed="rId2"/>
+          <a:stretch>
+            <a:fillRect/>
+          </a:stretch>
+        </p:blipFill>
+        <p:spPr>
+          <a:xfrm>
+            <a:off x="1873557" y="4040002"/>
+            <a:ext cx="7278723" cy="1862945"/>
+          </a:xfrm>
+          <a:prstGeom prst="rect">
+            <a:avLst/>
+          </a:prstGeom>
+        </p:spPr>
+      </p:pic>
+    </p:spTree>
+    <p:extLst>
+      <p:ext uri="{BB962C8B-B14F-4D97-AF65-F5344CB8AC3E}">
+        <p14:creationId xmlns:p14="http://schemas.microsoft.com/office/powerpoint/2010/main" val="2186707419"/>
+      </p:ext>
+    </p:extLst>
+  </p:cSld>
+  <p:clrMapOvr>
+    <a:masterClrMapping/>
+  </p:clrMapOvr>
+</p:sld>
+</file>
+
+<file path=ppt/slides/slide18.xml><?xml version="1.0" encoding="utf-8"?>
+<p:sld xmlns:a="http://schemas.openxmlformats.org/drawingml/2006/main" xmlns:r="http://schemas.openxmlformats.org/officeDocument/2006/relationships" xmlns:p="http://schemas.openxmlformats.org/presentationml/2006/main">
+  <p:cSld>
+    <p:spTree>
+      <p:nvGrpSpPr>
+        <p:cNvPr id="1" name=""/>
+        <p:cNvGrpSpPr/>
+        <p:nvPr/>
+      </p:nvGrpSpPr>
+      <p:grpSpPr>
+        <a:xfrm>
+          <a:off x="0" y="0"/>
+          <a:ext cx="0" cy="0"/>
+          <a:chOff x="0" y="0"/>
+          <a:chExt cx="0" cy="0"/>
+        </a:xfrm>
+      </p:grpSpPr>
+      <p:sp>
+        <p:nvSpPr>
+          <p:cNvPr id="2" name="Titel 1">
+            <a:extLst>
+              <a:ext uri="{FF2B5EF4-FFF2-40B4-BE49-F238E27FC236}">
+                <a16:creationId xmlns:a16="http://schemas.microsoft.com/office/drawing/2014/main" id="{023B68BE-CD61-4C7B-BD41-CBB17BA140CD}"/>
+              </a:ext>
+            </a:extLst>
+          </p:cNvPr>
+          <p:cNvSpPr>
+            <a:spLocks noGrp="1"/>
+          </p:cNvSpPr>
+          <p:nvPr>
+            <p:ph type="title"/>
+          </p:nvPr>
+        </p:nvSpPr>
+        <p:spPr/>
+        <p:txBody>
+          <a:bodyPr/>
+          <a:lstStyle/>
+          <a:p>
+            <a:r>
+              <a:rPr lang="de-DE" dirty="0"/>
+              <a:t>Service Discovery Implementierung (Eureka-Client)</a:t>
+            </a:r>
+          </a:p>
+        </p:txBody>
+      </p:sp>
+      <p:sp>
+        <p:nvSpPr>
+          <p:cNvPr id="3" name="Inhaltsplatzhalter 2">
+            <a:extLst>
+              <a:ext uri="{FF2B5EF4-FFF2-40B4-BE49-F238E27FC236}">
+                <a16:creationId xmlns:a16="http://schemas.microsoft.com/office/drawing/2014/main" id="{8FC2FB1D-4881-410F-93F9-E1B090C23DB6}"/>
+              </a:ext>
+            </a:extLst>
+          </p:cNvPr>
+          <p:cNvSpPr>
+            <a:spLocks noGrp="1"/>
+          </p:cNvSpPr>
+          <p:nvPr>
+            <p:ph idx="1"/>
+          </p:nvPr>
+        </p:nvSpPr>
+        <p:spPr>
+          <a:xfrm>
+            <a:off x="1614650" y="1605802"/>
+            <a:ext cx="7796540" cy="3997828"/>
+          </a:xfrm>
+        </p:spPr>
+        <p:txBody>
+          <a:bodyPr/>
+          <a:lstStyle/>
+          <a:p>
+            <a:r>
+              <a:rPr lang="de-DE" dirty="0">
+                <a:effectLst/>
+                <a:latin typeface="Arial" panose="020B0604020202020204" pitchFamily="34" charset="0"/>
+                <a:ea typeface="Calibri" panose="020F0502020204030204" pitchFamily="34" charset="0"/>
+                <a:cs typeface="Times New Roman" panose="02020603050405020304" pitchFamily="18" charset="0"/>
+              </a:rPr>
+              <a:t>Annotation @EnableEurekaClient in Main-Klasse</a:t>
+            </a:r>
+          </a:p>
+          <a:p>
+            <a:r>
+              <a:rPr lang="de-DE" dirty="0">
+                <a:effectLst/>
+                <a:latin typeface="Arial" panose="020B0604020202020204" pitchFamily="34" charset="0"/>
+                <a:ea typeface="Calibri" panose="020F0502020204030204" pitchFamily="34" charset="0"/>
+                <a:cs typeface="Times New Roman" panose="02020603050405020304" pitchFamily="18" charset="0"/>
+              </a:rPr>
+              <a:t>Abhängigkeit spring-</a:t>
+            </a:r>
+            <a:r>
+              <a:rPr lang="de-DE" dirty="0" err="1">
+                <a:effectLst/>
+                <a:latin typeface="Arial" panose="020B0604020202020204" pitchFamily="34" charset="0"/>
+                <a:ea typeface="Calibri" panose="020F0502020204030204" pitchFamily="34" charset="0"/>
+                <a:cs typeface="Times New Roman" panose="02020603050405020304" pitchFamily="18" charset="0"/>
+              </a:rPr>
+              <a:t>cloud</a:t>
+            </a:r>
+            <a:r>
+              <a:rPr lang="de-DE" dirty="0">
+                <a:effectLst/>
+                <a:latin typeface="Arial" panose="020B0604020202020204" pitchFamily="34" charset="0"/>
+                <a:ea typeface="Calibri" panose="020F0502020204030204" pitchFamily="34" charset="0"/>
+                <a:cs typeface="Times New Roman" panose="02020603050405020304" pitchFamily="18" charset="0"/>
+              </a:rPr>
+              <a:t>-starter-</a:t>
+            </a:r>
+            <a:r>
+              <a:rPr lang="de-DE" dirty="0" err="1">
+                <a:effectLst/>
+                <a:latin typeface="Arial" panose="020B0604020202020204" pitchFamily="34" charset="0"/>
+                <a:ea typeface="Calibri" panose="020F0502020204030204" pitchFamily="34" charset="0"/>
+                <a:cs typeface="Times New Roman" panose="02020603050405020304" pitchFamily="18" charset="0"/>
+              </a:rPr>
+              <a:t>netflix</a:t>
+            </a:r>
+            <a:r>
+              <a:rPr lang="de-DE" dirty="0">
+                <a:effectLst/>
+                <a:latin typeface="Arial" panose="020B0604020202020204" pitchFamily="34" charset="0"/>
+                <a:ea typeface="Calibri" panose="020F0502020204030204" pitchFamily="34" charset="0"/>
+                <a:cs typeface="Times New Roman" panose="02020603050405020304" pitchFamily="18" charset="0"/>
+              </a:rPr>
+              <a:t>-</a:t>
+            </a:r>
+            <a:r>
+              <a:rPr lang="de-DE" dirty="0" err="1">
+                <a:effectLst/>
+                <a:latin typeface="Arial" panose="020B0604020202020204" pitchFamily="34" charset="0"/>
+                <a:ea typeface="Calibri" panose="020F0502020204030204" pitchFamily="34" charset="0"/>
+                <a:cs typeface="Times New Roman" panose="02020603050405020304" pitchFamily="18" charset="0"/>
+              </a:rPr>
+              <a:t>eureka</a:t>
+            </a:r>
+            <a:r>
+              <a:rPr lang="de-DE" dirty="0">
+                <a:effectLst/>
+                <a:latin typeface="Arial" panose="020B0604020202020204" pitchFamily="34" charset="0"/>
+                <a:ea typeface="Calibri" panose="020F0502020204030204" pitchFamily="34" charset="0"/>
+                <a:cs typeface="Times New Roman" panose="02020603050405020304" pitchFamily="18" charset="0"/>
+              </a:rPr>
+              <a:t>-client in pom.xml</a:t>
+            </a:r>
+          </a:p>
+          <a:p>
+            <a:pPr lvl="1"/>
+            <a:endParaRPr lang="de-DE" sz="1800" dirty="0">
+              <a:effectLst/>
+              <a:latin typeface="Arial" panose="020B0604020202020204" pitchFamily="34" charset="0"/>
+              <a:ea typeface="Calibri" panose="020F0502020204030204" pitchFamily="34" charset="0"/>
+              <a:cs typeface="Times New Roman" panose="02020603050405020304" pitchFamily="18" charset="0"/>
+            </a:endParaRPr>
+          </a:p>
+          <a:p>
+            <a:pPr lvl="1"/>
+            <a:endParaRPr lang="de-DE" dirty="0"/>
+          </a:p>
+        </p:txBody>
+      </p:sp>
+      <p:sp>
+        <p:nvSpPr>
+          <p:cNvPr id="4" name="Datumsplatzhalter 3">
+            <a:extLst>
+              <a:ext uri="{FF2B5EF4-FFF2-40B4-BE49-F238E27FC236}">
+                <a16:creationId xmlns:a16="http://schemas.microsoft.com/office/drawing/2014/main" id="{B9C62AF2-E59F-42EE-963C-BE5564ED29D0}"/>
+              </a:ext>
+            </a:extLst>
+          </p:cNvPr>
+          <p:cNvSpPr>
+            <a:spLocks noGrp="1"/>
+          </p:cNvSpPr>
+          <p:nvPr>
+            <p:ph type="dt" sz="half" idx="10"/>
+          </p:nvPr>
+        </p:nvSpPr>
+        <p:spPr/>
+        <p:txBody>
+          <a:bodyPr/>
+          <a:lstStyle/>
+          <a:p>
+            <a:fld id="{BB7604C3-A478-448A-88D6-07EFA8665C1F}" type="datetime1">
+              <a:rPr lang="de-DE" smtClean="0"/>
+              <a:t>05.11.2021</a:t>
+            </a:fld>
+            <a:endParaRPr lang="en-US"/>
+          </a:p>
+        </p:txBody>
+      </p:sp>
+      <p:sp>
+        <p:nvSpPr>
+          <p:cNvPr id="5" name="Fußzeilenplatzhalter 4">
+            <a:extLst>
+              <a:ext uri="{FF2B5EF4-FFF2-40B4-BE49-F238E27FC236}">
+                <a16:creationId xmlns:a16="http://schemas.microsoft.com/office/drawing/2014/main" id="{CB0AD5D3-6A95-47CE-BDBD-19BC5E6A81D1}"/>
+              </a:ext>
+            </a:extLst>
+          </p:cNvPr>
+          <p:cNvSpPr>
+            <a:spLocks noGrp="1"/>
+          </p:cNvSpPr>
+          <p:nvPr>
+            <p:ph type="ftr" sz="quarter" idx="11"/>
+          </p:nvPr>
+        </p:nvSpPr>
+        <p:spPr/>
+        <p:txBody>
+          <a:bodyPr/>
+          <a:lstStyle/>
+          <a:p>
+            <a:pPr algn="ctr"/>
+            <a:r>
+              <a:rPr lang="en-US"/>
+              <a:t>Benjamin Swarovsky</a:t>
+            </a:r>
+            <a:endParaRPr lang="en-US" dirty="0"/>
+          </a:p>
+        </p:txBody>
+      </p:sp>
+      <p:sp>
+        <p:nvSpPr>
+          <p:cNvPr id="6" name="Foliennummernplatzhalter 5">
+            <a:extLst>
+              <a:ext uri="{FF2B5EF4-FFF2-40B4-BE49-F238E27FC236}">
+                <a16:creationId xmlns:a16="http://schemas.microsoft.com/office/drawing/2014/main" id="{51A25D48-2FB1-4B56-BC88-DD75AC676FAC}"/>
+              </a:ext>
+            </a:extLst>
+          </p:cNvPr>
+          <p:cNvSpPr>
+            <a:spLocks noGrp="1"/>
+          </p:cNvSpPr>
+          <p:nvPr>
+            <p:ph type="sldNum" sz="quarter" idx="12"/>
+          </p:nvPr>
+        </p:nvSpPr>
+        <p:spPr/>
+        <p:txBody>
+          <a:bodyPr/>
+          <a:lstStyle/>
+          <a:p>
+            <a:fld id="{6D22F896-40B5-4ADD-8801-0D06FADFA095}" type="slidenum">
+              <a:rPr lang="en-US" smtClean="0"/>
+              <a:t>18</a:t>
+            </a:fld>
+            <a:endParaRPr lang="en-US"/>
+          </a:p>
+        </p:txBody>
+      </p:sp>
+      <p:pic>
+        <p:nvPicPr>
+          <p:cNvPr id="8" name="Grafik 7" descr="Ein Bild, das Text enthält.&#10;&#10;Automatisch generierte Beschreibung">
+            <a:extLst>
+              <a:ext uri="{FF2B5EF4-FFF2-40B4-BE49-F238E27FC236}">
+                <a16:creationId xmlns:a16="http://schemas.microsoft.com/office/drawing/2014/main" id="{801A57D6-5498-48D9-AB8B-945E542EE4D4}"/>
+              </a:ext>
+            </a:extLst>
+          </p:cNvPr>
+          <p:cNvPicPr>
+            <a:picLocks noChangeAspect="1"/>
+          </p:cNvPicPr>
+          <p:nvPr/>
+        </p:nvPicPr>
+        <p:blipFill>
+          <a:blip r:embed="rId2"/>
+          <a:stretch>
+            <a:fillRect/>
+          </a:stretch>
+        </p:blipFill>
+        <p:spPr>
+          <a:xfrm>
+            <a:off x="1799411" y="4114607"/>
+            <a:ext cx="7717058" cy="1302321"/>
+          </a:xfrm>
+          <a:prstGeom prst="rect">
+            <a:avLst/>
+          </a:prstGeom>
+        </p:spPr>
+      </p:pic>
+    </p:spTree>
+    <p:extLst>
+      <p:ext uri="{BB962C8B-B14F-4D97-AF65-F5344CB8AC3E}">
+        <p14:creationId xmlns:p14="http://schemas.microsoft.com/office/powerpoint/2010/main" val="1581278028"/>
+      </p:ext>
+    </p:extLst>
+  </p:cSld>
+  <p:clrMapOvr>
+    <a:masterClrMapping/>
+  </p:clrMapOvr>
+</p:sld>
+</file>
+
+<file path=ppt/slides/slide19.xml><?xml version="1.0" encoding="utf-8"?>
+<p:sld xmlns:a="http://schemas.openxmlformats.org/drawingml/2006/main" xmlns:r="http://schemas.openxmlformats.org/officeDocument/2006/relationships" xmlns:p="http://schemas.openxmlformats.org/presentationml/2006/main">
+  <p:cSld>
+    <p:spTree>
+      <p:nvGrpSpPr>
+        <p:cNvPr id="1" name=""/>
+        <p:cNvGrpSpPr/>
+        <p:nvPr/>
+      </p:nvGrpSpPr>
+      <p:grpSpPr>
+        <a:xfrm>
+          <a:off x="0" y="0"/>
+          <a:ext cx="0" cy="0"/>
+          <a:chOff x="0" y="0"/>
+          <a:chExt cx="0" cy="0"/>
+        </a:xfrm>
+      </p:grpSpPr>
+      <p:sp>
+        <p:nvSpPr>
+          <p:cNvPr id="2" name="Titel 1">
+            <a:extLst>
+              <a:ext uri="{FF2B5EF4-FFF2-40B4-BE49-F238E27FC236}">
+                <a16:creationId xmlns:a16="http://schemas.microsoft.com/office/drawing/2014/main" id="{97E854AF-370A-4DD2-B05B-BA9F47E75C37}"/>
+              </a:ext>
+            </a:extLst>
+          </p:cNvPr>
+          <p:cNvSpPr>
+            <a:spLocks noGrp="1"/>
+          </p:cNvSpPr>
+          <p:nvPr>
+            <p:ph type="title"/>
+          </p:nvPr>
+        </p:nvSpPr>
+        <p:spPr/>
+        <p:txBody>
+          <a:bodyPr/>
+          <a:lstStyle/>
+          <a:p>
+            <a:endParaRPr lang="de-DE" dirty="0"/>
+          </a:p>
+        </p:txBody>
+      </p:sp>
+      <p:sp>
+        <p:nvSpPr>
+          <p:cNvPr id="3" name="Inhaltsplatzhalter 2">
+            <a:extLst>
+              <a:ext uri="{FF2B5EF4-FFF2-40B4-BE49-F238E27FC236}">
+                <a16:creationId xmlns:a16="http://schemas.microsoft.com/office/drawing/2014/main" id="{C98CDAB6-320F-43C1-90E0-C684815DE0C4}"/>
+              </a:ext>
+            </a:extLst>
+          </p:cNvPr>
+          <p:cNvSpPr>
+            <a:spLocks noGrp="1"/>
+          </p:cNvSpPr>
+          <p:nvPr>
+            <p:ph idx="1"/>
+          </p:nvPr>
+        </p:nvSpPr>
+        <p:spPr>
+          <a:xfrm>
+            <a:off x="1614649" y="1685228"/>
+            <a:ext cx="7901820" cy="4749440"/>
+          </a:xfrm>
+        </p:spPr>
+        <p:txBody>
+          <a:bodyPr>
+            <a:normAutofit fontScale="77500" lnSpcReduction="20000"/>
+          </a:bodyPr>
+          <a:lstStyle/>
+          <a:p>
+            <a:r>
+              <a:rPr lang="de-DE" sz="4000" dirty="0">
+                <a:solidFill>
+                  <a:schemeClr val="tx1">
+                    <a:lumMod val="50000"/>
+                  </a:schemeClr>
+                </a:solidFill>
+              </a:rPr>
+              <a:t>Einleitung</a:t>
+            </a:r>
+          </a:p>
+          <a:p>
+            <a:r>
+              <a:rPr lang="de-DE" sz="4000" dirty="0">
+                <a:solidFill>
+                  <a:schemeClr val="tx1">
+                    <a:lumMod val="50000"/>
+                  </a:schemeClr>
+                </a:solidFill>
+              </a:rPr>
+              <a:t>Architektur</a:t>
+            </a:r>
+          </a:p>
+          <a:p>
+            <a:r>
+              <a:rPr lang="de-DE" sz="4000" dirty="0">
+                <a:solidFill>
+                  <a:schemeClr val="tx1">
+                    <a:lumMod val="50000"/>
+                  </a:schemeClr>
+                </a:solidFill>
+              </a:rPr>
+              <a:t>API Gateway / Load Balancer</a:t>
+            </a:r>
+          </a:p>
+          <a:p>
+            <a:r>
+              <a:rPr lang="de-DE" sz="4000" b="1" dirty="0">
+                <a:solidFill>
+                  <a:schemeClr val="tx1">
+                    <a:lumMod val="50000"/>
+                  </a:schemeClr>
+                </a:solidFill>
+              </a:rPr>
+              <a:t>Service Discovery</a:t>
+            </a:r>
+          </a:p>
+          <a:p>
+            <a:r>
+              <a:rPr lang="de-DE" sz="4000" b="1" dirty="0"/>
+              <a:t>Zusammenspiel der Technologien</a:t>
+            </a:r>
+          </a:p>
+          <a:p>
+            <a:r>
+              <a:rPr lang="de-DE" sz="4000" dirty="0">
+                <a:solidFill>
+                  <a:schemeClr val="tx1">
+                    <a:lumMod val="75000"/>
+                  </a:schemeClr>
+                </a:solidFill>
+              </a:rPr>
+              <a:t>Auswertung</a:t>
+            </a:r>
+          </a:p>
+          <a:p>
+            <a:r>
+              <a:rPr lang="de-DE" sz="4000" dirty="0">
+                <a:solidFill>
+                  <a:schemeClr val="tx1">
+                    <a:lumMod val="75000"/>
+                  </a:schemeClr>
+                </a:solidFill>
+              </a:rPr>
+              <a:t>Demonstration des Prototypen</a:t>
+            </a:r>
+          </a:p>
+          <a:p>
+            <a:pPr marL="457200" lvl="1" indent="0">
+              <a:buNone/>
+            </a:pPr>
+            <a:endParaRPr lang="de-DE" dirty="0"/>
+          </a:p>
+          <a:p>
+            <a:pPr lvl="1"/>
+            <a:endParaRPr lang="de-DE" dirty="0"/>
+          </a:p>
+          <a:p>
+            <a:endParaRPr lang="de-DE" dirty="0"/>
+          </a:p>
+        </p:txBody>
+      </p:sp>
+      <p:sp>
+        <p:nvSpPr>
+          <p:cNvPr id="4" name="Datumsplatzhalter 3">
+            <a:extLst>
+              <a:ext uri="{FF2B5EF4-FFF2-40B4-BE49-F238E27FC236}">
+                <a16:creationId xmlns:a16="http://schemas.microsoft.com/office/drawing/2014/main" id="{B1C5A0D9-0D16-40F0-A270-E2153F54A613}"/>
+              </a:ext>
+            </a:extLst>
+          </p:cNvPr>
+          <p:cNvSpPr>
+            <a:spLocks noGrp="1"/>
+          </p:cNvSpPr>
+          <p:nvPr>
+            <p:ph type="dt" sz="half" idx="10"/>
+          </p:nvPr>
+        </p:nvSpPr>
+        <p:spPr/>
+        <p:txBody>
+          <a:bodyPr/>
+          <a:lstStyle/>
+          <a:p>
+            <a:fld id="{BB7604C3-A478-448A-88D6-07EFA8665C1F}" type="datetime1">
+              <a:rPr lang="de-DE" smtClean="0"/>
+              <a:t>05.11.2021</a:t>
+            </a:fld>
+            <a:endParaRPr lang="en-US"/>
+          </a:p>
+        </p:txBody>
+      </p:sp>
+      <p:sp>
+        <p:nvSpPr>
+          <p:cNvPr id="5" name="Fußzeilenplatzhalter 4">
+            <a:extLst>
+              <a:ext uri="{FF2B5EF4-FFF2-40B4-BE49-F238E27FC236}">
+                <a16:creationId xmlns:a16="http://schemas.microsoft.com/office/drawing/2014/main" id="{6987783A-1F70-47FB-8650-215BADB0D895}"/>
+              </a:ext>
+            </a:extLst>
+          </p:cNvPr>
+          <p:cNvSpPr>
+            <a:spLocks noGrp="1"/>
+          </p:cNvSpPr>
+          <p:nvPr>
+            <p:ph type="ftr" sz="quarter" idx="11"/>
+          </p:nvPr>
+        </p:nvSpPr>
+        <p:spPr/>
+        <p:txBody>
+          <a:bodyPr/>
+          <a:lstStyle/>
+          <a:p>
+            <a:pPr algn="ctr"/>
+            <a:r>
+              <a:rPr lang="en-US"/>
+              <a:t>Benjamin Swarovsky</a:t>
+            </a:r>
+            <a:endParaRPr lang="en-US" dirty="0"/>
+          </a:p>
+        </p:txBody>
+      </p:sp>
+      <p:sp>
+        <p:nvSpPr>
+          <p:cNvPr id="6" name="Foliennummernplatzhalter 5">
+            <a:extLst>
+              <a:ext uri="{FF2B5EF4-FFF2-40B4-BE49-F238E27FC236}">
+                <a16:creationId xmlns:a16="http://schemas.microsoft.com/office/drawing/2014/main" id="{EDFC56A4-BEFD-4224-A109-1FFEDB0D2EF9}"/>
+              </a:ext>
+            </a:extLst>
+          </p:cNvPr>
+          <p:cNvSpPr>
+            <a:spLocks noGrp="1"/>
+          </p:cNvSpPr>
+          <p:nvPr>
+            <p:ph type="sldNum" sz="quarter" idx="12"/>
+          </p:nvPr>
+        </p:nvSpPr>
+        <p:spPr/>
+        <p:txBody>
+          <a:bodyPr/>
+          <a:lstStyle/>
+          <a:p>
+            <a:fld id="{6D22F896-40B5-4ADD-8801-0D06FADFA095}" type="slidenum">
+              <a:rPr lang="en-US" smtClean="0"/>
+              <a:t>19</a:t>
+            </a:fld>
+            <a:endParaRPr lang="en-US"/>
+          </a:p>
+        </p:txBody>
+      </p:sp>
+    </p:spTree>
+    <p:extLst>
+      <p:ext uri="{BB962C8B-B14F-4D97-AF65-F5344CB8AC3E}">
+        <p14:creationId xmlns:p14="http://schemas.microsoft.com/office/powerpoint/2010/main" val="1152570565"/>
       </p:ext>
     </p:extLst>
   </p:cSld>
@@ -9412,7 +11091,7 @@
           <a:p>
             <a:fld id="{BB7604C3-A478-448A-88D6-07EFA8665C1F}" type="datetime1">
               <a:rPr lang="de-DE" smtClean="0"/>
-              <a:t>04.11.2021</a:t>
+              <a:t>05.11.2021</a:t>
             </a:fld>
             <a:endParaRPr lang="en-US"/>
           </a:p>
@@ -9481,6 +11160,1118 @@
     <p:extLst>
       <p:ext uri="{BB962C8B-B14F-4D97-AF65-F5344CB8AC3E}">
         <p14:creationId xmlns:p14="http://schemas.microsoft.com/office/powerpoint/2010/main" val="1135551138"/>
+      </p:ext>
+    </p:extLst>
+  </p:cSld>
+  <p:clrMapOvr>
+    <a:masterClrMapping/>
+  </p:clrMapOvr>
+</p:sld>
+</file>
+
+<file path=ppt/slides/slide20.xml><?xml version="1.0" encoding="utf-8"?>
+<p:sld xmlns:a="http://schemas.openxmlformats.org/drawingml/2006/main" xmlns:r="http://schemas.openxmlformats.org/officeDocument/2006/relationships" xmlns:p="http://schemas.openxmlformats.org/presentationml/2006/main">
+  <p:cSld>
+    <p:spTree>
+      <p:nvGrpSpPr>
+        <p:cNvPr id="1" name=""/>
+        <p:cNvGrpSpPr/>
+        <p:nvPr/>
+      </p:nvGrpSpPr>
+      <p:grpSpPr>
+        <a:xfrm>
+          <a:off x="0" y="0"/>
+          <a:ext cx="0" cy="0"/>
+          <a:chOff x="0" y="0"/>
+          <a:chExt cx="0" cy="0"/>
+        </a:xfrm>
+      </p:grpSpPr>
+      <p:sp>
+        <p:nvSpPr>
+          <p:cNvPr id="2" name="Titel 1">
+            <a:extLst>
+              <a:ext uri="{FF2B5EF4-FFF2-40B4-BE49-F238E27FC236}">
+                <a16:creationId xmlns:a16="http://schemas.microsoft.com/office/drawing/2014/main" id="{37350839-4570-4F36-91B9-18B6B675424F}"/>
+              </a:ext>
+            </a:extLst>
+          </p:cNvPr>
+          <p:cNvSpPr>
+            <a:spLocks noGrp="1"/>
+          </p:cNvSpPr>
+          <p:nvPr>
+            <p:ph type="title"/>
+          </p:nvPr>
+        </p:nvSpPr>
+        <p:spPr/>
+        <p:txBody>
+          <a:bodyPr/>
+          <a:lstStyle/>
+          <a:p>
+            <a:r>
+              <a:rPr lang="de-DE" dirty="0"/>
+              <a:t>Zusammenspiel der Technologien (1)</a:t>
+            </a:r>
+          </a:p>
+        </p:txBody>
+      </p:sp>
+      <p:sp>
+        <p:nvSpPr>
+          <p:cNvPr id="3" name="Inhaltsplatzhalter 2">
+            <a:extLst>
+              <a:ext uri="{FF2B5EF4-FFF2-40B4-BE49-F238E27FC236}">
+                <a16:creationId xmlns:a16="http://schemas.microsoft.com/office/drawing/2014/main" id="{A7C4112E-0D9B-4164-BD7D-1BD4D28B9D15}"/>
+              </a:ext>
+            </a:extLst>
+          </p:cNvPr>
+          <p:cNvSpPr>
+            <a:spLocks noGrp="1"/>
+          </p:cNvSpPr>
+          <p:nvPr>
+            <p:ph idx="1"/>
+          </p:nvPr>
+        </p:nvSpPr>
+        <p:spPr/>
+        <p:txBody>
+          <a:bodyPr/>
+          <a:lstStyle/>
+          <a:p>
+            <a:endParaRPr lang="de-DE" dirty="0"/>
+          </a:p>
+        </p:txBody>
+      </p:sp>
+      <p:sp>
+        <p:nvSpPr>
+          <p:cNvPr id="4" name="Datumsplatzhalter 3">
+            <a:extLst>
+              <a:ext uri="{FF2B5EF4-FFF2-40B4-BE49-F238E27FC236}">
+                <a16:creationId xmlns:a16="http://schemas.microsoft.com/office/drawing/2014/main" id="{664F273D-36DD-45B9-AB4C-49F6D35A8151}"/>
+              </a:ext>
+            </a:extLst>
+          </p:cNvPr>
+          <p:cNvSpPr>
+            <a:spLocks noGrp="1"/>
+          </p:cNvSpPr>
+          <p:nvPr>
+            <p:ph type="dt" sz="half" idx="10"/>
+          </p:nvPr>
+        </p:nvSpPr>
+        <p:spPr/>
+        <p:txBody>
+          <a:bodyPr/>
+          <a:lstStyle/>
+          <a:p>
+            <a:fld id="{BB7604C3-A478-448A-88D6-07EFA8665C1F}" type="datetime1">
+              <a:rPr lang="de-DE" smtClean="0"/>
+              <a:t>05.11.2021</a:t>
+            </a:fld>
+            <a:endParaRPr lang="en-US"/>
+          </a:p>
+        </p:txBody>
+      </p:sp>
+      <p:sp>
+        <p:nvSpPr>
+          <p:cNvPr id="5" name="Fußzeilenplatzhalter 4">
+            <a:extLst>
+              <a:ext uri="{FF2B5EF4-FFF2-40B4-BE49-F238E27FC236}">
+                <a16:creationId xmlns:a16="http://schemas.microsoft.com/office/drawing/2014/main" id="{FEB84010-8384-457B-B83F-8F0659A036CC}"/>
+              </a:ext>
+            </a:extLst>
+          </p:cNvPr>
+          <p:cNvSpPr>
+            <a:spLocks noGrp="1"/>
+          </p:cNvSpPr>
+          <p:nvPr>
+            <p:ph type="ftr" sz="quarter" idx="11"/>
+          </p:nvPr>
+        </p:nvSpPr>
+        <p:spPr/>
+        <p:txBody>
+          <a:bodyPr/>
+          <a:lstStyle/>
+          <a:p>
+            <a:pPr algn="ctr"/>
+            <a:r>
+              <a:rPr lang="en-US"/>
+              <a:t>Benjamin Swarovsky</a:t>
+            </a:r>
+            <a:endParaRPr lang="en-US" dirty="0"/>
+          </a:p>
+        </p:txBody>
+      </p:sp>
+      <p:sp>
+        <p:nvSpPr>
+          <p:cNvPr id="6" name="Foliennummernplatzhalter 5">
+            <a:extLst>
+              <a:ext uri="{FF2B5EF4-FFF2-40B4-BE49-F238E27FC236}">
+                <a16:creationId xmlns:a16="http://schemas.microsoft.com/office/drawing/2014/main" id="{FF49E6F5-F300-4579-BE65-8120E82E2507}"/>
+              </a:ext>
+            </a:extLst>
+          </p:cNvPr>
+          <p:cNvSpPr>
+            <a:spLocks noGrp="1"/>
+          </p:cNvSpPr>
+          <p:nvPr>
+            <p:ph type="sldNum" sz="quarter" idx="12"/>
+          </p:nvPr>
+        </p:nvSpPr>
+        <p:spPr/>
+        <p:txBody>
+          <a:bodyPr/>
+          <a:lstStyle/>
+          <a:p>
+            <a:fld id="{6D22F896-40B5-4ADD-8801-0D06FADFA095}" type="slidenum">
+              <a:rPr lang="en-US" smtClean="0"/>
+              <a:t>20</a:t>
+            </a:fld>
+            <a:endParaRPr lang="en-US"/>
+          </a:p>
+        </p:txBody>
+      </p:sp>
+    </p:spTree>
+    <p:extLst>
+      <p:ext uri="{BB962C8B-B14F-4D97-AF65-F5344CB8AC3E}">
+        <p14:creationId xmlns:p14="http://schemas.microsoft.com/office/powerpoint/2010/main" val="735959042"/>
+      </p:ext>
+    </p:extLst>
+  </p:cSld>
+  <p:clrMapOvr>
+    <a:masterClrMapping/>
+  </p:clrMapOvr>
+</p:sld>
+</file>
+
+<file path=ppt/slides/slide21.xml><?xml version="1.0" encoding="utf-8"?>
+<p:sld xmlns:a="http://schemas.openxmlformats.org/drawingml/2006/main" xmlns:r="http://schemas.openxmlformats.org/officeDocument/2006/relationships" xmlns:p="http://schemas.openxmlformats.org/presentationml/2006/main">
+  <p:cSld>
+    <p:spTree>
+      <p:nvGrpSpPr>
+        <p:cNvPr id="1" name=""/>
+        <p:cNvGrpSpPr/>
+        <p:nvPr/>
+      </p:nvGrpSpPr>
+      <p:grpSpPr>
+        <a:xfrm>
+          <a:off x="0" y="0"/>
+          <a:ext cx="0" cy="0"/>
+          <a:chOff x="0" y="0"/>
+          <a:chExt cx="0" cy="0"/>
+        </a:xfrm>
+      </p:grpSpPr>
+      <p:sp>
+        <p:nvSpPr>
+          <p:cNvPr id="2" name="Titel 1">
+            <a:extLst>
+              <a:ext uri="{FF2B5EF4-FFF2-40B4-BE49-F238E27FC236}">
+                <a16:creationId xmlns:a16="http://schemas.microsoft.com/office/drawing/2014/main" id="{2B3C1682-4AAB-4847-93EF-CEF85B4403ED}"/>
+              </a:ext>
+            </a:extLst>
+          </p:cNvPr>
+          <p:cNvSpPr>
+            <a:spLocks noGrp="1"/>
+          </p:cNvSpPr>
+          <p:nvPr>
+            <p:ph type="title"/>
+          </p:nvPr>
+        </p:nvSpPr>
+        <p:spPr/>
+        <p:txBody>
+          <a:bodyPr/>
+          <a:lstStyle/>
+          <a:p>
+            <a:endParaRPr lang="de-DE"/>
+          </a:p>
+        </p:txBody>
+      </p:sp>
+      <p:sp>
+        <p:nvSpPr>
+          <p:cNvPr id="3" name="Inhaltsplatzhalter 2">
+            <a:extLst>
+              <a:ext uri="{FF2B5EF4-FFF2-40B4-BE49-F238E27FC236}">
+                <a16:creationId xmlns:a16="http://schemas.microsoft.com/office/drawing/2014/main" id="{F50087BF-5E0E-44DE-A3E9-6447813BA237}"/>
+              </a:ext>
+            </a:extLst>
+          </p:cNvPr>
+          <p:cNvSpPr>
+            <a:spLocks noGrp="1"/>
+          </p:cNvSpPr>
+          <p:nvPr>
+            <p:ph idx="1"/>
+          </p:nvPr>
+        </p:nvSpPr>
+        <p:spPr/>
+        <p:txBody>
+          <a:bodyPr/>
+          <a:lstStyle/>
+          <a:p>
+            <a:endParaRPr lang="de-DE"/>
+          </a:p>
+        </p:txBody>
+      </p:sp>
+      <p:sp>
+        <p:nvSpPr>
+          <p:cNvPr id="4" name="Datumsplatzhalter 3">
+            <a:extLst>
+              <a:ext uri="{FF2B5EF4-FFF2-40B4-BE49-F238E27FC236}">
+                <a16:creationId xmlns:a16="http://schemas.microsoft.com/office/drawing/2014/main" id="{763D7483-83C8-4EF1-B1B0-1B4E370914E7}"/>
+              </a:ext>
+            </a:extLst>
+          </p:cNvPr>
+          <p:cNvSpPr>
+            <a:spLocks noGrp="1"/>
+          </p:cNvSpPr>
+          <p:nvPr>
+            <p:ph type="dt" sz="half" idx="10"/>
+          </p:nvPr>
+        </p:nvSpPr>
+        <p:spPr/>
+        <p:txBody>
+          <a:bodyPr/>
+          <a:lstStyle/>
+          <a:p>
+            <a:fld id="{BB7604C3-A478-448A-88D6-07EFA8665C1F}" type="datetime1">
+              <a:rPr lang="de-DE" smtClean="0"/>
+              <a:t>05.11.2021</a:t>
+            </a:fld>
+            <a:endParaRPr lang="en-US"/>
+          </a:p>
+        </p:txBody>
+      </p:sp>
+      <p:sp>
+        <p:nvSpPr>
+          <p:cNvPr id="5" name="Fußzeilenplatzhalter 4">
+            <a:extLst>
+              <a:ext uri="{FF2B5EF4-FFF2-40B4-BE49-F238E27FC236}">
+                <a16:creationId xmlns:a16="http://schemas.microsoft.com/office/drawing/2014/main" id="{1FCC2C5A-D5BC-4D5F-A819-9F5AA52362E8}"/>
+              </a:ext>
+            </a:extLst>
+          </p:cNvPr>
+          <p:cNvSpPr>
+            <a:spLocks noGrp="1"/>
+          </p:cNvSpPr>
+          <p:nvPr>
+            <p:ph type="ftr" sz="quarter" idx="11"/>
+          </p:nvPr>
+        </p:nvSpPr>
+        <p:spPr/>
+        <p:txBody>
+          <a:bodyPr/>
+          <a:lstStyle/>
+          <a:p>
+            <a:pPr algn="ctr"/>
+            <a:r>
+              <a:rPr lang="en-US"/>
+              <a:t>Benjamin Swarovsky</a:t>
+            </a:r>
+            <a:endParaRPr lang="en-US" dirty="0"/>
+          </a:p>
+        </p:txBody>
+      </p:sp>
+      <p:sp>
+        <p:nvSpPr>
+          <p:cNvPr id="6" name="Foliennummernplatzhalter 5">
+            <a:extLst>
+              <a:ext uri="{FF2B5EF4-FFF2-40B4-BE49-F238E27FC236}">
+                <a16:creationId xmlns:a16="http://schemas.microsoft.com/office/drawing/2014/main" id="{99A10BAC-69A7-450C-B6B2-383B4B05E18E}"/>
+              </a:ext>
+            </a:extLst>
+          </p:cNvPr>
+          <p:cNvSpPr>
+            <a:spLocks noGrp="1"/>
+          </p:cNvSpPr>
+          <p:nvPr>
+            <p:ph type="sldNum" sz="quarter" idx="12"/>
+          </p:nvPr>
+        </p:nvSpPr>
+        <p:spPr/>
+        <p:txBody>
+          <a:bodyPr/>
+          <a:lstStyle/>
+          <a:p>
+            <a:fld id="{6D22F896-40B5-4ADD-8801-0D06FADFA095}" type="slidenum">
+              <a:rPr lang="en-US" smtClean="0"/>
+              <a:t>21</a:t>
+            </a:fld>
+            <a:endParaRPr lang="en-US"/>
+          </a:p>
+        </p:txBody>
+      </p:sp>
+    </p:spTree>
+    <p:extLst>
+      <p:ext uri="{BB962C8B-B14F-4D97-AF65-F5344CB8AC3E}">
+        <p14:creationId xmlns:p14="http://schemas.microsoft.com/office/powerpoint/2010/main" val="3237725520"/>
+      </p:ext>
+    </p:extLst>
+  </p:cSld>
+  <p:clrMapOvr>
+    <a:masterClrMapping/>
+  </p:clrMapOvr>
+</p:sld>
+</file>
+
+<file path=ppt/slides/slide22.xml><?xml version="1.0" encoding="utf-8"?>
+<p:sld xmlns:a="http://schemas.openxmlformats.org/drawingml/2006/main" xmlns:r="http://schemas.openxmlformats.org/officeDocument/2006/relationships" xmlns:p="http://schemas.openxmlformats.org/presentationml/2006/main">
+  <p:cSld>
+    <p:spTree>
+      <p:nvGrpSpPr>
+        <p:cNvPr id="1" name=""/>
+        <p:cNvGrpSpPr/>
+        <p:nvPr/>
+      </p:nvGrpSpPr>
+      <p:grpSpPr>
+        <a:xfrm>
+          <a:off x="0" y="0"/>
+          <a:ext cx="0" cy="0"/>
+          <a:chOff x="0" y="0"/>
+          <a:chExt cx="0" cy="0"/>
+        </a:xfrm>
+      </p:grpSpPr>
+      <p:sp>
+        <p:nvSpPr>
+          <p:cNvPr id="2" name="Titel 1">
+            <a:extLst>
+              <a:ext uri="{FF2B5EF4-FFF2-40B4-BE49-F238E27FC236}">
+                <a16:creationId xmlns:a16="http://schemas.microsoft.com/office/drawing/2014/main" id="{97E854AF-370A-4DD2-B05B-BA9F47E75C37}"/>
+              </a:ext>
+            </a:extLst>
+          </p:cNvPr>
+          <p:cNvSpPr>
+            <a:spLocks noGrp="1"/>
+          </p:cNvSpPr>
+          <p:nvPr>
+            <p:ph type="title"/>
+          </p:nvPr>
+        </p:nvSpPr>
+        <p:spPr/>
+        <p:txBody>
+          <a:bodyPr/>
+          <a:lstStyle/>
+          <a:p>
+            <a:endParaRPr lang="de-DE" dirty="0"/>
+          </a:p>
+        </p:txBody>
+      </p:sp>
+      <p:sp>
+        <p:nvSpPr>
+          <p:cNvPr id="3" name="Inhaltsplatzhalter 2">
+            <a:extLst>
+              <a:ext uri="{FF2B5EF4-FFF2-40B4-BE49-F238E27FC236}">
+                <a16:creationId xmlns:a16="http://schemas.microsoft.com/office/drawing/2014/main" id="{C98CDAB6-320F-43C1-90E0-C684815DE0C4}"/>
+              </a:ext>
+            </a:extLst>
+          </p:cNvPr>
+          <p:cNvSpPr>
+            <a:spLocks noGrp="1"/>
+          </p:cNvSpPr>
+          <p:nvPr>
+            <p:ph idx="1"/>
+          </p:nvPr>
+        </p:nvSpPr>
+        <p:spPr>
+          <a:xfrm>
+            <a:off x="1614649" y="1685228"/>
+            <a:ext cx="7901820" cy="4749440"/>
+          </a:xfrm>
+        </p:spPr>
+        <p:txBody>
+          <a:bodyPr>
+            <a:normAutofit fontScale="77500" lnSpcReduction="20000"/>
+          </a:bodyPr>
+          <a:lstStyle/>
+          <a:p>
+            <a:r>
+              <a:rPr lang="de-DE" sz="4000" dirty="0">
+                <a:solidFill>
+                  <a:schemeClr val="tx1">
+                    <a:lumMod val="50000"/>
+                  </a:schemeClr>
+                </a:solidFill>
+              </a:rPr>
+              <a:t>Einleitung</a:t>
+            </a:r>
+          </a:p>
+          <a:p>
+            <a:r>
+              <a:rPr lang="de-DE" sz="4000" dirty="0">
+                <a:solidFill>
+                  <a:schemeClr val="tx1">
+                    <a:lumMod val="50000"/>
+                  </a:schemeClr>
+                </a:solidFill>
+              </a:rPr>
+              <a:t>Architektur</a:t>
+            </a:r>
+          </a:p>
+          <a:p>
+            <a:r>
+              <a:rPr lang="de-DE" sz="4000" dirty="0">
+                <a:solidFill>
+                  <a:schemeClr val="tx1">
+                    <a:lumMod val="50000"/>
+                  </a:schemeClr>
+                </a:solidFill>
+              </a:rPr>
+              <a:t>API Gateway / Load Balancer</a:t>
+            </a:r>
+          </a:p>
+          <a:p>
+            <a:r>
+              <a:rPr lang="de-DE" sz="4000" b="1" dirty="0">
+                <a:solidFill>
+                  <a:schemeClr val="tx1">
+                    <a:lumMod val="50000"/>
+                  </a:schemeClr>
+                </a:solidFill>
+              </a:rPr>
+              <a:t>Service Discovery</a:t>
+            </a:r>
+          </a:p>
+          <a:p>
+            <a:r>
+              <a:rPr lang="de-DE" sz="4000" dirty="0">
+                <a:solidFill>
+                  <a:schemeClr val="tx1">
+                    <a:lumMod val="50000"/>
+                  </a:schemeClr>
+                </a:solidFill>
+              </a:rPr>
+              <a:t>Zusammenspiel der Technologien</a:t>
+            </a:r>
+          </a:p>
+          <a:p>
+            <a:r>
+              <a:rPr lang="de-DE" sz="4000" b="1" dirty="0"/>
+              <a:t>Auswertung</a:t>
+            </a:r>
+          </a:p>
+          <a:p>
+            <a:r>
+              <a:rPr lang="de-DE" sz="4000" dirty="0">
+                <a:solidFill>
+                  <a:schemeClr val="tx1">
+                    <a:lumMod val="75000"/>
+                  </a:schemeClr>
+                </a:solidFill>
+              </a:rPr>
+              <a:t>Demonstration des Prototypen</a:t>
+            </a:r>
+          </a:p>
+          <a:p>
+            <a:pPr marL="457200" lvl="1" indent="0">
+              <a:buNone/>
+            </a:pPr>
+            <a:endParaRPr lang="de-DE" dirty="0"/>
+          </a:p>
+          <a:p>
+            <a:pPr lvl="1"/>
+            <a:endParaRPr lang="de-DE" dirty="0"/>
+          </a:p>
+          <a:p>
+            <a:endParaRPr lang="de-DE" dirty="0"/>
+          </a:p>
+        </p:txBody>
+      </p:sp>
+      <p:sp>
+        <p:nvSpPr>
+          <p:cNvPr id="4" name="Datumsplatzhalter 3">
+            <a:extLst>
+              <a:ext uri="{FF2B5EF4-FFF2-40B4-BE49-F238E27FC236}">
+                <a16:creationId xmlns:a16="http://schemas.microsoft.com/office/drawing/2014/main" id="{B1C5A0D9-0D16-40F0-A270-E2153F54A613}"/>
+              </a:ext>
+            </a:extLst>
+          </p:cNvPr>
+          <p:cNvSpPr>
+            <a:spLocks noGrp="1"/>
+          </p:cNvSpPr>
+          <p:nvPr>
+            <p:ph type="dt" sz="half" idx="10"/>
+          </p:nvPr>
+        </p:nvSpPr>
+        <p:spPr/>
+        <p:txBody>
+          <a:bodyPr/>
+          <a:lstStyle/>
+          <a:p>
+            <a:fld id="{BB7604C3-A478-448A-88D6-07EFA8665C1F}" type="datetime1">
+              <a:rPr lang="de-DE" smtClean="0"/>
+              <a:t>05.11.2021</a:t>
+            </a:fld>
+            <a:endParaRPr lang="en-US"/>
+          </a:p>
+        </p:txBody>
+      </p:sp>
+      <p:sp>
+        <p:nvSpPr>
+          <p:cNvPr id="5" name="Fußzeilenplatzhalter 4">
+            <a:extLst>
+              <a:ext uri="{FF2B5EF4-FFF2-40B4-BE49-F238E27FC236}">
+                <a16:creationId xmlns:a16="http://schemas.microsoft.com/office/drawing/2014/main" id="{6987783A-1F70-47FB-8650-215BADB0D895}"/>
+              </a:ext>
+            </a:extLst>
+          </p:cNvPr>
+          <p:cNvSpPr>
+            <a:spLocks noGrp="1"/>
+          </p:cNvSpPr>
+          <p:nvPr>
+            <p:ph type="ftr" sz="quarter" idx="11"/>
+          </p:nvPr>
+        </p:nvSpPr>
+        <p:spPr/>
+        <p:txBody>
+          <a:bodyPr/>
+          <a:lstStyle/>
+          <a:p>
+            <a:pPr algn="ctr"/>
+            <a:r>
+              <a:rPr lang="en-US"/>
+              <a:t>Benjamin Swarovsky</a:t>
+            </a:r>
+            <a:endParaRPr lang="en-US" dirty="0"/>
+          </a:p>
+        </p:txBody>
+      </p:sp>
+      <p:sp>
+        <p:nvSpPr>
+          <p:cNvPr id="6" name="Foliennummernplatzhalter 5">
+            <a:extLst>
+              <a:ext uri="{FF2B5EF4-FFF2-40B4-BE49-F238E27FC236}">
+                <a16:creationId xmlns:a16="http://schemas.microsoft.com/office/drawing/2014/main" id="{EDFC56A4-BEFD-4224-A109-1FFEDB0D2EF9}"/>
+              </a:ext>
+            </a:extLst>
+          </p:cNvPr>
+          <p:cNvSpPr>
+            <a:spLocks noGrp="1"/>
+          </p:cNvSpPr>
+          <p:nvPr>
+            <p:ph type="sldNum" sz="quarter" idx="12"/>
+          </p:nvPr>
+        </p:nvSpPr>
+        <p:spPr/>
+        <p:txBody>
+          <a:bodyPr/>
+          <a:lstStyle/>
+          <a:p>
+            <a:fld id="{6D22F896-40B5-4ADD-8801-0D06FADFA095}" type="slidenum">
+              <a:rPr lang="en-US" smtClean="0"/>
+              <a:t>22</a:t>
+            </a:fld>
+            <a:endParaRPr lang="en-US"/>
+          </a:p>
+        </p:txBody>
+      </p:sp>
+    </p:spTree>
+    <p:extLst>
+      <p:ext uri="{BB962C8B-B14F-4D97-AF65-F5344CB8AC3E}">
+        <p14:creationId xmlns:p14="http://schemas.microsoft.com/office/powerpoint/2010/main" val="2358635351"/>
+      </p:ext>
+    </p:extLst>
+  </p:cSld>
+  <p:clrMapOvr>
+    <a:masterClrMapping/>
+  </p:clrMapOvr>
+</p:sld>
+</file>
+
+<file path=ppt/slides/slide23.xml><?xml version="1.0" encoding="utf-8"?>
+<p:sld xmlns:a="http://schemas.openxmlformats.org/drawingml/2006/main" xmlns:r="http://schemas.openxmlformats.org/officeDocument/2006/relationships" xmlns:p="http://schemas.openxmlformats.org/presentationml/2006/main">
+  <p:cSld>
+    <p:spTree>
+      <p:nvGrpSpPr>
+        <p:cNvPr id="1" name=""/>
+        <p:cNvGrpSpPr/>
+        <p:nvPr/>
+      </p:nvGrpSpPr>
+      <p:grpSpPr>
+        <a:xfrm>
+          <a:off x="0" y="0"/>
+          <a:ext cx="0" cy="0"/>
+          <a:chOff x="0" y="0"/>
+          <a:chExt cx="0" cy="0"/>
+        </a:xfrm>
+      </p:grpSpPr>
+      <p:sp>
+        <p:nvSpPr>
+          <p:cNvPr id="2" name="Titel 1">
+            <a:extLst>
+              <a:ext uri="{FF2B5EF4-FFF2-40B4-BE49-F238E27FC236}">
+                <a16:creationId xmlns:a16="http://schemas.microsoft.com/office/drawing/2014/main" id="{D0325F50-9EBD-4B52-9CF4-53327B4F0C46}"/>
+              </a:ext>
+            </a:extLst>
+          </p:cNvPr>
+          <p:cNvSpPr>
+            <a:spLocks noGrp="1"/>
+          </p:cNvSpPr>
+          <p:nvPr>
+            <p:ph type="title"/>
+          </p:nvPr>
+        </p:nvSpPr>
+        <p:spPr/>
+        <p:txBody>
+          <a:bodyPr/>
+          <a:lstStyle/>
+          <a:p>
+            <a:endParaRPr lang="de-DE"/>
+          </a:p>
+        </p:txBody>
+      </p:sp>
+      <p:sp>
+        <p:nvSpPr>
+          <p:cNvPr id="3" name="Inhaltsplatzhalter 2">
+            <a:extLst>
+              <a:ext uri="{FF2B5EF4-FFF2-40B4-BE49-F238E27FC236}">
+                <a16:creationId xmlns:a16="http://schemas.microsoft.com/office/drawing/2014/main" id="{F32E0820-DB1F-4C4C-AA59-E3F868E24415}"/>
+              </a:ext>
+            </a:extLst>
+          </p:cNvPr>
+          <p:cNvSpPr>
+            <a:spLocks noGrp="1"/>
+          </p:cNvSpPr>
+          <p:nvPr>
+            <p:ph idx="1"/>
+          </p:nvPr>
+        </p:nvSpPr>
+        <p:spPr/>
+        <p:txBody>
+          <a:bodyPr/>
+          <a:lstStyle/>
+          <a:p>
+            <a:endParaRPr lang="de-DE"/>
+          </a:p>
+        </p:txBody>
+      </p:sp>
+      <p:sp>
+        <p:nvSpPr>
+          <p:cNvPr id="4" name="Datumsplatzhalter 3">
+            <a:extLst>
+              <a:ext uri="{FF2B5EF4-FFF2-40B4-BE49-F238E27FC236}">
+                <a16:creationId xmlns:a16="http://schemas.microsoft.com/office/drawing/2014/main" id="{C3343AAA-013D-4810-AF12-A648160AD6D8}"/>
+              </a:ext>
+            </a:extLst>
+          </p:cNvPr>
+          <p:cNvSpPr>
+            <a:spLocks noGrp="1"/>
+          </p:cNvSpPr>
+          <p:nvPr>
+            <p:ph type="dt" sz="half" idx="10"/>
+          </p:nvPr>
+        </p:nvSpPr>
+        <p:spPr/>
+        <p:txBody>
+          <a:bodyPr/>
+          <a:lstStyle/>
+          <a:p>
+            <a:fld id="{BB7604C3-A478-448A-88D6-07EFA8665C1F}" type="datetime1">
+              <a:rPr lang="de-DE" smtClean="0"/>
+              <a:t>05.11.2021</a:t>
+            </a:fld>
+            <a:endParaRPr lang="en-US"/>
+          </a:p>
+        </p:txBody>
+      </p:sp>
+      <p:sp>
+        <p:nvSpPr>
+          <p:cNvPr id="5" name="Fußzeilenplatzhalter 4">
+            <a:extLst>
+              <a:ext uri="{FF2B5EF4-FFF2-40B4-BE49-F238E27FC236}">
+                <a16:creationId xmlns:a16="http://schemas.microsoft.com/office/drawing/2014/main" id="{69CA9EFA-610B-4A5B-B584-8B97E996BD13}"/>
+              </a:ext>
+            </a:extLst>
+          </p:cNvPr>
+          <p:cNvSpPr>
+            <a:spLocks noGrp="1"/>
+          </p:cNvSpPr>
+          <p:nvPr>
+            <p:ph type="ftr" sz="quarter" idx="11"/>
+          </p:nvPr>
+        </p:nvSpPr>
+        <p:spPr/>
+        <p:txBody>
+          <a:bodyPr/>
+          <a:lstStyle/>
+          <a:p>
+            <a:pPr algn="ctr"/>
+            <a:r>
+              <a:rPr lang="en-US"/>
+              <a:t>Benjamin Swarovsky</a:t>
+            </a:r>
+            <a:endParaRPr lang="en-US" dirty="0"/>
+          </a:p>
+        </p:txBody>
+      </p:sp>
+      <p:sp>
+        <p:nvSpPr>
+          <p:cNvPr id="6" name="Foliennummernplatzhalter 5">
+            <a:extLst>
+              <a:ext uri="{FF2B5EF4-FFF2-40B4-BE49-F238E27FC236}">
+                <a16:creationId xmlns:a16="http://schemas.microsoft.com/office/drawing/2014/main" id="{55D109E9-D893-44C1-AEB0-A9E0466C28A1}"/>
+              </a:ext>
+            </a:extLst>
+          </p:cNvPr>
+          <p:cNvSpPr>
+            <a:spLocks noGrp="1"/>
+          </p:cNvSpPr>
+          <p:nvPr>
+            <p:ph type="sldNum" sz="quarter" idx="12"/>
+          </p:nvPr>
+        </p:nvSpPr>
+        <p:spPr/>
+        <p:txBody>
+          <a:bodyPr/>
+          <a:lstStyle/>
+          <a:p>
+            <a:fld id="{6D22F896-40B5-4ADD-8801-0D06FADFA095}" type="slidenum">
+              <a:rPr lang="en-US" smtClean="0"/>
+              <a:t>23</a:t>
+            </a:fld>
+            <a:endParaRPr lang="en-US"/>
+          </a:p>
+        </p:txBody>
+      </p:sp>
+    </p:spTree>
+    <p:extLst>
+      <p:ext uri="{BB962C8B-B14F-4D97-AF65-F5344CB8AC3E}">
+        <p14:creationId xmlns:p14="http://schemas.microsoft.com/office/powerpoint/2010/main" val="1731136013"/>
+      </p:ext>
+    </p:extLst>
+  </p:cSld>
+  <p:clrMapOvr>
+    <a:masterClrMapping/>
+  </p:clrMapOvr>
+</p:sld>
+</file>
+
+<file path=ppt/slides/slide24.xml><?xml version="1.0" encoding="utf-8"?>
+<p:sld xmlns:a="http://schemas.openxmlformats.org/drawingml/2006/main" xmlns:r="http://schemas.openxmlformats.org/officeDocument/2006/relationships" xmlns:p="http://schemas.openxmlformats.org/presentationml/2006/main">
+  <p:cSld>
+    <p:spTree>
+      <p:nvGrpSpPr>
+        <p:cNvPr id="1" name=""/>
+        <p:cNvGrpSpPr/>
+        <p:nvPr/>
+      </p:nvGrpSpPr>
+      <p:grpSpPr>
+        <a:xfrm>
+          <a:off x="0" y="0"/>
+          <a:ext cx="0" cy="0"/>
+          <a:chOff x="0" y="0"/>
+          <a:chExt cx="0" cy="0"/>
+        </a:xfrm>
+      </p:grpSpPr>
+      <p:sp>
+        <p:nvSpPr>
+          <p:cNvPr id="2" name="Titel 1">
+            <a:extLst>
+              <a:ext uri="{FF2B5EF4-FFF2-40B4-BE49-F238E27FC236}">
+                <a16:creationId xmlns:a16="http://schemas.microsoft.com/office/drawing/2014/main" id="{108A0777-CFE6-457E-8127-F136AE08835F}"/>
+              </a:ext>
+            </a:extLst>
+          </p:cNvPr>
+          <p:cNvSpPr>
+            <a:spLocks noGrp="1"/>
+          </p:cNvSpPr>
+          <p:nvPr>
+            <p:ph type="title"/>
+          </p:nvPr>
+        </p:nvSpPr>
+        <p:spPr/>
+        <p:txBody>
+          <a:bodyPr/>
+          <a:lstStyle/>
+          <a:p>
+            <a:r>
+              <a:rPr lang="de-DE" dirty="0"/>
+              <a:t>Demonstration des Prototypen</a:t>
+            </a:r>
+          </a:p>
+        </p:txBody>
+      </p:sp>
+      <p:sp>
+        <p:nvSpPr>
+          <p:cNvPr id="3" name="Inhaltsplatzhalter 2">
+            <a:extLst>
+              <a:ext uri="{FF2B5EF4-FFF2-40B4-BE49-F238E27FC236}">
+                <a16:creationId xmlns:a16="http://schemas.microsoft.com/office/drawing/2014/main" id="{7DB7DD88-23AD-4A12-ADC2-FAE3F1A98EDD}"/>
+              </a:ext>
+            </a:extLst>
+          </p:cNvPr>
+          <p:cNvSpPr>
+            <a:spLocks noGrp="1"/>
+          </p:cNvSpPr>
+          <p:nvPr>
+            <p:ph idx="1"/>
+          </p:nvPr>
+        </p:nvSpPr>
+        <p:spPr/>
+        <p:txBody>
+          <a:bodyPr/>
+          <a:lstStyle/>
+          <a:p>
+            <a:endParaRPr lang="de-DE"/>
+          </a:p>
+        </p:txBody>
+      </p:sp>
+      <p:sp>
+        <p:nvSpPr>
+          <p:cNvPr id="4" name="Datumsplatzhalter 3">
+            <a:extLst>
+              <a:ext uri="{FF2B5EF4-FFF2-40B4-BE49-F238E27FC236}">
+                <a16:creationId xmlns:a16="http://schemas.microsoft.com/office/drawing/2014/main" id="{8D6332C5-8A74-45D7-9827-AEA94A841B07}"/>
+              </a:ext>
+            </a:extLst>
+          </p:cNvPr>
+          <p:cNvSpPr>
+            <a:spLocks noGrp="1"/>
+          </p:cNvSpPr>
+          <p:nvPr>
+            <p:ph type="dt" sz="half" idx="10"/>
+          </p:nvPr>
+        </p:nvSpPr>
+        <p:spPr/>
+        <p:txBody>
+          <a:bodyPr/>
+          <a:lstStyle/>
+          <a:p>
+            <a:fld id="{BB7604C3-A478-448A-88D6-07EFA8665C1F}" type="datetime1">
+              <a:rPr lang="de-DE" smtClean="0"/>
+              <a:t>05.11.2021</a:t>
+            </a:fld>
+            <a:endParaRPr lang="en-US"/>
+          </a:p>
+        </p:txBody>
+      </p:sp>
+      <p:sp>
+        <p:nvSpPr>
+          <p:cNvPr id="5" name="Fußzeilenplatzhalter 4">
+            <a:extLst>
+              <a:ext uri="{FF2B5EF4-FFF2-40B4-BE49-F238E27FC236}">
+                <a16:creationId xmlns:a16="http://schemas.microsoft.com/office/drawing/2014/main" id="{F190D1FA-56E8-4CD6-917D-703B525CEC30}"/>
+              </a:ext>
+            </a:extLst>
+          </p:cNvPr>
+          <p:cNvSpPr>
+            <a:spLocks noGrp="1"/>
+          </p:cNvSpPr>
+          <p:nvPr>
+            <p:ph type="ftr" sz="quarter" idx="11"/>
+          </p:nvPr>
+        </p:nvSpPr>
+        <p:spPr/>
+        <p:txBody>
+          <a:bodyPr/>
+          <a:lstStyle/>
+          <a:p>
+            <a:pPr algn="ctr"/>
+            <a:r>
+              <a:rPr lang="en-US"/>
+              <a:t>Benjamin Swarovsky</a:t>
+            </a:r>
+            <a:endParaRPr lang="en-US" dirty="0"/>
+          </a:p>
+        </p:txBody>
+      </p:sp>
+      <p:sp>
+        <p:nvSpPr>
+          <p:cNvPr id="6" name="Foliennummernplatzhalter 5">
+            <a:extLst>
+              <a:ext uri="{FF2B5EF4-FFF2-40B4-BE49-F238E27FC236}">
+                <a16:creationId xmlns:a16="http://schemas.microsoft.com/office/drawing/2014/main" id="{E2CAA5F2-2269-438E-8317-2B6EF97309B6}"/>
+              </a:ext>
+            </a:extLst>
+          </p:cNvPr>
+          <p:cNvSpPr>
+            <a:spLocks noGrp="1"/>
+          </p:cNvSpPr>
+          <p:nvPr>
+            <p:ph type="sldNum" sz="quarter" idx="12"/>
+          </p:nvPr>
+        </p:nvSpPr>
+        <p:spPr/>
+        <p:txBody>
+          <a:bodyPr/>
+          <a:lstStyle/>
+          <a:p>
+            <a:fld id="{6D22F896-40B5-4ADD-8801-0D06FADFA095}" type="slidenum">
+              <a:rPr lang="en-US" smtClean="0"/>
+              <a:t>24</a:t>
+            </a:fld>
+            <a:endParaRPr lang="en-US"/>
+          </a:p>
+        </p:txBody>
+      </p:sp>
+    </p:spTree>
+    <p:extLst>
+      <p:ext uri="{BB962C8B-B14F-4D97-AF65-F5344CB8AC3E}">
+        <p14:creationId xmlns:p14="http://schemas.microsoft.com/office/powerpoint/2010/main" val="4015263097"/>
+      </p:ext>
+    </p:extLst>
+  </p:cSld>
+  <p:clrMapOvr>
+    <a:masterClrMapping/>
+  </p:clrMapOvr>
+</p:sld>
+</file>
+
+<file path=ppt/slides/slide25.xml><?xml version="1.0" encoding="utf-8"?>
+<p:sld xmlns:a="http://schemas.openxmlformats.org/drawingml/2006/main" xmlns:r="http://schemas.openxmlformats.org/officeDocument/2006/relationships" xmlns:p="http://schemas.openxmlformats.org/presentationml/2006/main">
+  <p:cSld>
+    <p:spTree>
+      <p:nvGrpSpPr>
+        <p:cNvPr id="1" name=""/>
+        <p:cNvGrpSpPr/>
+        <p:nvPr/>
+      </p:nvGrpSpPr>
+      <p:grpSpPr>
+        <a:xfrm>
+          <a:off x="0" y="0"/>
+          <a:ext cx="0" cy="0"/>
+          <a:chOff x="0" y="0"/>
+          <a:chExt cx="0" cy="0"/>
+        </a:xfrm>
+      </p:grpSpPr>
+      <p:sp>
+        <p:nvSpPr>
+          <p:cNvPr id="2" name="Titel 1">
+            <a:extLst>
+              <a:ext uri="{FF2B5EF4-FFF2-40B4-BE49-F238E27FC236}">
+                <a16:creationId xmlns:a16="http://schemas.microsoft.com/office/drawing/2014/main" id="{33A5AE4E-6EBA-48CA-9662-58CC35012FCD}"/>
+              </a:ext>
+            </a:extLst>
+          </p:cNvPr>
+          <p:cNvSpPr>
+            <a:spLocks noGrp="1"/>
+          </p:cNvSpPr>
+          <p:nvPr>
+            <p:ph type="title"/>
+          </p:nvPr>
+        </p:nvSpPr>
+        <p:spPr/>
+        <p:txBody>
+          <a:bodyPr/>
+          <a:lstStyle/>
+          <a:p>
+            <a:r>
+              <a:rPr lang="de-DE" dirty="0"/>
+              <a:t>Ende</a:t>
+            </a:r>
+          </a:p>
+        </p:txBody>
+      </p:sp>
+      <p:sp>
+        <p:nvSpPr>
+          <p:cNvPr id="3" name="Inhaltsplatzhalter 2">
+            <a:extLst>
+              <a:ext uri="{FF2B5EF4-FFF2-40B4-BE49-F238E27FC236}">
+                <a16:creationId xmlns:a16="http://schemas.microsoft.com/office/drawing/2014/main" id="{308DD68D-17E1-4075-9E04-9BDEA2E3A3D5}"/>
+              </a:ext>
+            </a:extLst>
+          </p:cNvPr>
+          <p:cNvSpPr>
+            <a:spLocks noGrp="1"/>
+          </p:cNvSpPr>
+          <p:nvPr>
+            <p:ph idx="1"/>
+          </p:nvPr>
+        </p:nvSpPr>
+        <p:spPr/>
+        <p:txBody>
+          <a:bodyPr/>
+          <a:lstStyle/>
+          <a:p>
+            <a:endParaRPr lang="de-DE"/>
+          </a:p>
+        </p:txBody>
+      </p:sp>
+      <p:sp>
+        <p:nvSpPr>
+          <p:cNvPr id="4" name="Datumsplatzhalter 3">
+            <a:extLst>
+              <a:ext uri="{FF2B5EF4-FFF2-40B4-BE49-F238E27FC236}">
+                <a16:creationId xmlns:a16="http://schemas.microsoft.com/office/drawing/2014/main" id="{D8070C4D-CC50-41DB-86CB-8AC158160FF7}"/>
+              </a:ext>
+            </a:extLst>
+          </p:cNvPr>
+          <p:cNvSpPr>
+            <a:spLocks noGrp="1"/>
+          </p:cNvSpPr>
+          <p:nvPr>
+            <p:ph type="dt" sz="half" idx="10"/>
+          </p:nvPr>
+        </p:nvSpPr>
+        <p:spPr/>
+        <p:txBody>
+          <a:bodyPr/>
+          <a:lstStyle/>
+          <a:p>
+            <a:fld id="{BB7604C3-A478-448A-88D6-07EFA8665C1F}" type="datetime1">
+              <a:rPr lang="de-DE" smtClean="0"/>
+              <a:t>05.11.2021</a:t>
+            </a:fld>
+            <a:endParaRPr lang="en-US"/>
+          </a:p>
+        </p:txBody>
+      </p:sp>
+      <p:sp>
+        <p:nvSpPr>
+          <p:cNvPr id="5" name="Fußzeilenplatzhalter 4">
+            <a:extLst>
+              <a:ext uri="{FF2B5EF4-FFF2-40B4-BE49-F238E27FC236}">
+                <a16:creationId xmlns:a16="http://schemas.microsoft.com/office/drawing/2014/main" id="{5CE6DB89-FEB7-49C0-B0AF-3F181AB1BD45}"/>
+              </a:ext>
+            </a:extLst>
+          </p:cNvPr>
+          <p:cNvSpPr>
+            <a:spLocks noGrp="1"/>
+          </p:cNvSpPr>
+          <p:nvPr>
+            <p:ph type="ftr" sz="quarter" idx="11"/>
+          </p:nvPr>
+        </p:nvSpPr>
+        <p:spPr/>
+        <p:txBody>
+          <a:bodyPr/>
+          <a:lstStyle/>
+          <a:p>
+            <a:pPr algn="ctr"/>
+            <a:r>
+              <a:rPr lang="en-US"/>
+              <a:t>Benjamin Swarovsky</a:t>
+            </a:r>
+            <a:endParaRPr lang="en-US" dirty="0"/>
+          </a:p>
+        </p:txBody>
+      </p:sp>
+      <p:sp>
+        <p:nvSpPr>
+          <p:cNvPr id="6" name="Foliennummernplatzhalter 5">
+            <a:extLst>
+              <a:ext uri="{FF2B5EF4-FFF2-40B4-BE49-F238E27FC236}">
+                <a16:creationId xmlns:a16="http://schemas.microsoft.com/office/drawing/2014/main" id="{C1C9E8E5-47A8-4539-AC65-0ED167C21323}"/>
+              </a:ext>
+            </a:extLst>
+          </p:cNvPr>
+          <p:cNvSpPr>
+            <a:spLocks noGrp="1"/>
+          </p:cNvSpPr>
+          <p:nvPr>
+            <p:ph type="sldNum" sz="quarter" idx="12"/>
+          </p:nvPr>
+        </p:nvSpPr>
+        <p:spPr/>
+        <p:txBody>
+          <a:bodyPr/>
+          <a:lstStyle/>
+          <a:p>
+            <a:fld id="{6D22F896-40B5-4ADD-8801-0D06FADFA095}" type="slidenum">
+              <a:rPr lang="en-US" smtClean="0"/>
+              <a:t>25</a:t>
+            </a:fld>
+            <a:endParaRPr lang="en-US"/>
+          </a:p>
+        </p:txBody>
+      </p:sp>
+    </p:spTree>
+    <p:extLst>
+      <p:ext uri="{BB962C8B-B14F-4D97-AF65-F5344CB8AC3E}">
+        <p14:creationId xmlns:p14="http://schemas.microsoft.com/office/powerpoint/2010/main" val="2620263450"/>
       </p:ext>
     </p:extLst>
   </p:cSld>
@@ -9701,7 +12492,7 @@
           <a:p>
             <a:fld id="{BB7604C3-A478-448A-88D6-07EFA8665C1F}" type="datetime1">
               <a:rPr lang="de-DE" smtClean="0"/>
-              <a:t>04.11.2021</a:t>
+              <a:t>05.11.2021</a:t>
             </a:fld>
             <a:endParaRPr lang="en-US"/>
           </a:p>
@@ -9982,7 +12773,7 @@
           <a:p>
             <a:fld id="{BB7604C3-A478-448A-88D6-07EFA8665C1F}" type="datetime1">
               <a:rPr lang="de-DE" smtClean="0"/>
-              <a:t>04.11.2021</a:t>
+              <a:t>05.11.2021</a:t>
             </a:fld>
             <a:endParaRPr lang="en-US"/>
           </a:p>
@@ -10111,8 +12902,8 @@
         </p:blipFill>
         <p:spPr>
           <a:xfrm>
-            <a:off x="768322" y="4334895"/>
-            <a:ext cx="1071768" cy="1071768"/>
+            <a:off x="4670292" y="4024044"/>
+            <a:ext cx="892713" cy="892713"/>
           </a:xfrm>
           <a:prstGeom prst="rect">
             <a:avLst/>
@@ -10237,6 +13028,751 @@
   <p:clrMapOvr>
     <a:masterClrMapping/>
   </p:clrMapOvr>
+  <p:timing>
+    <p:tnLst>
+      <p:par>
+        <p:cTn id="1" dur="indefinite" restart="never" nodeType="tmRoot">
+          <p:childTnLst>
+            <p:seq concurrent="1" nextAc="seek">
+              <p:cTn id="2" dur="indefinite" nodeType="mainSeq">
+                <p:childTnLst>
+                  <p:par>
+                    <p:cTn id="3" fill="hold">
+                      <p:stCondLst>
+                        <p:cond delay="indefinite"/>
+                      </p:stCondLst>
+                      <p:childTnLst>
+                        <p:par>
+                          <p:cTn id="4" fill="hold">
+                            <p:stCondLst>
+                              <p:cond delay="0"/>
+                            </p:stCondLst>
+                            <p:childTnLst>
+                              <p:par>
+                                <p:cTn id="5" presetID="1" presetClass="entr" presetSubtype="0" fill="hold" nodeType="clickEffect">
+                                  <p:stCondLst>
+                                    <p:cond delay="0"/>
+                                  </p:stCondLst>
+                                  <p:childTnLst>
+                                    <p:set>
+                                      <p:cBhvr>
+                                        <p:cTn id="6" dur="1" fill="hold">
+                                          <p:stCondLst>
+                                            <p:cond delay="0"/>
+                                          </p:stCondLst>
+                                        </p:cTn>
+                                        <p:tgtEl>
+                                          <p:spTgt spid="3">
+                                            <p:txEl>
+                                              <p:pRg st="0" end="0"/>
+                                            </p:txEl>
+                                          </p:spTgt>
+                                        </p:tgtEl>
+                                        <p:attrNameLst>
+                                          <p:attrName>style.visibility</p:attrName>
+                                        </p:attrNameLst>
+                                      </p:cBhvr>
+                                      <p:to>
+                                        <p:strVal val="visible"/>
+                                      </p:to>
+                                    </p:set>
+                                  </p:childTnLst>
+                                </p:cTn>
+                              </p:par>
+                            </p:childTnLst>
+                          </p:cTn>
+                        </p:par>
+                      </p:childTnLst>
+                    </p:cTn>
+                  </p:par>
+                  <p:par>
+                    <p:cTn id="7" fill="hold">
+                      <p:stCondLst>
+                        <p:cond delay="indefinite"/>
+                      </p:stCondLst>
+                      <p:childTnLst>
+                        <p:par>
+                          <p:cTn id="8" fill="hold">
+                            <p:stCondLst>
+                              <p:cond delay="0"/>
+                            </p:stCondLst>
+                            <p:childTnLst>
+                              <p:par>
+                                <p:cTn id="9" presetID="1" presetClass="entr" presetSubtype="0" fill="hold" nodeType="clickEffect">
+                                  <p:stCondLst>
+                                    <p:cond delay="0"/>
+                                  </p:stCondLst>
+                                  <p:childTnLst>
+                                    <p:set>
+                                      <p:cBhvr>
+                                        <p:cTn id="10" dur="1" fill="hold">
+                                          <p:stCondLst>
+                                            <p:cond delay="0"/>
+                                          </p:stCondLst>
+                                        </p:cTn>
+                                        <p:tgtEl>
+                                          <p:spTgt spid="3">
+                                            <p:txEl>
+                                              <p:pRg st="1" end="1"/>
+                                            </p:txEl>
+                                          </p:spTgt>
+                                        </p:tgtEl>
+                                        <p:attrNameLst>
+                                          <p:attrName>style.visibility</p:attrName>
+                                        </p:attrNameLst>
+                                      </p:cBhvr>
+                                      <p:to>
+                                        <p:strVal val="visible"/>
+                                      </p:to>
+                                    </p:set>
+                                  </p:childTnLst>
+                                </p:cTn>
+                              </p:par>
+                            </p:childTnLst>
+                          </p:cTn>
+                        </p:par>
+                      </p:childTnLst>
+                    </p:cTn>
+                  </p:par>
+                  <p:par>
+                    <p:cTn id="11" fill="hold">
+                      <p:stCondLst>
+                        <p:cond delay="indefinite"/>
+                      </p:stCondLst>
+                      <p:childTnLst>
+                        <p:par>
+                          <p:cTn id="12" fill="hold">
+                            <p:stCondLst>
+                              <p:cond delay="0"/>
+                            </p:stCondLst>
+                            <p:childTnLst>
+                              <p:par>
+                                <p:cTn id="13" presetID="1" presetClass="entr" presetSubtype="0" fill="hold" nodeType="clickEffect">
+                                  <p:stCondLst>
+                                    <p:cond delay="0"/>
+                                  </p:stCondLst>
+                                  <p:childTnLst>
+                                    <p:set>
+                                      <p:cBhvr>
+                                        <p:cTn id="14" dur="1" fill="hold">
+                                          <p:stCondLst>
+                                            <p:cond delay="0"/>
+                                          </p:stCondLst>
+                                        </p:cTn>
+                                        <p:tgtEl>
+                                          <p:spTgt spid="13"/>
+                                        </p:tgtEl>
+                                        <p:attrNameLst>
+                                          <p:attrName>style.visibility</p:attrName>
+                                        </p:attrNameLst>
+                                      </p:cBhvr>
+                                      <p:to>
+                                        <p:strVal val="visible"/>
+                                      </p:to>
+                                    </p:set>
+                                  </p:childTnLst>
+                                </p:cTn>
+                              </p:par>
+                            </p:childTnLst>
+                          </p:cTn>
+                        </p:par>
+                      </p:childTnLst>
+                    </p:cTn>
+                  </p:par>
+                  <p:par>
+                    <p:cTn id="15" fill="hold">
+                      <p:stCondLst>
+                        <p:cond delay="indefinite"/>
+                      </p:stCondLst>
+                      <p:childTnLst>
+                        <p:par>
+                          <p:cTn id="16" fill="hold">
+                            <p:stCondLst>
+                              <p:cond delay="0"/>
+                            </p:stCondLst>
+                            <p:childTnLst>
+                              <p:par>
+                                <p:cTn id="17" presetID="1" presetClass="entr" presetSubtype="0" fill="hold" nodeType="clickEffect">
+                                  <p:stCondLst>
+                                    <p:cond delay="0"/>
+                                  </p:stCondLst>
+                                  <p:childTnLst>
+                                    <p:set>
+                                      <p:cBhvr>
+                                        <p:cTn id="18" dur="1" fill="hold">
+                                          <p:stCondLst>
+                                            <p:cond delay="0"/>
+                                          </p:stCondLst>
+                                        </p:cTn>
+                                        <p:tgtEl>
+                                          <p:spTgt spid="3">
+                                            <p:txEl>
+                                              <p:pRg st="2" end="2"/>
+                                            </p:txEl>
+                                          </p:spTgt>
+                                        </p:tgtEl>
+                                        <p:attrNameLst>
+                                          <p:attrName>style.visibility</p:attrName>
+                                        </p:attrNameLst>
+                                      </p:cBhvr>
+                                      <p:to>
+                                        <p:strVal val="visible"/>
+                                      </p:to>
+                                    </p:set>
+                                  </p:childTnLst>
+                                </p:cTn>
+                              </p:par>
+                            </p:childTnLst>
+                          </p:cTn>
+                        </p:par>
+                      </p:childTnLst>
+                    </p:cTn>
+                  </p:par>
+                  <p:par>
+                    <p:cTn id="19" fill="hold">
+                      <p:stCondLst>
+                        <p:cond delay="indefinite"/>
+                      </p:stCondLst>
+                      <p:childTnLst>
+                        <p:par>
+                          <p:cTn id="20" fill="hold">
+                            <p:stCondLst>
+                              <p:cond delay="0"/>
+                            </p:stCondLst>
+                            <p:childTnLst>
+                              <p:par>
+                                <p:cTn id="21" presetID="1" presetClass="entr" presetSubtype="0" fill="hold" nodeType="clickEffect">
+                                  <p:stCondLst>
+                                    <p:cond delay="0"/>
+                                  </p:stCondLst>
+                                  <p:childTnLst>
+                                    <p:set>
+                                      <p:cBhvr>
+                                        <p:cTn id="22" dur="1" fill="hold">
+                                          <p:stCondLst>
+                                            <p:cond delay="0"/>
+                                          </p:stCondLst>
+                                        </p:cTn>
+                                        <p:tgtEl>
+                                          <p:spTgt spid="14"/>
+                                        </p:tgtEl>
+                                        <p:attrNameLst>
+                                          <p:attrName>style.visibility</p:attrName>
+                                        </p:attrNameLst>
+                                      </p:cBhvr>
+                                      <p:to>
+                                        <p:strVal val="visible"/>
+                                      </p:to>
+                                    </p:set>
+                                  </p:childTnLst>
+                                </p:cTn>
+                              </p:par>
+                            </p:childTnLst>
+                          </p:cTn>
+                        </p:par>
+                      </p:childTnLst>
+                    </p:cTn>
+                  </p:par>
+                  <p:par>
+                    <p:cTn id="23" fill="hold">
+                      <p:stCondLst>
+                        <p:cond delay="indefinite"/>
+                      </p:stCondLst>
+                      <p:childTnLst>
+                        <p:par>
+                          <p:cTn id="24" fill="hold">
+                            <p:stCondLst>
+                              <p:cond delay="0"/>
+                            </p:stCondLst>
+                            <p:childTnLst>
+                              <p:par>
+                                <p:cTn id="25" presetID="1" presetClass="entr" presetSubtype="0" fill="hold" nodeType="clickEffect">
+                                  <p:stCondLst>
+                                    <p:cond delay="0"/>
+                                  </p:stCondLst>
+                                  <p:childTnLst>
+                                    <p:set>
+                                      <p:cBhvr>
+                                        <p:cTn id="26" dur="1" fill="hold">
+                                          <p:stCondLst>
+                                            <p:cond delay="0"/>
+                                          </p:stCondLst>
+                                        </p:cTn>
+                                        <p:tgtEl>
+                                          <p:spTgt spid="3">
+                                            <p:txEl>
+                                              <p:pRg st="3" end="3"/>
+                                            </p:txEl>
+                                          </p:spTgt>
+                                        </p:tgtEl>
+                                        <p:attrNameLst>
+                                          <p:attrName>style.visibility</p:attrName>
+                                        </p:attrNameLst>
+                                      </p:cBhvr>
+                                      <p:to>
+                                        <p:strVal val="visible"/>
+                                      </p:to>
+                                    </p:set>
+                                  </p:childTnLst>
+                                </p:cTn>
+                              </p:par>
+                            </p:childTnLst>
+                          </p:cTn>
+                        </p:par>
+                      </p:childTnLst>
+                    </p:cTn>
+                  </p:par>
+                  <p:par>
+                    <p:cTn id="27" fill="hold">
+                      <p:stCondLst>
+                        <p:cond delay="indefinite"/>
+                      </p:stCondLst>
+                      <p:childTnLst>
+                        <p:par>
+                          <p:cTn id="28" fill="hold">
+                            <p:stCondLst>
+                              <p:cond delay="0"/>
+                            </p:stCondLst>
+                            <p:childTnLst>
+                              <p:par>
+                                <p:cTn id="29" presetID="1" presetClass="entr" presetSubtype="0" fill="hold" nodeType="clickEffect">
+                                  <p:stCondLst>
+                                    <p:cond delay="0"/>
+                                  </p:stCondLst>
+                                  <p:childTnLst>
+                                    <p:set>
+                                      <p:cBhvr>
+                                        <p:cTn id="30" dur="1" fill="hold">
+                                          <p:stCondLst>
+                                            <p:cond delay="0"/>
+                                          </p:stCondLst>
+                                        </p:cTn>
+                                        <p:tgtEl>
+                                          <p:spTgt spid="15"/>
+                                        </p:tgtEl>
+                                        <p:attrNameLst>
+                                          <p:attrName>style.visibility</p:attrName>
+                                        </p:attrNameLst>
+                                      </p:cBhvr>
+                                      <p:to>
+                                        <p:strVal val="visible"/>
+                                      </p:to>
+                                    </p:set>
+                                  </p:childTnLst>
+                                </p:cTn>
+                              </p:par>
+                            </p:childTnLst>
+                          </p:cTn>
+                        </p:par>
+                      </p:childTnLst>
+                    </p:cTn>
+                  </p:par>
+                  <p:par>
+                    <p:cTn id="31" fill="hold">
+                      <p:stCondLst>
+                        <p:cond delay="indefinite"/>
+                      </p:stCondLst>
+                      <p:childTnLst>
+                        <p:par>
+                          <p:cTn id="32" fill="hold">
+                            <p:stCondLst>
+                              <p:cond delay="0"/>
+                            </p:stCondLst>
+                            <p:childTnLst>
+                              <p:par>
+                                <p:cTn id="33" presetID="1" presetClass="entr" presetSubtype="0" fill="hold" nodeType="clickEffect">
+                                  <p:stCondLst>
+                                    <p:cond delay="0"/>
+                                  </p:stCondLst>
+                                  <p:childTnLst>
+                                    <p:set>
+                                      <p:cBhvr>
+                                        <p:cTn id="34" dur="1" fill="hold">
+                                          <p:stCondLst>
+                                            <p:cond delay="0"/>
+                                          </p:stCondLst>
+                                        </p:cTn>
+                                        <p:tgtEl>
+                                          <p:spTgt spid="3">
+                                            <p:txEl>
+                                              <p:pRg st="5" end="5"/>
+                                            </p:txEl>
+                                          </p:spTgt>
+                                        </p:tgtEl>
+                                        <p:attrNameLst>
+                                          <p:attrName>style.visibility</p:attrName>
+                                        </p:attrNameLst>
+                                      </p:cBhvr>
+                                      <p:to>
+                                        <p:strVal val="visible"/>
+                                      </p:to>
+                                    </p:set>
+                                  </p:childTnLst>
+                                </p:cTn>
+                              </p:par>
+                            </p:childTnLst>
+                          </p:cTn>
+                        </p:par>
+                      </p:childTnLst>
+                    </p:cTn>
+                  </p:par>
+                  <p:par>
+                    <p:cTn id="35" fill="hold">
+                      <p:stCondLst>
+                        <p:cond delay="indefinite"/>
+                      </p:stCondLst>
+                      <p:childTnLst>
+                        <p:par>
+                          <p:cTn id="36" fill="hold">
+                            <p:stCondLst>
+                              <p:cond delay="0"/>
+                            </p:stCondLst>
+                            <p:childTnLst>
+                              <p:par>
+                                <p:cTn id="37" presetID="1" presetClass="entr" presetSubtype="0" fill="hold" nodeType="clickEffect">
+                                  <p:stCondLst>
+                                    <p:cond delay="0"/>
+                                  </p:stCondLst>
+                                  <p:childTnLst>
+                                    <p:set>
+                                      <p:cBhvr>
+                                        <p:cTn id="38" dur="1" fill="hold">
+                                          <p:stCondLst>
+                                            <p:cond delay="0"/>
+                                          </p:stCondLst>
+                                        </p:cTn>
+                                        <p:tgtEl>
+                                          <p:spTgt spid="8"/>
+                                        </p:tgtEl>
+                                        <p:attrNameLst>
+                                          <p:attrName>style.visibility</p:attrName>
+                                        </p:attrNameLst>
+                                      </p:cBhvr>
+                                      <p:to>
+                                        <p:strVal val="visible"/>
+                                      </p:to>
+                                    </p:set>
+                                  </p:childTnLst>
+                                </p:cTn>
+                              </p:par>
+                            </p:childTnLst>
+                          </p:cTn>
+                        </p:par>
+                      </p:childTnLst>
+                    </p:cTn>
+                  </p:par>
+                  <p:par>
+                    <p:cTn id="39" fill="hold">
+                      <p:stCondLst>
+                        <p:cond delay="indefinite"/>
+                      </p:stCondLst>
+                      <p:childTnLst>
+                        <p:par>
+                          <p:cTn id="40" fill="hold">
+                            <p:stCondLst>
+                              <p:cond delay="0"/>
+                            </p:stCondLst>
+                            <p:childTnLst>
+                              <p:par>
+                                <p:cTn id="41" presetID="1" presetClass="entr" presetSubtype="0" fill="hold" nodeType="clickEffect">
+                                  <p:stCondLst>
+                                    <p:cond delay="0"/>
+                                  </p:stCondLst>
+                                  <p:childTnLst>
+                                    <p:set>
+                                      <p:cBhvr>
+                                        <p:cTn id="42" dur="1" fill="hold">
+                                          <p:stCondLst>
+                                            <p:cond delay="0"/>
+                                          </p:stCondLst>
+                                        </p:cTn>
+                                        <p:tgtEl>
+                                          <p:spTgt spid="9"/>
+                                        </p:tgtEl>
+                                        <p:attrNameLst>
+                                          <p:attrName>style.visibility</p:attrName>
+                                        </p:attrNameLst>
+                                      </p:cBhvr>
+                                      <p:to>
+                                        <p:strVal val="visible"/>
+                                      </p:to>
+                                    </p:set>
+                                  </p:childTnLst>
+                                </p:cTn>
+                              </p:par>
+                            </p:childTnLst>
+                          </p:cTn>
+                        </p:par>
+                      </p:childTnLst>
+                    </p:cTn>
+                  </p:par>
+                  <p:par>
+                    <p:cTn id="43" fill="hold">
+                      <p:stCondLst>
+                        <p:cond delay="indefinite"/>
+                      </p:stCondLst>
+                      <p:childTnLst>
+                        <p:par>
+                          <p:cTn id="44" fill="hold">
+                            <p:stCondLst>
+                              <p:cond delay="0"/>
+                            </p:stCondLst>
+                            <p:childTnLst>
+                              <p:par>
+                                <p:cTn id="45" presetID="1" presetClass="entr" presetSubtype="0" fill="hold" nodeType="clickEffect">
+                                  <p:stCondLst>
+                                    <p:cond delay="0"/>
+                                  </p:stCondLst>
+                                  <p:childTnLst>
+                                    <p:set>
+                                      <p:cBhvr>
+                                        <p:cTn id="46" dur="1" fill="hold">
+                                          <p:stCondLst>
+                                            <p:cond delay="0"/>
+                                          </p:stCondLst>
+                                        </p:cTn>
+                                        <p:tgtEl>
+                                          <p:spTgt spid="3">
+                                            <p:txEl>
+                                              <p:pRg st="7" end="7"/>
+                                            </p:txEl>
+                                          </p:spTgt>
+                                        </p:tgtEl>
+                                        <p:attrNameLst>
+                                          <p:attrName>style.visibility</p:attrName>
+                                        </p:attrNameLst>
+                                      </p:cBhvr>
+                                      <p:to>
+                                        <p:strVal val="visible"/>
+                                      </p:to>
+                                    </p:set>
+                                  </p:childTnLst>
+                                </p:cTn>
+                              </p:par>
+                            </p:childTnLst>
+                          </p:cTn>
+                        </p:par>
+                      </p:childTnLst>
+                    </p:cTn>
+                  </p:par>
+                  <p:par>
+                    <p:cTn id="47" fill="hold">
+                      <p:stCondLst>
+                        <p:cond delay="indefinite"/>
+                      </p:stCondLst>
+                      <p:childTnLst>
+                        <p:par>
+                          <p:cTn id="48" fill="hold">
+                            <p:stCondLst>
+                              <p:cond delay="0"/>
+                            </p:stCondLst>
+                            <p:childTnLst>
+                              <p:par>
+                                <p:cTn id="49" presetID="1" presetClass="entr" presetSubtype="0" fill="hold" nodeType="clickEffect">
+                                  <p:stCondLst>
+                                    <p:cond delay="0"/>
+                                  </p:stCondLst>
+                                  <p:childTnLst>
+                                    <p:set>
+                                      <p:cBhvr>
+                                        <p:cTn id="50" dur="1" fill="hold">
+                                          <p:stCondLst>
+                                            <p:cond delay="0"/>
+                                          </p:stCondLst>
+                                        </p:cTn>
+                                        <p:tgtEl>
+                                          <p:spTgt spid="3">
+                                            <p:txEl>
+                                              <p:pRg st="8" end="8"/>
+                                            </p:txEl>
+                                          </p:spTgt>
+                                        </p:tgtEl>
+                                        <p:attrNameLst>
+                                          <p:attrName>style.visibility</p:attrName>
+                                        </p:attrNameLst>
+                                      </p:cBhvr>
+                                      <p:to>
+                                        <p:strVal val="visible"/>
+                                      </p:to>
+                                    </p:set>
+                                  </p:childTnLst>
+                                </p:cTn>
+                              </p:par>
+                            </p:childTnLst>
+                          </p:cTn>
+                        </p:par>
+                      </p:childTnLst>
+                    </p:cTn>
+                  </p:par>
+                  <p:par>
+                    <p:cTn id="51" fill="hold">
+                      <p:stCondLst>
+                        <p:cond delay="indefinite"/>
+                      </p:stCondLst>
+                      <p:childTnLst>
+                        <p:par>
+                          <p:cTn id="52" fill="hold">
+                            <p:stCondLst>
+                              <p:cond delay="0"/>
+                            </p:stCondLst>
+                            <p:childTnLst>
+                              <p:par>
+                                <p:cTn id="53" presetID="1" presetClass="entr" presetSubtype="0" fill="hold" nodeType="clickEffect">
+                                  <p:stCondLst>
+                                    <p:cond delay="0"/>
+                                  </p:stCondLst>
+                                  <p:childTnLst>
+                                    <p:set>
+                                      <p:cBhvr>
+                                        <p:cTn id="54" dur="1" fill="hold">
+                                          <p:stCondLst>
+                                            <p:cond delay="0"/>
+                                          </p:stCondLst>
+                                        </p:cTn>
+                                        <p:tgtEl>
+                                          <p:spTgt spid="3">
+                                            <p:txEl>
+                                              <p:pRg st="9" end="9"/>
+                                            </p:txEl>
+                                          </p:spTgt>
+                                        </p:tgtEl>
+                                        <p:attrNameLst>
+                                          <p:attrName>style.visibility</p:attrName>
+                                        </p:attrNameLst>
+                                      </p:cBhvr>
+                                      <p:to>
+                                        <p:strVal val="visible"/>
+                                      </p:to>
+                                    </p:set>
+                                  </p:childTnLst>
+                                </p:cTn>
+                              </p:par>
+                            </p:childTnLst>
+                          </p:cTn>
+                        </p:par>
+                      </p:childTnLst>
+                    </p:cTn>
+                  </p:par>
+                  <p:par>
+                    <p:cTn id="55" fill="hold">
+                      <p:stCondLst>
+                        <p:cond delay="indefinite"/>
+                      </p:stCondLst>
+                      <p:childTnLst>
+                        <p:par>
+                          <p:cTn id="56" fill="hold">
+                            <p:stCondLst>
+                              <p:cond delay="0"/>
+                            </p:stCondLst>
+                            <p:childTnLst>
+                              <p:par>
+                                <p:cTn id="57" presetID="1" presetClass="entr" presetSubtype="0" fill="hold" nodeType="clickEffect">
+                                  <p:stCondLst>
+                                    <p:cond delay="0"/>
+                                  </p:stCondLst>
+                                  <p:childTnLst>
+                                    <p:set>
+                                      <p:cBhvr>
+                                        <p:cTn id="58" dur="1" fill="hold">
+                                          <p:stCondLst>
+                                            <p:cond delay="0"/>
+                                          </p:stCondLst>
+                                        </p:cTn>
+                                        <p:tgtEl>
+                                          <p:spTgt spid="3">
+                                            <p:txEl>
+                                              <p:pRg st="10" end="10"/>
+                                            </p:txEl>
+                                          </p:spTgt>
+                                        </p:tgtEl>
+                                        <p:attrNameLst>
+                                          <p:attrName>style.visibility</p:attrName>
+                                        </p:attrNameLst>
+                                      </p:cBhvr>
+                                      <p:to>
+                                        <p:strVal val="visible"/>
+                                      </p:to>
+                                    </p:set>
+                                  </p:childTnLst>
+                                </p:cTn>
+                              </p:par>
+                            </p:childTnLst>
+                          </p:cTn>
+                        </p:par>
+                      </p:childTnLst>
+                    </p:cTn>
+                  </p:par>
+                  <p:par>
+                    <p:cTn id="59" fill="hold">
+                      <p:stCondLst>
+                        <p:cond delay="indefinite"/>
+                      </p:stCondLst>
+                      <p:childTnLst>
+                        <p:par>
+                          <p:cTn id="60" fill="hold">
+                            <p:stCondLst>
+                              <p:cond delay="0"/>
+                            </p:stCondLst>
+                            <p:childTnLst>
+                              <p:par>
+                                <p:cTn id="61" presetID="1" presetClass="entr" presetSubtype="0" fill="hold" nodeType="clickEffect">
+                                  <p:stCondLst>
+                                    <p:cond delay="0"/>
+                                  </p:stCondLst>
+                                  <p:childTnLst>
+                                    <p:set>
+                                      <p:cBhvr>
+                                        <p:cTn id="62" dur="1" fill="hold">
+                                          <p:stCondLst>
+                                            <p:cond delay="0"/>
+                                          </p:stCondLst>
+                                        </p:cTn>
+                                        <p:tgtEl>
+                                          <p:spTgt spid="3">
+                                            <p:txEl>
+                                              <p:pRg st="11" end="11"/>
+                                            </p:txEl>
+                                          </p:spTgt>
+                                        </p:tgtEl>
+                                        <p:attrNameLst>
+                                          <p:attrName>style.visibility</p:attrName>
+                                        </p:attrNameLst>
+                                      </p:cBhvr>
+                                      <p:to>
+                                        <p:strVal val="visible"/>
+                                      </p:to>
+                                    </p:set>
+                                  </p:childTnLst>
+                                </p:cTn>
+                              </p:par>
+                            </p:childTnLst>
+                          </p:cTn>
+                        </p:par>
+                      </p:childTnLst>
+                    </p:cTn>
+                  </p:par>
+                </p:childTnLst>
+              </p:cTn>
+              <p:prevCondLst>
+                <p:cond evt="onPrev" delay="0">
+                  <p:tgtEl>
+                    <p:sldTgt/>
+                  </p:tgtEl>
+                </p:cond>
+              </p:prevCondLst>
+              <p:nextCondLst>
+                <p:cond evt="onNext" delay="0">
+                  <p:tgtEl>
+                    <p:sldTgt/>
+                  </p:tgtEl>
+                </p:cond>
+              </p:nextCondLst>
+            </p:seq>
+          </p:childTnLst>
+        </p:cTn>
+      </p:par>
+    </p:tnLst>
+  </p:timing>
 </p:sld>
 </file>
 
@@ -10390,7 +13926,7 @@
           <a:p>
             <a:fld id="{BB7604C3-A478-448A-88D6-07EFA8665C1F}" type="datetime1">
               <a:rPr lang="de-DE" smtClean="0"/>
-              <a:t>04.11.2021</a:t>
+              <a:t>05.11.2021</a:t>
             </a:fld>
             <a:endParaRPr lang="en-US"/>
           </a:p>
@@ -10465,6 +14001,379 @@
   <p:clrMapOvr>
     <a:masterClrMapping/>
   </p:clrMapOvr>
+  <p:timing>
+    <p:tnLst>
+      <p:par>
+        <p:cTn id="1" dur="indefinite" restart="never" nodeType="tmRoot">
+          <p:childTnLst>
+            <p:seq concurrent="1" nextAc="seek">
+              <p:cTn id="2" dur="indefinite" nodeType="mainSeq">
+                <p:childTnLst>
+                  <p:par>
+                    <p:cTn id="3" fill="hold">
+                      <p:stCondLst>
+                        <p:cond delay="indefinite"/>
+                      </p:stCondLst>
+                      <p:childTnLst>
+                        <p:par>
+                          <p:cTn id="4" fill="hold">
+                            <p:stCondLst>
+                              <p:cond delay="0"/>
+                            </p:stCondLst>
+                            <p:childTnLst>
+                              <p:par>
+                                <p:cTn id="5" presetID="1" presetClass="entr" presetSubtype="0" fill="hold" nodeType="clickEffect">
+                                  <p:stCondLst>
+                                    <p:cond delay="0"/>
+                                  </p:stCondLst>
+                                  <p:childTnLst>
+                                    <p:set>
+                                      <p:cBhvr>
+                                        <p:cTn id="6" dur="1" fill="hold">
+                                          <p:stCondLst>
+                                            <p:cond delay="0"/>
+                                          </p:stCondLst>
+                                        </p:cTn>
+                                        <p:tgtEl>
+                                          <p:spTgt spid="3">
+                                            <p:txEl>
+                                              <p:pRg st="0" end="0"/>
+                                            </p:txEl>
+                                          </p:spTgt>
+                                        </p:tgtEl>
+                                        <p:attrNameLst>
+                                          <p:attrName>style.visibility</p:attrName>
+                                        </p:attrNameLst>
+                                      </p:cBhvr>
+                                      <p:to>
+                                        <p:strVal val="visible"/>
+                                      </p:to>
+                                    </p:set>
+                                  </p:childTnLst>
+                                </p:cTn>
+                              </p:par>
+                            </p:childTnLst>
+                          </p:cTn>
+                        </p:par>
+                      </p:childTnLst>
+                    </p:cTn>
+                  </p:par>
+                  <p:par>
+                    <p:cTn id="7" fill="hold">
+                      <p:stCondLst>
+                        <p:cond delay="indefinite"/>
+                      </p:stCondLst>
+                      <p:childTnLst>
+                        <p:par>
+                          <p:cTn id="8" fill="hold">
+                            <p:stCondLst>
+                              <p:cond delay="0"/>
+                            </p:stCondLst>
+                            <p:childTnLst>
+                              <p:par>
+                                <p:cTn id="9" presetID="1" presetClass="entr" presetSubtype="0" fill="hold" nodeType="clickEffect">
+                                  <p:stCondLst>
+                                    <p:cond delay="0"/>
+                                  </p:stCondLst>
+                                  <p:childTnLst>
+                                    <p:set>
+                                      <p:cBhvr>
+                                        <p:cTn id="10" dur="1" fill="hold">
+                                          <p:stCondLst>
+                                            <p:cond delay="0"/>
+                                          </p:stCondLst>
+                                        </p:cTn>
+                                        <p:tgtEl>
+                                          <p:spTgt spid="3">
+                                            <p:txEl>
+                                              <p:pRg st="1" end="1"/>
+                                            </p:txEl>
+                                          </p:spTgt>
+                                        </p:tgtEl>
+                                        <p:attrNameLst>
+                                          <p:attrName>style.visibility</p:attrName>
+                                        </p:attrNameLst>
+                                      </p:cBhvr>
+                                      <p:to>
+                                        <p:strVal val="visible"/>
+                                      </p:to>
+                                    </p:set>
+                                  </p:childTnLst>
+                                </p:cTn>
+                              </p:par>
+                            </p:childTnLst>
+                          </p:cTn>
+                        </p:par>
+                      </p:childTnLst>
+                    </p:cTn>
+                  </p:par>
+                  <p:par>
+                    <p:cTn id="11" fill="hold">
+                      <p:stCondLst>
+                        <p:cond delay="indefinite"/>
+                      </p:stCondLst>
+                      <p:childTnLst>
+                        <p:par>
+                          <p:cTn id="12" fill="hold">
+                            <p:stCondLst>
+                              <p:cond delay="0"/>
+                            </p:stCondLst>
+                            <p:childTnLst>
+                              <p:par>
+                                <p:cTn id="13" presetID="1" presetClass="entr" presetSubtype="0" fill="hold" nodeType="clickEffect">
+                                  <p:stCondLst>
+                                    <p:cond delay="0"/>
+                                  </p:stCondLst>
+                                  <p:childTnLst>
+                                    <p:set>
+                                      <p:cBhvr>
+                                        <p:cTn id="14" dur="1" fill="hold">
+                                          <p:stCondLst>
+                                            <p:cond delay="0"/>
+                                          </p:stCondLst>
+                                        </p:cTn>
+                                        <p:tgtEl>
+                                          <p:spTgt spid="3">
+                                            <p:txEl>
+                                              <p:pRg st="2" end="2"/>
+                                            </p:txEl>
+                                          </p:spTgt>
+                                        </p:tgtEl>
+                                        <p:attrNameLst>
+                                          <p:attrName>style.visibility</p:attrName>
+                                        </p:attrNameLst>
+                                      </p:cBhvr>
+                                      <p:to>
+                                        <p:strVal val="visible"/>
+                                      </p:to>
+                                    </p:set>
+                                  </p:childTnLst>
+                                </p:cTn>
+                              </p:par>
+                            </p:childTnLst>
+                          </p:cTn>
+                        </p:par>
+                      </p:childTnLst>
+                    </p:cTn>
+                  </p:par>
+                  <p:par>
+                    <p:cTn id="15" fill="hold">
+                      <p:stCondLst>
+                        <p:cond delay="indefinite"/>
+                      </p:stCondLst>
+                      <p:childTnLst>
+                        <p:par>
+                          <p:cTn id="16" fill="hold">
+                            <p:stCondLst>
+                              <p:cond delay="0"/>
+                            </p:stCondLst>
+                            <p:childTnLst>
+                              <p:par>
+                                <p:cTn id="17" presetID="1" presetClass="entr" presetSubtype="0" fill="hold" nodeType="clickEffect">
+                                  <p:stCondLst>
+                                    <p:cond delay="0"/>
+                                  </p:stCondLst>
+                                  <p:childTnLst>
+                                    <p:set>
+                                      <p:cBhvr>
+                                        <p:cTn id="18" dur="1" fill="hold">
+                                          <p:stCondLst>
+                                            <p:cond delay="0"/>
+                                          </p:stCondLst>
+                                        </p:cTn>
+                                        <p:tgtEl>
+                                          <p:spTgt spid="3">
+                                            <p:txEl>
+                                              <p:pRg st="3" end="3"/>
+                                            </p:txEl>
+                                          </p:spTgt>
+                                        </p:tgtEl>
+                                        <p:attrNameLst>
+                                          <p:attrName>style.visibility</p:attrName>
+                                        </p:attrNameLst>
+                                      </p:cBhvr>
+                                      <p:to>
+                                        <p:strVal val="visible"/>
+                                      </p:to>
+                                    </p:set>
+                                  </p:childTnLst>
+                                </p:cTn>
+                              </p:par>
+                            </p:childTnLst>
+                          </p:cTn>
+                        </p:par>
+                      </p:childTnLst>
+                    </p:cTn>
+                  </p:par>
+                  <p:par>
+                    <p:cTn id="19" fill="hold">
+                      <p:stCondLst>
+                        <p:cond delay="indefinite"/>
+                      </p:stCondLst>
+                      <p:childTnLst>
+                        <p:par>
+                          <p:cTn id="20" fill="hold">
+                            <p:stCondLst>
+                              <p:cond delay="0"/>
+                            </p:stCondLst>
+                            <p:childTnLst>
+                              <p:par>
+                                <p:cTn id="21" presetID="1" presetClass="entr" presetSubtype="0" fill="hold" nodeType="clickEffect">
+                                  <p:stCondLst>
+                                    <p:cond delay="0"/>
+                                  </p:stCondLst>
+                                  <p:childTnLst>
+                                    <p:set>
+                                      <p:cBhvr>
+                                        <p:cTn id="22" dur="1" fill="hold">
+                                          <p:stCondLst>
+                                            <p:cond delay="0"/>
+                                          </p:stCondLst>
+                                        </p:cTn>
+                                        <p:tgtEl>
+                                          <p:spTgt spid="3">
+                                            <p:txEl>
+                                              <p:pRg st="4" end="4"/>
+                                            </p:txEl>
+                                          </p:spTgt>
+                                        </p:tgtEl>
+                                        <p:attrNameLst>
+                                          <p:attrName>style.visibility</p:attrName>
+                                        </p:attrNameLst>
+                                      </p:cBhvr>
+                                      <p:to>
+                                        <p:strVal val="visible"/>
+                                      </p:to>
+                                    </p:set>
+                                  </p:childTnLst>
+                                </p:cTn>
+                              </p:par>
+                            </p:childTnLst>
+                          </p:cTn>
+                        </p:par>
+                      </p:childTnLst>
+                    </p:cTn>
+                  </p:par>
+                  <p:par>
+                    <p:cTn id="23" fill="hold">
+                      <p:stCondLst>
+                        <p:cond delay="indefinite"/>
+                      </p:stCondLst>
+                      <p:childTnLst>
+                        <p:par>
+                          <p:cTn id="24" fill="hold">
+                            <p:stCondLst>
+                              <p:cond delay="0"/>
+                            </p:stCondLst>
+                            <p:childTnLst>
+                              <p:par>
+                                <p:cTn id="25" presetID="1" presetClass="entr" presetSubtype="0" fill="hold" nodeType="clickEffect">
+                                  <p:stCondLst>
+                                    <p:cond delay="0"/>
+                                  </p:stCondLst>
+                                  <p:childTnLst>
+                                    <p:set>
+                                      <p:cBhvr>
+                                        <p:cTn id="26" dur="1" fill="hold">
+                                          <p:stCondLst>
+                                            <p:cond delay="0"/>
+                                          </p:stCondLst>
+                                        </p:cTn>
+                                        <p:tgtEl>
+                                          <p:spTgt spid="3">
+                                            <p:txEl>
+                                              <p:pRg st="5" end="5"/>
+                                            </p:txEl>
+                                          </p:spTgt>
+                                        </p:tgtEl>
+                                        <p:attrNameLst>
+                                          <p:attrName>style.visibility</p:attrName>
+                                        </p:attrNameLst>
+                                      </p:cBhvr>
+                                      <p:to>
+                                        <p:strVal val="visible"/>
+                                      </p:to>
+                                    </p:set>
+                                  </p:childTnLst>
+                                </p:cTn>
+                              </p:par>
+                            </p:childTnLst>
+                          </p:cTn>
+                        </p:par>
+                      </p:childTnLst>
+                    </p:cTn>
+                  </p:par>
+                  <p:par>
+                    <p:cTn id="27" fill="hold">
+                      <p:stCondLst>
+                        <p:cond delay="indefinite"/>
+                      </p:stCondLst>
+                      <p:childTnLst>
+                        <p:par>
+                          <p:cTn id="28" fill="hold">
+                            <p:stCondLst>
+                              <p:cond delay="0"/>
+                            </p:stCondLst>
+                            <p:childTnLst>
+                              <p:par>
+                                <p:cTn id="29" presetID="1" presetClass="entr" presetSubtype="0" fill="hold" nodeType="clickEffect">
+                                  <p:stCondLst>
+                                    <p:cond delay="0"/>
+                                  </p:stCondLst>
+                                  <p:childTnLst>
+                                    <p:set>
+                                      <p:cBhvr>
+                                        <p:cTn id="30" dur="1" fill="hold">
+                                          <p:stCondLst>
+                                            <p:cond delay="0"/>
+                                          </p:stCondLst>
+                                        </p:cTn>
+                                        <p:tgtEl>
+                                          <p:spTgt spid="3">
+                                            <p:txEl>
+                                              <p:pRg st="6" end="6"/>
+                                            </p:txEl>
+                                          </p:spTgt>
+                                        </p:tgtEl>
+                                        <p:attrNameLst>
+                                          <p:attrName>style.visibility</p:attrName>
+                                        </p:attrNameLst>
+                                      </p:cBhvr>
+                                      <p:to>
+                                        <p:strVal val="visible"/>
+                                      </p:to>
+                                    </p:set>
+                                  </p:childTnLst>
+                                </p:cTn>
+                              </p:par>
+                            </p:childTnLst>
+                          </p:cTn>
+                        </p:par>
+                      </p:childTnLst>
+                    </p:cTn>
+                  </p:par>
+                </p:childTnLst>
+              </p:cTn>
+              <p:prevCondLst>
+                <p:cond evt="onPrev" delay="0">
+                  <p:tgtEl>
+                    <p:sldTgt/>
+                  </p:tgtEl>
+                </p:cond>
+              </p:prevCondLst>
+              <p:nextCondLst>
+                <p:cond evt="onNext" delay="0">
+                  <p:tgtEl>
+                    <p:sldTgt/>
+                  </p:tgtEl>
+                </p:cond>
+              </p:nextCondLst>
+            </p:seq>
+          </p:childTnLst>
+        </p:cTn>
+      </p:par>
+    </p:tnLst>
+  </p:timing>
 </p:sld>
 </file>
 
@@ -10679,7 +14588,7 @@
           <a:p>
             <a:fld id="{BB7604C3-A478-448A-88D6-07EFA8665C1F}" type="datetime1">
               <a:rPr lang="de-DE" smtClean="0"/>
-              <a:t>04.11.2021</a:t>
+              <a:t>05.11.2021</a:t>
             </a:fld>
             <a:endParaRPr lang="en-US"/>
           </a:p>
@@ -10830,7 +14739,7 @@
           <a:p>
             <a:fld id="{BB7604C3-A478-448A-88D6-07EFA8665C1F}" type="datetime1">
               <a:rPr lang="de-DE" smtClean="0"/>
-              <a:t>04.11.2021</a:t>
+              <a:t>05.11.2021</a:t>
             </a:fld>
             <a:endParaRPr lang="en-US"/>
           </a:p>
@@ -11368,6 +15277,366 @@
   <p:clrMapOvr>
     <a:masterClrMapping/>
   </p:clrMapOvr>
+  <p:timing>
+    <p:tnLst>
+      <p:par>
+        <p:cTn id="1" dur="indefinite" restart="never" nodeType="tmRoot">
+          <p:childTnLst>
+            <p:seq concurrent="1" nextAc="seek">
+              <p:cTn id="2" dur="indefinite" nodeType="mainSeq">
+                <p:childTnLst>
+                  <p:par>
+                    <p:cTn id="3" fill="hold">
+                      <p:stCondLst>
+                        <p:cond delay="indefinite"/>
+                      </p:stCondLst>
+                      <p:childTnLst>
+                        <p:par>
+                          <p:cTn id="4" fill="hold">
+                            <p:stCondLst>
+                              <p:cond delay="0"/>
+                            </p:stCondLst>
+                            <p:childTnLst>
+                              <p:par>
+                                <p:cTn id="5" presetID="1" presetClass="entr" presetSubtype="0" fill="hold" grpId="0" nodeType="clickEffect">
+                                  <p:stCondLst>
+                                    <p:cond delay="0"/>
+                                  </p:stCondLst>
+                                  <p:childTnLst>
+                                    <p:set>
+                                      <p:cBhvr>
+                                        <p:cTn id="6" dur="1" fill="hold">
+                                          <p:stCondLst>
+                                            <p:cond delay="0"/>
+                                          </p:stCondLst>
+                                        </p:cTn>
+                                        <p:tgtEl>
+                                          <p:spTgt spid="25"/>
+                                        </p:tgtEl>
+                                        <p:attrNameLst>
+                                          <p:attrName>style.visibility</p:attrName>
+                                        </p:attrNameLst>
+                                      </p:cBhvr>
+                                      <p:to>
+                                        <p:strVal val="visible"/>
+                                      </p:to>
+                                    </p:set>
+                                  </p:childTnLst>
+                                </p:cTn>
+                              </p:par>
+                              <p:par>
+                                <p:cTn id="7" presetID="1" presetClass="entr" presetSubtype="0" fill="hold" grpId="0" nodeType="withEffect">
+                                  <p:stCondLst>
+                                    <p:cond delay="0"/>
+                                  </p:stCondLst>
+                                  <p:childTnLst>
+                                    <p:set>
+                                      <p:cBhvr>
+                                        <p:cTn id="8" dur="1" fill="hold">
+                                          <p:stCondLst>
+                                            <p:cond delay="0"/>
+                                          </p:stCondLst>
+                                        </p:cTn>
+                                        <p:tgtEl>
+                                          <p:spTgt spid="8"/>
+                                        </p:tgtEl>
+                                        <p:attrNameLst>
+                                          <p:attrName>style.visibility</p:attrName>
+                                        </p:attrNameLst>
+                                      </p:cBhvr>
+                                      <p:to>
+                                        <p:strVal val="visible"/>
+                                      </p:to>
+                                    </p:set>
+                                  </p:childTnLst>
+                                </p:cTn>
+                              </p:par>
+                            </p:childTnLst>
+                          </p:cTn>
+                        </p:par>
+                      </p:childTnLst>
+                    </p:cTn>
+                  </p:par>
+                  <p:par>
+                    <p:cTn id="9" fill="hold">
+                      <p:stCondLst>
+                        <p:cond delay="indefinite"/>
+                      </p:stCondLst>
+                      <p:childTnLst>
+                        <p:par>
+                          <p:cTn id="10" fill="hold">
+                            <p:stCondLst>
+                              <p:cond delay="0"/>
+                            </p:stCondLst>
+                            <p:childTnLst>
+                              <p:par>
+                                <p:cTn id="11" presetID="1" presetClass="entr" presetSubtype="0" fill="hold" grpId="0" nodeType="clickEffect">
+                                  <p:stCondLst>
+                                    <p:cond delay="0"/>
+                                  </p:stCondLst>
+                                  <p:childTnLst>
+                                    <p:set>
+                                      <p:cBhvr>
+                                        <p:cTn id="12" dur="1" fill="hold">
+                                          <p:stCondLst>
+                                            <p:cond delay="0"/>
+                                          </p:stCondLst>
+                                        </p:cTn>
+                                        <p:tgtEl>
+                                          <p:spTgt spid="9"/>
+                                        </p:tgtEl>
+                                        <p:attrNameLst>
+                                          <p:attrName>style.visibility</p:attrName>
+                                        </p:attrNameLst>
+                                      </p:cBhvr>
+                                      <p:to>
+                                        <p:strVal val="visible"/>
+                                      </p:to>
+                                    </p:set>
+                                  </p:childTnLst>
+                                </p:cTn>
+                              </p:par>
+                              <p:par>
+                                <p:cTn id="13" presetID="1" presetClass="entr" presetSubtype="0" fill="hold" grpId="0" nodeType="withEffect">
+                                  <p:stCondLst>
+                                    <p:cond delay="0"/>
+                                  </p:stCondLst>
+                                  <p:childTnLst>
+                                    <p:set>
+                                      <p:cBhvr>
+                                        <p:cTn id="14" dur="1" fill="hold">
+                                          <p:stCondLst>
+                                            <p:cond delay="0"/>
+                                          </p:stCondLst>
+                                        </p:cTn>
+                                        <p:tgtEl>
+                                          <p:spTgt spid="10"/>
+                                        </p:tgtEl>
+                                        <p:attrNameLst>
+                                          <p:attrName>style.visibility</p:attrName>
+                                        </p:attrNameLst>
+                                      </p:cBhvr>
+                                      <p:to>
+                                        <p:strVal val="visible"/>
+                                      </p:to>
+                                    </p:set>
+                                  </p:childTnLst>
+                                </p:cTn>
+                              </p:par>
+                            </p:childTnLst>
+                          </p:cTn>
+                        </p:par>
+                      </p:childTnLst>
+                    </p:cTn>
+                  </p:par>
+                  <p:par>
+                    <p:cTn id="15" fill="hold">
+                      <p:stCondLst>
+                        <p:cond delay="indefinite"/>
+                      </p:stCondLst>
+                      <p:childTnLst>
+                        <p:par>
+                          <p:cTn id="16" fill="hold">
+                            <p:stCondLst>
+                              <p:cond delay="0"/>
+                            </p:stCondLst>
+                            <p:childTnLst>
+                              <p:par>
+                                <p:cTn id="17" presetID="1" presetClass="entr" presetSubtype="0" fill="hold" nodeType="clickEffect">
+                                  <p:stCondLst>
+                                    <p:cond delay="0"/>
+                                  </p:stCondLst>
+                                  <p:childTnLst>
+                                    <p:set>
+                                      <p:cBhvr>
+                                        <p:cTn id="18" dur="1" fill="hold">
+                                          <p:stCondLst>
+                                            <p:cond delay="0"/>
+                                          </p:stCondLst>
+                                        </p:cTn>
+                                        <p:tgtEl>
+                                          <p:spTgt spid="29"/>
+                                        </p:tgtEl>
+                                        <p:attrNameLst>
+                                          <p:attrName>style.visibility</p:attrName>
+                                        </p:attrNameLst>
+                                      </p:cBhvr>
+                                      <p:to>
+                                        <p:strVal val="visible"/>
+                                      </p:to>
+                                    </p:set>
+                                  </p:childTnLst>
+                                </p:cTn>
+                              </p:par>
+                              <p:par>
+                                <p:cTn id="19" presetID="1" presetClass="entr" presetSubtype="0" fill="hold" nodeType="withEffect">
+                                  <p:stCondLst>
+                                    <p:cond delay="0"/>
+                                  </p:stCondLst>
+                                  <p:childTnLst>
+                                    <p:set>
+                                      <p:cBhvr>
+                                        <p:cTn id="20" dur="1" fill="hold">
+                                          <p:stCondLst>
+                                            <p:cond delay="0"/>
+                                          </p:stCondLst>
+                                        </p:cTn>
+                                        <p:tgtEl>
+                                          <p:spTgt spid="17"/>
+                                        </p:tgtEl>
+                                        <p:attrNameLst>
+                                          <p:attrName>style.visibility</p:attrName>
+                                        </p:attrNameLst>
+                                      </p:cBhvr>
+                                      <p:to>
+                                        <p:strVal val="visible"/>
+                                      </p:to>
+                                    </p:set>
+                                  </p:childTnLst>
+                                </p:cTn>
+                              </p:par>
+                              <p:par>
+                                <p:cTn id="21" presetID="1" presetClass="entr" presetSubtype="0" fill="hold" nodeType="withEffect">
+                                  <p:stCondLst>
+                                    <p:cond delay="0"/>
+                                  </p:stCondLst>
+                                  <p:childTnLst>
+                                    <p:set>
+                                      <p:cBhvr>
+                                        <p:cTn id="22" dur="1" fill="hold">
+                                          <p:stCondLst>
+                                            <p:cond delay="0"/>
+                                          </p:stCondLst>
+                                        </p:cTn>
+                                        <p:tgtEl>
+                                          <p:spTgt spid="13"/>
+                                        </p:tgtEl>
+                                        <p:attrNameLst>
+                                          <p:attrName>style.visibility</p:attrName>
+                                        </p:attrNameLst>
+                                      </p:cBhvr>
+                                      <p:to>
+                                        <p:strVal val="visible"/>
+                                      </p:to>
+                                    </p:set>
+                                  </p:childTnLst>
+                                </p:cTn>
+                              </p:par>
+                              <p:par>
+                                <p:cTn id="23" presetID="1" presetClass="entr" presetSubtype="0" fill="hold" nodeType="withEffect">
+                                  <p:stCondLst>
+                                    <p:cond delay="0"/>
+                                  </p:stCondLst>
+                                  <p:childTnLst>
+                                    <p:set>
+                                      <p:cBhvr>
+                                        <p:cTn id="24" dur="1" fill="hold">
+                                          <p:stCondLst>
+                                            <p:cond delay="0"/>
+                                          </p:stCondLst>
+                                        </p:cTn>
+                                        <p:tgtEl>
+                                          <p:spTgt spid="33"/>
+                                        </p:tgtEl>
+                                        <p:attrNameLst>
+                                          <p:attrName>style.visibility</p:attrName>
+                                        </p:attrNameLst>
+                                      </p:cBhvr>
+                                      <p:to>
+                                        <p:strVal val="visible"/>
+                                      </p:to>
+                                    </p:set>
+                                  </p:childTnLst>
+                                </p:cTn>
+                              </p:par>
+                              <p:par>
+                                <p:cTn id="25" presetID="1" presetClass="entr" presetSubtype="0" fill="hold" nodeType="withEffect">
+                                  <p:stCondLst>
+                                    <p:cond delay="0"/>
+                                  </p:stCondLst>
+                                  <p:childTnLst>
+                                    <p:set>
+                                      <p:cBhvr>
+                                        <p:cTn id="26" dur="1" fill="hold">
+                                          <p:stCondLst>
+                                            <p:cond delay="0"/>
+                                          </p:stCondLst>
+                                        </p:cTn>
+                                        <p:tgtEl>
+                                          <p:spTgt spid="21"/>
+                                        </p:tgtEl>
+                                        <p:attrNameLst>
+                                          <p:attrName>style.visibility</p:attrName>
+                                        </p:attrNameLst>
+                                      </p:cBhvr>
+                                      <p:to>
+                                        <p:strVal val="visible"/>
+                                      </p:to>
+                                    </p:set>
+                                  </p:childTnLst>
+                                </p:cTn>
+                              </p:par>
+                              <p:par>
+                                <p:cTn id="27" presetID="1" presetClass="entr" presetSubtype="0" fill="hold" nodeType="withEffect">
+                                  <p:stCondLst>
+                                    <p:cond delay="0"/>
+                                  </p:stCondLst>
+                                  <p:childTnLst>
+                                    <p:set>
+                                      <p:cBhvr>
+                                        <p:cTn id="28" dur="1" fill="hold">
+                                          <p:stCondLst>
+                                            <p:cond delay="0"/>
+                                          </p:stCondLst>
+                                        </p:cTn>
+                                        <p:tgtEl>
+                                          <p:spTgt spid="37"/>
+                                        </p:tgtEl>
+                                        <p:attrNameLst>
+                                          <p:attrName>style.visibility</p:attrName>
+                                        </p:attrNameLst>
+                                      </p:cBhvr>
+                                      <p:to>
+                                        <p:strVal val="visible"/>
+                                      </p:to>
+                                    </p:set>
+                                  </p:childTnLst>
+                                </p:cTn>
+                              </p:par>
+                            </p:childTnLst>
+                          </p:cTn>
+                        </p:par>
+                      </p:childTnLst>
+                    </p:cTn>
+                  </p:par>
+                </p:childTnLst>
+              </p:cTn>
+              <p:prevCondLst>
+                <p:cond evt="onPrev" delay="0">
+                  <p:tgtEl>
+                    <p:sldTgt/>
+                  </p:tgtEl>
+                </p:cond>
+              </p:prevCondLst>
+              <p:nextCondLst>
+                <p:cond evt="onNext" delay="0">
+                  <p:tgtEl>
+                    <p:sldTgt/>
+                  </p:tgtEl>
+                </p:cond>
+              </p:nextCondLst>
+            </p:seq>
+          </p:childTnLst>
+        </p:cTn>
+      </p:par>
+    </p:tnLst>
+    <p:bldLst>
+      <p:bldP spid="8" grpId="0" animBg="1"/>
+      <p:bldP spid="25" grpId="0" animBg="1"/>
+      <p:bldP spid="9" grpId="0" animBg="1"/>
+      <p:bldP spid="10" grpId="0" animBg="1"/>
+    </p:bldLst>
+  </p:timing>
 </p:sld>
 </file>
 
@@ -11439,7 +15708,7 @@
           <a:p>
             <a:fld id="{BB7604C3-A478-448A-88D6-07EFA8665C1F}" type="datetime1">
               <a:rPr lang="de-DE" smtClean="0"/>
-              <a:t>04.11.2021</a:t>
+              <a:t>05.11.2021</a:t>
             </a:fld>
             <a:endParaRPr lang="en-US"/>
           </a:p>
@@ -11773,7 +16042,7 @@
           <a:p>
             <a:fld id="{BB7604C3-A478-448A-88D6-07EFA8665C1F}" type="datetime1">
               <a:rPr lang="de-DE" smtClean="0"/>
-              <a:t>04.11.2021</a:t>
+              <a:t>05.11.2021</a:t>
             </a:fld>
             <a:endParaRPr lang="en-US"/>
           </a:p>
@@ -12368,18 +16637,18 @@
 </file>
 
 <file path=customXml/item1.xml><?xml version="1.0" encoding="utf-8"?>
+<p:properties xmlns:p="http://schemas.microsoft.com/office/2006/metadata/properties" xmlns:xsi="http://www.w3.org/2001/XMLSchema-instance" xmlns:pc="http://schemas.microsoft.com/office/infopath/2007/PartnerControls">
+  <documentManagement/>
+</p:properties>
+</file>
+
+<file path=customXml/item2.xml><?xml version="1.0" encoding="utf-8"?>
 <?mso-contentType ?>
 <FormTemplates xmlns="http://schemas.microsoft.com/sharepoint/v3/contenttype/forms">
   <Display>DocumentLibraryForm</Display>
   <Edit>DocumentLibraryForm</Edit>
   <New>DocumentLibraryForm</New>
 </FormTemplates>
-</file>
-
-<file path=customXml/item2.xml><?xml version="1.0" encoding="utf-8"?>
-<p:properties xmlns:p="http://schemas.microsoft.com/office/2006/metadata/properties" xmlns:xsi="http://www.w3.org/2001/XMLSchema-instance" xmlns:pc="http://schemas.microsoft.com/office/infopath/2007/PartnerControls">
-  <documentManagement/>
-</p:properties>
 </file>
 
 <file path=customXml/item3.xml><?xml version="1.0" encoding="utf-8"?>
@@ -12515,14 +16784,6 @@
 </file>
 
 <file path=customXml/itemProps1.xml><?xml version="1.0" encoding="utf-8"?>
-<ds:datastoreItem xmlns:ds="http://schemas.openxmlformats.org/officeDocument/2006/customXml" ds:itemID="{2ABFB1C4-DEB4-4487-BA3A-A97A672A3FD3}">
-  <ds:schemaRefs>
-    <ds:schemaRef ds:uri="http://schemas.microsoft.com/sharepoint/v3/contenttype/forms"/>
-  </ds:schemaRefs>
-</ds:datastoreItem>
-</file>
-
-<file path=customXml/itemProps2.xml><?xml version="1.0" encoding="utf-8"?>
 <ds:datastoreItem xmlns:ds="http://schemas.openxmlformats.org/officeDocument/2006/customXml" ds:itemID="{FA6182B4-BB90-4186-BC76-0BE8F85920D5}">
   <ds:schemaRefs>
     <ds:schemaRef ds:uri="2e5082aa-21a9-4fb8-bc02-de89f01dc016"/>
@@ -12534,6 +16795,14 @@
     <ds:schemaRef ds:uri="http://schemas.microsoft.com/office/infopath/2007/PartnerControls"/>
     <ds:schemaRef ds:uri="http://schemas.openxmlformats.org/package/2006/metadata/core-properties"/>
     <ds:schemaRef ds:uri="http://www.w3.org/XML/1998/namespace"/>
+  </ds:schemaRefs>
+</ds:datastoreItem>
+</file>
+
+<file path=customXml/itemProps2.xml><?xml version="1.0" encoding="utf-8"?>
+<ds:datastoreItem xmlns:ds="http://schemas.openxmlformats.org/officeDocument/2006/customXml" ds:itemID="{2ABFB1C4-DEB4-4487-BA3A-A97A672A3FD3}">
+  <ds:schemaRefs>
+    <ds:schemaRef ds:uri="http://schemas.microsoft.com/sharepoint/v3/contenttype/forms"/>
   </ds:schemaRefs>
 </ds:datastoreItem>
 </file>

--- a/Vortrag.pptx
+++ b/Vortrag.pptx
@@ -10735,7 +10735,7 @@
         </p:spPr>
         <p:txBody>
           <a:bodyPr>
-            <a:normAutofit fontScale="77500" lnSpcReduction="20000"/>
+            <a:normAutofit fontScale="55000" lnSpcReduction="20000"/>
           </a:bodyPr>
           <a:lstStyle/>
           <a:p>
@@ -10790,6 +10790,20 @@
             <a:r>
               <a:rPr lang="de-DE" sz="4000" b="1" dirty="0"/>
               <a:t>Zusammenspiel der Technologien</a:t>
+            </a:r>
+          </a:p>
+          <a:p>
+            <a:pPr lvl="1"/>
+            <a:r>
+              <a:rPr lang="de-DE" sz="3800" b="1" dirty="0"/>
+              <a:t>Anwendungsfall</a:t>
+            </a:r>
+          </a:p>
+          <a:p>
+            <a:pPr lvl="1"/>
+            <a:r>
+              <a:rPr lang="de-DE" sz="3800" b="1" dirty="0"/>
+              <a:t>Ablauf</a:t>
             </a:r>
           </a:p>
           <a:p>
@@ -11209,33 +11223,8 @@
           <a:p>
             <a:r>
               <a:rPr lang="de-DE" dirty="0"/>
-              <a:t>Zusammenspiel der Technologien (1)</a:t>
-            </a:r>
-          </a:p>
-        </p:txBody>
-      </p:sp>
-      <p:sp>
-        <p:nvSpPr>
-          <p:cNvPr id="3" name="Inhaltsplatzhalter 2">
-            <a:extLst>
-              <a:ext uri="{FF2B5EF4-FFF2-40B4-BE49-F238E27FC236}">
-                <a16:creationId xmlns:a16="http://schemas.microsoft.com/office/drawing/2014/main" id="{A7C4112E-0D9B-4164-BD7D-1BD4D28B9D15}"/>
-              </a:ext>
-            </a:extLst>
-          </p:cNvPr>
-          <p:cNvSpPr>
-            <a:spLocks noGrp="1"/>
-          </p:cNvSpPr>
-          <p:nvPr>
-            <p:ph idx="1"/>
-          </p:nvPr>
-        </p:nvSpPr>
-        <p:spPr/>
-        <p:txBody>
-          <a:bodyPr/>
-          <a:lstStyle/>
-          <a:p>
-            <a:endParaRPr lang="de-DE" dirty="0"/>
+              <a:t>Anwendungsfall</a:t>
+            </a:r>
           </a:p>
         </p:txBody>
       </p:sp>
@@ -11324,6 +11313,378 @@
               <a:t>20</a:t>
             </a:fld>
             <a:endParaRPr lang="en-US"/>
+          </a:p>
+        </p:txBody>
+      </p:sp>
+      <p:pic>
+        <p:nvPicPr>
+          <p:cNvPr id="7" name="Inhaltsplatzhalter 6">
+            <a:extLst>
+              <a:ext uri="{FF2B5EF4-FFF2-40B4-BE49-F238E27FC236}">
+                <a16:creationId xmlns:a16="http://schemas.microsoft.com/office/drawing/2014/main" id="{C41D1897-02D0-40BF-B256-CDB15B54D704}"/>
+              </a:ext>
+            </a:extLst>
+          </p:cNvPr>
+          <p:cNvPicPr>
+            <a:picLocks noGrp="1" noChangeAspect="1"/>
+          </p:cNvPicPr>
+          <p:nvPr>
+            <p:ph idx="1"/>
+          </p:nvPr>
+        </p:nvPicPr>
+        <p:blipFill>
+          <a:blip r:embed="rId2">
+            <a:extLst>
+              <a:ext uri="{28A0092B-C50C-407E-A947-70E740481C1C}">
+                <a14:useLocalDpi xmlns:a14="http://schemas.microsoft.com/office/drawing/2010/main" val="0"/>
+              </a:ext>
+            </a:extLst>
+          </a:blip>
+          <a:srcRect/>
+          <a:stretch>
+            <a:fillRect/>
+          </a:stretch>
+        </p:blipFill>
+        <p:spPr bwMode="auto">
+          <a:xfrm>
+            <a:off x="4315233" y="2071948"/>
+            <a:ext cx="5494505" cy="3997325"/>
+          </a:xfrm>
+          <a:prstGeom prst="rect">
+            <a:avLst/>
+          </a:prstGeom>
+          <a:noFill/>
+          <a:ln>
+            <a:noFill/>
+          </a:ln>
+        </p:spPr>
+      </p:pic>
+      <p:sp>
+        <p:nvSpPr>
+          <p:cNvPr id="8" name="Rechteck: abgerundete Ecken 7">
+            <a:extLst>
+              <a:ext uri="{FF2B5EF4-FFF2-40B4-BE49-F238E27FC236}">
+                <a16:creationId xmlns:a16="http://schemas.microsoft.com/office/drawing/2014/main" id="{C1B7B656-A111-4746-8151-9CA23D0D1E5D}"/>
+              </a:ext>
+            </a:extLst>
+          </p:cNvPr>
+          <p:cNvSpPr/>
+          <p:nvPr/>
+        </p:nvSpPr>
+        <p:spPr>
+          <a:xfrm>
+            <a:off x="6609867" y="2048719"/>
+            <a:ext cx="1915008" cy="288630"/>
+          </a:xfrm>
+          <a:prstGeom prst="roundRect">
+            <a:avLst/>
+          </a:prstGeom>
+          <a:noFill/>
+          <a:ln w="38100">
+            <a:solidFill>
+              <a:srgbClr val="FFC000"/>
+            </a:solidFill>
+          </a:ln>
+        </p:spPr>
+        <p:style>
+          <a:lnRef idx="2">
+            <a:schemeClr val="accent1">
+              <a:shade val="50000"/>
+            </a:schemeClr>
+          </a:lnRef>
+          <a:fillRef idx="1">
+            <a:schemeClr val="accent1"/>
+          </a:fillRef>
+          <a:effectRef idx="0">
+            <a:schemeClr val="accent1"/>
+          </a:effectRef>
+          <a:fontRef idx="minor">
+            <a:schemeClr val="lt1"/>
+          </a:fontRef>
+        </p:style>
+        <p:txBody>
+          <a:bodyPr rtlCol="0" anchor="ctr"/>
+          <a:lstStyle/>
+          <a:p>
+            <a:pPr algn="ctr"/>
+            <a:endParaRPr lang="de-DE"/>
+          </a:p>
+        </p:txBody>
+      </p:sp>
+      <p:sp>
+        <p:nvSpPr>
+          <p:cNvPr id="9" name="Inhaltsplatzhalter 2">
+            <a:extLst>
+              <a:ext uri="{FF2B5EF4-FFF2-40B4-BE49-F238E27FC236}">
+                <a16:creationId xmlns:a16="http://schemas.microsoft.com/office/drawing/2014/main" id="{6C9130D9-9D60-4275-B127-FA54026B3E1E}"/>
+              </a:ext>
+            </a:extLst>
+          </p:cNvPr>
+          <p:cNvSpPr txBox="1">
+            <a:spLocks/>
+          </p:cNvSpPr>
+          <p:nvPr/>
+        </p:nvSpPr>
+        <p:spPr>
+          <a:xfrm>
+            <a:off x="1614650" y="2052116"/>
+            <a:ext cx="2509675" cy="3929584"/>
+          </a:xfrm>
+          <a:prstGeom prst="rect">
+            <a:avLst/>
+          </a:prstGeom>
+        </p:spPr>
+        <p:txBody>
+          <a:bodyPr vert="horz" lIns="91440" tIns="45720" rIns="91440" bIns="45720" rtlCol="0" anchor="ctr">
+            <a:normAutofit/>
+          </a:bodyPr>
+          <a:lstStyle>
+            <a:lvl1pPr marL="344488" indent="-344488" algn="l" defTabSz="914400" rtl="0" eaLnBrk="1" latinLnBrk="0" hangingPunct="1">
+              <a:lnSpc>
+                <a:spcPct val="120000"/>
+              </a:lnSpc>
+              <a:spcBef>
+                <a:spcPts val="1000"/>
+              </a:spcBef>
+              <a:spcAft>
+                <a:spcPts val="600"/>
+              </a:spcAft>
+              <a:buClr>
+                <a:schemeClr val="accent6"/>
+              </a:buClr>
+              <a:buSzPct val="90000"/>
+              <a:buFont typeface="Wingdings" panose="05000000000000000000" pitchFamily="2" charset="2"/>
+              <a:buChar char="§"/>
+              <a:defRPr sz="2000" kern="1200">
+                <a:solidFill>
+                  <a:schemeClr val="tx1"/>
+                </a:solidFill>
+                <a:effectLst/>
+                <a:latin typeface="+mn-lt"/>
+                <a:ea typeface="+mn-ea"/>
+                <a:cs typeface="+mn-cs"/>
+              </a:defRPr>
+            </a:lvl1pPr>
+            <a:lvl2pPr marL="795338" indent="-338138" algn="l" defTabSz="914400" rtl="0" eaLnBrk="1" latinLnBrk="0" hangingPunct="1">
+              <a:lnSpc>
+                <a:spcPct val="120000"/>
+              </a:lnSpc>
+              <a:spcBef>
+                <a:spcPts val="500"/>
+              </a:spcBef>
+              <a:spcAft>
+                <a:spcPts val="600"/>
+              </a:spcAft>
+              <a:buClr>
+                <a:schemeClr val="accent6"/>
+              </a:buClr>
+              <a:buSzPct val="90000"/>
+              <a:buFont typeface="Wingdings" panose="05000000000000000000" pitchFamily="2" charset="2"/>
+              <a:buChar char="§"/>
+              <a:defRPr sz="1800" kern="1200">
+                <a:solidFill>
+                  <a:schemeClr val="tx1"/>
+                </a:solidFill>
+                <a:effectLst/>
+                <a:latin typeface="+mn-lt"/>
+                <a:ea typeface="+mn-ea"/>
+                <a:cs typeface="+mn-cs"/>
+              </a:defRPr>
+            </a:lvl2pPr>
+            <a:lvl3pPr marL="1258888" indent="-344488" algn="l" defTabSz="914400" rtl="0" eaLnBrk="1" latinLnBrk="0" hangingPunct="1">
+              <a:lnSpc>
+                <a:spcPct val="120000"/>
+              </a:lnSpc>
+              <a:spcBef>
+                <a:spcPts val="500"/>
+              </a:spcBef>
+              <a:spcAft>
+                <a:spcPts val="600"/>
+              </a:spcAft>
+              <a:buClr>
+                <a:schemeClr val="accent6"/>
+              </a:buClr>
+              <a:buSzPct val="90000"/>
+              <a:buFont typeface="Wingdings" panose="05000000000000000000" pitchFamily="2" charset="2"/>
+              <a:buChar char="§"/>
+              <a:defRPr sz="1600" kern="1200">
+                <a:solidFill>
+                  <a:schemeClr val="tx1"/>
+                </a:solidFill>
+                <a:effectLst/>
+                <a:latin typeface="+mn-lt"/>
+                <a:ea typeface="+mn-ea"/>
+                <a:cs typeface="+mn-cs"/>
+              </a:defRPr>
+            </a:lvl3pPr>
+            <a:lvl4pPr marL="1709738" indent="-338138" algn="l" defTabSz="914400" rtl="0" eaLnBrk="1" latinLnBrk="0" hangingPunct="1">
+              <a:lnSpc>
+                <a:spcPct val="120000"/>
+              </a:lnSpc>
+              <a:spcBef>
+                <a:spcPts val="500"/>
+              </a:spcBef>
+              <a:spcAft>
+                <a:spcPts val="600"/>
+              </a:spcAft>
+              <a:buClr>
+                <a:schemeClr val="accent6"/>
+              </a:buClr>
+              <a:buSzPct val="90000"/>
+              <a:buFont typeface="Wingdings" panose="05000000000000000000" pitchFamily="2" charset="2"/>
+              <a:buChar char="§"/>
+              <a:defRPr sz="1400" kern="1200">
+                <a:solidFill>
+                  <a:schemeClr val="tx1"/>
+                </a:solidFill>
+                <a:effectLst/>
+                <a:latin typeface="+mn-lt"/>
+                <a:ea typeface="+mn-ea"/>
+                <a:cs typeface="+mn-cs"/>
+              </a:defRPr>
+            </a:lvl4pPr>
+            <a:lvl5pPr marL="2173288" indent="-344488" algn="l" defTabSz="914400" rtl="0" eaLnBrk="1" latinLnBrk="0" hangingPunct="1">
+              <a:lnSpc>
+                <a:spcPct val="120000"/>
+              </a:lnSpc>
+              <a:spcBef>
+                <a:spcPts val="500"/>
+              </a:spcBef>
+              <a:spcAft>
+                <a:spcPts val="600"/>
+              </a:spcAft>
+              <a:buClr>
+                <a:schemeClr val="accent6"/>
+              </a:buClr>
+              <a:buSzPct val="90000"/>
+              <a:buFont typeface="Wingdings" panose="05000000000000000000" pitchFamily="2" charset="2"/>
+              <a:buChar char="§"/>
+              <a:defRPr sz="1200" kern="1200">
+                <a:solidFill>
+                  <a:schemeClr val="tx1"/>
+                </a:solidFill>
+                <a:effectLst/>
+                <a:latin typeface="+mn-lt"/>
+                <a:ea typeface="+mn-ea"/>
+                <a:cs typeface="+mn-cs"/>
+              </a:defRPr>
+            </a:lvl5pPr>
+            <a:lvl6pPr marL="2642616" indent="-338328" algn="l" defTabSz="914400" rtl="0" eaLnBrk="1" latinLnBrk="0" hangingPunct="1">
+              <a:lnSpc>
+                <a:spcPct val="120000"/>
+              </a:lnSpc>
+              <a:spcBef>
+                <a:spcPts val="500"/>
+              </a:spcBef>
+              <a:spcAft>
+                <a:spcPts val="600"/>
+              </a:spcAft>
+              <a:buClr>
+                <a:schemeClr val="accent6"/>
+              </a:buClr>
+              <a:buSzPct val="90000"/>
+              <a:buFont typeface="Wingdings" panose="05000000000000000000" pitchFamily="2" charset="2"/>
+              <a:buChar char="§"/>
+              <a:defRPr sz="1200" kern="1200" baseline="0">
+                <a:solidFill>
+                  <a:schemeClr val="tx1"/>
+                </a:solidFill>
+                <a:effectLst/>
+                <a:latin typeface="+mn-lt"/>
+                <a:ea typeface="+mn-ea"/>
+                <a:cs typeface="+mn-cs"/>
+              </a:defRPr>
+            </a:lvl6pPr>
+            <a:lvl7pPr marL="3108960" indent="-338328" algn="l" defTabSz="914400" rtl="0" eaLnBrk="1" latinLnBrk="0" hangingPunct="1">
+              <a:lnSpc>
+                <a:spcPct val="120000"/>
+              </a:lnSpc>
+              <a:spcBef>
+                <a:spcPts val="500"/>
+              </a:spcBef>
+              <a:spcAft>
+                <a:spcPts val="600"/>
+              </a:spcAft>
+              <a:buClr>
+                <a:schemeClr val="accent6"/>
+              </a:buClr>
+              <a:buSzPct val="90000"/>
+              <a:buFont typeface="Wingdings" panose="05000000000000000000" pitchFamily="2" charset="2"/>
+              <a:buChar char="§"/>
+              <a:defRPr sz="1200" kern="1200" baseline="0">
+                <a:solidFill>
+                  <a:schemeClr val="tx1"/>
+                </a:solidFill>
+                <a:effectLst/>
+                <a:latin typeface="+mn-lt"/>
+                <a:ea typeface="+mn-ea"/>
+                <a:cs typeface="+mn-cs"/>
+              </a:defRPr>
+            </a:lvl7pPr>
+            <a:lvl8pPr marL="3575304" indent="-338328" algn="l" defTabSz="914400" rtl="0" eaLnBrk="1" latinLnBrk="0" hangingPunct="1">
+              <a:lnSpc>
+                <a:spcPct val="120000"/>
+              </a:lnSpc>
+              <a:spcBef>
+                <a:spcPts val="500"/>
+              </a:spcBef>
+              <a:spcAft>
+                <a:spcPts val="600"/>
+              </a:spcAft>
+              <a:buClr>
+                <a:schemeClr val="accent6"/>
+              </a:buClr>
+              <a:buSzPct val="90000"/>
+              <a:buFont typeface="Wingdings" panose="05000000000000000000" pitchFamily="2" charset="2"/>
+              <a:buChar char="§"/>
+              <a:defRPr sz="1200" kern="1200" baseline="0">
+                <a:solidFill>
+                  <a:schemeClr val="tx1"/>
+                </a:solidFill>
+                <a:effectLst/>
+                <a:latin typeface="+mn-lt"/>
+                <a:ea typeface="+mn-ea"/>
+                <a:cs typeface="+mn-cs"/>
+              </a:defRPr>
+            </a:lvl8pPr>
+            <a:lvl9pPr marL="4041648" indent="-338328" algn="l" defTabSz="914400" rtl="0" eaLnBrk="1" latinLnBrk="0" hangingPunct="1">
+              <a:lnSpc>
+                <a:spcPct val="120000"/>
+              </a:lnSpc>
+              <a:spcBef>
+                <a:spcPts val="500"/>
+              </a:spcBef>
+              <a:spcAft>
+                <a:spcPts val="600"/>
+              </a:spcAft>
+              <a:buClr>
+                <a:schemeClr val="accent6"/>
+              </a:buClr>
+              <a:buSzPct val="90000"/>
+              <a:buFont typeface="Wingdings" panose="05000000000000000000" pitchFamily="2" charset="2"/>
+              <a:buChar char="§"/>
+              <a:defRPr sz="1200" kern="1200" baseline="0">
+                <a:solidFill>
+                  <a:schemeClr val="tx1"/>
+                </a:solidFill>
+                <a:effectLst/>
+                <a:latin typeface="+mn-lt"/>
+                <a:ea typeface="+mn-ea"/>
+                <a:cs typeface="+mn-cs"/>
+              </a:defRPr>
+            </a:lvl9pPr>
+          </a:lstStyle>
+          <a:p>
+            <a:r>
+              <a:rPr lang="de-DE" dirty="0"/>
+              <a:t>Ausgabe der teilnehmenden Firmen über den Besucherservice</a:t>
+            </a:r>
+          </a:p>
+          <a:p>
+            <a:r>
+              <a:rPr lang="de-DE" dirty="0"/>
+              <a:t>Der Besucherservice wurde mehrfach instanziiert</a:t>
+            </a:r>
           </a:p>
         </p:txBody>
       </p:sp>
@@ -11378,32 +11739,10 @@
           <a:bodyPr/>
           <a:lstStyle/>
           <a:p>
-            <a:endParaRPr lang="de-DE"/>
-          </a:p>
-        </p:txBody>
-      </p:sp>
-      <p:sp>
-        <p:nvSpPr>
-          <p:cNvPr id="3" name="Inhaltsplatzhalter 2">
-            <a:extLst>
-              <a:ext uri="{FF2B5EF4-FFF2-40B4-BE49-F238E27FC236}">
-                <a16:creationId xmlns:a16="http://schemas.microsoft.com/office/drawing/2014/main" id="{F50087BF-5E0E-44DE-A3E9-6447813BA237}"/>
-              </a:ext>
-            </a:extLst>
-          </p:cNvPr>
-          <p:cNvSpPr>
-            <a:spLocks noGrp="1"/>
-          </p:cNvSpPr>
-          <p:nvPr>
-            <p:ph idx="1"/>
-          </p:nvPr>
-        </p:nvSpPr>
-        <p:spPr/>
-        <p:txBody>
-          <a:bodyPr/>
-          <a:lstStyle/>
-          <a:p>
-            <a:endParaRPr lang="de-DE"/>
+            <a:r>
+              <a:rPr lang="de-DE" dirty="0"/>
+              <a:t>Ablauf</a:t>
+            </a:r>
           </a:p>
         </p:txBody>
       </p:sp>
@@ -11495,6 +11834,935 @@
           </a:p>
         </p:txBody>
       </p:sp>
+      <p:pic>
+        <p:nvPicPr>
+          <p:cNvPr id="7" name="Inhaltsplatzhalter 6">
+            <a:extLst>
+              <a:ext uri="{FF2B5EF4-FFF2-40B4-BE49-F238E27FC236}">
+                <a16:creationId xmlns:a16="http://schemas.microsoft.com/office/drawing/2014/main" id="{4FEE9CFE-9107-44CA-85A9-08637CCAD5BC}"/>
+              </a:ext>
+            </a:extLst>
+          </p:cNvPr>
+          <p:cNvPicPr>
+            <a:picLocks noGrp="1" noChangeAspect="1"/>
+          </p:cNvPicPr>
+          <p:nvPr>
+            <p:ph idx="1"/>
+          </p:nvPr>
+        </p:nvPicPr>
+        <p:blipFill>
+          <a:blip r:embed="rId2" cstate="print">
+            <a:extLst>
+              <a:ext uri="{28A0092B-C50C-407E-A947-70E740481C1C}">
+                <a14:useLocalDpi xmlns:a14="http://schemas.microsoft.com/office/drawing/2010/main" val="0"/>
+              </a:ext>
+            </a:extLst>
+          </a:blip>
+          <a:srcRect/>
+          <a:stretch>
+            <a:fillRect/>
+          </a:stretch>
+        </p:blipFill>
+        <p:spPr bwMode="auto">
+          <a:xfrm>
+            <a:off x="5342417" y="1549029"/>
+            <a:ext cx="5506557" cy="4903287"/>
+          </a:xfrm>
+          <a:prstGeom prst="rect">
+            <a:avLst/>
+          </a:prstGeom>
+          <a:noFill/>
+          <a:ln>
+            <a:noFill/>
+          </a:ln>
+        </p:spPr>
+      </p:pic>
+      <p:sp>
+        <p:nvSpPr>
+          <p:cNvPr id="10" name="Inhaltsplatzhalter 2">
+            <a:extLst>
+              <a:ext uri="{FF2B5EF4-FFF2-40B4-BE49-F238E27FC236}">
+                <a16:creationId xmlns:a16="http://schemas.microsoft.com/office/drawing/2014/main" id="{A880B7CA-4AC8-435D-AD80-0462CA0B96BD}"/>
+              </a:ext>
+            </a:extLst>
+          </p:cNvPr>
+          <p:cNvSpPr txBox="1">
+            <a:spLocks/>
+          </p:cNvSpPr>
+          <p:nvPr/>
+        </p:nvSpPr>
+        <p:spPr>
+          <a:xfrm>
+            <a:off x="1297048" y="2001758"/>
+            <a:ext cx="3570228" cy="4048186"/>
+          </a:xfrm>
+          <a:prstGeom prst="rect">
+            <a:avLst/>
+          </a:prstGeom>
+        </p:spPr>
+        <p:txBody>
+          <a:bodyPr vert="horz" lIns="91440" tIns="45720" rIns="91440" bIns="45720" rtlCol="0" anchor="ctr">
+            <a:normAutofit fontScale="77500" lnSpcReduction="20000"/>
+          </a:bodyPr>
+          <a:lstStyle>
+            <a:lvl1pPr marL="344488" indent="-344488" algn="l" defTabSz="914400" rtl="0" eaLnBrk="1" latinLnBrk="0" hangingPunct="1">
+              <a:lnSpc>
+                <a:spcPct val="120000"/>
+              </a:lnSpc>
+              <a:spcBef>
+                <a:spcPts val="1000"/>
+              </a:spcBef>
+              <a:spcAft>
+                <a:spcPts val="600"/>
+              </a:spcAft>
+              <a:buClr>
+                <a:schemeClr val="accent6"/>
+              </a:buClr>
+              <a:buSzPct val="90000"/>
+              <a:buFont typeface="Wingdings" panose="05000000000000000000" pitchFamily="2" charset="2"/>
+              <a:buChar char="§"/>
+              <a:defRPr sz="2000" kern="1200">
+                <a:solidFill>
+                  <a:schemeClr val="tx1"/>
+                </a:solidFill>
+                <a:effectLst/>
+                <a:latin typeface="+mn-lt"/>
+                <a:ea typeface="+mn-ea"/>
+                <a:cs typeface="+mn-cs"/>
+              </a:defRPr>
+            </a:lvl1pPr>
+            <a:lvl2pPr marL="795338" indent="-338138" algn="l" defTabSz="914400" rtl="0" eaLnBrk="1" latinLnBrk="0" hangingPunct="1">
+              <a:lnSpc>
+                <a:spcPct val="120000"/>
+              </a:lnSpc>
+              <a:spcBef>
+                <a:spcPts val="500"/>
+              </a:spcBef>
+              <a:spcAft>
+                <a:spcPts val="600"/>
+              </a:spcAft>
+              <a:buClr>
+                <a:schemeClr val="accent6"/>
+              </a:buClr>
+              <a:buSzPct val="90000"/>
+              <a:buFont typeface="Wingdings" panose="05000000000000000000" pitchFamily="2" charset="2"/>
+              <a:buChar char="§"/>
+              <a:defRPr sz="1800" kern="1200">
+                <a:solidFill>
+                  <a:schemeClr val="tx1"/>
+                </a:solidFill>
+                <a:effectLst/>
+                <a:latin typeface="+mn-lt"/>
+                <a:ea typeface="+mn-ea"/>
+                <a:cs typeface="+mn-cs"/>
+              </a:defRPr>
+            </a:lvl2pPr>
+            <a:lvl3pPr marL="1258888" indent="-344488" algn="l" defTabSz="914400" rtl="0" eaLnBrk="1" latinLnBrk="0" hangingPunct="1">
+              <a:lnSpc>
+                <a:spcPct val="120000"/>
+              </a:lnSpc>
+              <a:spcBef>
+                <a:spcPts val="500"/>
+              </a:spcBef>
+              <a:spcAft>
+                <a:spcPts val="600"/>
+              </a:spcAft>
+              <a:buClr>
+                <a:schemeClr val="accent6"/>
+              </a:buClr>
+              <a:buSzPct val="90000"/>
+              <a:buFont typeface="Wingdings" panose="05000000000000000000" pitchFamily="2" charset="2"/>
+              <a:buChar char="§"/>
+              <a:defRPr sz="1600" kern="1200">
+                <a:solidFill>
+                  <a:schemeClr val="tx1"/>
+                </a:solidFill>
+                <a:effectLst/>
+                <a:latin typeface="+mn-lt"/>
+                <a:ea typeface="+mn-ea"/>
+                <a:cs typeface="+mn-cs"/>
+              </a:defRPr>
+            </a:lvl3pPr>
+            <a:lvl4pPr marL="1709738" indent="-338138" algn="l" defTabSz="914400" rtl="0" eaLnBrk="1" latinLnBrk="0" hangingPunct="1">
+              <a:lnSpc>
+                <a:spcPct val="120000"/>
+              </a:lnSpc>
+              <a:spcBef>
+                <a:spcPts val="500"/>
+              </a:spcBef>
+              <a:spcAft>
+                <a:spcPts val="600"/>
+              </a:spcAft>
+              <a:buClr>
+                <a:schemeClr val="accent6"/>
+              </a:buClr>
+              <a:buSzPct val="90000"/>
+              <a:buFont typeface="Wingdings" panose="05000000000000000000" pitchFamily="2" charset="2"/>
+              <a:buChar char="§"/>
+              <a:defRPr sz="1400" kern="1200">
+                <a:solidFill>
+                  <a:schemeClr val="tx1"/>
+                </a:solidFill>
+                <a:effectLst/>
+                <a:latin typeface="+mn-lt"/>
+                <a:ea typeface="+mn-ea"/>
+                <a:cs typeface="+mn-cs"/>
+              </a:defRPr>
+            </a:lvl4pPr>
+            <a:lvl5pPr marL="2173288" indent="-344488" algn="l" defTabSz="914400" rtl="0" eaLnBrk="1" latinLnBrk="0" hangingPunct="1">
+              <a:lnSpc>
+                <a:spcPct val="120000"/>
+              </a:lnSpc>
+              <a:spcBef>
+                <a:spcPts val="500"/>
+              </a:spcBef>
+              <a:spcAft>
+                <a:spcPts val="600"/>
+              </a:spcAft>
+              <a:buClr>
+                <a:schemeClr val="accent6"/>
+              </a:buClr>
+              <a:buSzPct val="90000"/>
+              <a:buFont typeface="Wingdings" panose="05000000000000000000" pitchFamily="2" charset="2"/>
+              <a:buChar char="§"/>
+              <a:defRPr sz="1200" kern="1200">
+                <a:solidFill>
+                  <a:schemeClr val="tx1"/>
+                </a:solidFill>
+                <a:effectLst/>
+                <a:latin typeface="+mn-lt"/>
+                <a:ea typeface="+mn-ea"/>
+                <a:cs typeface="+mn-cs"/>
+              </a:defRPr>
+            </a:lvl5pPr>
+            <a:lvl6pPr marL="2642616" indent="-338328" algn="l" defTabSz="914400" rtl="0" eaLnBrk="1" latinLnBrk="0" hangingPunct="1">
+              <a:lnSpc>
+                <a:spcPct val="120000"/>
+              </a:lnSpc>
+              <a:spcBef>
+                <a:spcPts val="500"/>
+              </a:spcBef>
+              <a:spcAft>
+                <a:spcPts val="600"/>
+              </a:spcAft>
+              <a:buClr>
+                <a:schemeClr val="accent6"/>
+              </a:buClr>
+              <a:buSzPct val="90000"/>
+              <a:buFont typeface="Wingdings" panose="05000000000000000000" pitchFamily="2" charset="2"/>
+              <a:buChar char="§"/>
+              <a:defRPr sz="1200" kern="1200" baseline="0">
+                <a:solidFill>
+                  <a:schemeClr val="tx1"/>
+                </a:solidFill>
+                <a:effectLst/>
+                <a:latin typeface="+mn-lt"/>
+                <a:ea typeface="+mn-ea"/>
+                <a:cs typeface="+mn-cs"/>
+              </a:defRPr>
+            </a:lvl6pPr>
+            <a:lvl7pPr marL="3108960" indent="-338328" algn="l" defTabSz="914400" rtl="0" eaLnBrk="1" latinLnBrk="0" hangingPunct="1">
+              <a:lnSpc>
+                <a:spcPct val="120000"/>
+              </a:lnSpc>
+              <a:spcBef>
+                <a:spcPts val="500"/>
+              </a:spcBef>
+              <a:spcAft>
+                <a:spcPts val="600"/>
+              </a:spcAft>
+              <a:buClr>
+                <a:schemeClr val="accent6"/>
+              </a:buClr>
+              <a:buSzPct val="90000"/>
+              <a:buFont typeface="Wingdings" panose="05000000000000000000" pitchFamily="2" charset="2"/>
+              <a:buChar char="§"/>
+              <a:defRPr sz="1200" kern="1200" baseline="0">
+                <a:solidFill>
+                  <a:schemeClr val="tx1"/>
+                </a:solidFill>
+                <a:effectLst/>
+                <a:latin typeface="+mn-lt"/>
+                <a:ea typeface="+mn-ea"/>
+                <a:cs typeface="+mn-cs"/>
+              </a:defRPr>
+            </a:lvl7pPr>
+            <a:lvl8pPr marL="3575304" indent="-338328" algn="l" defTabSz="914400" rtl="0" eaLnBrk="1" latinLnBrk="0" hangingPunct="1">
+              <a:lnSpc>
+                <a:spcPct val="120000"/>
+              </a:lnSpc>
+              <a:spcBef>
+                <a:spcPts val="500"/>
+              </a:spcBef>
+              <a:spcAft>
+                <a:spcPts val="600"/>
+              </a:spcAft>
+              <a:buClr>
+                <a:schemeClr val="accent6"/>
+              </a:buClr>
+              <a:buSzPct val="90000"/>
+              <a:buFont typeface="Wingdings" panose="05000000000000000000" pitchFamily="2" charset="2"/>
+              <a:buChar char="§"/>
+              <a:defRPr sz="1200" kern="1200" baseline="0">
+                <a:solidFill>
+                  <a:schemeClr val="tx1"/>
+                </a:solidFill>
+                <a:effectLst/>
+                <a:latin typeface="+mn-lt"/>
+                <a:ea typeface="+mn-ea"/>
+                <a:cs typeface="+mn-cs"/>
+              </a:defRPr>
+            </a:lvl8pPr>
+            <a:lvl9pPr marL="4041648" indent="-338328" algn="l" defTabSz="914400" rtl="0" eaLnBrk="1" latinLnBrk="0" hangingPunct="1">
+              <a:lnSpc>
+                <a:spcPct val="120000"/>
+              </a:lnSpc>
+              <a:spcBef>
+                <a:spcPts val="500"/>
+              </a:spcBef>
+              <a:spcAft>
+                <a:spcPts val="600"/>
+              </a:spcAft>
+              <a:buClr>
+                <a:schemeClr val="accent6"/>
+              </a:buClr>
+              <a:buSzPct val="90000"/>
+              <a:buFont typeface="Wingdings" panose="05000000000000000000" pitchFamily="2" charset="2"/>
+              <a:buChar char="§"/>
+              <a:defRPr sz="1200" kern="1200" baseline="0">
+                <a:solidFill>
+                  <a:schemeClr val="tx1"/>
+                </a:solidFill>
+                <a:effectLst/>
+                <a:latin typeface="+mn-lt"/>
+                <a:ea typeface="+mn-ea"/>
+                <a:cs typeface="+mn-cs"/>
+              </a:defRPr>
+            </a:lvl9pPr>
+          </a:lstStyle>
+          <a:p>
+            <a:pPr marL="457200" indent="-457200">
+              <a:buFont typeface="+mj-lt"/>
+              <a:buAutoNum type="arabicPeriod"/>
+            </a:pPr>
+            <a:r>
+              <a:rPr lang="de-DE" sz="1600" dirty="0">
+                <a:solidFill>
+                  <a:srgbClr val="00B050"/>
+                </a:solidFill>
+              </a:rPr>
+              <a:t>Aufruf der URL : localhost:8081/</a:t>
+            </a:r>
+            <a:r>
+              <a:rPr lang="de-DE" sz="1600" dirty="0" err="1">
+                <a:solidFill>
+                  <a:srgbClr val="00B050"/>
+                </a:solidFill>
+              </a:rPr>
+              <a:t>besucherservice</a:t>
+            </a:r>
+            <a:r>
+              <a:rPr lang="de-DE" sz="1600" dirty="0">
+                <a:solidFill>
+                  <a:srgbClr val="00B050"/>
+                </a:solidFill>
+              </a:rPr>
+              <a:t>/firmen</a:t>
+            </a:r>
+          </a:p>
+          <a:p>
+            <a:pPr marL="457200" indent="-457200">
+              <a:buFont typeface="+mj-lt"/>
+              <a:buAutoNum type="arabicPeriod"/>
+            </a:pPr>
+            <a:r>
+              <a:rPr lang="de-DE" sz="1600" dirty="0">
+                <a:solidFill>
+                  <a:srgbClr val="FF0000"/>
+                </a:solidFill>
+              </a:rPr>
+              <a:t>Adressauflösung „</a:t>
+            </a:r>
+            <a:r>
+              <a:rPr lang="de-DE" sz="1600" dirty="0" err="1">
+                <a:solidFill>
+                  <a:srgbClr val="FF0000"/>
+                </a:solidFill>
+              </a:rPr>
+              <a:t>besucherservice</a:t>
+            </a:r>
+            <a:r>
+              <a:rPr lang="de-DE" sz="1600" dirty="0">
+                <a:solidFill>
+                  <a:srgbClr val="FF0000"/>
+                </a:solidFill>
+              </a:rPr>
+              <a:t>“ über Eureka</a:t>
+            </a:r>
+          </a:p>
+          <a:p>
+            <a:pPr marL="457200" indent="-457200">
+              <a:buFont typeface="+mj-lt"/>
+              <a:buAutoNum type="arabicPeriod"/>
+            </a:pPr>
+            <a:r>
+              <a:rPr lang="de-DE" sz="1600" dirty="0">
+                <a:solidFill>
+                  <a:srgbClr val="FFC000"/>
+                </a:solidFill>
+              </a:rPr>
+              <a:t>Weiterleitung des Aufrufes über Gateway und Loadbalancer (Loadbalancer wählt verfügbaren Besucherservice)</a:t>
+            </a:r>
+          </a:p>
+          <a:p>
+            <a:pPr marL="457200" indent="-457200">
+              <a:buFont typeface="+mj-lt"/>
+              <a:buAutoNum type="arabicPeriod"/>
+            </a:pPr>
+            <a:r>
+              <a:rPr lang="de-DE" sz="1600" dirty="0">
+                <a:solidFill>
+                  <a:srgbClr val="92D050"/>
+                </a:solidFill>
+              </a:rPr>
+              <a:t>Besucherservice ruft den Endpunkt „/firmen“ auf wodurch die Firmendaten vom Firmenservice angefordert werden (Adressauflösung über Eureka)</a:t>
+            </a:r>
+          </a:p>
+          <a:p>
+            <a:pPr marL="457200" indent="-457200">
+              <a:buFont typeface="+mj-lt"/>
+              <a:buAutoNum type="arabicPeriod"/>
+            </a:pPr>
+            <a:r>
+              <a:rPr lang="de-DE" sz="1600" dirty="0">
+                <a:solidFill>
+                  <a:srgbClr val="00B0F0"/>
+                </a:solidFill>
+              </a:rPr>
+              <a:t>Besucherservice Sendet Die Daten (HTML) über das Gateway zum Client</a:t>
+            </a:r>
+          </a:p>
+        </p:txBody>
+      </p:sp>
+      <p:pic>
+        <p:nvPicPr>
+          <p:cNvPr id="14" name="Grafik 13" descr="Ein Bild, das Text enthält.&#10;&#10;Automatisch generierte Beschreibung">
+            <a:extLst>
+              <a:ext uri="{FF2B5EF4-FFF2-40B4-BE49-F238E27FC236}">
+                <a16:creationId xmlns:a16="http://schemas.microsoft.com/office/drawing/2014/main" id="{EAE00A90-D0E3-4F20-A0F9-B57A4897F943}"/>
+              </a:ext>
+            </a:extLst>
+          </p:cNvPr>
+          <p:cNvPicPr>
+            <a:picLocks noChangeAspect="1"/>
+          </p:cNvPicPr>
+          <p:nvPr/>
+        </p:nvPicPr>
+        <p:blipFill>
+          <a:blip r:embed="rId3"/>
+          <a:stretch>
+            <a:fillRect/>
+          </a:stretch>
+        </p:blipFill>
+        <p:spPr>
+          <a:xfrm>
+            <a:off x="9016337" y="4891052"/>
+            <a:ext cx="813464" cy="410605"/>
+          </a:xfrm>
+          <a:prstGeom prst="rect">
+            <a:avLst/>
+          </a:prstGeom>
+        </p:spPr>
+      </p:pic>
+      <p:pic>
+        <p:nvPicPr>
+          <p:cNvPr id="16" name="Grafik 15">
+            <a:extLst>
+              <a:ext uri="{FF2B5EF4-FFF2-40B4-BE49-F238E27FC236}">
+                <a16:creationId xmlns:a16="http://schemas.microsoft.com/office/drawing/2014/main" id="{9DB121DB-F9E1-45BE-A9E0-3AD6BEDB1196}"/>
+              </a:ext>
+            </a:extLst>
+          </p:cNvPr>
+          <p:cNvPicPr>
+            <a:picLocks noChangeAspect="1"/>
+          </p:cNvPicPr>
+          <p:nvPr/>
+        </p:nvPicPr>
+        <p:blipFill>
+          <a:blip r:embed="rId4"/>
+          <a:stretch>
+            <a:fillRect/>
+          </a:stretch>
+        </p:blipFill>
+        <p:spPr>
+          <a:xfrm>
+            <a:off x="9109737" y="4953398"/>
+            <a:ext cx="813464" cy="410606"/>
+          </a:xfrm>
+          <a:prstGeom prst="rect">
+            <a:avLst/>
+          </a:prstGeom>
+        </p:spPr>
+      </p:pic>
+      <p:cxnSp>
+        <p:nvCxnSpPr>
+          <p:cNvPr id="24" name="Gerade Verbindung mit Pfeil 23">
+            <a:extLst>
+              <a:ext uri="{FF2B5EF4-FFF2-40B4-BE49-F238E27FC236}">
+                <a16:creationId xmlns:a16="http://schemas.microsoft.com/office/drawing/2014/main" id="{749D3DAD-E55D-4BFE-9B05-45B615CAB1DF}"/>
+              </a:ext>
+            </a:extLst>
+          </p:cNvPr>
+          <p:cNvCxnSpPr/>
+          <p:nvPr/>
+        </p:nvCxnSpPr>
+        <p:spPr>
+          <a:xfrm>
+            <a:off x="6248400" y="3357563"/>
+            <a:ext cx="704850" cy="385762"/>
+          </a:xfrm>
+          <a:prstGeom prst="straightConnector1">
+            <a:avLst/>
+          </a:prstGeom>
+          <a:ln w="38100">
+            <a:tailEnd type="triangle"/>
+          </a:ln>
+        </p:spPr>
+        <p:style>
+          <a:lnRef idx="1">
+            <a:schemeClr val="accent2"/>
+          </a:lnRef>
+          <a:fillRef idx="0">
+            <a:schemeClr val="accent2"/>
+          </a:fillRef>
+          <a:effectRef idx="0">
+            <a:schemeClr val="accent2"/>
+          </a:effectRef>
+          <a:fontRef idx="minor">
+            <a:schemeClr val="tx1"/>
+          </a:fontRef>
+        </p:style>
+      </p:cxnSp>
+      <p:cxnSp>
+        <p:nvCxnSpPr>
+          <p:cNvPr id="26" name="Gerade Verbindung mit Pfeil 25">
+            <a:extLst>
+              <a:ext uri="{FF2B5EF4-FFF2-40B4-BE49-F238E27FC236}">
+                <a16:creationId xmlns:a16="http://schemas.microsoft.com/office/drawing/2014/main" id="{09A6E960-7747-4251-8B54-179FE477BDAE}"/>
+              </a:ext>
+            </a:extLst>
+          </p:cNvPr>
+          <p:cNvCxnSpPr>
+            <a:cxnSpLocks/>
+          </p:cNvCxnSpPr>
+          <p:nvPr/>
+        </p:nvCxnSpPr>
+        <p:spPr>
+          <a:xfrm>
+            <a:off x="6849361" y="4324350"/>
+            <a:ext cx="0" cy="457200"/>
+          </a:xfrm>
+          <a:prstGeom prst="straightConnector1">
+            <a:avLst/>
+          </a:prstGeom>
+          <a:ln w="38100">
+            <a:solidFill>
+              <a:srgbClr val="FF0000"/>
+            </a:solidFill>
+            <a:headEnd type="triangle"/>
+            <a:tailEnd type="triangle"/>
+          </a:ln>
+        </p:spPr>
+        <p:style>
+          <a:lnRef idx="1">
+            <a:schemeClr val="accent1"/>
+          </a:lnRef>
+          <a:fillRef idx="0">
+            <a:schemeClr val="accent1"/>
+          </a:fillRef>
+          <a:effectRef idx="0">
+            <a:schemeClr val="accent1"/>
+          </a:effectRef>
+          <a:fontRef idx="minor">
+            <a:schemeClr val="tx1"/>
+          </a:fontRef>
+        </p:style>
+      </p:cxnSp>
+      <p:cxnSp>
+        <p:nvCxnSpPr>
+          <p:cNvPr id="32" name="Gerade Verbindung mit Pfeil 31">
+            <a:extLst>
+              <a:ext uri="{FF2B5EF4-FFF2-40B4-BE49-F238E27FC236}">
+                <a16:creationId xmlns:a16="http://schemas.microsoft.com/office/drawing/2014/main" id="{5B783ECC-D8F0-4424-8F8E-D340ACEDDE12}"/>
+              </a:ext>
+            </a:extLst>
+          </p:cNvPr>
+          <p:cNvCxnSpPr/>
+          <p:nvPr/>
+        </p:nvCxnSpPr>
+        <p:spPr>
+          <a:xfrm>
+            <a:off x="8477250" y="3952875"/>
+            <a:ext cx="0" cy="1000523"/>
+          </a:xfrm>
+          <a:prstGeom prst="straightConnector1">
+            <a:avLst/>
+          </a:prstGeom>
+          <a:ln w="38100">
+            <a:solidFill>
+              <a:srgbClr val="FFC000"/>
+            </a:solidFill>
+            <a:tailEnd type="triangle"/>
+          </a:ln>
+        </p:spPr>
+        <p:style>
+          <a:lnRef idx="1">
+            <a:schemeClr val="accent1"/>
+          </a:lnRef>
+          <a:fillRef idx="0">
+            <a:schemeClr val="accent1"/>
+          </a:fillRef>
+          <a:effectRef idx="0">
+            <a:schemeClr val="accent1"/>
+          </a:effectRef>
+          <a:fontRef idx="minor">
+            <a:schemeClr val="tx1"/>
+          </a:fontRef>
+        </p:style>
+      </p:cxnSp>
+      <p:cxnSp>
+        <p:nvCxnSpPr>
+          <p:cNvPr id="34" name="Gerade Verbindung mit Pfeil 33">
+            <a:extLst>
+              <a:ext uri="{FF2B5EF4-FFF2-40B4-BE49-F238E27FC236}">
+                <a16:creationId xmlns:a16="http://schemas.microsoft.com/office/drawing/2014/main" id="{43C64D87-026F-4A19-A9F2-06702FBDECDD}"/>
+              </a:ext>
+            </a:extLst>
+          </p:cNvPr>
+          <p:cNvCxnSpPr/>
+          <p:nvPr/>
+        </p:nvCxnSpPr>
+        <p:spPr>
+          <a:xfrm>
+            <a:off x="8582025" y="4953398"/>
+            <a:ext cx="434312" cy="0"/>
+          </a:xfrm>
+          <a:prstGeom prst="straightConnector1">
+            <a:avLst/>
+          </a:prstGeom>
+          <a:ln w="38100">
+            <a:solidFill>
+              <a:srgbClr val="FFC000"/>
+            </a:solidFill>
+            <a:tailEnd type="triangle"/>
+          </a:ln>
+        </p:spPr>
+        <p:style>
+          <a:lnRef idx="1">
+            <a:schemeClr val="accent1"/>
+          </a:lnRef>
+          <a:fillRef idx="0">
+            <a:schemeClr val="accent1"/>
+          </a:fillRef>
+          <a:effectRef idx="0">
+            <a:schemeClr val="accent1"/>
+          </a:effectRef>
+          <a:fontRef idx="minor">
+            <a:schemeClr val="tx1"/>
+          </a:fontRef>
+        </p:style>
+      </p:cxnSp>
+      <p:cxnSp>
+        <p:nvCxnSpPr>
+          <p:cNvPr id="36" name="Gerade Verbindung mit Pfeil 35">
+            <a:extLst>
+              <a:ext uri="{FF2B5EF4-FFF2-40B4-BE49-F238E27FC236}">
+                <a16:creationId xmlns:a16="http://schemas.microsoft.com/office/drawing/2014/main" id="{03BCD8C6-4815-4379-950F-8A836D71C08D}"/>
+              </a:ext>
+            </a:extLst>
+          </p:cNvPr>
+          <p:cNvCxnSpPr/>
+          <p:nvPr/>
+        </p:nvCxnSpPr>
+        <p:spPr>
+          <a:xfrm flipV="1">
+            <a:off x="9344025" y="3429000"/>
+            <a:ext cx="0" cy="1571625"/>
+          </a:xfrm>
+          <a:prstGeom prst="straightConnector1">
+            <a:avLst/>
+          </a:prstGeom>
+          <a:ln w="38100">
+            <a:headEnd type="triangle"/>
+            <a:tailEnd type="triangle"/>
+          </a:ln>
+        </p:spPr>
+        <p:style>
+          <a:lnRef idx="1">
+            <a:schemeClr val="accent1"/>
+          </a:lnRef>
+          <a:fillRef idx="0">
+            <a:schemeClr val="accent1"/>
+          </a:fillRef>
+          <a:effectRef idx="0">
+            <a:schemeClr val="accent1"/>
+          </a:effectRef>
+          <a:fontRef idx="minor">
+            <a:schemeClr val="tx1"/>
+          </a:fontRef>
+        </p:style>
+      </p:cxnSp>
+      <p:cxnSp>
+        <p:nvCxnSpPr>
+          <p:cNvPr id="38" name="Gerade Verbindung mit Pfeil 37">
+            <a:extLst>
+              <a:ext uri="{FF2B5EF4-FFF2-40B4-BE49-F238E27FC236}">
+                <a16:creationId xmlns:a16="http://schemas.microsoft.com/office/drawing/2014/main" id="{2DABCE12-EAC0-4CE5-9294-F466FAC67844}"/>
+              </a:ext>
+            </a:extLst>
+          </p:cNvPr>
+          <p:cNvCxnSpPr/>
+          <p:nvPr/>
+        </p:nvCxnSpPr>
+        <p:spPr>
+          <a:xfrm flipH="1">
+            <a:off x="8582025" y="4891052"/>
+            <a:ext cx="342900" cy="0"/>
+          </a:xfrm>
+          <a:prstGeom prst="straightConnector1">
+            <a:avLst/>
+          </a:prstGeom>
+          <a:ln w="38100">
+            <a:solidFill>
+              <a:srgbClr val="00B0F0"/>
+            </a:solidFill>
+            <a:tailEnd type="triangle"/>
+          </a:ln>
+        </p:spPr>
+        <p:style>
+          <a:lnRef idx="1">
+            <a:schemeClr val="accent1"/>
+          </a:lnRef>
+          <a:fillRef idx="0">
+            <a:schemeClr val="accent1"/>
+          </a:fillRef>
+          <a:effectRef idx="0">
+            <a:schemeClr val="accent1"/>
+          </a:effectRef>
+          <a:fontRef idx="minor">
+            <a:schemeClr val="tx1"/>
+          </a:fontRef>
+        </p:style>
+      </p:cxnSp>
+      <p:cxnSp>
+        <p:nvCxnSpPr>
+          <p:cNvPr id="40" name="Gerade Verbindung mit Pfeil 39">
+            <a:extLst>
+              <a:ext uri="{FF2B5EF4-FFF2-40B4-BE49-F238E27FC236}">
+                <a16:creationId xmlns:a16="http://schemas.microsoft.com/office/drawing/2014/main" id="{C96153D3-7D95-4867-A0AF-7FA5DA9FEA61}"/>
+              </a:ext>
+            </a:extLst>
+          </p:cNvPr>
+          <p:cNvCxnSpPr/>
+          <p:nvPr/>
+        </p:nvCxnSpPr>
+        <p:spPr>
+          <a:xfrm flipV="1">
+            <a:off x="8582025" y="3743325"/>
+            <a:ext cx="0" cy="1038225"/>
+          </a:xfrm>
+          <a:prstGeom prst="straightConnector1">
+            <a:avLst/>
+          </a:prstGeom>
+          <a:ln w="38100">
+            <a:solidFill>
+              <a:srgbClr val="00B0F0"/>
+            </a:solidFill>
+            <a:tailEnd type="triangle"/>
+          </a:ln>
+        </p:spPr>
+        <p:style>
+          <a:lnRef idx="1">
+            <a:schemeClr val="accent1"/>
+          </a:lnRef>
+          <a:fillRef idx="0">
+            <a:schemeClr val="accent1"/>
+          </a:fillRef>
+          <a:effectRef idx="0">
+            <a:schemeClr val="accent1"/>
+          </a:effectRef>
+          <a:fontRef idx="minor">
+            <a:schemeClr val="tx1"/>
+          </a:fontRef>
+        </p:style>
+      </p:cxnSp>
+      <p:cxnSp>
+        <p:nvCxnSpPr>
+          <p:cNvPr id="42" name="Gerade Verbindung mit Pfeil 41">
+            <a:extLst>
+              <a:ext uri="{FF2B5EF4-FFF2-40B4-BE49-F238E27FC236}">
+                <a16:creationId xmlns:a16="http://schemas.microsoft.com/office/drawing/2014/main" id="{6B0B7BAE-BF81-45EC-AD62-28AC2A432823}"/>
+              </a:ext>
+            </a:extLst>
+          </p:cNvPr>
+          <p:cNvCxnSpPr/>
+          <p:nvPr/>
+        </p:nvCxnSpPr>
+        <p:spPr>
+          <a:xfrm flipH="1">
+            <a:off x="7648575" y="3743325"/>
+            <a:ext cx="828675" cy="0"/>
+          </a:xfrm>
+          <a:prstGeom prst="straightConnector1">
+            <a:avLst/>
+          </a:prstGeom>
+          <a:ln w="38100">
+            <a:solidFill>
+              <a:srgbClr val="00B0F0"/>
+            </a:solidFill>
+            <a:tailEnd type="triangle"/>
+          </a:ln>
+        </p:spPr>
+        <p:style>
+          <a:lnRef idx="1">
+            <a:schemeClr val="accent1"/>
+          </a:lnRef>
+          <a:fillRef idx="0">
+            <a:schemeClr val="accent1"/>
+          </a:fillRef>
+          <a:effectRef idx="0">
+            <a:schemeClr val="accent1"/>
+          </a:effectRef>
+          <a:fontRef idx="minor">
+            <a:schemeClr val="tx1"/>
+          </a:fontRef>
+        </p:style>
+      </p:cxnSp>
+      <p:cxnSp>
+        <p:nvCxnSpPr>
+          <p:cNvPr id="44" name="Gerade Verbindung mit Pfeil 43">
+            <a:extLst>
+              <a:ext uri="{FF2B5EF4-FFF2-40B4-BE49-F238E27FC236}">
+                <a16:creationId xmlns:a16="http://schemas.microsoft.com/office/drawing/2014/main" id="{B5791958-DA42-4FFF-BCF0-F2D34C9FD79F}"/>
+              </a:ext>
+            </a:extLst>
+          </p:cNvPr>
+          <p:cNvCxnSpPr/>
+          <p:nvPr/>
+        </p:nvCxnSpPr>
+        <p:spPr>
+          <a:xfrm flipH="1" flipV="1">
+            <a:off x="6248400" y="3248025"/>
+            <a:ext cx="704850" cy="371475"/>
+          </a:xfrm>
+          <a:prstGeom prst="straightConnector1">
+            <a:avLst/>
+          </a:prstGeom>
+          <a:ln w="38100">
+            <a:solidFill>
+              <a:srgbClr val="00B0F0"/>
+            </a:solidFill>
+            <a:tailEnd type="triangle"/>
+          </a:ln>
+        </p:spPr>
+        <p:style>
+          <a:lnRef idx="1">
+            <a:schemeClr val="accent1"/>
+          </a:lnRef>
+          <a:fillRef idx="0">
+            <a:schemeClr val="accent1"/>
+          </a:fillRef>
+          <a:effectRef idx="0">
+            <a:schemeClr val="accent1"/>
+          </a:effectRef>
+          <a:fontRef idx="minor">
+            <a:schemeClr val="tx1"/>
+          </a:fontRef>
+        </p:style>
+      </p:cxnSp>
+      <p:cxnSp>
+        <p:nvCxnSpPr>
+          <p:cNvPr id="8" name="Gerade Verbindung mit Pfeil 7">
+            <a:extLst>
+              <a:ext uri="{FF2B5EF4-FFF2-40B4-BE49-F238E27FC236}">
+                <a16:creationId xmlns:a16="http://schemas.microsoft.com/office/drawing/2014/main" id="{8C84B24B-F3B1-4173-919A-1F2572BDE002}"/>
+              </a:ext>
+            </a:extLst>
+          </p:cNvPr>
+          <p:cNvCxnSpPr/>
+          <p:nvPr/>
+        </p:nvCxnSpPr>
+        <p:spPr>
+          <a:xfrm>
+            <a:off x="7648575" y="3863340"/>
+            <a:ext cx="828675" cy="0"/>
+          </a:xfrm>
+          <a:prstGeom prst="straightConnector1">
+            <a:avLst/>
+          </a:prstGeom>
+          <a:ln w="38100">
+            <a:solidFill>
+              <a:srgbClr val="FFC000"/>
+            </a:solidFill>
+            <a:headEnd type="triangle"/>
+            <a:tailEnd type="triangle"/>
+          </a:ln>
+        </p:spPr>
+        <p:style>
+          <a:lnRef idx="1">
+            <a:schemeClr val="accent1"/>
+          </a:lnRef>
+          <a:fillRef idx="0">
+            <a:schemeClr val="accent1"/>
+          </a:fillRef>
+          <a:effectRef idx="0">
+            <a:schemeClr val="accent1"/>
+          </a:effectRef>
+          <a:fontRef idx="minor">
+            <a:schemeClr val="tx1"/>
+          </a:fontRef>
+        </p:style>
+      </p:cxnSp>
+      <p:cxnSp>
+        <p:nvCxnSpPr>
+          <p:cNvPr id="11" name="Gerade Verbindung mit Pfeil 10">
+            <a:extLst>
+              <a:ext uri="{FF2B5EF4-FFF2-40B4-BE49-F238E27FC236}">
+                <a16:creationId xmlns:a16="http://schemas.microsoft.com/office/drawing/2014/main" id="{F99484D0-6D3A-4035-824C-016CC27747C2}"/>
+              </a:ext>
+            </a:extLst>
+          </p:cNvPr>
+          <p:cNvCxnSpPr/>
+          <p:nvPr/>
+        </p:nvCxnSpPr>
+        <p:spPr>
+          <a:xfrm>
+            <a:off x="7703820" y="5128260"/>
+            <a:ext cx="1221105" cy="0"/>
+          </a:xfrm>
+          <a:prstGeom prst="straightConnector1">
+            <a:avLst/>
+          </a:prstGeom>
+          <a:ln w="38100">
+            <a:headEnd type="triangle"/>
+            <a:tailEnd type="triangle"/>
+          </a:ln>
+        </p:spPr>
+        <p:style>
+          <a:lnRef idx="1">
+            <a:schemeClr val="accent1"/>
+          </a:lnRef>
+          <a:fillRef idx="0">
+            <a:schemeClr val="accent1"/>
+          </a:fillRef>
+          <a:effectRef idx="0">
+            <a:schemeClr val="accent1"/>
+          </a:effectRef>
+          <a:fontRef idx="minor">
+            <a:schemeClr val="tx1"/>
+          </a:fontRef>
+        </p:style>
+      </p:cxnSp>
     </p:spTree>
     <p:extLst>
       <p:ext uri="{BB962C8B-B14F-4D97-AF65-F5344CB8AC3E}">
@@ -13839,7 +15107,7 @@
         </p:nvSpPr>
         <p:spPr>
           <a:xfrm>
-            <a:off x="1614650" y="2052116"/>
+            <a:off x="1614650" y="1885285"/>
             <a:ext cx="9437172" cy="3997828"/>
           </a:xfrm>
         </p:spPr>

--- a/Vortrag.pptx
+++ b/Vortrag.pptx
@@ -244,7 +244,7 @@
           <a:p>
             <a:fld id="{A7B8C7EC-8663-4343-8CB3-46B01580284C}" type="datetimeFigureOut">
               <a:rPr lang="de-DE" smtClean="0"/>
-              <a:t>05.11.2021</a:t>
+              <a:t>06.11.2021</a:t>
             </a:fld>
             <a:endParaRPr lang="de-DE"/>
           </a:p>
@@ -733,7 +733,7 @@
           <a:p>
             <a:fld id="{B59E6383-A8CB-4B08-927D-D4B4B7D9AC2E}" type="datetime1">
               <a:rPr lang="de-DE" smtClean="0"/>
-              <a:t>05.11.2021</a:t>
+              <a:t>06.11.2021</a:t>
             </a:fld>
             <a:endParaRPr lang="en-US"/>
           </a:p>
@@ -1277,7 +1277,7 @@
           <a:p>
             <a:fld id="{6CA99C16-F3DE-4BEA-BEA0-185955F827CC}" type="datetime1">
               <a:rPr lang="de-DE" smtClean="0"/>
-              <a:t>05.11.2021</a:t>
+              <a:t>06.11.2021</a:t>
             </a:fld>
             <a:endParaRPr lang="en-US"/>
           </a:p>
@@ -1471,7 +1471,7 @@
           <a:p>
             <a:fld id="{2D886228-5DBC-4625-A335-1BCDAFDC46C1}" type="datetime1">
               <a:rPr lang="de-DE" smtClean="0"/>
-              <a:t>05.11.2021</a:t>
+              <a:t>06.11.2021</a:t>
             </a:fld>
             <a:endParaRPr lang="en-US"/>
           </a:p>
@@ -1683,7 +1683,7 @@
           <a:p>
             <a:fld id="{C980135E-CF13-4F76-823B-93B2AE87FB42}" type="datetime1">
               <a:rPr lang="de-DE" smtClean="0"/>
-              <a:t>05.11.2021</a:t>
+              <a:t>06.11.2021</a:t>
             </a:fld>
             <a:endParaRPr lang="en-US"/>
           </a:p>
@@ -2051,7 +2051,7 @@
           <a:p>
             <a:fld id="{EE00E525-60F6-456C-ABD0-CA49B7CA1AC0}" type="datetime1">
               <a:rPr lang="de-DE" smtClean="0"/>
-              <a:t>05.11.2021</a:t>
+              <a:t>06.11.2021</a:t>
             </a:fld>
             <a:endParaRPr lang="en-US"/>
           </a:p>
@@ -2453,7 +2453,7 @@
           <a:p>
             <a:fld id="{9F737527-C30D-4C1B-8A57-8831FC877160}" type="datetime1">
               <a:rPr lang="de-DE" smtClean="0"/>
-              <a:t>05.11.2021</a:t>
+              <a:t>06.11.2021</a:t>
             </a:fld>
             <a:endParaRPr lang="en-US"/>
           </a:p>
@@ -2745,7 +2745,7 @@
           <a:p>
             <a:fld id="{7F4A9B1D-38C4-4A9A-BD74-09CB54D529F7}" type="datetime1">
               <a:rPr lang="de-DE" smtClean="0"/>
-              <a:t>05.11.2021</a:t>
+              <a:t>06.11.2021</a:t>
             </a:fld>
             <a:endParaRPr lang="en-US"/>
           </a:p>
@@ -3046,7 +3046,7 @@
           <a:p>
             <a:fld id="{171975C2-17DF-44AF-BAFC-99FC3839D6B6}" type="datetime1">
               <a:rPr lang="de-DE" smtClean="0"/>
-              <a:t>05.11.2021</a:t>
+              <a:t>06.11.2021</a:t>
             </a:fld>
             <a:endParaRPr lang="en-US"/>
           </a:p>
@@ -3313,7 +3313,7 @@
           <a:p>
             <a:fld id="{BB7604C3-A478-448A-88D6-07EFA8665C1F}" type="datetime1">
               <a:rPr lang="de-DE" smtClean="0"/>
-              <a:t>05.11.2021</a:t>
+              <a:t>06.11.2021</a:t>
             </a:fld>
             <a:endParaRPr lang="en-US"/>
           </a:p>
@@ -3581,7 +3581,7 @@
           <a:p>
             <a:fld id="{BB7604C3-A478-448A-88D6-07EFA8665C1F}" type="datetime1">
               <a:rPr lang="de-DE" smtClean="0"/>
-              <a:t>05.11.2021</a:t>
+              <a:t>06.11.2021</a:t>
             </a:fld>
             <a:endParaRPr lang="en-US"/>
           </a:p>
@@ -3847,7 +3847,7 @@
           <a:p>
             <a:fld id="{A04AC0E9-B042-43D8-AB78-DC52AC0C585D}" type="datetime1">
               <a:rPr lang="de-DE" smtClean="0"/>
-              <a:t>05.11.2021</a:t>
+              <a:t>06.11.2021</a:t>
             </a:fld>
             <a:endParaRPr lang="en-US"/>
           </a:p>
@@ -4118,7 +4118,7 @@
           <a:p>
             <a:fld id="{645C10F2-7973-42A2-B0DE-A6ED0ED91C8E}" type="datetime1">
               <a:rPr lang="de-DE" smtClean="0"/>
-              <a:t>05.11.2021</a:t>
+              <a:t>06.11.2021</a:t>
             </a:fld>
             <a:endParaRPr lang="en-US"/>
           </a:p>
@@ -4391,7 +4391,7 @@
           <a:p>
             <a:fld id="{BAFDFB72-582B-45F4-B36C-EF1963E97DC6}" type="datetime1">
               <a:rPr lang="de-DE" smtClean="0"/>
-              <a:t>05.11.2021</a:t>
+              <a:t>06.11.2021</a:t>
             </a:fld>
             <a:endParaRPr lang="en-US"/>
           </a:p>
@@ -4664,7 +4664,7 @@
           <a:p>
             <a:fld id="{7E7651B1-048A-4583-9423-E37907F714C8}" type="datetime1">
               <a:rPr lang="de-DE" smtClean="0"/>
-              <a:t>05.11.2021</a:t>
+              <a:t>06.11.2021</a:t>
             </a:fld>
             <a:endParaRPr lang="en-US"/>
           </a:p>
@@ -5074,7 +5074,7 @@
           <a:p>
             <a:fld id="{764358B9-31F4-4BA7-92DD-CF366B443679}" type="datetime1">
               <a:rPr lang="de-DE" smtClean="0"/>
-              <a:t>05.11.2021</a:t>
+              <a:t>06.11.2021</a:t>
             </a:fld>
             <a:endParaRPr lang="en-US"/>
           </a:p>
@@ -5387,7 +5387,7 @@
           <a:p>
             <a:fld id="{5DF93BFA-DCCE-4E1B-9D54-AE151F0C2290}" type="datetime1">
               <a:rPr lang="de-DE" smtClean="0"/>
-              <a:t>05.11.2021</a:t>
+              <a:t>06.11.2021</a:t>
             </a:fld>
             <a:endParaRPr lang="en-US"/>
           </a:p>
@@ -5762,7 +5762,7 @@
             <a:fld id="{0B528F4A-65CA-4C1C-A385-CA3E5156BAA4}" type="datetime1">
               <a:rPr lang="de-DE" smtClean="0"/>
               <a:pPr/>
-              <a:t>05.11.2021</a:t>
+              <a:t>06.11.2021</a:t>
             </a:fld>
             <a:endParaRPr lang="en-US"/>
           </a:p>
@@ -7013,7 +7013,7 @@
           <a:p>
             <a:fld id="{BB7604C3-A478-448A-88D6-07EFA8665C1F}" type="datetime1">
               <a:rPr lang="de-DE" smtClean="0"/>
-              <a:t>05.11.2021</a:t>
+              <a:t>06.11.2021</a:t>
             </a:fld>
             <a:endParaRPr lang="en-US"/>
           </a:p>
@@ -8481,7 +8481,7 @@
           <a:p>
             <a:fld id="{BB7604C3-A478-448A-88D6-07EFA8665C1F}" type="datetime1">
               <a:rPr lang="de-DE" smtClean="0"/>
-              <a:t>05.11.2021</a:t>
+              <a:t>06.11.2021</a:t>
             </a:fld>
             <a:endParaRPr lang="en-US"/>
           </a:p>
@@ -8935,7 +8935,7 @@
         <p:spPr/>
         <p:txBody>
           <a:bodyPr>
-            <a:normAutofit lnSpcReduction="10000"/>
+            <a:normAutofit/>
           </a:bodyPr>
           <a:lstStyle/>
           <a:p>
@@ -8986,9 +8986,6 @@
             </a:r>
           </a:p>
           <a:p>
-            <a:endParaRPr lang="de-DE" dirty="0"/>
-          </a:p>
-          <a:p>
             <a:r>
               <a:rPr lang="de-DE" dirty="0"/>
               <a:t>Alternativen: </a:t>
@@ -9038,7 +9035,7 @@
           <a:p>
             <a:fld id="{BB7604C3-A478-448A-88D6-07EFA8665C1F}" type="datetime1">
               <a:rPr lang="de-DE" smtClean="0"/>
-              <a:t>05.11.2021</a:t>
+              <a:t>06.11.2021</a:t>
             </a:fld>
             <a:endParaRPr lang="en-US"/>
           </a:p>
@@ -9184,7 +9181,7 @@
           <a:p>
             <a:fld id="{BB7604C3-A478-448A-88D6-07EFA8665C1F}" type="datetime1">
               <a:rPr lang="de-DE" smtClean="0"/>
-              <a:t>05.11.2021</a:t>
+              <a:t>06.11.2021</a:t>
             </a:fld>
             <a:endParaRPr lang="en-US"/>
           </a:p>
@@ -9308,6 +9305,77 @@
           </a:prstGeom>
         </p:spPr>
       </p:pic>
+      <p:pic>
+        <p:nvPicPr>
+          <p:cNvPr id="8" name="Grafik 7">
+            <a:extLst>
+              <a:ext uri="{FF2B5EF4-FFF2-40B4-BE49-F238E27FC236}">
+                <a16:creationId xmlns:a16="http://schemas.microsoft.com/office/drawing/2014/main" id="{6D8B9D27-59DA-45EB-A364-3DF7265EFA03}"/>
+              </a:ext>
+            </a:extLst>
+          </p:cNvPr>
+          <p:cNvPicPr>
+            <a:picLocks noChangeAspect="1"/>
+          </p:cNvPicPr>
+          <p:nvPr/>
+        </p:nvPicPr>
+        <p:blipFill>
+          <a:blip r:embed="rId4">
+            <a:extLst>
+              <a:ext uri="{96DAC541-7B7A-43D3-8B79-37D633B846F1}">
+                <asvg:svgBlip xmlns:asvg="http://schemas.microsoft.com/office/drawing/2016/SVG/main" r:embed="rId5"/>
+              </a:ext>
+            </a:extLst>
+          </a:blip>
+          <a:stretch>
+            <a:fillRect/>
+          </a:stretch>
+        </p:blipFill>
+        <p:spPr>
+          <a:xfrm>
+            <a:off x="9307016" y="1389663"/>
+            <a:ext cx="1429692" cy="366879"/>
+          </a:xfrm>
+          <a:prstGeom prst="rect">
+            <a:avLst/>
+          </a:prstGeom>
+        </p:spPr>
+      </p:pic>
+      <p:sp>
+        <p:nvSpPr>
+          <p:cNvPr id="3" name="Textfeld 2">
+            <a:extLst>
+              <a:ext uri="{FF2B5EF4-FFF2-40B4-BE49-F238E27FC236}">
+                <a16:creationId xmlns:a16="http://schemas.microsoft.com/office/drawing/2014/main" id="{68479B59-8199-4058-9F58-53354A1408F7}"/>
+              </a:ext>
+            </a:extLst>
+          </p:cNvPr>
+          <p:cNvSpPr txBox="1"/>
+          <p:nvPr/>
+        </p:nvSpPr>
+        <p:spPr>
+          <a:xfrm>
+            <a:off x="9173722" y="1885285"/>
+            <a:ext cx="2204450" cy="246221"/>
+          </a:xfrm>
+          <a:prstGeom prst="rect">
+            <a:avLst/>
+          </a:prstGeom>
+          <a:noFill/>
+        </p:spPr>
+        <p:txBody>
+          <a:bodyPr wrap="none" rtlCol="0">
+            <a:spAutoFit/>
+          </a:bodyPr>
+          <a:lstStyle/>
+          <a:p>
+            <a:r>
+              <a:rPr lang="de-DE" sz="1000" dirty="0"/>
+              <a:t>https://spring.io/projects/spring-boot</a:t>
+            </a:r>
+          </a:p>
+        </p:txBody>
+      </p:sp>
     </p:spTree>
     <p:extLst>
       <p:ext uri="{BB962C8B-B14F-4D97-AF65-F5344CB8AC3E}">
@@ -9481,7 +9549,7 @@
                   </a:schemeClr>
                 </a:solidFill>
               </a:rPr>
-              <a:t>Auswertung</a:t>
+              <a:t>Fazit</a:t>
             </a:r>
           </a:p>
           <a:p>
@@ -9534,7 +9602,7 @@
           <a:p>
             <a:fld id="{BB7604C3-A478-448A-88D6-07EFA8665C1F}" type="datetime1">
               <a:rPr lang="de-DE" smtClean="0"/>
-              <a:t>05.11.2021</a:t>
+              <a:t>06.11.2021</a:t>
             </a:fld>
             <a:endParaRPr lang="en-US"/>
           </a:p>
@@ -9736,7 +9804,7 @@
           <a:p>
             <a:fld id="{BB7604C3-A478-448A-88D6-07EFA8665C1F}" type="datetime1">
               <a:rPr lang="de-DE" smtClean="0"/>
-              <a:t>05.11.2021</a:t>
+              <a:t>06.11.2021</a:t>
             </a:fld>
             <a:endParaRPr lang="en-US"/>
           </a:p>
@@ -9918,37 +9986,42 @@
         </p:nvSpPr>
         <p:spPr>
           <a:xfrm>
-            <a:off x="1614650" y="2052116"/>
-            <a:ext cx="4045370" cy="3997828"/>
+            <a:off x="1614650" y="1724738"/>
+            <a:ext cx="4041083" cy="3795528"/>
           </a:xfrm>
         </p:spPr>
         <p:txBody>
-          <a:bodyPr/>
-          <a:lstStyle/>
-          <a:p>
-            <a:r>
-              <a:rPr lang="de-DE" dirty="0"/>
+          <a:bodyPr>
+            <a:normAutofit/>
+          </a:bodyPr>
+          <a:lstStyle/>
+          <a:p>
+            <a:r>
+              <a:rPr lang="de-DE" sz="1800" dirty="0"/>
               <a:t>Clientseitige Service Discovery </a:t>
             </a:r>
           </a:p>
           <a:p>
             <a:r>
-              <a:rPr lang="de-DE" dirty="0"/>
+              <a:rPr lang="de-DE" sz="1800" dirty="0"/>
               <a:t>Leicht über Spring zu integrieren</a:t>
             </a:r>
           </a:p>
           <a:p>
             <a:r>
-              <a:rPr lang="de-DE" dirty="0"/>
-              <a:t>Alternativen: NGINX (serverseitig), </a:t>
-            </a:r>
-            <a:r>
-              <a:rPr lang="de-DE" dirty="0" err="1"/>
+              <a:rPr lang="de-DE" sz="1800" dirty="0"/>
+              <a:t>Alternativen sind zum Beispiel NGINX (serverseitig) oder </a:t>
+            </a:r>
+            <a:br>
+              <a:rPr lang="de-DE" sz="1800" dirty="0"/>
+            </a:br>
+            <a:r>
+              <a:rPr lang="de-DE" sz="1800" dirty="0" err="1"/>
               <a:t>Zookeeper</a:t>
             </a:r>
             <a:r>
-              <a:rPr lang="de-DE" dirty="0"/>
-              <a:t> (clientseitig), …</a:t>
+              <a:rPr lang="de-DE" sz="1800" dirty="0"/>
+              <a:t> (clientseitig)</a:t>
             </a:r>
           </a:p>
         </p:txBody>
@@ -9976,7 +10049,7 @@
           <a:p>
             <a:fld id="{BB7604C3-A478-448A-88D6-07EFA8665C1F}" type="datetime1">
               <a:rPr lang="de-DE" smtClean="0"/>
-              <a:t>05.11.2021</a:t>
+              <a:t>06.11.2021</a:t>
             </a:fld>
             <a:endParaRPr lang="en-US"/>
           </a:p>
@@ -10269,7 +10342,7 @@
           <a:p>
             <a:fld id="{BB7604C3-A478-448A-88D6-07EFA8665C1F}" type="datetime1">
               <a:rPr lang="de-DE" smtClean="0"/>
-              <a:t>05.11.2021</a:t>
+              <a:t>06.11.2021</a:t>
             </a:fld>
             <a:endParaRPr lang="en-US"/>
           </a:p>
@@ -10358,6 +10431,42 @@
           <a:xfrm>
             <a:off x="1873557" y="4040002"/>
             <a:ext cx="7278723" cy="1862945"/>
+          </a:xfrm>
+          <a:prstGeom prst="rect">
+            <a:avLst/>
+          </a:prstGeom>
+        </p:spPr>
+      </p:pic>
+      <p:pic>
+        <p:nvPicPr>
+          <p:cNvPr id="9" name="Grafik 8">
+            <a:extLst>
+              <a:ext uri="{FF2B5EF4-FFF2-40B4-BE49-F238E27FC236}">
+                <a16:creationId xmlns:a16="http://schemas.microsoft.com/office/drawing/2014/main" id="{5F869A6A-1BB9-40D9-BECD-CC33918470D4}"/>
+              </a:ext>
+            </a:extLst>
+          </p:cNvPr>
+          <p:cNvPicPr>
+            <a:picLocks noChangeAspect="1"/>
+          </p:cNvPicPr>
+          <p:nvPr/>
+        </p:nvPicPr>
+        <p:blipFill>
+          <a:blip r:embed="rId3">
+            <a:extLst>
+              <a:ext uri="{96DAC541-7B7A-43D3-8B79-37D633B846F1}">
+                <asvg:svgBlip xmlns:asvg="http://schemas.microsoft.com/office/drawing/2016/SVG/main" r:embed="rId4"/>
+              </a:ext>
+            </a:extLst>
+          </a:blip>
+          <a:stretch>
+            <a:fillRect/>
+          </a:stretch>
+        </p:blipFill>
+        <p:spPr>
+          <a:xfrm>
+            <a:off x="9411189" y="2467230"/>
+            <a:ext cx="1429692" cy="366879"/>
           </a:xfrm>
           <a:prstGeom prst="rect">
             <a:avLst/>
@@ -10561,7 +10670,7 @@
           <a:p>
             <a:fld id="{BB7604C3-A478-448A-88D6-07EFA8665C1F}" type="datetime1">
               <a:rPr lang="de-DE" smtClean="0"/>
-              <a:t>05.11.2021</a:t>
+              <a:t>06.11.2021</a:t>
             </a:fld>
             <a:endParaRPr lang="en-US"/>
           </a:p>
@@ -10650,6 +10759,42 @@
           <a:xfrm>
             <a:off x="1799411" y="4114607"/>
             <a:ext cx="7717058" cy="1302321"/>
+          </a:xfrm>
+          <a:prstGeom prst="rect">
+            <a:avLst/>
+          </a:prstGeom>
+        </p:spPr>
+      </p:pic>
+      <p:pic>
+        <p:nvPicPr>
+          <p:cNvPr id="9" name="Grafik 8">
+            <a:extLst>
+              <a:ext uri="{FF2B5EF4-FFF2-40B4-BE49-F238E27FC236}">
+                <a16:creationId xmlns:a16="http://schemas.microsoft.com/office/drawing/2014/main" id="{2C49577A-BE8D-430C-8D66-1389BF485DA0}"/>
+              </a:ext>
+            </a:extLst>
+          </p:cNvPr>
+          <p:cNvPicPr>
+            <a:picLocks noChangeAspect="1"/>
+          </p:cNvPicPr>
+          <p:nvPr/>
+        </p:nvPicPr>
+        <p:blipFill>
+          <a:blip r:embed="rId3">
+            <a:extLst>
+              <a:ext uri="{96DAC541-7B7A-43D3-8B79-37D633B846F1}">
+                <asvg:svgBlip xmlns:asvg="http://schemas.microsoft.com/office/drawing/2016/SVG/main" r:embed="rId4"/>
+              </a:ext>
+            </a:extLst>
+          </a:blip>
+          <a:stretch>
+            <a:fillRect/>
+          </a:stretch>
+        </p:blipFill>
+        <p:spPr>
+          <a:xfrm>
+            <a:off x="9411189" y="2467230"/>
+            <a:ext cx="1429692" cy="366879"/>
           </a:xfrm>
           <a:prstGeom prst="rect">
             <a:avLst/>
@@ -10815,7 +10960,7 @@
                   </a:schemeClr>
                 </a:solidFill>
               </a:rPr>
-              <a:t>Auswertung</a:t>
+              <a:t>Fazit</a:t>
             </a:r>
           </a:p>
           <a:p>
@@ -10868,7 +11013,7 @@
           <a:p>
             <a:fld id="{BB7604C3-A478-448A-88D6-07EFA8665C1F}" type="datetime1">
               <a:rPr lang="de-DE" smtClean="0"/>
-              <a:t>05.11.2021</a:t>
+              <a:t>06.11.2021</a:t>
             </a:fld>
             <a:endParaRPr lang="en-US"/>
           </a:p>
@@ -11044,10 +11189,9 @@
           </a:p>
           <a:p>
             <a:r>
-              <a:rPr lang="de-DE"/>
+              <a:rPr lang="de-DE" dirty="0"/>
               <a:t>Load Balancer</a:t>
             </a:r>
-            <a:endParaRPr lang="de-DE" dirty="0"/>
           </a:p>
           <a:p>
             <a:r>
@@ -11058,7 +11202,7 @@
           <a:p>
             <a:r>
               <a:rPr lang="de-DE" dirty="0"/>
-              <a:t>Auswertung</a:t>
+              <a:t>Fazit</a:t>
             </a:r>
           </a:p>
           <a:p>
@@ -11105,7 +11249,7 @@
           <a:p>
             <a:fld id="{BB7604C3-A478-448A-88D6-07EFA8665C1F}" type="datetime1">
               <a:rPr lang="de-DE" smtClean="0"/>
-              <a:t>05.11.2021</a:t>
+              <a:t>06.11.2021</a:t>
             </a:fld>
             <a:endParaRPr lang="en-US"/>
           </a:p>
@@ -11251,7 +11395,7 @@
           <a:p>
             <a:fld id="{BB7604C3-A478-448A-88D6-07EFA8665C1F}" type="datetime1">
               <a:rPr lang="de-DE" smtClean="0"/>
-              <a:t>05.11.2021</a:t>
+              <a:t>06.11.2021</a:t>
             </a:fld>
             <a:endParaRPr lang="en-US"/>
           </a:p>
@@ -11676,13 +11820,13 @@
           </a:lstStyle>
           <a:p>
             <a:r>
-              <a:rPr lang="de-DE" dirty="0"/>
+              <a:rPr lang="de-DE" sz="1600" dirty="0"/>
               <a:t>Ausgabe der teilnehmenden Firmen über den Besucherservice</a:t>
             </a:r>
           </a:p>
           <a:p>
             <a:r>
-              <a:rPr lang="de-DE" dirty="0"/>
+              <a:rPr lang="de-DE" sz="1600" dirty="0"/>
               <a:t>Der Besucherservice wurde mehrfach instanziiert</a:t>
             </a:r>
           </a:p>
@@ -11769,7 +11913,7 @@
           <a:p>
             <a:fld id="{BB7604C3-A478-448A-88D6-07EFA8665C1F}" type="datetime1">
               <a:rPr lang="de-DE" smtClean="0"/>
-              <a:t>05.11.2021</a:t>
+              <a:t>06.11.2021</a:t>
             </a:fld>
             <a:endParaRPr lang="en-US"/>
           </a:p>
@@ -12908,7 +13052,7 @@
           <a:p>
             <a:r>
               <a:rPr lang="de-DE" sz="4000" b="1" dirty="0"/>
-              <a:t>Auswertung</a:t>
+              <a:t>Fazit</a:t>
             </a:r>
           </a:p>
           <a:p>
@@ -12961,7 +13105,7 @@
           <a:p>
             <a:fld id="{BB7604C3-A478-448A-88D6-07EFA8665C1F}" type="datetime1">
               <a:rPr lang="de-DE" smtClean="0"/>
-              <a:t>05.11.2021</a:t>
+              <a:t>06.11.2021</a:t>
             </a:fld>
             <a:endParaRPr lang="en-US"/>
           </a:p>
@@ -13077,7 +13221,10 @@
           <a:bodyPr/>
           <a:lstStyle/>
           <a:p>
-            <a:endParaRPr lang="de-DE"/>
+            <a:r>
+              <a:rPr lang="de-DE" dirty="0"/>
+              <a:t>Fazit</a:t>
+            </a:r>
           </a:p>
         </p:txBody>
       </p:sp>
@@ -13097,12 +13244,117 @@
             <p:ph idx="1"/>
           </p:nvPr>
         </p:nvSpPr>
-        <p:spPr/>
-        <p:txBody>
-          <a:bodyPr/>
-          <a:lstStyle/>
-          <a:p>
-            <a:endParaRPr lang="de-DE"/>
+        <p:spPr>
+          <a:xfrm>
+            <a:off x="1614650" y="2192080"/>
+            <a:ext cx="7796540" cy="4636052"/>
+          </a:xfrm>
+        </p:spPr>
+        <p:txBody>
+          <a:bodyPr>
+            <a:normAutofit fontScale="70000" lnSpcReduction="20000"/>
+          </a:bodyPr>
+          <a:lstStyle/>
+          <a:p>
+            <a:r>
+              <a:rPr lang="de-DE" dirty="0"/>
+              <a:t>Service Discovery</a:t>
+            </a:r>
+          </a:p>
+          <a:p>
+            <a:pPr lvl="1"/>
+            <a:r>
+              <a:rPr lang="de-DE" dirty="0"/>
+              <a:t>Einfache Implementierung mit Eureka</a:t>
+            </a:r>
+          </a:p>
+          <a:p>
+            <a:pPr lvl="1"/>
+            <a:r>
+              <a:rPr lang="de-DE" dirty="0"/>
+              <a:t>Verbessert Wartbarkeit (ermöglicht dynamische Adresszuweisung)</a:t>
+            </a:r>
+          </a:p>
+          <a:p>
+            <a:pPr lvl="1"/>
+            <a:r>
+              <a:rPr lang="de-DE" dirty="0"/>
+              <a:t>Ist Voraussetzung für den Einsatz des Load Balancers</a:t>
+            </a:r>
+          </a:p>
+          <a:p>
+            <a:pPr lvl="1"/>
+            <a:r>
+              <a:rPr lang="de-DE" dirty="0"/>
+              <a:t>nicht zwingend erforderlich (bei wenigen Microservices)</a:t>
+            </a:r>
+          </a:p>
+          <a:p>
+            <a:r>
+              <a:rPr lang="de-DE" dirty="0"/>
+              <a:t>API Gateway</a:t>
+            </a:r>
+          </a:p>
+          <a:p>
+            <a:pPr lvl="1"/>
+            <a:r>
+              <a:rPr lang="de-DE" dirty="0"/>
+              <a:t>nicht zwingend erforderlich (bei sehr einfachen Anwendungen)</a:t>
+            </a:r>
+          </a:p>
+          <a:p>
+            <a:pPr lvl="1"/>
+            <a:r>
+              <a:rPr lang="de-DE" dirty="0"/>
+              <a:t>Verbessert Wartbarkeit (Zentralisiert API-Management)</a:t>
+            </a:r>
+          </a:p>
+          <a:p>
+            <a:pPr lvl="1"/>
+            <a:r>
+              <a:rPr lang="de-DE" dirty="0"/>
+              <a:t>Einfache Implementierung mit Spring Cloud API Gateway</a:t>
+            </a:r>
+          </a:p>
+          <a:p>
+            <a:r>
+              <a:rPr lang="de-DE" dirty="0"/>
+              <a:t>Load Balancer</a:t>
+            </a:r>
+          </a:p>
+          <a:p>
+            <a:pPr lvl="1"/>
+            <a:r>
+              <a:rPr lang="de-DE" dirty="0"/>
+              <a:t>Nur notwendig wenn Microservices mehrfach instanziiert werden</a:t>
+            </a:r>
+          </a:p>
+          <a:p>
+            <a:pPr lvl="1"/>
+            <a:r>
+              <a:rPr lang="de-DE" dirty="0"/>
+              <a:t>Trägt zur Erhöhung der Zuverlässigkeit bei (Lastenausgleich)</a:t>
+            </a:r>
+          </a:p>
+          <a:p>
+            <a:pPr lvl="1"/>
+            <a:r>
+              <a:rPr lang="de-DE" dirty="0"/>
+              <a:t>Einfache Implementierung über Spring Cloud API Gateway mit Ribbon</a:t>
+            </a:r>
+          </a:p>
+          <a:p>
+            <a:pPr lvl="1"/>
+            <a:endParaRPr lang="de-DE" dirty="0"/>
+          </a:p>
+          <a:p>
+            <a:endParaRPr lang="de-DE" dirty="0"/>
+          </a:p>
+          <a:p>
+            <a:pPr marL="457200" lvl="1" indent="0">
+              <a:buNone/>
+            </a:pPr>
+            <a:endParaRPr lang="de-DE" dirty="0"/>
           </a:p>
         </p:txBody>
       </p:sp>
@@ -13129,7 +13381,7 @@
           <a:p>
             <a:fld id="{BB7604C3-A478-448A-88D6-07EFA8665C1F}" type="datetime1">
               <a:rPr lang="de-DE" smtClean="0"/>
-              <a:t>05.11.2021</a:t>
+              <a:t>06.11.2021</a:t>
             </a:fld>
             <a:endParaRPr lang="en-US"/>
           </a:p>
@@ -13300,7 +13552,7 @@
           <a:p>
             <a:fld id="{BB7604C3-A478-448A-88D6-07EFA8665C1F}" type="datetime1">
               <a:rPr lang="de-DE" smtClean="0"/>
-              <a:t>05.11.2021</a:t>
+              <a:t>06.11.2021</a:t>
             </a:fld>
             <a:endParaRPr lang="en-US"/>
           </a:p>
@@ -13471,7 +13723,7 @@
           <a:p>
             <a:fld id="{BB7604C3-A478-448A-88D6-07EFA8665C1F}" type="datetime1">
               <a:rPr lang="de-DE" smtClean="0"/>
-              <a:t>05.11.2021</a:t>
+              <a:t>06.11.2021</a:t>
             </a:fld>
             <a:endParaRPr lang="en-US"/>
           </a:p>
@@ -13707,7 +13959,7 @@
                   </a:schemeClr>
                 </a:solidFill>
               </a:rPr>
-              <a:t>Auswertung</a:t>
+              <a:t>Fazit</a:t>
             </a:r>
           </a:p>
           <a:p>
@@ -13760,7 +14012,7 @@
           <a:p>
             <a:fld id="{BB7604C3-A478-448A-88D6-07EFA8665C1F}" type="datetime1">
               <a:rPr lang="de-DE" smtClean="0"/>
-              <a:t>05.11.2021</a:t>
+              <a:t>06.11.2021</a:t>
             </a:fld>
             <a:endParaRPr lang="en-US"/>
           </a:p>
@@ -14041,7 +14293,7 @@
           <a:p>
             <a:fld id="{BB7604C3-A478-448A-88D6-07EFA8665C1F}" type="datetime1">
               <a:rPr lang="de-DE" smtClean="0"/>
-              <a:t>05.11.2021</a:t>
+              <a:t>06.11.2021</a:t>
             </a:fld>
             <a:endParaRPr lang="en-US"/>
           </a:p>
@@ -15194,7 +15446,7 @@
           <a:p>
             <a:fld id="{BB7604C3-A478-448A-88D6-07EFA8665C1F}" type="datetime1">
               <a:rPr lang="de-DE" smtClean="0"/>
-              <a:t>05.11.2021</a:t>
+              <a:t>06.11.2021</a:t>
             </a:fld>
             <a:endParaRPr lang="en-US"/>
           </a:p>
@@ -15803,7 +16055,7 @@
                   </a:schemeClr>
                 </a:solidFill>
               </a:rPr>
-              <a:t>Auswertung</a:t>
+              <a:t>Fazit</a:t>
             </a:r>
           </a:p>
           <a:p>
@@ -15856,7 +16108,7 @@
           <a:p>
             <a:fld id="{BB7604C3-A478-448A-88D6-07EFA8665C1F}" type="datetime1">
               <a:rPr lang="de-DE" smtClean="0"/>
-              <a:t>05.11.2021</a:t>
+              <a:t>06.11.2021</a:t>
             </a:fld>
             <a:endParaRPr lang="en-US"/>
           </a:p>
@@ -16007,7 +16259,7 @@
           <a:p>
             <a:fld id="{BB7604C3-A478-448A-88D6-07EFA8665C1F}" type="datetime1">
               <a:rPr lang="de-DE" smtClean="0"/>
-              <a:t>05.11.2021</a:t>
+              <a:t>06.11.2021</a:t>
             </a:fld>
             <a:endParaRPr lang="en-US"/>
           </a:p>
@@ -16976,7 +17228,7 @@
           <a:p>
             <a:fld id="{BB7604C3-A478-448A-88D6-07EFA8665C1F}" type="datetime1">
               <a:rPr lang="de-DE" smtClean="0"/>
-              <a:t>05.11.2021</a:t>
+              <a:t>06.11.2021</a:t>
             </a:fld>
             <a:endParaRPr lang="en-US"/>
           </a:p>
@@ -17257,7 +17509,7 @@
                   </a:schemeClr>
                 </a:solidFill>
               </a:rPr>
-              <a:t>Auswertung</a:t>
+              <a:t>Fazit</a:t>
             </a:r>
           </a:p>
           <a:p>
@@ -17310,7 +17562,7 @@
           <a:p>
             <a:fld id="{BB7604C3-A478-448A-88D6-07EFA8665C1F}" type="datetime1">
               <a:rPr lang="de-DE" smtClean="0"/>
-              <a:t>05.11.2021</a:t>
+              <a:t>06.11.2021</a:t>
             </a:fld>
             <a:endParaRPr lang="en-US"/>
           </a:p>

--- a/Vortrag.pptx
+++ b/Vortrag.pptx
@@ -7109,7 +7109,7 @@
         </p:blipFill>
         <p:spPr bwMode="auto">
           <a:xfrm>
-            <a:off x="6805984" y="1618133"/>
+            <a:off x="6805983" y="1409725"/>
             <a:ext cx="4268726" cy="1886181"/>
           </a:xfrm>
           <a:prstGeom prst="rect">
@@ -7150,7 +7150,7 @@
         </p:blipFill>
         <p:spPr bwMode="auto">
           <a:xfrm>
-            <a:off x="6805984" y="3942198"/>
+            <a:off x="6805984" y="3710507"/>
             <a:ext cx="4143950" cy="2462771"/>
           </a:xfrm>
           <a:prstGeom prst="rect">
@@ -7836,6 +7836,110 @@
           </a:prstGeom>
         </p:spPr>
       </p:pic>
+      <p:sp>
+        <p:nvSpPr>
+          <p:cNvPr id="13" name="Textfeld 12">
+            <a:extLst>
+              <a:ext uri="{FF2B5EF4-FFF2-40B4-BE49-F238E27FC236}">
+                <a16:creationId xmlns:a16="http://schemas.microsoft.com/office/drawing/2014/main" id="{F29BD16A-1B98-40CF-BFA0-54C7DB5C7B0E}"/>
+              </a:ext>
+            </a:extLst>
+          </p:cNvPr>
+          <p:cNvSpPr txBox="1"/>
+          <p:nvPr/>
+        </p:nvSpPr>
+        <p:spPr>
+          <a:xfrm>
+            <a:off x="6733668" y="3305889"/>
+            <a:ext cx="2144291" cy="246221"/>
+          </a:xfrm>
+          <a:prstGeom prst="rect">
+            <a:avLst/>
+          </a:prstGeom>
+          <a:noFill/>
+        </p:spPr>
+        <p:txBody>
+          <a:bodyPr wrap="square" rtlCol="0">
+            <a:spAutoFit/>
+          </a:bodyPr>
+          <a:lstStyle/>
+          <a:p>
+            <a:r>
+              <a:rPr lang="en-GB" sz="1000" dirty="0"/>
+              <a:t>Quelle</a:t>
+            </a:r>
+            <a:r>
+              <a:rPr lang="de-DE" sz="1000" dirty="0"/>
+              <a:t>: </a:t>
+            </a:r>
+            <a:r>
+              <a:rPr lang="en-GB" sz="1000" dirty="0" err="1"/>
+              <a:t>eigene</a:t>
+            </a:r>
+            <a:r>
+              <a:rPr lang="en-GB" sz="1000" dirty="0"/>
+              <a:t> </a:t>
+            </a:r>
+            <a:r>
+              <a:rPr lang="en-GB" sz="1000" dirty="0" err="1"/>
+              <a:t>Darstellung</a:t>
+            </a:r>
+            <a:endParaRPr lang="de-DE" sz="1000" dirty="0"/>
+          </a:p>
+        </p:txBody>
+      </p:sp>
+      <p:sp>
+        <p:nvSpPr>
+          <p:cNvPr id="15" name="Textfeld 14">
+            <a:extLst>
+              <a:ext uri="{FF2B5EF4-FFF2-40B4-BE49-F238E27FC236}">
+                <a16:creationId xmlns:a16="http://schemas.microsoft.com/office/drawing/2014/main" id="{2D709C83-C7A1-40B9-9E81-AD36E29109FD}"/>
+              </a:ext>
+            </a:extLst>
+          </p:cNvPr>
+          <p:cNvSpPr txBox="1"/>
+          <p:nvPr/>
+        </p:nvSpPr>
+        <p:spPr>
+          <a:xfrm>
+            <a:off x="6733667" y="6173278"/>
+            <a:ext cx="2144291" cy="246221"/>
+          </a:xfrm>
+          <a:prstGeom prst="rect">
+            <a:avLst/>
+          </a:prstGeom>
+          <a:noFill/>
+        </p:spPr>
+        <p:txBody>
+          <a:bodyPr wrap="square" rtlCol="0">
+            <a:spAutoFit/>
+          </a:bodyPr>
+          <a:lstStyle/>
+          <a:p>
+            <a:r>
+              <a:rPr lang="en-GB" sz="1000" dirty="0"/>
+              <a:t>Quelle</a:t>
+            </a:r>
+            <a:r>
+              <a:rPr lang="de-DE" sz="1000" dirty="0"/>
+              <a:t>: </a:t>
+            </a:r>
+            <a:r>
+              <a:rPr lang="en-GB" sz="1000" dirty="0" err="1"/>
+              <a:t>eigene</a:t>
+            </a:r>
+            <a:r>
+              <a:rPr lang="en-GB" sz="1000" dirty="0"/>
+              <a:t> </a:t>
+            </a:r>
+            <a:r>
+              <a:rPr lang="en-GB" sz="1000" dirty="0" err="1"/>
+              <a:t>Darstellung</a:t>
+            </a:r>
+            <a:endParaRPr lang="de-DE" sz="1000" dirty="0"/>
+          </a:p>
+        </p:txBody>
+      </p:sp>
     </p:spTree>
     <p:extLst>
       <p:ext uri="{BB962C8B-B14F-4D97-AF65-F5344CB8AC3E}">
@@ -8587,6 +8691,41 @@
           </a:ln>
         </p:spPr>
       </p:pic>
+      <p:sp>
+        <p:nvSpPr>
+          <p:cNvPr id="10" name="Textfeld 9">
+            <a:extLst>
+              <a:ext uri="{FF2B5EF4-FFF2-40B4-BE49-F238E27FC236}">
+                <a16:creationId xmlns:a16="http://schemas.microsoft.com/office/drawing/2014/main" id="{B3ADEBEE-5007-474D-9940-9C05862F0591}"/>
+              </a:ext>
+            </a:extLst>
+          </p:cNvPr>
+          <p:cNvSpPr txBox="1"/>
+          <p:nvPr/>
+        </p:nvSpPr>
+        <p:spPr>
+          <a:xfrm>
+            <a:off x="6873882" y="4638196"/>
+            <a:ext cx="4882822" cy="400110"/>
+          </a:xfrm>
+          <a:prstGeom prst="rect">
+            <a:avLst/>
+          </a:prstGeom>
+          <a:noFill/>
+        </p:spPr>
+        <p:txBody>
+          <a:bodyPr wrap="square" rtlCol="0">
+            <a:spAutoFit/>
+          </a:bodyPr>
+          <a:lstStyle/>
+          <a:p>
+            <a:r>
+              <a:rPr lang="de-DE" sz="1000" dirty="0"/>
+              <a:t>Quelle: NGINX, https://www.nginx.com/resources/glossary/load-balancing/  (07.09.2021) </a:t>
+            </a:r>
+          </a:p>
+        </p:txBody>
+      </p:sp>
     </p:spTree>
     <p:extLst>
       <p:ext uri="{BB962C8B-B14F-4D97-AF65-F5344CB8AC3E}">
@@ -9270,7 +9409,7 @@
         </p:blipFill>
         <p:spPr>
           <a:xfrm>
-            <a:off x="1553802" y="1994677"/>
+            <a:off x="1553802" y="2412783"/>
             <a:ext cx="7125694" cy="724001"/>
           </a:xfrm>
         </p:spPr>
@@ -9297,7 +9436,7 @@
         </p:blipFill>
         <p:spPr>
           <a:xfrm>
-            <a:off x="1553802" y="3553481"/>
+            <a:off x="1523328" y="3915481"/>
             <a:ext cx="7156168" cy="2134463"/>
           </a:xfrm>
           <a:prstGeom prst="rect">
@@ -9333,7 +9472,7 @@
         </p:blipFill>
         <p:spPr>
           <a:xfrm>
-            <a:off x="9307016" y="1389663"/>
+            <a:off x="8143289" y="1269942"/>
             <a:ext cx="1429692" cy="366879"/>
           </a:xfrm>
           <a:prstGeom prst="rect">
@@ -9355,8 +9494,8 @@
         </p:nvSpPr>
         <p:spPr>
           <a:xfrm>
-            <a:off x="9173722" y="1885285"/>
-            <a:ext cx="2204450" cy="246221"/>
+            <a:off x="8089246" y="1636821"/>
+            <a:ext cx="1712679" cy="553998"/>
           </a:xfrm>
           <a:prstGeom prst="rect">
             <a:avLst/>
@@ -9364,14 +9503,79 @@
           <a:noFill/>
         </p:spPr>
         <p:txBody>
-          <a:bodyPr wrap="none" rtlCol="0">
+          <a:bodyPr wrap="square" rtlCol="0">
             <a:spAutoFit/>
           </a:bodyPr>
           <a:lstStyle/>
           <a:p>
             <a:r>
               <a:rPr lang="de-DE" sz="1000" dirty="0"/>
-              <a:t>https://spring.io/projects/spring-boot</a:t>
+              <a:t>Quelle: spring.io, https://spring.io/projects/spring-boot (06.11.2021)</a:t>
+            </a:r>
+          </a:p>
+        </p:txBody>
+      </p:sp>
+      <p:pic>
+        <p:nvPicPr>
+          <p:cNvPr id="9" name="Grafik 8" descr="Ein Bild, das Text enthält.&#10;&#10;Automatisch generierte Beschreibung">
+            <a:extLst>
+              <a:ext uri="{FF2B5EF4-FFF2-40B4-BE49-F238E27FC236}">
+                <a16:creationId xmlns:a16="http://schemas.microsoft.com/office/drawing/2014/main" id="{595C9E82-2205-4D67-929C-6ED56F5040C9}"/>
+              </a:ext>
+            </a:extLst>
+          </p:cNvPr>
+          <p:cNvPicPr>
+            <a:picLocks noChangeAspect="1"/>
+          </p:cNvPicPr>
+          <p:nvPr/>
+        </p:nvPicPr>
+        <p:blipFill>
+          <a:blip r:embed="rId6"/>
+          <a:stretch>
+            <a:fillRect/>
+          </a:stretch>
+        </p:blipFill>
+        <p:spPr>
+          <a:xfrm>
+            <a:off x="10030869" y="1299051"/>
+            <a:ext cx="1092962" cy="308660"/>
+          </a:xfrm>
+          <a:prstGeom prst="rect">
+            <a:avLst/>
+          </a:prstGeom>
+        </p:spPr>
+      </p:pic>
+      <p:sp>
+        <p:nvSpPr>
+          <p:cNvPr id="10" name="Textfeld 9">
+            <a:extLst>
+              <a:ext uri="{FF2B5EF4-FFF2-40B4-BE49-F238E27FC236}">
+                <a16:creationId xmlns:a16="http://schemas.microsoft.com/office/drawing/2014/main" id="{03448629-742E-42C2-AA03-C2D3E1656BF2}"/>
+              </a:ext>
+            </a:extLst>
+          </p:cNvPr>
+          <p:cNvSpPr txBox="1"/>
+          <p:nvPr/>
+        </p:nvSpPr>
+        <p:spPr>
+          <a:xfrm>
+            <a:off x="9932039" y="1636821"/>
+            <a:ext cx="1465834" cy="553998"/>
+          </a:xfrm>
+          <a:prstGeom prst="rect">
+            <a:avLst/>
+          </a:prstGeom>
+          <a:noFill/>
+        </p:spPr>
+        <p:txBody>
+          <a:bodyPr wrap="square" rtlCol="0">
+            <a:spAutoFit/>
+          </a:bodyPr>
+          <a:lstStyle/>
+          <a:p>
+            <a:r>
+              <a:rPr lang="de-DE" sz="1000" dirty="0"/>
+              <a:t>Quelle: Maven, https://maven.apache.org/ (06.11.2021)</a:t>
             </a:r>
           </a:p>
         </p:txBody>
@@ -9910,6 +10114,54 @@
           </a:ln>
         </p:spPr>
       </p:pic>
+      <p:sp>
+        <p:nvSpPr>
+          <p:cNvPr id="8" name="Textfeld 7">
+            <a:extLst>
+              <a:ext uri="{FF2B5EF4-FFF2-40B4-BE49-F238E27FC236}">
+                <a16:creationId xmlns:a16="http://schemas.microsoft.com/office/drawing/2014/main" id="{E86FE3D7-AE72-44E4-B640-335038D9CC49}"/>
+              </a:ext>
+            </a:extLst>
+          </p:cNvPr>
+          <p:cNvSpPr txBox="1"/>
+          <p:nvPr/>
+        </p:nvSpPr>
+        <p:spPr>
+          <a:xfrm>
+            <a:off x="7811911" y="5849889"/>
+            <a:ext cx="3533422" cy="400110"/>
+          </a:xfrm>
+          <a:prstGeom prst="rect">
+            <a:avLst/>
+          </a:prstGeom>
+          <a:noFill/>
+        </p:spPr>
+        <p:txBody>
+          <a:bodyPr wrap="square" rtlCol="0">
+            <a:spAutoFit/>
+          </a:bodyPr>
+          <a:lstStyle/>
+          <a:p>
+            <a:r>
+              <a:rPr lang="de-DE" sz="1000" dirty="0"/>
+              <a:t>Quelle: NGINX, </a:t>
+            </a:r>
+            <a:r>
+              <a:rPr lang="de-DE" sz="1000" dirty="0">
+                <a:effectLst/>
+                <a:latin typeface="Arial" panose="020B0604020202020204" pitchFamily="34" charset="0"/>
+                <a:ea typeface="Calibri" panose="020F0502020204030204" pitchFamily="34" charset="0"/>
+                <a:cs typeface="Times New Roman" panose="02020603050405020304" pitchFamily="18" charset="0"/>
+              </a:rPr>
+              <a:t>https://www.nginx.com/blog/service-discovery-in-a-microservices-architecture/ </a:t>
+            </a:r>
+            <a:r>
+              <a:rPr lang="de-DE" sz="1000" dirty="0"/>
+              <a:t>(07.09.2021) </a:t>
+            </a:r>
+          </a:p>
+        </p:txBody>
+      </p:sp>
     </p:spTree>
     <p:extLst>
       <p:ext uri="{BB962C8B-B14F-4D97-AF65-F5344CB8AC3E}">
@@ -9986,8 +10238,8 @@
         </p:nvSpPr>
         <p:spPr>
           <a:xfrm>
-            <a:off x="1614650" y="1724738"/>
-            <a:ext cx="4041083" cy="3795528"/>
+            <a:off x="1614651" y="1724738"/>
+            <a:ext cx="3341172" cy="3795527"/>
           </a:xfrm>
         </p:spPr>
         <p:txBody>
@@ -10143,8 +10395,8 @@
         </p:blipFill>
         <p:spPr bwMode="auto">
           <a:xfrm>
-            <a:off x="5908472" y="2217177"/>
-            <a:ext cx="6032960" cy="3168066"/>
+            <a:off x="4959452" y="1885284"/>
+            <a:ext cx="6922108" cy="3634981"/>
           </a:xfrm>
           <a:prstGeom prst="rect">
             <a:avLst/>
@@ -10921,7 +11173,7 @@
           </a:p>
           <a:p>
             <a:r>
-              <a:rPr lang="de-DE" sz="4000" b="1" dirty="0">
+              <a:rPr lang="de-DE" sz="4000" dirty="0">
                 <a:solidFill>
                   <a:schemeClr val="tx1">
                     <a:lumMod val="50000"/>
@@ -13027,7 +13279,7 @@
           </a:p>
           <a:p>
             <a:r>
-              <a:rPr lang="de-DE" sz="4000" b="1" dirty="0">
+              <a:rPr lang="de-DE" sz="4000" dirty="0">
                 <a:solidFill>
                   <a:schemeClr val="tx1">
                     <a:lumMod val="50000"/>
@@ -16787,6 +17039,58 @@
           </a:fontRef>
         </p:style>
       </p:cxnSp>
+      <p:sp>
+        <p:nvSpPr>
+          <p:cNvPr id="3" name="Textfeld 2">
+            <a:extLst>
+              <a:ext uri="{FF2B5EF4-FFF2-40B4-BE49-F238E27FC236}">
+                <a16:creationId xmlns:a16="http://schemas.microsoft.com/office/drawing/2014/main" id="{704E2010-E906-442C-A877-77C13F755B7B}"/>
+              </a:ext>
+            </a:extLst>
+          </p:cNvPr>
+          <p:cNvSpPr txBox="1"/>
+          <p:nvPr/>
+        </p:nvSpPr>
+        <p:spPr>
+          <a:xfrm>
+            <a:off x="9076267" y="1448796"/>
+            <a:ext cx="2144291" cy="246221"/>
+          </a:xfrm>
+          <a:prstGeom prst="rect">
+            <a:avLst/>
+          </a:prstGeom>
+          <a:noFill/>
+        </p:spPr>
+        <p:txBody>
+          <a:bodyPr wrap="square" rtlCol="0">
+            <a:spAutoFit/>
+          </a:bodyPr>
+          <a:lstStyle/>
+          <a:p>
+            <a:r>
+              <a:rPr lang="en-GB" sz="1000" dirty="0"/>
+              <a:t>Quelle</a:t>
+            </a:r>
+            <a:r>
+              <a:rPr lang="de-DE" sz="1000" dirty="0"/>
+              <a:t>: </a:t>
+            </a:r>
+            <a:r>
+              <a:rPr lang="en-GB" sz="1000" dirty="0" err="1"/>
+              <a:t>eigene</a:t>
+            </a:r>
+            <a:r>
+              <a:rPr lang="en-GB" sz="1000" dirty="0"/>
+              <a:t> </a:t>
+            </a:r>
+            <a:r>
+              <a:rPr lang="en-GB" sz="1000" dirty="0" err="1"/>
+              <a:t>Darstellung</a:t>
+            </a:r>
+            <a:endParaRPr lang="de-DE" sz="1000" dirty="0"/>
+          </a:p>
+        </p:txBody>
+      </p:sp>
     </p:spTree>
     <p:extLst>
       <p:ext uri="{BB962C8B-B14F-4D97-AF65-F5344CB8AC3E}">
@@ -17336,6 +17640,58 @@
           </a:ln>
         </p:spPr>
       </p:pic>
+      <p:sp>
+        <p:nvSpPr>
+          <p:cNvPr id="8" name="Textfeld 7">
+            <a:extLst>
+              <a:ext uri="{FF2B5EF4-FFF2-40B4-BE49-F238E27FC236}">
+                <a16:creationId xmlns:a16="http://schemas.microsoft.com/office/drawing/2014/main" id="{C11A5579-DC5E-42B3-80CA-A0145A095E76}"/>
+              </a:ext>
+            </a:extLst>
+          </p:cNvPr>
+          <p:cNvSpPr txBox="1"/>
+          <p:nvPr/>
+        </p:nvSpPr>
+        <p:spPr>
+          <a:xfrm>
+            <a:off x="9313334" y="1705397"/>
+            <a:ext cx="2144291" cy="246221"/>
+          </a:xfrm>
+          <a:prstGeom prst="rect">
+            <a:avLst/>
+          </a:prstGeom>
+          <a:noFill/>
+        </p:spPr>
+        <p:txBody>
+          <a:bodyPr wrap="square" rtlCol="0">
+            <a:spAutoFit/>
+          </a:bodyPr>
+          <a:lstStyle/>
+          <a:p>
+            <a:r>
+              <a:rPr lang="en-GB" sz="1000" dirty="0"/>
+              <a:t>Quelle</a:t>
+            </a:r>
+            <a:r>
+              <a:rPr lang="de-DE" sz="1000" dirty="0"/>
+              <a:t>: </a:t>
+            </a:r>
+            <a:r>
+              <a:rPr lang="en-GB" sz="1000" dirty="0" err="1"/>
+              <a:t>eigene</a:t>
+            </a:r>
+            <a:r>
+              <a:rPr lang="en-GB" sz="1000" dirty="0"/>
+              <a:t> </a:t>
+            </a:r>
+            <a:r>
+              <a:rPr lang="en-GB" sz="1000" dirty="0" err="1"/>
+              <a:t>Darstellung</a:t>
+            </a:r>
+            <a:endParaRPr lang="de-DE" sz="1000" dirty="0"/>
+          </a:p>
+        </p:txBody>
+      </p:sp>
     </p:spTree>
     <p:extLst>
       <p:ext uri="{BB962C8B-B14F-4D97-AF65-F5344CB8AC3E}">
@@ -18157,12 +18513,6 @@
 </file>
 
 <file path=customXml/item1.xml><?xml version="1.0" encoding="utf-8"?>
-<p:properties xmlns:p="http://schemas.microsoft.com/office/2006/metadata/properties" xmlns:xsi="http://www.w3.org/2001/XMLSchema-instance" xmlns:pc="http://schemas.microsoft.com/office/infopath/2007/PartnerControls">
-  <documentManagement/>
-</p:properties>
-</file>
-
-<file path=customXml/item2.xml><?xml version="1.0" encoding="utf-8"?>
 <?mso-contentType ?>
 <FormTemplates xmlns="http://schemas.microsoft.com/sharepoint/v3/contenttype/forms">
   <Display>DocumentLibraryForm</Display>
@@ -18171,7 +18521,7 @@
 </FormTemplates>
 </file>
 
-<file path=customXml/item3.xml><?xml version="1.0" encoding="utf-8"?>
+<file path=customXml/item2.xml><?xml version="1.0" encoding="utf-8"?>
 <ct:contentTypeSchema xmlns:ct="http://schemas.microsoft.com/office/2006/metadata/contentType" xmlns:ma="http://schemas.microsoft.com/office/2006/metadata/properties/metaAttributes" ct:_="" ma:_="" ma:contentTypeName="Dokument" ma:contentTypeID="0x01010057DEBC6757D75944BF029D53C906043C" ma:contentTypeVersion="2" ma:contentTypeDescription="Ein neues Dokument erstellen." ma:contentTypeScope="" ma:versionID="92b2e5e144b5888bfe8e1716395d2054">
   <xsd:schema xmlns:xsd="http://www.w3.org/2001/XMLSchema" xmlns:xs="http://www.w3.org/2001/XMLSchema" xmlns:p="http://schemas.microsoft.com/office/2006/metadata/properties" xmlns:ns3="2e5082aa-21a9-4fb8-bc02-de89f01dc016" targetNamespace="http://schemas.microsoft.com/office/2006/metadata/properties" ma:root="true" ma:fieldsID="750a51e2518c422fe3db59dbb0fb1318" ns3:_="">
     <xsd:import namespace="2e5082aa-21a9-4fb8-bc02-de89f01dc016"/>
@@ -18303,23 +18653,13 @@
 </ct:contentTypeSchema>
 </file>
 
-<file path=customXml/itemProps1.xml><?xml version="1.0" encoding="utf-8"?>
-<ds:datastoreItem xmlns:ds="http://schemas.openxmlformats.org/officeDocument/2006/customXml" ds:itemID="{FA6182B4-BB90-4186-BC76-0BE8F85920D5}">
-  <ds:schemaRefs>
-    <ds:schemaRef ds:uri="2e5082aa-21a9-4fb8-bc02-de89f01dc016"/>
-    <ds:schemaRef ds:uri="http://purl.org/dc/dcmitype/"/>
-    <ds:schemaRef ds:uri="http://purl.org/dc/elements/1.1/"/>
-    <ds:schemaRef ds:uri="http://purl.org/dc/terms/"/>
-    <ds:schemaRef ds:uri="http://schemas.microsoft.com/office/2006/documentManagement/types"/>
-    <ds:schemaRef ds:uri="http://schemas.microsoft.com/office/2006/metadata/properties"/>
-    <ds:schemaRef ds:uri="http://schemas.microsoft.com/office/infopath/2007/PartnerControls"/>
-    <ds:schemaRef ds:uri="http://schemas.openxmlformats.org/package/2006/metadata/core-properties"/>
-    <ds:schemaRef ds:uri="http://www.w3.org/XML/1998/namespace"/>
-  </ds:schemaRefs>
-</ds:datastoreItem>
+<file path=customXml/item3.xml><?xml version="1.0" encoding="utf-8"?>
+<p:properties xmlns:p="http://schemas.microsoft.com/office/2006/metadata/properties" xmlns:xsi="http://www.w3.org/2001/XMLSchema-instance" xmlns:pc="http://schemas.microsoft.com/office/infopath/2007/PartnerControls">
+  <documentManagement/>
+</p:properties>
 </file>
 
-<file path=customXml/itemProps2.xml><?xml version="1.0" encoding="utf-8"?>
+<file path=customXml/itemProps1.xml><?xml version="1.0" encoding="utf-8"?>
 <ds:datastoreItem xmlns:ds="http://schemas.openxmlformats.org/officeDocument/2006/customXml" ds:itemID="{2ABFB1C4-DEB4-4487-BA3A-A97A672A3FD3}">
   <ds:schemaRefs>
     <ds:schemaRef ds:uri="http://schemas.microsoft.com/sharepoint/v3/contenttype/forms"/>
@@ -18327,7 +18667,7 @@
 </ds:datastoreItem>
 </file>
 
-<file path=customXml/itemProps3.xml><?xml version="1.0" encoding="utf-8"?>
+<file path=customXml/itemProps2.xml><?xml version="1.0" encoding="utf-8"?>
 <ds:datastoreItem xmlns:ds="http://schemas.openxmlformats.org/officeDocument/2006/customXml" ds:itemID="{3E893F45-019B-40EF-B832-242EE941AB77}">
   <ds:schemaRefs>
     <ds:schemaRef ds:uri="2e5082aa-21a9-4fb8-bc02-de89f01dc016"/>
@@ -18343,4 +18683,20 @@
     <ds:schemaRef ds:uri="http://www.w3.org/2001/XMLSchema"/>
   </ds:schemaRefs>
 </ds:datastoreItem>
+</file>
+
+<file path=customXml/itemProps3.xml><?xml version="1.0" encoding="utf-8"?>
+<ds:datastoreItem xmlns:ds="http://schemas.openxmlformats.org/officeDocument/2006/customXml" ds:itemID="{FA6182B4-BB90-4186-BC76-0BE8F85920D5}">
+  <ds:schemaRefs>
+    <ds:schemaRef ds:uri="2e5082aa-21a9-4fb8-bc02-de89f01dc016"/>
+    <ds:schemaRef ds:uri="http://purl.org/dc/dcmitype/"/>
+    <ds:schemaRef ds:uri="http://purl.org/dc/elements/1.1/"/>
+    <ds:schemaRef ds:uri="http://purl.org/dc/terms/"/>
+    <ds:schemaRef ds:uri="http://schemas.microsoft.com/office/2006/documentManagement/types"/>
+    <ds:schemaRef ds:uri="http://schemas.microsoft.com/office/2006/metadata/properties"/>
+    <ds:schemaRef ds:uri="http://schemas.microsoft.com/office/infopath/2007/PartnerControls"/>
+    <ds:schemaRef ds:uri="http://schemas.openxmlformats.org/package/2006/metadata/core-properties"/>
+    <ds:schemaRef ds:uri="http://www.w3.org/XML/1998/namespace"/>
+  </ds:schemaRefs>
+</ds:datastoreItem>
 </file>
--- a/Vortrag.pptx
+++ b/Vortrag.pptx
@@ -5,7 +5,7 @@
     <p:sldMasterId id="2147483648" r:id="rId4"/>
   </p:sldMasterIdLst>
   <p:notesMasterIdLst>
-    <p:notesMasterId r:id="rId30"/>
+    <p:notesMasterId r:id="rId32"/>
   </p:notesMasterIdLst>
   <p:sldIdLst>
     <p:sldId id="256" r:id="rId5"/>
@@ -31,8 +31,10 @@
     <p:sldId id="279" r:id="rId25"/>
     <p:sldId id="277" r:id="rId26"/>
     <p:sldId id="280" r:id="rId27"/>
-    <p:sldId id="281" r:id="rId28"/>
-    <p:sldId id="282" r:id="rId29"/>
+    <p:sldId id="282" r:id="rId28"/>
+    <p:sldId id="284" r:id="rId29"/>
+    <p:sldId id="285" r:id="rId30"/>
+    <p:sldId id="281" r:id="rId31"/>
   </p:sldIdLst>
   <p:sldSz cx="12192000" cy="6858000"/>
   <p:notesSz cx="6858000" cy="9144000"/>
@@ -9580,6 +9582,110 @@
           </a:p>
         </p:txBody>
       </p:sp>
+      <p:sp>
+        <p:nvSpPr>
+          <p:cNvPr id="12" name="Textfeld 11">
+            <a:extLst>
+              <a:ext uri="{FF2B5EF4-FFF2-40B4-BE49-F238E27FC236}">
+                <a16:creationId xmlns:a16="http://schemas.microsoft.com/office/drawing/2014/main" id="{A41ABA27-C473-4086-B861-78A92B988369}"/>
+              </a:ext>
+            </a:extLst>
+          </p:cNvPr>
+          <p:cNvSpPr txBox="1"/>
+          <p:nvPr/>
+        </p:nvSpPr>
+        <p:spPr>
+          <a:xfrm>
+            <a:off x="1439179" y="3182779"/>
+            <a:ext cx="2144291" cy="246221"/>
+          </a:xfrm>
+          <a:prstGeom prst="rect">
+            <a:avLst/>
+          </a:prstGeom>
+          <a:noFill/>
+        </p:spPr>
+        <p:txBody>
+          <a:bodyPr wrap="square" rtlCol="0">
+            <a:spAutoFit/>
+          </a:bodyPr>
+          <a:lstStyle/>
+          <a:p>
+            <a:r>
+              <a:rPr lang="en-GB" sz="1000" dirty="0"/>
+              <a:t>Quelle</a:t>
+            </a:r>
+            <a:r>
+              <a:rPr lang="de-DE" sz="1000" dirty="0"/>
+              <a:t>: </a:t>
+            </a:r>
+            <a:r>
+              <a:rPr lang="en-GB" sz="1000" dirty="0" err="1"/>
+              <a:t>eigene</a:t>
+            </a:r>
+            <a:r>
+              <a:rPr lang="en-GB" sz="1000" dirty="0"/>
+              <a:t> </a:t>
+            </a:r>
+            <a:r>
+              <a:rPr lang="en-GB" sz="1000" dirty="0" err="1"/>
+              <a:t>Darstellung</a:t>
+            </a:r>
+            <a:endParaRPr lang="de-DE" sz="1000" dirty="0"/>
+          </a:p>
+        </p:txBody>
+      </p:sp>
+      <p:sp>
+        <p:nvSpPr>
+          <p:cNvPr id="13" name="Textfeld 12">
+            <a:extLst>
+              <a:ext uri="{FF2B5EF4-FFF2-40B4-BE49-F238E27FC236}">
+                <a16:creationId xmlns:a16="http://schemas.microsoft.com/office/drawing/2014/main" id="{0C21A053-B6E2-419C-9A30-377BB8752746}"/>
+              </a:ext>
+            </a:extLst>
+          </p:cNvPr>
+          <p:cNvSpPr txBox="1"/>
+          <p:nvPr/>
+        </p:nvSpPr>
+        <p:spPr>
+          <a:xfrm>
+            <a:off x="1439178" y="6049944"/>
+            <a:ext cx="2144291" cy="246221"/>
+          </a:xfrm>
+          <a:prstGeom prst="rect">
+            <a:avLst/>
+          </a:prstGeom>
+          <a:noFill/>
+        </p:spPr>
+        <p:txBody>
+          <a:bodyPr wrap="square" rtlCol="0">
+            <a:spAutoFit/>
+          </a:bodyPr>
+          <a:lstStyle/>
+          <a:p>
+            <a:r>
+              <a:rPr lang="en-GB" sz="1000" dirty="0"/>
+              <a:t>Quelle</a:t>
+            </a:r>
+            <a:r>
+              <a:rPr lang="de-DE" sz="1000" dirty="0"/>
+              <a:t>: </a:t>
+            </a:r>
+            <a:r>
+              <a:rPr lang="en-GB" sz="1000" dirty="0" err="1"/>
+              <a:t>eigene</a:t>
+            </a:r>
+            <a:r>
+              <a:rPr lang="en-GB" sz="1000" dirty="0"/>
+              <a:t> </a:t>
+            </a:r>
+            <a:r>
+              <a:rPr lang="en-GB" sz="1000" dirty="0" err="1"/>
+              <a:t>Darstellung</a:t>
+            </a:r>
+            <a:endParaRPr lang="de-DE" sz="1000" dirty="0"/>
+          </a:p>
+        </p:txBody>
+      </p:sp>
     </p:spTree>
     <p:extLst>
       <p:ext uri="{BB962C8B-B14F-4D97-AF65-F5344CB8AC3E}">
@@ -10128,7 +10234,7 @@
         </p:nvSpPr>
         <p:spPr>
           <a:xfrm>
-            <a:off x="7811911" y="5849889"/>
+            <a:off x="7749758" y="5770203"/>
             <a:ext cx="3533422" cy="400110"/>
           </a:xfrm>
           <a:prstGeom prst="rect">
@@ -10407,6 +10513,58 @@
           </a:ln>
         </p:spPr>
       </p:pic>
+      <p:sp>
+        <p:nvSpPr>
+          <p:cNvPr id="8" name="Textfeld 7">
+            <a:extLst>
+              <a:ext uri="{FF2B5EF4-FFF2-40B4-BE49-F238E27FC236}">
+                <a16:creationId xmlns:a16="http://schemas.microsoft.com/office/drawing/2014/main" id="{BD3AC4F0-B70F-4647-B07A-1A6C7100B8C8}"/>
+              </a:ext>
+            </a:extLst>
+          </p:cNvPr>
+          <p:cNvSpPr txBox="1"/>
+          <p:nvPr/>
+        </p:nvSpPr>
+        <p:spPr>
+          <a:xfrm>
+            <a:off x="4871001" y="5520265"/>
+            <a:ext cx="2144291" cy="246221"/>
+          </a:xfrm>
+          <a:prstGeom prst="rect">
+            <a:avLst/>
+          </a:prstGeom>
+          <a:noFill/>
+        </p:spPr>
+        <p:txBody>
+          <a:bodyPr wrap="square" rtlCol="0">
+            <a:spAutoFit/>
+          </a:bodyPr>
+          <a:lstStyle/>
+          <a:p>
+            <a:r>
+              <a:rPr lang="en-GB" sz="1000" dirty="0"/>
+              <a:t>Quelle</a:t>
+            </a:r>
+            <a:r>
+              <a:rPr lang="de-DE" sz="1000" dirty="0"/>
+              <a:t>: </a:t>
+            </a:r>
+            <a:r>
+              <a:rPr lang="en-GB" sz="1000" dirty="0" err="1"/>
+              <a:t>eigene</a:t>
+            </a:r>
+            <a:r>
+              <a:rPr lang="en-GB" sz="1000" dirty="0"/>
+              <a:t> </a:t>
+            </a:r>
+            <a:r>
+              <a:rPr lang="en-GB" sz="1000" dirty="0" err="1"/>
+              <a:t>Darstellung</a:t>
+            </a:r>
+            <a:endParaRPr lang="de-DE" sz="1000" dirty="0"/>
+          </a:p>
+        </p:txBody>
+      </p:sp>
     </p:spTree>
     <p:extLst>
       <p:ext uri="{BB962C8B-B14F-4D97-AF65-F5344CB8AC3E}">
@@ -10725,6 +10883,93 @@
           </a:prstGeom>
         </p:spPr>
       </p:pic>
+      <p:sp>
+        <p:nvSpPr>
+          <p:cNvPr id="11" name="Textfeld 10">
+            <a:extLst>
+              <a:ext uri="{FF2B5EF4-FFF2-40B4-BE49-F238E27FC236}">
+                <a16:creationId xmlns:a16="http://schemas.microsoft.com/office/drawing/2014/main" id="{C942A7BC-1E8C-416D-AE08-7E9D9B03BDF4}"/>
+              </a:ext>
+            </a:extLst>
+          </p:cNvPr>
+          <p:cNvSpPr txBox="1"/>
+          <p:nvPr/>
+        </p:nvSpPr>
+        <p:spPr>
+          <a:xfrm>
+            <a:off x="9269696" y="2883618"/>
+            <a:ext cx="1712679" cy="553998"/>
+          </a:xfrm>
+          <a:prstGeom prst="rect">
+            <a:avLst/>
+          </a:prstGeom>
+          <a:noFill/>
+        </p:spPr>
+        <p:txBody>
+          <a:bodyPr wrap="square" rtlCol="0">
+            <a:spAutoFit/>
+          </a:bodyPr>
+          <a:lstStyle/>
+          <a:p>
+            <a:r>
+              <a:rPr lang="de-DE" sz="1000" dirty="0"/>
+              <a:t>Quelle: spring.io, https://spring.io/projects/spring-boot (06.11.2021)</a:t>
+            </a:r>
+          </a:p>
+        </p:txBody>
+      </p:sp>
+      <p:sp>
+        <p:nvSpPr>
+          <p:cNvPr id="12" name="Textfeld 11">
+            <a:extLst>
+              <a:ext uri="{FF2B5EF4-FFF2-40B4-BE49-F238E27FC236}">
+                <a16:creationId xmlns:a16="http://schemas.microsoft.com/office/drawing/2014/main" id="{85A72CA2-3B16-475F-A582-39BC79F742F4}"/>
+              </a:ext>
+            </a:extLst>
+          </p:cNvPr>
+          <p:cNvSpPr txBox="1"/>
+          <p:nvPr/>
+        </p:nvSpPr>
+        <p:spPr>
+          <a:xfrm>
+            <a:off x="1766557" y="5926832"/>
+            <a:ext cx="2144291" cy="246221"/>
+          </a:xfrm>
+          <a:prstGeom prst="rect">
+            <a:avLst/>
+          </a:prstGeom>
+          <a:noFill/>
+        </p:spPr>
+        <p:txBody>
+          <a:bodyPr wrap="square" rtlCol="0">
+            <a:spAutoFit/>
+          </a:bodyPr>
+          <a:lstStyle/>
+          <a:p>
+            <a:r>
+              <a:rPr lang="en-GB" sz="1000" dirty="0"/>
+              <a:t>Quelle</a:t>
+            </a:r>
+            <a:r>
+              <a:rPr lang="de-DE" sz="1000" dirty="0"/>
+              <a:t>: </a:t>
+            </a:r>
+            <a:r>
+              <a:rPr lang="en-GB" sz="1000" dirty="0" err="1"/>
+              <a:t>eigene</a:t>
+            </a:r>
+            <a:r>
+              <a:rPr lang="en-GB" sz="1000" dirty="0"/>
+              <a:t> </a:t>
+            </a:r>
+            <a:r>
+              <a:rPr lang="en-GB" sz="1000" dirty="0" err="1"/>
+              <a:t>Darstellung</a:t>
+            </a:r>
+            <a:endParaRPr lang="de-DE" sz="1000" dirty="0"/>
+          </a:p>
+        </p:txBody>
+      </p:sp>
     </p:spTree>
     <p:extLst>
       <p:ext uri="{BB962C8B-B14F-4D97-AF65-F5344CB8AC3E}">
@@ -11053,6 +11298,93 @@
           </a:prstGeom>
         </p:spPr>
       </p:pic>
+      <p:sp>
+        <p:nvSpPr>
+          <p:cNvPr id="10" name="Textfeld 9">
+            <a:extLst>
+              <a:ext uri="{FF2B5EF4-FFF2-40B4-BE49-F238E27FC236}">
+                <a16:creationId xmlns:a16="http://schemas.microsoft.com/office/drawing/2014/main" id="{0F688999-BC89-4B8B-8355-DBF153948165}"/>
+              </a:ext>
+            </a:extLst>
+          </p:cNvPr>
+          <p:cNvSpPr txBox="1"/>
+          <p:nvPr/>
+        </p:nvSpPr>
+        <p:spPr>
+          <a:xfrm>
+            <a:off x="9269696" y="2866493"/>
+            <a:ext cx="1712679" cy="553998"/>
+          </a:xfrm>
+          <a:prstGeom prst="rect">
+            <a:avLst/>
+          </a:prstGeom>
+          <a:noFill/>
+        </p:spPr>
+        <p:txBody>
+          <a:bodyPr wrap="square" rtlCol="0">
+            <a:spAutoFit/>
+          </a:bodyPr>
+          <a:lstStyle/>
+          <a:p>
+            <a:r>
+              <a:rPr lang="de-DE" sz="1000" dirty="0"/>
+              <a:t>Quelle: spring.io, https://spring.io/projects/spring-boot (06.11.2021)</a:t>
+            </a:r>
+          </a:p>
+        </p:txBody>
+      </p:sp>
+      <p:sp>
+        <p:nvSpPr>
+          <p:cNvPr id="11" name="Textfeld 10">
+            <a:extLst>
+              <a:ext uri="{FF2B5EF4-FFF2-40B4-BE49-F238E27FC236}">
+                <a16:creationId xmlns:a16="http://schemas.microsoft.com/office/drawing/2014/main" id="{46A0BE95-7565-4867-8822-567923295B23}"/>
+              </a:ext>
+            </a:extLst>
+          </p:cNvPr>
+          <p:cNvSpPr txBox="1"/>
+          <p:nvPr/>
+        </p:nvSpPr>
+        <p:spPr>
+          <a:xfrm>
+            <a:off x="1708664" y="5480519"/>
+            <a:ext cx="2144291" cy="246221"/>
+          </a:xfrm>
+          <a:prstGeom prst="rect">
+            <a:avLst/>
+          </a:prstGeom>
+          <a:noFill/>
+        </p:spPr>
+        <p:txBody>
+          <a:bodyPr wrap="square" rtlCol="0">
+            <a:spAutoFit/>
+          </a:bodyPr>
+          <a:lstStyle/>
+          <a:p>
+            <a:r>
+              <a:rPr lang="en-GB" sz="1000" dirty="0"/>
+              <a:t>Quelle</a:t>
+            </a:r>
+            <a:r>
+              <a:rPr lang="de-DE" sz="1000" dirty="0"/>
+              <a:t>: </a:t>
+            </a:r>
+            <a:r>
+              <a:rPr lang="en-GB" sz="1000" dirty="0" err="1"/>
+              <a:t>eigene</a:t>
+            </a:r>
+            <a:r>
+              <a:rPr lang="en-GB" sz="1000" dirty="0"/>
+              <a:t> </a:t>
+            </a:r>
+            <a:r>
+              <a:rPr lang="en-GB" sz="1000" dirty="0" err="1"/>
+              <a:t>Darstellung</a:t>
+            </a:r>
+            <a:endParaRPr lang="de-DE" sz="1000" dirty="0"/>
+          </a:p>
+        </p:txBody>
+      </p:sp>
     </p:spTree>
     <p:extLst>
       <p:ext uri="{BB962C8B-B14F-4D97-AF65-F5344CB8AC3E}">
@@ -11743,7 +12075,7 @@
         </p:blipFill>
         <p:spPr bwMode="auto">
           <a:xfrm>
-            <a:off x="4315233" y="2071948"/>
+            <a:off x="4394255" y="2062153"/>
             <a:ext cx="5494505" cy="3997325"/>
           </a:xfrm>
           <a:prstGeom prst="rect">
@@ -12084,6 +12416,58 @@
           </a:p>
         </p:txBody>
       </p:sp>
+      <p:sp>
+        <p:nvSpPr>
+          <p:cNvPr id="10" name="Textfeld 9">
+            <a:extLst>
+              <a:ext uri="{FF2B5EF4-FFF2-40B4-BE49-F238E27FC236}">
+                <a16:creationId xmlns:a16="http://schemas.microsoft.com/office/drawing/2014/main" id="{5B464568-842C-4A57-A39F-8D5217AFCD88}"/>
+              </a:ext>
+            </a:extLst>
+          </p:cNvPr>
+          <p:cNvSpPr txBox="1"/>
+          <p:nvPr/>
+        </p:nvSpPr>
+        <p:spPr>
+          <a:xfrm>
+            <a:off x="4315233" y="6098248"/>
+            <a:ext cx="2144291" cy="246221"/>
+          </a:xfrm>
+          <a:prstGeom prst="rect">
+            <a:avLst/>
+          </a:prstGeom>
+          <a:noFill/>
+        </p:spPr>
+        <p:txBody>
+          <a:bodyPr wrap="square" rtlCol="0">
+            <a:spAutoFit/>
+          </a:bodyPr>
+          <a:lstStyle/>
+          <a:p>
+            <a:r>
+              <a:rPr lang="en-GB" sz="1000" dirty="0"/>
+              <a:t>Quelle</a:t>
+            </a:r>
+            <a:r>
+              <a:rPr lang="de-DE" sz="1000" dirty="0"/>
+              <a:t>: </a:t>
+            </a:r>
+            <a:r>
+              <a:rPr lang="en-GB" sz="1000" dirty="0" err="1"/>
+              <a:t>eigene</a:t>
+            </a:r>
+            <a:r>
+              <a:rPr lang="en-GB" sz="1000" dirty="0"/>
+              <a:t> </a:t>
+            </a:r>
+            <a:r>
+              <a:rPr lang="en-GB" sz="1000" dirty="0" err="1"/>
+              <a:t>Darstellung</a:t>
+            </a:r>
+            <a:endParaRPr lang="de-DE" sz="1000" dirty="0"/>
+          </a:p>
+        </p:txBody>
+      </p:sp>
     </p:spTree>
     <p:extLst>
       <p:ext uri="{BB962C8B-B14F-4D97-AF65-F5344CB8AC3E}">
@@ -12261,7 +12645,7 @@
         </p:blipFill>
         <p:spPr bwMode="auto">
           <a:xfrm>
-            <a:off x="5342417" y="1549029"/>
+            <a:off x="5337595" y="1346670"/>
             <a:ext cx="5506557" cy="4903287"/>
           </a:xfrm>
           <a:prstGeom prst="rect">
@@ -13159,6 +13543,58 @@
           </a:fontRef>
         </p:style>
       </p:cxnSp>
+      <p:sp>
+        <p:nvSpPr>
+          <p:cNvPr id="21" name="Textfeld 20">
+            <a:extLst>
+              <a:ext uri="{FF2B5EF4-FFF2-40B4-BE49-F238E27FC236}">
+                <a16:creationId xmlns:a16="http://schemas.microsoft.com/office/drawing/2014/main" id="{5698B132-B8F6-4441-9F87-4DD66C245285}"/>
+              </a:ext>
+            </a:extLst>
+          </p:cNvPr>
+          <p:cNvSpPr txBox="1"/>
+          <p:nvPr/>
+        </p:nvSpPr>
+        <p:spPr>
+          <a:xfrm>
+            <a:off x="5239471" y="6263598"/>
+            <a:ext cx="2144291" cy="246221"/>
+          </a:xfrm>
+          <a:prstGeom prst="rect">
+            <a:avLst/>
+          </a:prstGeom>
+          <a:noFill/>
+        </p:spPr>
+        <p:txBody>
+          <a:bodyPr wrap="square" rtlCol="0">
+            <a:spAutoFit/>
+          </a:bodyPr>
+          <a:lstStyle/>
+          <a:p>
+            <a:r>
+              <a:rPr lang="en-GB" sz="1000" dirty="0"/>
+              <a:t>Quelle</a:t>
+            </a:r>
+            <a:r>
+              <a:rPr lang="de-DE" sz="1000" dirty="0"/>
+              <a:t>: </a:t>
+            </a:r>
+            <a:r>
+              <a:rPr lang="en-GB" sz="1000" dirty="0" err="1"/>
+              <a:t>eigene</a:t>
+            </a:r>
+            <a:r>
+              <a:rPr lang="en-GB" sz="1000" dirty="0"/>
+              <a:t> </a:t>
+            </a:r>
+            <a:r>
+              <a:rPr lang="en-GB" sz="1000" dirty="0" err="1"/>
+              <a:t>Darstellung</a:t>
+            </a:r>
+            <a:endParaRPr lang="de-DE" sz="1000" dirty="0"/>
+          </a:p>
+        </p:txBody>
+      </p:sp>
     </p:spTree>
     <p:extLst>
       <p:ext uri="{BB962C8B-B14F-4D97-AF65-F5344CB8AC3E}">
@@ -13733,7 +14169,7 @@
           <p:cNvPr id="2" name="Titel 1">
             <a:extLst>
               <a:ext uri="{FF2B5EF4-FFF2-40B4-BE49-F238E27FC236}">
-                <a16:creationId xmlns:a16="http://schemas.microsoft.com/office/drawing/2014/main" id="{108A0777-CFE6-457E-8127-F136AE08835F}"/>
+                <a16:creationId xmlns:a16="http://schemas.microsoft.com/office/drawing/2014/main" id="{33A5AE4E-6EBA-48CA-9662-58CC35012FCD}"/>
               </a:ext>
             </a:extLst>
           </p:cNvPr>
@@ -13751,7 +14187,7 @@
           <a:p>
             <a:r>
               <a:rPr lang="de-DE" dirty="0"/>
-              <a:t>Demonstration des Prototypen</a:t>
+              <a:t>Ende des Vortrages</a:t>
             </a:r>
           </a:p>
         </p:txBody>
@@ -13761,7 +14197,7 @@
           <p:cNvPr id="3" name="Inhaltsplatzhalter 2">
             <a:extLst>
               <a:ext uri="{FF2B5EF4-FFF2-40B4-BE49-F238E27FC236}">
-                <a16:creationId xmlns:a16="http://schemas.microsoft.com/office/drawing/2014/main" id="{7DB7DD88-23AD-4A12-ADC2-FAE3F1A98EDD}"/>
+                <a16:creationId xmlns:a16="http://schemas.microsoft.com/office/drawing/2014/main" id="{308DD68D-17E1-4075-9E04-9BDEA2E3A3D5}"/>
               </a:ext>
             </a:extLst>
           </p:cNvPr>
@@ -13786,7 +14222,7 @@
           <p:cNvPr id="4" name="Datumsplatzhalter 3">
             <a:extLst>
               <a:ext uri="{FF2B5EF4-FFF2-40B4-BE49-F238E27FC236}">
-                <a16:creationId xmlns:a16="http://schemas.microsoft.com/office/drawing/2014/main" id="{8D6332C5-8A74-45D7-9827-AEA94A841B07}"/>
+                <a16:creationId xmlns:a16="http://schemas.microsoft.com/office/drawing/2014/main" id="{D8070C4D-CC50-41DB-86CB-8AC158160FF7}"/>
               </a:ext>
             </a:extLst>
           </p:cNvPr>
@@ -13815,7 +14251,7 @@
           <p:cNvPr id="5" name="Fußzeilenplatzhalter 4">
             <a:extLst>
               <a:ext uri="{FF2B5EF4-FFF2-40B4-BE49-F238E27FC236}">
-                <a16:creationId xmlns:a16="http://schemas.microsoft.com/office/drawing/2014/main" id="{F190D1FA-56E8-4CD6-917D-703B525CEC30}"/>
+                <a16:creationId xmlns:a16="http://schemas.microsoft.com/office/drawing/2014/main" id="{5CE6DB89-FEB7-49C0-B0AF-3F181AB1BD45}"/>
               </a:ext>
             </a:extLst>
           </p:cNvPr>
@@ -13845,7 +14281,7 @@
           <p:cNvPr id="6" name="Foliennummernplatzhalter 5">
             <a:extLst>
               <a:ext uri="{FF2B5EF4-FFF2-40B4-BE49-F238E27FC236}">
-                <a16:creationId xmlns:a16="http://schemas.microsoft.com/office/drawing/2014/main" id="{E2CAA5F2-2269-438E-8317-2B6EF97309B6}"/>
+                <a16:creationId xmlns:a16="http://schemas.microsoft.com/office/drawing/2014/main" id="{C1C9E8E5-47A8-4539-AC65-0ED167C21323}"/>
               </a:ext>
             </a:extLst>
           </p:cNvPr>
@@ -13872,7 +14308,7 @@
     </p:spTree>
     <p:extLst>
       <p:ext uri="{BB962C8B-B14F-4D97-AF65-F5344CB8AC3E}">
-        <p14:creationId xmlns:p14="http://schemas.microsoft.com/office/powerpoint/2010/main" val="4015263097"/>
+        <p14:creationId xmlns:p14="http://schemas.microsoft.com/office/powerpoint/2010/main" val="2620263450"/>
       </p:ext>
     </p:extLst>
   </p:cSld>
@@ -13904,7 +14340,7 @@
           <p:cNvPr id="2" name="Titel 1">
             <a:extLst>
               <a:ext uri="{FF2B5EF4-FFF2-40B4-BE49-F238E27FC236}">
-                <a16:creationId xmlns:a16="http://schemas.microsoft.com/office/drawing/2014/main" id="{33A5AE4E-6EBA-48CA-9662-58CC35012FCD}"/>
+                <a16:creationId xmlns:a16="http://schemas.microsoft.com/office/drawing/2014/main" id="{9D89E670-CD3A-4DE2-9E3E-E0818CBE5CA0}"/>
               </a:ext>
             </a:extLst>
           </p:cNvPr>
@@ -13922,7 +14358,7 @@
           <a:p>
             <a:r>
               <a:rPr lang="de-DE" dirty="0"/>
-              <a:t>Ende</a:t>
+              <a:t>Quellen</a:t>
             </a:r>
           </a:p>
         </p:txBody>
@@ -13932,7 +14368,7 @@
           <p:cNvPr id="3" name="Inhaltsplatzhalter 2">
             <a:extLst>
               <a:ext uri="{FF2B5EF4-FFF2-40B4-BE49-F238E27FC236}">
-                <a16:creationId xmlns:a16="http://schemas.microsoft.com/office/drawing/2014/main" id="{308DD68D-17E1-4075-9E04-9BDEA2E3A3D5}"/>
+                <a16:creationId xmlns:a16="http://schemas.microsoft.com/office/drawing/2014/main" id="{40553F2F-44B5-48EB-B275-F4AE1A8AF5A5}"/>
               </a:ext>
             </a:extLst>
           </p:cNvPr>
@@ -13945,10 +14381,311 @@
         </p:nvSpPr>
         <p:spPr/>
         <p:txBody>
-          <a:bodyPr/>
-          <a:lstStyle/>
-          <a:p>
-            <a:endParaRPr lang="de-DE"/>
+          <a:bodyPr>
+            <a:normAutofit fontScale="62500" lnSpcReduction="20000"/>
+          </a:bodyPr>
+          <a:lstStyle/>
+          <a:p>
+            <a:r>
+              <a:rPr lang="de-DE" sz="1800" b="1" dirty="0" err="1">
+                <a:effectLst/>
+                <a:latin typeface="Arial" panose="020B0604020202020204" pitchFamily="34" charset="0"/>
+                <a:ea typeface="Calibri" panose="020F0502020204030204" pitchFamily="34" charset="0"/>
+                <a:cs typeface="Times New Roman" panose="02020603050405020304" pitchFamily="18" charset="0"/>
+              </a:rPr>
+              <a:t>Gnatyk</a:t>
+            </a:r>
+            <a:r>
+              <a:rPr lang="de-DE" sz="1800" b="1" dirty="0">
+                <a:effectLst/>
+                <a:latin typeface="Arial" panose="020B0604020202020204" pitchFamily="34" charset="0"/>
+                <a:ea typeface="Calibri" panose="020F0502020204030204" pitchFamily="34" charset="0"/>
+                <a:cs typeface="Times New Roman" panose="02020603050405020304" pitchFamily="18" charset="0"/>
+              </a:rPr>
+              <a:t> , Romana . 2018.</a:t>
+            </a:r>
+            <a:r>
+              <a:rPr lang="de-DE" sz="1800" dirty="0">
+                <a:effectLst/>
+                <a:latin typeface="Arial" panose="020B0604020202020204" pitchFamily="34" charset="0"/>
+                <a:ea typeface="Calibri" panose="020F0502020204030204" pitchFamily="34" charset="0"/>
+                <a:cs typeface="Times New Roman" panose="02020603050405020304" pitchFamily="18" charset="0"/>
+              </a:rPr>
+              <a:t> N-</a:t>
+            </a:r>
+            <a:r>
+              <a:rPr lang="de-DE" sz="1800" dirty="0" err="1">
+                <a:effectLst/>
+                <a:latin typeface="Arial" panose="020B0604020202020204" pitchFamily="34" charset="0"/>
+                <a:ea typeface="Calibri" panose="020F0502020204030204" pitchFamily="34" charset="0"/>
+                <a:cs typeface="Times New Roman" panose="02020603050405020304" pitchFamily="18" charset="0"/>
+              </a:rPr>
+              <a:t>iX</a:t>
+            </a:r>
+            <a:r>
+              <a:rPr lang="de-DE" sz="1800" dirty="0">
+                <a:effectLst/>
+                <a:latin typeface="Arial" panose="020B0604020202020204" pitchFamily="34" charset="0"/>
+                <a:ea typeface="Calibri" panose="020F0502020204030204" pitchFamily="34" charset="0"/>
+                <a:cs typeface="Times New Roman" panose="02020603050405020304" pitchFamily="18" charset="0"/>
+              </a:rPr>
+              <a:t>. [Online] 03. Oktober 2018. [Zitat vom: 07. August 2021.] https://www.n-ix.com/microservices-vs-monolith-which-architecture-best-choice-your-business/.</a:t>
+            </a:r>
+            <a:endParaRPr lang="de-DE" sz="1800" b="1" dirty="0">
+              <a:effectLst/>
+              <a:latin typeface="Arial" panose="020B0604020202020204" pitchFamily="34" charset="0"/>
+              <a:ea typeface="Calibri" panose="020F0502020204030204" pitchFamily="34" charset="0"/>
+              <a:cs typeface="Times New Roman" panose="02020603050405020304" pitchFamily="18" charset="0"/>
+            </a:endParaRPr>
+          </a:p>
+          <a:p>
+            <a:r>
+              <a:rPr lang="de-DE" sz="1800" b="1" dirty="0" err="1">
+                <a:effectLst/>
+                <a:latin typeface="Arial" panose="020B0604020202020204" pitchFamily="34" charset="0"/>
+                <a:ea typeface="Calibri" panose="020F0502020204030204" pitchFamily="34" charset="0"/>
+                <a:cs typeface="Times New Roman" panose="02020603050405020304" pitchFamily="18" charset="0"/>
+              </a:rPr>
+              <a:t>ComputerWeekly</a:t>
+            </a:r>
+            <a:r>
+              <a:rPr lang="de-DE" sz="1800" b="1" dirty="0">
+                <a:effectLst/>
+                <a:latin typeface="Arial" panose="020B0604020202020204" pitchFamily="34" charset="0"/>
+                <a:ea typeface="Calibri" panose="020F0502020204030204" pitchFamily="34" charset="0"/>
+                <a:cs typeface="Times New Roman" panose="02020603050405020304" pitchFamily="18" charset="0"/>
+              </a:rPr>
+              <a:t>, Redaktion. 2020.</a:t>
+            </a:r>
+            <a:r>
+              <a:rPr lang="de-DE" sz="1800" dirty="0">
+                <a:effectLst/>
+                <a:latin typeface="Arial" panose="020B0604020202020204" pitchFamily="34" charset="0"/>
+                <a:ea typeface="Calibri" panose="020F0502020204030204" pitchFamily="34" charset="0"/>
+                <a:cs typeface="Times New Roman" panose="02020603050405020304" pitchFamily="18" charset="0"/>
+              </a:rPr>
+              <a:t> </a:t>
+            </a:r>
+            <a:r>
+              <a:rPr lang="de-DE" sz="1800" dirty="0" err="1">
+                <a:effectLst/>
+                <a:latin typeface="Arial" panose="020B0604020202020204" pitchFamily="34" charset="0"/>
+                <a:ea typeface="Calibri" panose="020F0502020204030204" pitchFamily="34" charset="0"/>
+                <a:cs typeface="Times New Roman" panose="02020603050405020304" pitchFamily="18" charset="0"/>
+              </a:rPr>
+              <a:t>ComputerWeekly</a:t>
+            </a:r>
+            <a:r>
+              <a:rPr lang="de-DE" sz="1800" dirty="0">
+                <a:effectLst/>
+                <a:latin typeface="Arial" panose="020B0604020202020204" pitchFamily="34" charset="0"/>
+                <a:ea typeface="Calibri" panose="020F0502020204030204" pitchFamily="34" charset="0"/>
+                <a:cs typeface="Times New Roman" panose="02020603050405020304" pitchFamily="18" charset="0"/>
+              </a:rPr>
+              <a:t>. [Online] Juli 2020. [Zitat vom: 16. August 2021.] https://www.computerweekly.com/de/definition/Load-Balancing.</a:t>
+            </a:r>
+          </a:p>
+          <a:p>
+            <a:r>
+              <a:rPr lang="de-DE" sz="1800" b="1" dirty="0">
+                <a:effectLst/>
+                <a:latin typeface="Arial" panose="020B0604020202020204" pitchFamily="34" charset="0"/>
+                <a:ea typeface="Calibri" panose="020F0502020204030204" pitchFamily="34" charset="0"/>
+                <a:cs typeface="Times New Roman" panose="02020603050405020304" pitchFamily="18" charset="0"/>
+              </a:rPr>
+              <a:t>Donner, Andreas Dipl. -Ing und Kunkel, Richard. 2019.</a:t>
+            </a:r>
+            <a:r>
+              <a:rPr lang="de-DE" sz="1800" dirty="0">
+                <a:effectLst/>
+                <a:latin typeface="Arial" panose="020B0604020202020204" pitchFamily="34" charset="0"/>
+                <a:ea typeface="Calibri" panose="020F0502020204030204" pitchFamily="34" charset="0"/>
+                <a:cs typeface="Times New Roman" panose="02020603050405020304" pitchFamily="18" charset="0"/>
+              </a:rPr>
+              <a:t> </a:t>
+            </a:r>
+            <a:r>
+              <a:rPr lang="de-DE" sz="1800" dirty="0" err="1">
+                <a:effectLst/>
+                <a:latin typeface="Arial" panose="020B0604020202020204" pitchFamily="34" charset="0"/>
+                <a:ea typeface="Calibri" panose="020F0502020204030204" pitchFamily="34" charset="0"/>
+                <a:cs typeface="Times New Roman" panose="02020603050405020304" pitchFamily="18" charset="0"/>
+              </a:rPr>
+              <a:t>Ip</a:t>
+            </a:r>
+            <a:r>
+              <a:rPr lang="de-DE" sz="1800" dirty="0">
+                <a:effectLst/>
+                <a:latin typeface="Arial" panose="020B0604020202020204" pitchFamily="34" charset="0"/>
+                <a:ea typeface="Calibri" panose="020F0502020204030204" pitchFamily="34" charset="0"/>
+                <a:cs typeface="Times New Roman" panose="02020603050405020304" pitchFamily="18" charset="0"/>
+              </a:rPr>
+              <a:t> Insider. [Online] 06. März 2019. [Zitat vom: 21. August 2021.] https://www.ip-insider.de/die-vorteile-des-software-load-balancings-a-801344/.</a:t>
+            </a:r>
+          </a:p>
+          <a:p>
+            <a:r>
+              <a:rPr lang="de-DE" sz="1800" b="1" dirty="0">
+                <a:effectLst/>
+                <a:latin typeface="Arial" panose="020B0604020202020204" pitchFamily="34" charset="0"/>
+                <a:ea typeface="Calibri" panose="020F0502020204030204" pitchFamily="34" charset="0"/>
+                <a:cs typeface="Times New Roman" panose="02020603050405020304" pitchFamily="18" charset="0"/>
+              </a:rPr>
+              <a:t>Anil, </a:t>
+            </a:r>
+            <a:r>
+              <a:rPr lang="de-DE" sz="1800" b="1" dirty="0" err="1">
+                <a:effectLst/>
+                <a:latin typeface="Arial" panose="020B0604020202020204" pitchFamily="34" charset="0"/>
+                <a:ea typeface="Calibri" panose="020F0502020204030204" pitchFamily="34" charset="0"/>
+                <a:cs typeface="Times New Roman" panose="02020603050405020304" pitchFamily="18" charset="0"/>
+              </a:rPr>
+              <a:t>Nish</a:t>
+            </a:r>
+            <a:r>
+              <a:rPr lang="de-DE" sz="1800" b="1" dirty="0">
+                <a:effectLst/>
+                <a:latin typeface="Arial" panose="020B0604020202020204" pitchFamily="34" charset="0"/>
+                <a:ea typeface="Calibri" panose="020F0502020204030204" pitchFamily="34" charset="0"/>
+                <a:cs typeface="Times New Roman" panose="02020603050405020304" pitchFamily="18" charset="0"/>
+              </a:rPr>
+              <a:t>. 2021.</a:t>
+            </a:r>
+            <a:r>
+              <a:rPr lang="de-DE" sz="1800" dirty="0">
+                <a:effectLst/>
+                <a:latin typeface="Arial" panose="020B0604020202020204" pitchFamily="34" charset="0"/>
+                <a:ea typeface="Calibri" panose="020F0502020204030204" pitchFamily="34" charset="0"/>
+                <a:cs typeface="Times New Roman" panose="02020603050405020304" pitchFamily="18" charset="0"/>
+              </a:rPr>
+              <a:t> </a:t>
+            </a:r>
+            <a:r>
+              <a:rPr lang="de-DE" sz="1800" dirty="0" err="1">
+                <a:effectLst/>
+                <a:latin typeface="Arial" panose="020B0604020202020204" pitchFamily="34" charset="0"/>
+                <a:ea typeface="Calibri" panose="020F0502020204030204" pitchFamily="34" charset="0"/>
+                <a:cs typeface="Times New Roman" panose="02020603050405020304" pitchFamily="18" charset="0"/>
+              </a:rPr>
+              <a:t>docs.microsoft</a:t>
+            </a:r>
+            <a:r>
+              <a:rPr lang="de-DE" sz="1800" dirty="0">
+                <a:effectLst/>
+                <a:latin typeface="Arial" panose="020B0604020202020204" pitchFamily="34" charset="0"/>
+                <a:ea typeface="Calibri" panose="020F0502020204030204" pitchFamily="34" charset="0"/>
+                <a:cs typeface="Times New Roman" panose="02020603050405020304" pitchFamily="18" charset="0"/>
+              </a:rPr>
+              <a:t>. [Online] 28. September 2021. [Zitat vom: 24. August 2021.] https://docs.microsoft.com/de-de/dotnet/architecture/microservices/architect-microservice-container-applications/direct-client-to-microservice-communication-versus-the-api-gateway-pattern.</a:t>
+            </a:r>
+          </a:p>
+          <a:p>
+            <a:r>
+              <a:rPr lang="de-DE" sz="1800" b="1" dirty="0" err="1">
+                <a:effectLst/>
+                <a:latin typeface="Arial" panose="020B0604020202020204" pitchFamily="34" charset="0"/>
+                <a:ea typeface="Calibri" panose="020F0502020204030204" pitchFamily="34" charset="0"/>
+                <a:cs typeface="Times New Roman" panose="02020603050405020304" pitchFamily="18" charset="0"/>
+              </a:rPr>
+              <a:t>baeldung</a:t>
+            </a:r>
+            <a:r>
+              <a:rPr lang="de-DE" sz="1800" b="1" dirty="0">
+                <a:effectLst/>
+                <a:latin typeface="Arial" panose="020B0604020202020204" pitchFamily="34" charset="0"/>
+                <a:ea typeface="Calibri" panose="020F0502020204030204" pitchFamily="34" charset="0"/>
+                <a:cs typeface="Times New Roman" panose="02020603050405020304" pitchFamily="18" charset="0"/>
+              </a:rPr>
+              <a:t>. 2021.</a:t>
+            </a:r>
+            <a:r>
+              <a:rPr lang="de-DE" sz="1800" dirty="0">
+                <a:effectLst/>
+                <a:latin typeface="Arial" panose="020B0604020202020204" pitchFamily="34" charset="0"/>
+                <a:ea typeface="Calibri" panose="020F0502020204030204" pitchFamily="34" charset="0"/>
+                <a:cs typeface="Times New Roman" panose="02020603050405020304" pitchFamily="18" charset="0"/>
+              </a:rPr>
+              <a:t> </a:t>
+            </a:r>
+            <a:r>
+              <a:rPr lang="de-DE" sz="1800" dirty="0" err="1">
+                <a:effectLst/>
+                <a:latin typeface="Arial" panose="020B0604020202020204" pitchFamily="34" charset="0"/>
+                <a:ea typeface="Calibri" panose="020F0502020204030204" pitchFamily="34" charset="0"/>
+                <a:cs typeface="Times New Roman" panose="02020603050405020304" pitchFamily="18" charset="0"/>
+              </a:rPr>
+              <a:t>Baeldung</a:t>
+            </a:r>
+            <a:r>
+              <a:rPr lang="de-DE" sz="1800" dirty="0">
+                <a:effectLst/>
+                <a:latin typeface="Arial" panose="020B0604020202020204" pitchFamily="34" charset="0"/>
+                <a:ea typeface="Calibri" panose="020F0502020204030204" pitchFamily="34" charset="0"/>
+                <a:cs typeface="Times New Roman" panose="02020603050405020304" pitchFamily="18" charset="0"/>
+              </a:rPr>
+              <a:t>. [Online] 07. April 2021. [Zitat vom: 10. Oktober 2021.] https://www.baeldung.com/maven.</a:t>
+            </a:r>
+          </a:p>
+          <a:p>
+            <a:r>
+              <a:rPr lang="de-DE" sz="1800" b="1" dirty="0">
+                <a:effectLst/>
+                <a:latin typeface="Arial" panose="020B0604020202020204" pitchFamily="34" charset="0"/>
+                <a:ea typeface="Calibri" panose="020F0502020204030204" pitchFamily="34" charset="0"/>
+                <a:cs typeface="Times New Roman" panose="02020603050405020304" pitchFamily="18" charset="0"/>
+              </a:rPr>
+              <a:t>Bayer, Thomas. 2019.</a:t>
+            </a:r>
+            <a:r>
+              <a:rPr lang="de-DE" sz="1800" dirty="0">
+                <a:effectLst/>
+                <a:latin typeface="Arial" panose="020B0604020202020204" pitchFamily="34" charset="0"/>
+                <a:ea typeface="Calibri" panose="020F0502020204030204" pitchFamily="34" charset="0"/>
+                <a:cs typeface="Times New Roman" panose="02020603050405020304" pitchFamily="18" charset="0"/>
+              </a:rPr>
+              <a:t> predic8. [Online] 18. November 2019. [Zitat vom: 04. September 2021.] https://www.predic8.de/microservices-spring-boot-spring-cloud.htm.</a:t>
+            </a:r>
+          </a:p>
+          <a:p>
+            <a:r>
+              <a:rPr lang="de-DE" sz="1800" b="1" dirty="0">
+                <a:effectLst/>
+                <a:latin typeface="Arial" panose="020B0604020202020204" pitchFamily="34" charset="0"/>
+                <a:ea typeface="Calibri" panose="020F0502020204030204" pitchFamily="34" charset="0"/>
+                <a:cs typeface="Times New Roman" panose="02020603050405020304" pitchFamily="18" charset="0"/>
+              </a:rPr>
+              <a:t>Gillis, Alexander S. 2021.</a:t>
+            </a:r>
+            <a:r>
+              <a:rPr lang="de-DE" sz="1800" dirty="0">
+                <a:effectLst/>
+                <a:latin typeface="Arial" panose="020B0604020202020204" pitchFamily="34" charset="0"/>
+                <a:ea typeface="Calibri" panose="020F0502020204030204" pitchFamily="34" charset="0"/>
+                <a:cs typeface="Times New Roman" panose="02020603050405020304" pitchFamily="18" charset="0"/>
+              </a:rPr>
+              <a:t> </a:t>
+            </a:r>
+            <a:r>
+              <a:rPr lang="de-DE" sz="1800" dirty="0" err="1">
+                <a:effectLst/>
+                <a:latin typeface="Arial" panose="020B0604020202020204" pitchFamily="34" charset="0"/>
+                <a:ea typeface="Calibri" panose="020F0502020204030204" pitchFamily="34" charset="0"/>
+                <a:cs typeface="Times New Roman" panose="02020603050405020304" pitchFamily="18" charset="0"/>
+              </a:rPr>
+              <a:t>TechTarget</a:t>
+            </a:r>
+            <a:r>
+              <a:rPr lang="de-DE" sz="1800" dirty="0">
+                <a:effectLst/>
+                <a:latin typeface="Arial" panose="020B0604020202020204" pitchFamily="34" charset="0"/>
+                <a:ea typeface="Calibri" panose="020F0502020204030204" pitchFamily="34" charset="0"/>
+                <a:cs typeface="Times New Roman" panose="02020603050405020304" pitchFamily="18" charset="0"/>
+              </a:rPr>
+              <a:t>. [Online] April 2021. [Zitat vom: 14. August 2021.] https://whatis.techtarget.com/de/definition/Service-Discovery-Diensterkennung.</a:t>
+            </a:r>
+          </a:p>
+          <a:p>
+            <a:endParaRPr lang="de-DE" dirty="0"/>
           </a:p>
         </p:txBody>
       </p:sp>
@@ -13957,7 +14694,7 @@
           <p:cNvPr id="4" name="Datumsplatzhalter 3">
             <a:extLst>
               <a:ext uri="{FF2B5EF4-FFF2-40B4-BE49-F238E27FC236}">
-                <a16:creationId xmlns:a16="http://schemas.microsoft.com/office/drawing/2014/main" id="{D8070C4D-CC50-41DB-86CB-8AC158160FF7}"/>
+                <a16:creationId xmlns:a16="http://schemas.microsoft.com/office/drawing/2014/main" id="{4CDF12B0-341B-47FC-9CC1-C195BC9588EE}"/>
               </a:ext>
             </a:extLst>
           </p:cNvPr>
@@ -13986,7 +14723,7 @@
           <p:cNvPr id="5" name="Fußzeilenplatzhalter 4">
             <a:extLst>
               <a:ext uri="{FF2B5EF4-FFF2-40B4-BE49-F238E27FC236}">
-                <a16:creationId xmlns:a16="http://schemas.microsoft.com/office/drawing/2014/main" id="{5CE6DB89-FEB7-49C0-B0AF-3F181AB1BD45}"/>
+                <a16:creationId xmlns:a16="http://schemas.microsoft.com/office/drawing/2014/main" id="{F4B35FDD-1C84-4478-8866-E19F11C948DD}"/>
               </a:ext>
             </a:extLst>
           </p:cNvPr>
@@ -14016,7 +14753,7 @@
           <p:cNvPr id="6" name="Foliennummernplatzhalter 5">
             <a:extLst>
               <a:ext uri="{FF2B5EF4-FFF2-40B4-BE49-F238E27FC236}">
-                <a16:creationId xmlns:a16="http://schemas.microsoft.com/office/drawing/2014/main" id="{C1C9E8E5-47A8-4539-AC65-0ED167C21323}"/>
+                <a16:creationId xmlns:a16="http://schemas.microsoft.com/office/drawing/2014/main" id="{18568517-E9C8-4B56-8BA6-E0687FFAD00F}"/>
               </a:ext>
             </a:extLst>
           </p:cNvPr>
@@ -14043,7 +14780,672 @@
     </p:spTree>
     <p:extLst>
       <p:ext uri="{BB962C8B-B14F-4D97-AF65-F5344CB8AC3E}">
-        <p14:creationId xmlns:p14="http://schemas.microsoft.com/office/powerpoint/2010/main" val="2620263450"/>
+        <p14:creationId xmlns:p14="http://schemas.microsoft.com/office/powerpoint/2010/main" val="2995152579"/>
+      </p:ext>
+    </p:extLst>
+  </p:cSld>
+  <p:clrMapOvr>
+    <a:masterClrMapping/>
+  </p:clrMapOvr>
+</p:sld>
+</file>
+
+<file path=ppt/slides/slide26.xml><?xml version="1.0" encoding="utf-8"?>
+<p:sld xmlns:a="http://schemas.openxmlformats.org/drawingml/2006/main" xmlns:r="http://schemas.openxmlformats.org/officeDocument/2006/relationships" xmlns:p="http://schemas.openxmlformats.org/presentationml/2006/main">
+  <p:cSld>
+    <p:spTree>
+      <p:nvGrpSpPr>
+        <p:cNvPr id="1" name=""/>
+        <p:cNvGrpSpPr/>
+        <p:nvPr/>
+      </p:nvGrpSpPr>
+      <p:grpSpPr>
+        <a:xfrm>
+          <a:off x="0" y="0"/>
+          <a:ext cx="0" cy="0"/>
+          <a:chOff x="0" y="0"/>
+          <a:chExt cx="0" cy="0"/>
+        </a:xfrm>
+      </p:grpSpPr>
+      <p:sp>
+        <p:nvSpPr>
+          <p:cNvPr id="2" name="Titel 1">
+            <a:extLst>
+              <a:ext uri="{FF2B5EF4-FFF2-40B4-BE49-F238E27FC236}">
+                <a16:creationId xmlns:a16="http://schemas.microsoft.com/office/drawing/2014/main" id="{9D89E670-CD3A-4DE2-9E3E-E0818CBE5CA0}"/>
+              </a:ext>
+            </a:extLst>
+          </p:cNvPr>
+          <p:cNvSpPr>
+            <a:spLocks noGrp="1"/>
+          </p:cNvSpPr>
+          <p:nvPr>
+            <p:ph type="title"/>
+          </p:nvPr>
+        </p:nvSpPr>
+        <p:spPr/>
+        <p:txBody>
+          <a:bodyPr/>
+          <a:lstStyle/>
+          <a:p>
+            <a:r>
+              <a:rPr lang="de-DE" dirty="0"/>
+              <a:t>Quellen</a:t>
+            </a:r>
+          </a:p>
+        </p:txBody>
+      </p:sp>
+      <p:sp>
+        <p:nvSpPr>
+          <p:cNvPr id="3" name="Inhaltsplatzhalter 2">
+            <a:extLst>
+              <a:ext uri="{FF2B5EF4-FFF2-40B4-BE49-F238E27FC236}">
+                <a16:creationId xmlns:a16="http://schemas.microsoft.com/office/drawing/2014/main" id="{40553F2F-44B5-48EB-B275-F4AE1A8AF5A5}"/>
+              </a:ext>
+            </a:extLst>
+          </p:cNvPr>
+          <p:cNvSpPr>
+            <a:spLocks noGrp="1"/>
+          </p:cNvSpPr>
+          <p:nvPr>
+            <p:ph idx="1"/>
+          </p:nvPr>
+        </p:nvSpPr>
+        <p:spPr/>
+        <p:txBody>
+          <a:bodyPr>
+            <a:normAutofit fontScale="62500" lnSpcReduction="20000"/>
+          </a:bodyPr>
+          <a:lstStyle/>
+          <a:p>
+            <a:pPr algn="just">
+              <a:lnSpc>
+                <a:spcPct val="120000"/>
+              </a:lnSpc>
+              <a:spcAft>
+                <a:spcPts val="800"/>
+              </a:spcAft>
+            </a:pPr>
+            <a:r>
+              <a:rPr lang="de-DE" sz="1800" b="1" dirty="0">
+                <a:effectLst/>
+                <a:latin typeface="Arial" panose="020B0604020202020204" pitchFamily="34" charset="0"/>
+                <a:ea typeface="Calibri" panose="020F0502020204030204" pitchFamily="34" charset="0"/>
+                <a:cs typeface="Times New Roman" panose="02020603050405020304" pitchFamily="18" charset="0"/>
+              </a:rPr>
+              <a:t>Hruschka, Peter und Starke, Gernot. 2017.</a:t>
+            </a:r>
+            <a:r>
+              <a:rPr lang="de-DE" sz="1800" dirty="0">
+                <a:effectLst/>
+                <a:latin typeface="Arial" panose="020B0604020202020204" pitchFamily="34" charset="0"/>
+                <a:ea typeface="Calibri" panose="020F0502020204030204" pitchFamily="34" charset="0"/>
+                <a:cs typeface="Times New Roman" panose="02020603050405020304" pitchFamily="18" charset="0"/>
+              </a:rPr>
+              <a:t> </a:t>
+            </a:r>
+            <a:r>
+              <a:rPr lang="de-DE" sz="1800" i="1" dirty="0">
+                <a:effectLst/>
+                <a:latin typeface="Arial" panose="020B0604020202020204" pitchFamily="34" charset="0"/>
+                <a:ea typeface="Calibri" panose="020F0502020204030204" pitchFamily="34" charset="0"/>
+                <a:cs typeface="Times New Roman" panose="02020603050405020304" pitchFamily="18" charset="0"/>
+              </a:rPr>
+              <a:t>arc42 </a:t>
+            </a:r>
+            <a:r>
+              <a:rPr lang="de-DE" sz="1800" i="1" dirty="0" err="1">
+                <a:effectLst/>
+                <a:latin typeface="Arial" panose="020B0604020202020204" pitchFamily="34" charset="0"/>
+                <a:ea typeface="Calibri" panose="020F0502020204030204" pitchFamily="34" charset="0"/>
+                <a:cs typeface="Times New Roman" panose="02020603050405020304" pitchFamily="18" charset="0"/>
+              </a:rPr>
+              <a:t>template</a:t>
+            </a:r>
+            <a:r>
+              <a:rPr lang="de-DE" sz="1800" i="1" dirty="0">
+                <a:effectLst/>
+                <a:latin typeface="Arial" panose="020B0604020202020204" pitchFamily="34" charset="0"/>
+                <a:ea typeface="Calibri" panose="020F0502020204030204" pitchFamily="34" charset="0"/>
+                <a:cs typeface="Times New Roman" panose="02020603050405020304" pitchFamily="18" charset="0"/>
+              </a:rPr>
+              <a:t>. </a:t>
+            </a:r>
+            <a:r>
+              <a:rPr lang="de-DE" sz="1800" dirty="0">
+                <a:effectLst/>
+                <a:latin typeface="Arial" panose="020B0604020202020204" pitchFamily="34" charset="0"/>
+                <a:ea typeface="Calibri" panose="020F0502020204030204" pitchFamily="34" charset="0"/>
+                <a:cs typeface="Times New Roman" panose="02020603050405020304" pitchFamily="18" charset="0"/>
+              </a:rPr>
+              <a:t>Januar 2017.</a:t>
+            </a:r>
+          </a:p>
+          <a:p>
+            <a:r>
+              <a:rPr lang="de-DE" sz="1800" b="1" dirty="0" err="1">
+                <a:effectLst/>
+                <a:latin typeface="Arial" panose="020B0604020202020204" pitchFamily="34" charset="0"/>
+                <a:ea typeface="Calibri" panose="020F0502020204030204" pitchFamily="34" charset="0"/>
+                <a:cs typeface="Times New Roman" panose="02020603050405020304" pitchFamily="18" charset="0"/>
+              </a:rPr>
+              <a:t>laverma</a:t>
+            </a:r>
+            <a:r>
+              <a:rPr lang="de-DE" sz="1800" b="1" dirty="0">
+                <a:effectLst/>
+                <a:latin typeface="Arial" panose="020B0604020202020204" pitchFamily="34" charset="0"/>
+                <a:ea typeface="Calibri" panose="020F0502020204030204" pitchFamily="34" charset="0"/>
+                <a:cs typeface="Times New Roman" panose="02020603050405020304" pitchFamily="18" charset="0"/>
+              </a:rPr>
+              <a:t>. 2020.</a:t>
+            </a:r>
+            <a:r>
+              <a:rPr lang="de-DE" sz="1800" dirty="0">
+                <a:effectLst/>
+                <a:latin typeface="Arial" panose="020B0604020202020204" pitchFamily="34" charset="0"/>
+                <a:ea typeface="Calibri" panose="020F0502020204030204" pitchFamily="34" charset="0"/>
+                <a:cs typeface="Times New Roman" panose="02020603050405020304" pitchFamily="18" charset="0"/>
+              </a:rPr>
+              <a:t> La </a:t>
+            </a:r>
+            <a:r>
+              <a:rPr lang="de-DE" sz="1800" dirty="0" err="1">
+                <a:effectLst/>
+                <a:latin typeface="Arial" panose="020B0604020202020204" pitchFamily="34" charset="0"/>
+                <a:ea typeface="Calibri" panose="020F0502020204030204" pitchFamily="34" charset="0"/>
+                <a:cs typeface="Times New Roman" panose="02020603050405020304" pitchFamily="18" charset="0"/>
+              </a:rPr>
+              <a:t>Verma</a:t>
+            </a:r>
+            <a:r>
+              <a:rPr lang="de-DE" sz="1800" dirty="0">
+                <a:effectLst/>
+                <a:latin typeface="Arial" panose="020B0604020202020204" pitchFamily="34" charset="0"/>
+                <a:ea typeface="Calibri" panose="020F0502020204030204" pitchFamily="34" charset="0"/>
+                <a:cs typeface="Times New Roman" panose="02020603050405020304" pitchFamily="18" charset="0"/>
+              </a:rPr>
+              <a:t>. [Online] 16. September 2020. [Zitat vom: 29. August 2021.] https://lalverma.medium.com/spring-boot-microservices-api-gateway-e9dbcd4bb754.</a:t>
+            </a:r>
+          </a:p>
+          <a:p>
+            <a:r>
+              <a:rPr lang="de-DE" sz="1800" b="1" dirty="0">
+                <a:effectLst/>
+                <a:latin typeface="Arial" panose="020B0604020202020204" pitchFamily="34" charset="0"/>
+                <a:ea typeface="Calibri" panose="020F0502020204030204" pitchFamily="34" charset="0"/>
+                <a:cs typeface="Times New Roman" panose="02020603050405020304" pitchFamily="18" charset="0"/>
+              </a:rPr>
+              <a:t>NGINX.</a:t>
+            </a:r>
+            <a:r>
+              <a:rPr lang="de-DE" sz="1800" dirty="0">
+                <a:effectLst/>
+                <a:latin typeface="Arial" panose="020B0604020202020204" pitchFamily="34" charset="0"/>
+                <a:ea typeface="Calibri" panose="020F0502020204030204" pitchFamily="34" charset="0"/>
+                <a:cs typeface="Times New Roman" panose="02020603050405020304" pitchFamily="18" charset="0"/>
+              </a:rPr>
+              <a:t> NGINX. [Online] [Zitat vom: 07. September 2021.] https://www.nginx.com/resources/glossary/load-balancing/.</a:t>
+            </a:r>
+          </a:p>
+          <a:p>
+            <a:r>
+              <a:rPr lang="de-DE" sz="1800" b="1" dirty="0" err="1">
+                <a:effectLst/>
+                <a:latin typeface="Arial" panose="020B0604020202020204" pitchFamily="34" charset="0"/>
+                <a:ea typeface="Calibri" panose="020F0502020204030204" pitchFamily="34" charset="0"/>
+                <a:cs typeface="Times New Roman" panose="02020603050405020304" pitchFamily="18" charset="0"/>
+              </a:rPr>
+              <a:t>RedHat</a:t>
+            </a:r>
+            <a:r>
+              <a:rPr lang="de-DE" sz="1800" b="1" dirty="0">
+                <a:effectLst/>
+                <a:latin typeface="Arial" panose="020B0604020202020204" pitchFamily="34" charset="0"/>
+                <a:ea typeface="Calibri" panose="020F0502020204030204" pitchFamily="34" charset="0"/>
+                <a:cs typeface="Times New Roman" panose="02020603050405020304" pitchFamily="18" charset="0"/>
+              </a:rPr>
+              <a:t>.</a:t>
+            </a:r>
+            <a:r>
+              <a:rPr lang="de-DE" sz="1800" dirty="0">
+                <a:effectLst/>
+                <a:latin typeface="Arial" panose="020B0604020202020204" pitchFamily="34" charset="0"/>
+                <a:ea typeface="Calibri" panose="020F0502020204030204" pitchFamily="34" charset="0"/>
+                <a:cs typeface="Times New Roman" panose="02020603050405020304" pitchFamily="18" charset="0"/>
+              </a:rPr>
+              <a:t> </a:t>
+            </a:r>
+            <a:r>
+              <a:rPr lang="de-DE" sz="1800" dirty="0" err="1">
+                <a:effectLst/>
+                <a:latin typeface="Arial" panose="020B0604020202020204" pitchFamily="34" charset="0"/>
+                <a:ea typeface="Calibri" panose="020F0502020204030204" pitchFamily="34" charset="0"/>
+                <a:cs typeface="Times New Roman" panose="02020603050405020304" pitchFamily="18" charset="0"/>
+              </a:rPr>
+              <a:t>Red</a:t>
+            </a:r>
+            <a:r>
+              <a:rPr lang="de-DE" sz="1800" dirty="0">
+                <a:effectLst/>
+                <a:latin typeface="Arial" panose="020B0604020202020204" pitchFamily="34" charset="0"/>
+                <a:ea typeface="Calibri" panose="020F0502020204030204" pitchFamily="34" charset="0"/>
+                <a:cs typeface="Times New Roman" panose="02020603050405020304" pitchFamily="18" charset="0"/>
+              </a:rPr>
+              <a:t> Hat. [Online] [Zitat vom: 20. August 2021.] https://www.redhat.com/de/topics/api/what-is-a-rest-api.</a:t>
+            </a:r>
+          </a:p>
+          <a:p>
+            <a:r>
+              <a:rPr lang="de-DE" sz="1800" b="1" dirty="0">
+                <a:effectLst/>
+                <a:latin typeface="Arial" panose="020B0604020202020204" pitchFamily="34" charset="0"/>
+                <a:ea typeface="Calibri" panose="020F0502020204030204" pitchFamily="34" charset="0"/>
+                <a:cs typeface="Times New Roman" panose="02020603050405020304" pitchFamily="18" charset="0"/>
+              </a:rPr>
+              <a:t>—. 2015.</a:t>
+            </a:r>
+            <a:r>
+              <a:rPr lang="de-DE" sz="1800" dirty="0">
+                <a:effectLst/>
+                <a:latin typeface="Arial" panose="020B0604020202020204" pitchFamily="34" charset="0"/>
+                <a:ea typeface="Calibri" panose="020F0502020204030204" pitchFamily="34" charset="0"/>
+                <a:cs typeface="Times New Roman" panose="02020603050405020304" pitchFamily="18" charset="0"/>
+              </a:rPr>
+              <a:t> NGINX. [Online] 12. Oktober 2015. [Zitat vom: 20. August 2021.] https://www.nginx.com/blog/service-discovery-in-a-microservices-architecture/.</a:t>
+            </a:r>
+          </a:p>
+          <a:p>
+            <a:r>
+              <a:rPr lang="de-DE" sz="1800" b="1" dirty="0" err="1">
+                <a:effectLst/>
+                <a:latin typeface="Arial" panose="020B0604020202020204" pitchFamily="34" charset="0"/>
+                <a:ea typeface="Calibri" panose="020F0502020204030204" pitchFamily="34" charset="0"/>
+                <a:cs typeface="Times New Roman" panose="02020603050405020304" pitchFamily="18" charset="0"/>
+              </a:rPr>
+              <a:t>sidion</a:t>
+            </a:r>
+            <a:r>
+              <a:rPr lang="de-DE" sz="1800" b="1" dirty="0">
+                <a:effectLst/>
+                <a:latin typeface="Arial" panose="020B0604020202020204" pitchFamily="34" charset="0"/>
+                <a:ea typeface="Calibri" panose="020F0502020204030204" pitchFamily="34" charset="0"/>
+                <a:cs typeface="Times New Roman" panose="02020603050405020304" pitchFamily="18" charset="0"/>
+              </a:rPr>
+              <a:t>. 2019.</a:t>
+            </a:r>
+            <a:r>
+              <a:rPr lang="de-DE" sz="1800" dirty="0">
+                <a:effectLst/>
+                <a:latin typeface="Arial" panose="020B0604020202020204" pitchFamily="34" charset="0"/>
+                <a:ea typeface="Calibri" panose="020F0502020204030204" pitchFamily="34" charset="0"/>
+                <a:cs typeface="Times New Roman" panose="02020603050405020304" pitchFamily="18" charset="0"/>
+              </a:rPr>
+              <a:t> </a:t>
+            </a:r>
+            <a:r>
+              <a:rPr lang="de-DE" sz="1800" dirty="0" err="1">
+                <a:effectLst/>
+                <a:latin typeface="Arial" panose="020B0604020202020204" pitchFamily="34" charset="0"/>
+                <a:ea typeface="Calibri" panose="020F0502020204030204" pitchFamily="34" charset="0"/>
+                <a:cs typeface="Times New Roman" panose="02020603050405020304" pitchFamily="18" charset="0"/>
+              </a:rPr>
+              <a:t>sidion</a:t>
+            </a:r>
+            <a:r>
+              <a:rPr lang="de-DE" sz="1800" dirty="0">
+                <a:effectLst/>
+                <a:latin typeface="Arial" panose="020B0604020202020204" pitchFamily="34" charset="0"/>
+                <a:ea typeface="Calibri" panose="020F0502020204030204" pitchFamily="34" charset="0"/>
+                <a:cs typeface="Times New Roman" panose="02020603050405020304" pitchFamily="18" charset="0"/>
+              </a:rPr>
+              <a:t>. [Online] 28. Juni 2019. [Zitat vom: 25. August 2021.] https://www.sidion.de/lernen/sidion-labor/blog/spring-cloud-gateway.html.</a:t>
+            </a:r>
+          </a:p>
+          <a:p>
+            <a:r>
+              <a:rPr lang="de-DE" sz="1800" b="1" dirty="0">
+                <a:effectLst/>
+                <a:latin typeface="Arial" panose="020B0604020202020204" pitchFamily="34" charset="0"/>
+                <a:ea typeface="Calibri" panose="020F0502020204030204" pitchFamily="34" charset="0"/>
+                <a:cs typeface="Times New Roman" panose="02020603050405020304" pitchFamily="18" charset="0"/>
+              </a:rPr>
+              <a:t>Wellner, Michael. 2019.</a:t>
+            </a:r>
+            <a:r>
+              <a:rPr lang="de-DE" sz="1800" dirty="0">
+                <a:effectLst/>
+                <a:latin typeface="Arial" panose="020B0604020202020204" pitchFamily="34" charset="0"/>
+                <a:ea typeface="Calibri" panose="020F0502020204030204" pitchFamily="34" charset="0"/>
+                <a:cs typeface="Times New Roman" panose="02020603050405020304" pitchFamily="18" charset="0"/>
+              </a:rPr>
+              <a:t> </a:t>
+            </a:r>
+            <a:r>
+              <a:rPr lang="de-DE" sz="1800" dirty="0" err="1">
+                <a:effectLst/>
+                <a:latin typeface="Arial" panose="020B0604020202020204" pitchFamily="34" charset="0"/>
+                <a:ea typeface="Calibri" panose="020F0502020204030204" pitchFamily="34" charset="0"/>
+                <a:cs typeface="Times New Roman" panose="02020603050405020304" pitchFamily="18" charset="0"/>
+              </a:rPr>
+              <a:t>sidion</a:t>
+            </a:r>
+            <a:r>
+              <a:rPr lang="de-DE" sz="1800" dirty="0">
+                <a:effectLst/>
+                <a:latin typeface="Arial" panose="020B0604020202020204" pitchFamily="34" charset="0"/>
+                <a:ea typeface="Calibri" panose="020F0502020204030204" pitchFamily="34" charset="0"/>
+                <a:cs typeface="Times New Roman" panose="02020603050405020304" pitchFamily="18" charset="0"/>
+              </a:rPr>
+              <a:t>. [Online] 28. Juni 2019. [Zitat vom: 29. August 2021.] https://www.sidion.de/lernen/sidion-labor/blog/spring-cloud-gateway.html.</a:t>
+            </a:r>
+          </a:p>
+          <a:p>
+            <a:r>
+              <a:rPr lang="de-DE" sz="1800" b="1" dirty="0">
+                <a:effectLst/>
+                <a:latin typeface="Arial" panose="020B0604020202020204" pitchFamily="34" charset="0"/>
+                <a:ea typeface="Calibri" panose="020F0502020204030204" pitchFamily="34" charset="0"/>
+                <a:cs typeface="Times New Roman" panose="02020603050405020304" pitchFamily="18" charset="0"/>
+              </a:rPr>
+              <a:t>—. 2020.</a:t>
+            </a:r>
+            <a:r>
+              <a:rPr lang="de-DE" sz="1800" dirty="0">
+                <a:effectLst/>
+                <a:latin typeface="Arial" panose="020B0604020202020204" pitchFamily="34" charset="0"/>
+                <a:ea typeface="Calibri" panose="020F0502020204030204" pitchFamily="34" charset="0"/>
+                <a:cs typeface="Times New Roman" panose="02020603050405020304" pitchFamily="18" charset="0"/>
+              </a:rPr>
+              <a:t> </a:t>
+            </a:r>
+            <a:r>
+              <a:rPr lang="de-DE" sz="1800" dirty="0" err="1">
+                <a:effectLst/>
+                <a:latin typeface="Arial" panose="020B0604020202020204" pitchFamily="34" charset="0"/>
+                <a:ea typeface="Calibri" panose="020F0502020204030204" pitchFamily="34" charset="0"/>
+                <a:cs typeface="Times New Roman" panose="02020603050405020304" pitchFamily="18" charset="0"/>
+              </a:rPr>
+              <a:t>Dev</a:t>
+            </a:r>
+            <a:r>
+              <a:rPr lang="de-DE" sz="1800" dirty="0">
+                <a:effectLst/>
+                <a:latin typeface="Arial" panose="020B0604020202020204" pitchFamily="34" charset="0"/>
+                <a:ea typeface="Calibri" panose="020F0502020204030204" pitchFamily="34" charset="0"/>
+                <a:cs typeface="Times New Roman" panose="02020603050405020304" pitchFamily="18" charset="0"/>
+              </a:rPr>
+              <a:t> Insider. [Online] 03. Juli 2020. [Zitat vom: 19. August 2021.] https://www.dev-insider.de/was-ist-ein-framework-a-938758/.</a:t>
+            </a:r>
+          </a:p>
+          <a:p>
+            <a:endParaRPr lang="de-DE" dirty="0"/>
+          </a:p>
+        </p:txBody>
+      </p:sp>
+      <p:sp>
+        <p:nvSpPr>
+          <p:cNvPr id="4" name="Datumsplatzhalter 3">
+            <a:extLst>
+              <a:ext uri="{FF2B5EF4-FFF2-40B4-BE49-F238E27FC236}">
+                <a16:creationId xmlns:a16="http://schemas.microsoft.com/office/drawing/2014/main" id="{4CDF12B0-341B-47FC-9CC1-C195BC9588EE}"/>
+              </a:ext>
+            </a:extLst>
+          </p:cNvPr>
+          <p:cNvSpPr>
+            <a:spLocks noGrp="1"/>
+          </p:cNvSpPr>
+          <p:nvPr>
+            <p:ph type="dt" sz="half" idx="10"/>
+          </p:nvPr>
+        </p:nvSpPr>
+        <p:spPr/>
+        <p:txBody>
+          <a:bodyPr/>
+          <a:lstStyle/>
+          <a:p>
+            <a:fld id="{BB7604C3-A478-448A-88D6-07EFA8665C1F}" type="datetime1">
+              <a:rPr lang="de-DE" smtClean="0"/>
+              <a:t>06.11.2021</a:t>
+            </a:fld>
+            <a:endParaRPr lang="en-US"/>
+          </a:p>
+        </p:txBody>
+      </p:sp>
+      <p:sp>
+        <p:nvSpPr>
+          <p:cNvPr id="5" name="Fußzeilenplatzhalter 4">
+            <a:extLst>
+              <a:ext uri="{FF2B5EF4-FFF2-40B4-BE49-F238E27FC236}">
+                <a16:creationId xmlns:a16="http://schemas.microsoft.com/office/drawing/2014/main" id="{F4B35FDD-1C84-4478-8866-E19F11C948DD}"/>
+              </a:ext>
+            </a:extLst>
+          </p:cNvPr>
+          <p:cNvSpPr>
+            <a:spLocks noGrp="1"/>
+          </p:cNvSpPr>
+          <p:nvPr>
+            <p:ph type="ftr" sz="quarter" idx="11"/>
+          </p:nvPr>
+        </p:nvSpPr>
+        <p:spPr/>
+        <p:txBody>
+          <a:bodyPr/>
+          <a:lstStyle/>
+          <a:p>
+            <a:pPr algn="ctr"/>
+            <a:r>
+              <a:rPr lang="en-US"/>
+              <a:t>Benjamin Swarovsky</a:t>
+            </a:r>
+            <a:endParaRPr lang="en-US" dirty="0"/>
+          </a:p>
+        </p:txBody>
+      </p:sp>
+      <p:sp>
+        <p:nvSpPr>
+          <p:cNvPr id="6" name="Foliennummernplatzhalter 5">
+            <a:extLst>
+              <a:ext uri="{FF2B5EF4-FFF2-40B4-BE49-F238E27FC236}">
+                <a16:creationId xmlns:a16="http://schemas.microsoft.com/office/drawing/2014/main" id="{18568517-E9C8-4B56-8BA6-E0687FFAD00F}"/>
+              </a:ext>
+            </a:extLst>
+          </p:cNvPr>
+          <p:cNvSpPr>
+            <a:spLocks noGrp="1"/>
+          </p:cNvSpPr>
+          <p:nvPr>
+            <p:ph type="sldNum" sz="quarter" idx="12"/>
+          </p:nvPr>
+        </p:nvSpPr>
+        <p:spPr/>
+        <p:txBody>
+          <a:bodyPr/>
+          <a:lstStyle/>
+          <a:p>
+            <a:fld id="{6D22F896-40B5-4ADD-8801-0D06FADFA095}" type="slidenum">
+              <a:rPr lang="en-US" smtClean="0"/>
+              <a:t>26</a:t>
+            </a:fld>
+            <a:endParaRPr lang="en-US"/>
+          </a:p>
+        </p:txBody>
+      </p:sp>
+    </p:spTree>
+    <p:extLst>
+      <p:ext uri="{BB962C8B-B14F-4D97-AF65-F5344CB8AC3E}">
+        <p14:creationId xmlns:p14="http://schemas.microsoft.com/office/powerpoint/2010/main" val="1802431196"/>
+      </p:ext>
+    </p:extLst>
+  </p:cSld>
+  <p:clrMapOvr>
+    <a:masterClrMapping/>
+  </p:clrMapOvr>
+</p:sld>
+</file>
+
+<file path=ppt/slides/slide27.xml><?xml version="1.0" encoding="utf-8"?>
+<p:sld xmlns:a="http://schemas.openxmlformats.org/drawingml/2006/main" xmlns:r="http://schemas.openxmlformats.org/officeDocument/2006/relationships" xmlns:p="http://schemas.openxmlformats.org/presentationml/2006/main">
+  <p:cSld>
+    <p:spTree>
+      <p:nvGrpSpPr>
+        <p:cNvPr id="1" name=""/>
+        <p:cNvGrpSpPr/>
+        <p:nvPr/>
+      </p:nvGrpSpPr>
+      <p:grpSpPr>
+        <a:xfrm>
+          <a:off x="0" y="0"/>
+          <a:ext cx="0" cy="0"/>
+          <a:chOff x="0" y="0"/>
+          <a:chExt cx="0" cy="0"/>
+        </a:xfrm>
+      </p:grpSpPr>
+      <p:sp>
+        <p:nvSpPr>
+          <p:cNvPr id="2" name="Titel 1">
+            <a:extLst>
+              <a:ext uri="{FF2B5EF4-FFF2-40B4-BE49-F238E27FC236}">
+                <a16:creationId xmlns:a16="http://schemas.microsoft.com/office/drawing/2014/main" id="{108A0777-CFE6-457E-8127-F136AE08835F}"/>
+              </a:ext>
+            </a:extLst>
+          </p:cNvPr>
+          <p:cNvSpPr>
+            <a:spLocks noGrp="1"/>
+          </p:cNvSpPr>
+          <p:nvPr>
+            <p:ph type="title"/>
+          </p:nvPr>
+        </p:nvSpPr>
+        <p:spPr/>
+        <p:txBody>
+          <a:bodyPr/>
+          <a:lstStyle/>
+          <a:p>
+            <a:r>
+              <a:rPr lang="de-DE" dirty="0"/>
+              <a:t>Demonstration des Prototypen</a:t>
+            </a:r>
+          </a:p>
+        </p:txBody>
+      </p:sp>
+      <p:sp>
+        <p:nvSpPr>
+          <p:cNvPr id="3" name="Inhaltsplatzhalter 2">
+            <a:extLst>
+              <a:ext uri="{FF2B5EF4-FFF2-40B4-BE49-F238E27FC236}">
+                <a16:creationId xmlns:a16="http://schemas.microsoft.com/office/drawing/2014/main" id="{7DB7DD88-23AD-4A12-ADC2-FAE3F1A98EDD}"/>
+              </a:ext>
+            </a:extLst>
+          </p:cNvPr>
+          <p:cNvSpPr>
+            <a:spLocks noGrp="1"/>
+          </p:cNvSpPr>
+          <p:nvPr>
+            <p:ph idx="1"/>
+          </p:nvPr>
+        </p:nvSpPr>
+        <p:spPr/>
+        <p:txBody>
+          <a:bodyPr/>
+          <a:lstStyle/>
+          <a:p>
+            <a:endParaRPr lang="de-DE" dirty="0"/>
+          </a:p>
+        </p:txBody>
+      </p:sp>
+      <p:sp>
+        <p:nvSpPr>
+          <p:cNvPr id="4" name="Datumsplatzhalter 3">
+            <a:extLst>
+              <a:ext uri="{FF2B5EF4-FFF2-40B4-BE49-F238E27FC236}">
+                <a16:creationId xmlns:a16="http://schemas.microsoft.com/office/drawing/2014/main" id="{8D6332C5-8A74-45D7-9827-AEA94A841B07}"/>
+              </a:ext>
+            </a:extLst>
+          </p:cNvPr>
+          <p:cNvSpPr>
+            <a:spLocks noGrp="1"/>
+          </p:cNvSpPr>
+          <p:nvPr>
+            <p:ph type="dt" sz="half" idx="10"/>
+          </p:nvPr>
+        </p:nvSpPr>
+        <p:spPr/>
+        <p:txBody>
+          <a:bodyPr/>
+          <a:lstStyle/>
+          <a:p>
+            <a:fld id="{BB7604C3-A478-448A-88D6-07EFA8665C1F}" type="datetime1">
+              <a:rPr lang="de-DE" smtClean="0"/>
+              <a:t>06.11.2021</a:t>
+            </a:fld>
+            <a:endParaRPr lang="en-US"/>
+          </a:p>
+        </p:txBody>
+      </p:sp>
+      <p:sp>
+        <p:nvSpPr>
+          <p:cNvPr id="5" name="Fußzeilenplatzhalter 4">
+            <a:extLst>
+              <a:ext uri="{FF2B5EF4-FFF2-40B4-BE49-F238E27FC236}">
+                <a16:creationId xmlns:a16="http://schemas.microsoft.com/office/drawing/2014/main" id="{F190D1FA-56E8-4CD6-917D-703B525CEC30}"/>
+              </a:ext>
+            </a:extLst>
+          </p:cNvPr>
+          <p:cNvSpPr>
+            <a:spLocks noGrp="1"/>
+          </p:cNvSpPr>
+          <p:nvPr>
+            <p:ph type="ftr" sz="quarter" idx="11"/>
+          </p:nvPr>
+        </p:nvSpPr>
+        <p:spPr/>
+        <p:txBody>
+          <a:bodyPr/>
+          <a:lstStyle/>
+          <a:p>
+            <a:pPr algn="ctr"/>
+            <a:r>
+              <a:rPr lang="en-US"/>
+              <a:t>Benjamin Swarovsky</a:t>
+            </a:r>
+            <a:endParaRPr lang="en-US" dirty="0"/>
+          </a:p>
+        </p:txBody>
+      </p:sp>
+      <p:sp>
+        <p:nvSpPr>
+          <p:cNvPr id="6" name="Foliennummernplatzhalter 5">
+            <a:extLst>
+              <a:ext uri="{FF2B5EF4-FFF2-40B4-BE49-F238E27FC236}">
+                <a16:creationId xmlns:a16="http://schemas.microsoft.com/office/drawing/2014/main" id="{E2CAA5F2-2269-438E-8317-2B6EF97309B6}"/>
+              </a:ext>
+            </a:extLst>
+          </p:cNvPr>
+          <p:cNvSpPr>
+            <a:spLocks noGrp="1"/>
+          </p:cNvSpPr>
+          <p:nvPr>
+            <p:ph type="sldNum" sz="quarter" idx="12"/>
+          </p:nvPr>
+        </p:nvSpPr>
+        <p:spPr/>
+        <p:txBody>
+          <a:bodyPr/>
+          <a:lstStyle/>
+          <a:p>
+            <a:fld id="{6D22F896-40B5-4ADD-8801-0D06FADFA095}" type="slidenum">
+              <a:rPr lang="en-US" smtClean="0"/>
+              <a:t>27</a:t>
+            </a:fld>
+            <a:endParaRPr lang="en-US"/>
+          </a:p>
+        </p:txBody>
+      </p:sp>
+    </p:spTree>
+    <p:extLst>
+      <p:ext uri="{BB962C8B-B14F-4D97-AF65-F5344CB8AC3E}">
+        <p14:creationId xmlns:p14="http://schemas.microsoft.com/office/powerpoint/2010/main" val="4015263097"/>
       </p:ext>
     </p:extLst>
   </p:cSld>
@@ -17053,7 +18455,7 @@
         </p:nvSpPr>
         <p:spPr>
           <a:xfrm>
-            <a:off x="9076267" y="1448796"/>
+            <a:off x="3199339" y="6335758"/>
             <a:ext cx="2144291" cy="246221"/>
           </a:xfrm>
           <a:prstGeom prst="rect">
@@ -17654,7 +19056,7 @@
         </p:nvSpPr>
         <p:spPr>
           <a:xfrm>
-            <a:off x="9313334" y="1705397"/>
+            <a:off x="3160890" y="6222318"/>
             <a:ext cx="2144291" cy="246221"/>
           </a:xfrm>
           <a:prstGeom prst="rect">
@@ -18513,15 +19915,6 @@
 </file>
 
 <file path=customXml/item1.xml><?xml version="1.0" encoding="utf-8"?>
-<?mso-contentType ?>
-<FormTemplates xmlns="http://schemas.microsoft.com/sharepoint/v3/contenttype/forms">
-  <Display>DocumentLibraryForm</Display>
-  <Edit>DocumentLibraryForm</Edit>
-  <New>DocumentLibraryForm</New>
-</FormTemplates>
-</file>
-
-<file path=customXml/item2.xml><?xml version="1.0" encoding="utf-8"?>
 <ct:contentTypeSchema xmlns:ct="http://schemas.microsoft.com/office/2006/metadata/contentType" xmlns:ma="http://schemas.microsoft.com/office/2006/metadata/properties/metaAttributes" ct:_="" ma:_="" ma:contentTypeName="Dokument" ma:contentTypeID="0x01010057DEBC6757D75944BF029D53C906043C" ma:contentTypeVersion="2" ma:contentTypeDescription="Ein neues Dokument erstellen." ma:contentTypeScope="" ma:versionID="92b2e5e144b5888bfe8e1716395d2054">
   <xsd:schema xmlns:xsd="http://www.w3.org/2001/XMLSchema" xmlns:xs="http://www.w3.org/2001/XMLSchema" xmlns:p="http://schemas.microsoft.com/office/2006/metadata/properties" xmlns:ns3="2e5082aa-21a9-4fb8-bc02-de89f01dc016" targetNamespace="http://schemas.microsoft.com/office/2006/metadata/properties" ma:root="true" ma:fieldsID="750a51e2518c422fe3db59dbb0fb1318" ns3:_="">
     <xsd:import namespace="2e5082aa-21a9-4fb8-bc02-de89f01dc016"/>
@@ -18653,6 +20046,15 @@
 </ct:contentTypeSchema>
 </file>
 
+<file path=customXml/item2.xml><?xml version="1.0" encoding="utf-8"?>
+<?mso-contentType ?>
+<FormTemplates xmlns="http://schemas.microsoft.com/sharepoint/v3/contenttype/forms">
+  <Display>DocumentLibraryForm</Display>
+  <Edit>DocumentLibraryForm</Edit>
+  <New>DocumentLibraryForm</New>
+</FormTemplates>
+</file>
+
 <file path=customXml/item3.xml><?xml version="1.0" encoding="utf-8"?>
 <p:properties xmlns:p="http://schemas.microsoft.com/office/2006/metadata/properties" xmlns:xsi="http://www.w3.org/2001/XMLSchema-instance" xmlns:pc="http://schemas.microsoft.com/office/infopath/2007/PartnerControls">
   <documentManagement/>
@@ -18660,14 +20062,6 @@
 </file>
 
 <file path=customXml/itemProps1.xml><?xml version="1.0" encoding="utf-8"?>
-<ds:datastoreItem xmlns:ds="http://schemas.openxmlformats.org/officeDocument/2006/customXml" ds:itemID="{2ABFB1C4-DEB4-4487-BA3A-A97A672A3FD3}">
-  <ds:schemaRefs>
-    <ds:schemaRef ds:uri="http://schemas.microsoft.com/sharepoint/v3/contenttype/forms"/>
-  </ds:schemaRefs>
-</ds:datastoreItem>
-</file>
-
-<file path=customXml/itemProps2.xml><?xml version="1.0" encoding="utf-8"?>
 <ds:datastoreItem xmlns:ds="http://schemas.openxmlformats.org/officeDocument/2006/customXml" ds:itemID="{3E893F45-019B-40EF-B832-242EE941AB77}">
   <ds:schemaRefs>
     <ds:schemaRef ds:uri="2e5082aa-21a9-4fb8-bc02-de89f01dc016"/>
@@ -18681,6 +20075,14 @@
     <ds:schemaRef ds:uri="http://schemas.microsoft.com/office/infopath/2007/PartnerControls"/>
     <ds:schemaRef ds:uri="http://schemas.openxmlformats.org/package/2006/metadata/core-properties"/>
     <ds:schemaRef ds:uri="http://www.w3.org/2001/XMLSchema"/>
+  </ds:schemaRefs>
+</ds:datastoreItem>
+</file>
+
+<file path=customXml/itemProps2.xml><?xml version="1.0" encoding="utf-8"?>
+<ds:datastoreItem xmlns:ds="http://schemas.openxmlformats.org/officeDocument/2006/customXml" ds:itemID="{2ABFB1C4-DEB4-4487-BA3A-A97A672A3FD3}">
+  <ds:schemaRefs>
+    <ds:schemaRef ds:uri="http://schemas.microsoft.com/sharepoint/v3/contenttype/forms"/>
   </ds:schemaRefs>
 </ds:datastoreItem>
 </file>

--- a/Vortrag.pptx
+++ b/Vortrag.pptx
@@ -5,7 +5,7 @@
     <p:sldMasterId id="2147483648" r:id="rId4"/>
   </p:sldMasterIdLst>
   <p:notesMasterIdLst>
-    <p:notesMasterId r:id="rId33"/>
+    <p:notesMasterId r:id="rId31"/>
   </p:notesMasterIdLst>
   <p:sldIdLst>
     <p:sldId id="256" r:id="rId5"/>
@@ -19,23 +19,21 @@
     <p:sldId id="269" r:id="rId13"/>
     <p:sldId id="286" r:id="rId14"/>
     <p:sldId id="263" r:id="rId15"/>
-    <p:sldId id="264" r:id="rId16"/>
-    <p:sldId id="287" r:id="rId17"/>
-    <p:sldId id="272" r:id="rId18"/>
-    <p:sldId id="283" r:id="rId19"/>
-    <p:sldId id="274" r:id="rId20"/>
-    <p:sldId id="267" r:id="rId21"/>
-    <p:sldId id="268" r:id="rId22"/>
-    <p:sldId id="270" r:id="rId23"/>
-    <p:sldId id="275" r:id="rId24"/>
-    <p:sldId id="276" r:id="rId25"/>
-    <p:sldId id="279" r:id="rId26"/>
-    <p:sldId id="277" r:id="rId27"/>
-    <p:sldId id="280" r:id="rId28"/>
-    <p:sldId id="282" r:id="rId29"/>
-    <p:sldId id="284" r:id="rId30"/>
-    <p:sldId id="285" r:id="rId31"/>
-    <p:sldId id="281" r:id="rId32"/>
+    <p:sldId id="287" r:id="rId16"/>
+    <p:sldId id="272" r:id="rId17"/>
+    <p:sldId id="283" r:id="rId18"/>
+    <p:sldId id="274" r:id="rId19"/>
+    <p:sldId id="267" r:id="rId20"/>
+    <p:sldId id="268" r:id="rId21"/>
+    <p:sldId id="270" r:id="rId22"/>
+    <p:sldId id="276" r:id="rId23"/>
+    <p:sldId id="279" r:id="rId24"/>
+    <p:sldId id="277" r:id="rId25"/>
+    <p:sldId id="280" r:id="rId26"/>
+    <p:sldId id="282" r:id="rId27"/>
+    <p:sldId id="284" r:id="rId28"/>
+    <p:sldId id="285" r:id="rId29"/>
+    <p:sldId id="281" r:id="rId30"/>
   </p:sldIdLst>
   <p:sldSz cx="12192000" cy="6858000"/>
   <p:notesSz cx="6858000" cy="9144000"/>
@@ -142,7 +140,7 @@
             <a:srgbClr val="A4A3A4"/>
           </p15:clr>
         </p15:guide>
-        <p15:guide id="2" pos="3817" userDrawn="1">
+        <p15:guide id="2" pos="3795" userDrawn="1">
           <p15:clr>
             <a:srgbClr val="A4A3A4"/>
           </p15:clr>
@@ -247,7 +245,7 @@
           <a:p>
             <a:fld id="{A7B8C7EC-8663-4343-8CB3-46B01580284C}" type="datetimeFigureOut">
               <a:rPr lang="de-DE" smtClean="0"/>
-              <a:t>07.11.2021</a:t>
+              <a:t>08.11.2021</a:t>
             </a:fld>
             <a:endParaRPr lang="de-DE"/>
           </a:p>
@@ -820,7 +818,7 @@
           <a:p>
             <a:fld id="{B59E6383-A8CB-4B08-927D-D4B4B7D9AC2E}" type="datetime1">
               <a:rPr lang="de-DE" smtClean="0"/>
-              <a:t>07.11.2021</a:t>
+              <a:t>08.11.2021</a:t>
             </a:fld>
             <a:endParaRPr lang="en-US"/>
           </a:p>
@@ -1364,7 +1362,7 @@
           <a:p>
             <a:fld id="{6CA99C16-F3DE-4BEA-BEA0-185955F827CC}" type="datetime1">
               <a:rPr lang="de-DE" smtClean="0"/>
-              <a:t>07.11.2021</a:t>
+              <a:t>08.11.2021</a:t>
             </a:fld>
             <a:endParaRPr lang="en-US"/>
           </a:p>
@@ -1558,7 +1556,7 @@
           <a:p>
             <a:fld id="{2D886228-5DBC-4625-A335-1BCDAFDC46C1}" type="datetime1">
               <a:rPr lang="de-DE" smtClean="0"/>
-              <a:t>07.11.2021</a:t>
+              <a:t>08.11.2021</a:t>
             </a:fld>
             <a:endParaRPr lang="en-US"/>
           </a:p>
@@ -1770,7 +1768,7 @@
           <a:p>
             <a:fld id="{C980135E-CF13-4F76-823B-93B2AE87FB42}" type="datetime1">
               <a:rPr lang="de-DE" smtClean="0"/>
-              <a:t>07.11.2021</a:t>
+              <a:t>08.11.2021</a:t>
             </a:fld>
             <a:endParaRPr lang="en-US"/>
           </a:p>
@@ -2138,7 +2136,7 @@
           <a:p>
             <a:fld id="{EE00E525-60F6-456C-ABD0-CA49B7CA1AC0}" type="datetime1">
               <a:rPr lang="de-DE" smtClean="0"/>
-              <a:t>07.11.2021</a:t>
+              <a:t>08.11.2021</a:t>
             </a:fld>
             <a:endParaRPr lang="en-US"/>
           </a:p>
@@ -2540,7 +2538,7 @@
           <a:p>
             <a:fld id="{9F737527-C30D-4C1B-8A57-8831FC877160}" type="datetime1">
               <a:rPr lang="de-DE" smtClean="0"/>
-              <a:t>07.11.2021</a:t>
+              <a:t>08.11.2021</a:t>
             </a:fld>
             <a:endParaRPr lang="en-US"/>
           </a:p>
@@ -2832,7 +2830,7 @@
           <a:p>
             <a:fld id="{7F4A9B1D-38C4-4A9A-BD74-09CB54D529F7}" type="datetime1">
               <a:rPr lang="de-DE" smtClean="0"/>
-              <a:t>07.11.2021</a:t>
+              <a:t>08.11.2021</a:t>
             </a:fld>
             <a:endParaRPr lang="en-US"/>
           </a:p>
@@ -3133,7 +3131,7 @@
           <a:p>
             <a:fld id="{171975C2-17DF-44AF-BAFC-99FC3839D6B6}" type="datetime1">
               <a:rPr lang="de-DE" smtClean="0"/>
-              <a:t>07.11.2021</a:t>
+              <a:t>08.11.2021</a:t>
             </a:fld>
             <a:endParaRPr lang="en-US"/>
           </a:p>
@@ -3400,7 +3398,7 @@
           <a:p>
             <a:fld id="{BB7604C3-A478-448A-88D6-07EFA8665C1F}" type="datetime1">
               <a:rPr lang="de-DE" smtClean="0"/>
-              <a:t>07.11.2021</a:t>
+              <a:t>08.11.2021</a:t>
             </a:fld>
             <a:endParaRPr lang="en-US"/>
           </a:p>
@@ -3668,7 +3666,7 @@
           <a:p>
             <a:fld id="{BB7604C3-A478-448A-88D6-07EFA8665C1F}" type="datetime1">
               <a:rPr lang="de-DE" smtClean="0"/>
-              <a:t>07.11.2021</a:t>
+              <a:t>08.11.2021</a:t>
             </a:fld>
             <a:endParaRPr lang="en-US"/>
           </a:p>
@@ -3934,7 +3932,7 @@
           <a:p>
             <a:fld id="{A04AC0E9-B042-43D8-AB78-DC52AC0C585D}" type="datetime1">
               <a:rPr lang="de-DE" smtClean="0"/>
-              <a:t>07.11.2021</a:t>
+              <a:t>08.11.2021</a:t>
             </a:fld>
             <a:endParaRPr lang="en-US"/>
           </a:p>
@@ -4205,7 +4203,7 @@
           <a:p>
             <a:fld id="{645C10F2-7973-42A2-B0DE-A6ED0ED91C8E}" type="datetime1">
               <a:rPr lang="de-DE" smtClean="0"/>
-              <a:t>07.11.2021</a:t>
+              <a:t>08.11.2021</a:t>
             </a:fld>
             <a:endParaRPr lang="en-US"/>
           </a:p>
@@ -4478,7 +4476,7 @@
           <a:p>
             <a:fld id="{BAFDFB72-582B-45F4-B36C-EF1963E97DC6}" type="datetime1">
               <a:rPr lang="de-DE" smtClean="0"/>
-              <a:t>07.11.2021</a:t>
+              <a:t>08.11.2021</a:t>
             </a:fld>
             <a:endParaRPr lang="en-US"/>
           </a:p>
@@ -4751,7 +4749,7 @@
           <a:p>
             <a:fld id="{7E7651B1-048A-4583-9423-E37907F714C8}" type="datetime1">
               <a:rPr lang="de-DE" smtClean="0"/>
-              <a:t>07.11.2021</a:t>
+              <a:t>08.11.2021</a:t>
             </a:fld>
             <a:endParaRPr lang="en-US"/>
           </a:p>
@@ -5161,7 +5159,7 @@
           <a:p>
             <a:fld id="{764358B9-31F4-4BA7-92DD-CF366B443679}" type="datetime1">
               <a:rPr lang="de-DE" smtClean="0"/>
-              <a:t>07.11.2021</a:t>
+              <a:t>08.11.2021</a:t>
             </a:fld>
             <a:endParaRPr lang="en-US"/>
           </a:p>
@@ -5474,7 +5472,7 @@
           <a:p>
             <a:fld id="{5DF93BFA-DCCE-4E1B-9D54-AE151F0C2290}" type="datetime1">
               <a:rPr lang="de-DE" smtClean="0"/>
-              <a:t>07.11.2021</a:t>
+              <a:t>08.11.2021</a:t>
             </a:fld>
             <a:endParaRPr lang="en-US"/>
           </a:p>
@@ -5849,7 +5847,7 @@
             <a:fld id="{0B528F4A-65CA-4C1C-A385-CA3E5156BAA4}" type="datetime1">
               <a:rPr lang="de-DE" smtClean="0"/>
               <a:pPr/>
-              <a:t>07.11.2021</a:t>
+              <a:t>08.11.2021</a:t>
             </a:fld>
             <a:endParaRPr lang="en-US"/>
           </a:p>
@@ -7194,7 +7192,7 @@
           <a:p>
             <a:fld id="{BB7604C3-A478-448A-88D6-07EFA8665C1F}" type="datetime1">
               <a:rPr lang="de-DE" smtClean="0"/>
-              <a:t>07.11.2021</a:t>
+              <a:t>08.11.2021</a:t>
             </a:fld>
             <a:endParaRPr lang="en-US"/>
           </a:p>
@@ -7353,7 +7351,7 @@
           <a:p>
             <a:fld id="{BB7604C3-A478-448A-88D6-07EFA8665C1F}" type="datetime1">
               <a:rPr lang="de-DE" smtClean="0"/>
-              <a:t>07.11.2021</a:t>
+              <a:t>08.11.2021</a:t>
             </a:fld>
             <a:endParaRPr lang="en-US"/>
           </a:p>
@@ -7476,7 +7474,7 @@
         <p:spPr>
           <a:xfrm>
             <a:off x="3106766" y="6323789"/>
-            <a:ext cx="2144291" cy="400110"/>
+            <a:ext cx="2144291" cy="246221"/>
           </a:xfrm>
           <a:prstGeom prst="rect">
             <a:avLst/>
@@ -7490,18 +7488,8 @@
           <a:lstStyle/>
           <a:p>
             <a:r>
-              <a:rPr lang="en-GB" sz="1000" dirty="0" err="1"/>
-              <a:t>Bausteinsicht</a:t>
-            </a:r>
-            <a:r>
               <a:rPr lang="en-GB" sz="1000" dirty="0"/>
-              <a:t> Ebene 1,</a:t>
-            </a:r>
-          </a:p>
-          <a:p>
-            <a:r>
-              <a:rPr lang="en-GB" sz="1000" dirty="0"/>
-              <a:t> Quelle</a:t>
+              <a:t>Quelle</a:t>
             </a:r>
             <a:r>
               <a:rPr lang="de-DE" sz="1000" dirty="0"/>
@@ -7734,7 +7722,7 @@
           <p:cNvPr id="2" name="Titel 1">
             <a:extLst>
               <a:ext uri="{FF2B5EF4-FFF2-40B4-BE49-F238E27FC236}">
-                <a16:creationId xmlns:a16="http://schemas.microsoft.com/office/drawing/2014/main" id="{7EF002A0-F11C-49BF-B84B-91A7BDF0787B}"/>
+                <a16:creationId xmlns:a16="http://schemas.microsoft.com/office/drawing/2014/main" id="{97E854AF-370A-4DD2-B05B-BA9F47E75C37}"/>
               </a:ext>
             </a:extLst>
           </p:cNvPr>
@@ -7750,10 +7738,161 @@
           <a:bodyPr/>
           <a:lstStyle/>
           <a:p>
-            <a:r>
-              <a:rPr lang="de-DE" dirty="0"/>
-              <a:t>Bausteinsicht Ebene 2</a:t>
-            </a:r>
+            <a:endParaRPr lang="de-DE" dirty="0"/>
+          </a:p>
+        </p:txBody>
+      </p:sp>
+      <p:sp>
+        <p:nvSpPr>
+          <p:cNvPr id="3" name="Inhaltsplatzhalter 2">
+            <a:extLst>
+              <a:ext uri="{FF2B5EF4-FFF2-40B4-BE49-F238E27FC236}">
+                <a16:creationId xmlns:a16="http://schemas.microsoft.com/office/drawing/2014/main" id="{C98CDAB6-320F-43C1-90E0-C684815DE0C4}"/>
+              </a:ext>
+            </a:extLst>
+          </p:cNvPr>
+          <p:cNvSpPr>
+            <a:spLocks noGrp="1"/>
+          </p:cNvSpPr>
+          <p:nvPr>
+            <p:ph idx="1"/>
+          </p:nvPr>
+        </p:nvSpPr>
+        <p:spPr>
+          <a:xfrm>
+            <a:off x="1614649" y="1685228"/>
+            <a:ext cx="5519929" cy="4591394"/>
+          </a:xfrm>
+        </p:spPr>
+        <p:txBody>
+          <a:bodyPr>
+            <a:normAutofit fontScale="47500" lnSpcReduction="20000"/>
+          </a:bodyPr>
+          <a:lstStyle/>
+          <a:p>
+            <a:r>
+              <a:rPr lang="de-DE" sz="4000" dirty="0">
+                <a:solidFill>
+                  <a:schemeClr val="tx1">
+                    <a:lumMod val="50000"/>
+                  </a:schemeClr>
+                </a:solidFill>
+              </a:rPr>
+              <a:t>Einleitung</a:t>
+            </a:r>
+          </a:p>
+          <a:p>
+            <a:r>
+              <a:rPr lang="de-DE" sz="4000" dirty="0">
+                <a:solidFill>
+                  <a:schemeClr val="tx1">
+                    <a:lumMod val="50000"/>
+                  </a:schemeClr>
+                </a:solidFill>
+              </a:rPr>
+              <a:t>Technologien (Grundlagen)</a:t>
+            </a:r>
+          </a:p>
+          <a:p>
+            <a:r>
+              <a:rPr lang="de-DE" sz="4000" dirty="0">
+                <a:solidFill>
+                  <a:schemeClr val="tx1">
+                    <a:lumMod val="50000"/>
+                  </a:schemeClr>
+                </a:solidFill>
+              </a:rPr>
+              <a:t>Architektur (IT-</a:t>
+            </a:r>
+            <a:r>
+              <a:rPr lang="de-DE" sz="4000" dirty="0" err="1">
+                <a:solidFill>
+                  <a:schemeClr val="tx1">
+                    <a:lumMod val="50000"/>
+                  </a:schemeClr>
+                </a:solidFill>
+              </a:rPr>
+              <a:t>KoM</a:t>
+            </a:r>
+            <a:r>
+              <a:rPr lang="de-DE" sz="4000" dirty="0">
+                <a:solidFill>
+                  <a:schemeClr val="tx1">
+                    <a:lumMod val="50000"/>
+                  </a:schemeClr>
+                </a:solidFill>
+              </a:rPr>
+              <a:t> Verwaltung)</a:t>
+            </a:r>
+          </a:p>
+          <a:p>
+            <a:r>
+              <a:rPr lang="de-DE" sz="4000" b="1" dirty="0"/>
+              <a:t>Implementierung der Technologien</a:t>
+            </a:r>
+          </a:p>
+          <a:p>
+            <a:pPr lvl="1"/>
+            <a:r>
+              <a:rPr lang="de-DE" sz="3800" b="1" dirty="0"/>
+              <a:t>Eureka Discovery Service</a:t>
+            </a:r>
+          </a:p>
+          <a:p>
+            <a:pPr lvl="1"/>
+            <a:r>
+              <a:rPr lang="de-DE" sz="3800" b="1" dirty="0"/>
+              <a:t>Spring Cloud API Gateway / Load Balancer Ribbon</a:t>
+            </a:r>
+          </a:p>
+          <a:p>
+            <a:r>
+              <a:rPr lang="de-DE" sz="4000" dirty="0">
+                <a:solidFill>
+                  <a:schemeClr val="tx1">
+                    <a:lumMod val="75000"/>
+                  </a:schemeClr>
+                </a:solidFill>
+              </a:rPr>
+              <a:t>Zusammenspiel der Technologien</a:t>
+            </a:r>
+          </a:p>
+          <a:p>
+            <a:r>
+              <a:rPr lang="de-DE" sz="4000" dirty="0">
+                <a:solidFill>
+                  <a:schemeClr val="tx1">
+                    <a:lumMod val="75000"/>
+                  </a:schemeClr>
+                </a:solidFill>
+              </a:rPr>
+              <a:t>Fazit</a:t>
+            </a:r>
+          </a:p>
+          <a:p>
+            <a:r>
+              <a:rPr lang="de-DE" sz="4000" dirty="0">
+                <a:solidFill>
+                  <a:schemeClr val="tx1">
+                    <a:lumMod val="75000"/>
+                  </a:schemeClr>
+                </a:solidFill>
+              </a:rPr>
+              <a:t>Demonstration des Prototypen</a:t>
+            </a:r>
+          </a:p>
+          <a:p>
+            <a:pPr marL="457200" lvl="1" indent="0">
+              <a:buNone/>
+            </a:pPr>
+            <a:endParaRPr lang="de-DE" dirty="0"/>
+          </a:p>
+          <a:p>
+            <a:pPr lvl="1"/>
+            <a:endParaRPr lang="de-DE" dirty="0"/>
+          </a:p>
+          <a:p>
+            <a:endParaRPr lang="de-DE" dirty="0"/>
           </a:p>
         </p:txBody>
       </p:sp>
@@ -7762,7 +7901,7 @@
           <p:cNvPr id="4" name="Datumsplatzhalter 3">
             <a:extLst>
               <a:ext uri="{FF2B5EF4-FFF2-40B4-BE49-F238E27FC236}">
-                <a16:creationId xmlns:a16="http://schemas.microsoft.com/office/drawing/2014/main" id="{C7FEB1F1-F5B0-49AC-A265-1215B6B7C2C7}"/>
+                <a16:creationId xmlns:a16="http://schemas.microsoft.com/office/drawing/2014/main" id="{B1C5A0D9-0D16-40F0-A270-E2153F54A613}"/>
               </a:ext>
             </a:extLst>
           </p:cNvPr>
@@ -7780,7 +7919,7 @@
           <a:p>
             <a:fld id="{BB7604C3-A478-448A-88D6-07EFA8665C1F}" type="datetime1">
               <a:rPr lang="de-DE" smtClean="0"/>
-              <a:t>07.11.2021</a:t>
+              <a:t>08.11.2021</a:t>
             </a:fld>
             <a:endParaRPr lang="en-US"/>
           </a:p>
@@ -7791,7 +7930,7 @@
           <p:cNvPr id="5" name="Fußzeilenplatzhalter 4">
             <a:extLst>
               <a:ext uri="{FF2B5EF4-FFF2-40B4-BE49-F238E27FC236}">
-                <a16:creationId xmlns:a16="http://schemas.microsoft.com/office/drawing/2014/main" id="{D389E94C-036B-4FE3-BCF5-FF772550F7FE}"/>
+                <a16:creationId xmlns:a16="http://schemas.microsoft.com/office/drawing/2014/main" id="{6987783A-1F70-47FB-8650-215BADB0D895}"/>
               </a:ext>
             </a:extLst>
           </p:cNvPr>
@@ -7821,7 +7960,7 @@
           <p:cNvPr id="6" name="Foliennummernplatzhalter 5">
             <a:extLst>
               <a:ext uri="{FF2B5EF4-FFF2-40B4-BE49-F238E27FC236}">
-                <a16:creationId xmlns:a16="http://schemas.microsoft.com/office/drawing/2014/main" id="{736A3E70-1B51-445A-AA5D-E1FD1DDD689E}"/>
+                <a16:creationId xmlns:a16="http://schemas.microsoft.com/office/drawing/2014/main" id="{EDFC56A4-BEFD-4224-A109-1FFEDB0D2EF9}"/>
               </a:ext>
             </a:extLst>
           </p:cNvPr>
@@ -7850,16 +7989,14 @@
           <p:cNvPr id="7" name="Inhaltsplatzhalter 6">
             <a:extLst>
               <a:ext uri="{FF2B5EF4-FFF2-40B4-BE49-F238E27FC236}">
-                <a16:creationId xmlns:a16="http://schemas.microsoft.com/office/drawing/2014/main" id="{6CC8A200-D6BD-4651-81BD-C4BFD0D84E96}"/>
+                <a16:creationId xmlns:a16="http://schemas.microsoft.com/office/drawing/2014/main" id="{A274D031-B25F-406F-9B98-2AB7197B4301}"/>
               </a:ext>
             </a:extLst>
           </p:cNvPr>
           <p:cNvPicPr>
-            <a:picLocks noGrp="1" noChangeAspect="1"/>
+            <a:picLocks noChangeAspect="1"/>
           </p:cNvPicPr>
-          <p:nvPr>
-            <p:ph idx="1"/>
-          </p:nvPr>
+          <p:nvPr/>
         </p:nvPicPr>
         <p:blipFill>
           <a:blip r:embed="rId2" cstate="print">
@@ -7876,8 +8013,8 @@
         </p:blipFill>
         <p:spPr bwMode="auto">
           <a:xfrm>
-            <a:off x="4965946" y="1705397"/>
-            <a:ext cx="5849184" cy="4516921"/>
+            <a:off x="6470063" y="1186563"/>
+            <a:ext cx="5340934" cy="4755808"/>
           </a:xfrm>
           <a:prstGeom prst="rect">
             <a:avLst/>
@@ -7890,584 +8027,118 @@
       </p:pic>
       <p:sp>
         <p:nvSpPr>
-          <p:cNvPr id="8" name="Textfeld 7">
+          <p:cNvPr id="9" name="Rechteck: abgerundete Ecken 8">
             <a:extLst>
               <a:ext uri="{FF2B5EF4-FFF2-40B4-BE49-F238E27FC236}">
-                <a16:creationId xmlns:a16="http://schemas.microsoft.com/office/drawing/2014/main" id="{C11A5579-DC5E-42B3-80CA-A0145A095E76}"/>
+                <a16:creationId xmlns:a16="http://schemas.microsoft.com/office/drawing/2014/main" id="{BF0D17E1-B029-4F01-AC1B-59BB991D977A}"/>
               </a:ext>
             </a:extLst>
           </p:cNvPr>
-          <p:cNvSpPr txBox="1"/>
+          <p:cNvSpPr/>
           <p:nvPr/>
         </p:nvSpPr>
         <p:spPr>
           <a:xfrm>
-            <a:off x="4876801" y="6222318"/>
-            <a:ext cx="2144291" cy="246221"/>
+            <a:off x="8006202" y="2720621"/>
+            <a:ext cx="695154" cy="1309091"/>
           </a:xfrm>
-          <a:prstGeom prst="rect">
+          <a:prstGeom prst="roundRect">
             <a:avLst/>
           </a:prstGeom>
           <a:noFill/>
+          <a:ln w="38100">
+            <a:solidFill>
+              <a:srgbClr val="FFC000"/>
+            </a:solidFill>
+          </a:ln>
         </p:spPr>
-        <p:txBody>
-          <a:bodyPr wrap="square" rtlCol="0">
-            <a:spAutoFit/>
-          </a:bodyPr>
-          <a:lstStyle/>
-          <a:p>
-            <a:r>
-              <a:rPr lang="en-GB" sz="1000" dirty="0"/>
-              <a:t>Quelle</a:t>
-            </a:r>
-            <a:r>
-              <a:rPr lang="de-DE" sz="1000" dirty="0"/>
-              <a:t>: </a:t>
-            </a:r>
-            <a:r>
-              <a:rPr lang="en-GB" sz="1000" dirty="0" err="1"/>
-              <a:t>eigene</a:t>
-            </a:r>
-            <a:r>
-              <a:rPr lang="en-GB" sz="1000" dirty="0"/>
-              <a:t> </a:t>
-            </a:r>
-            <a:r>
-              <a:rPr lang="en-GB" sz="1000" dirty="0" err="1"/>
-              <a:t>Darstellung</a:t>
-            </a:r>
-            <a:endParaRPr lang="de-DE" sz="1000" dirty="0"/>
-          </a:p>
-        </p:txBody>
-      </p:sp>
-      <p:sp>
-        <p:nvSpPr>
-          <p:cNvPr id="9" name="Inhaltsplatzhalter 2">
+        <p:style>
+          <a:lnRef idx="2">
+            <a:schemeClr val="accent1">
+              <a:shade val="50000"/>
+            </a:schemeClr>
+          </a:lnRef>
+          <a:fillRef idx="1">
+            <a:schemeClr val="accent1"/>
+          </a:fillRef>
+          <a:effectRef idx="0">
+            <a:schemeClr val="accent1"/>
+          </a:effectRef>
+          <a:fontRef idx="minor">
+            <a:schemeClr val="lt1"/>
+          </a:fontRef>
+        </p:style>
+        <p:txBody>
+          <a:bodyPr rtlCol="0" anchor="ctr"/>
+          <a:lstStyle/>
+          <a:p>
+            <a:pPr algn="ctr"/>
+            <a:endParaRPr lang="de-DE"/>
+          </a:p>
+        </p:txBody>
+      </p:sp>
+      <p:sp>
+        <p:nvSpPr>
+          <p:cNvPr id="10" name="Rechteck: abgerundete Ecken 9">
             <a:extLst>
               <a:ext uri="{FF2B5EF4-FFF2-40B4-BE49-F238E27FC236}">
-                <a16:creationId xmlns:a16="http://schemas.microsoft.com/office/drawing/2014/main" id="{2AB13E3E-6D9D-4D3B-8C59-752F64C52693}"/>
+                <a16:creationId xmlns:a16="http://schemas.microsoft.com/office/drawing/2014/main" id="{12EF8A69-DBAE-4D24-8494-6BB2BF824818}"/>
               </a:ext>
             </a:extLst>
           </p:cNvPr>
-          <p:cNvSpPr txBox="1">
-            <a:spLocks/>
-          </p:cNvSpPr>
+          <p:cNvSpPr/>
           <p:nvPr/>
         </p:nvSpPr>
         <p:spPr>
           <a:xfrm>
-            <a:off x="1163095" y="2481342"/>
-            <a:ext cx="3578239" cy="2965030"/>
+            <a:off x="8006202" y="4274750"/>
+            <a:ext cx="695154" cy="466583"/>
           </a:xfrm>
-          <a:prstGeom prst="rect">
+          <a:prstGeom prst="roundRect">
             <a:avLst/>
           </a:prstGeom>
+          <a:noFill/>
+          <a:ln w="38100">
+            <a:solidFill>
+              <a:srgbClr val="FFC000"/>
+            </a:solidFill>
+          </a:ln>
         </p:spPr>
-        <p:txBody>
-          <a:bodyPr vert="horz" lIns="91440" tIns="45720" rIns="91440" bIns="45720" rtlCol="0" anchor="ctr">
-            <a:normAutofit fontScale="85000" lnSpcReduction="10000"/>
-          </a:bodyPr>
-          <a:lstStyle>
-            <a:lvl1pPr marL="344488" indent="-344488" algn="l" defTabSz="914400" rtl="0" eaLnBrk="1" latinLnBrk="0" hangingPunct="1">
-              <a:lnSpc>
-                <a:spcPct val="120000"/>
-              </a:lnSpc>
-              <a:spcBef>
-                <a:spcPts val="1000"/>
-              </a:spcBef>
-              <a:spcAft>
-                <a:spcPts val="600"/>
-              </a:spcAft>
-              <a:buClr>
-                <a:schemeClr val="accent6"/>
-              </a:buClr>
-              <a:buSzPct val="90000"/>
-              <a:buFont typeface="Wingdings" panose="05000000000000000000" pitchFamily="2" charset="2"/>
-              <a:buChar char="§"/>
-              <a:defRPr sz="2000" kern="1200">
-                <a:solidFill>
-                  <a:schemeClr val="tx1"/>
-                </a:solidFill>
-                <a:effectLst/>
-                <a:latin typeface="+mn-lt"/>
-                <a:ea typeface="+mn-ea"/>
-                <a:cs typeface="+mn-cs"/>
-              </a:defRPr>
-            </a:lvl1pPr>
-            <a:lvl2pPr marL="795338" indent="-338138" algn="l" defTabSz="914400" rtl="0" eaLnBrk="1" latinLnBrk="0" hangingPunct="1">
-              <a:lnSpc>
-                <a:spcPct val="120000"/>
-              </a:lnSpc>
-              <a:spcBef>
-                <a:spcPts val="500"/>
-              </a:spcBef>
-              <a:spcAft>
-                <a:spcPts val="600"/>
-              </a:spcAft>
-              <a:buClr>
-                <a:schemeClr val="accent6"/>
-              </a:buClr>
-              <a:buSzPct val="90000"/>
-              <a:buFont typeface="Wingdings" panose="05000000000000000000" pitchFamily="2" charset="2"/>
-              <a:buChar char="§"/>
-              <a:defRPr sz="1800" kern="1200">
-                <a:solidFill>
-                  <a:schemeClr val="tx1"/>
-                </a:solidFill>
-                <a:effectLst/>
-                <a:latin typeface="+mn-lt"/>
-                <a:ea typeface="+mn-ea"/>
-                <a:cs typeface="+mn-cs"/>
-              </a:defRPr>
-            </a:lvl2pPr>
-            <a:lvl3pPr marL="1258888" indent="-344488" algn="l" defTabSz="914400" rtl="0" eaLnBrk="1" latinLnBrk="0" hangingPunct="1">
-              <a:lnSpc>
-                <a:spcPct val="120000"/>
-              </a:lnSpc>
-              <a:spcBef>
-                <a:spcPts val="500"/>
-              </a:spcBef>
-              <a:spcAft>
-                <a:spcPts val="600"/>
-              </a:spcAft>
-              <a:buClr>
-                <a:schemeClr val="accent6"/>
-              </a:buClr>
-              <a:buSzPct val="90000"/>
-              <a:buFont typeface="Wingdings" panose="05000000000000000000" pitchFamily="2" charset="2"/>
-              <a:buChar char="§"/>
-              <a:defRPr sz="1600" kern="1200">
-                <a:solidFill>
-                  <a:schemeClr val="tx1"/>
-                </a:solidFill>
-                <a:effectLst/>
-                <a:latin typeface="+mn-lt"/>
-                <a:ea typeface="+mn-ea"/>
-                <a:cs typeface="+mn-cs"/>
-              </a:defRPr>
-            </a:lvl3pPr>
-            <a:lvl4pPr marL="1709738" indent="-338138" algn="l" defTabSz="914400" rtl="0" eaLnBrk="1" latinLnBrk="0" hangingPunct="1">
-              <a:lnSpc>
-                <a:spcPct val="120000"/>
-              </a:lnSpc>
-              <a:spcBef>
-                <a:spcPts val="500"/>
-              </a:spcBef>
-              <a:spcAft>
-                <a:spcPts val="600"/>
-              </a:spcAft>
-              <a:buClr>
-                <a:schemeClr val="accent6"/>
-              </a:buClr>
-              <a:buSzPct val="90000"/>
-              <a:buFont typeface="Wingdings" panose="05000000000000000000" pitchFamily="2" charset="2"/>
-              <a:buChar char="§"/>
-              <a:defRPr sz="1400" kern="1200">
-                <a:solidFill>
-                  <a:schemeClr val="tx1"/>
-                </a:solidFill>
-                <a:effectLst/>
-                <a:latin typeface="+mn-lt"/>
-                <a:ea typeface="+mn-ea"/>
-                <a:cs typeface="+mn-cs"/>
-              </a:defRPr>
-            </a:lvl4pPr>
-            <a:lvl5pPr marL="2173288" indent="-344488" algn="l" defTabSz="914400" rtl="0" eaLnBrk="1" latinLnBrk="0" hangingPunct="1">
-              <a:lnSpc>
-                <a:spcPct val="120000"/>
-              </a:lnSpc>
-              <a:spcBef>
-                <a:spcPts val="500"/>
-              </a:spcBef>
-              <a:spcAft>
-                <a:spcPts val="600"/>
-              </a:spcAft>
-              <a:buClr>
-                <a:schemeClr val="accent6"/>
-              </a:buClr>
-              <a:buSzPct val="90000"/>
-              <a:buFont typeface="Wingdings" panose="05000000000000000000" pitchFamily="2" charset="2"/>
-              <a:buChar char="§"/>
-              <a:defRPr sz="1200" kern="1200">
-                <a:solidFill>
-                  <a:schemeClr val="tx1"/>
-                </a:solidFill>
-                <a:effectLst/>
-                <a:latin typeface="+mn-lt"/>
-                <a:ea typeface="+mn-ea"/>
-                <a:cs typeface="+mn-cs"/>
-              </a:defRPr>
-            </a:lvl5pPr>
-            <a:lvl6pPr marL="2642616" indent="-338328" algn="l" defTabSz="914400" rtl="0" eaLnBrk="1" latinLnBrk="0" hangingPunct="1">
-              <a:lnSpc>
-                <a:spcPct val="120000"/>
-              </a:lnSpc>
-              <a:spcBef>
-                <a:spcPts val="500"/>
-              </a:spcBef>
-              <a:spcAft>
-                <a:spcPts val="600"/>
-              </a:spcAft>
-              <a:buClr>
-                <a:schemeClr val="accent6"/>
-              </a:buClr>
-              <a:buSzPct val="90000"/>
-              <a:buFont typeface="Wingdings" panose="05000000000000000000" pitchFamily="2" charset="2"/>
-              <a:buChar char="§"/>
-              <a:defRPr sz="1200" kern="1200" baseline="0">
-                <a:solidFill>
-                  <a:schemeClr val="tx1"/>
-                </a:solidFill>
-                <a:effectLst/>
-                <a:latin typeface="+mn-lt"/>
-                <a:ea typeface="+mn-ea"/>
-                <a:cs typeface="+mn-cs"/>
-              </a:defRPr>
-            </a:lvl6pPr>
-            <a:lvl7pPr marL="3108960" indent="-338328" algn="l" defTabSz="914400" rtl="0" eaLnBrk="1" latinLnBrk="0" hangingPunct="1">
-              <a:lnSpc>
-                <a:spcPct val="120000"/>
-              </a:lnSpc>
-              <a:spcBef>
-                <a:spcPts val="500"/>
-              </a:spcBef>
-              <a:spcAft>
-                <a:spcPts val="600"/>
-              </a:spcAft>
-              <a:buClr>
-                <a:schemeClr val="accent6"/>
-              </a:buClr>
-              <a:buSzPct val="90000"/>
-              <a:buFont typeface="Wingdings" panose="05000000000000000000" pitchFamily="2" charset="2"/>
-              <a:buChar char="§"/>
-              <a:defRPr sz="1200" kern="1200" baseline="0">
-                <a:solidFill>
-                  <a:schemeClr val="tx1"/>
-                </a:solidFill>
-                <a:effectLst/>
-                <a:latin typeface="+mn-lt"/>
-                <a:ea typeface="+mn-ea"/>
-                <a:cs typeface="+mn-cs"/>
-              </a:defRPr>
-            </a:lvl7pPr>
-            <a:lvl8pPr marL="3575304" indent="-338328" algn="l" defTabSz="914400" rtl="0" eaLnBrk="1" latinLnBrk="0" hangingPunct="1">
-              <a:lnSpc>
-                <a:spcPct val="120000"/>
-              </a:lnSpc>
-              <a:spcBef>
-                <a:spcPts val="500"/>
-              </a:spcBef>
-              <a:spcAft>
-                <a:spcPts val="600"/>
-              </a:spcAft>
-              <a:buClr>
-                <a:schemeClr val="accent6"/>
-              </a:buClr>
-              <a:buSzPct val="90000"/>
-              <a:buFont typeface="Wingdings" panose="05000000000000000000" pitchFamily="2" charset="2"/>
-              <a:buChar char="§"/>
-              <a:defRPr sz="1200" kern="1200" baseline="0">
-                <a:solidFill>
-                  <a:schemeClr val="tx1"/>
-                </a:solidFill>
-                <a:effectLst/>
-                <a:latin typeface="+mn-lt"/>
-                <a:ea typeface="+mn-ea"/>
-                <a:cs typeface="+mn-cs"/>
-              </a:defRPr>
-            </a:lvl8pPr>
-            <a:lvl9pPr marL="4041648" indent="-338328" algn="l" defTabSz="914400" rtl="0" eaLnBrk="1" latinLnBrk="0" hangingPunct="1">
-              <a:lnSpc>
-                <a:spcPct val="120000"/>
-              </a:lnSpc>
-              <a:spcBef>
-                <a:spcPts val="500"/>
-              </a:spcBef>
-              <a:spcAft>
-                <a:spcPts val="600"/>
-              </a:spcAft>
-              <a:buClr>
-                <a:schemeClr val="accent6"/>
-              </a:buClr>
-              <a:buSzPct val="90000"/>
-              <a:buFont typeface="Wingdings" panose="05000000000000000000" pitchFamily="2" charset="2"/>
-              <a:buChar char="§"/>
-              <a:defRPr sz="1200" kern="1200" baseline="0">
-                <a:solidFill>
-                  <a:schemeClr val="tx1"/>
-                </a:solidFill>
-                <a:effectLst/>
-                <a:latin typeface="+mn-lt"/>
-                <a:ea typeface="+mn-ea"/>
-                <a:cs typeface="+mn-cs"/>
-              </a:defRPr>
-            </a:lvl9pPr>
-          </a:lstStyle>
-          <a:p>
-            <a:r>
-              <a:rPr lang="de-DE" dirty="0"/>
-              <a:t>Controller: agiert als REST API</a:t>
-            </a:r>
-          </a:p>
-          <a:p>
-            <a:r>
-              <a:rPr lang="de-DE" dirty="0"/>
-              <a:t>Resources: enthält Frontendkomponenten und Konfigurationsdateien</a:t>
-            </a:r>
-          </a:p>
-          <a:p>
-            <a:r>
-              <a:rPr lang="de-DE" dirty="0"/>
-              <a:t>Model: enthält Datenstrukturen</a:t>
-            </a:r>
-          </a:p>
-          <a:p>
-            <a:r>
-              <a:rPr lang="de-DE" dirty="0"/>
-              <a:t>Repository: greift auf die Datenbank zu</a:t>
-            </a:r>
-          </a:p>
-          <a:p>
-            <a:endParaRPr lang="de-DE" dirty="0"/>
+        <p:style>
+          <a:lnRef idx="2">
+            <a:schemeClr val="accent1">
+              <a:shade val="50000"/>
+            </a:schemeClr>
+          </a:lnRef>
+          <a:fillRef idx="1">
+            <a:schemeClr val="accent1"/>
+          </a:fillRef>
+          <a:effectRef idx="0">
+            <a:schemeClr val="accent1"/>
+          </a:effectRef>
+          <a:fontRef idx="minor">
+            <a:schemeClr val="lt1"/>
+          </a:fontRef>
+        </p:style>
+        <p:txBody>
+          <a:bodyPr rtlCol="0" anchor="ctr"/>
+          <a:lstStyle/>
+          <a:p>
+            <a:pPr algn="ctr"/>
+            <a:endParaRPr lang="de-DE"/>
           </a:p>
         </p:txBody>
       </p:sp>
     </p:spTree>
     <p:extLst>
       <p:ext uri="{BB962C8B-B14F-4D97-AF65-F5344CB8AC3E}">
-        <p14:creationId xmlns:p14="http://schemas.microsoft.com/office/powerpoint/2010/main" val="397232701"/>
+        <p14:creationId xmlns:p14="http://schemas.microsoft.com/office/powerpoint/2010/main" val="3890433654"/>
       </p:ext>
     </p:extLst>
   </p:cSld>
   <p:clrMapOvr>
     <a:masterClrMapping/>
   </p:clrMapOvr>
-  <p:timing>
-    <p:tnLst>
-      <p:par>
-        <p:cTn id="1" dur="indefinite" restart="never" nodeType="tmRoot">
-          <p:childTnLst>
-            <p:seq concurrent="1" nextAc="seek">
-              <p:cTn id="2" dur="indefinite" nodeType="mainSeq">
-                <p:childTnLst>
-                  <p:par>
-                    <p:cTn id="3" fill="hold">
-                      <p:stCondLst>
-                        <p:cond delay="indefinite"/>
-                      </p:stCondLst>
-                      <p:childTnLst>
-                        <p:par>
-                          <p:cTn id="4" fill="hold">
-                            <p:stCondLst>
-                              <p:cond delay="0"/>
-                            </p:stCondLst>
-                            <p:childTnLst>
-                              <p:par>
-                                <p:cTn id="5" presetID="1" presetClass="entr" presetSubtype="0" fill="hold" nodeType="clickEffect">
-                                  <p:stCondLst>
-                                    <p:cond delay="0"/>
-                                  </p:stCondLst>
-                                  <p:childTnLst>
-                                    <p:set>
-                                      <p:cBhvr>
-                                        <p:cTn id="6" dur="1" fill="hold">
-                                          <p:stCondLst>
-                                            <p:cond delay="0"/>
-                                          </p:stCondLst>
-                                        </p:cTn>
-                                        <p:tgtEl>
-                                          <p:spTgt spid="9">
-                                            <p:txEl>
-                                              <p:pRg st="0" end="0"/>
-                                            </p:txEl>
-                                          </p:spTgt>
-                                        </p:tgtEl>
-                                        <p:attrNameLst>
-                                          <p:attrName>style.visibility</p:attrName>
-                                        </p:attrNameLst>
-                                      </p:cBhvr>
-                                      <p:to>
-                                        <p:strVal val="visible"/>
-                                      </p:to>
-                                    </p:set>
-                                  </p:childTnLst>
-                                </p:cTn>
-                              </p:par>
-                            </p:childTnLst>
-                          </p:cTn>
-                        </p:par>
-                      </p:childTnLst>
-                    </p:cTn>
-                  </p:par>
-                  <p:par>
-                    <p:cTn id="7" fill="hold">
-                      <p:stCondLst>
-                        <p:cond delay="indefinite"/>
-                      </p:stCondLst>
-                      <p:childTnLst>
-                        <p:par>
-                          <p:cTn id="8" fill="hold">
-                            <p:stCondLst>
-                              <p:cond delay="0"/>
-                            </p:stCondLst>
-                            <p:childTnLst>
-                              <p:par>
-                                <p:cTn id="9" presetID="1" presetClass="entr" presetSubtype="0" fill="hold" nodeType="clickEffect">
-                                  <p:stCondLst>
-                                    <p:cond delay="0"/>
-                                  </p:stCondLst>
-                                  <p:childTnLst>
-                                    <p:set>
-                                      <p:cBhvr>
-                                        <p:cTn id="10" dur="1" fill="hold">
-                                          <p:stCondLst>
-                                            <p:cond delay="0"/>
-                                          </p:stCondLst>
-                                        </p:cTn>
-                                        <p:tgtEl>
-                                          <p:spTgt spid="9">
-                                            <p:txEl>
-                                              <p:pRg st="1" end="1"/>
-                                            </p:txEl>
-                                          </p:spTgt>
-                                        </p:tgtEl>
-                                        <p:attrNameLst>
-                                          <p:attrName>style.visibility</p:attrName>
-                                        </p:attrNameLst>
-                                      </p:cBhvr>
-                                      <p:to>
-                                        <p:strVal val="visible"/>
-                                      </p:to>
-                                    </p:set>
-                                  </p:childTnLst>
-                                </p:cTn>
-                              </p:par>
-                            </p:childTnLst>
-                          </p:cTn>
-                        </p:par>
-                      </p:childTnLst>
-                    </p:cTn>
-                  </p:par>
-                  <p:par>
-                    <p:cTn id="11" fill="hold">
-                      <p:stCondLst>
-                        <p:cond delay="indefinite"/>
-                      </p:stCondLst>
-                      <p:childTnLst>
-                        <p:par>
-                          <p:cTn id="12" fill="hold">
-                            <p:stCondLst>
-                              <p:cond delay="0"/>
-                            </p:stCondLst>
-                            <p:childTnLst>
-                              <p:par>
-                                <p:cTn id="13" presetID="1" presetClass="entr" presetSubtype="0" fill="hold" nodeType="clickEffect">
-                                  <p:stCondLst>
-                                    <p:cond delay="0"/>
-                                  </p:stCondLst>
-                                  <p:childTnLst>
-                                    <p:set>
-                                      <p:cBhvr>
-                                        <p:cTn id="14" dur="1" fill="hold">
-                                          <p:stCondLst>
-                                            <p:cond delay="0"/>
-                                          </p:stCondLst>
-                                        </p:cTn>
-                                        <p:tgtEl>
-                                          <p:spTgt spid="9">
-                                            <p:txEl>
-                                              <p:pRg st="2" end="2"/>
-                                            </p:txEl>
-                                          </p:spTgt>
-                                        </p:tgtEl>
-                                        <p:attrNameLst>
-                                          <p:attrName>style.visibility</p:attrName>
-                                        </p:attrNameLst>
-                                      </p:cBhvr>
-                                      <p:to>
-                                        <p:strVal val="visible"/>
-                                      </p:to>
-                                    </p:set>
-                                  </p:childTnLst>
-                                </p:cTn>
-                              </p:par>
-                            </p:childTnLst>
-                          </p:cTn>
-                        </p:par>
-                      </p:childTnLst>
-                    </p:cTn>
-                  </p:par>
-                  <p:par>
-                    <p:cTn id="15" fill="hold">
-                      <p:stCondLst>
-                        <p:cond delay="indefinite"/>
-                      </p:stCondLst>
-                      <p:childTnLst>
-                        <p:par>
-                          <p:cTn id="16" fill="hold">
-                            <p:stCondLst>
-                              <p:cond delay="0"/>
-                            </p:stCondLst>
-                            <p:childTnLst>
-                              <p:par>
-                                <p:cTn id="17" presetID="1" presetClass="entr" presetSubtype="0" fill="hold" nodeType="clickEffect">
-                                  <p:stCondLst>
-                                    <p:cond delay="0"/>
-                                  </p:stCondLst>
-                                  <p:childTnLst>
-                                    <p:set>
-                                      <p:cBhvr>
-                                        <p:cTn id="18" dur="1" fill="hold">
-                                          <p:stCondLst>
-                                            <p:cond delay="0"/>
-                                          </p:stCondLst>
-                                        </p:cTn>
-                                        <p:tgtEl>
-                                          <p:spTgt spid="9">
-                                            <p:txEl>
-                                              <p:pRg st="3" end="3"/>
-                                            </p:txEl>
-                                          </p:spTgt>
-                                        </p:tgtEl>
-                                        <p:attrNameLst>
-                                          <p:attrName>style.visibility</p:attrName>
-                                        </p:attrNameLst>
-                                      </p:cBhvr>
-                                      <p:to>
-                                        <p:strVal val="visible"/>
-                                      </p:to>
-                                    </p:set>
-                                  </p:childTnLst>
-                                </p:cTn>
-                              </p:par>
-                            </p:childTnLst>
-                          </p:cTn>
-                        </p:par>
-                      </p:childTnLst>
-                    </p:cTn>
-                  </p:par>
-                </p:childTnLst>
-              </p:cTn>
-              <p:prevCondLst>
-                <p:cond evt="onPrev" delay="0">
-                  <p:tgtEl>
-                    <p:sldTgt/>
-                  </p:tgtEl>
-                </p:cond>
-              </p:prevCondLst>
-              <p:nextCondLst>
-                <p:cond evt="onNext" delay="0">
-                  <p:tgtEl>
-                    <p:sldTgt/>
-                  </p:tgtEl>
-                </p:cond>
-              </p:nextCondLst>
-            </p:seq>
-          </p:childTnLst>
-        </p:cTn>
-      </p:par>
-    </p:tnLst>
-  </p:timing>
 </p:sld>
 </file>
 
@@ -8493,303 +8164,6 @@
           <p:cNvPr id="2" name="Titel 1">
             <a:extLst>
               <a:ext uri="{FF2B5EF4-FFF2-40B4-BE49-F238E27FC236}">
-                <a16:creationId xmlns:a16="http://schemas.microsoft.com/office/drawing/2014/main" id="{97E854AF-370A-4DD2-B05B-BA9F47E75C37}"/>
-              </a:ext>
-            </a:extLst>
-          </p:cNvPr>
-          <p:cNvSpPr>
-            <a:spLocks noGrp="1"/>
-          </p:cNvSpPr>
-          <p:nvPr>
-            <p:ph type="title"/>
-          </p:nvPr>
-        </p:nvSpPr>
-        <p:spPr/>
-        <p:txBody>
-          <a:bodyPr/>
-          <a:lstStyle/>
-          <a:p>
-            <a:endParaRPr lang="de-DE" dirty="0"/>
-          </a:p>
-        </p:txBody>
-      </p:sp>
-      <p:sp>
-        <p:nvSpPr>
-          <p:cNvPr id="3" name="Inhaltsplatzhalter 2">
-            <a:extLst>
-              <a:ext uri="{FF2B5EF4-FFF2-40B4-BE49-F238E27FC236}">
-                <a16:creationId xmlns:a16="http://schemas.microsoft.com/office/drawing/2014/main" id="{C98CDAB6-320F-43C1-90E0-C684815DE0C4}"/>
-              </a:ext>
-            </a:extLst>
-          </p:cNvPr>
-          <p:cNvSpPr>
-            <a:spLocks noGrp="1"/>
-          </p:cNvSpPr>
-          <p:nvPr>
-            <p:ph idx="1"/>
-          </p:nvPr>
-        </p:nvSpPr>
-        <p:spPr>
-          <a:xfrm>
-            <a:off x="1614649" y="1685228"/>
-            <a:ext cx="7901820" cy="4749440"/>
-          </a:xfrm>
-        </p:spPr>
-        <p:txBody>
-          <a:bodyPr>
-            <a:normAutofit fontScale="55000" lnSpcReduction="20000"/>
-          </a:bodyPr>
-          <a:lstStyle/>
-          <a:p>
-            <a:r>
-              <a:rPr lang="de-DE" sz="4000" dirty="0">
-                <a:solidFill>
-                  <a:schemeClr val="tx1">
-                    <a:lumMod val="50000"/>
-                  </a:schemeClr>
-                </a:solidFill>
-              </a:rPr>
-              <a:t>Einleitung</a:t>
-            </a:r>
-          </a:p>
-          <a:p>
-            <a:r>
-              <a:rPr lang="de-DE" sz="4000" dirty="0">
-                <a:solidFill>
-                  <a:schemeClr val="tx1">
-                    <a:lumMod val="50000"/>
-                  </a:schemeClr>
-                </a:solidFill>
-              </a:rPr>
-              <a:t>Technologien (Grundlagen)</a:t>
-            </a:r>
-          </a:p>
-          <a:p>
-            <a:r>
-              <a:rPr lang="de-DE" sz="4000" dirty="0">
-                <a:solidFill>
-                  <a:schemeClr val="tx1">
-                    <a:lumMod val="50000"/>
-                  </a:schemeClr>
-                </a:solidFill>
-              </a:rPr>
-              <a:t>Architektur (IT-</a:t>
-            </a:r>
-            <a:r>
-              <a:rPr lang="de-DE" sz="4000" dirty="0" err="1">
-                <a:solidFill>
-                  <a:schemeClr val="tx1">
-                    <a:lumMod val="50000"/>
-                  </a:schemeClr>
-                </a:solidFill>
-              </a:rPr>
-              <a:t>KoM</a:t>
-            </a:r>
-            <a:r>
-              <a:rPr lang="de-DE" sz="4000" dirty="0">
-                <a:solidFill>
-                  <a:schemeClr val="tx1">
-                    <a:lumMod val="50000"/>
-                  </a:schemeClr>
-                </a:solidFill>
-              </a:rPr>
-              <a:t> Verwaltung)</a:t>
-            </a:r>
-          </a:p>
-          <a:p>
-            <a:r>
-              <a:rPr lang="de-DE" sz="4000" b="1" dirty="0"/>
-              <a:t>Implementierung der Technologien</a:t>
-            </a:r>
-          </a:p>
-          <a:p>
-            <a:pPr lvl="1"/>
-            <a:r>
-              <a:rPr lang="de-DE" sz="3800" b="1" dirty="0"/>
-              <a:t>Eureka Discovery Service</a:t>
-            </a:r>
-          </a:p>
-          <a:p>
-            <a:pPr lvl="1"/>
-            <a:r>
-              <a:rPr lang="de-DE" sz="3800" b="1" dirty="0"/>
-              <a:t>Spring Cloud API Gateway / Load Balancer Ribbon</a:t>
-            </a:r>
-          </a:p>
-          <a:p>
-            <a:r>
-              <a:rPr lang="de-DE" sz="4000" dirty="0">
-                <a:solidFill>
-                  <a:schemeClr val="tx1">
-                    <a:lumMod val="75000"/>
-                  </a:schemeClr>
-                </a:solidFill>
-              </a:rPr>
-              <a:t>Zusammenspiel der Technologien</a:t>
-            </a:r>
-          </a:p>
-          <a:p>
-            <a:r>
-              <a:rPr lang="de-DE" sz="4000" dirty="0">
-                <a:solidFill>
-                  <a:schemeClr val="tx1">
-                    <a:lumMod val="75000"/>
-                  </a:schemeClr>
-                </a:solidFill>
-              </a:rPr>
-              <a:t>Fazit</a:t>
-            </a:r>
-          </a:p>
-          <a:p>
-            <a:r>
-              <a:rPr lang="de-DE" sz="4000" dirty="0">
-                <a:solidFill>
-                  <a:schemeClr val="tx1">
-                    <a:lumMod val="75000"/>
-                  </a:schemeClr>
-                </a:solidFill>
-              </a:rPr>
-              <a:t>Demonstration des Prototypen</a:t>
-            </a:r>
-          </a:p>
-          <a:p>
-            <a:pPr marL="457200" lvl="1" indent="0">
-              <a:buNone/>
-            </a:pPr>
-            <a:endParaRPr lang="de-DE" dirty="0"/>
-          </a:p>
-          <a:p>
-            <a:pPr lvl="1"/>
-            <a:endParaRPr lang="de-DE" dirty="0"/>
-          </a:p>
-          <a:p>
-            <a:endParaRPr lang="de-DE" dirty="0"/>
-          </a:p>
-        </p:txBody>
-      </p:sp>
-      <p:sp>
-        <p:nvSpPr>
-          <p:cNvPr id="4" name="Datumsplatzhalter 3">
-            <a:extLst>
-              <a:ext uri="{FF2B5EF4-FFF2-40B4-BE49-F238E27FC236}">
-                <a16:creationId xmlns:a16="http://schemas.microsoft.com/office/drawing/2014/main" id="{B1C5A0D9-0D16-40F0-A270-E2153F54A613}"/>
-              </a:ext>
-            </a:extLst>
-          </p:cNvPr>
-          <p:cNvSpPr>
-            <a:spLocks noGrp="1"/>
-          </p:cNvSpPr>
-          <p:nvPr>
-            <p:ph type="dt" sz="half" idx="10"/>
-          </p:nvPr>
-        </p:nvSpPr>
-        <p:spPr/>
-        <p:txBody>
-          <a:bodyPr/>
-          <a:lstStyle/>
-          <a:p>
-            <a:fld id="{BB7604C3-A478-448A-88D6-07EFA8665C1F}" type="datetime1">
-              <a:rPr lang="de-DE" smtClean="0"/>
-              <a:t>07.11.2021</a:t>
-            </a:fld>
-            <a:endParaRPr lang="en-US"/>
-          </a:p>
-        </p:txBody>
-      </p:sp>
-      <p:sp>
-        <p:nvSpPr>
-          <p:cNvPr id="5" name="Fußzeilenplatzhalter 4">
-            <a:extLst>
-              <a:ext uri="{FF2B5EF4-FFF2-40B4-BE49-F238E27FC236}">
-                <a16:creationId xmlns:a16="http://schemas.microsoft.com/office/drawing/2014/main" id="{6987783A-1F70-47FB-8650-215BADB0D895}"/>
-              </a:ext>
-            </a:extLst>
-          </p:cNvPr>
-          <p:cNvSpPr>
-            <a:spLocks noGrp="1"/>
-          </p:cNvSpPr>
-          <p:nvPr>
-            <p:ph type="ftr" sz="quarter" idx="11"/>
-          </p:nvPr>
-        </p:nvSpPr>
-        <p:spPr/>
-        <p:txBody>
-          <a:bodyPr/>
-          <a:lstStyle/>
-          <a:p>
-            <a:pPr algn="ctr"/>
-            <a:r>
-              <a:rPr lang="en-US"/>
-              <a:t>Benjamin Swarovsky</a:t>
-            </a:r>
-            <a:endParaRPr lang="en-US" dirty="0"/>
-          </a:p>
-        </p:txBody>
-      </p:sp>
-      <p:sp>
-        <p:nvSpPr>
-          <p:cNvPr id="6" name="Foliennummernplatzhalter 5">
-            <a:extLst>
-              <a:ext uri="{FF2B5EF4-FFF2-40B4-BE49-F238E27FC236}">
-                <a16:creationId xmlns:a16="http://schemas.microsoft.com/office/drawing/2014/main" id="{EDFC56A4-BEFD-4224-A109-1FFEDB0D2EF9}"/>
-              </a:ext>
-            </a:extLst>
-          </p:cNvPr>
-          <p:cNvSpPr>
-            <a:spLocks noGrp="1"/>
-          </p:cNvSpPr>
-          <p:nvPr>
-            <p:ph type="sldNum" sz="quarter" idx="12"/>
-          </p:nvPr>
-        </p:nvSpPr>
-        <p:spPr/>
-        <p:txBody>
-          <a:bodyPr/>
-          <a:lstStyle/>
-          <a:p>
-            <a:fld id="{6D22F896-40B5-4ADD-8801-0D06FADFA095}" type="slidenum">
-              <a:rPr lang="en-US" smtClean="0"/>
-              <a:t>13</a:t>
-            </a:fld>
-            <a:endParaRPr lang="en-US"/>
-          </a:p>
-        </p:txBody>
-      </p:sp>
-    </p:spTree>
-    <p:extLst>
-      <p:ext uri="{BB962C8B-B14F-4D97-AF65-F5344CB8AC3E}">
-        <p14:creationId xmlns:p14="http://schemas.microsoft.com/office/powerpoint/2010/main" val="3890433654"/>
-      </p:ext>
-    </p:extLst>
-  </p:cSld>
-  <p:clrMapOvr>
-    <a:masterClrMapping/>
-  </p:clrMapOvr>
-</p:sld>
-</file>
-
-<file path=ppt/slides/slide14.xml><?xml version="1.0" encoding="utf-8"?>
-<p:sld xmlns:a="http://schemas.openxmlformats.org/drawingml/2006/main" xmlns:r="http://schemas.openxmlformats.org/officeDocument/2006/relationships" xmlns:p="http://schemas.openxmlformats.org/presentationml/2006/main">
-  <p:cSld>
-    <p:spTree>
-      <p:nvGrpSpPr>
-        <p:cNvPr id="1" name=""/>
-        <p:cNvGrpSpPr/>
-        <p:nvPr/>
-      </p:nvGrpSpPr>
-      <p:grpSpPr>
-        <a:xfrm>
-          <a:off x="0" y="0"/>
-          <a:ext cx="0" cy="0"/>
-          <a:chOff x="0" y="0"/>
-          <a:chExt cx="0" cy="0"/>
-        </a:xfrm>
-      </p:grpSpPr>
-      <p:sp>
-        <p:nvSpPr>
-          <p:cNvPr id="2" name="Titel 1">
-            <a:extLst>
-              <a:ext uri="{FF2B5EF4-FFF2-40B4-BE49-F238E27FC236}">
                 <a16:creationId xmlns:a16="http://schemas.microsoft.com/office/drawing/2014/main" id="{17CF2BED-4F3F-494E-91EE-7E323438FA7F}"/>
               </a:ext>
             </a:extLst>
@@ -8894,7 +8268,7 @@
           <a:p>
             <a:fld id="{BB7604C3-A478-448A-88D6-07EFA8665C1F}" type="datetime1">
               <a:rPr lang="de-DE" smtClean="0"/>
-              <a:t>07.11.2021</a:t>
+              <a:t>08.11.2021</a:t>
             </a:fld>
             <a:endParaRPr lang="en-US"/>
           </a:p>
@@ -8953,7 +8327,7 @@
           <a:p>
             <a:fld id="{6D22F896-40B5-4ADD-8801-0D06FADFA095}" type="slidenum">
               <a:rPr lang="en-US" smtClean="0"/>
-              <a:t>14</a:t>
+              <a:t>13</a:t>
             </a:fld>
             <a:endParaRPr lang="en-US"/>
           </a:p>
@@ -9015,7 +8389,7 @@
         <p:spPr>
           <a:xfrm>
             <a:off x="4871001" y="5520265"/>
-            <a:ext cx="2144291" cy="400110"/>
+            <a:ext cx="2144291" cy="246221"/>
           </a:xfrm>
           <a:prstGeom prst="rect">
             <a:avLst/>
@@ -9027,12 +8401,6 @@
             <a:spAutoFit/>
           </a:bodyPr>
           <a:lstStyle/>
-          <a:p>
-            <a:r>
-              <a:rPr lang="en-GB" sz="1000" dirty="0"/>
-              <a:t>Eureka Dashboard</a:t>
-            </a:r>
-          </a:p>
           <a:p>
             <a:r>
               <a:rPr lang="en-GB" sz="1000" dirty="0"/>
@@ -9223,6 +8591,78 @@
                       </p:childTnLst>
                     </p:cTn>
                   </p:par>
+                  <p:par>
+                    <p:cTn id="15" fill="hold">
+                      <p:stCondLst>
+                        <p:cond delay="indefinite"/>
+                      </p:stCondLst>
+                      <p:childTnLst>
+                        <p:par>
+                          <p:cTn id="16" fill="hold">
+                            <p:stCondLst>
+                              <p:cond delay="0"/>
+                            </p:stCondLst>
+                            <p:childTnLst>
+                              <p:par>
+                                <p:cTn id="17" presetID="1" presetClass="entr" presetSubtype="0" fill="hold" nodeType="clickEffect">
+                                  <p:stCondLst>
+                                    <p:cond delay="0"/>
+                                  </p:stCondLst>
+                                  <p:childTnLst>
+                                    <p:set>
+                                      <p:cBhvr>
+                                        <p:cTn id="18" dur="1" fill="hold">
+                                          <p:stCondLst>
+                                            <p:cond delay="0"/>
+                                          </p:stCondLst>
+                                        </p:cTn>
+                                        <p:tgtEl>
+                                          <p:spTgt spid="7"/>
+                                        </p:tgtEl>
+                                        <p:attrNameLst>
+                                          <p:attrName>style.visibility</p:attrName>
+                                        </p:attrNameLst>
+                                      </p:cBhvr>
+                                      <p:to>
+                                        <p:strVal val="visible"/>
+                                      </p:to>
+                                    </p:set>
+                                  </p:childTnLst>
+                                </p:cTn>
+                              </p:par>
+                              <p:par>
+                                <p:cTn id="19" presetID="1" presetClass="entr" presetSubtype="0" fill="hold" grpId="0" nodeType="withEffect">
+                                  <p:stCondLst>
+                                    <p:cond delay="0"/>
+                                  </p:stCondLst>
+                                  <p:childTnLst>
+                                    <p:set>
+                                      <p:cBhvr>
+                                        <p:cTn id="20" dur="1" fill="hold">
+                                          <p:stCondLst>
+                                            <p:cond delay="0"/>
+                                          </p:stCondLst>
+                                        </p:cTn>
+                                        <p:tgtEl>
+                                          <p:spTgt spid="8"/>
+                                        </p:tgtEl>
+                                        <p:attrNameLst>
+                                          <p:attrName>style.visibility</p:attrName>
+                                        </p:attrNameLst>
+                                      </p:cBhvr>
+                                      <p:to>
+                                        <p:strVal val="visible"/>
+                                      </p:to>
+                                    </p:set>
+                                  </p:childTnLst>
+                                </p:cTn>
+                              </p:par>
+                            </p:childTnLst>
+                          </p:cTn>
+                        </p:par>
+                      </p:childTnLst>
+                    </p:cTn>
+                  </p:par>
                 </p:childTnLst>
               </p:cTn>
               <p:prevCondLst>
@@ -9244,6 +8684,951 @@
         </p:cTn>
       </p:par>
     </p:tnLst>
+    <p:bldLst>
+      <p:bldP spid="8" grpId="0"/>
+    </p:bldLst>
+  </p:timing>
+</p:sld>
+</file>
+
+<file path=ppt/slides/slide14.xml><?xml version="1.0" encoding="utf-8"?>
+<p:sld xmlns:a="http://schemas.openxmlformats.org/drawingml/2006/main" xmlns:r="http://schemas.openxmlformats.org/officeDocument/2006/relationships" xmlns:p="http://schemas.openxmlformats.org/presentationml/2006/main">
+  <p:cSld>
+    <p:spTree>
+      <p:nvGrpSpPr>
+        <p:cNvPr id="1" name=""/>
+        <p:cNvGrpSpPr/>
+        <p:nvPr/>
+      </p:nvGrpSpPr>
+      <p:grpSpPr>
+        <a:xfrm>
+          <a:off x="0" y="0"/>
+          <a:ext cx="0" cy="0"/>
+          <a:chOff x="0" y="0"/>
+          <a:chExt cx="0" cy="0"/>
+        </a:xfrm>
+      </p:grpSpPr>
+      <p:sp>
+        <p:nvSpPr>
+          <p:cNvPr id="2" name="Titel 1">
+            <a:extLst>
+              <a:ext uri="{FF2B5EF4-FFF2-40B4-BE49-F238E27FC236}">
+                <a16:creationId xmlns:a16="http://schemas.microsoft.com/office/drawing/2014/main" id="{B239AC1F-FD3E-4C2A-AB36-1E0EB6A237CF}"/>
+              </a:ext>
+            </a:extLst>
+          </p:cNvPr>
+          <p:cNvSpPr>
+            <a:spLocks noGrp="1"/>
+          </p:cNvSpPr>
+          <p:nvPr>
+            <p:ph type="title"/>
+          </p:nvPr>
+        </p:nvSpPr>
+        <p:spPr/>
+        <p:txBody>
+          <a:bodyPr/>
+          <a:lstStyle/>
+          <a:p>
+            <a:r>
+              <a:rPr lang="de-DE" dirty="0"/>
+              <a:t>Service Discovery - Implementierung (Eureka-Server)</a:t>
+            </a:r>
+          </a:p>
+        </p:txBody>
+      </p:sp>
+      <p:sp>
+        <p:nvSpPr>
+          <p:cNvPr id="3" name="Inhaltsplatzhalter 2">
+            <a:extLst>
+              <a:ext uri="{FF2B5EF4-FFF2-40B4-BE49-F238E27FC236}">
+                <a16:creationId xmlns:a16="http://schemas.microsoft.com/office/drawing/2014/main" id="{D45A52AF-2CE8-4B0F-8F21-A2B387FACE1E}"/>
+              </a:ext>
+            </a:extLst>
+          </p:cNvPr>
+          <p:cNvSpPr>
+            <a:spLocks noGrp="1"/>
+          </p:cNvSpPr>
+          <p:nvPr>
+            <p:ph idx="1"/>
+          </p:nvPr>
+        </p:nvSpPr>
+        <p:spPr>
+          <a:xfrm>
+            <a:off x="1614650" y="2331868"/>
+            <a:ext cx="7709973" cy="1715910"/>
+          </a:xfrm>
+        </p:spPr>
+        <p:txBody>
+          <a:bodyPr>
+            <a:normAutofit fontScale="70000" lnSpcReduction="20000"/>
+          </a:bodyPr>
+          <a:lstStyle/>
+          <a:p>
+            <a:r>
+              <a:rPr lang="de-DE" dirty="0">
+                <a:latin typeface="Arial" panose="020B0604020202020204" pitchFamily="34" charset="0"/>
+                <a:ea typeface="Calibri" panose="020F0502020204030204" pitchFamily="34" charset="0"/>
+                <a:cs typeface="Times New Roman" panose="02020603050405020304" pitchFamily="18" charset="0"/>
+              </a:rPr>
+              <a:t>Spring Boot Projekt </a:t>
+            </a:r>
+          </a:p>
+          <a:p>
+            <a:r>
+              <a:rPr lang="de-DE" dirty="0">
+                <a:effectLst/>
+                <a:latin typeface="Arial" panose="020B0604020202020204" pitchFamily="34" charset="0"/>
+                <a:ea typeface="Calibri" panose="020F0502020204030204" pitchFamily="34" charset="0"/>
+                <a:cs typeface="Times New Roman" panose="02020603050405020304" pitchFamily="18" charset="0"/>
+              </a:rPr>
+              <a:t>Annotation @EnableEurekaServer in Main-Klasse</a:t>
+            </a:r>
+          </a:p>
+          <a:p>
+            <a:r>
+              <a:rPr lang="de-DE" dirty="0">
+                <a:effectLst/>
+                <a:latin typeface="Arial" panose="020B0604020202020204" pitchFamily="34" charset="0"/>
+                <a:ea typeface="Calibri" panose="020F0502020204030204" pitchFamily="34" charset="0"/>
+                <a:cs typeface="Times New Roman" panose="02020603050405020304" pitchFamily="18" charset="0"/>
+              </a:rPr>
+              <a:t>Abhängigkeit spring-</a:t>
+            </a:r>
+            <a:r>
+              <a:rPr lang="de-DE" dirty="0" err="1">
+                <a:effectLst/>
+                <a:latin typeface="Arial" panose="020B0604020202020204" pitchFamily="34" charset="0"/>
+                <a:ea typeface="Calibri" panose="020F0502020204030204" pitchFamily="34" charset="0"/>
+                <a:cs typeface="Times New Roman" panose="02020603050405020304" pitchFamily="18" charset="0"/>
+              </a:rPr>
+              <a:t>cloud</a:t>
+            </a:r>
+            <a:r>
+              <a:rPr lang="de-DE" dirty="0">
+                <a:effectLst/>
+                <a:latin typeface="Arial" panose="020B0604020202020204" pitchFamily="34" charset="0"/>
+                <a:ea typeface="Calibri" panose="020F0502020204030204" pitchFamily="34" charset="0"/>
+                <a:cs typeface="Times New Roman" panose="02020603050405020304" pitchFamily="18" charset="0"/>
+              </a:rPr>
+              <a:t>-starter-</a:t>
+            </a:r>
+            <a:r>
+              <a:rPr lang="de-DE" dirty="0" err="1">
+                <a:effectLst/>
+                <a:latin typeface="Arial" panose="020B0604020202020204" pitchFamily="34" charset="0"/>
+                <a:ea typeface="Calibri" panose="020F0502020204030204" pitchFamily="34" charset="0"/>
+                <a:cs typeface="Times New Roman" panose="02020603050405020304" pitchFamily="18" charset="0"/>
+              </a:rPr>
+              <a:t>netflix</a:t>
+            </a:r>
+            <a:r>
+              <a:rPr lang="de-DE" dirty="0">
+                <a:effectLst/>
+                <a:latin typeface="Arial" panose="020B0604020202020204" pitchFamily="34" charset="0"/>
+                <a:ea typeface="Calibri" panose="020F0502020204030204" pitchFamily="34" charset="0"/>
+                <a:cs typeface="Times New Roman" panose="02020603050405020304" pitchFamily="18" charset="0"/>
+              </a:rPr>
+              <a:t>-</a:t>
+            </a:r>
+            <a:r>
+              <a:rPr lang="de-DE" dirty="0" err="1">
+                <a:effectLst/>
+                <a:latin typeface="Arial" panose="020B0604020202020204" pitchFamily="34" charset="0"/>
+                <a:ea typeface="Calibri" panose="020F0502020204030204" pitchFamily="34" charset="0"/>
+                <a:cs typeface="Times New Roman" panose="02020603050405020304" pitchFamily="18" charset="0"/>
+              </a:rPr>
+              <a:t>eureka</a:t>
+            </a:r>
+            <a:r>
+              <a:rPr lang="de-DE" dirty="0">
+                <a:effectLst/>
+                <a:latin typeface="Arial" panose="020B0604020202020204" pitchFamily="34" charset="0"/>
+                <a:ea typeface="Calibri" panose="020F0502020204030204" pitchFamily="34" charset="0"/>
+                <a:cs typeface="Times New Roman" panose="02020603050405020304" pitchFamily="18" charset="0"/>
+              </a:rPr>
+              <a:t>-server in pom.xml</a:t>
+            </a:r>
+          </a:p>
+          <a:p>
+            <a:pPr marL="0" indent="0">
+              <a:lnSpc>
+                <a:spcPct val="220000"/>
+              </a:lnSpc>
+              <a:buNone/>
+            </a:pPr>
+            <a:r>
+              <a:rPr lang="de-DE" dirty="0" err="1"/>
+              <a:t>application.properties</a:t>
+            </a:r>
+            <a:r>
+              <a:rPr lang="de-DE" dirty="0"/>
+              <a:t> </a:t>
+            </a:r>
+          </a:p>
+        </p:txBody>
+      </p:sp>
+      <p:sp>
+        <p:nvSpPr>
+          <p:cNvPr id="4" name="Datumsplatzhalter 3">
+            <a:extLst>
+              <a:ext uri="{FF2B5EF4-FFF2-40B4-BE49-F238E27FC236}">
+                <a16:creationId xmlns:a16="http://schemas.microsoft.com/office/drawing/2014/main" id="{7845BC14-2D1A-40CC-8839-CF8D8CC43F99}"/>
+              </a:ext>
+            </a:extLst>
+          </p:cNvPr>
+          <p:cNvSpPr>
+            <a:spLocks noGrp="1"/>
+          </p:cNvSpPr>
+          <p:nvPr>
+            <p:ph type="dt" sz="half" idx="10"/>
+          </p:nvPr>
+        </p:nvSpPr>
+        <p:spPr/>
+        <p:txBody>
+          <a:bodyPr/>
+          <a:lstStyle/>
+          <a:p>
+            <a:fld id="{BB7604C3-A478-448A-88D6-07EFA8665C1F}" type="datetime1">
+              <a:rPr lang="de-DE" smtClean="0"/>
+              <a:t>08.11.2021</a:t>
+            </a:fld>
+            <a:endParaRPr lang="en-US"/>
+          </a:p>
+        </p:txBody>
+      </p:sp>
+      <p:sp>
+        <p:nvSpPr>
+          <p:cNvPr id="5" name="Fußzeilenplatzhalter 4">
+            <a:extLst>
+              <a:ext uri="{FF2B5EF4-FFF2-40B4-BE49-F238E27FC236}">
+                <a16:creationId xmlns:a16="http://schemas.microsoft.com/office/drawing/2014/main" id="{F1C5999E-6C68-4295-BBEB-B308FC41D7A9}"/>
+              </a:ext>
+            </a:extLst>
+          </p:cNvPr>
+          <p:cNvSpPr>
+            <a:spLocks noGrp="1"/>
+          </p:cNvSpPr>
+          <p:nvPr>
+            <p:ph type="ftr" sz="quarter" idx="11"/>
+          </p:nvPr>
+        </p:nvSpPr>
+        <p:spPr/>
+        <p:txBody>
+          <a:bodyPr/>
+          <a:lstStyle/>
+          <a:p>
+            <a:pPr algn="ctr"/>
+            <a:r>
+              <a:rPr lang="en-US"/>
+              <a:t>Benjamin Swarovsky</a:t>
+            </a:r>
+            <a:endParaRPr lang="en-US" dirty="0"/>
+          </a:p>
+        </p:txBody>
+      </p:sp>
+      <p:sp>
+        <p:nvSpPr>
+          <p:cNvPr id="6" name="Foliennummernplatzhalter 5">
+            <a:extLst>
+              <a:ext uri="{FF2B5EF4-FFF2-40B4-BE49-F238E27FC236}">
+                <a16:creationId xmlns:a16="http://schemas.microsoft.com/office/drawing/2014/main" id="{46BD750B-F73E-42D5-A36A-AF829A2FA745}"/>
+              </a:ext>
+            </a:extLst>
+          </p:cNvPr>
+          <p:cNvSpPr>
+            <a:spLocks noGrp="1"/>
+          </p:cNvSpPr>
+          <p:nvPr>
+            <p:ph type="sldNum" sz="quarter" idx="12"/>
+          </p:nvPr>
+        </p:nvSpPr>
+        <p:spPr/>
+        <p:txBody>
+          <a:bodyPr/>
+          <a:lstStyle/>
+          <a:p>
+            <a:fld id="{6D22F896-40B5-4ADD-8801-0D06FADFA095}" type="slidenum">
+              <a:rPr lang="en-US" smtClean="0"/>
+              <a:t>14</a:t>
+            </a:fld>
+            <a:endParaRPr lang="en-US"/>
+          </a:p>
+        </p:txBody>
+      </p:sp>
+      <p:pic>
+        <p:nvPicPr>
+          <p:cNvPr id="8" name="Grafik 7" descr="Ein Bild, das Text enthält.&#10;&#10;Automatisch generierte Beschreibung">
+            <a:extLst>
+              <a:ext uri="{FF2B5EF4-FFF2-40B4-BE49-F238E27FC236}">
+                <a16:creationId xmlns:a16="http://schemas.microsoft.com/office/drawing/2014/main" id="{E0B94D53-0D48-4561-8FF7-F3A379452EB6}"/>
+              </a:ext>
+            </a:extLst>
+          </p:cNvPr>
+          <p:cNvPicPr>
+            <a:picLocks noChangeAspect="1"/>
+          </p:cNvPicPr>
+          <p:nvPr/>
+        </p:nvPicPr>
+        <p:blipFill>
+          <a:blip r:embed="rId2"/>
+          <a:stretch>
+            <a:fillRect/>
+          </a:stretch>
+        </p:blipFill>
+        <p:spPr>
+          <a:xfrm>
+            <a:off x="1710361" y="4091494"/>
+            <a:ext cx="7278723" cy="1862945"/>
+          </a:xfrm>
+          <a:prstGeom prst="rect">
+            <a:avLst/>
+          </a:prstGeom>
+        </p:spPr>
+      </p:pic>
+      <p:sp>
+        <p:nvSpPr>
+          <p:cNvPr id="12" name="Textfeld 11">
+            <a:extLst>
+              <a:ext uri="{FF2B5EF4-FFF2-40B4-BE49-F238E27FC236}">
+                <a16:creationId xmlns:a16="http://schemas.microsoft.com/office/drawing/2014/main" id="{85A72CA2-3B16-475F-A582-39BC79F742F4}"/>
+              </a:ext>
+            </a:extLst>
+          </p:cNvPr>
+          <p:cNvSpPr txBox="1"/>
+          <p:nvPr/>
+        </p:nvSpPr>
+        <p:spPr>
+          <a:xfrm>
+            <a:off x="1614650" y="5980772"/>
+            <a:ext cx="2144291" cy="246221"/>
+          </a:xfrm>
+          <a:prstGeom prst="rect">
+            <a:avLst/>
+          </a:prstGeom>
+          <a:noFill/>
+        </p:spPr>
+        <p:txBody>
+          <a:bodyPr wrap="square" rtlCol="0">
+            <a:spAutoFit/>
+          </a:bodyPr>
+          <a:lstStyle/>
+          <a:p>
+            <a:r>
+              <a:rPr lang="en-GB" sz="1000" dirty="0"/>
+              <a:t>Quelle</a:t>
+            </a:r>
+            <a:r>
+              <a:rPr lang="de-DE" sz="1000" dirty="0"/>
+              <a:t>: </a:t>
+            </a:r>
+            <a:r>
+              <a:rPr lang="en-GB" sz="1000" dirty="0" err="1"/>
+              <a:t>eigene</a:t>
+            </a:r>
+            <a:r>
+              <a:rPr lang="en-GB" sz="1000" dirty="0"/>
+              <a:t> </a:t>
+            </a:r>
+            <a:r>
+              <a:rPr lang="en-GB" sz="1000" dirty="0" err="1"/>
+              <a:t>Darstellung</a:t>
+            </a:r>
+            <a:endParaRPr lang="de-DE" sz="1000" dirty="0"/>
+          </a:p>
+        </p:txBody>
+      </p:sp>
+      <p:pic>
+        <p:nvPicPr>
+          <p:cNvPr id="9" name="Grafik 8">
+            <a:extLst>
+              <a:ext uri="{FF2B5EF4-FFF2-40B4-BE49-F238E27FC236}">
+                <a16:creationId xmlns:a16="http://schemas.microsoft.com/office/drawing/2014/main" id="{475E4BF3-461A-45D7-8A75-89A5AF7504A4}"/>
+              </a:ext>
+            </a:extLst>
+          </p:cNvPr>
+          <p:cNvPicPr>
+            <a:picLocks noChangeAspect="1"/>
+          </p:cNvPicPr>
+          <p:nvPr/>
+        </p:nvPicPr>
+        <p:blipFill>
+          <a:blip r:embed="rId3">
+            <a:extLst>
+              <a:ext uri="{96DAC541-7B7A-43D3-8B79-37D633B846F1}">
+                <asvg:svgBlip xmlns:asvg="http://schemas.microsoft.com/office/drawing/2016/SVG/main" r:embed="rId4"/>
+              </a:ext>
+            </a:extLst>
+          </a:blip>
+          <a:stretch>
+            <a:fillRect/>
+          </a:stretch>
+        </p:blipFill>
+        <p:spPr>
+          <a:xfrm>
+            <a:off x="7619384" y="2202545"/>
+            <a:ext cx="1429692" cy="366879"/>
+          </a:xfrm>
+          <a:prstGeom prst="rect">
+            <a:avLst/>
+          </a:prstGeom>
+        </p:spPr>
+      </p:pic>
+      <p:sp>
+        <p:nvSpPr>
+          <p:cNvPr id="10" name="Textfeld 9">
+            <a:extLst>
+              <a:ext uri="{FF2B5EF4-FFF2-40B4-BE49-F238E27FC236}">
+                <a16:creationId xmlns:a16="http://schemas.microsoft.com/office/drawing/2014/main" id="{12802924-A0BD-4EEE-98F4-283943A55C4A}"/>
+              </a:ext>
+            </a:extLst>
+          </p:cNvPr>
+          <p:cNvSpPr txBox="1"/>
+          <p:nvPr/>
+        </p:nvSpPr>
+        <p:spPr>
+          <a:xfrm>
+            <a:off x="7565341" y="2569424"/>
+            <a:ext cx="3416410" cy="400110"/>
+          </a:xfrm>
+          <a:prstGeom prst="rect">
+            <a:avLst/>
+          </a:prstGeom>
+          <a:noFill/>
+        </p:spPr>
+        <p:txBody>
+          <a:bodyPr wrap="square" rtlCol="0">
+            <a:spAutoFit/>
+          </a:bodyPr>
+          <a:lstStyle/>
+          <a:p>
+            <a:r>
+              <a:rPr lang="de-DE" sz="1000" dirty="0"/>
+              <a:t>Quelle: spring.io, https://spring.io/projects/spring-boot (06.11.2021)</a:t>
+            </a:r>
+          </a:p>
+        </p:txBody>
+      </p:sp>
+      <p:pic>
+        <p:nvPicPr>
+          <p:cNvPr id="11" name="Grafik 10" descr="Ein Bild, das Text enthält.&#10;&#10;Automatisch generierte Beschreibung">
+            <a:extLst>
+              <a:ext uri="{FF2B5EF4-FFF2-40B4-BE49-F238E27FC236}">
+                <a16:creationId xmlns:a16="http://schemas.microsoft.com/office/drawing/2014/main" id="{80CF1053-9B2F-4752-B055-4B0DB5C4CB8E}"/>
+              </a:ext>
+            </a:extLst>
+          </p:cNvPr>
+          <p:cNvPicPr>
+            <a:picLocks noChangeAspect="1"/>
+          </p:cNvPicPr>
+          <p:nvPr/>
+        </p:nvPicPr>
+        <p:blipFill>
+          <a:blip r:embed="rId5"/>
+          <a:stretch>
+            <a:fillRect/>
+          </a:stretch>
+        </p:blipFill>
+        <p:spPr>
+          <a:xfrm>
+            <a:off x="7620889" y="3177981"/>
+            <a:ext cx="1092962" cy="308660"/>
+          </a:xfrm>
+          <a:prstGeom prst="rect">
+            <a:avLst/>
+          </a:prstGeom>
+        </p:spPr>
+      </p:pic>
+      <p:sp>
+        <p:nvSpPr>
+          <p:cNvPr id="13" name="Textfeld 12">
+            <a:extLst>
+              <a:ext uri="{FF2B5EF4-FFF2-40B4-BE49-F238E27FC236}">
+                <a16:creationId xmlns:a16="http://schemas.microsoft.com/office/drawing/2014/main" id="{F6FA4B97-92BE-4DD3-8E69-CA980509913C}"/>
+              </a:ext>
+            </a:extLst>
+          </p:cNvPr>
+          <p:cNvSpPr txBox="1"/>
+          <p:nvPr/>
+        </p:nvSpPr>
+        <p:spPr>
+          <a:xfrm>
+            <a:off x="7522058" y="3515751"/>
+            <a:ext cx="3238189" cy="400110"/>
+          </a:xfrm>
+          <a:prstGeom prst="rect">
+            <a:avLst/>
+          </a:prstGeom>
+          <a:noFill/>
+        </p:spPr>
+        <p:txBody>
+          <a:bodyPr wrap="square" rtlCol="0">
+            <a:spAutoFit/>
+          </a:bodyPr>
+          <a:lstStyle/>
+          <a:p>
+            <a:r>
+              <a:rPr lang="de-DE" sz="1000" dirty="0"/>
+              <a:t>Quelle: Maven, https://maven.apache.org/ (06.11.2021)</a:t>
+            </a:r>
+          </a:p>
+        </p:txBody>
+      </p:sp>
+    </p:spTree>
+    <p:extLst>
+      <p:ext uri="{BB962C8B-B14F-4D97-AF65-F5344CB8AC3E}">
+        <p14:creationId xmlns:p14="http://schemas.microsoft.com/office/powerpoint/2010/main" val="2186707419"/>
+      </p:ext>
+    </p:extLst>
+  </p:cSld>
+  <p:clrMapOvr>
+    <a:masterClrMapping/>
+  </p:clrMapOvr>
+  <p:timing>
+    <p:tnLst>
+      <p:par>
+        <p:cTn id="1" dur="indefinite" restart="never" nodeType="tmRoot">
+          <p:childTnLst>
+            <p:seq concurrent="1" nextAc="seek">
+              <p:cTn id="2" dur="indefinite" nodeType="mainSeq">
+                <p:childTnLst>
+                  <p:par>
+                    <p:cTn id="3" fill="hold">
+                      <p:stCondLst>
+                        <p:cond delay="indefinite"/>
+                      </p:stCondLst>
+                      <p:childTnLst>
+                        <p:par>
+                          <p:cTn id="4" fill="hold">
+                            <p:stCondLst>
+                              <p:cond delay="0"/>
+                            </p:stCondLst>
+                            <p:childTnLst>
+                              <p:par>
+                                <p:cTn id="5" presetID="1" presetClass="entr" presetSubtype="0" fill="hold" nodeType="clickEffect">
+                                  <p:stCondLst>
+                                    <p:cond delay="0"/>
+                                  </p:stCondLst>
+                                  <p:childTnLst>
+                                    <p:set>
+                                      <p:cBhvr>
+                                        <p:cTn id="6" dur="1" fill="hold">
+                                          <p:stCondLst>
+                                            <p:cond delay="0"/>
+                                          </p:stCondLst>
+                                        </p:cTn>
+                                        <p:tgtEl>
+                                          <p:spTgt spid="3">
+                                            <p:txEl>
+                                              <p:pRg st="0" end="0"/>
+                                            </p:txEl>
+                                          </p:spTgt>
+                                        </p:tgtEl>
+                                        <p:attrNameLst>
+                                          <p:attrName>style.visibility</p:attrName>
+                                        </p:attrNameLst>
+                                      </p:cBhvr>
+                                      <p:to>
+                                        <p:strVal val="visible"/>
+                                      </p:to>
+                                    </p:set>
+                                  </p:childTnLst>
+                                </p:cTn>
+                              </p:par>
+                            </p:childTnLst>
+                          </p:cTn>
+                        </p:par>
+                      </p:childTnLst>
+                    </p:cTn>
+                  </p:par>
+                  <p:par>
+                    <p:cTn id="7" fill="hold">
+                      <p:stCondLst>
+                        <p:cond delay="indefinite"/>
+                      </p:stCondLst>
+                      <p:childTnLst>
+                        <p:par>
+                          <p:cTn id="8" fill="hold">
+                            <p:stCondLst>
+                              <p:cond delay="0"/>
+                            </p:stCondLst>
+                            <p:childTnLst>
+                              <p:par>
+                                <p:cTn id="9" presetID="1" presetClass="entr" presetSubtype="0" fill="hold" nodeType="clickEffect">
+                                  <p:stCondLst>
+                                    <p:cond delay="0"/>
+                                  </p:stCondLst>
+                                  <p:childTnLst>
+                                    <p:set>
+                                      <p:cBhvr>
+                                        <p:cTn id="10" dur="1" fill="hold">
+                                          <p:stCondLst>
+                                            <p:cond delay="0"/>
+                                          </p:stCondLst>
+                                        </p:cTn>
+                                        <p:tgtEl>
+                                          <p:spTgt spid="9"/>
+                                        </p:tgtEl>
+                                        <p:attrNameLst>
+                                          <p:attrName>style.visibility</p:attrName>
+                                        </p:attrNameLst>
+                                      </p:cBhvr>
+                                      <p:to>
+                                        <p:strVal val="visible"/>
+                                      </p:to>
+                                    </p:set>
+                                  </p:childTnLst>
+                                </p:cTn>
+                              </p:par>
+                              <p:par>
+                                <p:cTn id="11" presetID="1" presetClass="entr" presetSubtype="0" fill="hold" grpId="0" nodeType="withEffect">
+                                  <p:stCondLst>
+                                    <p:cond delay="0"/>
+                                  </p:stCondLst>
+                                  <p:childTnLst>
+                                    <p:set>
+                                      <p:cBhvr>
+                                        <p:cTn id="12" dur="1" fill="hold">
+                                          <p:stCondLst>
+                                            <p:cond delay="0"/>
+                                          </p:stCondLst>
+                                        </p:cTn>
+                                        <p:tgtEl>
+                                          <p:spTgt spid="10"/>
+                                        </p:tgtEl>
+                                        <p:attrNameLst>
+                                          <p:attrName>style.visibility</p:attrName>
+                                        </p:attrNameLst>
+                                      </p:cBhvr>
+                                      <p:to>
+                                        <p:strVal val="visible"/>
+                                      </p:to>
+                                    </p:set>
+                                  </p:childTnLst>
+                                </p:cTn>
+                              </p:par>
+                            </p:childTnLst>
+                          </p:cTn>
+                        </p:par>
+                      </p:childTnLst>
+                    </p:cTn>
+                  </p:par>
+                  <p:par>
+                    <p:cTn id="13" fill="hold">
+                      <p:stCondLst>
+                        <p:cond delay="indefinite"/>
+                      </p:stCondLst>
+                      <p:childTnLst>
+                        <p:par>
+                          <p:cTn id="14" fill="hold">
+                            <p:stCondLst>
+                              <p:cond delay="0"/>
+                            </p:stCondLst>
+                            <p:childTnLst>
+                              <p:par>
+                                <p:cTn id="15" presetID="1" presetClass="entr" presetSubtype="0" fill="hold" nodeType="clickEffect">
+                                  <p:stCondLst>
+                                    <p:cond delay="0"/>
+                                  </p:stCondLst>
+                                  <p:childTnLst>
+                                    <p:set>
+                                      <p:cBhvr>
+                                        <p:cTn id="16" dur="1" fill="hold">
+                                          <p:stCondLst>
+                                            <p:cond delay="0"/>
+                                          </p:stCondLst>
+                                        </p:cTn>
+                                        <p:tgtEl>
+                                          <p:spTgt spid="3">
+                                            <p:txEl>
+                                              <p:pRg st="1" end="1"/>
+                                            </p:txEl>
+                                          </p:spTgt>
+                                        </p:tgtEl>
+                                        <p:attrNameLst>
+                                          <p:attrName>style.visibility</p:attrName>
+                                        </p:attrNameLst>
+                                      </p:cBhvr>
+                                      <p:to>
+                                        <p:strVal val="visible"/>
+                                      </p:to>
+                                    </p:set>
+                                  </p:childTnLst>
+                                </p:cTn>
+                              </p:par>
+                            </p:childTnLst>
+                          </p:cTn>
+                        </p:par>
+                      </p:childTnLst>
+                    </p:cTn>
+                  </p:par>
+                  <p:par>
+                    <p:cTn id="17" fill="hold">
+                      <p:stCondLst>
+                        <p:cond delay="indefinite"/>
+                      </p:stCondLst>
+                      <p:childTnLst>
+                        <p:par>
+                          <p:cTn id="18" fill="hold">
+                            <p:stCondLst>
+                              <p:cond delay="0"/>
+                            </p:stCondLst>
+                            <p:childTnLst>
+                              <p:par>
+                                <p:cTn id="19" presetID="1" presetClass="entr" presetSubtype="0" fill="hold" nodeType="clickEffect">
+                                  <p:stCondLst>
+                                    <p:cond delay="0"/>
+                                  </p:stCondLst>
+                                  <p:childTnLst>
+                                    <p:set>
+                                      <p:cBhvr>
+                                        <p:cTn id="20" dur="1" fill="hold">
+                                          <p:stCondLst>
+                                            <p:cond delay="0"/>
+                                          </p:stCondLst>
+                                        </p:cTn>
+                                        <p:tgtEl>
+                                          <p:spTgt spid="3">
+                                            <p:txEl>
+                                              <p:pRg st="2" end="2"/>
+                                            </p:txEl>
+                                          </p:spTgt>
+                                        </p:tgtEl>
+                                        <p:attrNameLst>
+                                          <p:attrName>style.visibility</p:attrName>
+                                        </p:attrNameLst>
+                                      </p:cBhvr>
+                                      <p:to>
+                                        <p:strVal val="visible"/>
+                                      </p:to>
+                                    </p:set>
+                                  </p:childTnLst>
+                                </p:cTn>
+                              </p:par>
+                            </p:childTnLst>
+                          </p:cTn>
+                        </p:par>
+                      </p:childTnLst>
+                    </p:cTn>
+                  </p:par>
+                  <p:par>
+                    <p:cTn id="21" fill="hold">
+                      <p:stCondLst>
+                        <p:cond delay="indefinite"/>
+                      </p:stCondLst>
+                      <p:childTnLst>
+                        <p:par>
+                          <p:cTn id="22" fill="hold">
+                            <p:stCondLst>
+                              <p:cond delay="0"/>
+                            </p:stCondLst>
+                            <p:childTnLst>
+                              <p:par>
+                                <p:cTn id="23" presetID="1" presetClass="entr" presetSubtype="0" fill="hold" nodeType="clickEffect">
+                                  <p:stCondLst>
+                                    <p:cond delay="0"/>
+                                  </p:stCondLst>
+                                  <p:childTnLst>
+                                    <p:set>
+                                      <p:cBhvr>
+                                        <p:cTn id="24" dur="1" fill="hold">
+                                          <p:stCondLst>
+                                            <p:cond delay="0"/>
+                                          </p:stCondLst>
+                                        </p:cTn>
+                                        <p:tgtEl>
+                                          <p:spTgt spid="11"/>
+                                        </p:tgtEl>
+                                        <p:attrNameLst>
+                                          <p:attrName>style.visibility</p:attrName>
+                                        </p:attrNameLst>
+                                      </p:cBhvr>
+                                      <p:to>
+                                        <p:strVal val="visible"/>
+                                      </p:to>
+                                    </p:set>
+                                  </p:childTnLst>
+                                </p:cTn>
+                              </p:par>
+                              <p:par>
+                                <p:cTn id="25" presetID="1" presetClass="entr" presetSubtype="0" fill="hold" grpId="0" nodeType="withEffect">
+                                  <p:stCondLst>
+                                    <p:cond delay="0"/>
+                                  </p:stCondLst>
+                                  <p:childTnLst>
+                                    <p:set>
+                                      <p:cBhvr>
+                                        <p:cTn id="26" dur="1" fill="hold">
+                                          <p:stCondLst>
+                                            <p:cond delay="0"/>
+                                          </p:stCondLst>
+                                        </p:cTn>
+                                        <p:tgtEl>
+                                          <p:spTgt spid="13"/>
+                                        </p:tgtEl>
+                                        <p:attrNameLst>
+                                          <p:attrName>style.visibility</p:attrName>
+                                        </p:attrNameLst>
+                                      </p:cBhvr>
+                                      <p:to>
+                                        <p:strVal val="visible"/>
+                                      </p:to>
+                                    </p:set>
+                                  </p:childTnLst>
+                                </p:cTn>
+                              </p:par>
+                            </p:childTnLst>
+                          </p:cTn>
+                        </p:par>
+                      </p:childTnLst>
+                    </p:cTn>
+                  </p:par>
+                  <p:par>
+                    <p:cTn id="27" fill="hold">
+                      <p:stCondLst>
+                        <p:cond delay="indefinite"/>
+                      </p:stCondLst>
+                      <p:childTnLst>
+                        <p:par>
+                          <p:cTn id="28" fill="hold">
+                            <p:stCondLst>
+                              <p:cond delay="0"/>
+                            </p:stCondLst>
+                            <p:childTnLst>
+                              <p:par>
+                                <p:cTn id="29" presetID="1" presetClass="entr" presetSubtype="0" fill="hold" nodeType="clickEffect">
+                                  <p:stCondLst>
+                                    <p:cond delay="0"/>
+                                  </p:stCondLst>
+                                  <p:childTnLst>
+                                    <p:set>
+                                      <p:cBhvr>
+                                        <p:cTn id="30" dur="1" fill="hold">
+                                          <p:stCondLst>
+                                            <p:cond delay="0"/>
+                                          </p:stCondLst>
+                                        </p:cTn>
+                                        <p:tgtEl>
+                                          <p:spTgt spid="3">
+                                            <p:txEl>
+                                              <p:pRg st="3" end="3"/>
+                                            </p:txEl>
+                                          </p:spTgt>
+                                        </p:tgtEl>
+                                        <p:attrNameLst>
+                                          <p:attrName>style.visibility</p:attrName>
+                                        </p:attrNameLst>
+                                      </p:cBhvr>
+                                      <p:to>
+                                        <p:strVal val="visible"/>
+                                      </p:to>
+                                    </p:set>
+                                  </p:childTnLst>
+                                </p:cTn>
+                              </p:par>
+                            </p:childTnLst>
+                          </p:cTn>
+                        </p:par>
+                      </p:childTnLst>
+                    </p:cTn>
+                  </p:par>
+                  <p:par>
+                    <p:cTn id="31" fill="hold">
+                      <p:stCondLst>
+                        <p:cond delay="indefinite"/>
+                      </p:stCondLst>
+                      <p:childTnLst>
+                        <p:par>
+                          <p:cTn id="32" fill="hold">
+                            <p:stCondLst>
+                              <p:cond delay="0"/>
+                            </p:stCondLst>
+                            <p:childTnLst>
+                              <p:par>
+                                <p:cTn id="33" presetID="1" presetClass="entr" presetSubtype="0" fill="hold" nodeType="clickEffect">
+                                  <p:stCondLst>
+                                    <p:cond delay="0"/>
+                                  </p:stCondLst>
+                                  <p:childTnLst>
+                                    <p:set>
+                                      <p:cBhvr>
+                                        <p:cTn id="34" dur="1" fill="hold">
+                                          <p:stCondLst>
+                                            <p:cond delay="0"/>
+                                          </p:stCondLst>
+                                        </p:cTn>
+                                        <p:tgtEl>
+                                          <p:spTgt spid="8"/>
+                                        </p:tgtEl>
+                                        <p:attrNameLst>
+                                          <p:attrName>style.visibility</p:attrName>
+                                        </p:attrNameLst>
+                                      </p:cBhvr>
+                                      <p:to>
+                                        <p:strVal val="visible"/>
+                                      </p:to>
+                                    </p:set>
+                                  </p:childTnLst>
+                                </p:cTn>
+                              </p:par>
+                              <p:par>
+                                <p:cTn id="35" presetID="1" presetClass="entr" presetSubtype="0" fill="hold" grpId="0" nodeType="withEffect">
+                                  <p:stCondLst>
+                                    <p:cond delay="0"/>
+                                  </p:stCondLst>
+                                  <p:childTnLst>
+                                    <p:set>
+                                      <p:cBhvr>
+                                        <p:cTn id="36" dur="1" fill="hold">
+                                          <p:stCondLst>
+                                            <p:cond delay="0"/>
+                                          </p:stCondLst>
+                                        </p:cTn>
+                                        <p:tgtEl>
+                                          <p:spTgt spid="12"/>
+                                        </p:tgtEl>
+                                        <p:attrNameLst>
+                                          <p:attrName>style.visibility</p:attrName>
+                                        </p:attrNameLst>
+                                      </p:cBhvr>
+                                      <p:to>
+                                        <p:strVal val="visible"/>
+                                      </p:to>
+                                    </p:set>
+                                  </p:childTnLst>
+                                </p:cTn>
+                              </p:par>
+                            </p:childTnLst>
+                          </p:cTn>
+                        </p:par>
+                      </p:childTnLst>
+                    </p:cTn>
+                  </p:par>
+                </p:childTnLst>
+              </p:cTn>
+              <p:prevCondLst>
+                <p:cond evt="onPrev" delay="0">
+                  <p:tgtEl>
+                    <p:sldTgt/>
+                  </p:tgtEl>
+                </p:cond>
+              </p:prevCondLst>
+              <p:nextCondLst>
+                <p:cond evt="onNext" delay="0">
+                  <p:tgtEl>
+                    <p:sldTgt/>
+                  </p:tgtEl>
+                </p:cond>
+              </p:nextCondLst>
+            </p:seq>
+          </p:childTnLst>
+        </p:cTn>
+      </p:par>
+    </p:tnLst>
+    <p:bldLst>
+      <p:bldP spid="12" grpId="0"/>
+      <p:bldP spid="10" grpId="0"/>
+      <p:bldP spid="13" grpId="0"/>
+    </p:bldLst>
   </p:timing>
 </p:sld>
 </file>
@@ -9270,7 +9655,7 @@
           <p:cNvPr id="2" name="Titel 1">
             <a:extLst>
               <a:ext uri="{FF2B5EF4-FFF2-40B4-BE49-F238E27FC236}">
-                <a16:creationId xmlns:a16="http://schemas.microsoft.com/office/drawing/2014/main" id="{B239AC1F-FD3E-4C2A-AB36-1E0EB6A237CF}"/>
+                <a16:creationId xmlns:a16="http://schemas.microsoft.com/office/drawing/2014/main" id="{023B68BE-CD61-4C7B-BD41-CBB17BA140CD}"/>
               </a:ext>
             </a:extLst>
           </p:cNvPr>
@@ -9288,7 +9673,7 @@
           <a:p>
             <a:r>
               <a:rPr lang="de-DE" dirty="0"/>
-              <a:t>Service Discovery - Implementierung (Eureka-Server)</a:t>
+              <a:t>Service Discovery Implementierung (Eureka-Client)</a:t>
             </a:r>
           </a:p>
         </p:txBody>
@@ -9298,7 +9683,7 @@
           <p:cNvPr id="3" name="Inhaltsplatzhalter 2">
             <a:extLst>
               <a:ext uri="{FF2B5EF4-FFF2-40B4-BE49-F238E27FC236}">
-                <a16:creationId xmlns:a16="http://schemas.microsoft.com/office/drawing/2014/main" id="{D45A52AF-2CE8-4B0F-8F21-A2B387FACE1E}"/>
+                <a16:creationId xmlns:a16="http://schemas.microsoft.com/office/drawing/2014/main" id="{8FC2FB1D-4881-410F-93F9-E1B090C23DB6}"/>
               </a:ext>
             </a:extLst>
           </p:cNvPr>
@@ -9311,25 +9696,13 @@
         </p:nvSpPr>
         <p:spPr>
           <a:xfrm>
-            <a:off x="1614650" y="2331868"/>
-            <a:ext cx="7709973" cy="1715910"/>
+            <a:off x="1614650" y="1605802"/>
+            <a:ext cx="7796540" cy="3997828"/>
           </a:xfrm>
         </p:spPr>
         <p:txBody>
-          <a:bodyPr>
-            <a:normAutofit fontScale="92500"/>
-          </a:bodyPr>
-          <a:lstStyle/>
-          <a:p>
-            <a:r>
-              <a:rPr lang="de-DE" dirty="0">
-                <a:latin typeface="Arial" panose="020B0604020202020204" pitchFamily="34" charset="0"/>
-                <a:ea typeface="Calibri" panose="020F0502020204030204" pitchFamily="34" charset="0"/>
-                <a:cs typeface="Times New Roman" panose="02020603050405020304" pitchFamily="18" charset="0"/>
-              </a:rPr>
-              <a:t>Spring Boot Projekt </a:t>
-            </a:r>
-          </a:p>
+          <a:bodyPr/>
+          <a:lstStyle/>
           <a:p>
             <a:r>
               <a:rPr lang="de-DE" dirty="0">
@@ -9338,7 +9711,7 @@
                 <a:ea typeface="Calibri" panose="020F0502020204030204" pitchFamily="34" charset="0"/>
                 <a:cs typeface="Times New Roman" panose="02020603050405020304" pitchFamily="18" charset="0"/>
               </a:rPr>
-              <a:t>Annotation @EnableEurekaServer in Main-Klasse</a:t>
+              <a:t>Annotation @EnableEurekaClient in Main-Klasse</a:t>
             </a:r>
           </a:p>
           <a:p>
@@ -9403,10 +9776,20 @@
                 <a:ea typeface="Calibri" panose="020F0502020204030204" pitchFamily="34" charset="0"/>
                 <a:cs typeface="Times New Roman" panose="02020603050405020304" pitchFamily="18" charset="0"/>
               </a:rPr>
-              <a:t>-server in pom.xml</a:t>
-            </a:r>
-          </a:p>
-          <a:p>
+              <a:t>-client in pom.xml</a:t>
+            </a:r>
+          </a:p>
+          <a:p>
+            <a:pPr lvl="1"/>
+            <a:endParaRPr lang="de-DE" sz="1800" dirty="0">
+              <a:effectLst/>
+              <a:latin typeface="Arial" panose="020B0604020202020204" pitchFamily="34" charset="0"/>
+              <a:ea typeface="Calibri" panose="020F0502020204030204" pitchFamily="34" charset="0"/>
+              <a:cs typeface="Times New Roman" panose="02020603050405020304" pitchFamily="18" charset="0"/>
+            </a:endParaRPr>
+          </a:p>
+          <a:p>
+            <a:pPr lvl="1"/>
             <a:endParaRPr lang="de-DE" dirty="0"/>
           </a:p>
         </p:txBody>
@@ -9416,7 +9799,7 @@
           <p:cNvPr id="4" name="Datumsplatzhalter 3">
             <a:extLst>
               <a:ext uri="{FF2B5EF4-FFF2-40B4-BE49-F238E27FC236}">
-                <a16:creationId xmlns:a16="http://schemas.microsoft.com/office/drawing/2014/main" id="{7845BC14-2D1A-40CC-8839-CF8D8CC43F99}"/>
+                <a16:creationId xmlns:a16="http://schemas.microsoft.com/office/drawing/2014/main" id="{B9C62AF2-E59F-42EE-963C-BE5564ED29D0}"/>
               </a:ext>
             </a:extLst>
           </p:cNvPr>
@@ -9434,7 +9817,7 @@
           <a:p>
             <a:fld id="{BB7604C3-A478-448A-88D6-07EFA8665C1F}" type="datetime1">
               <a:rPr lang="de-DE" smtClean="0"/>
-              <a:t>07.11.2021</a:t>
+              <a:t>08.11.2021</a:t>
             </a:fld>
             <a:endParaRPr lang="en-US"/>
           </a:p>
@@ -9445,7 +9828,7 @@
           <p:cNvPr id="5" name="Fußzeilenplatzhalter 4">
             <a:extLst>
               <a:ext uri="{FF2B5EF4-FFF2-40B4-BE49-F238E27FC236}">
-                <a16:creationId xmlns:a16="http://schemas.microsoft.com/office/drawing/2014/main" id="{F1C5999E-6C68-4295-BBEB-B308FC41D7A9}"/>
+                <a16:creationId xmlns:a16="http://schemas.microsoft.com/office/drawing/2014/main" id="{CB0AD5D3-6A95-47CE-BDBD-19BC5E6A81D1}"/>
               </a:ext>
             </a:extLst>
           </p:cNvPr>
@@ -9475,7 +9858,7 @@
           <p:cNvPr id="6" name="Foliennummernplatzhalter 5">
             <a:extLst>
               <a:ext uri="{FF2B5EF4-FFF2-40B4-BE49-F238E27FC236}">
-                <a16:creationId xmlns:a16="http://schemas.microsoft.com/office/drawing/2014/main" id="{46BD750B-F73E-42D5-A36A-AF829A2FA745}"/>
+                <a16:creationId xmlns:a16="http://schemas.microsoft.com/office/drawing/2014/main" id="{51A25D48-2FB1-4B56-BC88-DD75AC676FAC}"/>
               </a:ext>
             </a:extLst>
           </p:cNvPr>
@@ -9504,7 +9887,7 @@
           <p:cNvPr id="8" name="Grafik 7" descr="Ein Bild, das Text enthält.&#10;&#10;Automatisch generierte Beschreibung">
             <a:extLst>
               <a:ext uri="{FF2B5EF4-FFF2-40B4-BE49-F238E27FC236}">
-                <a16:creationId xmlns:a16="http://schemas.microsoft.com/office/drawing/2014/main" id="{E0B94D53-0D48-4561-8FF7-F3A379452EB6}"/>
+                <a16:creationId xmlns:a16="http://schemas.microsoft.com/office/drawing/2014/main" id="{801A57D6-5498-48D9-AB8B-945E542EE4D4}"/>
               </a:ext>
             </a:extLst>
           </p:cNvPr>
@@ -9521,8 +9904,8 @@
         </p:blipFill>
         <p:spPr>
           <a:xfrm>
-            <a:off x="1721650" y="3974670"/>
-            <a:ext cx="7278723" cy="1862945"/>
+            <a:off x="1799411" y="4114607"/>
+            <a:ext cx="7717058" cy="1302321"/>
           </a:xfrm>
           <a:prstGeom prst="rect">
             <a:avLst/>
@@ -9531,10 +9914,10 @@
       </p:pic>
       <p:sp>
         <p:nvSpPr>
-          <p:cNvPr id="12" name="Textfeld 11">
+          <p:cNvPr id="11" name="Textfeld 10">
             <a:extLst>
               <a:ext uri="{FF2B5EF4-FFF2-40B4-BE49-F238E27FC236}">
-                <a16:creationId xmlns:a16="http://schemas.microsoft.com/office/drawing/2014/main" id="{85A72CA2-3B16-475F-A582-39BC79F742F4}"/>
+                <a16:creationId xmlns:a16="http://schemas.microsoft.com/office/drawing/2014/main" id="{46A0BE95-7565-4867-8822-567923295B23}"/>
               </a:ext>
             </a:extLst>
           </p:cNvPr>
@@ -9543,8 +9926,8 @@
         </p:nvSpPr>
         <p:spPr>
           <a:xfrm>
-            <a:off x="1614650" y="5861500"/>
-            <a:ext cx="2144291" cy="400110"/>
+            <a:off x="1708664" y="5480519"/>
+            <a:ext cx="2144291" cy="246221"/>
           </a:xfrm>
           <a:prstGeom prst="rect">
             <a:avLst/>
@@ -9558,16 +9941,6 @@
           <a:lstStyle/>
           <a:p>
             <a:r>
-              <a:rPr lang="en-GB" sz="1000" dirty="0" err="1"/>
-              <a:t>application.properties</a:t>
-            </a:r>
-            <a:r>
-              <a:rPr lang="en-GB" sz="1000" dirty="0"/>
-              <a:t> </a:t>
-            </a:r>
-          </a:p>
-          <a:p>
-            <a:r>
               <a:rPr lang="en-GB" sz="1000" dirty="0"/>
               <a:t>Quelle</a:t>
             </a:r>
@@ -9594,7 +9967,7 @@
     </p:spTree>
     <p:extLst>
       <p:ext uri="{BB962C8B-B14F-4D97-AF65-F5344CB8AC3E}">
-        <p14:creationId xmlns:p14="http://schemas.microsoft.com/office/powerpoint/2010/main" val="2186707419"/>
+        <p14:creationId xmlns:p14="http://schemas.microsoft.com/office/powerpoint/2010/main" val="1581278028"/>
       </p:ext>
     </p:extLst>
   </p:cSld>
@@ -9626,7 +9999,7 @@
           <p:cNvPr id="2" name="Titel 1">
             <a:extLst>
               <a:ext uri="{FF2B5EF4-FFF2-40B4-BE49-F238E27FC236}">
-                <a16:creationId xmlns:a16="http://schemas.microsoft.com/office/drawing/2014/main" id="{023B68BE-CD61-4C7B-BD41-CBB17BA140CD}"/>
+                <a16:creationId xmlns:a16="http://schemas.microsoft.com/office/drawing/2014/main" id="{C98F4DDA-EB53-4CF7-9E8B-BD59A1432A4F}"/>
               </a:ext>
             </a:extLst>
           </p:cNvPr>
@@ -9644,7 +10017,7 @@
           <a:p>
             <a:r>
               <a:rPr lang="de-DE" dirty="0"/>
-              <a:t>Service Discovery Implementierung (Eureka-Client)</a:t>
+              <a:t>Spring Cloud API Gateway</a:t>
             </a:r>
           </a:p>
         </p:txBody>
@@ -9654,7 +10027,7 @@
           <p:cNvPr id="3" name="Inhaltsplatzhalter 2">
             <a:extLst>
               <a:ext uri="{FF2B5EF4-FFF2-40B4-BE49-F238E27FC236}">
-                <a16:creationId xmlns:a16="http://schemas.microsoft.com/office/drawing/2014/main" id="{8FC2FB1D-4881-410F-93F9-E1B090C23DB6}"/>
+                <a16:creationId xmlns:a16="http://schemas.microsoft.com/office/drawing/2014/main" id="{285FD663-7D7F-4F17-ABC8-BF9BF3EE491D}"/>
               </a:ext>
             </a:extLst>
           </p:cNvPr>
@@ -9665,102 +10038,82 @@
             <p:ph idx="1"/>
           </p:nvPr>
         </p:nvSpPr>
-        <p:spPr>
-          <a:xfrm>
-            <a:off x="1614650" y="1605802"/>
-            <a:ext cx="7796540" cy="3997828"/>
-          </a:xfrm>
-        </p:spPr>
-        <p:txBody>
-          <a:bodyPr/>
-          <a:lstStyle/>
-          <a:p>
-            <a:r>
-              <a:rPr lang="de-DE" dirty="0">
-                <a:effectLst/>
-                <a:latin typeface="Arial" panose="020B0604020202020204" pitchFamily="34" charset="0"/>
-                <a:ea typeface="Calibri" panose="020F0502020204030204" pitchFamily="34" charset="0"/>
-                <a:cs typeface="Times New Roman" panose="02020603050405020304" pitchFamily="18" charset="0"/>
-              </a:rPr>
-              <a:t>Annotation @EnableEurekaClient in Main-Klasse</a:t>
-            </a:r>
-          </a:p>
-          <a:p>
-            <a:r>
-              <a:rPr lang="de-DE" dirty="0">
-                <a:effectLst/>
-                <a:latin typeface="Arial" panose="020B0604020202020204" pitchFamily="34" charset="0"/>
-                <a:ea typeface="Calibri" panose="020F0502020204030204" pitchFamily="34" charset="0"/>
-                <a:cs typeface="Times New Roman" panose="02020603050405020304" pitchFamily="18" charset="0"/>
-              </a:rPr>
-              <a:t>Abhängigkeit spring-</a:t>
-            </a:r>
-            <a:r>
-              <a:rPr lang="de-DE" dirty="0" err="1">
-                <a:effectLst/>
-                <a:latin typeface="Arial" panose="020B0604020202020204" pitchFamily="34" charset="0"/>
-                <a:ea typeface="Calibri" panose="020F0502020204030204" pitchFamily="34" charset="0"/>
-                <a:cs typeface="Times New Roman" panose="02020603050405020304" pitchFamily="18" charset="0"/>
-              </a:rPr>
-              <a:t>cloud</a:t>
-            </a:r>
-            <a:r>
-              <a:rPr lang="de-DE" dirty="0">
-                <a:effectLst/>
-                <a:latin typeface="Arial" panose="020B0604020202020204" pitchFamily="34" charset="0"/>
-                <a:ea typeface="Calibri" panose="020F0502020204030204" pitchFamily="34" charset="0"/>
-                <a:cs typeface="Times New Roman" panose="02020603050405020304" pitchFamily="18" charset="0"/>
-              </a:rPr>
-              <a:t>-starter-</a:t>
-            </a:r>
-            <a:r>
-              <a:rPr lang="de-DE" dirty="0" err="1">
-                <a:effectLst/>
-                <a:latin typeface="Arial" panose="020B0604020202020204" pitchFamily="34" charset="0"/>
-                <a:ea typeface="Calibri" panose="020F0502020204030204" pitchFamily="34" charset="0"/>
-                <a:cs typeface="Times New Roman" panose="02020603050405020304" pitchFamily="18" charset="0"/>
-              </a:rPr>
-              <a:t>netflix</a:t>
-            </a:r>
-            <a:r>
-              <a:rPr lang="de-DE" dirty="0">
-                <a:effectLst/>
-                <a:latin typeface="Arial" panose="020B0604020202020204" pitchFamily="34" charset="0"/>
-                <a:ea typeface="Calibri" panose="020F0502020204030204" pitchFamily="34" charset="0"/>
-                <a:cs typeface="Times New Roman" panose="02020603050405020304" pitchFamily="18" charset="0"/>
-              </a:rPr>
-              <a:t>-</a:t>
-            </a:r>
-            <a:r>
-              <a:rPr lang="de-DE" dirty="0" err="1">
-                <a:effectLst/>
-                <a:latin typeface="Arial" panose="020B0604020202020204" pitchFamily="34" charset="0"/>
-                <a:ea typeface="Calibri" panose="020F0502020204030204" pitchFamily="34" charset="0"/>
-                <a:cs typeface="Times New Roman" panose="02020603050405020304" pitchFamily="18" charset="0"/>
-              </a:rPr>
-              <a:t>eureka</a:t>
-            </a:r>
-            <a:r>
-              <a:rPr lang="de-DE" dirty="0">
-                <a:effectLst/>
-                <a:latin typeface="Arial" panose="020B0604020202020204" pitchFamily="34" charset="0"/>
-                <a:ea typeface="Calibri" panose="020F0502020204030204" pitchFamily="34" charset="0"/>
-                <a:cs typeface="Times New Roman" panose="02020603050405020304" pitchFamily="18" charset="0"/>
-              </a:rPr>
-              <a:t>-client in pom.xml</a:t>
+        <p:spPr/>
+        <p:txBody>
+          <a:bodyPr>
+            <a:normAutofit/>
+          </a:bodyPr>
+          <a:lstStyle/>
+          <a:p>
+            <a:r>
+              <a:rPr lang="de-DE" dirty="0"/>
+              <a:t>Basiert auf asynchronen eventgetriebenen Framework </a:t>
+            </a:r>
+            <a:r>
+              <a:rPr lang="de-DE" dirty="0" err="1"/>
+              <a:t>Netty</a:t>
+            </a:r>
+            <a:r>
+              <a:rPr lang="de-DE" dirty="0"/>
+              <a:t> </a:t>
+            </a:r>
+          </a:p>
+          <a:p>
+            <a:r>
+              <a:rPr lang="de-DE" dirty="0"/>
+              <a:t>Features:</a:t>
             </a:r>
           </a:p>
           <a:p>
             <a:pPr lvl="1"/>
-            <a:endParaRPr lang="de-DE" sz="1800" dirty="0">
-              <a:effectLst/>
-              <a:latin typeface="Arial" panose="020B0604020202020204" pitchFamily="34" charset="0"/>
-              <a:ea typeface="Calibri" panose="020F0502020204030204" pitchFamily="34" charset="0"/>
-              <a:cs typeface="Times New Roman" panose="02020603050405020304" pitchFamily="18" charset="0"/>
-            </a:endParaRPr>
+            <a:r>
+              <a:rPr lang="de-DE" dirty="0"/>
+              <a:t>Ribbon Load Balancer</a:t>
+            </a:r>
           </a:p>
           <a:p>
             <a:pPr lvl="1"/>
+            <a:r>
+              <a:rPr lang="de-DE" dirty="0"/>
+              <a:t>Sicherheitskonfigurationsmöglichkeiten mit Spring Security</a:t>
+            </a:r>
+          </a:p>
+          <a:p>
+            <a:pPr lvl="1"/>
+            <a:r>
+              <a:rPr lang="de-DE" dirty="0"/>
+              <a:t>Einbindung eigener Filter</a:t>
+            </a:r>
+          </a:p>
+          <a:p>
+            <a:r>
+              <a:rPr lang="de-DE" dirty="0"/>
+              <a:t>Einfache Integration in Spring Anwendung </a:t>
+            </a:r>
+          </a:p>
+          <a:p>
+            <a:r>
+              <a:rPr lang="de-DE" dirty="0"/>
+              <a:t>Alternativen: </a:t>
+            </a:r>
+            <a:r>
+              <a:rPr lang="de-DE" dirty="0" err="1"/>
+              <a:t>Ocelot</a:t>
+            </a:r>
+            <a:r>
+              <a:rPr lang="de-DE" dirty="0"/>
+              <a:t>, </a:t>
+            </a:r>
+            <a:r>
+              <a:rPr lang="de-DE" dirty="0" err="1"/>
+              <a:t>KrakenD</a:t>
+            </a:r>
+            <a:r>
+              <a:rPr lang="de-DE" dirty="0"/>
+              <a:t>, Kong</a:t>
+            </a:r>
+          </a:p>
+          <a:p>
             <a:endParaRPr lang="de-DE" dirty="0"/>
           </a:p>
         </p:txBody>
@@ -9770,7 +10123,7 @@
           <p:cNvPr id="4" name="Datumsplatzhalter 3">
             <a:extLst>
               <a:ext uri="{FF2B5EF4-FFF2-40B4-BE49-F238E27FC236}">
-                <a16:creationId xmlns:a16="http://schemas.microsoft.com/office/drawing/2014/main" id="{B9C62AF2-E59F-42EE-963C-BE5564ED29D0}"/>
+                <a16:creationId xmlns:a16="http://schemas.microsoft.com/office/drawing/2014/main" id="{422593B4-547E-410E-8222-6C451C90D117}"/>
               </a:ext>
             </a:extLst>
           </p:cNvPr>
@@ -9788,7 +10141,7 @@
           <a:p>
             <a:fld id="{BB7604C3-A478-448A-88D6-07EFA8665C1F}" type="datetime1">
               <a:rPr lang="de-DE" smtClean="0"/>
-              <a:t>07.11.2021</a:t>
+              <a:t>08.11.2021</a:t>
             </a:fld>
             <a:endParaRPr lang="en-US"/>
           </a:p>
@@ -9799,7 +10152,7 @@
           <p:cNvPr id="5" name="Fußzeilenplatzhalter 4">
             <a:extLst>
               <a:ext uri="{FF2B5EF4-FFF2-40B4-BE49-F238E27FC236}">
-                <a16:creationId xmlns:a16="http://schemas.microsoft.com/office/drawing/2014/main" id="{CB0AD5D3-6A95-47CE-BDBD-19BC5E6A81D1}"/>
+                <a16:creationId xmlns:a16="http://schemas.microsoft.com/office/drawing/2014/main" id="{91C237D6-6EFF-4509-A526-AE54F56AABB5}"/>
               </a:ext>
             </a:extLst>
           </p:cNvPr>
@@ -9829,7 +10182,7 @@
           <p:cNvPr id="6" name="Foliennummernplatzhalter 5">
             <a:extLst>
               <a:ext uri="{FF2B5EF4-FFF2-40B4-BE49-F238E27FC236}">
-                <a16:creationId xmlns:a16="http://schemas.microsoft.com/office/drawing/2014/main" id="{51A25D48-2FB1-4B56-BC88-DD75AC676FAC}"/>
+                <a16:creationId xmlns:a16="http://schemas.microsoft.com/office/drawing/2014/main" id="{D07A4059-489E-4C33-836E-C480D4D85231}"/>
               </a:ext>
             </a:extLst>
           </p:cNvPr>
@@ -9850,472 +10203,6 @@
               <a:t>16</a:t>
             </a:fld>
             <a:endParaRPr lang="en-US"/>
-          </a:p>
-        </p:txBody>
-      </p:sp>
-      <p:pic>
-        <p:nvPicPr>
-          <p:cNvPr id="8" name="Grafik 7" descr="Ein Bild, das Text enthält.&#10;&#10;Automatisch generierte Beschreibung">
-            <a:extLst>
-              <a:ext uri="{FF2B5EF4-FFF2-40B4-BE49-F238E27FC236}">
-                <a16:creationId xmlns:a16="http://schemas.microsoft.com/office/drawing/2014/main" id="{801A57D6-5498-48D9-AB8B-945E542EE4D4}"/>
-              </a:ext>
-            </a:extLst>
-          </p:cNvPr>
-          <p:cNvPicPr>
-            <a:picLocks noChangeAspect="1"/>
-          </p:cNvPicPr>
-          <p:nvPr/>
-        </p:nvPicPr>
-        <p:blipFill>
-          <a:blip r:embed="rId2"/>
-          <a:stretch>
-            <a:fillRect/>
-          </a:stretch>
-        </p:blipFill>
-        <p:spPr>
-          <a:xfrm>
-            <a:off x="1799411" y="4114607"/>
-            <a:ext cx="7717058" cy="1302321"/>
-          </a:xfrm>
-          <a:prstGeom prst="rect">
-            <a:avLst/>
-          </a:prstGeom>
-        </p:spPr>
-      </p:pic>
-      <p:pic>
-        <p:nvPicPr>
-          <p:cNvPr id="9" name="Grafik 8">
-            <a:extLst>
-              <a:ext uri="{FF2B5EF4-FFF2-40B4-BE49-F238E27FC236}">
-                <a16:creationId xmlns:a16="http://schemas.microsoft.com/office/drawing/2014/main" id="{2C49577A-BE8D-430C-8D66-1389BF485DA0}"/>
-              </a:ext>
-            </a:extLst>
-          </p:cNvPr>
-          <p:cNvPicPr>
-            <a:picLocks noChangeAspect="1"/>
-          </p:cNvPicPr>
-          <p:nvPr/>
-        </p:nvPicPr>
-        <p:blipFill>
-          <a:blip r:embed="rId3">
-            <a:extLst>
-              <a:ext uri="{96DAC541-7B7A-43D3-8B79-37D633B846F1}">
-                <asvg:svgBlip xmlns:asvg="http://schemas.microsoft.com/office/drawing/2016/SVG/main" r:embed="rId4"/>
-              </a:ext>
-            </a:extLst>
-          </a:blip>
-          <a:stretch>
-            <a:fillRect/>
-          </a:stretch>
-        </p:blipFill>
-        <p:spPr>
-          <a:xfrm>
-            <a:off x="9411189" y="2467230"/>
-            <a:ext cx="1429692" cy="366879"/>
-          </a:xfrm>
-          <a:prstGeom prst="rect">
-            <a:avLst/>
-          </a:prstGeom>
-        </p:spPr>
-      </p:pic>
-      <p:sp>
-        <p:nvSpPr>
-          <p:cNvPr id="10" name="Textfeld 9">
-            <a:extLst>
-              <a:ext uri="{FF2B5EF4-FFF2-40B4-BE49-F238E27FC236}">
-                <a16:creationId xmlns:a16="http://schemas.microsoft.com/office/drawing/2014/main" id="{0F688999-BC89-4B8B-8355-DBF153948165}"/>
-              </a:ext>
-            </a:extLst>
-          </p:cNvPr>
-          <p:cNvSpPr txBox="1"/>
-          <p:nvPr/>
-        </p:nvSpPr>
-        <p:spPr>
-          <a:xfrm>
-            <a:off x="9269696" y="2866493"/>
-            <a:ext cx="1712679" cy="553998"/>
-          </a:xfrm>
-          <a:prstGeom prst="rect">
-            <a:avLst/>
-          </a:prstGeom>
-          <a:noFill/>
-        </p:spPr>
-        <p:txBody>
-          <a:bodyPr wrap="square" rtlCol="0">
-            <a:spAutoFit/>
-          </a:bodyPr>
-          <a:lstStyle/>
-          <a:p>
-            <a:r>
-              <a:rPr lang="de-DE" sz="1000" dirty="0"/>
-              <a:t>Quelle: spring.io, https://spring.io/projects/spring-boot (06.11.2021)</a:t>
-            </a:r>
-          </a:p>
-        </p:txBody>
-      </p:sp>
-      <p:sp>
-        <p:nvSpPr>
-          <p:cNvPr id="11" name="Textfeld 10">
-            <a:extLst>
-              <a:ext uri="{FF2B5EF4-FFF2-40B4-BE49-F238E27FC236}">
-                <a16:creationId xmlns:a16="http://schemas.microsoft.com/office/drawing/2014/main" id="{46A0BE95-7565-4867-8822-567923295B23}"/>
-              </a:ext>
-            </a:extLst>
-          </p:cNvPr>
-          <p:cNvSpPr txBox="1"/>
-          <p:nvPr/>
-        </p:nvSpPr>
-        <p:spPr>
-          <a:xfrm>
-            <a:off x="1708664" y="5480519"/>
-            <a:ext cx="2144291" cy="246221"/>
-          </a:xfrm>
-          <a:prstGeom prst="rect">
-            <a:avLst/>
-          </a:prstGeom>
-          <a:noFill/>
-        </p:spPr>
-        <p:txBody>
-          <a:bodyPr wrap="square" rtlCol="0">
-            <a:spAutoFit/>
-          </a:bodyPr>
-          <a:lstStyle/>
-          <a:p>
-            <a:r>
-              <a:rPr lang="en-GB" sz="1000" dirty="0"/>
-              <a:t>Quelle</a:t>
-            </a:r>
-            <a:r>
-              <a:rPr lang="de-DE" sz="1000" dirty="0"/>
-              <a:t>: </a:t>
-            </a:r>
-            <a:r>
-              <a:rPr lang="en-GB" sz="1000" dirty="0" err="1"/>
-              <a:t>eigene</a:t>
-            </a:r>
-            <a:r>
-              <a:rPr lang="en-GB" sz="1000" dirty="0"/>
-              <a:t> </a:t>
-            </a:r>
-            <a:r>
-              <a:rPr lang="en-GB" sz="1000" dirty="0" err="1"/>
-              <a:t>Darstellung</a:t>
-            </a:r>
-            <a:endParaRPr lang="de-DE" sz="1000" dirty="0"/>
-          </a:p>
-        </p:txBody>
-      </p:sp>
-    </p:spTree>
-    <p:extLst>
-      <p:ext uri="{BB962C8B-B14F-4D97-AF65-F5344CB8AC3E}">
-        <p14:creationId xmlns:p14="http://schemas.microsoft.com/office/powerpoint/2010/main" val="1581278028"/>
-      </p:ext>
-    </p:extLst>
-  </p:cSld>
-  <p:clrMapOvr>
-    <a:masterClrMapping/>
-  </p:clrMapOvr>
-</p:sld>
-</file>
-
-<file path=ppt/slides/slide17.xml><?xml version="1.0" encoding="utf-8"?>
-<p:sld xmlns:a="http://schemas.openxmlformats.org/drawingml/2006/main" xmlns:r="http://schemas.openxmlformats.org/officeDocument/2006/relationships" xmlns:p="http://schemas.openxmlformats.org/presentationml/2006/main">
-  <p:cSld>
-    <p:spTree>
-      <p:nvGrpSpPr>
-        <p:cNvPr id="1" name=""/>
-        <p:cNvGrpSpPr/>
-        <p:nvPr/>
-      </p:nvGrpSpPr>
-      <p:grpSpPr>
-        <a:xfrm>
-          <a:off x="0" y="0"/>
-          <a:ext cx="0" cy="0"/>
-          <a:chOff x="0" y="0"/>
-          <a:chExt cx="0" cy="0"/>
-        </a:xfrm>
-      </p:grpSpPr>
-      <p:sp>
-        <p:nvSpPr>
-          <p:cNvPr id="2" name="Titel 1">
-            <a:extLst>
-              <a:ext uri="{FF2B5EF4-FFF2-40B4-BE49-F238E27FC236}">
-                <a16:creationId xmlns:a16="http://schemas.microsoft.com/office/drawing/2014/main" id="{C98F4DDA-EB53-4CF7-9E8B-BD59A1432A4F}"/>
-              </a:ext>
-            </a:extLst>
-          </p:cNvPr>
-          <p:cNvSpPr>
-            <a:spLocks noGrp="1"/>
-          </p:cNvSpPr>
-          <p:nvPr>
-            <p:ph type="title"/>
-          </p:nvPr>
-        </p:nvSpPr>
-        <p:spPr/>
-        <p:txBody>
-          <a:bodyPr/>
-          <a:lstStyle/>
-          <a:p>
-            <a:r>
-              <a:rPr lang="de-DE" dirty="0"/>
-              <a:t>Spring Cloud API Gateway</a:t>
-            </a:r>
-          </a:p>
-        </p:txBody>
-      </p:sp>
-      <p:sp>
-        <p:nvSpPr>
-          <p:cNvPr id="3" name="Inhaltsplatzhalter 2">
-            <a:extLst>
-              <a:ext uri="{FF2B5EF4-FFF2-40B4-BE49-F238E27FC236}">
-                <a16:creationId xmlns:a16="http://schemas.microsoft.com/office/drawing/2014/main" id="{285FD663-7D7F-4F17-ABC8-BF9BF3EE491D}"/>
-              </a:ext>
-            </a:extLst>
-          </p:cNvPr>
-          <p:cNvSpPr>
-            <a:spLocks noGrp="1"/>
-          </p:cNvSpPr>
-          <p:nvPr>
-            <p:ph idx="1"/>
-          </p:nvPr>
-        </p:nvSpPr>
-        <p:spPr/>
-        <p:txBody>
-          <a:bodyPr>
-            <a:normAutofit/>
-          </a:bodyPr>
-          <a:lstStyle/>
-          <a:p>
-            <a:r>
-              <a:rPr lang="de-DE" dirty="0"/>
-              <a:t>Basiert auf asynchronen eventgetriebenen Framework </a:t>
-            </a:r>
-            <a:r>
-              <a:rPr lang="de-DE" dirty="0" err="1"/>
-              <a:t>Netty</a:t>
-            </a:r>
-            <a:r>
-              <a:rPr lang="de-DE" dirty="0"/>
-              <a:t> </a:t>
-            </a:r>
-          </a:p>
-          <a:p>
-            <a:r>
-              <a:rPr lang="de-DE" dirty="0"/>
-              <a:t>Features:</a:t>
-            </a:r>
-          </a:p>
-          <a:p>
-            <a:pPr lvl="1"/>
-            <a:r>
-              <a:rPr lang="de-DE" dirty="0"/>
-              <a:t>Ribbon Load Balancer</a:t>
-            </a:r>
-          </a:p>
-          <a:p>
-            <a:pPr lvl="1"/>
-            <a:r>
-              <a:rPr lang="de-DE" dirty="0"/>
-              <a:t>Sicherheitskonfigurationsmöglichkeiten mit Spring Security</a:t>
-            </a:r>
-          </a:p>
-          <a:p>
-            <a:pPr lvl="1"/>
-            <a:r>
-              <a:rPr lang="de-DE" dirty="0"/>
-              <a:t>Einbindung eigener Filter</a:t>
-            </a:r>
-          </a:p>
-          <a:p>
-            <a:r>
-              <a:rPr lang="de-DE" dirty="0"/>
-              <a:t>Einfache Integration in Spring Anwendung </a:t>
-            </a:r>
-          </a:p>
-          <a:p>
-            <a:r>
-              <a:rPr lang="de-DE" dirty="0"/>
-              <a:t>Alternativen: </a:t>
-            </a:r>
-            <a:r>
-              <a:rPr lang="de-DE" dirty="0" err="1"/>
-              <a:t>Ocelot</a:t>
-            </a:r>
-            <a:r>
-              <a:rPr lang="de-DE" dirty="0"/>
-              <a:t>, </a:t>
-            </a:r>
-            <a:r>
-              <a:rPr lang="de-DE" dirty="0" err="1"/>
-              <a:t>KrakenD</a:t>
-            </a:r>
-            <a:r>
-              <a:rPr lang="de-DE" dirty="0"/>
-              <a:t>, Kong</a:t>
-            </a:r>
-          </a:p>
-          <a:p>
-            <a:endParaRPr lang="de-DE" dirty="0"/>
-          </a:p>
-        </p:txBody>
-      </p:sp>
-      <p:sp>
-        <p:nvSpPr>
-          <p:cNvPr id="4" name="Datumsplatzhalter 3">
-            <a:extLst>
-              <a:ext uri="{FF2B5EF4-FFF2-40B4-BE49-F238E27FC236}">
-                <a16:creationId xmlns:a16="http://schemas.microsoft.com/office/drawing/2014/main" id="{422593B4-547E-410E-8222-6C451C90D117}"/>
-              </a:ext>
-            </a:extLst>
-          </p:cNvPr>
-          <p:cNvSpPr>
-            <a:spLocks noGrp="1"/>
-          </p:cNvSpPr>
-          <p:nvPr>
-            <p:ph type="dt" sz="half" idx="10"/>
-          </p:nvPr>
-        </p:nvSpPr>
-        <p:spPr/>
-        <p:txBody>
-          <a:bodyPr/>
-          <a:lstStyle/>
-          <a:p>
-            <a:fld id="{BB7604C3-A478-448A-88D6-07EFA8665C1F}" type="datetime1">
-              <a:rPr lang="de-DE" smtClean="0"/>
-              <a:t>07.11.2021</a:t>
-            </a:fld>
-            <a:endParaRPr lang="en-US"/>
-          </a:p>
-        </p:txBody>
-      </p:sp>
-      <p:sp>
-        <p:nvSpPr>
-          <p:cNvPr id="5" name="Fußzeilenplatzhalter 4">
-            <a:extLst>
-              <a:ext uri="{FF2B5EF4-FFF2-40B4-BE49-F238E27FC236}">
-                <a16:creationId xmlns:a16="http://schemas.microsoft.com/office/drawing/2014/main" id="{91C237D6-6EFF-4509-A526-AE54F56AABB5}"/>
-              </a:ext>
-            </a:extLst>
-          </p:cNvPr>
-          <p:cNvSpPr>
-            <a:spLocks noGrp="1"/>
-          </p:cNvSpPr>
-          <p:nvPr>
-            <p:ph type="ftr" sz="quarter" idx="11"/>
-          </p:nvPr>
-        </p:nvSpPr>
-        <p:spPr/>
-        <p:txBody>
-          <a:bodyPr/>
-          <a:lstStyle/>
-          <a:p>
-            <a:pPr algn="ctr"/>
-            <a:r>
-              <a:rPr lang="en-US"/>
-              <a:t>Benjamin Swarovsky</a:t>
-            </a:r>
-            <a:endParaRPr lang="en-US" dirty="0"/>
-          </a:p>
-        </p:txBody>
-      </p:sp>
-      <p:sp>
-        <p:nvSpPr>
-          <p:cNvPr id="6" name="Foliennummernplatzhalter 5">
-            <a:extLst>
-              <a:ext uri="{FF2B5EF4-FFF2-40B4-BE49-F238E27FC236}">
-                <a16:creationId xmlns:a16="http://schemas.microsoft.com/office/drawing/2014/main" id="{D07A4059-489E-4C33-836E-C480D4D85231}"/>
-              </a:ext>
-            </a:extLst>
-          </p:cNvPr>
-          <p:cNvSpPr>
-            <a:spLocks noGrp="1"/>
-          </p:cNvSpPr>
-          <p:nvPr>
-            <p:ph type="sldNum" sz="quarter" idx="12"/>
-          </p:nvPr>
-        </p:nvSpPr>
-        <p:spPr/>
-        <p:txBody>
-          <a:bodyPr/>
-          <a:lstStyle/>
-          <a:p>
-            <a:fld id="{6D22F896-40B5-4ADD-8801-0D06FADFA095}" type="slidenum">
-              <a:rPr lang="en-US" smtClean="0"/>
-              <a:t>17</a:t>
-            </a:fld>
-            <a:endParaRPr lang="en-US"/>
-          </a:p>
-        </p:txBody>
-      </p:sp>
-      <p:pic>
-        <p:nvPicPr>
-          <p:cNvPr id="11" name="Grafik 10">
-            <a:extLst>
-              <a:ext uri="{FF2B5EF4-FFF2-40B4-BE49-F238E27FC236}">
-                <a16:creationId xmlns:a16="http://schemas.microsoft.com/office/drawing/2014/main" id="{02F71121-C04D-4FBB-9216-0D4D42B49460}"/>
-              </a:ext>
-            </a:extLst>
-          </p:cNvPr>
-          <p:cNvPicPr>
-            <a:picLocks noChangeAspect="1"/>
-          </p:cNvPicPr>
-          <p:nvPr/>
-        </p:nvPicPr>
-        <p:blipFill>
-          <a:blip r:embed="rId2">
-            <a:extLst>
-              <a:ext uri="{96DAC541-7B7A-43D3-8B79-37D633B846F1}">
-                <asvg:svgBlip xmlns:asvg="http://schemas.microsoft.com/office/drawing/2016/SVG/main" r:embed="rId3"/>
-              </a:ext>
-            </a:extLst>
-          </a:blip>
-          <a:stretch>
-            <a:fillRect/>
-          </a:stretch>
-        </p:blipFill>
-        <p:spPr>
-          <a:xfrm>
-            <a:off x="8459378" y="808056"/>
-            <a:ext cx="1429692" cy="366879"/>
-          </a:xfrm>
-          <a:prstGeom prst="rect">
-            <a:avLst/>
-          </a:prstGeom>
-        </p:spPr>
-      </p:pic>
-      <p:sp>
-        <p:nvSpPr>
-          <p:cNvPr id="12" name="Textfeld 11">
-            <a:extLst>
-              <a:ext uri="{FF2B5EF4-FFF2-40B4-BE49-F238E27FC236}">
-                <a16:creationId xmlns:a16="http://schemas.microsoft.com/office/drawing/2014/main" id="{DA0AF531-ECD5-4260-A769-8868318D3E6F}"/>
-              </a:ext>
-            </a:extLst>
-          </p:cNvPr>
-          <p:cNvSpPr txBox="1"/>
-          <p:nvPr/>
-        </p:nvSpPr>
-        <p:spPr>
-          <a:xfrm>
-            <a:off x="8405335" y="1174935"/>
-            <a:ext cx="1712679" cy="553998"/>
-          </a:xfrm>
-          <a:prstGeom prst="rect">
-            <a:avLst/>
-          </a:prstGeom>
-          <a:noFill/>
-        </p:spPr>
-        <p:txBody>
-          <a:bodyPr wrap="square" rtlCol="0">
-            <a:spAutoFit/>
-          </a:bodyPr>
-          <a:lstStyle/>
-          <a:p>
-            <a:r>
-              <a:rPr lang="de-DE" sz="1000" dirty="0"/>
-              <a:t>Quelle: spring.io, https://spring.io/projects/spring-boot (06.11.2021)</a:t>
-            </a:r>
           </a:p>
         </p:txBody>
       </p:sp>
@@ -10705,7 +10592,7 @@
 </p:sld>
 </file>
 
-<file path=ppt/slides/slide18.xml><?xml version="1.0" encoding="utf-8"?>
+<file path=ppt/slides/slide17.xml><?xml version="1.0" encoding="utf-8"?>
 <p:sld xmlns:a="http://schemas.openxmlformats.org/drawingml/2006/main" xmlns:r="http://schemas.openxmlformats.org/officeDocument/2006/relationships" xmlns:p="http://schemas.openxmlformats.org/presentationml/2006/main">
   <p:cSld>
     <p:spTree>
@@ -10773,7 +10660,7 @@
           <a:p>
             <a:fld id="{BB7604C3-A478-448A-88D6-07EFA8665C1F}" type="datetime1">
               <a:rPr lang="de-DE" smtClean="0"/>
-              <a:t>07.11.2021</a:t>
+              <a:t>08.11.2021</a:t>
             </a:fld>
             <a:endParaRPr lang="en-US"/>
           </a:p>
@@ -10832,7 +10719,7 @@
           <a:p>
             <a:fld id="{6D22F896-40B5-4ADD-8801-0D06FADFA095}" type="slidenum">
               <a:rPr lang="en-US" smtClean="0"/>
-              <a:t>18</a:t>
+              <a:t>17</a:t>
             </a:fld>
             <a:endParaRPr lang="en-US"/>
           </a:p>
@@ -10840,19 +10727,17 @@
       </p:sp>
       <p:pic>
         <p:nvPicPr>
-          <p:cNvPr id="18" name="Inhaltsplatzhalter 17" descr="Ein Bild, das Text enthält.&#10;&#10;Automatisch generierte Beschreibung">
+          <p:cNvPr id="20" name="Grafik 19">
             <a:extLst>
               <a:ext uri="{FF2B5EF4-FFF2-40B4-BE49-F238E27FC236}">
-                <a16:creationId xmlns:a16="http://schemas.microsoft.com/office/drawing/2014/main" id="{065C3447-6258-4897-B627-02F458FFDF33}"/>
+                <a16:creationId xmlns:a16="http://schemas.microsoft.com/office/drawing/2014/main" id="{2B4106DB-FE6B-4574-9D84-532BF6F088B5}"/>
               </a:ext>
             </a:extLst>
           </p:cNvPr>
           <p:cNvPicPr>
-            <a:picLocks noGrp="1" noChangeAspect="1"/>
+            <a:picLocks noChangeAspect="1"/>
           </p:cNvPicPr>
-          <p:nvPr>
-            <p:ph idx="1"/>
-          </p:nvPr>
+          <p:nvPr/>
         </p:nvPicPr>
         <p:blipFill>
           <a:blip r:embed="rId2"/>
@@ -10862,34 +10747,7 @@
         </p:blipFill>
         <p:spPr>
           <a:xfrm>
-            <a:off x="1553802" y="2412783"/>
-            <a:ext cx="7125694" cy="724001"/>
-          </a:xfrm>
-        </p:spPr>
-      </p:pic>
-      <p:pic>
-        <p:nvPicPr>
-          <p:cNvPr id="20" name="Grafik 19">
-            <a:extLst>
-              <a:ext uri="{FF2B5EF4-FFF2-40B4-BE49-F238E27FC236}">
-                <a16:creationId xmlns:a16="http://schemas.microsoft.com/office/drawing/2014/main" id="{2B4106DB-FE6B-4574-9D84-532BF6F088B5}"/>
-              </a:ext>
-            </a:extLst>
-          </p:cNvPr>
-          <p:cNvPicPr>
-            <a:picLocks noChangeAspect="1"/>
-          </p:cNvPicPr>
-          <p:nvPr/>
-        </p:nvPicPr>
-        <p:blipFill>
-          <a:blip r:embed="rId3"/>
-          <a:stretch>
-            <a:fillRect/>
-          </a:stretch>
-        </p:blipFill>
-        <p:spPr>
-          <a:xfrm>
-            <a:off x="1523328" y="3915481"/>
+            <a:off x="1538565" y="3563585"/>
             <a:ext cx="7156168" cy="2134463"/>
           </a:xfrm>
           <a:prstGeom prst="rect">
@@ -10897,48 +10755,12 @@
           </a:prstGeom>
         </p:spPr>
       </p:pic>
-      <p:pic>
-        <p:nvPicPr>
-          <p:cNvPr id="8" name="Grafik 7">
+      <p:sp>
+        <p:nvSpPr>
+          <p:cNvPr id="13" name="Textfeld 12">
             <a:extLst>
               <a:ext uri="{FF2B5EF4-FFF2-40B4-BE49-F238E27FC236}">
-                <a16:creationId xmlns:a16="http://schemas.microsoft.com/office/drawing/2014/main" id="{6D8B9D27-59DA-45EB-A364-3DF7265EFA03}"/>
-              </a:ext>
-            </a:extLst>
-          </p:cNvPr>
-          <p:cNvPicPr>
-            <a:picLocks noChangeAspect="1"/>
-          </p:cNvPicPr>
-          <p:nvPr/>
-        </p:nvPicPr>
-        <p:blipFill>
-          <a:blip r:embed="rId4">
-            <a:extLst>
-              <a:ext uri="{96DAC541-7B7A-43D3-8B79-37D633B846F1}">
-                <asvg:svgBlip xmlns:asvg="http://schemas.microsoft.com/office/drawing/2016/SVG/main" r:embed="rId5"/>
-              </a:ext>
-            </a:extLst>
-          </a:blip>
-          <a:stretch>
-            <a:fillRect/>
-          </a:stretch>
-        </p:blipFill>
-        <p:spPr>
-          <a:xfrm>
-            <a:off x="8143289" y="1269942"/>
-            <a:ext cx="1429692" cy="366879"/>
-          </a:xfrm>
-          <a:prstGeom prst="rect">
-            <a:avLst/>
-          </a:prstGeom>
-        </p:spPr>
-      </p:pic>
-      <p:sp>
-        <p:nvSpPr>
-          <p:cNvPr id="3" name="Textfeld 2">
-            <a:extLst>
-              <a:ext uri="{FF2B5EF4-FFF2-40B4-BE49-F238E27FC236}">
-                <a16:creationId xmlns:a16="http://schemas.microsoft.com/office/drawing/2014/main" id="{68479B59-8199-4058-9F58-53354A1408F7}"/>
+                <a16:creationId xmlns:a16="http://schemas.microsoft.com/office/drawing/2014/main" id="{0C21A053-B6E2-419C-9A30-377BB8752746}"/>
               </a:ext>
             </a:extLst>
           </p:cNvPr>
@@ -10947,8 +10769,8 @@
         </p:nvSpPr>
         <p:spPr>
           <a:xfrm>
-            <a:off x="8089246" y="1636821"/>
-            <a:ext cx="1712679" cy="553998"/>
+            <a:off x="1450467" y="5708436"/>
+            <a:ext cx="2144291" cy="246221"/>
           </a:xfrm>
           <a:prstGeom prst="rect">
             <a:avLst/>
@@ -10962,171 +10784,6 @@
           <a:lstStyle/>
           <a:p>
             <a:r>
-              <a:rPr lang="de-DE" sz="1000" dirty="0"/>
-              <a:t>Quelle: spring.io, https://spring.io/projects/spring-boot (06.11.2021)</a:t>
-            </a:r>
-          </a:p>
-        </p:txBody>
-      </p:sp>
-      <p:pic>
-        <p:nvPicPr>
-          <p:cNvPr id="9" name="Grafik 8" descr="Ein Bild, das Text enthält.&#10;&#10;Automatisch generierte Beschreibung">
-            <a:extLst>
-              <a:ext uri="{FF2B5EF4-FFF2-40B4-BE49-F238E27FC236}">
-                <a16:creationId xmlns:a16="http://schemas.microsoft.com/office/drawing/2014/main" id="{595C9E82-2205-4D67-929C-6ED56F5040C9}"/>
-              </a:ext>
-            </a:extLst>
-          </p:cNvPr>
-          <p:cNvPicPr>
-            <a:picLocks noChangeAspect="1"/>
-          </p:cNvPicPr>
-          <p:nvPr/>
-        </p:nvPicPr>
-        <p:blipFill>
-          <a:blip r:embed="rId6"/>
-          <a:stretch>
-            <a:fillRect/>
-          </a:stretch>
-        </p:blipFill>
-        <p:spPr>
-          <a:xfrm>
-            <a:off x="10030869" y="1299051"/>
-            <a:ext cx="1092962" cy="308660"/>
-          </a:xfrm>
-          <a:prstGeom prst="rect">
-            <a:avLst/>
-          </a:prstGeom>
-        </p:spPr>
-      </p:pic>
-      <p:sp>
-        <p:nvSpPr>
-          <p:cNvPr id="10" name="Textfeld 9">
-            <a:extLst>
-              <a:ext uri="{FF2B5EF4-FFF2-40B4-BE49-F238E27FC236}">
-                <a16:creationId xmlns:a16="http://schemas.microsoft.com/office/drawing/2014/main" id="{03448629-742E-42C2-AA03-C2D3E1656BF2}"/>
-              </a:ext>
-            </a:extLst>
-          </p:cNvPr>
-          <p:cNvSpPr txBox="1"/>
-          <p:nvPr/>
-        </p:nvSpPr>
-        <p:spPr>
-          <a:xfrm>
-            <a:off x="9932039" y="1636821"/>
-            <a:ext cx="1465834" cy="553998"/>
-          </a:xfrm>
-          <a:prstGeom prst="rect">
-            <a:avLst/>
-          </a:prstGeom>
-          <a:noFill/>
-        </p:spPr>
-        <p:txBody>
-          <a:bodyPr wrap="square" rtlCol="0">
-            <a:spAutoFit/>
-          </a:bodyPr>
-          <a:lstStyle/>
-          <a:p>
-            <a:r>
-              <a:rPr lang="de-DE" sz="1000" dirty="0"/>
-              <a:t>Quelle: Maven, https://maven.apache.org/ (06.11.2021)</a:t>
-            </a:r>
-          </a:p>
-        </p:txBody>
-      </p:sp>
-      <p:sp>
-        <p:nvSpPr>
-          <p:cNvPr id="12" name="Textfeld 11">
-            <a:extLst>
-              <a:ext uri="{FF2B5EF4-FFF2-40B4-BE49-F238E27FC236}">
-                <a16:creationId xmlns:a16="http://schemas.microsoft.com/office/drawing/2014/main" id="{A41ABA27-C473-4086-B861-78A92B988369}"/>
-              </a:ext>
-            </a:extLst>
-          </p:cNvPr>
-          <p:cNvSpPr txBox="1"/>
-          <p:nvPr/>
-        </p:nvSpPr>
-        <p:spPr>
-          <a:xfrm>
-            <a:off x="1439179" y="3182779"/>
-            <a:ext cx="2144291" cy="400110"/>
-          </a:xfrm>
-          <a:prstGeom prst="rect">
-            <a:avLst/>
-          </a:prstGeom>
-          <a:noFill/>
-        </p:spPr>
-        <p:txBody>
-          <a:bodyPr wrap="square" rtlCol="0">
-            <a:spAutoFit/>
-          </a:bodyPr>
-          <a:lstStyle/>
-          <a:p>
-            <a:r>
-              <a:rPr lang="en-GB" sz="1000" dirty="0"/>
-              <a:t>pom.xml</a:t>
-            </a:r>
-          </a:p>
-          <a:p>
-            <a:r>
-              <a:rPr lang="en-GB" sz="1000" dirty="0"/>
-              <a:t>Quelle</a:t>
-            </a:r>
-            <a:r>
-              <a:rPr lang="de-DE" sz="1000" dirty="0"/>
-              <a:t>: </a:t>
-            </a:r>
-            <a:r>
-              <a:rPr lang="en-GB" sz="1000" dirty="0" err="1"/>
-              <a:t>eigene</a:t>
-            </a:r>
-            <a:r>
-              <a:rPr lang="en-GB" sz="1000" dirty="0"/>
-              <a:t> </a:t>
-            </a:r>
-            <a:r>
-              <a:rPr lang="en-GB" sz="1000" dirty="0" err="1"/>
-              <a:t>Darstellung</a:t>
-            </a:r>
-            <a:endParaRPr lang="de-DE" sz="1000" dirty="0"/>
-          </a:p>
-        </p:txBody>
-      </p:sp>
-      <p:sp>
-        <p:nvSpPr>
-          <p:cNvPr id="13" name="Textfeld 12">
-            <a:extLst>
-              <a:ext uri="{FF2B5EF4-FFF2-40B4-BE49-F238E27FC236}">
-                <a16:creationId xmlns:a16="http://schemas.microsoft.com/office/drawing/2014/main" id="{0C21A053-B6E2-419C-9A30-377BB8752746}"/>
-              </a:ext>
-            </a:extLst>
-          </p:cNvPr>
-          <p:cNvSpPr txBox="1"/>
-          <p:nvPr/>
-        </p:nvSpPr>
-        <p:spPr>
-          <a:xfrm>
-            <a:off x="1439178" y="6049944"/>
-            <a:ext cx="2144291" cy="400110"/>
-          </a:xfrm>
-          <a:prstGeom prst="rect">
-            <a:avLst/>
-          </a:prstGeom>
-          <a:noFill/>
-        </p:spPr>
-        <p:txBody>
-          <a:bodyPr wrap="square" rtlCol="0">
-            <a:spAutoFit/>
-          </a:bodyPr>
-          <a:lstStyle/>
-          <a:p>
-            <a:r>
-              <a:rPr lang="en-GB" sz="1000" dirty="0" err="1"/>
-              <a:t>application.properties</a:t>
-            </a:r>
-            <a:endParaRPr lang="en-GB" sz="1000" dirty="0"/>
-          </a:p>
-          <a:p>
-            <a:r>
               <a:rPr lang="en-GB" sz="1000" dirty="0"/>
               <a:t>Quelle</a:t>
             </a:r>
@@ -11166,8 +10823,8 @@
         </p:nvSpPr>
         <p:spPr>
           <a:xfrm>
-            <a:off x="1614650" y="1724738"/>
-            <a:ext cx="5802150" cy="466081"/>
+            <a:off x="1614650" y="1724737"/>
+            <a:ext cx="5802150" cy="1885209"/>
           </a:xfrm>
           <a:prstGeom prst="rect">
             <a:avLst/>
@@ -11419,12 +11076,377 @@
               <a:t>Spring Boot Projekt</a:t>
             </a:r>
           </a:p>
+          <a:p>
+            <a:r>
+              <a:rPr lang="de-DE" sz="1800" dirty="0">
+                <a:effectLst/>
+                <a:latin typeface="Arial" panose="020B0604020202020204" pitchFamily="34" charset="0"/>
+                <a:ea typeface="Calibri" panose="020F0502020204030204" pitchFamily="34" charset="0"/>
+                <a:cs typeface="Times New Roman" panose="02020603050405020304" pitchFamily="18" charset="0"/>
+              </a:rPr>
+              <a:t>Abhängigkeit spring-</a:t>
+            </a:r>
+            <a:r>
+              <a:rPr lang="de-DE" sz="1800" dirty="0" err="1">
+                <a:effectLst/>
+                <a:latin typeface="Arial" panose="020B0604020202020204" pitchFamily="34" charset="0"/>
+                <a:ea typeface="Calibri" panose="020F0502020204030204" pitchFamily="34" charset="0"/>
+                <a:cs typeface="Times New Roman" panose="02020603050405020304" pitchFamily="18" charset="0"/>
+              </a:rPr>
+              <a:t>cloud</a:t>
+            </a:r>
+            <a:r>
+              <a:rPr lang="de-DE" sz="1800" dirty="0">
+                <a:effectLst/>
+                <a:latin typeface="Arial" panose="020B0604020202020204" pitchFamily="34" charset="0"/>
+                <a:ea typeface="Calibri" panose="020F0502020204030204" pitchFamily="34" charset="0"/>
+                <a:cs typeface="Times New Roman" panose="02020603050405020304" pitchFamily="18" charset="0"/>
+              </a:rPr>
+              <a:t>-starter-</a:t>
+            </a:r>
+            <a:r>
+              <a:rPr lang="de-DE" sz="1800" dirty="0" err="1">
+                <a:effectLst/>
+                <a:latin typeface="Arial" panose="020B0604020202020204" pitchFamily="34" charset="0"/>
+                <a:ea typeface="Calibri" panose="020F0502020204030204" pitchFamily="34" charset="0"/>
+                <a:cs typeface="Times New Roman" panose="02020603050405020304" pitchFamily="18" charset="0"/>
+              </a:rPr>
+              <a:t>netflix</a:t>
+            </a:r>
+            <a:r>
+              <a:rPr lang="de-DE" sz="1800" dirty="0">
+                <a:effectLst/>
+                <a:latin typeface="Arial" panose="020B0604020202020204" pitchFamily="34" charset="0"/>
+                <a:ea typeface="Calibri" panose="020F0502020204030204" pitchFamily="34" charset="0"/>
+                <a:cs typeface="Times New Roman" panose="02020603050405020304" pitchFamily="18" charset="0"/>
+              </a:rPr>
+              <a:t>-</a:t>
+            </a:r>
+            <a:r>
+              <a:rPr lang="de-DE" sz="1800" dirty="0" err="1">
+                <a:effectLst/>
+                <a:latin typeface="Arial" panose="020B0604020202020204" pitchFamily="34" charset="0"/>
+                <a:ea typeface="Calibri" panose="020F0502020204030204" pitchFamily="34" charset="0"/>
+                <a:cs typeface="Times New Roman" panose="02020603050405020304" pitchFamily="18" charset="0"/>
+              </a:rPr>
+              <a:t>eureka</a:t>
+            </a:r>
+            <a:r>
+              <a:rPr lang="de-DE" sz="1800" dirty="0">
+                <a:effectLst/>
+                <a:latin typeface="Arial" panose="020B0604020202020204" pitchFamily="34" charset="0"/>
+                <a:ea typeface="Calibri" panose="020F0502020204030204" pitchFamily="34" charset="0"/>
+                <a:cs typeface="Times New Roman" panose="02020603050405020304" pitchFamily="18" charset="0"/>
+              </a:rPr>
+              <a:t>-client in pom.xml</a:t>
+            </a:r>
+          </a:p>
+          <a:p>
+            <a:endParaRPr lang="de-DE" sz="1800" dirty="0"/>
+          </a:p>
         </p:txBody>
       </p:sp>
     </p:spTree>
     <p:extLst>
       <p:ext uri="{BB962C8B-B14F-4D97-AF65-F5344CB8AC3E}">
         <p14:creationId xmlns:p14="http://schemas.microsoft.com/office/powerpoint/2010/main" val="3233717774"/>
+      </p:ext>
+    </p:extLst>
+  </p:cSld>
+  <p:clrMapOvr>
+    <a:masterClrMapping/>
+  </p:clrMapOvr>
+</p:sld>
+</file>
+
+<file path=ppt/slides/slide18.xml><?xml version="1.0" encoding="utf-8"?>
+<p:sld xmlns:a="http://schemas.openxmlformats.org/drawingml/2006/main" xmlns:r="http://schemas.openxmlformats.org/officeDocument/2006/relationships" xmlns:p="http://schemas.openxmlformats.org/presentationml/2006/main">
+  <p:cSld>
+    <p:spTree>
+      <p:nvGrpSpPr>
+        <p:cNvPr id="1" name=""/>
+        <p:cNvGrpSpPr/>
+        <p:nvPr/>
+      </p:nvGrpSpPr>
+      <p:grpSpPr>
+        <a:xfrm>
+          <a:off x="0" y="0"/>
+          <a:ext cx="0" cy="0"/>
+          <a:chOff x="0" y="0"/>
+          <a:chExt cx="0" cy="0"/>
+        </a:xfrm>
+      </p:grpSpPr>
+      <p:sp>
+        <p:nvSpPr>
+          <p:cNvPr id="2" name="Titel 1">
+            <a:extLst>
+              <a:ext uri="{FF2B5EF4-FFF2-40B4-BE49-F238E27FC236}">
+                <a16:creationId xmlns:a16="http://schemas.microsoft.com/office/drawing/2014/main" id="{97E854AF-370A-4DD2-B05B-BA9F47E75C37}"/>
+              </a:ext>
+            </a:extLst>
+          </p:cNvPr>
+          <p:cNvSpPr>
+            <a:spLocks noGrp="1"/>
+          </p:cNvSpPr>
+          <p:nvPr>
+            <p:ph type="title"/>
+          </p:nvPr>
+        </p:nvSpPr>
+        <p:spPr/>
+        <p:txBody>
+          <a:bodyPr/>
+          <a:lstStyle/>
+          <a:p>
+            <a:endParaRPr lang="de-DE" dirty="0"/>
+          </a:p>
+        </p:txBody>
+      </p:sp>
+      <p:sp>
+        <p:nvSpPr>
+          <p:cNvPr id="3" name="Inhaltsplatzhalter 2">
+            <a:extLst>
+              <a:ext uri="{FF2B5EF4-FFF2-40B4-BE49-F238E27FC236}">
+                <a16:creationId xmlns:a16="http://schemas.microsoft.com/office/drawing/2014/main" id="{C98CDAB6-320F-43C1-90E0-C684815DE0C4}"/>
+              </a:ext>
+            </a:extLst>
+          </p:cNvPr>
+          <p:cNvSpPr>
+            <a:spLocks noGrp="1"/>
+          </p:cNvSpPr>
+          <p:nvPr>
+            <p:ph idx="1"/>
+          </p:nvPr>
+        </p:nvSpPr>
+        <p:spPr>
+          <a:xfrm>
+            <a:off x="1614649" y="1685228"/>
+            <a:ext cx="7901820" cy="4749440"/>
+          </a:xfrm>
+        </p:spPr>
+        <p:txBody>
+          <a:bodyPr>
+            <a:normAutofit fontScale="55000" lnSpcReduction="20000"/>
+          </a:bodyPr>
+          <a:lstStyle/>
+          <a:p>
+            <a:r>
+              <a:rPr lang="de-DE" sz="4000" dirty="0">
+                <a:solidFill>
+                  <a:schemeClr val="tx1">
+                    <a:lumMod val="50000"/>
+                  </a:schemeClr>
+                </a:solidFill>
+              </a:rPr>
+              <a:t>Einleitung</a:t>
+            </a:r>
+          </a:p>
+          <a:p>
+            <a:r>
+              <a:rPr lang="de-DE" sz="4000" dirty="0">
+                <a:solidFill>
+                  <a:schemeClr val="tx1">
+                    <a:lumMod val="50000"/>
+                  </a:schemeClr>
+                </a:solidFill>
+              </a:rPr>
+              <a:t>Technologien (Grundlagen)</a:t>
+            </a:r>
+          </a:p>
+          <a:p>
+            <a:r>
+              <a:rPr lang="de-DE" sz="4000" dirty="0">
+                <a:solidFill>
+                  <a:schemeClr val="tx1">
+                    <a:lumMod val="50000"/>
+                  </a:schemeClr>
+                </a:solidFill>
+              </a:rPr>
+              <a:t>Architektur (IT-</a:t>
+            </a:r>
+            <a:r>
+              <a:rPr lang="de-DE" sz="4000" dirty="0" err="1">
+                <a:solidFill>
+                  <a:schemeClr val="tx1">
+                    <a:lumMod val="50000"/>
+                  </a:schemeClr>
+                </a:solidFill>
+              </a:rPr>
+              <a:t>KoM</a:t>
+            </a:r>
+            <a:r>
+              <a:rPr lang="de-DE" sz="4000" dirty="0">
+                <a:solidFill>
+                  <a:schemeClr val="tx1">
+                    <a:lumMod val="50000"/>
+                  </a:schemeClr>
+                </a:solidFill>
+              </a:rPr>
+              <a:t> Verwaltung)</a:t>
+            </a:r>
+          </a:p>
+          <a:p>
+            <a:r>
+              <a:rPr lang="de-DE" sz="4000" dirty="0">
+                <a:solidFill>
+                  <a:schemeClr val="tx1">
+                    <a:lumMod val="50000"/>
+                  </a:schemeClr>
+                </a:solidFill>
+              </a:rPr>
+              <a:t>Implementierung der Technologien</a:t>
+            </a:r>
+          </a:p>
+          <a:p>
+            <a:r>
+              <a:rPr lang="de-DE" sz="4000" b="1" dirty="0"/>
+              <a:t>Zusammenspiel der Technologien</a:t>
+            </a:r>
+          </a:p>
+          <a:p>
+            <a:pPr lvl="1"/>
+            <a:r>
+              <a:rPr lang="de-DE" sz="3800" b="1" dirty="0"/>
+              <a:t>Anwendungsfall</a:t>
+            </a:r>
+          </a:p>
+          <a:p>
+            <a:pPr lvl="1"/>
+            <a:r>
+              <a:rPr lang="de-DE" sz="3800" b="1" dirty="0"/>
+              <a:t>Ablauf</a:t>
+            </a:r>
+          </a:p>
+          <a:p>
+            <a:r>
+              <a:rPr lang="de-DE" sz="4000" dirty="0">
+                <a:solidFill>
+                  <a:schemeClr val="tx1">
+                    <a:lumMod val="75000"/>
+                  </a:schemeClr>
+                </a:solidFill>
+              </a:rPr>
+              <a:t>Fazit</a:t>
+            </a:r>
+          </a:p>
+          <a:p>
+            <a:r>
+              <a:rPr lang="de-DE" sz="4000" dirty="0">
+                <a:solidFill>
+                  <a:schemeClr val="tx1">
+                    <a:lumMod val="75000"/>
+                  </a:schemeClr>
+                </a:solidFill>
+              </a:rPr>
+              <a:t>Demonstration des Prototypen</a:t>
+            </a:r>
+          </a:p>
+          <a:p>
+            <a:pPr marL="457200" lvl="1" indent="0">
+              <a:buNone/>
+            </a:pPr>
+            <a:endParaRPr lang="de-DE" dirty="0"/>
+          </a:p>
+          <a:p>
+            <a:pPr lvl="1"/>
+            <a:endParaRPr lang="de-DE" dirty="0"/>
+          </a:p>
+          <a:p>
+            <a:endParaRPr lang="de-DE" dirty="0"/>
+          </a:p>
+        </p:txBody>
+      </p:sp>
+      <p:sp>
+        <p:nvSpPr>
+          <p:cNvPr id="4" name="Datumsplatzhalter 3">
+            <a:extLst>
+              <a:ext uri="{FF2B5EF4-FFF2-40B4-BE49-F238E27FC236}">
+                <a16:creationId xmlns:a16="http://schemas.microsoft.com/office/drawing/2014/main" id="{B1C5A0D9-0D16-40F0-A270-E2153F54A613}"/>
+              </a:ext>
+            </a:extLst>
+          </p:cNvPr>
+          <p:cNvSpPr>
+            <a:spLocks noGrp="1"/>
+          </p:cNvSpPr>
+          <p:nvPr>
+            <p:ph type="dt" sz="half" idx="10"/>
+          </p:nvPr>
+        </p:nvSpPr>
+        <p:spPr/>
+        <p:txBody>
+          <a:bodyPr/>
+          <a:lstStyle/>
+          <a:p>
+            <a:fld id="{BB7604C3-A478-448A-88D6-07EFA8665C1F}" type="datetime1">
+              <a:rPr lang="de-DE" smtClean="0"/>
+              <a:t>08.11.2021</a:t>
+            </a:fld>
+            <a:endParaRPr lang="en-US"/>
+          </a:p>
+        </p:txBody>
+      </p:sp>
+      <p:sp>
+        <p:nvSpPr>
+          <p:cNvPr id="5" name="Fußzeilenplatzhalter 4">
+            <a:extLst>
+              <a:ext uri="{FF2B5EF4-FFF2-40B4-BE49-F238E27FC236}">
+                <a16:creationId xmlns:a16="http://schemas.microsoft.com/office/drawing/2014/main" id="{6987783A-1F70-47FB-8650-215BADB0D895}"/>
+              </a:ext>
+            </a:extLst>
+          </p:cNvPr>
+          <p:cNvSpPr>
+            <a:spLocks noGrp="1"/>
+          </p:cNvSpPr>
+          <p:nvPr>
+            <p:ph type="ftr" sz="quarter" idx="11"/>
+          </p:nvPr>
+        </p:nvSpPr>
+        <p:spPr/>
+        <p:txBody>
+          <a:bodyPr/>
+          <a:lstStyle/>
+          <a:p>
+            <a:pPr algn="ctr"/>
+            <a:r>
+              <a:rPr lang="en-US"/>
+              <a:t>Benjamin Swarovsky</a:t>
+            </a:r>
+            <a:endParaRPr lang="en-US" dirty="0"/>
+          </a:p>
+        </p:txBody>
+      </p:sp>
+      <p:sp>
+        <p:nvSpPr>
+          <p:cNvPr id="6" name="Foliennummernplatzhalter 5">
+            <a:extLst>
+              <a:ext uri="{FF2B5EF4-FFF2-40B4-BE49-F238E27FC236}">
+                <a16:creationId xmlns:a16="http://schemas.microsoft.com/office/drawing/2014/main" id="{EDFC56A4-BEFD-4224-A109-1FFEDB0D2EF9}"/>
+              </a:ext>
+            </a:extLst>
+          </p:cNvPr>
+          <p:cNvSpPr>
+            <a:spLocks noGrp="1"/>
+          </p:cNvSpPr>
+          <p:nvPr>
+            <p:ph type="sldNum" sz="quarter" idx="12"/>
+          </p:nvPr>
+        </p:nvSpPr>
+        <p:spPr/>
+        <p:txBody>
+          <a:bodyPr/>
+          <a:lstStyle/>
+          <a:p>
+            <a:fld id="{6D22F896-40B5-4ADD-8801-0D06FADFA095}" type="slidenum">
+              <a:rPr lang="en-US" smtClean="0"/>
+              <a:t>18</a:t>
+            </a:fld>
+            <a:endParaRPr lang="en-US"/>
+          </a:p>
+        </p:txBody>
+      </p:sp>
+    </p:spTree>
+    <p:extLst>
+      <p:ext uri="{BB962C8B-B14F-4D97-AF65-F5344CB8AC3E}">
+        <p14:creationId xmlns:p14="http://schemas.microsoft.com/office/powerpoint/2010/main" val="4021090950"/>
       </p:ext>
     </p:extLst>
   </p:cSld>
@@ -11456,812 +11478,6 @@
           <p:cNvPr id="2" name="Titel 1">
             <a:extLst>
               <a:ext uri="{FF2B5EF4-FFF2-40B4-BE49-F238E27FC236}">
-                <a16:creationId xmlns:a16="http://schemas.microsoft.com/office/drawing/2014/main" id="{97E854AF-370A-4DD2-B05B-BA9F47E75C37}"/>
-              </a:ext>
-            </a:extLst>
-          </p:cNvPr>
-          <p:cNvSpPr>
-            <a:spLocks noGrp="1"/>
-          </p:cNvSpPr>
-          <p:nvPr>
-            <p:ph type="title"/>
-          </p:nvPr>
-        </p:nvSpPr>
-        <p:spPr/>
-        <p:txBody>
-          <a:bodyPr/>
-          <a:lstStyle/>
-          <a:p>
-            <a:endParaRPr lang="de-DE" dirty="0"/>
-          </a:p>
-        </p:txBody>
-      </p:sp>
-      <p:sp>
-        <p:nvSpPr>
-          <p:cNvPr id="3" name="Inhaltsplatzhalter 2">
-            <a:extLst>
-              <a:ext uri="{FF2B5EF4-FFF2-40B4-BE49-F238E27FC236}">
-                <a16:creationId xmlns:a16="http://schemas.microsoft.com/office/drawing/2014/main" id="{C98CDAB6-320F-43C1-90E0-C684815DE0C4}"/>
-              </a:ext>
-            </a:extLst>
-          </p:cNvPr>
-          <p:cNvSpPr>
-            <a:spLocks noGrp="1"/>
-          </p:cNvSpPr>
-          <p:nvPr>
-            <p:ph idx="1"/>
-          </p:nvPr>
-        </p:nvSpPr>
-        <p:spPr>
-          <a:xfrm>
-            <a:off x="1614649" y="1685228"/>
-            <a:ext cx="7901820" cy="4749440"/>
-          </a:xfrm>
-        </p:spPr>
-        <p:txBody>
-          <a:bodyPr>
-            <a:normAutofit fontScale="40000" lnSpcReduction="20000"/>
-          </a:bodyPr>
-          <a:lstStyle/>
-          <a:p>
-            <a:r>
-              <a:rPr lang="de-DE" sz="4000" dirty="0">
-                <a:solidFill>
-                  <a:schemeClr val="tx1">
-                    <a:lumMod val="50000"/>
-                  </a:schemeClr>
-                </a:solidFill>
-              </a:rPr>
-              <a:t>Einleitung</a:t>
-            </a:r>
-          </a:p>
-          <a:p>
-            <a:r>
-              <a:rPr lang="de-DE" sz="4000" dirty="0">
-                <a:solidFill>
-                  <a:schemeClr val="tx1">
-                    <a:lumMod val="50000"/>
-                  </a:schemeClr>
-                </a:solidFill>
-              </a:rPr>
-              <a:t>Architektur</a:t>
-            </a:r>
-          </a:p>
-          <a:p>
-            <a:r>
-              <a:rPr lang="de-DE" sz="4000" dirty="0">
-                <a:solidFill>
-                  <a:schemeClr val="tx1">
-                    <a:lumMod val="50000"/>
-                  </a:schemeClr>
-                </a:solidFill>
-              </a:rPr>
-              <a:t>API Gateway / Load Balancer</a:t>
-            </a:r>
-          </a:p>
-          <a:p>
-            <a:r>
-              <a:rPr lang="de-DE" sz="4000" b="1" dirty="0"/>
-              <a:t>Service Discovery</a:t>
-            </a:r>
-          </a:p>
-          <a:p>
-            <a:pPr lvl="1"/>
-            <a:r>
-              <a:rPr lang="de-DE" sz="3800" b="1" dirty="0"/>
-              <a:t>Grundlagen</a:t>
-            </a:r>
-          </a:p>
-          <a:p>
-            <a:pPr lvl="1"/>
-            <a:r>
-              <a:rPr lang="de-DE" sz="3800" b="1" dirty="0"/>
-              <a:t>Eureka </a:t>
-            </a:r>
-          </a:p>
-          <a:p>
-            <a:pPr lvl="1"/>
-            <a:r>
-              <a:rPr lang="de-DE" sz="3800" b="1" dirty="0"/>
-              <a:t>Implementierung (Eureka-Server)</a:t>
-            </a:r>
-          </a:p>
-          <a:p>
-            <a:pPr lvl="1"/>
-            <a:r>
-              <a:rPr lang="de-DE" sz="3800" b="1" dirty="0"/>
-              <a:t>Implementierung (Eureka-Client)</a:t>
-            </a:r>
-          </a:p>
-          <a:p>
-            <a:r>
-              <a:rPr lang="de-DE" sz="4000" dirty="0">
-                <a:solidFill>
-                  <a:schemeClr val="tx1">
-                    <a:lumMod val="75000"/>
-                  </a:schemeClr>
-                </a:solidFill>
-              </a:rPr>
-              <a:t>Zusammenspiel der Technologien</a:t>
-            </a:r>
-          </a:p>
-          <a:p>
-            <a:r>
-              <a:rPr lang="de-DE" sz="4000" dirty="0">
-                <a:solidFill>
-                  <a:schemeClr val="tx1">
-                    <a:lumMod val="75000"/>
-                  </a:schemeClr>
-                </a:solidFill>
-              </a:rPr>
-              <a:t>Fazit</a:t>
-            </a:r>
-          </a:p>
-          <a:p>
-            <a:r>
-              <a:rPr lang="de-DE" sz="4000" dirty="0">
-                <a:solidFill>
-                  <a:schemeClr val="tx1">
-                    <a:lumMod val="75000"/>
-                  </a:schemeClr>
-                </a:solidFill>
-              </a:rPr>
-              <a:t>Demonstration des Prototypen</a:t>
-            </a:r>
-          </a:p>
-          <a:p>
-            <a:pPr marL="457200" lvl="1" indent="0">
-              <a:buNone/>
-            </a:pPr>
-            <a:endParaRPr lang="de-DE" dirty="0"/>
-          </a:p>
-          <a:p>
-            <a:pPr lvl="1"/>
-            <a:endParaRPr lang="de-DE" dirty="0"/>
-          </a:p>
-          <a:p>
-            <a:endParaRPr lang="de-DE" dirty="0"/>
-          </a:p>
-        </p:txBody>
-      </p:sp>
-      <p:sp>
-        <p:nvSpPr>
-          <p:cNvPr id="4" name="Datumsplatzhalter 3">
-            <a:extLst>
-              <a:ext uri="{FF2B5EF4-FFF2-40B4-BE49-F238E27FC236}">
-                <a16:creationId xmlns:a16="http://schemas.microsoft.com/office/drawing/2014/main" id="{B1C5A0D9-0D16-40F0-A270-E2153F54A613}"/>
-              </a:ext>
-            </a:extLst>
-          </p:cNvPr>
-          <p:cNvSpPr>
-            <a:spLocks noGrp="1"/>
-          </p:cNvSpPr>
-          <p:nvPr>
-            <p:ph type="dt" sz="half" idx="10"/>
-          </p:nvPr>
-        </p:nvSpPr>
-        <p:spPr/>
-        <p:txBody>
-          <a:bodyPr/>
-          <a:lstStyle/>
-          <a:p>
-            <a:fld id="{BB7604C3-A478-448A-88D6-07EFA8665C1F}" type="datetime1">
-              <a:rPr lang="de-DE" smtClean="0"/>
-              <a:t>07.11.2021</a:t>
-            </a:fld>
-            <a:endParaRPr lang="en-US"/>
-          </a:p>
-        </p:txBody>
-      </p:sp>
-      <p:sp>
-        <p:nvSpPr>
-          <p:cNvPr id="5" name="Fußzeilenplatzhalter 4">
-            <a:extLst>
-              <a:ext uri="{FF2B5EF4-FFF2-40B4-BE49-F238E27FC236}">
-                <a16:creationId xmlns:a16="http://schemas.microsoft.com/office/drawing/2014/main" id="{6987783A-1F70-47FB-8650-215BADB0D895}"/>
-              </a:ext>
-            </a:extLst>
-          </p:cNvPr>
-          <p:cNvSpPr>
-            <a:spLocks noGrp="1"/>
-          </p:cNvSpPr>
-          <p:nvPr>
-            <p:ph type="ftr" sz="quarter" idx="11"/>
-          </p:nvPr>
-        </p:nvSpPr>
-        <p:spPr/>
-        <p:txBody>
-          <a:bodyPr/>
-          <a:lstStyle/>
-          <a:p>
-            <a:pPr algn="ctr"/>
-            <a:r>
-              <a:rPr lang="en-US"/>
-              <a:t>Benjamin Swarovsky</a:t>
-            </a:r>
-            <a:endParaRPr lang="en-US" dirty="0"/>
-          </a:p>
-        </p:txBody>
-      </p:sp>
-      <p:sp>
-        <p:nvSpPr>
-          <p:cNvPr id="6" name="Foliennummernplatzhalter 5">
-            <a:extLst>
-              <a:ext uri="{FF2B5EF4-FFF2-40B4-BE49-F238E27FC236}">
-                <a16:creationId xmlns:a16="http://schemas.microsoft.com/office/drawing/2014/main" id="{EDFC56A4-BEFD-4224-A109-1FFEDB0D2EF9}"/>
-              </a:ext>
-            </a:extLst>
-          </p:cNvPr>
-          <p:cNvSpPr>
-            <a:spLocks noGrp="1"/>
-          </p:cNvSpPr>
-          <p:nvPr>
-            <p:ph type="sldNum" sz="quarter" idx="12"/>
-          </p:nvPr>
-        </p:nvSpPr>
-        <p:spPr/>
-        <p:txBody>
-          <a:bodyPr/>
-          <a:lstStyle/>
-          <a:p>
-            <a:fld id="{6D22F896-40B5-4ADD-8801-0D06FADFA095}" type="slidenum">
-              <a:rPr lang="en-US" smtClean="0"/>
-              <a:t>19</a:t>
-            </a:fld>
-            <a:endParaRPr lang="en-US"/>
-          </a:p>
-        </p:txBody>
-      </p:sp>
-    </p:spTree>
-    <p:extLst>
-      <p:ext uri="{BB962C8B-B14F-4D97-AF65-F5344CB8AC3E}">
-        <p14:creationId xmlns:p14="http://schemas.microsoft.com/office/powerpoint/2010/main" val="4021090950"/>
-      </p:ext>
-    </p:extLst>
-  </p:cSld>
-  <p:clrMapOvr>
-    <a:masterClrMapping/>
-  </p:clrMapOvr>
-</p:sld>
-</file>
-
-<file path=ppt/slides/slide2.xml><?xml version="1.0" encoding="utf-8"?>
-<p:sld xmlns:a="http://schemas.openxmlformats.org/drawingml/2006/main" xmlns:r="http://schemas.openxmlformats.org/officeDocument/2006/relationships" xmlns:p="http://schemas.openxmlformats.org/presentationml/2006/main">
-  <p:cSld>
-    <p:spTree>
-      <p:nvGrpSpPr>
-        <p:cNvPr id="1" name=""/>
-        <p:cNvGrpSpPr/>
-        <p:nvPr/>
-      </p:nvGrpSpPr>
-      <p:grpSpPr>
-        <a:xfrm>
-          <a:off x="0" y="0"/>
-          <a:ext cx="0" cy="0"/>
-          <a:chOff x="0" y="0"/>
-          <a:chExt cx="0" cy="0"/>
-        </a:xfrm>
-      </p:grpSpPr>
-      <p:sp>
-        <p:nvSpPr>
-          <p:cNvPr id="2" name="Titel 1">
-            <a:extLst>
-              <a:ext uri="{FF2B5EF4-FFF2-40B4-BE49-F238E27FC236}">
-                <a16:creationId xmlns:a16="http://schemas.microsoft.com/office/drawing/2014/main" id="{97E854AF-370A-4DD2-B05B-BA9F47E75C37}"/>
-              </a:ext>
-            </a:extLst>
-          </p:cNvPr>
-          <p:cNvSpPr>
-            <a:spLocks noGrp="1"/>
-          </p:cNvSpPr>
-          <p:nvPr>
-            <p:ph type="title"/>
-          </p:nvPr>
-        </p:nvSpPr>
-        <p:spPr/>
-        <p:txBody>
-          <a:bodyPr/>
-          <a:lstStyle/>
-          <a:p>
-            <a:r>
-              <a:rPr lang="de-DE" dirty="0"/>
-              <a:t>Gliederung</a:t>
-            </a:r>
-          </a:p>
-        </p:txBody>
-      </p:sp>
-      <p:sp>
-        <p:nvSpPr>
-          <p:cNvPr id="3" name="Inhaltsplatzhalter 2">
-            <a:extLst>
-              <a:ext uri="{FF2B5EF4-FFF2-40B4-BE49-F238E27FC236}">
-                <a16:creationId xmlns:a16="http://schemas.microsoft.com/office/drawing/2014/main" id="{C98CDAB6-320F-43C1-90E0-C684815DE0C4}"/>
-              </a:ext>
-            </a:extLst>
-          </p:cNvPr>
-          <p:cNvSpPr>
-            <a:spLocks noGrp="1"/>
-          </p:cNvSpPr>
-          <p:nvPr>
-            <p:ph idx="1"/>
-          </p:nvPr>
-        </p:nvSpPr>
-        <p:spPr>
-          <a:xfrm>
-            <a:off x="1614650" y="2345627"/>
-            <a:ext cx="7796540" cy="3997828"/>
-          </a:xfrm>
-        </p:spPr>
-        <p:txBody>
-          <a:bodyPr>
-            <a:normAutofit/>
-          </a:bodyPr>
-          <a:lstStyle/>
-          <a:p>
-            <a:r>
-              <a:rPr lang="de-DE" dirty="0"/>
-              <a:t>Einleitung</a:t>
-            </a:r>
-          </a:p>
-          <a:p>
-            <a:r>
-              <a:rPr lang="de-DE" dirty="0"/>
-              <a:t>Technologien (Grundlagen)</a:t>
-            </a:r>
-          </a:p>
-          <a:p>
-            <a:r>
-              <a:rPr lang="de-DE" dirty="0"/>
-              <a:t>Architektur (IT-</a:t>
-            </a:r>
-            <a:r>
-              <a:rPr lang="de-DE" dirty="0" err="1"/>
-              <a:t>KoM</a:t>
-            </a:r>
-            <a:r>
-              <a:rPr lang="de-DE" dirty="0"/>
-              <a:t> Verwaltung)</a:t>
-            </a:r>
-          </a:p>
-          <a:p>
-            <a:r>
-              <a:rPr lang="de-DE" dirty="0"/>
-              <a:t>Implementierung der Technologien</a:t>
-            </a:r>
-          </a:p>
-          <a:p>
-            <a:r>
-              <a:rPr lang="de-DE" dirty="0"/>
-              <a:t>Zusammenspiel der Technologien</a:t>
-            </a:r>
-          </a:p>
-          <a:p>
-            <a:r>
-              <a:rPr lang="de-DE" dirty="0"/>
-              <a:t>Fazit</a:t>
-            </a:r>
-          </a:p>
-          <a:p>
-            <a:r>
-              <a:rPr lang="de-DE" dirty="0"/>
-              <a:t>Demonstration des Prototypen</a:t>
-            </a:r>
-          </a:p>
-          <a:p>
-            <a:pPr marL="457200" lvl="1" indent="0">
-              <a:buNone/>
-            </a:pPr>
-            <a:endParaRPr lang="de-DE" dirty="0"/>
-          </a:p>
-          <a:p>
-            <a:pPr lvl="1"/>
-            <a:endParaRPr lang="de-DE" dirty="0"/>
-          </a:p>
-          <a:p>
-            <a:endParaRPr lang="de-DE" dirty="0"/>
-          </a:p>
-        </p:txBody>
-      </p:sp>
-      <p:sp>
-        <p:nvSpPr>
-          <p:cNvPr id="4" name="Datumsplatzhalter 3">
-            <a:extLst>
-              <a:ext uri="{FF2B5EF4-FFF2-40B4-BE49-F238E27FC236}">
-                <a16:creationId xmlns:a16="http://schemas.microsoft.com/office/drawing/2014/main" id="{B1C5A0D9-0D16-40F0-A270-E2153F54A613}"/>
-              </a:ext>
-            </a:extLst>
-          </p:cNvPr>
-          <p:cNvSpPr>
-            <a:spLocks noGrp="1"/>
-          </p:cNvSpPr>
-          <p:nvPr>
-            <p:ph type="dt" sz="half" idx="10"/>
-          </p:nvPr>
-        </p:nvSpPr>
-        <p:spPr/>
-        <p:txBody>
-          <a:bodyPr/>
-          <a:lstStyle/>
-          <a:p>
-            <a:fld id="{BB7604C3-A478-448A-88D6-07EFA8665C1F}" type="datetime1">
-              <a:rPr lang="de-DE" smtClean="0"/>
-              <a:t>07.11.2021</a:t>
-            </a:fld>
-            <a:endParaRPr lang="en-US"/>
-          </a:p>
-        </p:txBody>
-      </p:sp>
-      <p:sp>
-        <p:nvSpPr>
-          <p:cNvPr id="5" name="Fußzeilenplatzhalter 4">
-            <a:extLst>
-              <a:ext uri="{FF2B5EF4-FFF2-40B4-BE49-F238E27FC236}">
-                <a16:creationId xmlns:a16="http://schemas.microsoft.com/office/drawing/2014/main" id="{6987783A-1F70-47FB-8650-215BADB0D895}"/>
-              </a:ext>
-            </a:extLst>
-          </p:cNvPr>
-          <p:cNvSpPr>
-            <a:spLocks noGrp="1"/>
-          </p:cNvSpPr>
-          <p:nvPr>
-            <p:ph type="ftr" sz="quarter" idx="11"/>
-          </p:nvPr>
-        </p:nvSpPr>
-        <p:spPr/>
-        <p:txBody>
-          <a:bodyPr/>
-          <a:lstStyle/>
-          <a:p>
-            <a:pPr algn="ctr"/>
-            <a:r>
-              <a:rPr lang="en-US"/>
-              <a:t>Benjamin Swarovsky</a:t>
-            </a:r>
-            <a:endParaRPr lang="en-US" dirty="0"/>
-          </a:p>
-        </p:txBody>
-      </p:sp>
-      <p:sp>
-        <p:nvSpPr>
-          <p:cNvPr id="6" name="Foliennummernplatzhalter 5">
-            <a:extLst>
-              <a:ext uri="{FF2B5EF4-FFF2-40B4-BE49-F238E27FC236}">
-                <a16:creationId xmlns:a16="http://schemas.microsoft.com/office/drawing/2014/main" id="{EDFC56A4-BEFD-4224-A109-1FFEDB0D2EF9}"/>
-              </a:ext>
-            </a:extLst>
-          </p:cNvPr>
-          <p:cNvSpPr>
-            <a:spLocks noGrp="1"/>
-          </p:cNvSpPr>
-          <p:nvPr>
-            <p:ph type="sldNum" sz="quarter" idx="12"/>
-          </p:nvPr>
-        </p:nvSpPr>
-        <p:spPr/>
-        <p:txBody>
-          <a:bodyPr/>
-          <a:lstStyle/>
-          <a:p>
-            <a:fld id="{6D22F896-40B5-4ADD-8801-0D06FADFA095}" type="slidenum">
-              <a:rPr lang="en-US" smtClean="0"/>
-              <a:t>2</a:t>
-            </a:fld>
-            <a:endParaRPr lang="en-US"/>
-          </a:p>
-        </p:txBody>
-      </p:sp>
-    </p:spTree>
-    <p:extLst>
-      <p:ext uri="{BB962C8B-B14F-4D97-AF65-F5344CB8AC3E}">
-        <p14:creationId xmlns:p14="http://schemas.microsoft.com/office/powerpoint/2010/main" val="1135551138"/>
-      </p:ext>
-    </p:extLst>
-  </p:cSld>
-  <p:clrMapOvr>
-    <a:masterClrMapping/>
-  </p:clrMapOvr>
-</p:sld>
-</file>
-
-<file path=ppt/slides/slide20.xml><?xml version="1.0" encoding="utf-8"?>
-<p:sld xmlns:a="http://schemas.openxmlformats.org/drawingml/2006/main" xmlns:r="http://schemas.openxmlformats.org/officeDocument/2006/relationships" xmlns:p="http://schemas.openxmlformats.org/presentationml/2006/main">
-  <p:cSld>
-    <p:spTree>
-      <p:nvGrpSpPr>
-        <p:cNvPr id="1" name=""/>
-        <p:cNvGrpSpPr/>
-        <p:nvPr/>
-      </p:nvGrpSpPr>
-      <p:grpSpPr>
-        <a:xfrm>
-          <a:off x="0" y="0"/>
-          <a:ext cx="0" cy="0"/>
-          <a:chOff x="0" y="0"/>
-          <a:chExt cx="0" cy="0"/>
-        </a:xfrm>
-      </p:grpSpPr>
-      <p:sp>
-        <p:nvSpPr>
-          <p:cNvPr id="2" name="Titel 1">
-            <a:extLst>
-              <a:ext uri="{FF2B5EF4-FFF2-40B4-BE49-F238E27FC236}">
-                <a16:creationId xmlns:a16="http://schemas.microsoft.com/office/drawing/2014/main" id="{97E854AF-370A-4DD2-B05B-BA9F47E75C37}"/>
-              </a:ext>
-            </a:extLst>
-          </p:cNvPr>
-          <p:cNvSpPr>
-            <a:spLocks noGrp="1"/>
-          </p:cNvSpPr>
-          <p:nvPr>
-            <p:ph type="title"/>
-          </p:nvPr>
-        </p:nvSpPr>
-        <p:spPr/>
-        <p:txBody>
-          <a:bodyPr/>
-          <a:lstStyle/>
-          <a:p>
-            <a:endParaRPr lang="de-DE" dirty="0"/>
-          </a:p>
-        </p:txBody>
-      </p:sp>
-      <p:sp>
-        <p:nvSpPr>
-          <p:cNvPr id="3" name="Inhaltsplatzhalter 2">
-            <a:extLst>
-              <a:ext uri="{FF2B5EF4-FFF2-40B4-BE49-F238E27FC236}">
-                <a16:creationId xmlns:a16="http://schemas.microsoft.com/office/drawing/2014/main" id="{C98CDAB6-320F-43C1-90E0-C684815DE0C4}"/>
-              </a:ext>
-            </a:extLst>
-          </p:cNvPr>
-          <p:cNvSpPr>
-            <a:spLocks noGrp="1"/>
-          </p:cNvSpPr>
-          <p:nvPr>
-            <p:ph idx="1"/>
-          </p:nvPr>
-        </p:nvSpPr>
-        <p:spPr>
-          <a:xfrm>
-            <a:off x="1614649" y="1685228"/>
-            <a:ext cx="7901820" cy="4749440"/>
-          </a:xfrm>
-        </p:spPr>
-        <p:txBody>
-          <a:bodyPr>
-            <a:normAutofit fontScale="55000" lnSpcReduction="20000"/>
-          </a:bodyPr>
-          <a:lstStyle/>
-          <a:p>
-            <a:r>
-              <a:rPr lang="de-DE" sz="4000" dirty="0">
-                <a:solidFill>
-                  <a:schemeClr val="tx1">
-                    <a:lumMod val="50000"/>
-                  </a:schemeClr>
-                </a:solidFill>
-              </a:rPr>
-              <a:t>Einleitung</a:t>
-            </a:r>
-          </a:p>
-          <a:p>
-            <a:r>
-              <a:rPr lang="de-DE" sz="4000" dirty="0">
-                <a:solidFill>
-                  <a:schemeClr val="tx1">
-                    <a:lumMod val="50000"/>
-                  </a:schemeClr>
-                </a:solidFill>
-              </a:rPr>
-              <a:t>Architektur</a:t>
-            </a:r>
-          </a:p>
-          <a:p>
-            <a:r>
-              <a:rPr lang="de-DE" sz="4000" dirty="0">
-                <a:solidFill>
-                  <a:schemeClr val="tx1">
-                    <a:lumMod val="50000"/>
-                  </a:schemeClr>
-                </a:solidFill>
-              </a:rPr>
-              <a:t>API Gateway / Load Balancer</a:t>
-            </a:r>
-          </a:p>
-          <a:p>
-            <a:r>
-              <a:rPr lang="de-DE" sz="4000" dirty="0">
-                <a:solidFill>
-                  <a:schemeClr val="tx1">
-                    <a:lumMod val="50000"/>
-                  </a:schemeClr>
-                </a:solidFill>
-              </a:rPr>
-              <a:t>Service Discovery</a:t>
-            </a:r>
-          </a:p>
-          <a:p>
-            <a:r>
-              <a:rPr lang="de-DE" sz="4000" b="1" dirty="0"/>
-              <a:t>Zusammenspiel der Technologien</a:t>
-            </a:r>
-          </a:p>
-          <a:p>
-            <a:pPr lvl="1"/>
-            <a:r>
-              <a:rPr lang="de-DE" sz="3800" b="1" dirty="0"/>
-              <a:t>Anwendungsfall</a:t>
-            </a:r>
-          </a:p>
-          <a:p>
-            <a:pPr lvl="1"/>
-            <a:r>
-              <a:rPr lang="de-DE" sz="3800" b="1" dirty="0"/>
-              <a:t>Ablauf</a:t>
-            </a:r>
-          </a:p>
-          <a:p>
-            <a:r>
-              <a:rPr lang="de-DE" sz="4000" dirty="0">
-                <a:solidFill>
-                  <a:schemeClr val="tx1">
-                    <a:lumMod val="75000"/>
-                  </a:schemeClr>
-                </a:solidFill>
-              </a:rPr>
-              <a:t>Fazit</a:t>
-            </a:r>
-          </a:p>
-          <a:p>
-            <a:r>
-              <a:rPr lang="de-DE" sz="4000" dirty="0">
-                <a:solidFill>
-                  <a:schemeClr val="tx1">
-                    <a:lumMod val="75000"/>
-                  </a:schemeClr>
-                </a:solidFill>
-              </a:rPr>
-              <a:t>Demonstration des Prototypen</a:t>
-            </a:r>
-          </a:p>
-          <a:p>
-            <a:pPr marL="457200" lvl="1" indent="0">
-              <a:buNone/>
-            </a:pPr>
-            <a:endParaRPr lang="de-DE" dirty="0"/>
-          </a:p>
-          <a:p>
-            <a:pPr lvl="1"/>
-            <a:endParaRPr lang="de-DE" dirty="0"/>
-          </a:p>
-          <a:p>
-            <a:endParaRPr lang="de-DE" dirty="0"/>
-          </a:p>
-        </p:txBody>
-      </p:sp>
-      <p:sp>
-        <p:nvSpPr>
-          <p:cNvPr id="4" name="Datumsplatzhalter 3">
-            <a:extLst>
-              <a:ext uri="{FF2B5EF4-FFF2-40B4-BE49-F238E27FC236}">
-                <a16:creationId xmlns:a16="http://schemas.microsoft.com/office/drawing/2014/main" id="{B1C5A0D9-0D16-40F0-A270-E2153F54A613}"/>
-              </a:ext>
-            </a:extLst>
-          </p:cNvPr>
-          <p:cNvSpPr>
-            <a:spLocks noGrp="1"/>
-          </p:cNvSpPr>
-          <p:nvPr>
-            <p:ph type="dt" sz="half" idx="10"/>
-          </p:nvPr>
-        </p:nvSpPr>
-        <p:spPr/>
-        <p:txBody>
-          <a:bodyPr/>
-          <a:lstStyle/>
-          <a:p>
-            <a:fld id="{BB7604C3-A478-448A-88D6-07EFA8665C1F}" type="datetime1">
-              <a:rPr lang="de-DE" smtClean="0"/>
-              <a:t>07.11.2021</a:t>
-            </a:fld>
-            <a:endParaRPr lang="en-US"/>
-          </a:p>
-        </p:txBody>
-      </p:sp>
-      <p:sp>
-        <p:nvSpPr>
-          <p:cNvPr id="5" name="Fußzeilenplatzhalter 4">
-            <a:extLst>
-              <a:ext uri="{FF2B5EF4-FFF2-40B4-BE49-F238E27FC236}">
-                <a16:creationId xmlns:a16="http://schemas.microsoft.com/office/drawing/2014/main" id="{6987783A-1F70-47FB-8650-215BADB0D895}"/>
-              </a:ext>
-            </a:extLst>
-          </p:cNvPr>
-          <p:cNvSpPr>
-            <a:spLocks noGrp="1"/>
-          </p:cNvSpPr>
-          <p:nvPr>
-            <p:ph type="ftr" sz="quarter" idx="11"/>
-          </p:nvPr>
-        </p:nvSpPr>
-        <p:spPr/>
-        <p:txBody>
-          <a:bodyPr/>
-          <a:lstStyle/>
-          <a:p>
-            <a:pPr algn="ctr"/>
-            <a:r>
-              <a:rPr lang="en-US"/>
-              <a:t>Benjamin Swarovsky</a:t>
-            </a:r>
-            <a:endParaRPr lang="en-US" dirty="0"/>
-          </a:p>
-        </p:txBody>
-      </p:sp>
-      <p:sp>
-        <p:nvSpPr>
-          <p:cNvPr id="6" name="Foliennummernplatzhalter 5">
-            <a:extLst>
-              <a:ext uri="{FF2B5EF4-FFF2-40B4-BE49-F238E27FC236}">
-                <a16:creationId xmlns:a16="http://schemas.microsoft.com/office/drawing/2014/main" id="{EDFC56A4-BEFD-4224-A109-1FFEDB0D2EF9}"/>
-              </a:ext>
-            </a:extLst>
-          </p:cNvPr>
-          <p:cNvSpPr>
-            <a:spLocks noGrp="1"/>
-          </p:cNvSpPr>
-          <p:nvPr>
-            <p:ph type="sldNum" sz="quarter" idx="12"/>
-          </p:nvPr>
-        </p:nvSpPr>
-        <p:spPr/>
-        <p:txBody>
-          <a:bodyPr/>
-          <a:lstStyle/>
-          <a:p>
-            <a:fld id="{6D22F896-40B5-4ADD-8801-0D06FADFA095}" type="slidenum">
-              <a:rPr lang="en-US" smtClean="0"/>
-              <a:t>20</a:t>
-            </a:fld>
-            <a:endParaRPr lang="en-US"/>
-          </a:p>
-        </p:txBody>
-      </p:sp>
-    </p:spTree>
-    <p:extLst>
-      <p:ext uri="{BB962C8B-B14F-4D97-AF65-F5344CB8AC3E}">
-        <p14:creationId xmlns:p14="http://schemas.microsoft.com/office/powerpoint/2010/main" val="1152570565"/>
-      </p:ext>
-    </p:extLst>
-  </p:cSld>
-  <p:clrMapOvr>
-    <a:masterClrMapping/>
-  </p:clrMapOvr>
-</p:sld>
-</file>
-
-<file path=ppt/slides/slide21.xml><?xml version="1.0" encoding="utf-8"?>
-<p:sld xmlns:a="http://schemas.openxmlformats.org/drawingml/2006/main" xmlns:r="http://schemas.openxmlformats.org/officeDocument/2006/relationships" xmlns:p="http://schemas.openxmlformats.org/presentationml/2006/main">
-  <p:cSld>
-    <p:spTree>
-      <p:nvGrpSpPr>
-        <p:cNvPr id="1" name=""/>
-        <p:cNvGrpSpPr/>
-        <p:nvPr/>
-      </p:nvGrpSpPr>
-      <p:grpSpPr>
-        <a:xfrm>
-          <a:off x="0" y="0"/>
-          <a:ext cx="0" cy="0"/>
-          <a:chOff x="0" y="0"/>
-          <a:chExt cx="0" cy="0"/>
-        </a:xfrm>
-      </p:grpSpPr>
-      <p:sp>
-        <p:nvSpPr>
-          <p:cNvPr id="2" name="Titel 1">
-            <a:extLst>
-              <a:ext uri="{FF2B5EF4-FFF2-40B4-BE49-F238E27FC236}">
                 <a16:creationId xmlns:a16="http://schemas.microsoft.com/office/drawing/2014/main" id="{37350839-4570-4F36-91B9-18B6B675424F}"/>
               </a:ext>
             </a:extLst>
@@ -12308,7 +11524,7 @@
           <a:p>
             <a:fld id="{BB7604C3-A478-448A-88D6-07EFA8665C1F}" type="datetime1">
               <a:rPr lang="de-DE" smtClean="0"/>
-              <a:t>07.11.2021</a:t>
+              <a:t>08.11.2021</a:t>
             </a:fld>
             <a:endParaRPr lang="en-US"/>
           </a:p>
@@ -12367,7 +11583,7 @@
           <a:p>
             <a:fld id="{6D22F896-40B5-4ADD-8801-0D06FADFA095}" type="slidenum">
               <a:rPr lang="en-US" smtClean="0"/>
-              <a:t>21</a:t>
+              <a:t>19</a:t>
             </a:fld>
             <a:endParaRPr lang="en-US"/>
           </a:p>
@@ -12810,7 +12026,7 @@
 </p:sld>
 </file>
 
-<file path=ppt/slides/slide22.xml><?xml version="1.0" encoding="utf-8"?>
+<file path=ppt/slides/slide2.xml><?xml version="1.0" encoding="utf-8"?>
 <p:sld xmlns:a="http://schemas.openxmlformats.org/drawingml/2006/main" xmlns:r="http://schemas.openxmlformats.org/officeDocument/2006/relationships" xmlns:p="http://schemas.openxmlformats.org/presentationml/2006/main">
   <p:cSld>
     <p:spTree>
@@ -12832,6 +12048,244 @@
           <p:cNvPr id="2" name="Titel 1">
             <a:extLst>
               <a:ext uri="{FF2B5EF4-FFF2-40B4-BE49-F238E27FC236}">
+                <a16:creationId xmlns:a16="http://schemas.microsoft.com/office/drawing/2014/main" id="{97E854AF-370A-4DD2-B05B-BA9F47E75C37}"/>
+              </a:ext>
+            </a:extLst>
+          </p:cNvPr>
+          <p:cNvSpPr>
+            <a:spLocks noGrp="1"/>
+          </p:cNvSpPr>
+          <p:nvPr>
+            <p:ph type="title"/>
+          </p:nvPr>
+        </p:nvSpPr>
+        <p:spPr/>
+        <p:txBody>
+          <a:bodyPr/>
+          <a:lstStyle/>
+          <a:p>
+            <a:r>
+              <a:rPr lang="de-DE" dirty="0"/>
+              <a:t>Gliederung</a:t>
+            </a:r>
+          </a:p>
+        </p:txBody>
+      </p:sp>
+      <p:sp>
+        <p:nvSpPr>
+          <p:cNvPr id="3" name="Inhaltsplatzhalter 2">
+            <a:extLst>
+              <a:ext uri="{FF2B5EF4-FFF2-40B4-BE49-F238E27FC236}">
+                <a16:creationId xmlns:a16="http://schemas.microsoft.com/office/drawing/2014/main" id="{C98CDAB6-320F-43C1-90E0-C684815DE0C4}"/>
+              </a:ext>
+            </a:extLst>
+          </p:cNvPr>
+          <p:cNvSpPr>
+            <a:spLocks noGrp="1"/>
+          </p:cNvSpPr>
+          <p:nvPr>
+            <p:ph idx="1"/>
+          </p:nvPr>
+        </p:nvSpPr>
+        <p:spPr>
+          <a:xfrm>
+            <a:off x="1614650" y="2345627"/>
+            <a:ext cx="7796540" cy="3997828"/>
+          </a:xfrm>
+        </p:spPr>
+        <p:txBody>
+          <a:bodyPr>
+            <a:normAutofit/>
+          </a:bodyPr>
+          <a:lstStyle/>
+          <a:p>
+            <a:r>
+              <a:rPr lang="de-DE" dirty="0"/>
+              <a:t>Einleitung</a:t>
+            </a:r>
+          </a:p>
+          <a:p>
+            <a:r>
+              <a:rPr lang="de-DE" dirty="0"/>
+              <a:t>Technologien (Grundlagen)</a:t>
+            </a:r>
+          </a:p>
+          <a:p>
+            <a:r>
+              <a:rPr lang="de-DE" dirty="0"/>
+              <a:t>Architektur (IT-</a:t>
+            </a:r>
+            <a:r>
+              <a:rPr lang="de-DE" dirty="0" err="1"/>
+              <a:t>KoM</a:t>
+            </a:r>
+            <a:r>
+              <a:rPr lang="de-DE" dirty="0"/>
+              <a:t> Verwaltung)</a:t>
+            </a:r>
+          </a:p>
+          <a:p>
+            <a:r>
+              <a:rPr lang="de-DE" dirty="0"/>
+              <a:t>Implementierung der Technologien</a:t>
+            </a:r>
+          </a:p>
+          <a:p>
+            <a:r>
+              <a:rPr lang="de-DE" dirty="0"/>
+              <a:t>Zusammenspiel der Technologien</a:t>
+            </a:r>
+          </a:p>
+          <a:p>
+            <a:r>
+              <a:rPr lang="de-DE" dirty="0"/>
+              <a:t>Fazit</a:t>
+            </a:r>
+          </a:p>
+          <a:p>
+            <a:r>
+              <a:rPr lang="de-DE" dirty="0"/>
+              <a:t>Demonstration des Prototypen</a:t>
+            </a:r>
+          </a:p>
+          <a:p>
+            <a:pPr marL="457200" lvl="1" indent="0">
+              <a:buNone/>
+            </a:pPr>
+            <a:endParaRPr lang="de-DE" dirty="0"/>
+          </a:p>
+          <a:p>
+            <a:pPr lvl="1"/>
+            <a:endParaRPr lang="de-DE" dirty="0"/>
+          </a:p>
+          <a:p>
+            <a:endParaRPr lang="de-DE" dirty="0"/>
+          </a:p>
+        </p:txBody>
+      </p:sp>
+      <p:sp>
+        <p:nvSpPr>
+          <p:cNvPr id="4" name="Datumsplatzhalter 3">
+            <a:extLst>
+              <a:ext uri="{FF2B5EF4-FFF2-40B4-BE49-F238E27FC236}">
+                <a16:creationId xmlns:a16="http://schemas.microsoft.com/office/drawing/2014/main" id="{B1C5A0D9-0D16-40F0-A270-E2153F54A613}"/>
+              </a:ext>
+            </a:extLst>
+          </p:cNvPr>
+          <p:cNvSpPr>
+            <a:spLocks noGrp="1"/>
+          </p:cNvSpPr>
+          <p:nvPr>
+            <p:ph type="dt" sz="half" idx="10"/>
+          </p:nvPr>
+        </p:nvSpPr>
+        <p:spPr/>
+        <p:txBody>
+          <a:bodyPr/>
+          <a:lstStyle/>
+          <a:p>
+            <a:fld id="{BB7604C3-A478-448A-88D6-07EFA8665C1F}" type="datetime1">
+              <a:rPr lang="de-DE" smtClean="0"/>
+              <a:t>08.11.2021</a:t>
+            </a:fld>
+            <a:endParaRPr lang="en-US"/>
+          </a:p>
+        </p:txBody>
+      </p:sp>
+      <p:sp>
+        <p:nvSpPr>
+          <p:cNvPr id="5" name="Fußzeilenplatzhalter 4">
+            <a:extLst>
+              <a:ext uri="{FF2B5EF4-FFF2-40B4-BE49-F238E27FC236}">
+                <a16:creationId xmlns:a16="http://schemas.microsoft.com/office/drawing/2014/main" id="{6987783A-1F70-47FB-8650-215BADB0D895}"/>
+              </a:ext>
+            </a:extLst>
+          </p:cNvPr>
+          <p:cNvSpPr>
+            <a:spLocks noGrp="1"/>
+          </p:cNvSpPr>
+          <p:nvPr>
+            <p:ph type="ftr" sz="quarter" idx="11"/>
+          </p:nvPr>
+        </p:nvSpPr>
+        <p:spPr/>
+        <p:txBody>
+          <a:bodyPr/>
+          <a:lstStyle/>
+          <a:p>
+            <a:pPr algn="ctr"/>
+            <a:r>
+              <a:rPr lang="en-US"/>
+              <a:t>Benjamin Swarovsky</a:t>
+            </a:r>
+            <a:endParaRPr lang="en-US" dirty="0"/>
+          </a:p>
+        </p:txBody>
+      </p:sp>
+      <p:sp>
+        <p:nvSpPr>
+          <p:cNvPr id="6" name="Foliennummernplatzhalter 5">
+            <a:extLst>
+              <a:ext uri="{FF2B5EF4-FFF2-40B4-BE49-F238E27FC236}">
+                <a16:creationId xmlns:a16="http://schemas.microsoft.com/office/drawing/2014/main" id="{EDFC56A4-BEFD-4224-A109-1FFEDB0D2EF9}"/>
+              </a:ext>
+            </a:extLst>
+          </p:cNvPr>
+          <p:cNvSpPr>
+            <a:spLocks noGrp="1"/>
+          </p:cNvSpPr>
+          <p:nvPr>
+            <p:ph type="sldNum" sz="quarter" idx="12"/>
+          </p:nvPr>
+        </p:nvSpPr>
+        <p:spPr/>
+        <p:txBody>
+          <a:bodyPr/>
+          <a:lstStyle/>
+          <a:p>
+            <a:fld id="{6D22F896-40B5-4ADD-8801-0D06FADFA095}" type="slidenum">
+              <a:rPr lang="en-US" smtClean="0"/>
+              <a:t>2</a:t>
+            </a:fld>
+            <a:endParaRPr lang="en-US"/>
+          </a:p>
+        </p:txBody>
+      </p:sp>
+    </p:spTree>
+    <p:extLst>
+      <p:ext uri="{BB962C8B-B14F-4D97-AF65-F5344CB8AC3E}">
+        <p14:creationId xmlns:p14="http://schemas.microsoft.com/office/powerpoint/2010/main" val="1135551138"/>
+      </p:ext>
+    </p:extLst>
+  </p:cSld>
+  <p:clrMapOvr>
+    <a:masterClrMapping/>
+  </p:clrMapOvr>
+</p:sld>
+</file>
+
+<file path=ppt/slides/slide20.xml><?xml version="1.0" encoding="utf-8"?>
+<p:sld xmlns:a="http://schemas.openxmlformats.org/drawingml/2006/main" xmlns:r="http://schemas.openxmlformats.org/officeDocument/2006/relationships" xmlns:p="http://schemas.openxmlformats.org/presentationml/2006/main">
+  <p:cSld>
+    <p:spTree>
+      <p:nvGrpSpPr>
+        <p:cNvPr id="1" name=""/>
+        <p:cNvGrpSpPr/>
+        <p:nvPr/>
+      </p:nvGrpSpPr>
+      <p:grpSpPr>
+        <a:xfrm>
+          <a:off x="0" y="0"/>
+          <a:ext cx="0" cy="0"/>
+          <a:chOff x="0" y="0"/>
+          <a:chExt cx="0" cy="0"/>
+        </a:xfrm>
+      </p:grpSpPr>
+      <p:sp>
+        <p:nvSpPr>
+          <p:cNvPr id="2" name="Titel 1">
+            <a:extLst>
+              <a:ext uri="{FF2B5EF4-FFF2-40B4-BE49-F238E27FC236}">
                 <a16:creationId xmlns:a16="http://schemas.microsoft.com/office/drawing/2014/main" id="{2B3C1682-4AAB-4847-93EF-CEF85B4403ED}"/>
               </a:ext>
             </a:extLst>
@@ -12878,7 +12332,7 @@
           <a:p>
             <a:fld id="{BB7604C3-A478-448A-88D6-07EFA8665C1F}" type="datetime1">
               <a:rPr lang="de-DE" smtClean="0"/>
-              <a:t>07.11.2021</a:t>
+              <a:t>08.11.2021</a:t>
             </a:fld>
             <a:endParaRPr lang="en-US"/>
           </a:p>
@@ -12937,7 +12391,7 @@
           <a:p>
             <a:fld id="{6D22F896-40B5-4ADD-8801-0D06FADFA095}" type="slidenum">
               <a:rPr lang="en-US" smtClean="0"/>
-              <a:t>22</a:t>
+              <a:t>20</a:t>
             </a:fld>
             <a:endParaRPr lang="en-US"/>
           </a:p>
@@ -13468,7 +12922,7 @@
         </p:nvCxnSpPr>
         <p:spPr>
           <a:xfrm>
-            <a:off x="6849361" y="4324350"/>
+            <a:off x="6849361" y="4166305"/>
             <a:ext cx="0" cy="457200"/>
           </a:xfrm>
           <a:prstGeom prst="straightConnector1">
@@ -13595,7 +13049,7 @@
         </p:nvCxnSpPr>
         <p:spPr>
           <a:xfrm flipV="1">
-            <a:off x="9344025" y="3429000"/>
+            <a:off x="9344025" y="3357563"/>
             <a:ext cx="0" cy="1571625"/>
           </a:xfrm>
           <a:prstGeom prst="straightConnector1">
@@ -13846,7 +13300,7 @@
         </p:nvCxnSpPr>
         <p:spPr>
           <a:xfrm>
-            <a:off x="7703820" y="5128260"/>
+            <a:off x="7703820" y="5037596"/>
             <a:ext cx="1221105" cy="0"/>
           </a:xfrm>
           <a:prstGeom prst="straightConnector1">
@@ -13928,6 +13382,553 @@
     <p:extLst>
       <p:ext uri="{BB962C8B-B14F-4D97-AF65-F5344CB8AC3E}">
         <p14:creationId xmlns:p14="http://schemas.microsoft.com/office/powerpoint/2010/main" val="3237725520"/>
+      </p:ext>
+    </p:extLst>
+  </p:cSld>
+  <p:clrMapOvr>
+    <a:masterClrMapping/>
+  </p:clrMapOvr>
+</p:sld>
+</file>
+
+<file path=ppt/slides/slide21.xml><?xml version="1.0" encoding="utf-8"?>
+<p:sld xmlns:a="http://schemas.openxmlformats.org/drawingml/2006/main" xmlns:r="http://schemas.openxmlformats.org/officeDocument/2006/relationships" xmlns:p="http://schemas.openxmlformats.org/presentationml/2006/main">
+  <p:cSld>
+    <p:spTree>
+      <p:nvGrpSpPr>
+        <p:cNvPr id="1" name=""/>
+        <p:cNvGrpSpPr/>
+        <p:nvPr/>
+      </p:nvGrpSpPr>
+      <p:grpSpPr>
+        <a:xfrm>
+          <a:off x="0" y="0"/>
+          <a:ext cx="0" cy="0"/>
+          <a:chOff x="0" y="0"/>
+          <a:chExt cx="0" cy="0"/>
+        </a:xfrm>
+      </p:grpSpPr>
+      <p:sp>
+        <p:nvSpPr>
+          <p:cNvPr id="2" name="Titel 1">
+            <a:extLst>
+              <a:ext uri="{FF2B5EF4-FFF2-40B4-BE49-F238E27FC236}">
+                <a16:creationId xmlns:a16="http://schemas.microsoft.com/office/drawing/2014/main" id="{97E854AF-370A-4DD2-B05B-BA9F47E75C37}"/>
+              </a:ext>
+            </a:extLst>
+          </p:cNvPr>
+          <p:cNvSpPr>
+            <a:spLocks noGrp="1"/>
+          </p:cNvSpPr>
+          <p:nvPr>
+            <p:ph type="title"/>
+          </p:nvPr>
+        </p:nvSpPr>
+        <p:spPr/>
+        <p:txBody>
+          <a:bodyPr/>
+          <a:lstStyle/>
+          <a:p>
+            <a:endParaRPr lang="de-DE" dirty="0"/>
+          </a:p>
+        </p:txBody>
+      </p:sp>
+      <p:sp>
+        <p:nvSpPr>
+          <p:cNvPr id="3" name="Inhaltsplatzhalter 2">
+            <a:extLst>
+              <a:ext uri="{FF2B5EF4-FFF2-40B4-BE49-F238E27FC236}">
+                <a16:creationId xmlns:a16="http://schemas.microsoft.com/office/drawing/2014/main" id="{C98CDAB6-320F-43C1-90E0-C684815DE0C4}"/>
+              </a:ext>
+            </a:extLst>
+          </p:cNvPr>
+          <p:cNvSpPr>
+            <a:spLocks noGrp="1"/>
+          </p:cNvSpPr>
+          <p:nvPr>
+            <p:ph idx="1"/>
+          </p:nvPr>
+        </p:nvSpPr>
+        <p:spPr>
+          <a:xfrm>
+            <a:off x="1614649" y="1685228"/>
+            <a:ext cx="7901820" cy="4749440"/>
+          </a:xfrm>
+        </p:spPr>
+        <p:txBody>
+          <a:bodyPr>
+            <a:normAutofit fontScale="77500" lnSpcReduction="20000"/>
+          </a:bodyPr>
+          <a:lstStyle/>
+          <a:p>
+            <a:r>
+              <a:rPr lang="de-DE" sz="4000" dirty="0">
+                <a:solidFill>
+                  <a:schemeClr val="tx1">
+                    <a:lumMod val="50000"/>
+                  </a:schemeClr>
+                </a:solidFill>
+              </a:rPr>
+              <a:t>Einleitung</a:t>
+            </a:r>
+          </a:p>
+          <a:p>
+            <a:r>
+              <a:rPr lang="de-DE" sz="4000" dirty="0">
+                <a:solidFill>
+                  <a:schemeClr val="tx1">
+                    <a:lumMod val="50000"/>
+                  </a:schemeClr>
+                </a:solidFill>
+              </a:rPr>
+              <a:t>Architektur</a:t>
+            </a:r>
+          </a:p>
+          <a:p>
+            <a:r>
+              <a:rPr lang="de-DE" sz="4000" dirty="0">
+                <a:solidFill>
+                  <a:schemeClr val="tx1">
+                    <a:lumMod val="50000"/>
+                  </a:schemeClr>
+                </a:solidFill>
+              </a:rPr>
+              <a:t>API Gateway / Load Balancer</a:t>
+            </a:r>
+          </a:p>
+          <a:p>
+            <a:r>
+              <a:rPr lang="de-DE" sz="4000" dirty="0">
+                <a:solidFill>
+                  <a:schemeClr val="tx1">
+                    <a:lumMod val="50000"/>
+                  </a:schemeClr>
+                </a:solidFill>
+              </a:rPr>
+              <a:t>Service Discovery</a:t>
+            </a:r>
+          </a:p>
+          <a:p>
+            <a:r>
+              <a:rPr lang="de-DE" sz="4000" dirty="0">
+                <a:solidFill>
+                  <a:schemeClr val="tx1">
+                    <a:lumMod val="50000"/>
+                  </a:schemeClr>
+                </a:solidFill>
+              </a:rPr>
+              <a:t>Zusammenspiel der Technologien</a:t>
+            </a:r>
+          </a:p>
+          <a:p>
+            <a:r>
+              <a:rPr lang="de-DE" sz="4000" b="1" dirty="0"/>
+              <a:t>Fazit</a:t>
+            </a:r>
+          </a:p>
+          <a:p>
+            <a:r>
+              <a:rPr lang="de-DE" sz="4000" dirty="0">
+                <a:solidFill>
+                  <a:schemeClr val="tx1">
+                    <a:lumMod val="75000"/>
+                  </a:schemeClr>
+                </a:solidFill>
+              </a:rPr>
+              <a:t>Demonstration des Prototypen</a:t>
+            </a:r>
+          </a:p>
+          <a:p>
+            <a:pPr marL="457200" lvl="1" indent="0">
+              <a:buNone/>
+            </a:pPr>
+            <a:endParaRPr lang="de-DE" dirty="0"/>
+          </a:p>
+          <a:p>
+            <a:pPr lvl="1"/>
+            <a:endParaRPr lang="de-DE" dirty="0"/>
+          </a:p>
+          <a:p>
+            <a:endParaRPr lang="de-DE" dirty="0"/>
+          </a:p>
+        </p:txBody>
+      </p:sp>
+      <p:sp>
+        <p:nvSpPr>
+          <p:cNvPr id="4" name="Datumsplatzhalter 3">
+            <a:extLst>
+              <a:ext uri="{FF2B5EF4-FFF2-40B4-BE49-F238E27FC236}">
+                <a16:creationId xmlns:a16="http://schemas.microsoft.com/office/drawing/2014/main" id="{B1C5A0D9-0D16-40F0-A270-E2153F54A613}"/>
+              </a:ext>
+            </a:extLst>
+          </p:cNvPr>
+          <p:cNvSpPr>
+            <a:spLocks noGrp="1"/>
+          </p:cNvSpPr>
+          <p:nvPr>
+            <p:ph type="dt" sz="half" idx="10"/>
+          </p:nvPr>
+        </p:nvSpPr>
+        <p:spPr/>
+        <p:txBody>
+          <a:bodyPr/>
+          <a:lstStyle/>
+          <a:p>
+            <a:fld id="{BB7604C3-A478-448A-88D6-07EFA8665C1F}" type="datetime1">
+              <a:rPr lang="de-DE" smtClean="0"/>
+              <a:t>08.11.2021</a:t>
+            </a:fld>
+            <a:endParaRPr lang="en-US"/>
+          </a:p>
+        </p:txBody>
+      </p:sp>
+      <p:sp>
+        <p:nvSpPr>
+          <p:cNvPr id="5" name="Fußzeilenplatzhalter 4">
+            <a:extLst>
+              <a:ext uri="{FF2B5EF4-FFF2-40B4-BE49-F238E27FC236}">
+                <a16:creationId xmlns:a16="http://schemas.microsoft.com/office/drawing/2014/main" id="{6987783A-1F70-47FB-8650-215BADB0D895}"/>
+              </a:ext>
+            </a:extLst>
+          </p:cNvPr>
+          <p:cNvSpPr>
+            <a:spLocks noGrp="1"/>
+          </p:cNvSpPr>
+          <p:nvPr>
+            <p:ph type="ftr" sz="quarter" idx="11"/>
+          </p:nvPr>
+        </p:nvSpPr>
+        <p:spPr/>
+        <p:txBody>
+          <a:bodyPr/>
+          <a:lstStyle/>
+          <a:p>
+            <a:pPr algn="ctr"/>
+            <a:r>
+              <a:rPr lang="en-US"/>
+              <a:t>Benjamin Swarovsky</a:t>
+            </a:r>
+            <a:endParaRPr lang="en-US" dirty="0"/>
+          </a:p>
+        </p:txBody>
+      </p:sp>
+      <p:sp>
+        <p:nvSpPr>
+          <p:cNvPr id="6" name="Foliennummernplatzhalter 5">
+            <a:extLst>
+              <a:ext uri="{FF2B5EF4-FFF2-40B4-BE49-F238E27FC236}">
+                <a16:creationId xmlns:a16="http://schemas.microsoft.com/office/drawing/2014/main" id="{EDFC56A4-BEFD-4224-A109-1FFEDB0D2EF9}"/>
+              </a:ext>
+            </a:extLst>
+          </p:cNvPr>
+          <p:cNvSpPr>
+            <a:spLocks noGrp="1"/>
+          </p:cNvSpPr>
+          <p:nvPr>
+            <p:ph type="sldNum" sz="quarter" idx="12"/>
+          </p:nvPr>
+        </p:nvSpPr>
+        <p:spPr/>
+        <p:txBody>
+          <a:bodyPr/>
+          <a:lstStyle/>
+          <a:p>
+            <a:fld id="{6D22F896-40B5-4ADD-8801-0D06FADFA095}" type="slidenum">
+              <a:rPr lang="en-US" smtClean="0"/>
+              <a:t>21</a:t>
+            </a:fld>
+            <a:endParaRPr lang="en-US"/>
+          </a:p>
+        </p:txBody>
+      </p:sp>
+    </p:spTree>
+    <p:extLst>
+      <p:ext uri="{BB962C8B-B14F-4D97-AF65-F5344CB8AC3E}">
+        <p14:creationId xmlns:p14="http://schemas.microsoft.com/office/powerpoint/2010/main" val="2358635351"/>
+      </p:ext>
+    </p:extLst>
+  </p:cSld>
+  <p:clrMapOvr>
+    <a:masterClrMapping/>
+  </p:clrMapOvr>
+</p:sld>
+</file>
+
+<file path=ppt/slides/slide22.xml><?xml version="1.0" encoding="utf-8"?>
+<p:sld xmlns:a="http://schemas.openxmlformats.org/drawingml/2006/main" xmlns:r="http://schemas.openxmlformats.org/officeDocument/2006/relationships" xmlns:p="http://schemas.openxmlformats.org/presentationml/2006/main">
+  <p:cSld>
+    <p:spTree>
+      <p:nvGrpSpPr>
+        <p:cNvPr id="1" name=""/>
+        <p:cNvGrpSpPr/>
+        <p:nvPr/>
+      </p:nvGrpSpPr>
+      <p:grpSpPr>
+        <a:xfrm>
+          <a:off x="0" y="0"/>
+          <a:ext cx="0" cy="0"/>
+          <a:chOff x="0" y="0"/>
+          <a:chExt cx="0" cy="0"/>
+        </a:xfrm>
+      </p:grpSpPr>
+      <p:sp>
+        <p:nvSpPr>
+          <p:cNvPr id="2" name="Titel 1">
+            <a:extLst>
+              <a:ext uri="{FF2B5EF4-FFF2-40B4-BE49-F238E27FC236}">
+                <a16:creationId xmlns:a16="http://schemas.microsoft.com/office/drawing/2014/main" id="{D0325F50-9EBD-4B52-9CF4-53327B4F0C46}"/>
+              </a:ext>
+            </a:extLst>
+          </p:cNvPr>
+          <p:cNvSpPr>
+            <a:spLocks noGrp="1"/>
+          </p:cNvSpPr>
+          <p:nvPr>
+            <p:ph type="title"/>
+          </p:nvPr>
+        </p:nvSpPr>
+        <p:spPr/>
+        <p:txBody>
+          <a:bodyPr/>
+          <a:lstStyle/>
+          <a:p>
+            <a:r>
+              <a:rPr lang="de-DE" dirty="0"/>
+              <a:t>Fazit</a:t>
+            </a:r>
+          </a:p>
+        </p:txBody>
+      </p:sp>
+      <p:sp>
+        <p:nvSpPr>
+          <p:cNvPr id="3" name="Inhaltsplatzhalter 2">
+            <a:extLst>
+              <a:ext uri="{FF2B5EF4-FFF2-40B4-BE49-F238E27FC236}">
+                <a16:creationId xmlns:a16="http://schemas.microsoft.com/office/drawing/2014/main" id="{F32E0820-DB1F-4C4C-AA59-E3F868E24415}"/>
+              </a:ext>
+            </a:extLst>
+          </p:cNvPr>
+          <p:cNvSpPr>
+            <a:spLocks noGrp="1"/>
+          </p:cNvSpPr>
+          <p:nvPr>
+            <p:ph idx="1"/>
+          </p:nvPr>
+        </p:nvSpPr>
+        <p:spPr>
+          <a:xfrm>
+            <a:off x="1614650" y="2542035"/>
+            <a:ext cx="7796540" cy="4636052"/>
+          </a:xfrm>
+        </p:spPr>
+        <p:txBody>
+          <a:bodyPr>
+            <a:normAutofit fontScale="70000" lnSpcReduction="20000"/>
+          </a:bodyPr>
+          <a:lstStyle/>
+          <a:p>
+            <a:r>
+              <a:rPr lang="de-DE" dirty="0"/>
+              <a:t>API Gateway</a:t>
+            </a:r>
+          </a:p>
+          <a:p>
+            <a:pPr lvl="1"/>
+            <a:r>
+              <a:rPr lang="de-DE" dirty="0"/>
+              <a:t>Verbessert Wartbarkeit (Zentralisiert API-Management)</a:t>
+            </a:r>
+          </a:p>
+          <a:p>
+            <a:pPr lvl="1"/>
+            <a:r>
+              <a:rPr lang="de-DE" dirty="0"/>
+              <a:t>nicht zwingend erforderlich (bei sehr einfachen Anwendungen)</a:t>
+            </a:r>
+          </a:p>
+          <a:p>
+            <a:pPr lvl="1"/>
+            <a:r>
+              <a:rPr lang="de-DE" dirty="0"/>
+              <a:t>Einfache Implementierung mit Spring Cloud API Gateway</a:t>
+            </a:r>
+          </a:p>
+          <a:p>
+            <a:r>
+              <a:rPr lang="de-DE" dirty="0"/>
+              <a:t>Load Balancer</a:t>
+            </a:r>
+          </a:p>
+          <a:p>
+            <a:pPr lvl="1"/>
+            <a:r>
+              <a:rPr lang="de-DE" dirty="0"/>
+              <a:t>Trägt zur Erhöhung der Zuverlässigkeit bei (Lastenausgleich)</a:t>
+            </a:r>
+          </a:p>
+          <a:p>
+            <a:pPr lvl="1"/>
+            <a:r>
+              <a:rPr lang="de-DE" dirty="0"/>
+              <a:t>Nur notwendig wenn Microservices mehrfach instanziiert werden</a:t>
+            </a:r>
+          </a:p>
+          <a:p>
+            <a:pPr lvl="1"/>
+            <a:r>
+              <a:rPr lang="de-DE" dirty="0"/>
+              <a:t>Einfache Implementierung über Spring Cloud API Gateway mit Ribbon</a:t>
+            </a:r>
+          </a:p>
+          <a:p>
+            <a:r>
+              <a:rPr lang="de-DE" dirty="0"/>
+              <a:t>Service Discovery</a:t>
+            </a:r>
+          </a:p>
+          <a:p>
+            <a:pPr lvl="1"/>
+            <a:r>
+              <a:rPr lang="de-DE" dirty="0"/>
+              <a:t>Verbessert Wartbarkeit (ermöglicht dynamische Adresszuweisung)</a:t>
+            </a:r>
+          </a:p>
+          <a:p>
+            <a:pPr lvl="1"/>
+            <a:r>
+              <a:rPr lang="de-DE" dirty="0"/>
+              <a:t>Ist Voraussetzung für den Einsatz des Load Balancers</a:t>
+            </a:r>
+          </a:p>
+          <a:p>
+            <a:pPr lvl="1"/>
+            <a:r>
+              <a:rPr lang="de-DE" dirty="0"/>
+              <a:t>nicht zwingend erforderlich (bei wenigen Microservices)</a:t>
+            </a:r>
+          </a:p>
+          <a:p>
+            <a:pPr lvl="1"/>
+            <a:r>
+              <a:rPr lang="de-DE" dirty="0"/>
+              <a:t>Einfache Implementierung mit Eureka</a:t>
+            </a:r>
+          </a:p>
+          <a:p>
+            <a:pPr lvl="1"/>
+            <a:endParaRPr lang="de-DE" dirty="0"/>
+          </a:p>
+          <a:p>
+            <a:pPr lvl="1"/>
+            <a:endParaRPr lang="de-DE" dirty="0"/>
+          </a:p>
+          <a:p>
+            <a:pPr lvl="1"/>
+            <a:endParaRPr lang="de-DE" dirty="0"/>
+          </a:p>
+          <a:p>
+            <a:endParaRPr lang="de-DE" dirty="0"/>
+          </a:p>
+          <a:p>
+            <a:pPr marL="457200" lvl="1" indent="0">
+              <a:buNone/>
+            </a:pPr>
+            <a:endParaRPr lang="de-DE" dirty="0"/>
+          </a:p>
+        </p:txBody>
+      </p:sp>
+      <p:sp>
+        <p:nvSpPr>
+          <p:cNvPr id="4" name="Datumsplatzhalter 3">
+            <a:extLst>
+              <a:ext uri="{FF2B5EF4-FFF2-40B4-BE49-F238E27FC236}">
+                <a16:creationId xmlns:a16="http://schemas.microsoft.com/office/drawing/2014/main" id="{C3343AAA-013D-4810-AF12-A648160AD6D8}"/>
+              </a:ext>
+            </a:extLst>
+          </p:cNvPr>
+          <p:cNvSpPr>
+            <a:spLocks noGrp="1"/>
+          </p:cNvSpPr>
+          <p:nvPr>
+            <p:ph type="dt" sz="half" idx="10"/>
+          </p:nvPr>
+        </p:nvSpPr>
+        <p:spPr/>
+        <p:txBody>
+          <a:bodyPr/>
+          <a:lstStyle/>
+          <a:p>
+            <a:fld id="{BB7604C3-A478-448A-88D6-07EFA8665C1F}" type="datetime1">
+              <a:rPr lang="de-DE" smtClean="0"/>
+              <a:t>08.11.2021</a:t>
+            </a:fld>
+            <a:endParaRPr lang="en-US"/>
+          </a:p>
+        </p:txBody>
+      </p:sp>
+      <p:sp>
+        <p:nvSpPr>
+          <p:cNvPr id="5" name="Fußzeilenplatzhalter 4">
+            <a:extLst>
+              <a:ext uri="{FF2B5EF4-FFF2-40B4-BE49-F238E27FC236}">
+                <a16:creationId xmlns:a16="http://schemas.microsoft.com/office/drawing/2014/main" id="{69CA9EFA-610B-4A5B-B584-8B97E996BD13}"/>
+              </a:ext>
+            </a:extLst>
+          </p:cNvPr>
+          <p:cNvSpPr>
+            <a:spLocks noGrp="1"/>
+          </p:cNvSpPr>
+          <p:nvPr>
+            <p:ph type="ftr" sz="quarter" idx="11"/>
+          </p:nvPr>
+        </p:nvSpPr>
+        <p:spPr/>
+        <p:txBody>
+          <a:bodyPr/>
+          <a:lstStyle/>
+          <a:p>
+            <a:pPr algn="ctr"/>
+            <a:r>
+              <a:rPr lang="en-US"/>
+              <a:t>Benjamin Swarovsky</a:t>
+            </a:r>
+            <a:endParaRPr lang="en-US" dirty="0"/>
+          </a:p>
+        </p:txBody>
+      </p:sp>
+      <p:sp>
+        <p:nvSpPr>
+          <p:cNvPr id="6" name="Foliennummernplatzhalter 5">
+            <a:extLst>
+              <a:ext uri="{FF2B5EF4-FFF2-40B4-BE49-F238E27FC236}">
+                <a16:creationId xmlns:a16="http://schemas.microsoft.com/office/drawing/2014/main" id="{55D109E9-D893-44C1-AEB0-A9E0466C28A1}"/>
+              </a:ext>
+            </a:extLst>
+          </p:cNvPr>
+          <p:cNvSpPr>
+            <a:spLocks noGrp="1"/>
+          </p:cNvSpPr>
+          <p:nvPr>
+            <p:ph type="sldNum" sz="quarter" idx="12"/>
+          </p:nvPr>
+        </p:nvSpPr>
+        <p:spPr/>
+        <p:txBody>
+          <a:bodyPr/>
+          <a:lstStyle/>
+          <a:p>
+            <a:fld id="{6D22F896-40B5-4ADD-8801-0D06FADFA095}" type="slidenum">
+              <a:rPr lang="en-US" smtClean="0"/>
+              <a:t>22</a:t>
+            </a:fld>
+            <a:endParaRPr lang="en-US"/>
+          </a:p>
+        </p:txBody>
+      </p:sp>
+    </p:spTree>
+    <p:extLst>
+      <p:ext uri="{BB962C8B-B14F-4D97-AF65-F5344CB8AC3E}">
+        <p14:creationId xmlns:p14="http://schemas.microsoft.com/office/powerpoint/2010/main" val="1731136013"/>
       </p:ext>
     </p:extLst>
   </p:cSld>
@@ -13959,7 +13960,7 @@
           <p:cNvPr id="2" name="Titel 1">
             <a:extLst>
               <a:ext uri="{FF2B5EF4-FFF2-40B4-BE49-F238E27FC236}">
-                <a16:creationId xmlns:a16="http://schemas.microsoft.com/office/drawing/2014/main" id="{97E854AF-370A-4DD2-B05B-BA9F47E75C37}"/>
+                <a16:creationId xmlns:a16="http://schemas.microsoft.com/office/drawing/2014/main" id="{33A5AE4E-6EBA-48CA-9662-58CC35012FCD}"/>
               </a:ext>
             </a:extLst>
           </p:cNvPr>
@@ -13975,7 +13976,10 @@
           <a:bodyPr/>
           <a:lstStyle/>
           <a:p>
-            <a:endParaRPr lang="de-DE" dirty="0"/>
+            <a:r>
+              <a:rPr lang="de-DE" dirty="0"/>
+              <a:t>Ende des Vortrages</a:t>
+            </a:r>
           </a:p>
         </p:txBody>
       </p:sp>
@@ -13984,7 +13988,7 @@
           <p:cNvPr id="3" name="Inhaltsplatzhalter 2">
             <a:extLst>
               <a:ext uri="{FF2B5EF4-FFF2-40B4-BE49-F238E27FC236}">
-                <a16:creationId xmlns:a16="http://schemas.microsoft.com/office/drawing/2014/main" id="{C98CDAB6-320F-43C1-90E0-C684815DE0C4}"/>
+                <a16:creationId xmlns:a16="http://schemas.microsoft.com/office/drawing/2014/main" id="{308DD68D-17E1-4075-9E04-9BDEA2E3A3D5}"/>
               </a:ext>
             </a:extLst>
           </p:cNvPr>
@@ -13995,107 +13999,12 @@
             <p:ph idx="1"/>
           </p:nvPr>
         </p:nvSpPr>
-        <p:spPr>
-          <a:xfrm>
-            <a:off x="1614649" y="1685228"/>
-            <a:ext cx="7901820" cy="4749440"/>
-          </a:xfrm>
-        </p:spPr>
-        <p:txBody>
-          <a:bodyPr>
-            <a:normAutofit fontScale="77500" lnSpcReduction="20000"/>
-          </a:bodyPr>
-          <a:lstStyle/>
-          <a:p>
-            <a:r>
-              <a:rPr lang="de-DE" sz="4000" dirty="0">
-                <a:solidFill>
-                  <a:schemeClr val="tx1">
-                    <a:lumMod val="50000"/>
-                  </a:schemeClr>
-                </a:solidFill>
-              </a:rPr>
-              <a:t>Einleitung</a:t>
-            </a:r>
-          </a:p>
-          <a:p>
-            <a:r>
-              <a:rPr lang="de-DE" sz="4000" dirty="0">
-                <a:solidFill>
-                  <a:schemeClr val="tx1">
-                    <a:lumMod val="50000"/>
-                  </a:schemeClr>
-                </a:solidFill>
-              </a:rPr>
-              <a:t>Architektur</a:t>
-            </a:r>
-          </a:p>
-          <a:p>
-            <a:r>
-              <a:rPr lang="de-DE" sz="4000" dirty="0">
-                <a:solidFill>
-                  <a:schemeClr val="tx1">
-                    <a:lumMod val="50000"/>
-                  </a:schemeClr>
-                </a:solidFill>
-              </a:rPr>
-              <a:t>API Gateway / Load Balancer</a:t>
-            </a:r>
-          </a:p>
-          <a:p>
-            <a:r>
-              <a:rPr lang="de-DE" sz="4000" dirty="0">
-                <a:solidFill>
-                  <a:schemeClr val="tx1">
-                    <a:lumMod val="50000"/>
-                  </a:schemeClr>
-                </a:solidFill>
-              </a:rPr>
-              <a:t>Service Discovery</a:t>
-            </a:r>
-          </a:p>
-          <a:p>
-            <a:r>
-              <a:rPr lang="de-DE" sz="4000" dirty="0">
-                <a:solidFill>
-                  <a:schemeClr val="tx1">
-                    <a:lumMod val="50000"/>
-                  </a:schemeClr>
-                </a:solidFill>
-              </a:rPr>
-              <a:t>Zusammenspiel der Technologien</a:t>
-            </a:r>
-          </a:p>
-          <a:p>
-            <a:r>
-              <a:rPr lang="de-DE" sz="4000" b="1" dirty="0"/>
-              <a:t>Fazit</a:t>
-            </a:r>
-          </a:p>
-          <a:p>
-            <a:r>
-              <a:rPr lang="de-DE" sz="4000" dirty="0">
-                <a:solidFill>
-                  <a:schemeClr val="tx1">
-                    <a:lumMod val="75000"/>
-                  </a:schemeClr>
-                </a:solidFill>
-              </a:rPr>
-              <a:t>Demonstration des Prototypen</a:t>
-            </a:r>
-          </a:p>
-          <a:p>
-            <a:pPr marL="457200" lvl="1" indent="0">
-              <a:buNone/>
-            </a:pPr>
-            <a:endParaRPr lang="de-DE" dirty="0"/>
-          </a:p>
-          <a:p>
-            <a:pPr lvl="1"/>
-            <a:endParaRPr lang="de-DE" dirty="0"/>
-          </a:p>
-          <a:p>
-            <a:endParaRPr lang="de-DE" dirty="0"/>
+        <p:spPr/>
+        <p:txBody>
+          <a:bodyPr/>
+          <a:lstStyle/>
+          <a:p>
+            <a:endParaRPr lang="de-DE"/>
           </a:p>
         </p:txBody>
       </p:sp>
@@ -14104,7 +14013,7 @@
           <p:cNvPr id="4" name="Datumsplatzhalter 3">
             <a:extLst>
               <a:ext uri="{FF2B5EF4-FFF2-40B4-BE49-F238E27FC236}">
-                <a16:creationId xmlns:a16="http://schemas.microsoft.com/office/drawing/2014/main" id="{B1C5A0D9-0D16-40F0-A270-E2153F54A613}"/>
+                <a16:creationId xmlns:a16="http://schemas.microsoft.com/office/drawing/2014/main" id="{D8070C4D-CC50-41DB-86CB-8AC158160FF7}"/>
               </a:ext>
             </a:extLst>
           </p:cNvPr>
@@ -14122,7 +14031,7 @@
           <a:p>
             <a:fld id="{BB7604C3-A478-448A-88D6-07EFA8665C1F}" type="datetime1">
               <a:rPr lang="de-DE" smtClean="0"/>
-              <a:t>07.11.2021</a:t>
+              <a:t>08.11.2021</a:t>
             </a:fld>
             <a:endParaRPr lang="en-US"/>
           </a:p>
@@ -14133,7 +14042,7 @@
           <p:cNvPr id="5" name="Fußzeilenplatzhalter 4">
             <a:extLst>
               <a:ext uri="{FF2B5EF4-FFF2-40B4-BE49-F238E27FC236}">
-                <a16:creationId xmlns:a16="http://schemas.microsoft.com/office/drawing/2014/main" id="{6987783A-1F70-47FB-8650-215BADB0D895}"/>
+                <a16:creationId xmlns:a16="http://schemas.microsoft.com/office/drawing/2014/main" id="{5CE6DB89-FEB7-49C0-B0AF-3F181AB1BD45}"/>
               </a:ext>
             </a:extLst>
           </p:cNvPr>
@@ -14163,7 +14072,7 @@
           <p:cNvPr id="6" name="Foliennummernplatzhalter 5">
             <a:extLst>
               <a:ext uri="{FF2B5EF4-FFF2-40B4-BE49-F238E27FC236}">
-                <a16:creationId xmlns:a16="http://schemas.microsoft.com/office/drawing/2014/main" id="{EDFC56A4-BEFD-4224-A109-1FFEDB0D2EF9}"/>
+                <a16:creationId xmlns:a16="http://schemas.microsoft.com/office/drawing/2014/main" id="{C1C9E8E5-47A8-4539-AC65-0ED167C21323}"/>
               </a:ext>
             </a:extLst>
           </p:cNvPr>
@@ -14190,7 +14099,7 @@
     </p:spTree>
     <p:extLst>
       <p:ext uri="{BB962C8B-B14F-4D97-AF65-F5344CB8AC3E}">
-        <p14:creationId xmlns:p14="http://schemas.microsoft.com/office/powerpoint/2010/main" val="2358635351"/>
+        <p14:creationId xmlns:p14="http://schemas.microsoft.com/office/powerpoint/2010/main" val="2620263450"/>
       </p:ext>
     </p:extLst>
   </p:cSld>
@@ -14222,7 +14131,7 @@
           <p:cNvPr id="2" name="Titel 1">
             <a:extLst>
               <a:ext uri="{FF2B5EF4-FFF2-40B4-BE49-F238E27FC236}">
-                <a16:creationId xmlns:a16="http://schemas.microsoft.com/office/drawing/2014/main" id="{D0325F50-9EBD-4B52-9CF4-53327B4F0C46}"/>
+                <a16:creationId xmlns:a16="http://schemas.microsoft.com/office/drawing/2014/main" id="{9D89E670-CD3A-4DE2-9E3E-E0818CBE5CA0}"/>
               </a:ext>
             </a:extLst>
           </p:cNvPr>
@@ -14240,7 +14149,7 @@
           <a:p>
             <a:r>
               <a:rPr lang="de-DE" dirty="0"/>
-              <a:t>Fazit</a:t>
+              <a:t>Quellen</a:t>
             </a:r>
           </a:p>
         </p:txBody>
@@ -14250,7 +14159,7 @@
           <p:cNvPr id="3" name="Inhaltsplatzhalter 2">
             <a:extLst>
               <a:ext uri="{FF2B5EF4-FFF2-40B4-BE49-F238E27FC236}">
-                <a16:creationId xmlns:a16="http://schemas.microsoft.com/office/drawing/2014/main" id="{F32E0820-DB1F-4C4C-AA59-E3F868E24415}"/>
+                <a16:creationId xmlns:a16="http://schemas.microsoft.com/office/drawing/2014/main" id="{40553F2F-44B5-48EB-B275-F4AE1A8AF5A5}"/>
               </a:ext>
             </a:extLst>
           </p:cNvPr>
@@ -14261,120 +14170,312 @@
             <p:ph idx="1"/>
           </p:nvPr>
         </p:nvSpPr>
-        <p:spPr>
-          <a:xfrm>
-            <a:off x="1614650" y="2192080"/>
-            <a:ext cx="7796540" cy="4636052"/>
-          </a:xfrm>
-        </p:spPr>
+        <p:spPr/>
         <p:txBody>
           <a:bodyPr>
-            <a:normAutofit fontScale="70000" lnSpcReduction="20000"/>
+            <a:normAutofit fontScale="62500" lnSpcReduction="20000"/>
           </a:bodyPr>
           <a:lstStyle/>
           <a:p>
             <a:r>
-              <a:rPr lang="de-DE" dirty="0"/>
-              <a:t>API Gateway</a:t>
-            </a:r>
-          </a:p>
-          <a:p>
-            <a:pPr lvl="1"/>
-            <a:r>
-              <a:rPr lang="de-DE" dirty="0"/>
-              <a:t>nicht zwingend erforderlich (bei sehr einfachen Anwendungen)</a:t>
-            </a:r>
-          </a:p>
-          <a:p>
-            <a:pPr lvl="1"/>
-            <a:r>
-              <a:rPr lang="de-DE" dirty="0"/>
-              <a:t>Verbessert Wartbarkeit (Zentralisiert API-Management)</a:t>
-            </a:r>
-          </a:p>
-          <a:p>
-            <a:pPr lvl="1"/>
-            <a:r>
-              <a:rPr lang="de-DE" dirty="0"/>
-              <a:t>Einfache Implementierung mit Spring Cloud API Gateway</a:t>
-            </a:r>
-          </a:p>
-          <a:p>
-            <a:r>
-              <a:rPr lang="de-DE" dirty="0"/>
-              <a:t>Load Balancer</a:t>
-            </a:r>
-          </a:p>
-          <a:p>
-            <a:pPr lvl="1"/>
-            <a:r>
-              <a:rPr lang="de-DE" dirty="0"/>
-              <a:t>Nur notwendig wenn Microservices mehrfach instanziiert werden</a:t>
-            </a:r>
-          </a:p>
-          <a:p>
-            <a:pPr lvl="1"/>
-            <a:r>
-              <a:rPr lang="de-DE" dirty="0"/>
-              <a:t>Trägt zur Erhöhung der Zuverlässigkeit bei (Lastenausgleich)</a:t>
-            </a:r>
-          </a:p>
-          <a:p>
-            <a:pPr lvl="1"/>
-            <a:r>
-              <a:rPr lang="de-DE" dirty="0"/>
-              <a:t>Einfache Implementierung über Spring Cloud API Gateway mit Ribbon</a:t>
-            </a:r>
-          </a:p>
-          <a:p>
-            <a:r>
-              <a:rPr lang="de-DE" dirty="0"/>
-              <a:t>Service Discovery</a:t>
-            </a:r>
-          </a:p>
-          <a:p>
-            <a:pPr lvl="1"/>
-            <a:r>
-              <a:rPr lang="de-DE" dirty="0"/>
-              <a:t>Einfache Implementierung mit Eureka</a:t>
-            </a:r>
-          </a:p>
-          <a:p>
-            <a:pPr lvl="1"/>
-            <a:r>
-              <a:rPr lang="de-DE" dirty="0"/>
-              <a:t>Verbessert Wartbarkeit (ermöglicht dynamische Adresszuweisung)</a:t>
-            </a:r>
-          </a:p>
-          <a:p>
-            <a:pPr lvl="1"/>
-            <a:r>
-              <a:rPr lang="de-DE" dirty="0"/>
-              <a:t>Ist Voraussetzung für den Einsatz des Load Balancers</a:t>
-            </a:r>
-          </a:p>
-          <a:p>
-            <a:pPr lvl="1"/>
-            <a:r>
-              <a:rPr lang="de-DE" dirty="0"/>
-              <a:t>nicht zwingend erforderlich (bei wenigen Microservices)</a:t>
-            </a:r>
-          </a:p>
-          <a:p>
-            <a:pPr lvl="1"/>
-            <a:endParaRPr lang="de-DE" dirty="0"/>
-          </a:p>
-          <a:p>
-            <a:pPr lvl="1"/>
-            <a:endParaRPr lang="de-DE" dirty="0"/>
-          </a:p>
-          <a:p>
-            <a:endParaRPr lang="de-DE" dirty="0"/>
-          </a:p>
-          <a:p>
-            <a:pPr marL="457200" lvl="1" indent="0">
-              <a:buNone/>
-            </a:pPr>
+              <a:rPr lang="de-DE" sz="1800" b="1" dirty="0" err="1">
+                <a:effectLst/>
+                <a:latin typeface="Arial" panose="020B0604020202020204" pitchFamily="34" charset="0"/>
+                <a:ea typeface="Calibri" panose="020F0502020204030204" pitchFamily="34" charset="0"/>
+                <a:cs typeface="Times New Roman" panose="02020603050405020304" pitchFamily="18" charset="0"/>
+              </a:rPr>
+              <a:t>Gnatyk</a:t>
+            </a:r>
+            <a:r>
+              <a:rPr lang="de-DE" sz="1800" b="1" dirty="0">
+                <a:effectLst/>
+                <a:latin typeface="Arial" panose="020B0604020202020204" pitchFamily="34" charset="0"/>
+                <a:ea typeface="Calibri" panose="020F0502020204030204" pitchFamily="34" charset="0"/>
+                <a:cs typeface="Times New Roman" panose="02020603050405020304" pitchFamily="18" charset="0"/>
+              </a:rPr>
+              <a:t> , Romana . 2018.</a:t>
+            </a:r>
+            <a:r>
+              <a:rPr lang="de-DE" sz="1800" dirty="0">
+                <a:effectLst/>
+                <a:latin typeface="Arial" panose="020B0604020202020204" pitchFamily="34" charset="0"/>
+                <a:ea typeface="Calibri" panose="020F0502020204030204" pitchFamily="34" charset="0"/>
+                <a:cs typeface="Times New Roman" panose="02020603050405020304" pitchFamily="18" charset="0"/>
+              </a:rPr>
+              <a:t> N-</a:t>
+            </a:r>
+            <a:r>
+              <a:rPr lang="de-DE" sz="1800" dirty="0" err="1">
+                <a:effectLst/>
+                <a:latin typeface="Arial" panose="020B0604020202020204" pitchFamily="34" charset="0"/>
+                <a:ea typeface="Calibri" panose="020F0502020204030204" pitchFamily="34" charset="0"/>
+                <a:cs typeface="Times New Roman" panose="02020603050405020304" pitchFamily="18" charset="0"/>
+              </a:rPr>
+              <a:t>iX</a:t>
+            </a:r>
+            <a:r>
+              <a:rPr lang="de-DE" sz="1800" dirty="0">
+                <a:effectLst/>
+                <a:latin typeface="Arial" panose="020B0604020202020204" pitchFamily="34" charset="0"/>
+                <a:ea typeface="Calibri" panose="020F0502020204030204" pitchFamily="34" charset="0"/>
+                <a:cs typeface="Times New Roman" panose="02020603050405020304" pitchFamily="18" charset="0"/>
+              </a:rPr>
+              <a:t>. [Online] 03. Oktober 2018. [Zitat vom: 07. August 2021.] https://www.n-ix.com/microservices-vs-monolith-which-architecture-best-choice-your-business/.</a:t>
+            </a:r>
+            <a:endParaRPr lang="de-DE" sz="1800" b="1" dirty="0">
+              <a:effectLst/>
+              <a:latin typeface="Arial" panose="020B0604020202020204" pitchFamily="34" charset="0"/>
+              <a:ea typeface="Calibri" panose="020F0502020204030204" pitchFamily="34" charset="0"/>
+              <a:cs typeface="Times New Roman" panose="02020603050405020304" pitchFamily="18" charset="0"/>
+            </a:endParaRPr>
+          </a:p>
+          <a:p>
+            <a:r>
+              <a:rPr lang="de-DE" sz="1800" b="1" dirty="0" err="1">
+                <a:effectLst/>
+                <a:latin typeface="Arial" panose="020B0604020202020204" pitchFamily="34" charset="0"/>
+                <a:ea typeface="Calibri" panose="020F0502020204030204" pitchFamily="34" charset="0"/>
+                <a:cs typeface="Times New Roman" panose="02020603050405020304" pitchFamily="18" charset="0"/>
+              </a:rPr>
+              <a:t>ComputerWeekly</a:t>
+            </a:r>
+            <a:r>
+              <a:rPr lang="de-DE" sz="1800" b="1" dirty="0">
+                <a:effectLst/>
+                <a:latin typeface="Arial" panose="020B0604020202020204" pitchFamily="34" charset="0"/>
+                <a:ea typeface="Calibri" panose="020F0502020204030204" pitchFamily="34" charset="0"/>
+                <a:cs typeface="Times New Roman" panose="02020603050405020304" pitchFamily="18" charset="0"/>
+              </a:rPr>
+              <a:t>, Redaktion. 2020.</a:t>
+            </a:r>
+            <a:r>
+              <a:rPr lang="de-DE" sz="1800" dirty="0">
+                <a:effectLst/>
+                <a:latin typeface="Arial" panose="020B0604020202020204" pitchFamily="34" charset="0"/>
+                <a:ea typeface="Calibri" panose="020F0502020204030204" pitchFamily="34" charset="0"/>
+                <a:cs typeface="Times New Roman" panose="02020603050405020304" pitchFamily="18" charset="0"/>
+              </a:rPr>
+              <a:t> </a:t>
+            </a:r>
+            <a:r>
+              <a:rPr lang="de-DE" sz="1800" dirty="0" err="1">
+                <a:effectLst/>
+                <a:latin typeface="Arial" panose="020B0604020202020204" pitchFamily="34" charset="0"/>
+                <a:ea typeface="Calibri" panose="020F0502020204030204" pitchFamily="34" charset="0"/>
+                <a:cs typeface="Times New Roman" panose="02020603050405020304" pitchFamily="18" charset="0"/>
+              </a:rPr>
+              <a:t>ComputerWeekly</a:t>
+            </a:r>
+            <a:r>
+              <a:rPr lang="de-DE" sz="1800" dirty="0">
+                <a:effectLst/>
+                <a:latin typeface="Arial" panose="020B0604020202020204" pitchFamily="34" charset="0"/>
+                <a:ea typeface="Calibri" panose="020F0502020204030204" pitchFamily="34" charset="0"/>
+                <a:cs typeface="Times New Roman" panose="02020603050405020304" pitchFamily="18" charset="0"/>
+              </a:rPr>
+              <a:t>. [Online] Juli 2020. [Zitat vom: 16. August 2021.] https://www.computerweekly.com/de/definition/Load-Balancing.</a:t>
+            </a:r>
+          </a:p>
+          <a:p>
+            <a:r>
+              <a:rPr lang="de-DE" sz="1800" b="1" dirty="0">
+                <a:effectLst/>
+                <a:latin typeface="Arial" panose="020B0604020202020204" pitchFamily="34" charset="0"/>
+                <a:ea typeface="Calibri" panose="020F0502020204030204" pitchFamily="34" charset="0"/>
+                <a:cs typeface="Times New Roman" panose="02020603050405020304" pitchFamily="18" charset="0"/>
+              </a:rPr>
+              <a:t>Donner, Andreas Dipl. -Ing und Kunkel, Richard. 2019.</a:t>
+            </a:r>
+            <a:r>
+              <a:rPr lang="de-DE" sz="1800" dirty="0">
+                <a:effectLst/>
+                <a:latin typeface="Arial" panose="020B0604020202020204" pitchFamily="34" charset="0"/>
+                <a:ea typeface="Calibri" panose="020F0502020204030204" pitchFamily="34" charset="0"/>
+                <a:cs typeface="Times New Roman" panose="02020603050405020304" pitchFamily="18" charset="0"/>
+              </a:rPr>
+              <a:t> </a:t>
+            </a:r>
+            <a:r>
+              <a:rPr lang="de-DE" sz="1800" dirty="0" err="1">
+                <a:effectLst/>
+                <a:latin typeface="Arial" panose="020B0604020202020204" pitchFamily="34" charset="0"/>
+                <a:ea typeface="Calibri" panose="020F0502020204030204" pitchFamily="34" charset="0"/>
+                <a:cs typeface="Times New Roman" panose="02020603050405020304" pitchFamily="18" charset="0"/>
+              </a:rPr>
+              <a:t>Ip</a:t>
+            </a:r>
+            <a:r>
+              <a:rPr lang="de-DE" sz="1800" dirty="0">
+                <a:effectLst/>
+                <a:latin typeface="Arial" panose="020B0604020202020204" pitchFamily="34" charset="0"/>
+                <a:ea typeface="Calibri" panose="020F0502020204030204" pitchFamily="34" charset="0"/>
+                <a:cs typeface="Times New Roman" panose="02020603050405020304" pitchFamily="18" charset="0"/>
+              </a:rPr>
+              <a:t> Insider. [Online] 06. März 2019. [Zitat vom: 21. August 2021.] https://www.ip-insider.de/die-vorteile-des-software-load-balancings-a-801344/.</a:t>
+            </a:r>
+          </a:p>
+          <a:p>
+            <a:r>
+              <a:rPr lang="de-DE" sz="1800" b="1" dirty="0">
+                <a:effectLst/>
+                <a:latin typeface="Arial" panose="020B0604020202020204" pitchFamily="34" charset="0"/>
+                <a:ea typeface="Calibri" panose="020F0502020204030204" pitchFamily="34" charset="0"/>
+                <a:cs typeface="Times New Roman" panose="02020603050405020304" pitchFamily="18" charset="0"/>
+              </a:rPr>
+              <a:t>Anil, </a:t>
+            </a:r>
+            <a:r>
+              <a:rPr lang="de-DE" sz="1800" b="1" dirty="0" err="1">
+                <a:effectLst/>
+                <a:latin typeface="Arial" panose="020B0604020202020204" pitchFamily="34" charset="0"/>
+                <a:ea typeface="Calibri" panose="020F0502020204030204" pitchFamily="34" charset="0"/>
+                <a:cs typeface="Times New Roman" panose="02020603050405020304" pitchFamily="18" charset="0"/>
+              </a:rPr>
+              <a:t>Nish</a:t>
+            </a:r>
+            <a:r>
+              <a:rPr lang="de-DE" sz="1800" b="1" dirty="0">
+                <a:effectLst/>
+                <a:latin typeface="Arial" panose="020B0604020202020204" pitchFamily="34" charset="0"/>
+                <a:ea typeface="Calibri" panose="020F0502020204030204" pitchFamily="34" charset="0"/>
+                <a:cs typeface="Times New Roman" panose="02020603050405020304" pitchFamily="18" charset="0"/>
+              </a:rPr>
+              <a:t>. 2021.</a:t>
+            </a:r>
+            <a:r>
+              <a:rPr lang="de-DE" sz="1800" dirty="0">
+                <a:effectLst/>
+                <a:latin typeface="Arial" panose="020B0604020202020204" pitchFamily="34" charset="0"/>
+                <a:ea typeface="Calibri" panose="020F0502020204030204" pitchFamily="34" charset="0"/>
+                <a:cs typeface="Times New Roman" panose="02020603050405020304" pitchFamily="18" charset="0"/>
+              </a:rPr>
+              <a:t> </a:t>
+            </a:r>
+            <a:r>
+              <a:rPr lang="de-DE" sz="1800" dirty="0" err="1">
+                <a:effectLst/>
+                <a:latin typeface="Arial" panose="020B0604020202020204" pitchFamily="34" charset="0"/>
+                <a:ea typeface="Calibri" panose="020F0502020204030204" pitchFamily="34" charset="0"/>
+                <a:cs typeface="Times New Roman" panose="02020603050405020304" pitchFamily="18" charset="0"/>
+              </a:rPr>
+              <a:t>docs.microsoft</a:t>
+            </a:r>
+            <a:r>
+              <a:rPr lang="de-DE" sz="1800" dirty="0">
+                <a:effectLst/>
+                <a:latin typeface="Arial" panose="020B0604020202020204" pitchFamily="34" charset="0"/>
+                <a:ea typeface="Calibri" panose="020F0502020204030204" pitchFamily="34" charset="0"/>
+                <a:cs typeface="Times New Roman" panose="02020603050405020304" pitchFamily="18" charset="0"/>
+              </a:rPr>
+              <a:t>. [Online] 28. September 2021. [Zitat vom: 24. August 2021.] https://docs.microsoft.com/de-de/dotnet/architecture/microservices/architect-microservice-container-applications/direct-client-to-microservice-communication-versus-the-api-gateway-pattern.</a:t>
+            </a:r>
+          </a:p>
+          <a:p>
+            <a:r>
+              <a:rPr lang="de-DE" sz="1800" b="1" dirty="0" err="1">
+                <a:effectLst/>
+                <a:latin typeface="Arial" panose="020B0604020202020204" pitchFamily="34" charset="0"/>
+                <a:ea typeface="Calibri" panose="020F0502020204030204" pitchFamily="34" charset="0"/>
+                <a:cs typeface="Times New Roman" panose="02020603050405020304" pitchFamily="18" charset="0"/>
+              </a:rPr>
+              <a:t>baeldung</a:t>
+            </a:r>
+            <a:r>
+              <a:rPr lang="de-DE" sz="1800" b="1" dirty="0">
+                <a:effectLst/>
+                <a:latin typeface="Arial" panose="020B0604020202020204" pitchFamily="34" charset="0"/>
+                <a:ea typeface="Calibri" panose="020F0502020204030204" pitchFamily="34" charset="0"/>
+                <a:cs typeface="Times New Roman" panose="02020603050405020304" pitchFamily="18" charset="0"/>
+              </a:rPr>
+              <a:t>. 2021.</a:t>
+            </a:r>
+            <a:r>
+              <a:rPr lang="de-DE" sz="1800" dirty="0">
+                <a:effectLst/>
+                <a:latin typeface="Arial" panose="020B0604020202020204" pitchFamily="34" charset="0"/>
+                <a:ea typeface="Calibri" panose="020F0502020204030204" pitchFamily="34" charset="0"/>
+                <a:cs typeface="Times New Roman" panose="02020603050405020304" pitchFamily="18" charset="0"/>
+              </a:rPr>
+              <a:t> </a:t>
+            </a:r>
+            <a:r>
+              <a:rPr lang="de-DE" sz="1800" dirty="0" err="1">
+                <a:effectLst/>
+                <a:latin typeface="Arial" panose="020B0604020202020204" pitchFamily="34" charset="0"/>
+                <a:ea typeface="Calibri" panose="020F0502020204030204" pitchFamily="34" charset="0"/>
+                <a:cs typeface="Times New Roman" panose="02020603050405020304" pitchFamily="18" charset="0"/>
+              </a:rPr>
+              <a:t>Baeldung</a:t>
+            </a:r>
+            <a:r>
+              <a:rPr lang="de-DE" sz="1800" dirty="0">
+                <a:effectLst/>
+                <a:latin typeface="Arial" panose="020B0604020202020204" pitchFamily="34" charset="0"/>
+                <a:ea typeface="Calibri" panose="020F0502020204030204" pitchFamily="34" charset="0"/>
+                <a:cs typeface="Times New Roman" panose="02020603050405020304" pitchFamily="18" charset="0"/>
+              </a:rPr>
+              <a:t>. [Online] 07. April 2021. [Zitat vom: 10. Oktober 2021.] https://www.baeldung.com/maven.</a:t>
+            </a:r>
+          </a:p>
+          <a:p>
+            <a:r>
+              <a:rPr lang="de-DE" sz="1800" b="1" dirty="0">
+                <a:effectLst/>
+                <a:latin typeface="Arial" panose="020B0604020202020204" pitchFamily="34" charset="0"/>
+                <a:ea typeface="Calibri" panose="020F0502020204030204" pitchFamily="34" charset="0"/>
+                <a:cs typeface="Times New Roman" panose="02020603050405020304" pitchFamily="18" charset="0"/>
+              </a:rPr>
+              <a:t>Bayer, Thomas. 2019.</a:t>
+            </a:r>
+            <a:r>
+              <a:rPr lang="de-DE" sz="1800" dirty="0">
+                <a:effectLst/>
+                <a:latin typeface="Arial" panose="020B0604020202020204" pitchFamily="34" charset="0"/>
+                <a:ea typeface="Calibri" panose="020F0502020204030204" pitchFamily="34" charset="0"/>
+                <a:cs typeface="Times New Roman" panose="02020603050405020304" pitchFamily="18" charset="0"/>
+              </a:rPr>
+              <a:t> predic8. [Online] 18. November 2019. [Zitat vom: 04. September 2021.] https://www.predic8.de/microservices-spring-boot-spring-cloud.htm.</a:t>
+            </a:r>
+          </a:p>
+          <a:p>
+            <a:r>
+              <a:rPr lang="de-DE" sz="1800" b="1" dirty="0">
+                <a:effectLst/>
+                <a:latin typeface="Arial" panose="020B0604020202020204" pitchFamily="34" charset="0"/>
+                <a:ea typeface="Calibri" panose="020F0502020204030204" pitchFamily="34" charset="0"/>
+                <a:cs typeface="Times New Roman" panose="02020603050405020304" pitchFamily="18" charset="0"/>
+              </a:rPr>
+              <a:t>Gillis, Alexander S. 2021.</a:t>
+            </a:r>
+            <a:r>
+              <a:rPr lang="de-DE" sz="1800" dirty="0">
+                <a:effectLst/>
+                <a:latin typeface="Arial" panose="020B0604020202020204" pitchFamily="34" charset="0"/>
+                <a:ea typeface="Calibri" panose="020F0502020204030204" pitchFamily="34" charset="0"/>
+                <a:cs typeface="Times New Roman" panose="02020603050405020304" pitchFamily="18" charset="0"/>
+              </a:rPr>
+              <a:t> </a:t>
+            </a:r>
+            <a:r>
+              <a:rPr lang="de-DE" sz="1800" dirty="0" err="1">
+                <a:effectLst/>
+                <a:latin typeface="Arial" panose="020B0604020202020204" pitchFamily="34" charset="0"/>
+                <a:ea typeface="Calibri" panose="020F0502020204030204" pitchFamily="34" charset="0"/>
+                <a:cs typeface="Times New Roman" panose="02020603050405020304" pitchFamily="18" charset="0"/>
+              </a:rPr>
+              <a:t>TechTarget</a:t>
+            </a:r>
+            <a:r>
+              <a:rPr lang="de-DE" sz="1800" dirty="0">
+                <a:effectLst/>
+                <a:latin typeface="Arial" panose="020B0604020202020204" pitchFamily="34" charset="0"/>
+                <a:ea typeface="Calibri" panose="020F0502020204030204" pitchFamily="34" charset="0"/>
+                <a:cs typeface="Times New Roman" panose="02020603050405020304" pitchFamily="18" charset="0"/>
+              </a:rPr>
+              <a:t>. [Online] April 2021. [Zitat vom: 14. August 2021.] https://whatis.techtarget.com/de/definition/Service-Discovery-Diensterkennung.</a:t>
+            </a:r>
+          </a:p>
+          <a:p>
             <a:endParaRPr lang="de-DE" dirty="0"/>
           </a:p>
         </p:txBody>
@@ -14384,7 +14485,7 @@
           <p:cNvPr id="4" name="Datumsplatzhalter 3">
             <a:extLst>
               <a:ext uri="{FF2B5EF4-FFF2-40B4-BE49-F238E27FC236}">
-                <a16:creationId xmlns:a16="http://schemas.microsoft.com/office/drawing/2014/main" id="{C3343AAA-013D-4810-AF12-A648160AD6D8}"/>
+                <a16:creationId xmlns:a16="http://schemas.microsoft.com/office/drawing/2014/main" id="{4CDF12B0-341B-47FC-9CC1-C195BC9588EE}"/>
               </a:ext>
             </a:extLst>
           </p:cNvPr>
@@ -14402,7 +14503,7 @@
           <a:p>
             <a:fld id="{BB7604C3-A478-448A-88D6-07EFA8665C1F}" type="datetime1">
               <a:rPr lang="de-DE" smtClean="0"/>
-              <a:t>07.11.2021</a:t>
+              <a:t>08.11.2021</a:t>
             </a:fld>
             <a:endParaRPr lang="en-US"/>
           </a:p>
@@ -14413,7 +14514,7 @@
           <p:cNvPr id="5" name="Fußzeilenplatzhalter 4">
             <a:extLst>
               <a:ext uri="{FF2B5EF4-FFF2-40B4-BE49-F238E27FC236}">
-                <a16:creationId xmlns:a16="http://schemas.microsoft.com/office/drawing/2014/main" id="{69CA9EFA-610B-4A5B-B584-8B97E996BD13}"/>
+                <a16:creationId xmlns:a16="http://schemas.microsoft.com/office/drawing/2014/main" id="{F4B35FDD-1C84-4478-8866-E19F11C948DD}"/>
               </a:ext>
             </a:extLst>
           </p:cNvPr>
@@ -14443,7 +14544,7 @@
           <p:cNvPr id="6" name="Foliennummernplatzhalter 5">
             <a:extLst>
               <a:ext uri="{FF2B5EF4-FFF2-40B4-BE49-F238E27FC236}">
-                <a16:creationId xmlns:a16="http://schemas.microsoft.com/office/drawing/2014/main" id="{55D109E9-D893-44C1-AEB0-A9E0466C28A1}"/>
+                <a16:creationId xmlns:a16="http://schemas.microsoft.com/office/drawing/2014/main" id="{18568517-E9C8-4B56-8BA6-E0687FFAD00F}"/>
               </a:ext>
             </a:extLst>
           </p:cNvPr>
@@ -14470,7 +14571,7 @@
     </p:spTree>
     <p:extLst>
       <p:ext uri="{BB962C8B-B14F-4D97-AF65-F5344CB8AC3E}">
-        <p14:creationId xmlns:p14="http://schemas.microsoft.com/office/powerpoint/2010/main" val="1731136013"/>
+        <p14:creationId xmlns:p14="http://schemas.microsoft.com/office/powerpoint/2010/main" val="2995152579"/>
       </p:ext>
     </p:extLst>
   </p:cSld>
@@ -14502,7 +14603,7 @@
           <p:cNvPr id="2" name="Titel 1">
             <a:extLst>
               <a:ext uri="{FF2B5EF4-FFF2-40B4-BE49-F238E27FC236}">
-                <a16:creationId xmlns:a16="http://schemas.microsoft.com/office/drawing/2014/main" id="{33A5AE4E-6EBA-48CA-9662-58CC35012FCD}"/>
+                <a16:creationId xmlns:a16="http://schemas.microsoft.com/office/drawing/2014/main" id="{9D89E670-CD3A-4DE2-9E3E-E0818CBE5CA0}"/>
               </a:ext>
             </a:extLst>
           </p:cNvPr>
@@ -14520,7 +14621,7 @@
           <a:p>
             <a:r>
               <a:rPr lang="de-DE" dirty="0"/>
-              <a:t>Ende des Vortrages</a:t>
+              <a:t>Quellen</a:t>
             </a:r>
           </a:p>
         </p:txBody>
@@ -14530,7 +14631,7 @@
           <p:cNvPr id="3" name="Inhaltsplatzhalter 2">
             <a:extLst>
               <a:ext uri="{FF2B5EF4-FFF2-40B4-BE49-F238E27FC236}">
-                <a16:creationId xmlns:a16="http://schemas.microsoft.com/office/drawing/2014/main" id="{308DD68D-17E1-4075-9E04-9BDEA2E3A3D5}"/>
+                <a16:creationId xmlns:a16="http://schemas.microsoft.com/office/drawing/2014/main" id="{40553F2F-44B5-48EB-B275-F4AE1A8AF5A5}"/>
               </a:ext>
             </a:extLst>
           </p:cNvPr>
@@ -14543,10 +14644,333 @@
         </p:nvSpPr>
         <p:spPr/>
         <p:txBody>
-          <a:bodyPr/>
-          <a:lstStyle/>
-          <a:p>
-            <a:endParaRPr lang="de-DE"/>
+          <a:bodyPr>
+            <a:normAutofit fontScale="62500" lnSpcReduction="20000"/>
+          </a:bodyPr>
+          <a:lstStyle/>
+          <a:p>
+            <a:pPr algn="just">
+              <a:lnSpc>
+                <a:spcPct val="120000"/>
+              </a:lnSpc>
+              <a:spcAft>
+                <a:spcPts val="800"/>
+              </a:spcAft>
+            </a:pPr>
+            <a:r>
+              <a:rPr lang="de-DE" sz="1800" b="1" dirty="0">
+                <a:effectLst/>
+                <a:latin typeface="Arial" panose="020B0604020202020204" pitchFamily="34" charset="0"/>
+                <a:ea typeface="Calibri" panose="020F0502020204030204" pitchFamily="34" charset="0"/>
+                <a:cs typeface="Times New Roman" panose="02020603050405020304" pitchFamily="18" charset="0"/>
+              </a:rPr>
+              <a:t>Hruschka, Peter und Starke, Gernot. 2017.</a:t>
+            </a:r>
+            <a:r>
+              <a:rPr lang="de-DE" sz="1800" dirty="0">
+                <a:effectLst/>
+                <a:latin typeface="Arial" panose="020B0604020202020204" pitchFamily="34" charset="0"/>
+                <a:ea typeface="Calibri" panose="020F0502020204030204" pitchFamily="34" charset="0"/>
+                <a:cs typeface="Times New Roman" panose="02020603050405020304" pitchFamily="18" charset="0"/>
+              </a:rPr>
+              <a:t> </a:t>
+            </a:r>
+            <a:r>
+              <a:rPr lang="de-DE" sz="1800" i="1" dirty="0">
+                <a:effectLst/>
+                <a:latin typeface="Arial" panose="020B0604020202020204" pitchFamily="34" charset="0"/>
+                <a:ea typeface="Calibri" panose="020F0502020204030204" pitchFamily="34" charset="0"/>
+                <a:cs typeface="Times New Roman" panose="02020603050405020304" pitchFamily="18" charset="0"/>
+              </a:rPr>
+              <a:t>arc42 </a:t>
+            </a:r>
+            <a:r>
+              <a:rPr lang="de-DE" sz="1800" i="1" dirty="0" err="1">
+                <a:effectLst/>
+                <a:latin typeface="Arial" panose="020B0604020202020204" pitchFamily="34" charset="0"/>
+                <a:ea typeface="Calibri" panose="020F0502020204030204" pitchFamily="34" charset="0"/>
+                <a:cs typeface="Times New Roman" panose="02020603050405020304" pitchFamily="18" charset="0"/>
+              </a:rPr>
+              <a:t>template</a:t>
+            </a:r>
+            <a:r>
+              <a:rPr lang="de-DE" sz="1800" i="1" dirty="0">
+                <a:effectLst/>
+                <a:latin typeface="Arial" panose="020B0604020202020204" pitchFamily="34" charset="0"/>
+                <a:ea typeface="Calibri" panose="020F0502020204030204" pitchFamily="34" charset="0"/>
+                <a:cs typeface="Times New Roman" panose="02020603050405020304" pitchFamily="18" charset="0"/>
+              </a:rPr>
+              <a:t>. </a:t>
+            </a:r>
+            <a:r>
+              <a:rPr lang="de-DE" sz="1800" dirty="0">
+                <a:effectLst/>
+                <a:latin typeface="Arial" panose="020B0604020202020204" pitchFamily="34" charset="0"/>
+                <a:ea typeface="Calibri" panose="020F0502020204030204" pitchFamily="34" charset="0"/>
+                <a:cs typeface="Times New Roman" panose="02020603050405020304" pitchFamily="18" charset="0"/>
+              </a:rPr>
+              <a:t>Januar 2017.</a:t>
+            </a:r>
+          </a:p>
+          <a:p>
+            <a:r>
+              <a:rPr lang="de-DE" sz="1800" b="1" dirty="0" err="1">
+                <a:effectLst/>
+                <a:latin typeface="Arial" panose="020B0604020202020204" pitchFamily="34" charset="0"/>
+                <a:ea typeface="Calibri" panose="020F0502020204030204" pitchFamily="34" charset="0"/>
+                <a:cs typeface="Times New Roman" panose="02020603050405020304" pitchFamily="18" charset="0"/>
+              </a:rPr>
+              <a:t>laverma</a:t>
+            </a:r>
+            <a:r>
+              <a:rPr lang="de-DE" sz="1800" b="1" dirty="0">
+                <a:effectLst/>
+                <a:latin typeface="Arial" panose="020B0604020202020204" pitchFamily="34" charset="0"/>
+                <a:ea typeface="Calibri" panose="020F0502020204030204" pitchFamily="34" charset="0"/>
+                <a:cs typeface="Times New Roman" panose="02020603050405020304" pitchFamily="18" charset="0"/>
+              </a:rPr>
+              <a:t>. 2020.</a:t>
+            </a:r>
+            <a:r>
+              <a:rPr lang="de-DE" sz="1800" dirty="0">
+                <a:effectLst/>
+                <a:latin typeface="Arial" panose="020B0604020202020204" pitchFamily="34" charset="0"/>
+                <a:ea typeface="Calibri" panose="020F0502020204030204" pitchFamily="34" charset="0"/>
+                <a:cs typeface="Times New Roman" panose="02020603050405020304" pitchFamily="18" charset="0"/>
+              </a:rPr>
+              <a:t> La </a:t>
+            </a:r>
+            <a:r>
+              <a:rPr lang="de-DE" sz="1800" dirty="0" err="1">
+                <a:effectLst/>
+                <a:latin typeface="Arial" panose="020B0604020202020204" pitchFamily="34" charset="0"/>
+                <a:ea typeface="Calibri" panose="020F0502020204030204" pitchFamily="34" charset="0"/>
+                <a:cs typeface="Times New Roman" panose="02020603050405020304" pitchFamily="18" charset="0"/>
+              </a:rPr>
+              <a:t>Verma</a:t>
+            </a:r>
+            <a:r>
+              <a:rPr lang="de-DE" sz="1800" dirty="0">
+                <a:effectLst/>
+                <a:latin typeface="Arial" panose="020B0604020202020204" pitchFamily="34" charset="0"/>
+                <a:ea typeface="Calibri" panose="020F0502020204030204" pitchFamily="34" charset="0"/>
+                <a:cs typeface="Times New Roman" panose="02020603050405020304" pitchFamily="18" charset="0"/>
+              </a:rPr>
+              <a:t>. [Online] 16. September 2020. [Zitat vom: 29. August 2021.] https://lalverma.medium.com/spring-boot-microservices-api-gateway-e9dbcd4bb754.</a:t>
+            </a:r>
+          </a:p>
+          <a:p>
+            <a:r>
+              <a:rPr lang="de-DE" sz="1800" b="1" dirty="0">
+                <a:effectLst/>
+                <a:latin typeface="Arial" panose="020B0604020202020204" pitchFamily="34" charset="0"/>
+                <a:ea typeface="Calibri" panose="020F0502020204030204" pitchFamily="34" charset="0"/>
+                <a:cs typeface="Times New Roman" panose="02020603050405020304" pitchFamily="18" charset="0"/>
+              </a:rPr>
+              <a:t>NGINX.</a:t>
+            </a:r>
+            <a:r>
+              <a:rPr lang="de-DE" sz="1800" dirty="0">
+                <a:effectLst/>
+                <a:latin typeface="Arial" panose="020B0604020202020204" pitchFamily="34" charset="0"/>
+                <a:ea typeface="Calibri" panose="020F0502020204030204" pitchFamily="34" charset="0"/>
+                <a:cs typeface="Times New Roman" panose="02020603050405020304" pitchFamily="18" charset="0"/>
+              </a:rPr>
+              <a:t> NGINX. [Online] [Zitat vom: 07. September 2021.] https://www.nginx.com/resources/glossary/load-balancing/.</a:t>
+            </a:r>
+          </a:p>
+          <a:p>
+            <a:r>
+              <a:rPr lang="de-DE" sz="1800" b="1" dirty="0" err="1">
+                <a:effectLst/>
+                <a:latin typeface="Arial" panose="020B0604020202020204" pitchFamily="34" charset="0"/>
+                <a:ea typeface="Calibri" panose="020F0502020204030204" pitchFamily="34" charset="0"/>
+                <a:cs typeface="Times New Roman" panose="02020603050405020304" pitchFamily="18" charset="0"/>
+              </a:rPr>
+              <a:t>RedHat</a:t>
+            </a:r>
+            <a:r>
+              <a:rPr lang="de-DE" sz="1800" b="1" dirty="0">
+                <a:effectLst/>
+                <a:latin typeface="Arial" panose="020B0604020202020204" pitchFamily="34" charset="0"/>
+                <a:ea typeface="Calibri" panose="020F0502020204030204" pitchFamily="34" charset="0"/>
+                <a:cs typeface="Times New Roman" panose="02020603050405020304" pitchFamily="18" charset="0"/>
+              </a:rPr>
+              <a:t>.</a:t>
+            </a:r>
+            <a:r>
+              <a:rPr lang="de-DE" sz="1800" dirty="0">
+                <a:effectLst/>
+                <a:latin typeface="Arial" panose="020B0604020202020204" pitchFamily="34" charset="0"/>
+                <a:ea typeface="Calibri" panose="020F0502020204030204" pitchFamily="34" charset="0"/>
+                <a:cs typeface="Times New Roman" panose="02020603050405020304" pitchFamily="18" charset="0"/>
+              </a:rPr>
+              <a:t> </a:t>
+            </a:r>
+            <a:r>
+              <a:rPr lang="de-DE" sz="1800" dirty="0" err="1">
+                <a:effectLst/>
+                <a:latin typeface="Arial" panose="020B0604020202020204" pitchFamily="34" charset="0"/>
+                <a:ea typeface="Calibri" panose="020F0502020204030204" pitchFamily="34" charset="0"/>
+                <a:cs typeface="Times New Roman" panose="02020603050405020304" pitchFamily="18" charset="0"/>
+              </a:rPr>
+              <a:t>Red</a:t>
+            </a:r>
+            <a:r>
+              <a:rPr lang="de-DE" sz="1800" dirty="0">
+                <a:effectLst/>
+                <a:latin typeface="Arial" panose="020B0604020202020204" pitchFamily="34" charset="0"/>
+                <a:ea typeface="Calibri" panose="020F0502020204030204" pitchFamily="34" charset="0"/>
+                <a:cs typeface="Times New Roman" panose="02020603050405020304" pitchFamily="18" charset="0"/>
+              </a:rPr>
+              <a:t> Hat. [Online] [Zitat vom: 20. August 2021.] https://www.redhat.com/de/topics/api/what-is-a-rest-api.</a:t>
+            </a:r>
+          </a:p>
+          <a:p>
+            <a:r>
+              <a:rPr lang="de-DE" sz="1800" b="1" dirty="0">
+                <a:effectLst/>
+                <a:latin typeface="Arial" panose="020B0604020202020204" pitchFamily="34" charset="0"/>
+                <a:ea typeface="Calibri" panose="020F0502020204030204" pitchFamily="34" charset="0"/>
+                <a:cs typeface="Times New Roman" panose="02020603050405020304" pitchFamily="18" charset="0"/>
+              </a:rPr>
+              <a:t>—. 2015.</a:t>
+            </a:r>
+            <a:r>
+              <a:rPr lang="de-DE" sz="1800" dirty="0">
+                <a:effectLst/>
+                <a:latin typeface="Arial" panose="020B0604020202020204" pitchFamily="34" charset="0"/>
+                <a:ea typeface="Calibri" panose="020F0502020204030204" pitchFamily="34" charset="0"/>
+                <a:cs typeface="Times New Roman" panose="02020603050405020304" pitchFamily="18" charset="0"/>
+              </a:rPr>
+              <a:t> NGINX. [Online] 12. Oktober 2015. [Zitat vom: 20. August 2021.] https://www.nginx.com/blog/service-discovery-in-a-microservices-architecture/.</a:t>
+            </a:r>
+          </a:p>
+          <a:p>
+            <a:r>
+              <a:rPr lang="de-DE" sz="1800" b="1" dirty="0" err="1">
+                <a:effectLst/>
+                <a:latin typeface="Arial" panose="020B0604020202020204" pitchFamily="34" charset="0"/>
+                <a:ea typeface="Calibri" panose="020F0502020204030204" pitchFamily="34" charset="0"/>
+                <a:cs typeface="Times New Roman" panose="02020603050405020304" pitchFamily="18" charset="0"/>
+              </a:rPr>
+              <a:t>sidion</a:t>
+            </a:r>
+            <a:r>
+              <a:rPr lang="de-DE" sz="1800" b="1" dirty="0">
+                <a:effectLst/>
+                <a:latin typeface="Arial" panose="020B0604020202020204" pitchFamily="34" charset="0"/>
+                <a:ea typeface="Calibri" panose="020F0502020204030204" pitchFamily="34" charset="0"/>
+                <a:cs typeface="Times New Roman" panose="02020603050405020304" pitchFamily="18" charset="0"/>
+              </a:rPr>
+              <a:t>. 2019.</a:t>
+            </a:r>
+            <a:r>
+              <a:rPr lang="de-DE" sz="1800" dirty="0">
+                <a:effectLst/>
+                <a:latin typeface="Arial" panose="020B0604020202020204" pitchFamily="34" charset="0"/>
+                <a:ea typeface="Calibri" panose="020F0502020204030204" pitchFamily="34" charset="0"/>
+                <a:cs typeface="Times New Roman" panose="02020603050405020304" pitchFamily="18" charset="0"/>
+              </a:rPr>
+              <a:t> </a:t>
+            </a:r>
+            <a:r>
+              <a:rPr lang="de-DE" sz="1800" dirty="0" err="1">
+                <a:effectLst/>
+                <a:latin typeface="Arial" panose="020B0604020202020204" pitchFamily="34" charset="0"/>
+                <a:ea typeface="Calibri" panose="020F0502020204030204" pitchFamily="34" charset="0"/>
+                <a:cs typeface="Times New Roman" panose="02020603050405020304" pitchFamily="18" charset="0"/>
+              </a:rPr>
+              <a:t>sidion</a:t>
+            </a:r>
+            <a:r>
+              <a:rPr lang="de-DE" sz="1800" dirty="0">
+                <a:effectLst/>
+                <a:latin typeface="Arial" panose="020B0604020202020204" pitchFamily="34" charset="0"/>
+                <a:ea typeface="Calibri" panose="020F0502020204030204" pitchFamily="34" charset="0"/>
+                <a:cs typeface="Times New Roman" panose="02020603050405020304" pitchFamily="18" charset="0"/>
+              </a:rPr>
+              <a:t>. [Online] 28. Juni 2019. [Zitat vom: 25. August 2021.] https://www.sidion.de/lernen/sidion-labor/blog/spring-cloud-gateway.html.</a:t>
+            </a:r>
+          </a:p>
+          <a:p>
+            <a:r>
+              <a:rPr lang="de-DE" sz="1800" b="1" dirty="0">
+                <a:effectLst/>
+                <a:latin typeface="Arial" panose="020B0604020202020204" pitchFamily="34" charset="0"/>
+                <a:ea typeface="Calibri" panose="020F0502020204030204" pitchFamily="34" charset="0"/>
+                <a:cs typeface="Times New Roman" panose="02020603050405020304" pitchFamily="18" charset="0"/>
+              </a:rPr>
+              <a:t>Wellner, Michael. 2019.</a:t>
+            </a:r>
+            <a:r>
+              <a:rPr lang="de-DE" sz="1800" dirty="0">
+                <a:effectLst/>
+                <a:latin typeface="Arial" panose="020B0604020202020204" pitchFamily="34" charset="0"/>
+                <a:ea typeface="Calibri" panose="020F0502020204030204" pitchFamily="34" charset="0"/>
+                <a:cs typeface="Times New Roman" panose="02020603050405020304" pitchFamily="18" charset="0"/>
+              </a:rPr>
+              <a:t> </a:t>
+            </a:r>
+            <a:r>
+              <a:rPr lang="de-DE" sz="1800" dirty="0" err="1">
+                <a:effectLst/>
+                <a:latin typeface="Arial" panose="020B0604020202020204" pitchFamily="34" charset="0"/>
+                <a:ea typeface="Calibri" panose="020F0502020204030204" pitchFamily="34" charset="0"/>
+                <a:cs typeface="Times New Roman" panose="02020603050405020304" pitchFamily="18" charset="0"/>
+              </a:rPr>
+              <a:t>sidion</a:t>
+            </a:r>
+            <a:r>
+              <a:rPr lang="de-DE" sz="1800" dirty="0">
+                <a:effectLst/>
+                <a:latin typeface="Arial" panose="020B0604020202020204" pitchFamily="34" charset="0"/>
+                <a:ea typeface="Calibri" panose="020F0502020204030204" pitchFamily="34" charset="0"/>
+                <a:cs typeface="Times New Roman" panose="02020603050405020304" pitchFamily="18" charset="0"/>
+              </a:rPr>
+              <a:t>. [Online] 28. Juni 2019. [Zitat vom: 29. August 2021.] https://www.sidion.de/lernen/sidion-labor/blog/spring-cloud-gateway.html.</a:t>
+            </a:r>
+          </a:p>
+          <a:p>
+            <a:r>
+              <a:rPr lang="de-DE" sz="1800" b="1" dirty="0">
+                <a:effectLst/>
+                <a:latin typeface="Arial" panose="020B0604020202020204" pitchFamily="34" charset="0"/>
+                <a:ea typeface="Calibri" panose="020F0502020204030204" pitchFamily="34" charset="0"/>
+                <a:cs typeface="Times New Roman" panose="02020603050405020304" pitchFamily="18" charset="0"/>
+              </a:rPr>
+              <a:t>—. 2020.</a:t>
+            </a:r>
+            <a:r>
+              <a:rPr lang="de-DE" sz="1800" dirty="0">
+                <a:effectLst/>
+                <a:latin typeface="Arial" panose="020B0604020202020204" pitchFamily="34" charset="0"/>
+                <a:ea typeface="Calibri" panose="020F0502020204030204" pitchFamily="34" charset="0"/>
+                <a:cs typeface="Times New Roman" panose="02020603050405020304" pitchFamily="18" charset="0"/>
+              </a:rPr>
+              <a:t> </a:t>
+            </a:r>
+            <a:r>
+              <a:rPr lang="de-DE" sz="1800" dirty="0" err="1">
+                <a:effectLst/>
+                <a:latin typeface="Arial" panose="020B0604020202020204" pitchFamily="34" charset="0"/>
+                <a:ea typeface="Calibri" panose="020F0502020204030204" pitchFamily="34" charset="0"/>
+                <a:cs typeface="Times New Roman" panose="02020603050405020304" pitchFamily="18" charset="0"/>
+              </a:rPr>
+              <a:t>Dev</a:t>
+            </a:r>
+            <a:r>
+              <a:rPr lang="de-DE" sz="1800" dirty="0">
+                <a:effectLst/>
+                <a:latin typeface="Arial" panose="020B0604020202020204" pitchFamily="34" charset="0"/>
+                <a:ea typeface="Calibri" panose="020F0502020204030204" pitchFamily="34" charset="0"/>
+                <a:cs typeface="Times New Roman" panose="02020603050405020304" pitchFamily="18" charset="0"/>
+              </a:rPr>
+              <a:t> Insider. [Online] 03. Juli 2020. [Zitat vom: 19. August 2021.] https://www.dev-insider.de/was-ist-ein-framework-a-938758/.</a:t>
+            </a:r>
+          </a:p>
+          <a:p>
+            <a:endParaRPr lang="de-DE" dirty="0"/>
           </a:p>
         </p:txBody>
       </p:sp>
@@ -14555,7 +14979,7 @@
           <p:cNvPr id="4" name="Datumsplatzhalter 3">
             <a:extLst>
               <a:ext uri="{FF2B5EF4-FFF2-40B4-BE49-F238E27FC236}">
-                <a16:creationId xmlns:a16="http://schemas.microsoft.com/office/drawing/2014/main" id="{D8070C4D-CC50-41DB-86CB-8AC158160FF7}"/>
+                <a16:creationId xmlns:a16="http://schemas.microsoft.com/office/drawing/2014/main" id="{4CDF12B0-341B-47FC-9CC1-C195BC9588EE}"/>
               </a:ext>
             </a:extLst>
           </p:cNvPr>
@@ -14573,7 +14997,7 @@
           <a:p>
             <a:fld id="{BB7604C3-A478-448A-88D6-07EFA8665C1F}" type="datetime1">
               <a:rPr lang="de-DE" smtClean="0"/>
-              <a:t>07.11.2021</a:t>
+              <a:t>08.11.2021</a:t>
             </a:fld>
             <a:endParaRPr lang="en-US"/>
           </a:p>
@@ -14584,7 +15008,7 @@
           <p:cNvPr id="5" name="Fußzeilenplatzhalter 4">
             <a:extLst>
               <a:ext uri="{FF2B5EF4-FFF2-40B4-BE49-F238E27FC236}">
-                <a16:creationId xmlns:a16="http://schemas.microsoft.com/office/drawing/2014/main" id="{5CE6DB89-FEB7-49C0-B0AF-3F181AB1BD45}"/>
+                <a16:creationId xmlns:a16="http://schemas.microsoft.com/office/drawing/2014/main" id="{F4B35FDD-1C84-4478-8866-E19F11C948DD}"/>
               </a:ext>
             </a:extLst>
           </p:cNvPr>
@@ -14614,7 +15038,7 @@
           <p:cNvPr id="6" name="Foliennummernplatzhalter 5">
             <a:extLst>
               <a:ext uri="{FF2B5EF4-FFF2-40B4-BE49-F238E27FC236}">
-                <a16:creationId xmlns:a16="http://schemas.microsoft.com/office/drawing/2014/main" id="{C1C9E8E5-47A8-4539-AC65-0ED167C21323}"/>
+                <a16:creationId xmlns:a16="http://schemas.microsoft.com/office/drawing/2014/main" id="{18568517-E9C8-4B56-8BA6-E0687FFAD00F}"/>
               </a:ext>
             </a:extLst>
           </p:cNvPr>
@@ -14641,7 +15065,7 @@
     </p:spTree>
     <p:extLst>
       <p:ext uri="{BB962C8B-B14F-4D97-AF65-F5344CB8AC3E}">
-        <p14:creationId xmlns:p14="http://schemas.microsoft.com/office/powerpoint/2010/main" val="2620263450"/>
+        <p14:creationId xmlns:p14="http://schemas.microsoft.com/office/powerpoint/2010/main" val="1802431196"/>
       </p:ext>
     </p:extLst>
   </p:cSld>
@@ -14673,972 +15097,6 @@
           <p:cNvPr id="2" name="Titel 1">
             <a:extLst>
               <a:ext uri="{FF2B5EF4-FFF2-40B4-BE49-F238E27FC236}">
-                <a16:creationId xmlns:a16="http://schemas.microsoft.com/office/drawing/2014/main" id="{9D89E670-CD3A-4DE2-9E3E-E0818CBE5CA0}"/>
-              </a:ext>
-            </a:extLst>
-          </p:cNvPr>
-          <p:cNvSpPr>
-            <a:spLocks noGrp="1"/>
-          </p:cNvSpPr>
-          <p:nvPr>
-            <p:ph type="title"/>
-          </p:nvPr>
-        </p:nvSpPr>
-        <p:spPr/>
-        <p:txBody>
-          <a:bodyPr/>
-          <a:lstStyle/>
-          <a:p>
-            <a:r>
-              <a:rPr lang="de-DE" dirty="0"/>
-              <a:t>Quellen</a:t>
-            </a:r>
-          </a:p>
-        </p:txBody>
-      </p:sp>
-      <p:sp>
-        <p:nvSpPr>
-          <p:cNvPr id="3" name="Inhaltsplatzhalter 2">
-            <a:extLst>
-              <a:ext uri="{FF2B5EF4-FFF2-40B4-BE49-F238E27FC236}">
-                <a16:creationId xmlns:a16="http://schemas.microsoft.com/office/drawing/2014/main" id="{40553F2F-44B5-48EB-B275-F4AE1A8AF5A5}"/>
-              </a:ext>
-            </a:extLst>
-          </p:cNvPr>
-          <p:cNvSpPr>
-            <a:spLocks noGrp="1"/>
-          </p:cNvSpPr>
-          <p:nvPr>
-            <p:ph idx="1"/>
-          </p:nvPr>
-        </p:nvSpPr>
-        <p:spPr/>
-        <p:txBody>
-          <a:bodyPr>
-            <a:normAutofit fontScale="62500" lnSpcReduction="20000"/>
-          </a:bodyPr>
-          <a:lstStyle/>
-          <a:p>
-            <a:r>
-              <a:rPr lang="de-DE" sz="1800" b="1" dirty="0" err="1">
-                <a:effectLst/>
-                <a:latin typeface="Arial" panose="020B0604020202020204" pitchFamily="34" charset="0"/>
-                <a:ea typeface="Calibri" panose="020F0502020204030204" pitchFamily="34" charset="0"/>
-                <a:cs typeface="Times New Roman" panose="02020603050405020304" pitchFamily="18" charset="0"/>
-              </a:rPr>
-              <a:t>Gnatyk</a:t>
-            </a:r>
-            <a:r>
-              <a:rPr lang="de-DE" sz="1800" b="1" dirty="0">
-                <a:effectLst/>
-                <a:latin typeface="Arial" panose="020B0604020202020204" pitchFamily="34" charset="0"/>
-                <a:ea typeface="Calibri" panose="020F0502020204030204" pitchFamily="34" charset="0"/>
-                <a:cs typeface="Times New Roman" panose="02020603050405020304" pitchFamily="18" charset="0"/>
-              </a:rPr>
-              <a:t> , Romana . 2018.</a:t>
-            </a:r>
-            <a:r>
-              <a:rPr lang="de-DE" sz="1800" dirty="0">
-                <a:effectLst/>
-                <a:latin typeface="Arial" panose="020B0604020202020204" pitchFamily="34" charset="0"/>
-                <a:ea typeface="Calibri" panose="020F0502020204030204" pitchFamily="34" charset="0"/>
-                <a:cs typeface="Times New Roman" panose="02020603050405020304" pitchFamily="18" charset="0"/>
-              </a:rPr>
-              <a:t> N-</a:t>
-            </a:r>
-            <a:r>
-              <a:rPr lang="de-DE" sz="1800" dirty="0" err="1">
-                <a:effectLst/>
-                <a:latin typeface="Arial" panose="020B0604020202020204" pitchFamily="34" charset="0"/>
-                <a:ea typeface="Calibri" panose="020F0502020204030204" pitchFamily="34" charset="0"/>
-                <a:cs typeface="Times New Roman" panose="02020603050405020304" pitchFamily="18" charset="0"/>
-              </a:rPr>
-              <a:t>iX</a:t>
-            </a:r>
-            <a:r>
-              <a:rPr lang="de-DE" sz="1800" dirty="0">
-                <a:effectLst/>
-                <a:latin typeface="Arial" panose="020B0604020202020204" pitchFamily="34" charset="0"/>
-                <a:ea typeface="Calibri" panose="020F0502020204030204" pitchFamily="34" charset="0"/>
-                <a:cs typeface="Times New Roman" panose="02020603050405020304" pitchFamily="18" charset="0"/>
-              </a:rPr>
-              <a:t>. [Online] 03. Oktober 2018. [Zitat vom: 07. August 2021.] https://www.n-ix.com/microservices-vs-monolith-which-architecture-best-choice-your-business/.</a:t>
-            </a:r>
-            <a:endParaRPr lang="de-DE" sz="1800" b="1" dirty="0">
-              <a:effectLst/>
-              <a:latin typeface="Arial" panose="020B0604020202020204" pitchFamily="34" charset="0"/>
-              <a:ea typeface="Calibri" panose="020F0502020204030204" pitchFamily="34" charset="0"/>
-              <a:cs typeface="Times New Roman" panose="02020603050405020304" pitchFamily="18" charset="0"/>
-            </a:endParaRPr>
-          </a:p>
-          <a:p>
-            <a:r>
-              <a:rPr lang="de-DE" sz="1800" b="1" dirty="0" err="1">
-                <a:effectLst/>
-                <a:latin typeface="Arial" panose="020B0604020202020204" pitchFamily="34" charset="0"/>
-                <a:ea typeface="Calibri" panose="020F0502020204030204" pitchFamily="34" charset="0"/>
-                <a:cs typeface="Times New Roman" panose="02020603050405020304" pitchFamily="18" charset="0"/>
-              </a:rPr>
-              <a:t>ComputerWeekly</a:t>
-            </a:r>
-            <a:r>
-              <a:rPr lang="de-DE" sz="1800" b="1" dirty="0">
-                <a:effectLst/>
-                <a:latin typeface="Arial" panose="020B0604020202020204" pitchFamily="34" charset="0"/>
-                <a:ea typeface="Calibri" panose="020F0502020204030204" pitchFamily="34" charset="0"/>
-                <a:cs typeface="Times New Roman" panose="02020603050405020304" pitchFamily="18" charset="0"/>
-              </a:rPr>
-              <a:t>, Redaktion. 2020.</a:t>
-            </a:r>
-            <a:r>
-              <a:rPr lang="de-DE" sz="1800" dirty="0">
-                <a:effectLst/>
-                <a:latin typeface="Arial" panose="020B0604020202020204" pitchFamily="34" charset="0"/>
-                <a:ea typeface="Calibri" panose="020F0502020204030204" pitchFamily="34" charset="0"/>
-                <a:cs typeface="Times New Roman" panose="02020603050405020304" pitchFamily="18" charset="0"/>
-              </a:rPr>
-              <a:t> </a:t>
-            </a:r>
-            <a:r>
-              <a:rPr lang="de-DE" sz="1800" dirty="0" err="1">
-                <a:effectLst/>
-                <a:latin typeface="Arial" panose="020B0604020202020204" pitchFamily="34" charset="0"/>
-                <a:ea typeface="Calibri" panose="020F0502020204030204" pitchFamily="34" charset="0"/>
-                <a:cs typeface="Times New Roman" panose="02020603050405020304" pitchFamily="18" charset="0"/>
-              </a:rPr>
-              <a:t>ComputerWeekly</a:t>
-            </a:r>
-            <a:r>
-              <a:rPr lang="de-DE" sz="1800" dirty="0">
-                <a:effectLst/>
-                <a:latin typeface="Arial" panose="020B0604020202020204" pitchFamily="34" charset="0"/>
-                <a:ea typeface="Calibri" panose="020F0502020204030204" pitchFamily="34" charset="0"/>
-                <a:cs typeface="Times New Roman" panose="02020603050405020304" pitchFamily="18" charset="0"/>
-              </a:rPr>
-              <a:t>. [Online] Juli 2020. [Zitat vom: 16. August 2021.] https://www.computerweekly.com/de/definition/Load-Balancing.</a:t>
-            </a:r>
-          </a:p>
-          <a:p>
-            <a:r>
-              <a:rPr lang="de-DE" sz="1800" b="1" dirty="0">
-                <a:effectLst/>
-                <a:latin typeface="Arial" panose="020B0604020202020204" pitchFamily="34" charset="0"/>
-                <a:ea typeface="Calibri" panose="020F0502020204030204" pitchFamily="34" charset="0"/>
-                <a:cs typeface="Times New Roman" panose="02020603050405020304" pitchFamily="18" charset="0"/>
-              </a:rPr>
-              <a:t>Donner, Andreas Dipl. -Ing und Kunkel, Richard. 2019.</a:t>
-            </a:r>
-            <a:r>
-              <a:rPr lang="de-DE" sz="1800" dirty="0">
-                <a:effectLst/>
-                <a:latin typeface="Arial" panose="020B0604020202020204" pitchFamily="34" charset="0"/>
-                <a:ea typeface="Calibri" panose="020F0502020204030204" pitchFamily="34" charset="0"/>
-                <a:cs typeface="Times New Roman" panose="02020603050405020304" pitchFamily="18" charset="0"/>
-              </a:rPr>
-              <a:t> </a:t>
-            </a:r>
-            <a:r>
-              <a:rPr lang="de-DE" sz="1800" dirty="0" err="1">
-                <a:effectLst/>
-                <a:latin typeface="Arial" panose="020B0604020202020204" pitchFamily="34" charset="0"/>
-                <a:ea typeface="Calibri" panose="020F0502020204030204" pitchFamily="34" charset="0"/>
-                <a:cs typeface="Times New Roman" panose="02020603050405020304" pitchFamily="18" charset="0"/>
-              </a:rPr>
-              <a:t>Ip</a:t>
-            </a:r>
-            <a:r>
-              <a:rPr lang="de-DE" sz="1800" dirty="0">
-                <a:effectLst/>
-                <a:latin typeface="Arial" panose="020B0604020202020204" pitchFamily="34" charset="0"/>
-                <a:ea typeface="Calibri" panose="020F0502020204030204" pitchFamily="34" charset="0"/>
-                <a:cs typeface="Times New Roman" panose="02020603050405020304" pitchFamily="18" charset="0"/>
-              </a:rPr>
-              <a:t> Insider. [Online] 06. März 2019. [Zitat vom: 21. August 2021.] https://www.ip-insider.de/die-vorteile-des-software-load-balancings-a-801344/.</a:t>
-            </a:r>
-          </a:p>
-          <a:p>
-            <a:r>
-              <a:rPr lang="de-DE" sz="1800" b="1" dirty="0">
-                <a:effectLst/>
-                <a:latin typeface="Arial" panose="020B0604020202020204" pitchFamily="34" charset="0"/>
-                <a:ea typeface="Calibri" panose="020F0502020204030204" pitchFamily="34" charset="0"/>
-                <a:cs typeface="Times New Roman" panose="02020603050405020304" pitchFamily="18" charset="0"/>
-              </a:rPr>
-              <a:t>Anil, </a:t>
-            </a:r>
-            <a:r>
-              <a:rPr lang="de-DE" sz="1800" b="1" dirty="0" err="1">
-                <a:effectLst/>
-                <a:latin typeface="Arial" panose="020B0604020202020204" pitchFamily="34" charset="0"/>
-                <a:ea typeface="Calibri" panose="020F0502020204030204" pitchFamily="34" charset="0"/>
-                <a:cs typeface="Times New Roman" panose="02020603050405020304" pitchFamily="18" charset="0"/>
-              </a:rPr>
-              <a:t>Nish</a:t>
-            </a:r>
-            <a:r>
-              <a:rPr lang="de-DE" sz="1800" b="1" dirty="0">
-                <a:effectLst/>
-                <a:latin typeface="Arial" panose="020B0604020202020204" pitchFamily="34" charset="0"/>
-                <a:ea typeface="Calibri" panose="020F0502020204030204" pitchFamily="34" charset="0"/>
-                <a:cs typeface="Times New Roman" panose="02020603050405020304" pitchFamily="18" charset="0"/>
-              </a:rPr>
-              <a:t>. 2021.</a:t>
-            </a:r>
-            <a:r>
-              <a:rPr lang="de-DE" sz="1800" dirty="0">
-                <a:effectLst/>
-                <a:latin typeface="Arial" panose="020B0604020202020204" pitchFamily="34" charset="0"/>
-                <a:ea typeface="Calibri" panose="020F0502020204030204" pitchFamily="34" charset="0"/>
-                <a:cs typeface="Times New Roman" panose="02020603050405020304" pitchFamily="18" charset="0"/>
-              </a:rPr>
-              <a:t> </a:t>
-            </a:r>
-            <a:r>
-              <a:rPr lang="de-DE" sz="1800" dirty="0" err="1">
-                <a:effectLst/>
-                <a:latin typeface="Arial" panose="020B0604020202020204" pitchFamily="34" charset="0"/>
-                <a:ea typeface="Calibri" panose="020F0502020204030204" pitchFamily="34" charset="0"/>
-                <a:cs typeface="Times New Roman" panose="02020603050405020304" pitchFamily="18" charset="0"/>
-              </a:rPr>
-              <a:t>docs.microsoft</a:t>
-            </a:r>
-            <a:r>
-              <a:rPr lang="de-DE" sz="1800" dirty="0">
-                <a:effectLst/>
-                <a:latin typeface="Arial" panose="020B0604020202020204" pitchFamily="34" charset="0"/>
-                <a:ea typeface="Calibri" panose="020F0502020204030204" pitchFamily="34" charset="0"/>
-                <a:cs typeface="Times New Roman" panose="02020603050405020304" pitchFamily="18" charset="0"/>
-              </a:rPr>
-              <a:t>. [Online] 28. September 2021. [Zitat vom: 24. August 2021.] https://docs.microsoft.com/de-de/dotnet/architecture/microservices/architect-microservice-container-applications/direct-client-to-microservice-communication-versus-the-api-gateway-pattern.</a:t>
-            </a:r>
-          </a:p>
-          <a:p>
-            <a:r>
-              <a:rPr lang="de-DE" sz="1800" b="1" dirty="0" err="1">
-                <a:effectLst/>
-                <a:latin typeface="Arial" panose="020B0604020202020204" pitchFamily="34" charset="0"/>
-                <a:ea typeface="Calibri" panose="020F0502020204030204" pitchFamily="34" charset="0"/>
-                <a:cs typeface="Times New Roman" panose="02020603050405020304" pitchFamily="18" charset="0"/>
-              </a:rPr>
-              <a:t>baeldung</a:t>
-            </a:r>
-            <a:r>
-              <a:rPr lang="de-DE" sz="1800" b="1" dirty="0">
-                <a:effectLst/>
-                <a:latin typeface="Arial" panose="020B0604020202020204" pitchFamily="34" charset="0"/>
-                <a:ea typeface="Calibri" panose="020F0502020204030204" pitchFamily="34" charset="0"/>
-                <a:cs typeface="Times New Roman" panose="02020603050405020304" pitchFamily="18" charset="0"/>
-              </a:rPr>
-              <a:t>. 2021.</a:t>
-            </a:r>
-            <a:r>
-              <a:rPr lang="de-DE" sz="1800" dirty="0">
-                <a:effectLst/>
-                <a:latin typeface="Arial" panose="020B0604020202020204" pitchFamily="34" charset="0"/>
-                <a:ea typeface="Calibri" panose="020F0502020204030204" pitchFamily="34" charset="0"/>
-                <a:cs typeface="Times New Roman" panose="02020603050405020304" pitchFamily="18" charset="0"/>
-              </a:rPr>
-              <a:t> </a:t>
-            </a:r>
-            <a:r>
-              <a:rPr lang="de-DE" sz="1800" dirty="0" err="1">
-                <a:effectLst/>
-                <a:latin typeface="Arial" panose="020B0604020202020204" pitchFamily="34" charset="0"/>
-                <a:ea typeface="Calibri" panose="020F0502020204030204" pitchFamily="34" charset="0"/>
-                <a:cs typeface="Times New Roman" panose="02020603050405020304" pitchFamily="18" charset="0"/>
-              </a:rPr>
-              <a:t>Baeldung</a:t>
-            </a:r>
-            <a:r>
-              <a:rPr lang="de-DE" sz="1800" dirty="0">
-                <a:effectLst/>
-                <a:latin typeface="Arial" panose="020B0604020202020204" pitchFamily="34" charset="0"/>
-                <a:ea typeface="Calibri" panose="020F0502020204030204" pitchFamily="34" charset="0"/>
-                <a:cs typeface="Times New Roman" panose="02020603050405020304" pitchFamily="18" charset="0"/>
-              </a:rPr>
-              <a:t>. [Online] 07. April 2021. [Zitat vom: 10. Oktober 2021.] https://www.baeldung.com/maven.</a:t>
-            </a:r>
-          </a:p>
-          <a:p>
-            <a:r>
-              <a:rPr lang="de-DE" sz="1800" b="1" dirty="0">
-                <a:effectLst/>
-                <a:latin typeface="Arial" panose="020B0604020202020204" pitchFamily="34" charset="0"/>
-                <a:ea typeface="Calibri" panose="020F0502020204030204" pitchFamily="34" charset="0"/>
-                <a:cs typeface="Times New Roman" panose="02020603050405020304" pitchFamily="18" charset="0"/>
-              </a:rPr>
-              <a:t>Bayer, Thomas. 2019.</a:t>
-            </a:r>
-            <a:r>
-              <a:rPr lang="de-DE" sz="1800" dirty="0">
-                <a:effectLst/>
-                <a:latin typeface="Arial" panose="020B0604020202020204" pitchFamily="34" charset="0"/>
-                <a:ea typeface="Calibri" panose="020F0502020204030204" pitchFamily="34" charset="0"/>
-                <a:cs typeface="Times New Roman" panose="02020603050405020304" pitchFamily="18" charset="0"/>
-              </a:rPr>
-              <a:t> predic8. [Online] 18. November 2019. [Zitat vom: 04. September 2021.] https://www.predic8.de/microservices-spring-boot-spring-cloud.htm.</a:t>
-            </a:r>
-          </a:p>
-          <a:p>
-            <a:r>
-              <a:rPr lang="de-DE" sz="1800" b="1" dirty="0">
-                <a:effectLst/>
-                <a:latin typeface="Arial" panose="020B0604020202020204" pitchFamily="34" charset="0"/>
-                <a:ea typeface="Calibri" panose="020F0502020204030204" pitchFamily="34" charset="0"/>
-                <a:cs typeface="Times New Roman" panose="02020603050405020304" pitchFamily="18" charset="0"/>
-              </a:rPr>
-              <a:t>Gillis, Alexander S. 2021.</a:t>
-            </a:r>
-            <a:r>
-              <a:rPr lang="de-DE" sz="1800" dirty="0">
-                <a:effectLst/>
-                <a:latin typeface="Arial" panose="020B0604020202020204" pitchFamily="34" charset="0"/>
-                <a:ea typeface="Calibri" panose="020F0502020204030204" pitchFamily="34" charset="0"/>
-                <a:cs typeface="Times New Roman" panose="02020603050405020304" pitchFamily="18" charset="0"/>
-              </a:rPr>
-              <a:t> </a:t>
-            </a:r>
-            <a:r>
-              <a:rPr lang="de-DE" sz="1800" dirty="0" err="1">
-                <a:effectLst/>
-                <a:latin typeface="Arial" panose="020B0604020202020204" pitchFamily="34" charset="0"/>
-                <a:ea typeface="Calibri" panose="020F0502020204030204" pitchFamily="34" charset="0"/>
-                <a:cs typeface="Times New Roman" panose="02020603050405020304" pitchFamily="18" charset="0"/>
-              </a:rPr>
-              <a:t>TechTarget</a:t>
-            </a:r>
-            <a:r>
-              <a:rPr lang="de-DE" sz="1800" dirty="0">
-                <a:effectLst/>
-                <a:latin typeface="Arial" panose="020B0604020202020204" pitchFamily="34" charset="0"/>
-                <a:ea typeface="Calibri" panose="020F0502020204030204" pitchFamily="34" charset="0"/>
-                <a:cs typeface="Times New Roman" panose="02020603050405020304" pitchFamily="18" charset="0"/>
-              </a:rPr>
-              <a:t>. [Online] April 2021. [Zitat vom: 14. August 2021.] https://whatis.techtarget.com/de/definition/Service-Discovery-Diensterkennung.</a:t>
-            </a:r>
-          </a:p>
-          <a:p>
-            <a:endParaRPr lang="de-DE" dirty="0"/>
-          </a:p>
-        </p:txBody>
-      </p:sp>
-      <p:sp>
-        <p:nvSpPr>
-          <p:cNvPr id="4" name="Datumsplatzhalter 3">
-            <a:extLst>
-              <a:ext uri="{FF2B5EF4-FFF2-40B4-BE49-F238E27FC236}">
-                <a16:creationId xmlns:a16="http://schemas.microsoft.com/office/drawing/2014/main" id="{4CDF12B0-341B-47FC-9CC1-C195BC9588EE}"/>
-              </a:ext>
-            </a:extLst>
-          </p:cNvPr>
-          <p:cNvSpPr>
-            <a:spLocks noGrp="1"/>
-          </p:cNvSpPr>
-          <p:nvPr>
-            <p:ph type="dt" sz="half" idx="10"/>
-          </p:nvPr>
-        </p:nvSpPr>
-        <p:spPr/>
-        <p:txBody>
-          <a:bodyPr/>
-          <a:lstStyle/>
-          <a:p>
-            <a:fld id="{BB7604C3-A478-448A-88D6-07EFA8665C1F}" type="datetime1">
-              <a:rPr lang="de-DE" smtClean="0"/>
-              <a:t>07.11.2021</a:t>
-            </a:fld>
-            <a:endParaRPr lang="en-US"/>
-          </a:p>
-        </p:txBody>
-      </p:sp>
-      <p:sp>
-        <p:nvSpPr>
-          <p:cNvPr id="5" name="Fußzeilenplatzhalter 4">
-            <a:extLst>
-              <a:ext uri="{FF2B5EF4-FFF2-40B4-BE49-F238E27FC236}">
-                <a16:creationId xmlns:a16="http://schemas.microsoft.com/office/drawing/2014/main" id="{F4B35FDD-1C84-4478-8866-E19F11C948DD}"/>
-              </a:ext>
-            </a:extLst>
-          </p:cNvPr>
-          <p:cNvSpPr>
-            <a:spLocks noGrp="1"/>
-          </p:cNvSpPr>
-          <p:nvPr>
-            <p:ph type="ftr" sz="quarter" idx="11"/>
-          </p:nvPr>
-        </p:nvSpPr>
-        <p:spPr/>
-        <p:txBody>
-          <a:bodyPr/>
-          <a:lstStyle/>
-          <a:p>
-            <a:pPr algn="ctr"/>
-            <a:r>
-              <a:rPr lang="en-US"/>
-              <a:t>Benjamin Swarovsky</a:t>
-            </a:r>
-            <a:endParaRPr lang="en-US" dirty="0"/>
-          </a:p>
-        </p:txBody>
-      </p:sp>
-      <p:sp>
-        <p:nvSpPr>
-          <p:cNvPr id="6" name="Foliennummernplatzhalter 5">
-            <a:extLst>
-              <a:ext uri="{FF2B5EF4-FFF2-40B4-BE49-F238E27FC236}">
-                <a16:creationId xmlns:a16="http://schemas.microsoft.com/office/drawing/2014/main" id="{18568517-E9C8-4B56-8BA6-E0687FFAD00F}"/>
-              </a:ext>
-            </a:extLst>
-          </p:cNvPr>
-          <p:cNvSpPr>
-            <a:spLocks noGrp="1"/>
-          </p:cNvSpPr>
-          <p:nvPr>
-            <p:ph type="sldNum" sz="quarter" idx="12"/>
-          </p:nvPr>
-        </p:nvSpPr>
-        <p:spPr/>
-        <p:txBody>
-          <a:bodyPr/>
-          <a:lstStyle/>
-          <a:p>
-            <a:fld id="{6D22F896-40B5-4ADD-8801-0D06FADFA095}" type="slidenum">
-              <a:rPr lang="en-US" smtClean="0"/>
-              <a:t>26</a:t>
-            </a:fld>
-            <a:endParaRPr lang="en-US"/>
-          </a:p>
-        </p:txBody>
-      </p:sp>
-    </p:spTree>
-    <p:extLst>
-      <p:ext uri="{BB962C8B-B14F-4D97-AF65-F5344CB8AC3E}">
-        <p14:creationId xmlns:p14="http://schemas.microsoft.com/office/powerpoint/2010/main" val="2995152579"/>
-      </p:ext>
-    </p:extLst>
-  </p:cSld>
-  <p:clrMapOvr>
-    <a:masterClrMapping/>
-  </p:clrMapOvr>
-</p:sld>
-</file>
-
-<file path=ppt/slides/slide27.xml><?xml version="1.0" encoding="utf-8"?>
-<p:sld xmlns:a="http://schemas.openxmlformats.org/drawingml/2006/main" xmlns:r="http://schemas.openxmlformats.org/officeDocument/2006/relationships" xmlns:p="http://schemas.openxmlformats.org/presentationml/2006/main">
-  <p:cSld>
-    <p:spTree>
-      <p:nvGrpSpPr>
-        <p:cNvPr id="1" name=""/>
-        <p:cNvGrpSpPr/>
-        <p:nvPr/>
-      </p:nvGrpSpPr>
-      <p:grpSpPr>
-        <a:xfrm>
-          <a:off x="0" y="0"/>
-          <a:ext cx="0" cy="0"/>
-          <a:chOff x="0" y="0"/>
-          <a:chExt cx="0" cy="0"/>
-        </a:xfrm>
-      </p:grpSpPr>
-      <p:sp>
-        <p:nvSpPr>
-          <p:cNvPr id="2" name="Titel 1">
-            <a:extLst>
-              <a:ext uri="{FF2B5EF4-FFF2-40B4-BE49-F238E27FC236}">
-                <a16:creationId xmlns:a16="http://schemas.microsoft.com/office/drawing/2014/main" id="{9D89E670-CD3A-4DE2-9E3E-E0818CBE5CA0}"/>
-              </a:ext>
-            </a:extLst>
-          </p:cNvPr>
-          <p:cNvSpPr>
-            <a:spLocks noGrp="1"/>
-          </p:cNvSpPr>
-          <p:nvPr>
-            <p:ph type="title"/>
-          </p:nvPr>
-        </p:nvSpPr>
-        <p:spPr/>
-        <p:txBody>
-          <a:bodyPr/>
-          <a:lstStyle/>
-          <a:p>
-            <a:r>
-              <a:rPr lang="de-DE" dirty="0"/>
-              <a:t>Quellen</a:t>
-            </a:r>
-          </a:p>
-        </p:txBody>
-      </p:sp>
-      <p:sp>
-        <p:nvSpPr>
-          <p:cNvPr id="3" name="Inhaltsplatzhalter 2">
-            <a:extLst>
-              <a:ext uri="{FF2B5EF4-FFF2-40B4-BE49-F238E27FC236}">
-                <a16:creationId xmlns:a16="http://schemas.microsoft.com/office/drawing/2014/main" id="{40553F2F-44B5-48EB-B275-F4AE1A8AF5A5}"/>
-              </a:ext>
-            </a:extLst>
-          </p:cNvPr>
-          <p:cNvSpPr>
-            <a:spLocks noGrp="1"/>
-          </p:cNvSpPr>
-          <p:nvPr>
-            <p:ph idx="1"/>
-          </p:nvPr>
-        </p:nvSpPr>
-        <p:spPr/>
-        <p:txBody>
-          <a:bodyPr>
-            <a:normAutofit fontScale="62500" lnSpcReduction="20000"/>
-          </a:bodyPr>
-          <a:lstStyle/>
-          <a:p>
-            <a:pPr algn="just">
-              <a:lnSpc>
-                <a:spcPct val="120000"/>
-              </a:lnSpc>
-              <a:spcAft>
-                <a:spcPts val="800"/>
-              </a:spcAft>
-            </a:pPr>
-            <a:r>
-              <a:rPr lang="de-DE" sz="1800" b="1" dirty="0">
-                <a:effectLst/>
-                <a:latin typeface="Arial" panose="020B0604020202020204" pitchFamily="34" charset="0"/>
-                <a:ea typeface="Calibri" panose="020F0502020204030204" pitchFamily="34" charset="0"/>
-                <a:cs typeface="Times New Roman" panose="02020603050405020304" pitchFamily="18" charset="0"/>
-              </a:rPr>
-              <a:t>Hruschka, Peter und Starke, Gernot. 2017.</a:t>
-            </a:r>
-            <a:r>
-              <a:rPr lang="de-DE" sz="1800" dirty="0">
-                <a:effectLst/>
-                <a:latin typeface="Arial" panose="020B0604020202020204" pitchFamily="34" charset="0"/>
-                <a:ea typeface="Calibri" panose="020F0502020204030204" pitchFamily="34" charset="0"/>
-                <a:cs typeface="Times New Roman" panose="02020603050405020304" pitchFamily="18" charset="0"/>
-              </a:rPr>
-              <a:t> </a:t>
-            </a:r>
-            <a:r>
-              <a:rPr lang="de-DE" sz="1800" i="1" dirty="0">
-                <a:effectLst/>
-                <a:latin typeface="Arial" panose="020B0604020202020204" pitchFamily="34" charset="0"/>
-                <a:ea typeface="Calibri" panose="020F0502020204030204" pitchFamily="34" charset="0"/>
-                <a:cs typeface="Times New Roman" panose="02020603050405020304" pitchFamily="18" charset="0"/>
-              </a:rPr>
-              <a:t>arc42 </a:t>
-            </a:r>
-            <a:r>
-              <a:rPr lang="de-DE" sz="1800" i="1" dirty="0" err="1">
-                <a:effectLst/>
-                <a:latin typeface="Arial" panose="020B0604020202020204" pitchFamily="34" charset="0"/>
-                <a:ea typeface="Calibri" panose="020F0502020204030204" pitchFamily="34" charset="0"/>
-                <a:cs typeface="Times New Roman" panose="02020603050405020304" pitchFamily="18" charset="0"/>
-              </a:rPr>
-              <a:t>template</a:t>
-            </a:r>
-            <a:r>
-              <a:rPr lang="de-DE" sz="1800" i="1" dirty="0">
-                <a:effectLst/>
-                <a:latin typeface="Arial" panose="020B0604020202020204" pitchFamily="34" charset="0"/>
-                <a:ea typeface="Calibri" panose="020F0502020204030204" pitchFamily="34" charset="0"/>
-                <a:cs typeface="Times New Roman" panose="02020603050405020304" pitchFamily="18" charset="0"/>
-              </a:rPr>
-              <a:t>. </a:t>
-            </a:r>
-            <a:r>
-              <a:rPr lang="de-DE" sz="1800" dirty="0">
-                <a:effectLst/>
-                <a:latin typeface="Arial" panose="020B0604020202020204" pitchFamily="34" charset="0"/>
-                <a:ea typeface="Calibri" panose="020F0502020204030204" pitchFamily="34" charset="0"/>
-                <a:cs typeface="Times New Roman" panose="02020603050405020304" pitchFamily="18" charset="0"/>
-              </a:rPr>
-              <a:t>Januar 2017.</a:t>
-            </a:r>
-          </a:p>
-          <a:p>
-            <a:r>
-              <a:rPr lang="de-DE" sz="1800" b="1" dirty="0" err="1">
-                <a:effectLst/>
-                <a:latin typeface="Arial" panose="020B0604020202020204" pitchFamily="34" charset="0"/>
-                <a:ea typeface="Calibri" panose="020F0502020204030204" pitchFamily="34" charset="0"/>
-                <a:cs typeface="Times New Roman" panose="02020603050405020304" pitchFamily="18" charset="0"/>
-              </a:rPr>
-              <a:t>laverma</a:t>
-            </a:r>
-            <a:r>
-              <a:rPr lang="de-DE" sz="1800" b="1" dirty="0">
-                <a:effectLst/>
-                <a:latin typeface="Arial" panose="020B0604020202020204" pitchFamily="34" charset="0"/>
-                <a:ea typeface="Calibri" panose="020F0502020204030204" pitchFamily="34" charset="0"/>
-                <a:cs typeface="Times New Roman" panose="02020603050405020304" pitchFamily="18" charset="0"/>
-              </a:rPr>
-              <a:t>. 2020.</a:t>
-            </a:r>
-            <a:r>
-              <a:rPr lang="de-DE" sz="1800" dirty="0">
-                <a:effectLst/>
-                <a:latin typeface="Arial" panose="020B0604020202020204" pitchFamily="34" charset="0"/>
-                <a:ea typeface="Calibri" panose="020F0502020204030204" pitchFamily="34" charset="0"/>
-                <a:cs typeface="Times New Roman" panose="02020603050405020304" pitchFamily="18" charset="0"/>
-              </a:rPr>
-              <a:t> La </a:t>
-            </a:r>
-            <a:r>
-              <a:rPr lang="de-DE" sz="1800" dirty="0" err="1">
-                <a:effectLst/>
-                <a:latin typeface="Arial" panose="020B0604020202020204" pitchFamily="34" charset="0"/>
-                <a:ea typeface="Calibri" panose="020F0502020204030204" pitchFamily="34" charset="0"/>
-                <a:cs typeface="Times New Roman" panose="02020603050405020304" pitchFamily="18" charset="0"/>
-              </a:rPr>
-              <a:t>Verma</a:t>
-            </a:r>
-            <a:r>
-              <a:rPr lang="de-DE" sz="1800" dirty="0">
-                <a:effectLst/>
-                <a:latin typeface="Arial" panose="020B0604020202020204" pitchFamily="34" charset="0"/>
-                <a:ea typeface="Calibri" panose="020F0502020204030204" pitchFamily="34" charset="0"/>
-                <a:cs typeface="Times New Roman" panose="02020603050405020304" pitchFamily="18" charset="0"/>
-              </a:rPr>
-              <a:t>. [Online] 16. September 2020. [Zitat vom: 29. August 2021.] https://lalverma.medium.com/spring-boot-microservices-api-gateway-e9dbcd4bb754.</a:t>
-            </a:r>
-          </a:p>
-          <a:p>
-            <a:r>
-              <a:rPr lang="de-DE" sz="1800" b="1" dirty="0">
-                <a:effectLst/>
-                <a:latin typeface="Arial" panose="020B0604020202020204" pitchFamily="34" charset="0"/>
-                <a:ea typeface="Calibri" panose="020F0502020204030204" pitchFamily="34" charset="0"/>
-                <a:cs typeface="Times New Roman" panose="02020603050405020304" pitchFamily="18" charset="0"/>
-              </a:rPr>
-              <a:t>NGINX.</a:t>
-            </a:r>
-            <a:r>
-              <a:rPr lang="de-DE" sz="1800" dirty="0">
-                <a:effectLst/>
-                <a:latin typeface="Arial" panose="020B0604020202020204" pitchFamily="34" charset="0"/>
-                <a:ea typeface="Calibri" panose="020F0502020204030204" pitchFamily="34" charset="0"/>
-                <a:cs typeface="Times New Roman" panose="02020603050405020304" pitchFamily="18" charset="0"/>
-              </a:rPr>
-              <a:t> NGINX. [Online] [Zitat vom: 07. September 2021.] https://www.nginx.com/resources/glossary/load-balancing/.</a:t>
-            </a:r>
-          </a:p>
-          <a:p>
-            <a:r>
-              <a:rPr lang="de-DE" sz="1800" b="1" dirty="0" err="1">
-                <a:effectLst/>
-                <a:latin typeface="Arial" panose="020B0604020202020204" pitchFamily="34" charset="0"/>
-                <a:ea typeface="Calibri" panose="020F0502020204030204" pitchFamily="34" charset="0"/>
-                <a:cs typeface="Times New Roman" panose="02020603050405020304" pitchFamily="18" charset="0"/>
-              </a:rPr>
-              <a:t>RedHat</a:t>
-            </a:r>
-            <a:r>
-              <a:rPr lang="de-DE" sz="1800" b="1" dirty="0">
-                <a:effectLst/>
-                <a:latin typeface="Arial" panose="020B0604020202020204" pitchFamily="34" charset="0"/>
-                <a:ea typeface="Calibri" panose="020F0502020204030204" pitchFamily="34" charset="0"/>
-                <a:cs typeface="Times New Roman" panose="02020603050405020304" pitchFamily="18" charset="0"/>
-              </a:rPr>
-              <a:t>.</a:t>
-            </a:r>
-            <a:r>
-              <a:rPr lang="de-DE" sz="1800" dirty="0">
-                <a:effectLst/>
-                <a:latin typeface="Arial" panose="020B0604020202020204" pitchFamily="34" charset="0"/>
-                <a:ea typeface="Calibri" panose="020F0502020204030204" pitchFamily="34" charset="0"/>
-                <a:cs typeface="Times New Roman" panose="02020603050405020304" pitchFamily="18" charset="0"/>
-              </a:rPr>
-              <a:t> </a:t>
-            </a:r>
-            <a:r>
-              <a:rPr lang="de-DE" sz="1800" dirty="0" err="1">
-                <a:effectLst/>
-                <a:latin typeface="Arial" panose="020B0604020202020204" pitchFamily="34" charset="0"/>
-                <a:ea typeface="Calibri" panose="020F0502020204030204" pitchFamily="34" charset="0"/>
-                <a:cs typeface="Times New Roman" panose="02020603050405020304" pitchFamily="18" charset="0"/>
-              </a:rPr>
-              <a:t>Red</a:t>
-            </a:r>
-            <a:r>
-              <a:rPr lang="de-DE" sz="1800" dirty="0">
-                <a:effectLst/>
-                <a:latin typeface="Arial" panose="020B0604020202020204" pitchFamily="34" charset="0"/>
-                <a:ea typeface="Calibri" panose="020F0502020204030204" pitchFamily="34" charset="0"/>
-                <a:cs typeface="Times New Roman" panose="02020603050405020304" pitchFamily="18" charset="0"/>
-              </a:rPr>
-              <a:t> Hat. [Online] [Zitat vom: 20. August 2021.] https://www.redhat.com/de/topics/api/what-is-a-rest-api.</a:t>
-            </a:r>
-          </a:p>
-          <a:p>
-            <a:r>
-              <a:rPr lang="de-DE" sz="1800" b="1" dirty="0">
-                <a:effectLst/>
-                <a:latin typeface="Arial" panose="020B0604020202020204" pitchFamily="34" charset="0"/>
-                <a:ea typeface="Calibri" panose="020F0502020204030204" pitchFamily="34" charset="0"/>
-                <a:cs typeface="Times New Roman" panose="02020603050405020304" pitchFamily="18" charset="0"/>
-              </a:rPr>
-              <a:t>—. 2015.</a:t>
-            </a:r>
-            <a:r>
-              <a:rPr lang="de-DE" sz="1800" dirty="0">
-                <a:effectLst/>
-                <a:latin typeface="Arial" panose="020B0604020202020204" pitchFamily="34" charset="0"/>
-                <a:ea typeface="Calibri" panose="020F0502020204030204" pitchFamily="34" charset="0"/>
-                <a:cs typeface="Times New Roman" panose="02020603050405020304" pitchFamily="18" charset="0"/>
-              </a:rPr>
-              <a:t> NGINX. [Online] 12. Oktober 2015. [Zitat vom: 20. August 2021.] https://www.nginx.com/blog/service-discovery-in-a-microservices-architecture/.</a:t>
-            </a:r>
-          </a:p>
-          <a:p>
-            <a:r>
-              <a:rPr lang="de-DE" sz="1800" b="1" dirty="0" err="1">
-                <a:effectLst/>
-                <a:latin typeface="Arial" panose="020B0604020202020204" pitchFamily="34" charset="0"/>
-                <a:ea typeface="Calibri" panose="020F0502020204030204" pitchFamily="34" charset="0"/>
-                <a:cs typeface="Times New Roman" panose="02020603050405020304" pitchFamily="18" charset="0"/>
-              </a:rPr>
-              <a:t>sidion</a:t>
-            </a:r>
-            <a:r>
-              <a:rPr lang="de-DE" sz="1800" b="1" dirty="0">
-                <a:effectLst/>
-                <a:latin typeface="Arial" panose="020B0604020202020204" pitchFamily="34" charset="0"/>
-                <a:ea typeface="Calibri" panose="020F0502020204030204" pitchFamily="34" charset="0"/>
-                <a:cs typeface="Times New Roman" panose="02020603050405020304" pitchFamily="18" charset="0"/>
-              </a:rPr>
-              <a:t>. 2019.</a:t>
-            </a:r>
-            <a:r>
-              <a:rPr lang="de-DE" sz="1800" dirty="0">
-                <a:effectLst/>
-                <a:latin typeface="Arial" panose="020B0604020202020204" pitchFamily="34" charset="0"/>
-                <a:ea typeface="Calibri" panose="020F0502020204030204" pitchFamily="34" charset="0"/>
-                <a:cs typeface="Times New Roman" panose="02020603050405020304" pitchFamily="18" charset="0"/>
-              </a:rPr>
-              <a:t> </a:t>
-            </a:r>
-            <a:r>
-              <a:rPr lang="de-DE" sz="1800" dirty="0" err="1">
-                <a:effectLst/>
-                <a:latin typeface="Arial" panose="020B0604020202020204" pitchFamily="34" charset="0"/>
-                <a:ea typeface="Calibri" panose="020F0502020204030204" pitchFamily="34" charset="0"/>
-                <a:cs typeface="Times New Roman" panose="02020603050405020304" pitchFamily="18" charset="0"/>
-              </a:rPr>
-              <a:t>sidion</a:t>
-            </a:r>
-            <a:r>
-              <a:rPr lang="de-DE" sz="1800" dirty="0">
-                <a:effectLst/>
-                <a:latin typeface="Arial" panose="020B0604020202020204" pitchFamily="34" charset="0"/>
-                <a:ea typeface="Calibri" panose="020F0502020204030204" pitchFamily="34" charset="0"/>
-                <a:cs typeface="Times New Roman" panose="02020603050405020304" pitchFamily="18" charset="0"/>
-              </a:rPr>
-              <a:t>. [Online] 28. Juni 2019. [Zitat vom: 25. August 2021.] https://www.sidion.de/lernen/sidion-labor/blog/spring-cloud-gateway.html.</a:t>
-            </a:r>
-          </a:p>
-          <a:p>
-            <a:r>
-              <a:rPr lang="de-DE" sz="1800" b="1" dirty="0">
-                <a:effectLst/>
-                <a:latin typeface="Arial" panose="020B0604020202020204" pitchFamily="34" charset="0"/>
-                <a:ea typeface="Calibri" panose="020F0502020204030204" pitchFamily="34" charset="0"/>
-                <a:cs typeface="Times New Roman" panose="02020603050405020304" pitchFamily="18" charset="0"/>
-              </a:rPr>
-              <a:t>Wellner, Michael. 2019.</a:t>
-            </a:r>
-            <a:r>
-              <a:rPr lang="de-DE" sz="1800" dirty="0">
-                <a:effectLst/>
-                <a:latin typeface="Arial" panose="020B0604020202020204" pitchFamily="34" charset="0"/>
-                <a:ea typeface="Calibri" panose="020F0502020204030204" pitchFamily="34" charset="0"/>
-                <a:cs typeface="Times New Roman" panose="02020603050405020304" pitchFamily="18" charset="0"/>
-              </a:rPr>
-              <a:t> </a:t>
-            </a:r>
-            <a:r>
-              <a:rPr lang="de-DE" sz="1800" dirty="0" err="1">
-                <a:effectLst/>
-                <a:latin typeface="Arial" panose="020B0604020202020204" pitchFamily="34" charset="0"/>
-                <a:ea typeface="Calibri" panose="020F0502020204030204" pitchFamily="34" charset="0"/>
-                <a:cs typeface="Times New Roman" panose="02020603050405020304" pitchFamily="18" charset="0"/>
-              </a:rPr>
-              <a:t>sidion</a:t>
-            </a:r>
-            <a:r>
-              <a:rPr lang="de-DE" sz="1800" dirty="0">
-                <a:effectLst/>
-                <a:latin typeface="Arial" panose="020B0604020202020204" pitchFamily="34" charset="0"/>
-                <a:ea typeface="Calibri" panose="020F0502020204030204" pitchFamily="34" charset="0"/>
-                <a:cs typeface="Times New Roman" panose="02020603050405020304" pitchFamily="18" charset="0"/>
-              </a:rPr>
-              <a:t>. [Online] 28. Juni 2019. [Zitat vom: 29. August 2021.] https://www.sidion.de/lernen/sidion-labor/blog/spring-cloud-gateway.html.</a:t>
-            </a:r>
-          </a:p>
-          <a:p>
-            <a:r>
-              <a:rPr lang="de-DE" sz="1800" b="1" dirty="0">
-                <a:effectLst/>
-                <a:latin typeface="Arial" panose="020B0604020202020204" pitchFamily="34" charset="0"/>
-                <a:ea typeface="Calibri" panose="020F0502020204030204" pitchFamily="34" charset="0"/>
-                <a:cs typeface="Times New Roman" panose="02020603050405020304" pitchFamily="18" charset="0"/>
-              </a:rPr>
-              <a:t>—. 2020.</a:t>
-            </a:r>
-            <a:r>
-              <a:rPr lang="de-DE" sz="1800" dirty="0">
-                <a:effectLst/>
-                <a:latin typeface="Arial" panose="020B0604020202020204" pitchFamily="34" charset="0"/>
-                <a:ea typeface="Calibri" panose="020F0502020204030204" pitchFamily="34" charset="0"/>
-                <a:cs typeface="Times New Roman" panose="02020603050405020304" pitchFamily="18" charset="0"/>
-              </a:rPr>
-              <a:t> </a:t>
-            </a:r>
-            <a:r>
-              <a:rPr lang="de-DE" sz="1800" dirty="0" err="1">
-                <a:effectLst/>
-                <a:latin typeface="Arial" panose="020B0604020202020204" pitchFamily="34" charset="0"/>
-                <a:ea typeface="Calibri" panose="020F0502020204030204" pitchFamily="34" charset="0"/>
-                <a:cs typeface="Times New Roman" panose="02020603050405020304" pitchFamily="18" charset="0"/>
-              </a:rPr>
-              <a:t>Dev</a:t>
-            </a:r>
-            <a:r>
-              <a:rPr lang="de-DE" sz="1800" dirty="0">
-                <a:effectLst/>
-                <a:latin typeface="Arial" panose="020B0604020202020204" pitchFamily="34" charset="0"/>
-                <a:ea typeface="Calibri" panose="020F0502020204030204" pitchFamily="34" charset="0"/>
-                <a:cs typeface="Times New Roman" panose="02020603050405020304" pitchFamily="18" charset="0"/>
-              </a:rPr>
-              <a:t> Insider. [Online] 03. Juli 2020. [Zitat vom: 19. August 2021.] https://www.dev-insider.de/was-ist-ein-framework-a-938758/.</a:t>
-            </a:r>
-          </a:p>
-          <a:p>
-            <a:endParaRPr lang="de-DE" dirty="0"/>
-          </a:p>
-        </p:txBody>
-      </p:sp>
-      <p:sp>
-        <p:nvSpPr>
-          <p:cNvPr id="4" name="Datumsplatzhalter 3">
-            <a:extLst>
-              <a:ext uri="{FF2B5EF4-FFF2-40B4-BE49-F238E27FC236}">
-                <a16:creationId xmlns:a16="http://schemas.microsoft.com/office/drawing/2014/main" id="{4CDF12B0-341B-47FC-9CC1-C195BC9588EE}"/>
-              </a:ext>
-            </a:extLst>
-          </p:cNvPr>
-          <p:cNvSpPr>
-            <a:spLocks noGrp="1"/>
-          </p:cNvSpPr>
-          <p:nvPr>
-            <p:ph type="dt" sz="half" idx="10"/>
-          </p:nvPr>
-        </p:nvSpPr>
-        <p:spPr/>
-        <p:txBody>
-          <a:bodyPr/>
-          <a:lstStyle/>
-          <a:p>
-            <a:fld id="{BB7604C3-A478-448A-88D6-07EFA8665C1F}" type="datetime1">
-              <a:rPr lang="de-DE" smtClean="0"/>
-              <a:t>07.11.2021</a:t>
-            </a:fld>
-            <a:endParaRPr lang="en-US"/>
-          </a:p>
-        </p:txBody>
-      </p:sp>
-      <p:sp>
-        <p:nvSpPr>
-          <p:cNvPr id="5" name="Fußzeilenplatzhalter 4">
-            <a:extLst>
-              <a:ext uri="{FF2B5EF4-FFF2-40B4-BE49-F238E27FC236}">
-                <a16:creationId xmlns:a16="http://schemas.microsoft.com/office/drawing/2014/main" id="{F4B35FDD-1C84-4478-8866-E19F11C948DD}"/>
-              </a:ext>
-            </a:extLst>
-          </p:cNvPr>
-          <p:cNvSpPr>
-            <a:spLocks noGrp="1"/>
-          </p:cNvSpPr>
-          <p:nvPr>
-            <p:ph type="ftr" sz="quarter" idx="11"/>
-          </p:nvPr>
-        </p:nvSpPr>
-        <p:spPr/>
-        <p:txBody>
-          <a:bodyPr/>
-          <a:lstStyle/>
-          <a:p>
-            <a:pPr algn="ctr"/>
-            <a:r>
-              <a:rPr lang="en-US"/>
-              <a:t>Benjamin Swarovsky</a:t>
-            </a:r>
-            <a:endParaRPr lang="en-US" dirty="0"/>
-          </a:p>
-        </p:txBody>
-      </p:sp>
-      <p:sp>
-        <p:nvSpPr>
-          <p:cNvPr id="6" name="Foliennummernplatzhalter 5">
-            <a:extLst>
-              <a:ext uri="{FF2B5EF4-FFF2-40B4-BE49-F238E27FC236}">
-                <a16:creationId xmlns:a16="http://schemas.microsoft.com/office/drawing/2014/main" id="{18568517-E9C8-4B56-8BA6-E0687FFAD00F}"/>
-              </a:ext>
-            </a:extLst>
-          </p:cNvPr>
-          <p:cNvSpPr>
-            <a:spLocks noGrp="1"/>
-          </p:cNvSpPr>
-          <p:nvPr>
-            <p:ph type="sldNum" sz="quarter" idx="12"/>
-          </p:nvPr>
-        </p:nvSpPr>
-        <p:spPr/>
-        <p:txBody>
-          <a:bodyPr/>
-          <a:lstStyle/>
-          <a:p>
-            <a:fld id="{6D22F896-40B5-4ADD-8801-0D06FADFA095}" type="slidenum">
-              <a:rPr lang="en-US" smtClean="0"/>
-              <a:t>27</a:t>
-            </a:fld>
-            <a:endParaRPr lang="en-US"/>
-          </a:p>
-        </p:txBody>
-      </p:sp>
-    </p:spTree>
-    <p:extLst>
-      <p:ext uri="{BB962C8B-B14F-4D97-AF65-F5344CB8AC3E}">
-        <p14:creationId xmlns:p14="http://schemas.microsoft.com/office/powerpoint/2010/main" val="1802431196"/>
-      </p:ext>
-    </p:extLst>
-  </p:cSld>
-  <p:clrMapOvr>
-    <a:masterClrMapping/>
-  </p:clrMapOvr>
-</p:sld>
-</file>
-
-<file path=ppt/slides/slide28.xml><?xml version="1.0" encoding="utf-8"?>
-<p:sld xmlns:a="http://schemas.openxmlformats.org/drawingml/2006/main" xmlns:r="http://schemas.openxmlformats.org/officeDocument/2006/relationships" xmlns:p="http://schemas.openxmlformats.org/presentationml/2006/main">
-  <p:cSld>
-    <p:spTree>
-      <p:nvGrpSpPr>
-        <p:cNvPr id="1" name=""/>
-        <p:cNvGrpSpPr/>
-        <p:nvPr/>
-      </p:nvGrpSpPr>
-      <p:grpSpPr>
-        <a:xfrm>
-          <a:off x="0" y="0"/>
-          <a:ext cx="0" cy="0"/>
-          <a:chOff x="0" y="0"/>
-          <a:chExt cx="0" cy="0"/>
-        </a:xfrm>
-      </p:grpSpPr>
-      <p:sp>
-        <p:nvSpPr>
-          <p:cNvPr id="2" name="Titel 1">
-            <a:extLst>
-              <a:ext uri="{FF2B5EF4-FFF2-40B4-BE49-F238E27FC236}">
                 <a16:creationId xmlns:a16="http://schemas.microsoft.com/office/drawing/2014/main" id="{108A0777-CFE6-457E-8127-F136AE08835F}"/>
               </a:ext>
             </a:extLst>
@@ -15710,7 +15168,7 @@
           <a:p>
             <a:fld id="{BB7604C3-A478-448A-88D6-07EFA8665C1F}" type="datetime1">
               <a:rPr lang="de-DE" smtClean="0"/>
-              <a:t>07.11.2021</a:t>
+              <a:t>08.11.2021</a:t>
             </a:fld>
             <a:endParaRPr lang="en-US"/>
           </a:p>
@@ -15769,7 +15227,7 @@
           <a:p>
             <a:fld id="{6D22F896-40B5-4ADD-8801-0D06FADFA095}" type="slidenum">
               <a:rPr lang="en-US" smtClean="0"/>
-              <a:t>28</a:t>
+              <a:t>26</a:t>
             </a:fld>
             <a:endParaRPr lang="en-US"/>
           </a:p>
@@ -16007,7 +15465,7 @@
           <a:p>
             <a:fld id="{BB7604C3-A478-448A-88D6-07EFA8665C1F}" type="datetime1">
               <a:rPr lang="de-DE" smtClean="0"/>
-              <a:t>07.11.2021</a:t>
+              <a:t>08.11.2021</a:t>
             </a:fld>
             <a:endParaRPr lang="en-US"/>
           </a:p>
@@ -16297,7 +15755,7 @@
           <a:p>
             <a:fld id="{BB7604C3-A478-448A-88D6-07EFA8665C1F}" type="datetime1">
               <a:rPr lang="de-DE" smtClean="0"/>
-              <a:t>07.11.2021</a:t>
+              <a:t>08.11.2021</a:t>
             </a:fld>
             <a:endParaRPr lang="en-US"/>
           </a:p>
@@ -17476,7 +16934,7 @@
           <a:p>
             <a:fld id="{BB7604C3-A478-448A-88D6-07EFA8665C1F}" type="datetime1">
               <a:rPr lang="de-DE" smtClean="0"/>
-              <a:t>07.11.2021</a:t>
+              <a:t>08.11.2021</a:t>
             </a:fld>
             <a:endParaRPr lang="en-US"/>
           </a:p>
@@ -17957,7 +17415,7 @@
           <a:p>
             <a:fld id="{BB7604C3-A478-448A-88D6-07EFA8665C1F}" type="datetime1">
               <a:rPr lang="de-DE" smtClean="0"/>
-              <a:t>07.11.2021</a:t>
+              <a:t>08.11.2021</a:t>
             </a:fld>
             <a:endParaRPr lang="en-US"/>
           </a:p>
@@ -18108,7 +17566,7 @@
           <a:p>
             <a:fld id="{BB7604C3-A478-448A-88D6-07EFA8665C1F}" type="datetime1">
               <a:rPr lang="de-DE" smtClean="0"/>
-              <a:t>07.11.2021</a:t>
+              <a:t>08.11.2021</a:t>
             </a:fld>
             <a:endParaRPr lang="en-US"/>
           </a:p>
@@ -19777,7 +19235,7 @@
         </p:spPr>
         <p:txBody>
           <a:bodyPr>
-            <a:normAutofit/>
+            <a:normAutofit lnSpcReduction="10000"/>
           </a:bodyPr>
           <a:lstStyle/>
           <a:p>
@@ -19805,7 +19263,10 @@
             </a:r>
           </a:p>
           <a:p>
-            <a:endParaRPr lang="de-DE" dirty="0"/>
+            <a:r>
+              <a:rPr lang="de-DE" dirty="0"/>
+              <a:t>Clientseitig oder Serverseitig</a:t>
+            </a:r>
           </a:p>
         </p:txBody>
       </p:sp>
@@ -19832,7 +19293,7 @@
           <a:p>
             <a:fld id="{BB7604C3-A478-448A-88D6-07EFA8665C1F}" type="datetime1">
               <a:rPr lang="de-DE" smtClean="0"/>
-              <a:t>07.11.2021</a:t>
+              <a:t>08.11.2021</a:t>
             </a:fld>
             <a:endParaRPr lang="en-US"/>
           </a:p>
@@ -20272,6 +19733,55 @@
                       </p:childTnLst>
                     </p:cTn>
                   </p:par>
+                  <p:par>
+                    <p:cTn id="25" fill="hold">
+                      <p:stCondLst>
+                        <p:cond delay="indefinite"/>
+                      </p:stCondLst>
+                      <p:childTnLst>
+                        <p:par>
+                          <p:cTn id="26" fill="hold">
+                            <p:stCondLst>
+                              <p:cond delay="0"/>
+                            </p:stCondLst>
+                            <p:childTnLst>
+                              <p:par>
+                                <p:cTn id="27" presetID="1" presetClass="entr" presetSubtype="0" fill="hold" nodeType="clickEffect">
+                                  <p:stCondLst>
+                                    <p:cond delay="0"/>
+                                  </p:stCondLst>
+                                  <p:childTnLst>
+                                    <p:set>
+                                      <p:cBhvr>
+                                        <p:cTn id="28" dur="1" fill="hold">
+                                          <p:stCondLst>
+                                            <p:cond delay="0"/>
+                                          </p:stCondLst>
+                                        </p:cTn>
+                                        <p:tgtEl>
+                                          <p:spTgt spid="3">
+                                            <p:txEl>
+                                              <p:pRg st="4" end="4"/>
+                                            </p:txEl>
+                                          </p:spTgt>
+                                        </p:tgtEl>
+                                        <p:attrNameLst>
+                                          <p:attrName>style.visibility</p:attrName>
+                                        </p:attrNameLst>
+                                      </p:cBhvr>
+                                      <p:to>
+                                        <p:strVal val="visible"/>
+                                      </p:to>
+                                    </p:set>
+                                  </p:childTnLst>
+                                </p:cTn>
+                              </p:par>
+                            </p:childTnLst>
+                          </p:cTn>
+                        </p:par>
+                      </p:childTnLst>
+                    </p:cTn>
+                  </p:par>
                 </p:childTnLst>
               </p:cTn>
               <p:prevCondLst>
@@ -20424,7 +19934,7 @@
           <a:p>
             <a:fld id="{BB7604C3-A478-448A-88D6-07EFA8665C1F}" type="datetime1">
               <a:rPr lang="de-DE" smtClean="0"/>
-              <a:t>07.11.2021</a:t>
+              <a:t>08.11.2021</a:t>
             </a:fld>
             <a:endParaRPr lang="en-US"/>
           </a:p>

--- a/Vortrag.pptx
+++ b/Vortrag.pptx
@@ -245,7 +245,7 @@
           <a:p>
             <a:fld id="{A7B8C7EC-8663-4343-8CB3-46B01580284C}" type="datetimeFigureOut">
               <a:rPr lang="de-DE" smtClean="0"/>
-              <a:t>08.11.2021</a:t>
+              <a:t>09.11.2021</a:t>
             </a:fld>
             <a:endParaRPr lang="de-DE"/>
           </a:p>
@@ -818,7 +818,7 @@
           <a:p>
             <a:fld id="{B59E6383-A8CB-4B08-927D-D4B4B7D9AC2E}" type="datetime1">
               <a:rPr lang="de-DE" smtClean="0"/>
-              <a:t>08.11.2021</a:t>
+              <a:t>09.11.2021</a:t>
             </a:fld>
             <a:endParaRPr lang="en-US"/>
           </a:p>
@@ -1362,7 +1362,7 @@
           <a:p>
             <a:fld id="{6CA99C16-F3DE-4BEA-BEA0-185955F827CC}" type="datetime1">
               <a:rPr lang="de-DE" smtClean="0"/>
-              <a:t>08.11.2021</a:t>
+              <a:t>09.11.2021</a:t>
             </a:fld>
             <a:endParaRPr lang="en-US"/>
           </a:p>
@@ -1556,7 +1556,7 @@
           <a:p>
             <a:fld id="{2D886228-5DBC-4625-A335-1BCDAFDC46C1}" type="datetime1">
               <a:rPr lang="de-DE" smtClean="0"/>
-              <a:t>08.11.2021</a:t>
+              <a:t>09.11.2021</a:t>
             </a:fld>
             <a:endParaRPr lang="en-US"/>
           </a:p>
@@ -1768,7 +1768,7 @@
           <a:p>
             <a:fld id="{C980135E-CF13-4F76-823B-93B2AE87FB42}" type="datetime1">
               <a:rPr lang="de-DE" smtClean="0"/>
-              <a:t>08.11.2021</a:t>
+              <a:t>09.11.2021</a:t>
             </a:fld>
             <a:endParaRPr lang="en-US"/>
           </a:p>
@@ -2136,7 +2136,7 @@
           <a:p>
             <a:fld id="{EE00E525-60F6-456C-ABD0-CA49B7CA1AC0}" type="datetime1">
               <a:rPr lang="de-DE" smtClean="0"/>
-              <a:t>08.11.2021</a:t>
+              <a:t>09.11.2021</a:t>
             </a:fld>
             <a:endParaRPr lang="en-US"/>
           </a:p>
@@ -2538,7 +2538,7 @@
           <a:p>
             <a:fld id="{9F737527-C30D-4C1B-8A57-8831FC877160}" type="datetime1">
               <a:rPr lang="de-DE" smtClean="0"/>
-              <a:t>08.11.2021</a:t>
+              <a:t>09.11.2021</a:t>
             </a:fld>
             <a:endParaRPr lang="en-US"/>
           </a:p>
@@ -2830,7 +2830,7 @@
           <a:p>
             <a:fld id="{7F4A9B1D-38C4-4A9A-BD74-09CB54D529F7}" type="datetime1">
               <a:rPr lang="de-DE" smtClean="0"/>
-              <a:t>08.11.2021</a:t>
+              <a:t>09.11.2021</a:t>
             </a:fld>
             <a:endParaRPr lang="en-US"/>
           </a:p>
@@ -3131,7 +3131,7 @@
           <a:p>
             <a:fld id="{171975C2-17DF-44AF-BAFC-99FC3839D6B6}" type="datetime1">
               <a:rPr lang="de-DE" smtClean="0"/>
-              <a:t>08.11.2021</a:t>
+              <a:t>09.11.2021</a:t>
             </a:fld>
             <a:endParaRPr lang="en-US"/>
           </a:p>
@@ -3398,7 +3398,7 @@
           <a:p>
             <a:fld id="{BB7604C3-A478-448A-88D6-07EFA8665C1F}" type="datetime1">
               <a:rPr lang="de-DE" smtClean="0"/>
-              <a:t>08.11.2021</a:t>
+              <a:t>09.11.2021</a:t>
             </a:fld>
             <a:endParaRPr lang="en-US"/>
           </a:p>
@@ -3666,7 +3666,7 @@
           <a:p>
             <a:fld id="{BB7604C3-A478-448A-88D6-07EFA8665C1F}" type="datetime1">
               <a:rPr lang="de-DE" smtClean="0"/>
-              <a:t>08.11.2021</a:t>
+              <a:t>09.11.2021</a:t>
             </a:fld>
             <a:endParaRPr lang="en-US"/>
           </a:p>
@@ -3932,7 +3932,7 @@
           <a:p>
             <a:fld id="{A04AC0E9-B042-43D8-AB78-DC52AC0C585D}" type="datetime1">
               <a:rPr lang="de-DE" smtClean="0"/>
-              <a:t>08.11.2021</a:t>
+              <a:t>09.11.2021</a:t>
             </a:fld>
             <a:endParaRPr lang="en-US"/>
           </a:p>
@@ -4203,7 +4203,7 @@
           <a:p>
             <a:fld id="{645C10F2-7973-42A2-B0DE-A6ED0ED91C8E}" type="datetime1">
               <a:rPr lang="de-DE" smtClean="0"/>
-              <a:t>08.11.2021</a:t>
+              <a:t>09.11.2021</a:t>
             </a:fld>
             <a:endParaRPr lang="en-US"/>
           </a:p>
@@ -4476,7 +4476,7 @@
           <a:p>
             <a:fld id="{BAFDFB72-582B-45F4-B36C-EF1963E97DC6}" type="datetime1">
               <a:rPr lang="de-DE" smtClean="0"/>
-              <a:t>08.11.2021</a:t>
+              <a:t>09.11.2021</a:t>
             </a:fld>
             <a:endParaRPr lang="en-US"/>
           </a:p>
@@ -4749,7 +4749,7 @@
           <a:p>
             <a:fld id="{7E7651B1-048A-4583-9423-E37907F714C8}" type="datetime1">
               <a:rPr lang="de-DE" smtClean="0"/>
-              <a:t>08.11.2021</a:t>
+              <a:t>09.11.2021</a:t>
             </a:fld>
             <a:endParaRPr lang="en-US"/>
           </a:p>
@@ -5159,7 +5159,7 @@
           <a:p>
             <a:fld id="{764358B9-31F4-4BA7-92DD-CF366B443679}" type="datetime1">
               <a:rPr lang="de-DE" smtClean="0"/>
-              <a:t>08.11.2021</a:t>
+              <a:t>09.11.2021</a:t>
             </a:fld>
             <a:endParaRPr lang="en-US"/>
           </a:p>
@@ -5472,7 +5472,7 @@
           <a:p>
             <a:fld id="{5DF93BFA-DCCE-4E1B-9D54-AE151F0C2290}" type="datetime1">
               <a:rPr lang="de-DE" smtClean="0"/>
-              <a:t>08.11.2021</a:t>
+              <a:t>09.11.2021</a:t>
             </a:fld>
             <a:endParaRPr lang="en-US"/>
           </a:p>
@@ -5847,7 +5847,7 @@
             <a:fld id="{0B528F4A-65CA-4C1C-A385-CA3E5156BAA4}" type="datetime1">
               <a:rPr lang="de-DE" smtClean="0"/>
               <a:pPr/>
-              <a:t>08.11.2021</a:t>
+              <a:t>09.11.2021</a:t>
             </a:fld>
             <a:endParaRPr lang="en-US"/>
           </a:p>
@@ -7192,7 +7192,7 @@
           <a:p>
             <a:fld id="{BB7604C3-A478-448A-88D6-07EFA8665C1F}" type="datetime1">
               <a:rPr lang="de-DE" smtClean="0"/>
-              <a:t>08.11.2021</a:t>
+              <a:t>09.11.2021</a:t>
             </a:fld>
             <a:endParaRPr lang="en-US"/>
           </a:p>
@@ -7351,7 +7351,7 @@
           <a:p>
             <a:fld id="{BB7604C3-A478-448A-88D6-07EFA8665C1F}" type="datetime1">
               <a:rPr lang="de-DE" smtClean="0"/>
-              <a:t>08.11.2021</a:t>
+              <a:t>09.11.2021</a:t>
             </a:fld>
             <a:endParaRPr lang="en-US"/>
           </a:p>
@@ -7919,7 +7919,7 @@
           <a:p>
             <a:fld id="{BB7604C3-A478-448A-88D6-07EFA8665C1F}" type="datetime1">
               <a:rPr lang="de-DE" smtClean="0"/>
-              <a:t>08.11.2021</a:t>
+              <a:t>09.11.2021</a:t>
             </a:fld>
             <a:endParaRPr lang="en-US"/>
           </a:p>
@@ -8268,7 +8268,7 @@
           <a:p>
             <a:fld id="{BB7604C3-A478-448A-88D6-07EFA8665C1F}" type="datetime1">
               <a:rPr lang="de-DE" smtClean="0"/>
-              <a:t>08.11.2021</a:t>
+              <a:t>09.11.2021</a:t>
             </a:fld>
             <a:endParaRPr lang="en-US"/>
           </a:p>
@@ -8890,7 +8890,7 @@
           <a:p>
             <a:fld id="{BB7604C3-A478-448A-88D6-07EFA8665C1F}" type="datetime1">
               <a:rPr lang="de-DE" smtClean="0"/>
-              <a:t>08.11.2021</a:t>
+              <a:t>09.11.2021</a:t>
             </a:fld>
             <a:endParaRPr lang="en-US"/>
           </a:p>
@@ -9817,7 +9817,7 @@
           <a:p>
             <a:fld id="{BB7604C3-A478-448A-88D6-07EFA8665C1F}" type="datetime1">
               <a:rPr lang="de-DE" smtClean="0"/>
-              <a:t>08.11.2021</a:t>
+              <a:t>09.11.2021</a:t>
             </a:fld>
             <a:endParaRPr lang="en-US"/>
           </a:p>
@@ -10141,7 +10141,7 @@
           <a:p>
             <a:fld id="{BB7604C3-A478-448A-88D6-07EFA8665C1F}" type="datetime1">
               <a:rPr lang="de-DE" smtClean="0"/>
-              <a:t>08.11.2021</a:t>
+              <a:t>09.11.2021</a:t>
             </a:fld>
             <a:endParaRPr lang="en-US"/>
           </a:p>
@@ -10660,7 +10660,7 @@
           <a:p>
             <a:fld id="{BB7604C3-A478-448A-88D6-07EFA8665C1F}" type="datetime1">
               <a:rPr lang="de-DE" smtClean="0"/>
-              <a:t>08.11.2021</a:t>
+              <a:t>09.11.2021</a:t>
             </a:fld>
             <a:endParaRPr lang="en-US"/>
           </a:p>
@@ -11102,43 +11102,7 @@
                 <a:ea typeface="Calibri" panose="020F0502020204030204" pitchFamily="34" charset="0"/>
                 <a:cs typeface="Times New Roman" panose="02020603050405020304" pitchFamily="18" charset="0"/>
               </a:rPr>
-              <a:t>-starter-</a:t>
-            </a:r>
-            <a:r>
-              <a:rPr lang="de-DE" sz="1800" dirty="0" err="1">
-                <a:effectLst/>
-                <a:latin typeface="Arial" panose="020B0604020202020204" pitchFamily="34" charset="0"/>
-                <a:ea typeface="Calibri" panose="020F0502020204030204" pitchFamily="34" charset="0"/>
-                <a:cs typeface="Times New Roman" panose="02020603050405020304" pitchFamily="18" charset="0"/>
-              </a:rPr>
-              <a:t>netflix</a:t>
-            </a:r>
-            <a:r>
-              <a:rPr lang="de-DE" sz="1800" dirty="0">
-                <a:effectLst/>
-                <a:latin typeface="Arial" panose="020B0604020202020204" pitchFamily="34" charset="0"/>
-                <a:ea typeface="Calibri" panose="020F0502020204030204" pitchFamily="34" charset="0"/>
-                <a:cs typeface="Times New Roman" panose="02020603050405020304" pitchFamily="18" charset="0"/>
-              </a:rPr>
-              <a:t>-</a:t>
-            </a:r>
-            <a:r>
-              <a:rPr lang="de-DE" sz="1800" dirty="0" err="1">
-                <a:effectLst/>
-                <a:latin typeface="Arial" panose="020B0604020202020204" pitchFamily="34" charset="0"/>
-                <a:ea typeface="Calibri" panose="020F0502020204030204" pitchFamily="34" charset="0"/>
-                <a:cs typeface="Times New Roman" panose="02020603050405020304" pitchFamily="18" charset="0"/>
-              </a:rPr>
-              <a:t>eureka</a:t>
-            </a:r>
-            <a:r>
-              <a:rPr lang="de-DE" sz="1800" dirty="0">
-                <a:effectLst/>
-                <a:latin typeface="Arial" panose="020B0604020202020204" pitchFamily="34" charset="0"/>
-                <a:ea typeface="Calibri" panose="020F0502020204030204" pitchFamily="34" charset="0"/>
-                <a:cs typeface="Times New Roman" panose="02020603050405020304" pitchFamily="18" charset="0"/>
-              </a:rPr>
-              <a:t>-client in pom.xml</a:t>
+              <a:t>-starter-gateway in pom.xml</a:t>
             </a:r>
           </a:p>
           <a:p>
@@ -11156,6 +11120,209 @@
   <p:clrMapOvr>
     <a:masterClrMapping/>
   </p:clrMapOvr>
+  <p:timing>
+    <p:tnLst>
+      <p:par>
+        <p:cTn id="1" dur="indefinite" restart="never" nodeType="tmRoot">
+          <p:childTnLst>
+            <p:seq concurrent="1" nextAc="seek">
+              <p:cTn id="2" dur="indefinite" nodeType="mainSeq">
+                <p:childTnLst>
+                  <p:par>
+                    <p:cTn id="3" fill="hold">
+                      <p:stCondLst>
+                        <p:cond delay="indefinite"/>
+                      </p:stCondLst>
+                      <p:childTnLst>
+                        <p:par>
+                          <p:cTn id="4" fill="hold">
+                            <p:stCondLst>
+                              <p:cond delay="0"/>
+                            </p:stCondLst>
+                            <p:childTnLst>
+                              <p:par>
+                                <p:cTn id="5" presetID="1" presetClass="entr" presetSubtype="0" fill="hold" nodeType="clickEffect">
+                                  <p:stCondLst>
+                                    <p:cond delay="0"/>
+                                  </p:stCondLst>
+                                  <p:childTnLst>
+                                    <p:set>
+                                      <p:cBhvr>
+                                        <p:cTn id="6" dur="1" fill="hold">
+                                          <p:stCondLst>
+                                            <p:cond delay="0"/>
+                                          </p:stCondLst>
+                                        </p:cTn>
+                                        <p:tgtEl>
+                                          <p:spTgt spid="16">
+                                            <p:txEl>
+                                              <p:pRg st="0" end="0"/>
+                                            </p:txEl>
+                                          </p:spTgt>
+                                        </p:tgtEl>
+                                        <p:attrNameLst>
+                                          <p:attrName>style.visibility</p:attrName>
+                                        </p:attrNameLst>
+                                      </p:cBhvr>
+                                      <p:to>
+                                        <p:strVal val="visible"/>
+                                      </p:to>
+                                    </p:set>
+                                  </p:childTnLst>
+                                </p:cTn>
+                              </p:par>
+                            </p:childTnLst>
+                          </p:cTn>
+                        </p:par>
+                      </p:childTnLst>
+                    </p:cTn>
+                  </p:par>
+                  <p:par>
+                    <p:cTn id="7" fill="hold">
+                      <p:stCondLst>
+                        <p:cond delay="indefinite"/>
+                      </p:stCondLst>
+                      <p:childTnLst>
+                        <p:par>
+                          <p:cTn id="8" fill="hold">
+                            <p:stCondLst>
+                              <p:cond delay="0"/>
+                            </p:stCondLst>
+                            <p:childTnLst>
+                              <p:par>
+                                <p:cTn id="9" presetID="1" presetClass="entr" presetSubtype="0" fill="hold" nodeType="clickEffect">
+                                  <p:stCondLst>
+                                    <p:cond delay="0"/>
+                                  </p:stCondLst>
+                                  <p:childTnLst>
+                                    <p:set>
+                                      <p:cBhvr>
+                                        <p:cTn id="10" dur="1" fill="hold">
+                                          <p:stCondLst>
+                                            <p:cond delay="0"/>
+                                          </p:stCondLst>
+                                        </p:cTn>
+                                        <p:tgtEl>
+                                          <p:spTgt spid="16">
+                                            <p:txEl>
+                                              <p:pRg st="1" end="1"/>
+                                            </p:txEl>
+                                          </p:spTgt>
+                                        </p:tgtEl>
+                                        <p:attrNameLst>
+                                          <p:attrName>style.visibility</p:attrName>
+                                        </p:attrNameLst>
+                                      </p:cBhvr>
+                                      <p:to>
+                                        <p:strVal val="visible"/>
+                                      </p:to>
+                                    </p:set>
+                                  </p:childTnLst>
+                                </p:cTn>
+                              </p:par>
+                            </p:childTnLst>
+                          </p:cTn>
+                        </p:par>
+                      </p:childTnLst>
+                    </p:cTn>
+                  </p:par>
+                  <p:par>
+                    <p:cTn id="11" fill="hold">
+                      <p:stCondLst>
+                        <p:cond delay="indefinite"/>
+                      </p:stCondLst>
+                      <p:childTnLst>
+                        <p:par>
+                          <p:cTn id="12" fill="hold">
+                            <p:stCondLst>
+                              <p:cond delay="0"/>
+                            </p:stCondLst>
+                            <p:childTnLst>
+                              <p:par>
+                                <p:cTn id="13" presetID="1" presetClass="entr" presetSubtype="0" fill="hold" nodeType="clickEffect">
+                                  <p:stCondLst>
+                                    <p:cond delay="0"/>
+                                  </p:stCondLst>
+                                  <p:childTnLst>
+                                    <p:set>
+                                      <p:cBhvr>
+                                        <p:cTn id="14" dur="1" fill="hold">
+                                          <p:stCondLst>
+                                            <p:cond delay="0"/>
+                                          </p:stCondLst>
+                                        </p:cTn>
+                                        <p:tgtEl>
+                                          <p:spTgt spid="20"/>
+                                        </p:tgtEl>
+                                        <p:attrNameLst>
+                                          <p:attrName>style.visibility</p:attrName>
+                                        </p:attrNameLst>
+                                      </p:cBhvr>
+                                      <p:to>
+                                        <p:strVal val="visible"/>
+                                      </p:to>
+                                    </p:set>
+                                  </p:childTnLst>
+                                </p:cTn>
+                              </p:par>
+                              <p:par>
+                                <p:cTn id="15" presetID="1" presetClass="entr" presetSubtype="0" fill="hold" grpId="0" nodeType="withEffect">
+                                  <p:stCondLst>
+                                    <p:cond delay="0"/>
+                                  </p:stCondLst>
+                                  <p:childTnLst>
+                                    <p:set>
+                                      <p:cBhvr>
+                                        <p:cTn id="16" dur="1" fill="hold">
+                                          <p:stCondLst>
+                                            <p:cond delay="0"/>
+                                          </p:stCondLst>
+                                        </p:cTn>
+                                        <p:tgtEl>
+                                          <p:spTgt spid="13"/>
+                                        </p:tgtEl>
+                                        <p:attrNameLst>
+                                          <p:attrName>style.visibility</p:attrName>
+                                        </p:attrNameLst>
+                                      </p:cBhvr>
+                                      <p:to>
+                                        <p:strVal val="visible"/>
+                                      </p:to>
+                                    </p:set>
+                                  </p:childTnLst>
+                                </p:cTn>
+                              </p:par>
+                            </p:childTnLst>
+                          </p:cTn>
+                        </p:par>
+                      </p:childTnLst>
+                    </p:cTn>
+                  </p:par>
+                </p:childTnLst>
+              </p:cTn>
+              <p:prevCondLst>
+                <p:cond evt="onPrev" delay="0">
+                  <p:tgtEl>
+                    <p:sldTgt/>
+                  </p:tgtEl>
+                </p:cond>
+              </p:prevCondLst>
+              <p:nextCondLst>
+                <p:cond evt="onNext" delay="0">
+                  <p:tgtEl>
+                    <p:sldTgt/>
+                  </p:tgtEl>
+                </p:cond>
+              </p:nextCondLst>
+            </p:seq>
+          </p:childTnLst>
+        </p:cTn>
+      </p:par>
+    </p:tnLst>
+    <p:bldLst>
+      <p:bldP spid="13" grpId="0"/>
+    </p:bldLst>
+  </p:timing>
 </p:sld>
 </file>
 
@@ -11378,7 +11545,7 @@
           <a:p>
             <a:fld id="{BB7604C3-A478-448A-88D6-07EFA8665C1F}" type="datetime1">
               <a:rPr lang="de-DE" smtClean="0"/>
-              <a:t>08.11.2021</a:t>
+              <a:t>09.11.2021</a:t>
             </a:fld>
             <a:endParaRPr lang="en-US"/>
           </a:p>
@@ -11524,7 +11691,7 @@
           <a:p>
             <a:fld id="{BB7604C3-A478-448A-88D6-07EFA8665C1F}" type="datetime1">
               <a:rPr lang="de-DE" smtClean="0"/>
-              <a:t>08.11.2021</a:t>
+              <a:t>09.11.2021</a:t>
             </a:fld>
             <a:endParaRPr lang="en-US"/>
           </a:p>
@@ -12023,6 +12190,255 @@
   <p:clrMapOvr>
     <a:masterClrMapping/>
   </p:clrMapOvr>
+  <p:timing>
+    <p:tnLst>
+      <p:par>
+        <p:cTn id="1" dur="indefinite" restart="never" nodeType="tmRoot">
+          <p:childTnLst>
+            <p:seq concurrent="1" nextAc="seek">
+              <p:cTn id="2" dur="indefinite" nodeType="mainSeq">
+                <p:childTnLst>
+                  <p:par>
+                    <p:cTn id="3" fill="hold">
+                      <p:stCondLst>
+                        <p:cond delay="indefinite"/>
+                      </p:stCondLst>
+                      <p:childTnLst>
+                        <p:par>
+                          <p:cTn id="4" fill="hold">
+                            <p:stCondLst>
+                              <p:cond delay="0"/>
+                            </p:stCondLst>
+                            <p:childTnLst>
+                              <p:par>
+                                <p:cTn id="5" presetID="1" presetClass="entr" presetSubtype="0" fill="hold" nodeType="clickEffect">
+                                  <p:stCondLst>
+                                    <p:cond delay="0"/>
+                                  </p:stCondLst>
+                                  <p:childTnLst>
+                                    <p:set>
+                                      <p:cBhvr>
+                                        <p:cTn id="6" dur="1" fill="hold">
+                                          <p:stCondLst>
+                                            <p:cond delay="0"/>
+                                          </p:stCondLst>
+                                        </p:cTn>
+                                        <p:tgtEl>
+                                          <p:spTgt spid="9">
+                                            <p:txEl>
+                                              <p:pRg st="0" end="0"/>
+                                            </p:txEl>
+                                          </p:spTgt>
+                                        </p:tgtEl>
+                                        <p:attrNameLst>
+                                          <p:attrName>style.visibility</p:attrName>
+                                        </p:attrNameLst>
+                                      </p:cBhvr>
+                                      <p:to>
+                                        <p:strVal val="visible"/>
+                                      </p:to>
+                                    </p:set>
+                                  </p:childTnLst>
+                                </p:cTn>
+                              </p:par>
+                            </p:childTnLst>
+                          </p:cTn>
+                        </p:par>
+                      </p:childTnLst>
+                    </p:cTn>
+                  </p:par>
+                  <p:par>
+                    <p:cTn id="7" fill="hold">
+                      <p:stCondLst>
+                        <p:cond delay="indefinite"/>
+                      </p:stCondLst>
+                      <p:childTnLst>
+                        <p:par>
+                          <p:cTn id="8" fill="hold">
+                            <p:stCondLst>
+                              <p:cond delay="0"/>
+                            </p:stCondLst>
+                            <p:childTnLst>
+                              <p:par>
+                                <p:cTn id="9" presetID="1" presetClass="entr" presetSubtype="0" fill="hold" nodeType="clickEffect">
+                                  <p:stCondLst>
+                                    <p:cond delay="0"/>
+                                  </p:stCondLst>
+                                  <p:childTnLst>
+                                    <p:set>
+                                      <p:cBhvr>
+                                        <p:cTn id="10" dur="1" fill="hold">
+                                          <p:stCondLst>
+                                            <p:cond delay="0"/>
+                                          </p:stCondLst>
+                                        </p:cTn>
+                                        <p:tgtEl>
+                                          <p:spTgt spid="9">
+                                            <p:txEl>
+                                              <p:pRg st="1" end="1"/>
+                                            </p:txEl>
+                                          </p:spTgt>
+                                        </p:tgtEl>
+                                        <p:attrNameLst>
+                                          <p:attrName>style.visibility</p:attrName>
+                                        </p:attrNameLst>
+                                      </p:cBhvr>
+                                      <p:to>
+                                        <p:strVal val="visible"/>
+                                      </p:to>
+                                    </p:set>
+                                  </p:childTnLst>
+                                </p:cTn>
+                              </p:par>
+                            </p:childTnLst>
+                          </p:cTn>
+                        </p:par>
+                      </p:childTnLst>
+                    </p:cTn>
+                  </p:par>
+                  <p:par>
+                    <p:cTn id="11" fill="hold">
+                      <p:stCondLst>
+                        <p:cond delay="indefinite"/>
+                      </p:stCondLst>
+                      <p:childTnLst>
+                        <p:par>
+                          <p:cTn id="12" fill="hold">
+                            <p:stCondLst>
+                              <p:cond delay="0"/>
+                            </p:stCondLst>
+                            <p:childTnLst>
+                              <p:par>
+                                <p:cTn id="13" presetID="1" presetClass="entr" presetSubtype="0" fill="hold" nodeType="clickEffect">
+                                  <p:stCondLst>
+                                    <p:cond delay="0"/>
+                                  </p:stCondLst>
+                                  <p:childTnLst>
+                                    <p:set>
+                                      <p:cBhvr>
+                                        <p:cTn id="14" dur="1" fill="hold">
+                                          <p:stCondLst>
+                                            <p:cond delay="0"/>
+                                          </p:stCondLst>
+                                        </p:cTn>
+                                        <p:tgtEl>
+                                          <p:spTgt spid="7"/>
+                                        </p:tgtEl>
+                                        <p:attrNameLst>
+                                          <p:attrName>style.visibility</p:attrName>
+                                        </p:attrNameLst>
+                                      </p:cBhvr>
+                                      <p:to>
+                                        <p:strVal val="visible"/>
+                                      </p:to>
+                                    </p:set>
+                                  </p:childTnLst>
+                                </p:cTn>
+                              </p:par>
+                              <p:par>
+                                <p:cTn id="15" presetID="1" presetClass="entr" presetSubtype="0" fill="hold" grpId="0" nodeType="withEffect">
+                                  <p:stCondLst>
+                                    <p:cond delay="0"/>
+                                  </p:stCondLst>
+                                  <p:childTnLst>
+                                    <p:set>
+                                      <p:cBhvr>
+                                        <p:cTn id="16" dur="1" fill="hold">
+                                          <p:stCondLst>
+                                            <p:cond delay="0"/>
+                                          </p:stCondLst>
+                                        </p:cTn>
+                                        <p:tgtEl>
+                                          <p:spTgt spid="10"/>
+                                        </p:tgtEl>
+                                        <p:attrNameLst>
+                                          <p:attrName>style.visibility</p:attrName>
+                                        </p:attrNameLst>
+                                      </p:cBhvr>
+                                      <p:to>
+                                        <p:strVal val="visible"/>
+                                      </p:to>
+                                    </p:set>
+                                  </p:childTnLst>
+                                </p:cTn>
+                              </p:par>
+                            </p:childTnLst>
+                          </p:cTn>
+                        </p:par>
+                      </p:childTnLst>
+                    </p:cTn>
+                  </p:par>
+                  <p:par>
+                    <p:cTn id="17" fill="hold">
+                      <p:stCondLst>
+                        <p:cond delay="indefinite"/>
+                      </p:stCondLst>
+                      <p:childTnLst>
+                        <p:par>
+                          <p:cTn id="18" fill="hold">
+                            <p:stCondLst>
+                              <p:cond delay="0"/>
+                            </p:stCondLst>
+                            <p:childTnLst>
+                              <p:par>
+                                <p:cTn id="19" presetID="1" presetClass="entr" presetSubtype="0" fill="hold" grpId="0" nodeType="clickEffect">
+                                  <p:stCondLst>
+                                    <p:cond delay="0"/>
+                                  </p:stCondLst>
+                                  <p:childTnLst>
+                                    <p:set>
+                                      <p:cBhvr>
+                                        <p:cTn id="20" dur="1" fill="hold">
+                                          <p:stCondLst>
+                                            <p:cond delay="0"/>
+                                          </p:stCondLst>
+                                        </p:cTn>
+                                        <p:tgtEl>
+                                          <p:spTgt spid="8"/>
+                                        </p:tgtEl>
+                                        <p:attrNameLst>
+                                          <p:attrName>style.visibility</p:attrName>
+                                        </p:attrNameLst>
+                                      </p:cBhvr>
+                                      <p:to>
+                                        <p:strVal val="visible"/>
+                                      </p:to>
+                                    </p:set>
+                                  </p:childTnLst>
+                                </p:cTn>
+                              </p:par>
+                            </p:childTnLst>
+                          </p:cTn>
+                        </p:par>
+                      </p:childTnLst>
+                    </p:cTn>
+                  </p:par>
+                </p:childTnLst>
+              </p:cTn>
+              <p:prevCondLst>
+                <p:cond evt="onPrev" delay="0">
+                  <p:tgtEl>
+                    <p:sldTgt/>
+                  </p:tgtEl>
+                </p:cond>
+              </p:prevCondLst>
+              <p:nextCondLst>
+                <p:cond evt="onNext" delay="0">
+                  <p:tgtEl>
+                    <p:sldTgt/>
+                  </p:tgtEl>
+                </p:cond>
+              </p:nextCondLst>
+            </p:seq>
+          </p:childTnLst>
+        </p:cTn>
+      </p:par>
+    </p:tnLst>
+    <p:bldLst>
+      <p:bldP spid="8" grpId="0" animBg="1"/>
+      <p:bldP spid="10" grpId="0"/>
+    </p:bldLst>
+  </p:timing>
 </p:sld>
 </file>
 
@@ -12186,7 +12602,7 @@
           <a:p>
             <a:fld id="{BB7604C3-A478-448A-88D6-07EFA8665C1F}" type="datetime1">
               <a:rPr lang="de-DE" smtClean="0"/>
-              <a:t>08.11.2021</a:t>
+              <a:t>09.11.2021</a:t>
             </a:fld>
             <a:endParaRPr lang="en-US"/>
           </a:p>
@@ -12332,7 +12748,7 @@
           <a:p>
             <a:fld id="{BB7604C3-A478-448A-88D6-07EFA8665C1F}" type="datetime1">
               <a:rPr lang="de-DE" smtClean="0"/>
-              <a:t>08.11.2021</a:t>
+              <a:t>09.11.2021</a:t>
             </a:fld>
             <a:endParaRPr lang="en-US"/>
           </a:p>
@@ -12829,7 +13245,7 @@
         </p:blipFill>
         <p:spPr>
           <a:xfrm>
-            <a:off x="9016337" y="4891052"/>
+            <a:off x="9016337" y="4767413"/>
             <a:ext cx="813464" cy="410605"/>
           </a:xfrm>
           <a:prstGeom prst="rect">
@@ -12859,7 +13275,7 @@
         </p:blipFill>
         <p:spPr>
           <a:xfrm>
-            <a:off x="9109737" y="4953398"/>
+            <a:off x="9109737" y="4895422"/>
             <a:ext cx="813464" cy="410606"/>
           </a:xfrm>
           <a:prstGeom prst="rect">
@@ -13388,6 +13804,622 @@
   <p:clrMapOvr>
     <a:masterClrMapping/>
   </p:clrMapOvr>
+  <p:timing>
+    <p:tnLst>
+      <p:par>
+        <p:cTn id="1" dur="indefinite" restart="never" nodeType="tmRoot">
+          <p:childTnLst>
+            <p:seq concurrent="1" nextAc="seek">
+              <p:cTn id="2" dur="indefinite" nodeType="mainSeq">
+                <p:childTnLst>
+                  <p:par>
+                    <p:cTn id="3" fill="hold">
+                      <p:stCondLst>
+                        <p:cond delay="indefinite"/>
+                      </p:stCondLst>
+                      <p:childTnLst>
+                        <p:par>
+                          <p:cTn id="4" fill="hold">
+                            <p:stCondLst>
+                              <p:cond delay="0"/>
+                            </p:stCondLst>
+                            <p:childTnLst>
+                              <p:par>
+                                <p:cTn id="5" presetID="1" presetClass="entr" presetSubtype="0" fill="hold" grpId="0" nodeType="clickEffect">
+                                  <p:stCondLst>
+                                    <p:cond delay="0"/>
+                                  </p:stCondLst>
+                                  <p:childTnLst>
+                                    <p:set>
+                                      <p:cBhvr>
+                                        <p:cTn id="6" dur="1" fill="hold">
+                                          <p:stCondLst>
+                                            <p:cond delay="0"/>
+                                          </p:stCondLst>
+                                        </p:cTn>
+                                        <p:tgtEl>
+                                          <p:spTgt spid="10"/>
+                                        </p:tgtEl>
+                                        <p:attrNameLst>
+                                          <p:attrName>style.visibility</p:attrName>
+                                        </p:attrNameLst>
+                                      </p:cBhvr>
+                                      <p:to>
+                                        <p:strVal val="visible"/>
+                                      </p:to>
+                                    </p:set>
+                                  </p:childTnLst>
+                                </p:cTn>
+                              </p:par>
+                            </p:childTnLst>
+                          </p:cTn>
+                        </p:par>
+                      </p:childTnLst>
+                    </p:cTn>
+                  </p:par>
+                  <p:par>
+                    <p:cTn id="7" fill="hold">
+                      <p:stCondLst>
+                        <p:cond delay="indefinite"/>
+                      </p:stCondLst>
+                      <p:childTnLst>
+                        <p:par>
+                          <p:cTn id="8" fill="hold">
+                            <p:stCondLst>
+                              <p:cond delay="0"/>
+                            </p:stCondLst>
+                            <p:childTnLst>
+                              <p:par>
+                                <p:cTn id="9" presetID="1" presetClass="entr" presetSubtype="0" fill="hold" nodeType="clickEffect">
+                                  <p:stCondLst>
+                                    <p:cond delay="0"/>
+                                  </p:stCondLst>
+                                  <p:childTnLst>
+                                    <p:set>
+                                      <p:cBhvr>
+                                        <p:cTn id="10" dur="1" fill="hold">
+                                          <p:stCondLst>
+                                            <p:cond delay="0"/>
+                                          </p:stCondLst>
+                                        </p:cTn>
+                                        <p:tgtEl>
+                                          <p:spTgt spid="10">
+                                            <p:txEl>
+                                              <p:pRg st="1" end="1"/>
+                                            </p:txEl>
+                                          </p:spTgt>
+                                        </p:tgtEl>
+                                        <p:attrNameLst>
+                                          <p:attrName>style.visibility</p:attrName>
+                                        </p:attrNameLst>
+                                      </p:cBhvr>
+                                      <p:to>
+                                        <p:strVal val="visible"/>
+                                      </p:to>
+                                    </p:set>
+                                  </p:childTnLst>
+                                </p:cTn>
+                              </p:par>
+                            </p:childTnLst>
+                          </p:cTn>
+                        </p:par>
+                      </p:childTnLst>
+                    </p:cTn>
+                  </p:par>
+                  <p:par>
+                    <p:cTn id="11" fill="hold">
+                      <p:stCondLst>
+                        <p:cond delay="indefinite"/>
+                      </p:stCondLst>
+                      <p:childTnLst>
+                        <p:par>
+                          <p:cTn id="12" fill="hold">
+                            <p:stCondLst>
+                              <p:cond delay="0"/>
+                            </p:stCondLst>
+                            <p:childTnLst>
+                              <p:par>
+                                <p:cTn id="13" presetID="1" presetClass="entr" presetSubtype="0" fill="hold" nodeType="clickEffect">
+                                  <p:stCondLst>
+                                    <p:cond delay="0"/>
+                                  </p:stCondLst>
+                                  <p:childTnLst>
+                                    <p:set>
+                                      <p:cBhvr>
+                                        <p:cTn id="14" dur="1" fill="hold">
+                                          <p:stCondLst>
+                                            <p:cond delay="0"/>
+                                          </p:stCondLst>
+                                        </p:cTn>
+                                        <p:tgtEl>
+                                          <p:spTgt spid="26"/>
+                                        </p:tgtEl>
+                                        <p:attrNameLst>
+                                          <p:attrName>style.visibility</p:attrName>
+                                        </p:attrNameLst>
+                                      </p:cBhvr>
+                                      <p:to>
+                                        <p:strVal val="visible"/>
+                                      </p:to>
+                                    </p:set>
+                                  </p:childTnLst>
+                                </p:cTn>
+                              </p:par>
+                            </p:childTnLst>
+                          </p:cTn>
+                        </p:par>
+                      </p:childTnLst>
+                    </p:cTn>
+                  </p:par>
+                  <p:par>
+                    <p:cTn id="15" fill="hold">
+                      <p:stCondLst>
+                        <p:cond delay="indefinite"/>
+                      </p:stCondLst>
+                      <p:childTnLst>
+                        <p:par>
+                          <p:cTn id="16" fill="hold">
+                            <p:stCondLst>
+                              <p:cond delay="0"/>
+                            </p:stCondLst>
+                            <p:childTnLst>
+                              <p:par>
+                                <p:cTn id="17" presetID="1" presetClass="entr" presetSubtype="0" fill="hold" nodeType="clickEffect">
+                                  <p:stCondLst>
+                                    <p:cond delay="0"/>
+                                  </p:stCondLst>
+                                  <p:childTnLst>
+                                    <p:set>
+                                      <p:cBhvr>
+                                        <p:cTn id="18" dur="1" fill="hold">
+                                          <p:stCondLst>
+                                            <p:cond delay="0"/>
+                                          </p:stCondLst>
+                                        </p:cTn>
+                                        <p:tgtEl>
+                                          <p:spTgt spid="10">
+                                            <p:txEl>
+                                              <p:pRg st="2" end="2"/>
+                                            </p:txEl>
+                                          </p:spTgt>
+                                        </p:tgtEl>
+                                        <p:attrNameLst>
+                                          <p:attrName>style.visibility</p:attrName>
+                                        </p:attrNameLst>
+                                      </p:cBhvr>
+                                      <p:to>
+                                        <p:strVal val="visible"/>
+                                      </p:to>
+                                    </p:set>
+                                  </p:childTnLst>
+                                </p:cTn>
+                              </p:par>
+                            </p:childTnLst>
+                          </p:cTn>
+                        </p:par>
+                      </p:childTnLst>
+                    </p:cTn>
+                  </p:par>
+                  <p:par>
+                    <p:cTn id="19" fill="hold">
+                      <p:stCondLst>
+                        <p:cond delay="indefinite"/>
+                      </p:stCondLst>
+                      <p:childTnLst>
+                        <p:par>
+                          <p:cTn id="20" fill="hold">
+                            <p:stCondLst>
+                              <p:cond delay="0"/>
+                            </p:stCondLst>
+                            <p:childTnLst>
+                              <p:par>
+                                <p:cTn id="21" presetID="1" presetClass="entr" presetSubtype="0" fill="hold" nodeType="clickEffect">
+                                  <p:stCondLst>
+                                    <p:cond delay="0"/>
+                                  </p:stCondLst>
+                                  <p:childTnLst>
+                                    <p:set>
+                                      <p:cBhvr>
+                                        <p:cTn id="22" dur="1" fill="hold">
+                                          <p:stCondLst>
+                                            <p:cond delay="0"/>
+                                          </p:stCondLst>
+                                        </p:cTn>
+                                        <p:tgtEl>
+                                          <p:spTgt spid="8"/>
+                                        </p:tgtEl>
+                                        <p:attrNameLst>
+                                          <p:attrName>style.visibility</p:attrName>
+                                        </p:attrNameLst>
+                                      </p:cBhvr>
+                                      <p:to>
+                                        <p:strVal val="visible"/>
+                                      </p:to>
+                                    </p:set>
+                                  </p:childTnLst>
+                                </p:cTn>
+                              </p:par>
+                              <p:par>
+                                <p:cTn id="23" presetID="1" presetClass="entr" presetSubtype="0" fill="hold" nodeType="withEffect">
+                                  <p:stCondLst>
+                                    <p:cond delay="0"/>
+                                  </p:stCondLst>
+                                  <p:childTnLst>
+                                    <p:set>
+                                      <p:cBhvr>
+                                        <p:cTn id="24" dur="1" fill="hold">
+                                          <p:stCondLst>
+                                            <p:cond delay="0"/>
+                                          </p:stCondLst>
+                                        </p:cTn>
+                                        <p:tgtEl>
+                                          <p:spTgt spid="32"/>
+                                        </p:tgtEl>
+                                        <p:attrNameLst>
+                                          <p:attrName>style.visibility</p:attrName>
+                                        </p:attrNameLst>
+                                      </p:cBhvr>
+                                      <p:to>
+                                        <p:strVal val="visible"/>
+                                      </p:to>
+                                    </p:set>
+                                  </p:childTnLst>
+                                </p:cTn>
+                              </p:par>
+                              <p:par>
+                                <p:cTn id="25" presetID="1" presetClass="entr" presetSubtype="0" fill="hold" nodeType="withEffect">
+                                  <p:stCondLst>
+                                    <p:cond delay="0"/>
+                                  </p:stCondLst>
+                                  <p:childTnLst>
+                                    <p:set>
+                                      <p:cBhvr>
+                                        <p:cTn id="26" dur="1" fill="hold">
+                                          <p:stCondLst>
+                                            <p:cond delay="0"/>
+                                          </p:stCondLst>
+                                        </p:cTn>
+                                        <p:tgtEl>
+                                          <p:spTgt spid="34"/>
+                                        </p:tgtEl>
+                                        <p:attrNameLst>
+                                          <p:attrName>style.visibility</p:attrName>
+                                        </p:attrNameLst>
+                                      </p:cBhvr>
+                                      <p:to>
+                                        <p:strVal val="visible"/>
+                                      </p:to>
+                                    </p:set>
+                                  </p:childTnLst>
+                                </p:cTn>
+                              </p:par>
+                            </p:childTnLst>
+                          </p:cTn>
+                        </p:par>
+                      </p:childTnLst>
+                    </p:cTn>
+                  </p:par>
+                  <p:par>
+                    <p:cTn id="27" fill="hold">
+                      <p:stCondLst>
+                        <p:cond delay="indefinite"/>
+                      </p:stCondLst>
+                      <p:childTnLst>
+                        <p:par>
+                          <p:cTn id="28" fill="hold">
+                            <p:stCondLst>
+                              <p:cond delay="0"/>
+                            </p:stCondLst>
+                            <p:childTnLst>
+                              <p:par>
+                                <p:cTn id="29" presetID="1" presetClass="entr" presetSubtype="0" fill="hold" nodeType="clickEffect">
+                                  <p:stCondLst>
+                                    <p:cond delay="0"/>
+                                  </p:stCondLst>
+                                  <p:childTnLst>
+                                    <p:set>
+                                      <p:cBhvr>
+                                        <p:cTn id="30" dur="1" fill="hold">
+                                          <p:stCondLst>
+                                            <p:cond delay="0"/>
+                                          </p:stCondLst>
+                                        </p:cTn>
+                                        <p:tgtEl>
+                                          <p:spTgt spid="10">
+                                            <p:txEl>
+                                              <p:pRg st="3" end="3"/>
+                                            </p:txEl>
+                                          </p:spTgt>
+                                        </p:tgtEl>
+                                        <p:attrNameLst>
+                                          <p:attrName>style.visibility</p:attrName>
+                                        </p:attrNameLst>
+                                      </p:cBhvr>
+                                      <p:to>
+                                        <p:strVal val="visible"/>
+                                      </p:to>
+                                    </p:set>
+                                  </p:childTnLst>
+                                </p:cTn>
+                              </p:par>
+                            </p:childTnLst>
+                          </p:cTn>
+                        </p:par>
+                      </p:childTnLst>
+                    </p:cTn>
+                  </p:par>
+                  <p:par>
+                    <p:cTn id="31" fill="hold">
+                      <p:stCondLst>
+                        <p:cond delay="indefinite"/>
+                      </p:stCondLst>
+                      <p:childTnLst>
+                        <p:par>
+                          <p:cTn id="32" fill="hold">
+                            <p:stCondLst>
+                              <p:cond delay="0"/>
+                            </p:stCondLst>
+                            <p:childTnLst>
+                              <p:par>
+                                <p:cTn id="33" presetID="1" presetClass="entr" presetSubtype="0" fill="hold" nodeType="clickEffect">
+                                  <p:stCondLst>
+                                    <p:cond delay="0"/>
+                                  </p:stCondLst>
+                                  <p:childTnLst>
+                                    <p:set>
+                                      <p:cBhvr>
+                                        <p:cTn id="34" dur="1" fill="hold">
+                                          <p:stCondLst>
+                                            <p:cond delay="0"/>
+                                          </p:stCondLst>
+                                        </p:cTn>
+                                        <p:tgtEl>
+                                          <p:spTgt spid="11"/>
+                                        </p:tgtEl>
+                                        <p:attrNameLst>
+                                          <p:attrName>style.visibility</p:attrName>
+                                        </p:attrNameLst>
+                                      </p:cBhvr>
+                                      <p:to>
+                                        <p:strVal val="visible"/>
+                                      </p:to>
+                                    </p:set>
+                                  </p:childTnLst>
+                                </p:cTn>
+                              </p:par>
+                              <p:par>
+                                <p:cTn id="35" presetID="1" presetClass="entr" presetSubtype="0" fill="hold" nodeType="withEffect">
+                                  <p:stCondLst>
+                                    <p:cond delay="0"/>
+                                  </p:stCondLst>
+                                  <p:childTnLst>
+                                    <p:set>
+                                      <p:cBhvr>
+                                        <p:cTn id="36" dur="1" fill="hold">
+                                          <p:stCondLst>
+                                            <p:cond delay="0"/>
+                                          </p:stCondLst>
+                                        </p:cTn>
+                                        <p:tgtEl>
+                                          <p:spTgt spid="36"/>
+                                        </p:tgtEl>
+                                        <p:attrNameLst>
+                                          <p:attrName>style.visibility</p:attrName>
+                                        </p:attrNameLst>
+                                      </p:cBhvr>
+                                      <p:to>
+                                        <p:strVal val="visible"/>
+                                      </p:to>
+                                    </p:set>
+                                  </p:childTnLst>
+                                </p:cTn>
+                              </p:par>
+                            </p:childTnLst>
+                          </p:cTn>
+                        </p:par>
+                      </p:childTnLst>
+                    </p:cTn>
+                  </p:par>
+                  <p:par>
+                    <p:cTn id="37" fill="hold">
+                      <p:stCondLst>
+                        <p:cond delay="indefinite"/>
+                      </p:stCondLst>
+                      <p:childTnLst>
+                        <p:par>
+                          <p:cTn id="38" fill="hold">
+                            <p:stCondLst>
+                              <p:cond delay="0"/>
+                            </p:stCondLst>
+                            <p:childTnLst>
+                              <p:par>
+                                <p:cTn id="39" presetID="1" presetClass="entr" presetSubtype="0" fill="hold" nodeType="clickEffect">
+                                  <p:stCondLst>
+                                    <p:cond delay="0"/>
+                                  </p:stCondLst>
+                                  <p:childTnLst>
+                                    <p:set>
+                                      <p:cBhvr>
+                                        <p:cTn id="40" dur="1" fill="hold">
+                                          <p:stCondLst>
+                                            <p:cond delay="0"/>
+                                          </p:stCondLst>
+                                        </p:cTn>
+                                        <p:tgtEl>
+                                          <p:spTgt spid="10">
+                                            <p:txEl>
+                                              <p:pRg st="4" end="4"/>
+                                            </p:txEl>
+                                          </p:spTgt>
+                                        </p:tgtEl>
+                                        <p:attrNameLst>
+                                          <p:attrName>style.visibility</p:attrName>
+                                        </p:attrNameLst>
+                                      </p:cBhvr>
+                                      <p:to>
+                                        <p:strVal val="visible"/>
+                                      </p:to>
+                                    </p:set>
+                                  </p:childTnLst>
+                                </p:cTn>
+                              </p:par>
+                            </p:childTnLst>
+                          </p:cTn>
+                        </p:par>
+                      </p:childTnLst>
+                    </p:cTn>
+                  </p:par>
+                  <p:par>
+                    <p:cTn id="41" fill="hold">
+                      <p:stCondLst>
+                        <p:cond delay="indefinite"/>
+                      </p:stCondLst>
+                      <p:childTnLst>
+                        <p:par>
+                          <p:cTn id="42" fill="hold">
+                            <p:stCondLst>
+                              <p:cond delay="0"/>
+                            </p:stCondLst>
+                            <p:childTnLst>
+                              <p:par>
+                                <p:cTn id="43" presetID="1" presetClass="entr" presetSubtype="0" fill="hold" nodeType="clickEffect">
+                                  <p:stCondLst>
+                                    <p:cond delay="0"/>
+                                  </p:stCondLst>
+                                  <p:childTnLst>
+                                    <p:set>
+                                      <p:cBhvr>
+                                        <p:cTn id="44" dur="1" fill="hold">
+                                          <p:stCondLst>
+                                            <p:cond delay="0"/>
+                                          </p:stCondLst>
+                                        </p:cTn>
+                                        <p:tgtEl>
+                                          <p:spTgt spid="38"/>
+                                        </p:tgtEl>
+                                        <p:attrNameLst>
+                                          <p:attrName>style.visibility</p:attrName>
+                                        </p:attrNameLst>
+                                      </p:cBhvr>
+                                      <p:to>
+                                        <p:strVal val="visible"/>
+                                      </p:to>
+                                    </p:set>
+                                  </p:childTnLst>
+                                </p:cTn>
+                              </p:par>
+                              <p:par>
+                                <p:cTn id="45" presetID="1" presetClass="entr" presetSubtype="0" fill="hold" nodeType="withEffect">
+                                  <p:stCondLst>
+                                    <p:cond delay="0"/>
+                                  </p:stCondLst>
+                                  <p:childTnLst>
+                                    <p:set>
+                                      <p:cBhvr>
+                                        <p:cTn id="46" dur="1" fill="hold">
+                                          <p:stCondLst>
+                                            <p:cond delay="0"/>
+                                          </p:stCondLst>
+                                        </p:cTn>
+                                        <p:tgtEl>
+                                          <p:spTgt spid="40"/>
+                                        </p:tgtEl>
+                                        <p:attrNameLst>
+                                          <p:attrName>style.visibility</p:attrName>
+                                        </p:attrNameLst>
+                                      </p:cBhvr>
+                                      <p:to>
+                                        <p:strVal val="visible"/>
+                                      </p:to>
+                                    </p:set>
+                                  </p:childTnLst>
+                                </p:cTn>
+                              </p:par>
+                              <p:par>
+                                <p:cTn id="47" presetID="1" presetClass="entr" presetSubtype="0" fill="hold" nodeType="withEffect">
+                                  <p:stCondLst>
+                                    <p:cond delay="0"/>
+                                  </p:stCondLst>
+                                  <p:childTnLst>
+                                    <p:set>
+                                      <p:cBhvr>
+                                        <p:cTn id="48" dur="1" fill="hold">
+                                          <p:stCondLst>
+                                            <p:cond delay="0"/>
+                                          </p:stCondLst>
+                                        </p:cTn>
+                                        <p:tgtEl>
+                                          <p:spTgt spid="42"/>
+                                        </p:tgtEl>
+                                        <p:attrNameLst>
+                                          <p:attrName>style.visibility</p:attrName>
+                                        </p:attrNameLst>
+                                      </p:cBhvr>
+                                      <p:to>
+                                        <p:strVal val="visible"/>
+                                      </p:to>
+                                    </p:set>
+                                  </p:childTnLst>
+                                </p:cTn>
+                              </p:par>
+                              <p:par>
+                                <p:cTn id="49" presetID="1" presetClass="entr" presetSubtype="0" fill="hold" nodeType="withEffect">
+                                  <p:stCondLst>
+                                    <p:cond delay="0"/>
+                                  </p:stCondLst>
+                                  <p:childTnLst>
+                                    <p:set>
+                                      <p:cBhvr>
+                                        <p:cTn id="50" dur="1" fill="hold">
+                                          <p:stCondLst>
+                                            <p:cond delay="0"/>
+                                          </p:stCondLst>
+                                        </p:cTn>
+                                        <p:tgtEl>
+                                          <p:spTgt spid="44"/>
+                                        </p:tgtEl>
+                                        <p:attrNameLst>
+                                          <p:attrName>style.visibility</p:attrName>
+                                        </p:attrNameLst>
+                                      </p:cBhvr>
+                                      <p:to>
+                                        <p:strVal val="visible"/>
+                                      </p:to>
+                                    </p:set>
+                                  </p:childTnLst>
+                                </p:cTn>
+                              </p:par>
+                            </p:childTnLst>
+                          </p:cTn>
+                        </p:par>
+                      </p:childTnLst>
+                    </p:cTn>
+                  </p:par>
+                </p:childTnLst>
+              </p:cTn>
+              <p:prevCondLst>
+                <p:cond evt="onPrev" delay="0">
+                  <p:tgtEl>
+                    <p:sldTgt/>
+                  </p:tgtEl>
+                </p:cond>
+              </p:prevCondLst>
+              <p:nextCondLst>
+                <p:cond evt="onNext" delay="0">
+                  <p:tgtEl>
+                    <p:sldTgt/>
+                  </p:tgtEl>
+                </p:cond>
+              </p:nextCondLst>
+            </p:seq>
+          </p:childTnLst>
+        </p:cTn>
+      </p:par>
+    </p:tnLst>
+    <p:bldLst>
+      <p:bldP spid="10" grpId="0"/>
+    </p:bldLst>
+  </p:timing>
 </p:sld>
 </file>
 
@@ -13576,7 +14608,7 @@
           <a:p>
             <a:fld id="{BB7604C3-A478-448A-88D6-07EFA8665C1F}" type="datetime1">
               <a:rPr lang="de-DE" smtClean="0"/>
-              <a:t>08.11.2021</a:t>
+              <a:t>09.11.2021</a:t>
             </a:fld>
             <a:endParaRPr lang="en-US"/>
           </a:p>
@@ -13860,7 +14892,7 @@
           <a:p>
             <a:fld id="{BB7604C3-A478-448A-88D6-07EFA8665C1F}" type="datetime1">
               <a:rPr lang="de-DE" smtClean="0"/>
-              <a:t>08.11.2021</a:t>
+              <a:t>09.11.2021</a:t>
             </a:fld>
             <a:endParaRPr lang="en-US"/>
           </a:p>
@@ -13935,6 +14967,493 @@
   <p:clrMapOvr>
     <a:masterClrMapping/>
   </p:clrMapOvr>
+  <p:timing>
+    <p:tnLst>
+      <p:par>
+        <p:cTn id="1" dur="indefinite" restart="never" nodeType="tmRoot">
+          <p:childTnLst>
+            <p:seq concurrent="1" nextAc="seek">
+              <p:cTn id="2" dur="indefinite" nodeType="mainSeq">
+                <p:childTnLst>
+                  <p:par>
+                    <p:cTn id="3" fill="hold">
+                      <p:stCondLst>
+                        <p:cond delay="indefinite"/>
+                      </p:stCondLst>
+                      <p:childTnLst>
+                        <p:par>
+                          <p:cTn id="4" fill="hold">
+                            <p:stCondLst>
+                              <p:cond delay="0"/>
+                            </p:stCondLst>
+                            <p:childTnLst>
+                              <p:par>
+                                <p:cTn id="5" presetID="1" presetClass="entr" presetSubtype="0" fill="hold" nodeType="clickEffect">
+                                  <p:stCondLst>
+                                    <p:cond delay="0"/>
+                                  </p:stCondLst>
+                                  <p:childTnLst>
+                                    <p:set>
+                                      <p:cBhvr>
+                                        <p:cTn id="6" dur="1" fill="hold">
+                                          <p:stCondLst>
+                                            <p:cond delay="0"/>
+                                          </p:stCondLst>
+                                        </p:cTn>
+                                        <p:tgtEl>
+                                          <p:spTgt spid="3">
+                                            <p:txEl>
+                                              <p:pRg st="0" end="0"/>
+                                            </p:txEl>
+                                          </p:spTgt>
+                                        </p:tgtEl>
+                                        <p:attrNameLst>
+                                          <p:attrName>style.visibility</p:attrName>
+                                        </p:attrNameLst>
+                                      </p:cBhvr>
+                                      <p:to>
+                                        <p:strVal val="visible"/>
+                                      </p:to>
+                                    </p:set>
+                                  </p:childTnLst>
+                                </p:cTn>
+                              </p:par>
+                              <p:par>
+                                <p:cTn id="7" presetID="1" presetClass="entr" presetSubtype="0" fill="hold" nodeType="withEffect">
+                                  <p:stCondLst>
+                                    <p:cond delay="0"/>
+                                  </p:stCondLst>
+                                  <p:childTnLst>
+                                    <p:set>
+                                      <p:cBhvr>
+                                        <p:cTn id="8" dur="1" fill="hold">
+                                          <p:stCondLst>
+                                            <p:cond delay="0"/>
+                                          </p:stCondLst>
+                                        </p:cTn>
+                                        <p:tgtEl>
+                                          <p:spTgt spid="3">
+                                            <p:txEl>
+                                              <p:pRg st="1" end="1"/>
+                                            </p:txEl>
+                                          </p:spTgt>
+                                        </p:tgtEl>
+                                        <p:attrNameLst>
+                                          <p:attrName>style.visibility</p:attrName>
+                                        </p:attrNameLst>
+                                      </p:cBhvr>
+                                      <p:to>
+                                        <p:strVal val="visible"/>
+                                      </p:to>
+                                    </p:set>
+                                  </p:childTnLst>
+                                </p:cTn>
+                              </p:par>
+                              <p:par>
+                                <p:cTn id="9" presetID="1" presetClass="entr" presetSubtype="0" fill="hold" nodeType="withEffect">
+                                  <p:stCondLst>
+                                    <p:cond delay="0"/>
+                                  </p:stCondLst>
+                                  <p:childTnLst>
+                                    <p:set>
+                                      <p:cBhvr>
+                                        <p:cTn id="10" dur="1" fill="hold">
+                                          <p:stCondLst>
+                                            <p:cond delay="0"/>
+                                          </p:stCondLst>
+                                        </p:cTn>
+                                        <p:tgtEl>
+                                          <p:spTgt spid="3">
+                                            <p:txEl>
+                                              <p:pRg st="2" end="2"/>
+                                            </p:txEl>
+                                          </p:spTgt>
+                                        </p:tgtEl>
+                                        <p:attrNameLst>
+                                          <p:attrName>style.visibility</p:attrName>
+                                        </p:attrNameLst>
+                                      </p:cBhvr>
+                                      <p:to>
+                                        <p:strVal val="visible"/>
+                                      </p:to>
+                                    </p:set>
+                                  </p:childTnLst>
+                                </p:cTn>
+                              </p:par>
+                              <p:par>
+                                <p:cTn id="11" presetID="1" presetClass="entr" presetSubtype="0" fill="hold" nodeType="withEffect">
+                                  <p:stCondLst>
+                                    <p:cond delay="0"/>
+                                  </p:stCondLst>
+                                  <p:childTnLst>
+                                    <p:set>
+                                      <p:cBhvr>
+                                        <p:cTn id="12" dur="1" fill="hold">
+                                          <p:stCondLst>
+                                            <p:cond delay="0"/>
+                                          </p:stCondLst>
+                                        </p:cTn>
+                                        <p:tgtEl>
+                                          <p:spTgt spid="3">
+                                            <p:txEl>
+                                              <p:pRg st="3" end="3"/>
+                                            </p:txEl>
+                                          </p:spTgt>
+                                        </p:tgtEl>
+                                        <p:attrNameLst>
+                                          <p:attrName>style.visibility</p:attrName>
+                                        </p:attrNameLst>
+                                      </p:cBhvr>
+                                      <p:to>
+                                        <p:strVal val="visible"/>
+                                      </p:to>
+                                    </p:set>
+                                  </p:childTnLst>
+                                </p:cTn>
+                              </p:par>
+                            </p:childTnLst>
+                          </p:cTn>
+                        </p:par>
+                      </p:childTnLst>
+                    </p:cTn>
+                  </p:par>
+                  <p:par>
+                    <p:cTn id="13" fill="hold">
+                      <p:stCondLst>
+                        <p:cond delay="indefinite"/>
+                      </p:stCondLst>
+                      <p:childTnLst>
+                        <p:par>
+                          <p:cTn id="14" fill="hold">
+                            <p:stCondLst>
+                              <p:cond delay="0"/>
+                            </p:stCondLst>
+                            <p:childTnLst>
+                              <p:par>
+                                <p:cTn id="15" presetID="1" presetClass="entr" presetSubtype="0" fill="hold" nodeType="clickEffect">
+                                  <p:stCondLst>
+                                    <p:cond delay="0"/>
+                                  </p:stCondLst>
+                                  <p:childTnLst>
+                                    <p:set>
+                                      <p:cBhvr>
+                                        <p:cTn id="16" dur="1" fill="hold">
+                                          <p:stCondLst>
+                                            <p:cond delay="0"/>
+                                          </p:stCondLst>
+                                        </p:cTn>
+                                        <p:tgtEl>
+                                          <p:spTgt spid="3">
+                                            <p:txEl>
+                                              <p:pRg st="4" end="4"/>
+                                            </p:txEl>
+                                          </p:spTgt>
+                                        </p:tgtEl>
+                                        <p:attrNameLst>
+                                          <p:attrName>style.visibility</p:attrName>
+                                        </p:attrNameLst>
+                                      </p:cBhvr>
+                                      <p:to>
+                                        <p:strVal val="visible"/>
+                                      </p:to>
+                                    </p:set>
+                                  </p:childTnLst>
+                                </p:cTn>
+                              </p:par>
+                              <p:par>
+                                <p:cTn id="17" presetID="1" presetClass="entr" presetSubtype="0" fill="hold" nodeType="withEffect">
+                                  <p:stCondLst>
+                                    <p:cond delay="0"/>
+                                  </p:stCondLst>
+                                  <p:childTnLst>
+                                    <p:set>
+                                      <p:cBhvr>
+                                        <p:cTn id="18" dur="1" fill="hold">
+                                          <p:stCondLst>
+                                            <p:cond delay="0"/>
+                                          </p:stCondLst>
+                                        </p:cTn>
+                                        <p:tgtEl>
+                                          <p:spTgt spid="3">
+                                            <p:txEl>
+                                              <p:pRg st="5" end="5"/>
+                                            </p:txEl>
+                                          </p:spTgt>
+                                        </p:tgtEl>
+                                        <p:attrNameLst>
+                                          <p:attrName>style.visibility</p:attrName>
+                                        </p:attrNameLst>
+                                      </p:cBhvr>
+                                      <p:to>
+                                        <p:strVal val="visible"/>
+                                      </p:to>
+                                    </p:set>
+                                  </p:childTnLst>
+                                </p:cTn>
+                              </p:par>
+                              <p:par>
+                                <p:cTn id="19" presetID="1" presetClass="entr" presetSubtype="0" fill="hold" nodeType="withEffect">
+                                  <p:stCondLst>
+                                    <p:cond delay="0"/>
+                                  </p:stCondLst>
+                                  <p:childTnLst>
+                                    <p:set>
+                                      <p:cBhvr>
+                                        <p:cTn id="20" dur="1" fill="hold">
+                                          <p:stCondLst>
+                                            <p:cond delay="0"/>
+                                          </p:stCondLst>
+                                        </p:cTn>
+                                        <p:tgtEl>
+                                          <p:spTgt spid="3">
+                                            <p:txEl>
+                                              <p:pRg st="6" end="6"/>
+                                            </p:txEl>
+                                          </p:spTgt>
+                                        </p:tgtEl>
+                                        <p:attrNameLst>
+                                          <p:attrName>style.visibility</p:attrName>
+                                        </p:attrNameLst>
+                                      </p:cBhvr>
+                                      <p:to>
+                                        <p:strVal val="visible"/>
+                                      </p:to>
+                                    </p:set>
+                                  </p:childTnLst>
+                                </p:cTn>
+                              </p:par>
+                              <p:par>
+                                <p:cTn id="21" presetID="1" presetClass="entr" presetSubtype="0" fill="hold" nodeType="withEffect">
+                                  <p:stCondLst>
+                                    <p:cond delay="0"/>
+                                  </p:stCondLst>
+                                  <p:childTnLst>
+                                    <p:set>
+                                      <p:cBhvr>
+                                        <p:cTn id="22" dur="1" fill="hold">
+                                          <p:stCondLst>
+                                            <p:cond delay="0"/>
+                                          </p:stCondLst>
+                                        </p:cTn>
+                                        <p:tgtEl>
+                                          <p:spTgt spid="3">
+                                            <p:txEl>
+                                              <p:pRg st="7" end="7"/>
+                                            </p:txEl>
+                                          </p:spTgt>
+                                        </p:tgtEl>
+                                        <p:attrNameLst>
+                                          <p:attrName>style.visibility</p:attrName>
+                                        </p:attrNameLst>
+                                      </p:cBhvr>
+                                      <p:to>
+                                        <p:strVal val="visible"/>
+                                      </p:to>
+                                    </p:set>
+                                  </p:childTnLst>
+                                </p:cTn>
+                              </p:par>
+                            </p:childTnLst>
+                          </p:cTn>
+                        </p:par>
+                      </p:childTnLst>
+                    </p:cTn>
+                  </p:par>
+                  <p:par>
+                    <p:cTn id="23" fill="hold">
+                      <p:stCondLst>
+                        <p:cond delay="indefinite"/>
+                      </p:stCondLst>
+                      <p:childTnLst>
+                        <p:par>
+                          <p:cTn id="24" fill="hold">
+                            <p:stCondLst>
+                              <p:cond delay="0"/>
+                            </p:stCondLst>
+                            <p:childTnLst>
+                              <p:par>
+                                <p:cTn id="25" presetID="1" presetClass="entr" presetSubtype="0" fill="hold" nodeType="clickEffect">
+                                  <p:stCondLst>
+                                    <p:cond delay="0"/>
+                                  </p:stCondLst>
+                                  <p:childTnLst>
+                                    <p:set>
+                                      <p:cBhvr>
+                                        <p:cTn id="26" dur="1" fill="hold">
+                                          <p:stCondLst>
+                                            <p:cond delay="0"/>
+                                          </p:stCondLst>
+                                        </p:cTn>
+                                        <p:tgtEl>
+                                          <p:spTgt spid="3">
+                                            <p:txEl>
+                                              <p:pRg st="8" end="8"/>
+                                            </p:txEl>
+                                          </p:spTgt>
+                                        </p:tgtEl>
+                                        <p:attrNameLst>
+                                          <p:attrName>style.visibility</p:attrName>
+                                        </p:attrNameLst>
+                                      </p:cBhvr>
+                                      <p:to>
+                                        <p:strVal val="visible"/>
+                                      </p:to>
+                                    </p:set>
+                                  </p:childTnLst>
+                                </p:cTn>
+                              </p:par>
+                              <p:par>
+                                <p:cTn id="27" presetID="1" presetClass="entr" presetSubtype="0" fill="hold" nodeType="withEffect">
+                                  <p:stCondLst>
+                                    <p:cond delay="0"/>
+                                  </p:stCondLst>
+                                  <p:childTnLst>
+                                    <p:set>
+                                      <p:cBhvr>
+                                        <p:cTn id="28" dur="1" fill="hold">
+                                          <p:stCondLst>
+                                            <p:cond delay="0"/>
+                                          </p:stCondLst>
+                                        </p:cTn>
+                                        <p:tgtEl>
+                                          <p:spTgt spid="3">
+                                            <p:txEl>
+                                              <p:pRg st="9" end="9"/>
+                                            </p:txEl>
+                                          </p:spTgt>
+                                        </p:tgtEl>
+                                        <p:attrNameLst>
+                                          <p:attrName>style.visibility</p:attrName>
+                                        </p:attrNameLst>
+                                      </p:cBhvr>
+                                      <p:to>
+                                        <p:strVal val="visible"/>
+                                      </p:to>
+                                    </p:set>
+                                  </p:childTnLst>
+                                </p:cTn>
+                              </p:par>
+                              <p:par>
+                                <p:cTn id="29" presetID="1" presetClass="entr" presetSubtype="0" fill="hold" nodeType="withEffect">
+                                  <p:stCondLst>
+                                    <p:cond delay="0"/>
+                                  </p:stCondLst>
+                                  <p:childTnLst>
+                                    <p:set>
+                                      <p:cBhvr>
+                                        <p:cTn id="30" dur="1" fill="hold">
+                                          <p:stCondLst>
+                                            <p:cond delay="0"/>
+                                          </p:stCondLst>
+                                        </p:cTn>
+                                        <p:tgtEl>
+                                          <p:spTgt spid="3">
+                                            <p:txEl>
+                                              <p:pRg st="10" end="10"/>
+                                            </p:txEl>
+                                          </p:spTgt>
+                                        </p:tgtEl>
+                                        <p:attrNameLst>
+                                          <p:attrName>style.visibility</p:attrName>
+                                        </p:attrNameLst>
+                                      </p:cBhvr>
+                                      <p:to>
+                                        <p:strVal val="visible"/>
+                                      </p:to>
+                                    </p:set>
+                                  </p:childTnLst>
+                                </p:cTn>
+                              </p:par>
+                              <p:par>
+                                <p:cTn id="31" presetID="1" presetClass="entr" presetSubtype="0" fill="hold" nodeType="withEffect">
+                                  <p:stCondLst>
+                                    <p:cond delay="0"/>
+                                  </p:stCondLst>
+                                  <p:childTnLst>
+                                    <p:set>
+                                      <p:cBhvr>
+                                        <p:cTn id="32" dur="1" fill="hold">
+                                          <p:stCondLst>
+                                            <p:cond delay="0"/>
+                                          </p:stCondLst>
+                                        </p:cTn>
+                                        <p:tgtEl>
+                                          <p:spTgt spid="3">
+                                            <p:txEl>
+                                              <p:pRg st="11" end="11"/>
+                                            </p:txEl>
+                                          </p:spTgt>
+                                        </p:tgtEl>
+                                        <p:attrNameLst>
+                                          <p:attrName>style.visibility</p:attrName>
+                                        </p:attrNameLst>
+                                      </p:cBhvr>
+                                      <p:to>
+                                        <p:strVal val="visible"/>
+                                      </p:to>
+                                    </p:set>
+                                  </p:childTnLst>
+                                </p:cTn>
+                              </p:par>
+                              <p:par>
+                                <p:cTn id="33" presetID="1" presetClass="entr" presetSubtype="0" fill="hold" nodeType="withEffect">
+                                  <p:stCondLst>
+                                    <p:cond delay="0"/>
+                                  </p:stCondLst>
+                                  <p:childTnLst>
+                                    <p:set>
+                                      <p:cBhvr>
+                                        <p:cTn id="34" dur="1" fill="hold">
+                                          <p:stCondLst>
+                                            <p:cond delay="0"/>
+                                          </p:stCondLst>
+                                        </p:cTn>
+                                        <p:tgtEl>
+                                          <p:spTgt spid="3">
+                                            <p:txEl>
+                                              <p:pRg st="12" end="12"/>
+                                            </p:txEl>
+                                          </p:spTgt>
+                                        </p:tgtEl>
+                                        <p:attrNameLst>
+                                          <p:attrName>style.visibility</p:attrName>
+                                        </p:attrNameLst>
+                                      </p:cBhvr>
+                                      <p:to>
+                                        <p:strVal val="visible"/>
+                                      </p:to>
+                                    </p:set>
+                                  </p:childTnLst>
+                                </p:cTn>
+                              </p:par>
+                            </p:childTnLst>
+                          </p:cTn>
+                        </p:par>
+                      </p:childTnLst>
+                    </p:cTn>
+                  </p:par>
+                </p:childTnLst>
+              </p:cTn>
+              <p:prevCondLst>
+                <p:cond evt="onPrev" delay="0">
+                  <p:tgtEl>
+                    <p:sldTgt/>
+                  </p:tgtEl>
+                </p:cond>
+              </p:prevCondLst>
+              <p:nextCondLst>
+                <p:cond evt="onNext" delay="0">
+                  <p:tgtEl>
+                    <p:sldTgt/>
+                  </p:tgtEl>
+                </p:cond>
+              </p:nextCondLst>
+            </p:seq>
+          </p:childTnLst>
+        </p:cTn>
+      </p:par>
+    </p:tnLst>
+  </p:timing>
 </p:sld>
 </file>
 
@@ -14031,7 +15550,7 @@
           <a:p>
             <a:fld id="{BB7604C3-A478-448A-88D6-07EFA8665C1F}" type="datetime1">
               <a:rPr lang="de-DE" smtClean="0"/>
-              <a:t>08.11.2021</a:t>
+              <a:t>09.11.2021</a:t>
             </a:fld>
             <a:endParaRPr lang="en-US"/>
           </a:p>
@@ -14503,7 +16022,7 @@
           <a:p>
             <a:fld id="{BB7604C3-A478-448A-88D6-07EFA8665C1F}" type="datetime1">
               <a:rPr lang="de-DE" smtClean="0"/>
-              <a:t>08.11.2021</a:t>
+              <a:t>09.11.2021</a:t>
             </a:fld>
             <a:endParaRPr lang="en-US"/>
           </a:p>
@@ -14997,7 +16516,7 @@
           <a:p>
             <a:fld id="{BB7604C3-A478-448A-88D6-07EFA8665C1F}" type="datetime1">
               <a:rPr lang="de-DE" smtClean="0"/>
-              <a:t>08.11.2021</a:t>
+              <a:t>09.11.2021</a:t>
             </a:fld>
             <a:endParaRPr lang="en-US"/>
           </a:p>
@@ -15168,7 +16687,7 @@
           <a:p>
             <a:fld id="{BB7604C3-A478-448A-88D6-07EFA8665C1F}" type="datetime1">
               <a:rPr lang="de-DE" smtClean="0"/>
-              <a:t>08.11.2021</a:t>
+              <a:t>09.11.2021</a:t>
             </a:fld>
             <a:endParaRPr lang="en-US"/>
           </a:p>
@@ -15465,7 +16984,7 @@
           <a:p>
             <a:fld id="{BB7604C3-A478-448A-88D6-07EFA8665C1F}" type="datetime1">
               <a:rPr lang="de-DE" smtClean="0"/>
-              <a:t>08.11.2021</a:t>
+              <a:t>09.11.2021</a:t>
             </a:fld>
             <a:endParaRPr lang="en-US"/>
           </a:p>
@@ -15695,14 +17214,14 @@
             <a:pPr lvl="1"/>
             <a:r>
               <a:rPr lang="de-DE" dirty="0"/>
-              <a:t>Konsistenz</a:t>
+              <a:t>Aufrechterhaltung der Konsistenz</a:t>
             </a:r>
           </a:p>
           <a:p>
             <a:pPr lvl="1"/>
             <a:r>
               <a:rPr lang="de-DE" dirty="0"/>
-              <a:t>Kommunikation</a:t>
+              <a:t>Kommunikation </a:t>
             </a:r>
           </a:p>
           <a:p>
@@ -15755,7 +17274,7 @@
           <a:p>
             <a:fld id="{BB7604C3-A478-448A-88D6-07EFA8665C1F}" type="datetime1">
               <a:rPr lang="de-DE" smtClean="0"/>
-              <a:t>08.11.2021</a:t>
+              <a:t>09.11.2021</a:t>
             </a:fld>
             <a:endParaRPr lang="en-US"/>
           </a:p>
@@ -16934,7 +18453,7 @@
           <a:p>
             <a:fld id="{BB7604C3-A478-448A-88D6-07EFA8665C1F}" type="datetime1">
               <a:rPr lang="de-DE" smtClean="0"/>
-              <a:t>08.11.2021</a:t>
+              <a:t>09.11.2021</a:t>
             </a:fld>
             <a:endParaRPr lang="en-US"/>
           </a:p>
@@ -17415,7 +18934,7 @@
           <a:p>
             <a:fld id="{BB7604C3-A478-448A-88D6-07EFA8665C1F}" type="datetime1">
               <a:rPr lang="de-DE" smtClean="0"/>
-              <a:t>08.11.2021</a:t>
+              <a:t>09.11.2021</a:t>
             </a:fld>
             <a:endParaRPr lang="en-US"/>
           </a:p>
@@ -17566,7 +19085,7 @@
           <a:p>
             <a:fld id="{BB7604C3-A478-448A-88D6-07EFA8665C1F}" type="datetime1">
               <a:rPr lang="de-DE" smtClean="0"/>
-              <a:t>08.11.2021</a:t>
+              <a:t>09.11.2021</a:t>
             </a:fld>
             <a:endParaRPr lang="en-US"/>
           </a:p>
@@ -18025,7 +19544,7 @@
         </p:spPr>
         <p:txBody>
           <a:bodyPr vert="horz" lIns="91440" tIns="45720" rIns="91440" bIns="45720" rtlCol="0" anchor="ctr">
-            <a:normAutofit fontScale="92500" lnSpcReduction="10000"/>
+            <a:normAutofit fontScale="77500" lnSpcReduction="20000"/>
           </a:bodyPr>
           <a:lstStyle>
             <a:lvl1pPr marL="344488" indent="-344488" algn="l" defTabSz="914400" rtl="0" eaLnBrk="1" latinLnBrk="0" hangingPunct="1">
@@ -18283,7 +19802,7 @@
             <a:pPr lvl="1"/>
             <a:r>
               <a:rPr lang="de-DE" sz="1600" dirty="0"/>
-              <a:t>Autorisierung &amp; Authentifizierung</a:t>
+              <a:t>Autorisierung &amp; Authentifizierung an zentraler Stelle</a:t>
             </a:r>
           </a:p>
           <a:p>
@@ -18299,6 +19818,13 @@
             <a:r>
               <a:rPr lang="de-DE" sz="1600" dirty="0"/>
               <a:t> </a:t>
+            </a:r>
+          </a:p>
+          <a:p>
+            <a:pPr lvl="1"/>
+            <a:r>
+              <a:rPr lang="de-DE" sz="1600" dirty="0"/>
+              <a:t>…</a:t>
             </a:r>
           </a:p>
           <a:p>
@@ -19118,6 +20644,55 @@
                                           </p:stCondLst>
                                         </p:cTn>
                                         <p:tgtEl>
+                                          <p:spTgt spid="12">
+                                            <p:txEl>
+                                              <p:pRg st="6" end="6"/>
+                                            </p:txEl>
+                                          </p:spTgt>
+                                        </p:tgtEl>
+                                        <p:attrNameLst>
+                                          <p:attrName>style.visibility</p:attrName>
+                                        </p:attrNameLst>
+                                      </p:cBhvr>
+                                      <p:to>
+                                        <p:strVal val="visible"/>
+                                      </p:to>
+                                    </p:set>
+                                  </p:childTnLst>
+                                </p:cTn>
+                              </p:par>
+                            </p:childTnLst>
+                          </p:cTn>
+                        </p:par>
+                      </p:childTnLst>
+                    </p:cTn>
+                  </p:par>
+                  <p:par>
+                    <p:cTn id="55" fill="hold">
+                      <p:stCondLst>
+                        <p:cond delay="indefinite"/>
+                      </p:stCondLst>
+                      <p:childTnLst>
+                        <p:par>
+                          <p:cTn id="56" fill="hold">
+                            <p:stCondLst>
+                              <p:cond delay="0"/>
+                            </p:stCondLst>
+                            <p:childTnLst>
+                              <p:par>
+                                <p:cTn id="57" presetID="1" presetClass="entr" presetSubtype="0" fill="hold" nodeType="clickEffect">
+                                  <p:stCondLst>
+                                    <p:cond delay="0"/>
+                                  </p:stCondLst>
+                                  <p:childTnLst>
+                                    <p:set>
+                                      <p:cBhvr>
+                                        <p:cTn id="58" dur="1" fill="hold">
+                                          <p:stCondLst>
+                                            <p:cond delay="0"/>
+                                          </p:stCondLst>
+                                        </p:cTn>
+                                        <p:tgtEl>
                                           <p:spTgt spid="14"/>
                                         </p:tgtEl>
                                         <p:attrNameLst>
@@ -19293,7 +20868,7 @@
           <a:p>
             <a:fld id="{BB7604C3-A478-448A-88D6-07EFA8665C1F}" type="datetime1">
               <a:rPr lang="de-DE" smtClean="0"/>
-              <a:t>08.11.2021</a:t>
+              <a:t>09.11.2021</a:t>
             </a:fld>
             <a:endParaRPr lang="en-US"/>
           </a:p>
@@ -19903,7 +21478,7 @@
           <a:p>
             <a:r>
               <a:rPr lang="de-DE" dirty="0"/>
-              <a:t>Nutzt Algorithmen wie zum Beispiel: Round Robin</a:t>
+              <a:t>Nutzt Algorithmen wie zum Beispiel: Round Robin oder Least-Time-Algorithmus</a:t>
             </a:r>
           </a:p>
           <a:p>
@@ -19934,7 +21509,7 @@
           <a:p>
             <a:fld id="{BB7604C3-A478-448A-88D6-07EFA8665C1F}" type="datetime1">
               <a:rPr lang="de-DE" smtClean="0"/>
-              <a:t>08.11.2021</a:t>
+              <a:t>09.11.2021</a:t>
             </a:fld>
             <a:endParaRPr lang="en-US"/>
           </a:p>
@@ -20906,15 +22481,6 @@
 </file>
 
 <file path=customXml/item1.xml><?xml version="1.0" encoding="utf-8"?>
-<?mso-contentType ?>
-<FormTemplates xmlns="http://schemas.microsoft.com/sharepoint/v3/contenttype/forms">
-  <Display>DocumentLibraryForm</Display>
-  <Edit>DocumentLibraryForm</Edit>
-  <New>DocumentLibraryForm</New>
-</FormTemplates>
-</file>
-
-<file path=customXml/item2.xml><?xml version="1.0" encoding="utf-8"?>
 <ct:contentTypeSchema xmlns:ct="http://schemas.microsoft.com/office/2006/metadata/contentType" xmlns:ma="http://schemas.microsoft.com/office/2006/metadata/properties/metaAttributes" ct:_="" ma:_="" ma:contentTypeName="Dokument" ma:contentTypeID="0x01010057DEBC6757D75944BF029D53C906043C" ma:contentTypeVersion="2" ma:contentTypeDescription="Ein neues Dokument erstellen." ma:contentTypeScope="" ma:versionID="92b2e5e144b5888bfe8e1716395d2054">
   <xsd:schema xmlns:xsd="http://www.w3.org/2001/XMLSchema" xmlns:xs="http://www.w3.org/2001/XMLSchema" xmlns:p="http://schemas.microsoft.com/office/2006/metadata/properties" xmlns:ns3="2e5082aa-21a9-4fb8-bc02-de89f01dc016" targetNamespace="http://schemas.microsoft.com/office/2006/metadata/properties" ma:root="true" ma:fieldsID="750a51e2518c422fe3db59dbb0fb1318" ns3:_="">
     <xsd:import namespace="2e5082aa-21a9-4fb8-bc02-de89f01dc016"/>
@@ -21046,6 +22612,15 @@
 </ct:contentTypeSchema>
 </file>
 
+<file path=customXml/item2.xml><?xml version="1.0" encoding="utf-8"?>
+<?mso-contentType ?>
+<FormTemplates xmlns="http://schemas.microsoft.com/sharepoint/v3/contenttype/forms">
+  <Display>DocumentLibraryForm</Display>
+  <Edit>DocumentLibraryForm</Edit>
+  <New>DocumentLibraryForm</New>
+</FormTemplates>
+</file>
+
 <file path=customXml/item3.xml><?xml version="1.0" encoding="utf-8"?>
 <p:properties xmlns:p="http://schemas.microsoft.com/office/2006/metadata/properties" xmlns:xsi="http://www.w3.org/2001/XMLSchema-instance" xmlns:pc="http://schemas.microsoft.com/office/infopath/2007/PartnerControls">
   <documentManagement/>
@@ -21053,14 +22628,6 @@
 </file>
 
 <file path=customXml/itemProps1.xml><?xml version="1.0" encoding="utf-8"?>
-<ds:datastoreItem xmlns:ds="http://schemas.openxmlformats.org/officeDocument/2006/customXml" ds:itemID="{2ABFB1C4-DEB4-4487-BA3A-A97A672A3FD3}">
-  <ds:schemaRefs>
-    <ds:schemaRef ds:uri="http://schemas.microsoft.com/sharepoint/v3/contenttype/forms"/>
-  </ds:schemaRefs>
-</ds:datastoreItem>
-</file>
-
-<file path=customXml/itemProps2.xml><?xml version="1.0" encoding="utf-8"?>
 <ds:datastoreItem xmlns:ds="http://schemas.openxmlformats.org/officeDocument/2006/customXml" ds:itemID="{3E893F45-019B-40EF-B832-242EE941AB77}">
   <ds:schemaRefs>
     <ds:schemaRef ds:uri="2e5082aa-21a9-4fb8-bc02-de89f01dc016"/>
@@ -21074,6 +22641,14 @@
     <ds:schemaRef ds:uri="http://schemas.microsoft.com/office/infopath/2007/PartnerControls"/>
     <ds:schemaRef ds:uri="http://schemas.openxmlformats.org/package/2006/metadata/core-properties"/>
     <ds:schemaRef ds:uri="http://www.w3.org/2001/XMLSchema"/>
+  </ds:schemaRefs>
+</ds:datastoreItem>
+</file>
+
+<file path=customXml/itemProps2.xml><?xml version="1.0" encoding="utf-8"?>
+<ds:datastoreItem xmlns:ds="http://schemas.openxmlformats.org/officeDocument/2006/customXml" ds:itemID="{2ABFB1C4-DEB4-4487-BA3A-A97A672A3FD3}">
+  <ds:schemaRefs>
+    <ds:schemaRef ds:uri="http://schemas.microsoft.com/sharepoint/v3/contenttype/forms"/>
   </ds:schemaRefs>
 </ds:datastoreItem>
 </file>

--- a/Vortrag.pptx
+++ b/Vortrag.pptx
@@ -15,8 +15,8 @@
     <p:sldId id="260" r:id="rId9"/>
     <p:sldId id="262" r:id="rId10"/>
     <p:sldId id="266" r:id="rId11"/>
-    <p:sldId id="271" r:id="rId12"/>
-    <p:sldId id="269" r:id="rId13"/>
+    <p:sldId id="269" r:id="rId12"/>
+    <p:sldId id="271" r:id="rId13"/>
     <p:sldId id="286" r:id="rId14"/>
     <p:sldId id="263" r:id="rId15"/>
     <p:sldId id="287" r:id="rId16"/>
@@ -135,7 +135,7 @@
   <p:extLst>
     <p:ext uri="{EFAFB233-063F-42B5-8137-9DF3F51BA10A}">
       <p15:sldGuideLst xmlns:p15="http://schemas.microsoft.com/office/powerpoint/2012/main">
-        <p15:guide id="1" orient="horz" pos="2115" userDrawn="1">
+        <p15:guide id="1" orient="horz" pos="2092" userDrawn="1">
           <p15:clr>
             <a:srgbClr val="A4A3A4"/>
           </p15:clr>
@@ -245,7 +245,7 @@
           <a:p>
             <a:fld id="{A7B8C7EC-8663-4343-8CB3-46B01580284C}" type="datetimeFigureOut">
               <a:rPr lang="de-DE" smtClean="0"/>
-              <a:t>09.11.2021</a:t>
+              <a:t>11.11.2021</a:t>
             </a:fld>
             <a:endParaRPr lang="de-DE"/>
           </a:p>
@@ -577,7 +577,7 @@
           <a:p>
             <a:fld id="{0E2C7842-408F-4584-8FDB-B599EDC8AF69}" type="slidenum">
               <a:rPr lang="de-DE" smtClean="0"/>
-              <a:t>9</a:t>
+              <a:t>8</a:t>
             </a:fld>
             <a:endParaRPr lang="de-DE"/>
           </a:p>
@@ -818,7 +818,7 @@
           <a:p>
             <a:fld id="{B59E6383-A8CB-4B08-927D-D4B4B7D9AC2E}" type="datetime1">
               <a:rPr lang="de-DE" smtClean="0"/>
-              <a:t>09.11.2021</a:t>
+              <a:t>11.11.2021</a:t>
             </a:fld>
             <a:endParaRPr lang="en-US"/>
           </a:p>
@@ -1362,7 +1362,7 @@
           <a:p>
             <a:fld id="{6CA99C16-F3DE-4BEA-BEA0-185955F827CC}" type="datetime1">
               <a:rPr lang="de-DE" smtClean="0"/>
-              <a:t>09.11.2021</a:t>
+              <a:t>11.11.2021</a:t>
             </a:fld>
             <a:endParaRPr lang="en-US"/>
           </a:p>
@@ -1556,7 +1556,7 @@
           <a:p>
             <a:fld id="{2D886228-5DBC-4625-A335-1BCDAFDC46C1}" type="datetime1">
               <a:rPr lang="de-DE" smtClean="0"/>
-              <a:t>09.11.2021</a:t>
+              <a:t>11.11.2021</a:t>
             </a:fld>
             <a:endParaRPr lang="en-US"/>
           </a:p>
@@ -1768,7 +1768,7 @@
           <a:p>
             <a:fld id="{C980135E-CF13-4F76-823B-93B2AE87FB42}" type="datetime1">
               <a:rPr lang="de-DE" smtClean="0"/>
-              <a:t>09.11.2021</a:t>
+              <a:t>11.11.2021</a:t>
             </a:fld>
             <a:endParaRPr lang="en-US"/>
           </a:p>
@@ -2136,7 +2136,7 @@
           <a:p>
             <a:fld id="{EE00E525-60F6-456C-ABD0-CA49B7CA1AC0}" type="datetime1">
               <a:rPr lang="de-DE" smtClean="0"/>
-              <a:t>09.11.2021</a:t>
+              <a:t>11.11.2021</a:t>
             </a:fld>
             <a:endParaRPr lang="en-US"/>
           </a:p>
@@ -2538,7 +2538,7 @@
           <a:p>
             <a:fld id="{9F737527-C30D-4C1B-8A57-8831FC877160}" type="datetime1">
               <a:rPr lang="de-DE" smtClean="0"/>
-              <a:t>09.11.2021</a:t>
+              <a:t>11.11.2021</a:t>
             </a:fld>
             <a:endParaRPr lang="en-US"/>
           </a:p>
@@ -2830,7 +2830,7 @@
           <a:p>
             <a:fld id="{7F4A9B1D-38C4-4A9A-BD74-09CB54D529F7}" type="datetime1">
               <a:rPr lang="de-DE" smtClean="0"/>
-              <a:t>09.11.2021</a:t>
+              <a:t>11.11.2021</a:t>
             </a:fld>
             <a:endParaRPr lang="en-US"/>
           </a:p>
@@ -3131,7 +3131,7 @@
           <a:p>
             <a:fld id="{171975C2-17DF-44AF-BAFC-99FC3839D6B6}" type="datetime1">
               <a:rPr lang="de-DE" smtClean="0"/>
-              <a:t>09.11.2021</a:t>
+              <a:t>11.11.2021</a:t>
             </a:fld>
             <a:endParaRPr lang="en-US"/>
           </a:p>
@@ -3398,7 +3398,7 @@
           <a:p>
             <a:fld id="{BB7604C3-A478-448A-88D6-07EFA8665C1F}" type="datetime1">
               <a:rPr lang="de-DE" smtClean="0"/>
-              <a:t>09.11.2021</a:t>
+              <a:t>11.11.2021</a:t>
             </a:fld>
             <a:endParaRPr lang="en-US"/>
           </a:p>
@@ -3666,7 +3666,7 @@
           <a:p>
             <a:fld id="{BB7604C3-A478-448A-88D6-07EFA8665C1F}" type="datetime1">
               <a:rPr lang="de-DE" smtClean="0"/>
-              <a:t>09.11.2021</a:t>
+              <a:t>11.11.2021</a:t>
             </a:fld>
             <a:endParaRPr lang="en-US"/>
           </a:p>
@@ -3932,7 +3932,7 @@
           <a:p>
             <a:fld id="{A04AC0E9-B042-43D8-AB78-DC52AC0C585D}" type="datetime1">
               <a:rPr lang="de-DE" smtClean="0"/>
-              <a:t>09.11.2021</a:t>
+              <a:t>11.11.2021</a:t>
             </a:fld>
             <a:endParaRPr lang="en-US"/>
           </a:p>
@@ -4203,7 +4203,7 @@
           <a:p>
             <a:fld id="{645C10F2-7973-42A2-B0DE-A6ED0ED91C8E}" type="datetime1">
               <a:rPr lang="de-DE" smtClean="0"/>
-              <a:t>09.11.2021</a:t>
+              <a:t>11.11.2021</a:t>
             </a:fld>
             <a:endParaRPr lang="en-US"/>
           </a:p>
@@ -4476,7 +4476,7 @@
           <a:p>
             <a:fld id="{BAFDFB72-582B-45F4-B36C-EF1963E97DC6}" type="datetime1">
               <a:rPr lang="de-DE" smtClean="0"/>
-              <a:t>09.11.2021</a:t>
+              <a:t>11.11.2021</a:t>
             </a:fld>
             <a:endParaRPr lang="en-US"/>
           </a:p>
@@ -4749,7 +4749,7 @@
           <a:p>
             <a:fld id="{7E7651B1-048A-4583-9423-E37907F714C8}" type="datetime1">
               <a:rPr lang="de-DE" smtClean="0"/>
-              <a:t>09.11.2021</a:t>
+              <a:t>11.11.2021</a:t>
             </a:fld>
             <a:endParaRPr lang="en-US"/>
           </a:p>
@@ -5159,7 +5159,7 @@
           <a:p>
             <a:fld id="{764358B9-31F4-4BA7-92DD-CF366B443679}" type="datetime1">
               <a:rPr lang="de-DE" smtClean="0"/>
-              <a:t>09.11.2021</a:t>
+              <a:t>11.11.2021</a:t>
             </a:fld>
             <a:endParaRPr lang="en-US"/>
           </a:p>
@@ -5472,7 +5472,7 @@
           <a:p>
             <a:fld id="{5DF93BFA-DCCE-4E1B-9D54-AE151F0C2290}" type="datetime1">
               <a:rPr lang="de-DE" smtClean="0"/>
-              <a:t>09.11.2021</a:t>
+              <a:t>11.11.2021</a:t>
             </a:fld>
             <a:endParaRPr lang="en-US"/>
           </a:p>
@@ -5847,7 +5847,7 @@
             <a:fld id="{0B528F4A-65CA-4C1C-A385-CA3E5156BAA4}" type="datetime1">
               <a:rPr lang="de-DE" smtClean="0"/>
               <a:pPr/>
-              <a:t>09.11.2021</a:t>
+              <a:t>11.11.2021</a:t>
             </a:fld>
             <a:endParaRPr lang="en-US"/>
           </a:p>
@@ -7192,7 +7192,7 @@
           <a:p>
             <a:fld id="{BB7604C3-A478-448A-88D6-07EFA8665C1F}" type="datetime1">
               <a:rPr lang="de-DE" smtClean="0"/>
-              <a:t>09.11.2021</a:t>
+              <a:t>11.11.2021</a:t>
             </a:fld>
             <a:endParaRPr lang="en-US"/>
           </a:p>
@@ -7351,7 +7351,7 @@
           <a:p>
             <a:fld id="{BB7604C3-A478-448A-88D6-07EFA8665C1F}" type="datetime1">
               <a:rPr lang="de-DE" smtClean="0"/>
-              <a:t>09.11.2021</a:t>
+              <a:t>11.11.2021</a:t>
             </a:fld>
             <a:endParaRPr lang="en-US"/>
           </a:p>
@@ -7919,7 +7919,7 @@
           <a:p>
             <a:fld id="{BB7604C3-A478-448A-88D6-07EFA8665C1F}" type="datetime1">
               <a:rPr lang="de-DE" smtClean="0"/>
-              <a:t>09.11.2021</a:t>
+              <a:t>11.11.2021</a:t>
             </a:fld>
             <a:endParaRPr lang="en-US"/>
           </a:p>
@@ -8268,7 +8268,7 @@
           <a:p>
             <a:fld id="{BB7604C3-A478-448A-88D6-07EFA8665C1F}" type="datetime1">
               <a:rPr lang="de-DE" smtClean="0"/>
-              <a:t>09.11.2021</a:t>
+              <a:t>11.11.2021</a:t>
             </a:fld>
             <a:endParaRPr lang="en-US"/>
           </a:p>
@@ -8890,7 +8890,7 @@
           <a:p>
             <a:fld id="{BB7604C3-A478-448A-88D6-07EFA8665C1F}" type="datetime1">
               <a:rPr lang="de-DE" smtClean="0"/>
-              <a:t>09.11.2021</a:t>
+              <a:t>11.11.2021</a:t>
             </a:fld>
             <a:endParaRPr lang="en-US"/>
           </a:p>
@@ -9817,7 +9817,7 @@
           <a:p>
             <a:fld id="{BB7604C3-A478-448A-88D6-07EFA8665C1F}" type="datetime1">
               <a:rPr lang="de-DE" smtClean="0"/>
-              <a:t>09.11.2021</a:t>
+              <a:t>11.11.2021</a:t>
             </a:fld>
             <a:endParaRPr lang="en-US"/>
           </a:p>
@@ -9974,6 +9974,209 @@
   <p:clrMapOvr>
     <a:masterClrMapping/>
   </p:clrMapOvr>
+  <p:timing>
+    <p:tnLst>
+      <p:par>
+        <p:cTn id="1" dur="indefinite" restart="never" nodeType="tmRoot">
+          <p:childTnLst>
+            <p:seq concurrent="1" nextAc="seek">
+              <p:cTn id="2" dur="indefinite" nodeType="mainSeq">
+                <p:childTnLst>
+                  <p:par>
+                    <p:cTn id="3" fill="hold">
+                      <p:stCondLst>
+                        <p:cond delay="indefinite"/>
+                      </p:stCondLst>
+                      <p:childTnLst>
+                        <p:par>
+                          <p:cTn id="4" fill="hold">
+                            <p:stCondLst>
+                              <p:cond delay="0"/>
+                            </p:stCondLst>
+                            <p:childTnLst>
+                              <p:par>
+                                <p:cTn id="5" presetID="1" presetClass="entr" presetSubtype="0" fill="hold" nodeType="clickEffect">
+                                  <p:stCondLst>
+                                    <p:cond delay="0"/>
+                                  </p:stCondLst>
+                                  <p:childTnLst>
+                                    <p:set>
+                                      <p:cBhvr>
+                                        <p:cTn id="6" dur="1" fill="hold">
+                                          <p:stCondLst>
+                                            <p:cond delay="0"/>
+                                          </p:stCondLst>
+                                        </p:cTn>
+                                        <p:tgtEl>
+                                          <p:spTgt spid="3">
+                                            <p:txEl>
+                                              <p:pRg st="0" end="0"/>
+                                            </p:txEl>
+                                          </p:spTgt>
+                                        </p:tgtEl>
+                                        <p:attrNameLst>
+                                          <p:attrName>style.visibility</p:attrName>
+                                        </p:attrNameLst>
+                                      </p:cBhvr>
+                                      <p:to>
+                                        <p:strVal val="visible"/>
+                                      </p:to>
+                                    </p:set>
+                                  </p:childTnLst>
+                                </p:cTn>
+                              </p:par>
+                            </p:childTnLst>
+                          </p:cTn>
+                        </p:par>
+                      </p:childTnLst>
+                    </p:cTn>
+                  </p:par>
+                  <p:par>
+                    <p:cTn id="7" fill="hold">
+                      <p:stCondLst>
+                        <p:cond delay="indefinite"/>
+                      </p:stCondLst>
+                      <p:childTnLst>
+                        <p:par>
+                          <p:cTn id="8" fill="hold">
+                            <p:stCondLst>
+                              <p:cond delay="0"/>
+                            </p:stCondLst>
+                            <p:childTnLst>
+                              <p:par>
+                                <p:cTn id="9" presetID="1" presetClass="entr" presetSubtype="0" fill="hold" nodeType="clickEffect">
+                                  <p:stCondLst>
+                                    <p:cond delay="0"/>
+                                  </p:stCondLst>
+                                  <p:childTnLst>
+                                    <p:set>
+                                      <p:cBhvr>
+                                        <p:cTn id="10" dur="1" fill="hold">
+                                          <p:stCondLst>
+                                            <p:cond delay="0"/>
+                                          </p:stCondLst>
+                                        </p:cTn>
+                                        <p:tgtEl>
+                                          <p:spTgt spid="3">
+                                            <p:txEl>
+                                              <p:pRg st="1" end="1"/>
+                                            </p:txEl>
+                                          </p:spTgt>
+                                        </p:tgtEl>
+                                        <p:attrNameLst>
+                                          <p:attrName>style.visibility</p:attrName>
+                                        </p:attrNameLst>
+                                      </p:cBhvr>
+                                      <p:to>
+                                        <p:strVal val="visible"/>
+                                      </p:to>
+                                    </p:set>
+                                  </p:childTnLst>
+                                </p:cTn>
+                              </p:par>
+                            </p:childTnLst>
+                          </p:cTn>
+                        </p:par>
+                      </p:childTnLst>
+                    </p:cTn>
+                  </p:par>
+                  <p:par>
+                    <p:cTn id="11" fill="hold">
+                      <p:stCondLst>
+                        <p:cond delay="indefinite"/>
+                      </p:stCondLst>
+                      <p:childTnLst>
+                        <p:par>
+                          <p:cTn id="12" fill="hold">
+                            <p:stCondLst>
+                              <p:cond delay="0"/>
+                            </p:stCondLst>
+                            <p:childTnLst>
+                              <p:par>
+                                <p:cTn id="13" presetID="1" presetClass="entr" presetSubtype="0" fill="hold" nodeType="clickEffect">
+                                  <p:stCondLst>
+                                    <p:cond delay="0"/>
+                                  </p:stCondLst>
+                                  <p:childTnLst>
+                                    <p:set>
+                                      <p:cBhvr>
+                                        <p:cTn id="14" dur="1" fill="hold">
+                                          <p:stCondLst>
+                                            <p:cond delay="0"/>
+                                          </p:stCondLst>
+                                        </p:cTn>
+                                        <p:tgtEl>
+                                          <p:spTgt spid="8"/>
+                                        </p:tgtEl>
+                                        <p:attrNameLst>
+                                          <p:attrName>style.visibility</p:attrName>
+                                        </p:attrNameLst>
+                                      </p:cBhvr>
+                                      <p:to>
+                                        <p:strVal val="visible"/>
+                                      </p:to>
+                                    </p:set>
+                                  </p:childTnLst>
+                                </p:cTn>
+                              </p:par>
+                              <p:par>
+                                <p:cTn id="15" presetID="1" presetClass="entr" presetSubtype="0" fill="hold" grpId="0" nodeType="withEffect">
+                                  <p:stCondLst>
+                                    <p:cond delay="0"/>
+                                  </p:stCondLst>
+                                  <p:childTnLst>
+                                    <p:set>
+                                      <p:cBhvr>
+                                        <p:cTn id="16" dur="1" fill="hold">
+                                          <p:stCondLst>
+                                            <p:cond delay="0"/>
+                                          </p:stCondLst>
+                                        </p:cTn>
+                                        <p:tgtEl>
+                                          <p:spTgt spid="11"/>
+                                        </p:tgtEl>
+                                        <p:attrNameLst>
+                                          <p:attrName>style.visibility</p:attrName>
+                                        </p:attrNameLst>
+                                      </p:cBhvr>
+                                      <p:to>
+                                        <p:strVal val="visible"/>
+                                      </p:to>
+                                    </p:set>
+                                  </p:childTnLst>
+                                </p:cTn>
+                              </p:par>
+                            </p:childTnLst>
+                          </p:cTn>
+                        </p:par>
+                      </p:childTnLst>
+                    </p:cTn>
+                  </p:par>
+                </p:childTnLst>
+              </p:cTn>
+              <p:prevCondLst>
+                <p:cond evt="onPrev" delay="0">
+                  <p:tgtEl>
+                    <p:sldTgt/>
+                  </p:tgtEl>
+                </p:cond>
+              </p:prevCondLst>
+              <p:nextCondLst>
+                <p:cond evt="onNext" delay="0">
+                  <p:tgtEl>
+                    <p:sldTgt/>
+                  </p:tgtEl>
+                </p:cond>
+              </p:nextCondLst>
+            </p:seq>
+          </p:childTnLst>
+        </p:cTn>
+      </p:par>
+    </p:tnLst>
+    <p:bldLst>
+      <p:bldP spid="11" grpId="0"/>
+    </p:bldLst>
+  </p:timing>
 </p:sld>
 </file>
 
@@ -10141,7 +10344,7 @@
           <a:p>
             <a:fld id="{BB7604C3-A478-448A-88D6-07EFA8665C1F}" type="datetime1">
               <a:rPr lang="de-DE" smtClean="0"/>
-              <a:t>09.11.2021</a:t>
+              <a:t>11.11.2021</a:t>
             </a:fld>
             <a:endParaRPr lang="en-US"/>
           </a:p>
@@ -10660,7 +10863,7 @@
           <a:p>
             <a:fld id="{BB7604C3-A478-448A-88D6-07EFA8665C1F}" type="datetime1">
               <a:rPr lang="de-DE" smtClean="0"/>
-              <a:t>09.11.2021</a:t>
+              <a:t>11.11.2021</a:t>
             </a:fld>
             <a:endParaRPr lang="en-US"/>
           </a:p>
@@ -11545,7 +11748,7 @@
           <a:p>
             <a:fld id="{BB7604C3-A478-448A-88D6-07EFA8665C1F}" type="datetime1">
               <a:rPr lang="de-DE" smtClean="0"/>
-              <a:t>09.11.2021</a:t>
+              <a:t>11.11.2021</a:t>
             </a:fld>
             <a:endParaRPr lang="en-US"/>
           </a:p>
@@ -11691,7 +11894,7 @@
           <a:p>
             <a:fld id="{BB7604C3-A478-448A-88D6-07EFA8665C1F}" type="datetime1">
               <a:rPr lang="de-DE" smtClean="0"/>
-              <a:t>09.11.2021</a:t>
+              <a:t>11.11.2021</a:t>
             </a:fld>
             <a:endParaRPr lang="en-US"/>
           </a:p>
@@ -12602,7 +12805,7 @@
           <a:p>
             <a:fld id="{BB7604C3-A478-448A-88D6-07EFA8665C1F}" type="datetime1">
               <a:rPr lang="de-DE" smtClean="0"/>
-              <a:t>09.11.2021</a:t>
+              <a:t>11.11.2021</a:t>
             </a:fld>
             <a:endParaRPr lang="en-US"/>
           </a:p>
@@ -12748,7 +12951,7 @@
           <a:p>
             <a:fld id="{BB7604C3-A478-448A-88D6-07EFA8665C1F}" type="datetime1">
               <a:rPr lang="de-DE" smtClean="0"/>
-              <a:t>09.11.2021</a:t>
+              <a:t>11.11.2021</a:t>
             </a:fld>
             <a:endParaRPr lang="en-US"/>
           </a:p>
@@ -13190,7 +13393,7 @@
                   <a:srgbClr val="FFC000"/>
                 </a:solidFill>
               </a:rPr>
-              <a:t>Weiterleitung des Aufrufes über Gateway und Loadbalancer (Loadbalancer wählt verfügbaren Besucherservice)</a:t>
+              <a:t>Weiterleitung des Aufrufs über Gateway und Loadbalancer (Loadbalancer wählt verfügbaren Besucherservice)</a:t>
             </a:r>
           </a:p>
           <a:p>
@@ -13204,7 +13407,7 @@
                   <a:srgbClr val="92D050"/>
                 </a:solidFill>
               </a:rPr>
-              <a:t>Besucherservice ruft den Endpunkt „/firmen“ auf wodurch die Firmendaten vom Firmenservice angefordert werden (Adressauflösung über Eureka)</a:t>
+              <a:t>Besucherservice ruft den Endpunkt „/firmen“ auf, wodurch die Firmendaten vom Firmenservice angefordert werden (Adressauflösung über Eureka)</a:t>
             </a:r>
           </a:p>
           <a:p>
@@ -14608,7 +14811,7 @@
           <a:p>
             <a:fld id="{BB7604C3-A478-448A-88D6-07EFA8665C1F}" type="datetime1">
               <a:rPr lang="de-DE" smtClean="0"/>
-              <a:t>09.11.2021</a:t>
+              <a:t>11.11.2021</a:t>
             </a:fld>
             <a:endParaRPr lang="en-US"/>
           </a:p>
@@ -14768,7 +14971,7 @@
             <a:pPr lvl="1"/>
             <a:r>
               <a:rPr lang="de-DE" dirty="0"/>
-              <a:t>Verbessert Wartbarkeit (Zentralisiert API-Management)</a:t>
+              <a:t>Verbessert Wartbarkeit (zentralisiert API-Management)</a:t>
             </a:r>
           </a:p>
           <a:p>
@@ -14892,7 +15095,7 @@
           <a:p>
             <a:fld id="{BB7604C3-A478-448A-88D6-07EFA8665C1F}" type="datetime1">
               <a:rPr lang="de-DE" smtClean="0"/>
-              <a:t>09.11.2021</a:t>
+              <a:t>11.11.2021</a:t>
             </a:fld>
             <a:endParaRPr lang="en-US"/>
           </a:p>
@@ -15550,7 +15753,7 @@
           <a:p>
             <a:fld id="{BB7604C3-A478-448A-88D6-07EFA8665C1F}" type="datetime1">
               <a:rPr lang="de-DE" smtClean="0"/>
-              <a:t>09.11.2021</a:t>
+              <a:t>11.11.2021</a:t>
             </a:fld>
             <a:endParaRPr lang="en-US"/>
           </a:p>
@@ -16022,7 +16225,7 @@
           <a:p>
             <a:fld id="{BB7604C3-A478-448A-88D6-07EFA8665C1F}" type="datetime1">
               <a:rPr lang="de-DE" smtClean="0"/>
-              <a:t>09.11.2021</a:t>
+              <a:t>11.11.2021</a:t>
             </a:fld>
             <a:endParaRPr lang="en-US"/>
           </a:p>
@@ -16516,7 +16719,7 @@
           <a:p>
             <a:fld id="{BB7604C3-A478-448A-88D6-07EFA8665C1F}" type="datetime1">
               <a:rPr lang="de-DE" smtClean="0"/>
-              <a:t>09.11.2021</a:t>
+              <a:t>11.11.2021</a:t>
             </a:fld>
             <a:endParaRPr lang="en-US"/>
           </a:p>
@@ -16687,7 +16890,7 @@
           <a:p>
             <a:fld id="{BB7604C3-A478-448A-88D6-07EFA8665C1F}" type="datetime1">
               <a:rPr lang="de-DE" smtClean="0"/>
-              <a:t>09.11.2021</a:t>
+              <a:t>11.11.2021</a:t>
             </a:fld>
             <a:endParaRPr lang="en-US"/>
           </a:p>
@@ -16984,7 +17187,7 @@
           <a:p>
             <a:fld id="{BB7604C3-A478-448A-88D6-07EFA8665C1F}" type="datetime1">
               <a:rPr lang="de-DE" smtClean="0"/>
-              <a:t>09.11.2021</a:t>
+              <a:t>11.11.2021</a:t>
             </a:fld>
             <a:endParaRPr lang="en-US"/>
           </a:p>
@@ -17274,7 +17477,7 @@
           <a:p>
             <a:fld id="{BB7604C3-A478-448A-88D6-07EFA8665C1F}" type="datetime1">
               <a:rPr lang="de-DE" smtClean="0"/>
-              <a:t>09.11.2021</a:t>
+              <a:t>11.11.2021</a:t>
             </a:fld>
             <a:endParaRPr lang="en-US"/>
           </a:p>
@@ -18407,22 +18610,14 @@
           <a:p>
             <a:r>
               <a:rPr lang="de-DE" dirty="0"/>
-              <a:t>Beispielhafte Implementierung der Technologischen Ansätze</a:t>
+              <a:t>Beispielhafte Implementierung der technologischen Ansätze</a:t>
             </a:r>
           </a:p>
           <a:p>
             <a:pPr lvl="1"/>
             <a:r>
               <a:rPr lang="de-DE" dirty="0"/>
-              <a:t>Umsetzung anhand eines Verwaltungsprogramms für die IT-</a:t>
-            </a:r>
-            <a:r>
-              <a:rPr lang="de-DE" dirty="0" err="1"/>
-              <a:t>Kontakmesse</a:t>
-            </a:r>
-            <a:r>
-              <a:rPr lang="de-DE" dirty="0"/>
-              <a:t> an der Fachhochschule Erfurt</a:t>
+              <a:t>Umsetzung anhand eines Verwaltungsprogramms für die IT-Kontaktmesse an der Fachhochschule Erfurt</a:t>
             </a:r>
           </a:p>
           <a:p>
@@ -18453,7 +18648,7 @@
           <a:p>
             <a:fld id="{BB7604C3-A478-448A-88D6-07EFA8665C1F}" type="datetime1">
               <a:rPr lang="de-DE" smtClean="0"/>
-              <a:t>09.11.2021</a:t>
+              <a:t>11.11.2021</a:t>
             </a:fld>
             <a:endParaRPr lang="en-US"/>
           </a:p>
@@ -18934,7 +19129,7 @@
           <a:p>
             <a:fld id="{BB7604C3-A478-448A-88D6-07EFA8665C1F}" type="datetime1">
               <a:rPr lang="de-DE" smtClean="0"/>
-              <a:t>09.11.2021</a:t>
+              <a:t>11.11.2021</a:t>
             </a:fld>
             <a:endParaRPr lang="en-US"/>
           </a:p>
@@ -19085,7 +19280,7 @@
           <a:p>
             <a:fld id="{BB7604C3-A478-448A-88D6-07EFA8665C1F}" type="datetime1">
               <a:rPr lang="de-DE" smtClean="0"/>
-              <a:t>09.11.2021</a:t>
+              <a:t>11.11.2021</a:t>
             </a:fld>
             <a:endParaRPr lang="en-US"/>
           </a:p>
@@ -20763,6 +20958,585 @@
           <p:cNvPr id="2" name="Titel 1">
             <a:extLst>
               <a:ext uri="{FF2B5EF4-FFF2-40B4-BE49-F238E27FC236}">
+                <a16:creationId xmlns:a16="http://schemas.microsoft.com/office/drawing/2014/main" id="{60FB2F06-EF8A-4105-BFA3-024BDB9D9BBD}"/>
+              </a:ext>
+            </a:extLst>
+          </p:cNvPr>
+          <p:cNvSpPr>
+            <a:spLocks noGrp="1"/>
+          </p:cNvSpPr>
+          <p:nvPr>
+            <p:ph type="title"/>
+          </p:nvPr>
+        </p:nvSpPr>
+        <p:spPr/>
+        <p:txBody>
+          <a:bodyPr/>
+          <a:lstStyle/>
+          <a:p>
+            <a:r>
+              <a:rPr lang="de-DE" dirty="0"/>
+              <a:t>Load Balancer</a:t>
+            </a:r>
+          </a:p>
+        </p:txBody>
+      </p:sp>
+      <p:sp>
+        <p:nvSpPr>
+          <p:cNvPr id="3" name="Inhaltsplatzhalter 2">
+            <a:extLst>
+              <a:ext uri="{FF2B5EF4-FFF2-40B4-BE49-F238E27FC236}">
+                <a16:creationId xmlns:a16="http://schemas.microsoft.com/office/drawing/2014/main" id="{748AB6D0-79DE-4B5E-8EF7-0333D4C8C65B}"/>
+              </a:ext>
+            </a:extLst>
+          </p:cNvPr>
+          <p:cNvSpPr>
+            <a:spLocks noGrp="1"/>
+          </p:cNvSpPr>
+          <p:nvPr>
+            <p:ph idx="1"/>
+          </p:nvPr>
+        </p:nvSpPr>
+        <p:spPr>
+          <a:xfrm>
+            <a:off x="1614650" y="2052116"/>
+            <a:ext cx="5075517" cy="3144917"/>
+          </a:xfrm>
+        </p:spPr>
+        <p:txBody>
+          <a:bodyPr>
+            <a:normAutofit fontScale="85000" lnSpcReduction="20000"/>
+          </a:bodyPr>
+          <a:lstStyle/>
+          <a:p>
+            <a:r>
+              <a:rPr lang="de-DE" dirty="0"/>
+              <a:t>Setzt Lastverteilung in einem Netzwerk um (z.B. bei Aufruf eines mehrfach instanziierten Services)</a:t>
+            </a:r>
+          </a:p>
+          <a:p>
+            <a:r>
+              <a:rPr lang="de-DE" dirty="0"/>
+              <a:t>Ermittelt welche Rechenressource die Clientanforderung erfüllen kann</a:t>
+            </a:r>
+          </a:p>
+          <a:p>
+            <a:r>
+              <a:rPr lang="de-DE" dirty="0"/>
+              <a:t>Realisiert als Software- oder Hardware-Load Balancer</a:t>
+            </a:r>
+          </a:p>
+          <a:p>
+            <a:r>
+              <a:rPr lang="de-DE" dirty="0"/>
+              <a:t>Nutzt Algorithmen wie zum Beispiel: Round Robin oder Least-Time-Algorithmus</a:t>
+            </a:r>
+          </a:p>
+          <a:p>
+            <a:endParaRPr lang="de-DE" dirty="0"/>
+          </a:p>
+        </p:txBody>
+      </p:sp>
+      <p:sp>
+        <p:nvSpPr>
+          <p:cNvPr id="4" name="Datumsplatzhalter 3">
+            <a:extLst>
+              <a:ext uri="{FF2B5EF4-FFF2-40B4-BE49-F238E27FC236}">
+                <a16:creationId xmlns:a16="http://schemas.microsoft.com/office/drawing/2014/main" id="{FC3E1DB0-BC43-4A50-BC2B-4DEAD31BF47F}"/>
+              </a:ext>
+            </a:extLst>
+          </p:cNvPr>
+          <p:cNvSpPr>
+            <a:spLocks noGrp="1"/>
+          </p:cNvSpPr>
+          <p:nvPr>
+            <p:ph type="dt" sz="half" idx="10"/>
+          </p:nvPr>
+        </p:nvSpPr>
+        <p:spPr/>
+        <p:txBody>
+          <a:bodyPr/>
+          <a:lstStyle/>
+          <a:p>
+            <a:fld id="{BB7604C3-A478-448A-88D6-07EFA8665C1F}" type="datetime1">
+              <a:rPr lang="de-DE" smtClean="0"/>
+              <a:t>11.11.2021</a:t>
+            </a:fld>
+            <a:endParaRPr lang="en-US"/>
+          </a:p>
+        </p:txBody>
+      </p:sp>
+      <p:sp>
+        <p:nvSpPr>
+          <p:cNvPr id="5" name="Fußzeilenplatzhalter 4">
+            <a:extLst>
+              <a:ext uri="{FF2B5EF4-FFF2-40B4-BE49-F238E27FC236}">
+                <a16:creationId xmlns:a16="http://schemas.microsoft.com/office/drawing/2014/main" id="{A2165779-FC43-4D82-9713-0A4ED67D61F0}"/>
+              </a:ext>
+            </a:extLst>
+          </p:cNvPr>
+          <p:cNvSpPr>
+            <a:spLocks noGrp="1"/>
+          </p:cNvSpPr>
+          <p:nvPr>
+            <p:ph type="ftr" sz="quarter" idx="11"/>
+          </p:nvPr>
+        </p:nvSpPr>
+        <p:spPr/>
+        <p:txBody>
+          <a:bodyPr/>
+          <a:lstStyle/>
+          <a:p>
+            <a:pPr algn="ctr"/>
+            <a:r>
+              <a:rPr lang="en-US"/>
+              <a:t>Benjamin Swarovsky</a:t>
+            </a:r>
+            <a:endParaRPr lang="en-US" dirty="0"/>
+          </a:p>
+        </p:txBody>
+      </p:sp>
+      <p:sp>
+        <p:nvSpPr>
+          <p:cNvPr id="6" name="Foliennummernplatzhalter 5">
+            <a:extLst>
+              <a:ext uri="{FF2B5EF4-FFF2-40B4-BE49-F238E27FC236}">
+                <a16:creationId xmlns:a16="http://schemas.microsoft.com/office/drawing/2014/main" id="{1683AD29-EB1F-4515-B5C7-20E068ECDBD5}"/>
+              </a:ext>
+            </a:extLst>
+          </p:cNvPr>
+          <p:cNvSpPr>
+            <a:spLocks noGrp="1"/>
+          </p:cNvSpPr>
+          <p:nvPr>
+            <p:ph type="sldNum" sz="quarter" idx="12"/>
+          </p:nvPr>
+        </p:nvSpPr>
+        <p:spPr/>
+        <p:txBody>
+          <a:bodyPr/>
+          <a:lstStyle/>
+          <a:p>
+            <a:fld id="{6D22F896-40B5-4ADD-8801-0D06FADFA095}" type="slidenum">
+              <a:rPr lang="en-US" smtClean="0"/>
+              <a:t>8</a:t>
+            </a:fld>
+            <a:endParaRPr lang="en-US"/>
+          </a:p>
+        </p:txBody>
+      </p:sp>
+      <p:pic>
+        <p:nvPicPr>
+          <p:cNvPr id="7" name="Grafik 6">
+            <a:extLst>
+              <a:ext uri="{FF2B5EF4-FFF2-40B4-BE49-F238E27FC236}">
+                <a16:creationId xmlns:a16="http://schemas.microsoft.com/office/drawing/2014/main" id="{2B7E49EB-0683-45E3-8C42-4F3A5CACC0F7}"/>
+              </a:ext>
+            </a:extLst>
+          </p:cNvPr>
+          <p:cNvPicPr>
+            <a:picLocks noChangeAspect="1"/>
+          </p:cNvPicPr>
+          <p:nvPr/>
+        </p:nvPicPr>
+        <p:blipFill>
+          <a:blip r:embed="rId3">
+            <a:extLst>
+              <a:ext uri="{28A0092B-C50C-407E-A947-70E740481C1C}">
+                <a14:useLocalDpi xmlns:a14="http://schemas.microsoft.com/office/drawing/2010/main" val="0"/>
+              </a:ext>
+            </a:extLst>
+          </a:blip>
+          <a:srcRect/>
+          <a:stretch>
+            <a:fillRect/>
+          </a:stretch>
+        </p:blipFill>
+        <p:spPr bwMode="auto">
+          <a:xfrm>
+            <a:off x="6925356" y="2130404"/>
+            <a:ext cx="4999535" cy="2454317"/>
+          </a:xfrm>
+          <a:prstGeom prst="rect">
+            <a:avLst/>
+          </a:prstGeom>
+          <a:noFill/>
+          <a:ln>
+            <a:noFill/>
+          </a:ln>
+        </p:spPr>
+      </p:pic>
+      <p:sp>
+        <p:nvSpPr>
+          <p:cNvPr id="10" name="Textfeld 9">
+            <a:extLst>
+              <a:ext uri="{FF2B5EF4-FFF2-40B4-BE49-F238E27FC236}">
+                <a16:creationId xmlns:a16="http://schemas.microsoft.com/office/drawing/2014/main" id="{B3ADEBEE-5007-474D-9940-9C05862F0591}"/>
+              </a:ext>
+            </a:extLst>
+          </p:cNvPr>
+          <p:cNvSpPr txBox="1"/>
+          <p:nvPr/>
+        </p:nvSpPr>
+        <p:spPr>
+          <a:xfrm>
+            <a:off x="6873882" y="4638196"/>
+            <a:ext cx="4882822" cy="400110"/>
+          </a:xfrm>
+          <a:prstGeom prst="rect">
+            <a:avLst/>
+          </a:prstGeom>
+          <a:noFill/>
+        </p:spPr>
+        <p:txBody>
+          <a:bodyPr wrap="square" rtlCol="0">
+            <a:spAutoFit/>
+          </a:bodyPr>
+          <a:lstStyle/>
+          <a:p>
+            <a:r>
+              <a:rPr lang="de-DE" sz="1000" dirty="0"/>
+              <a:t>Quelle: NGINX, https://www.nginx.com/resources/glossary/load-balancing/  (07.09.2021) </a:t>
+            </a:r>
+          </a:p>
+        </p:txBody>
+      </p:sp>
+    </p:spTree>
+    <p:extLst>
+      <p:ext uri="{BB962C8B-B14F-4D97-AF65-F5344CB8AC3E}">
+        <p14:creationId xmlns:p14="http://schemas.microsoft.com/office/powerpoint/2010/main" val="2951404399"/>
+      </p:ext>
+    </p:extLst>
+  </p:cSld>
+  <p:clrMapOvr>
+    <a:masterClrMapping/>
+  </p:clrMapOvr>
+  <p:timing>
+    <p:tnLst>
+      <p:par>
+        <p:cTn id="1" dur="indefinite" restart="never" nodeType="tmRoot">
+          <p:childTnLst>
+            <p:seq concurrent="1" nextAc="seek">
+              <p:cTn id="2" dur="indefinite" nodeType="mainSeq">
+                <p:childTnLst>
+                  <p:par>
+                    <p:cTn id="3" fill="hold">
+                      <p:stCondLst>
+                        <p:cond delay="indefinite"/>
+                      </p:stCondLst>
+                      <p:childTnLst>
+                        <p:par>
+                          <p:cTn id="4" fill="hold">
+                            <p:stCondLst>
+                              <p:cond delay="0"/>
+                            </p:stCondLst>
+                            <p:childTnLst>
+                              <p:par>
+                                <p:cTn id="5" presetID="1" presetClass="entr" presetSubtype="0" fill="hold" nodeType="clickEffect">
+                                  <p:stCondLst>
+                                    <p:cond delay="0"/>
+                                  </p:stCondLst>
+                                  <p:childTnLst>
+                                    <p:set>
+                                      <p:cBhvr>
+                                        <p:cTn id="6" dur="1" fill="hold">
+                                          <p:stCondLst>
+                                            <p:cond delay="0"/>
+                                          </p:stCondLst>
+                                        </p:cTn>
+                                        <p:tgtEl>
+                                          <p:spTgt spid="3">
+                                            <p:txEl>
+                                              <p:pRg st="0" end="0"/>
+                                            </p:txEl>
+                                          </p:spTgt>
+                                        </p:tgtEl>
+                                        <p:attrNameLst>
+                                          <p:attrName>style.visibility</p:attrName>
+                                        </p:attrNameLst>
+                                      </p:cBhvr>
+                                      <p:to>
+                                        <p:strVal val="visible"/>
+                                      </p:to>
+                                    </p:set>
+                                  </p:childTnLst>
+                                </p:cTn>
+                              </p:par>
+                            </p:childTnLst>
+                          </p:cTn>
+                        </p:par>
+                      </p:childTnLst>
+                    </p:cTn>
+                  </p:par>
+                  <p:par>
+                    <p:cTn id="7" fill="hold">
+                      <p:stCondLst>
+                        <p:cond delay="indefinite"/>
+                      </p:stCondLst>
+                      <p:childTnLst>
+                        <p:par>
+                          <p:cTn id="8" fill="hold">
+                            <p:stCondLst>
+                              <p:cond delay="0"/>
+                            </p:stCondLst>
+                            <p:childTnLst>
+                              <p:par>
+                                <p:cTn id="9" presetID="1" presetClass="entr" presetSubtype="0" fill="hold" nodeType="clickEffect">
+                                  <p:stCondLst>
+                                    <p:cond delay="0"/>
+                                  </p:stCondLst>
+                                  <p:childTnLst>
+                                    <p:set>
+                                      <p:cBhvr>
+                                        <p:cTn id="10" dur="1" fill="hold">
+                                          <p:stCondLst>
+                                            <p:cond delay="0"/>
+                                          </p:stCondLst>
+                                        </p:cTn>
+                                        <p:tgtEl>
+                                          <p:spTgt spid="3">
+                                            <p:txEl>
+                                              <p:pRg st="1" end="1"/>
+                                            </p:txEl>
+                                          </p:spTgt>
+                                        </p:tgtEl>
+                                        <p:attrNameLst>
+                                          <p:attrName>style.visibility</p:attrName>
+                                        </p:attrNameLst>
+                                      </p:cBhvr>
+                                      <p:to>
+                                        <p:strVal val="visible"/>
+                                      </p:to>
+                                    </p:set>
+                                  </p:childTnLst>
+                                </p:cTn>
+                              </p:par>
+                            </p:childTnLst>
+                          </p:cTn>
+                        </p:par>
+                      </p:childTnLst>
+                    </p:cTn>
+                  </p:par>
+                  <p:par>
+                    <p:cTn id="11" fill="hold">
+                      <p:stCondLst>
+                        <p:cond delay="indefinite"/>
+                      </p:stCondLst>
+                      <p:childTnLst>
+                        <p:par>
+                          <p:cTn id="12" fill="hold">
+                            <p:stCondLst>
+                              <p:cond delay="0"/>
+                            </p:stCondLst>
+                            <p:childTnLst>
+                              <p:par>
+                                <p:cTn id="13" presetID="1" presetClass="entr" presetSubtype="0" fill="hold" nodeType="clickEffect">
+                                  <p:stCondLst>
+                                    <p:cond delay="0"/>
+                                  </p:stCondLst>
+                                  <p:childTnLst>
+                                    <p:set>
+                                      <p:cBhvr>
+                                        <p:cTn id="14" dur="1" fill="hold">
+                                          <p:stCondLst>
+                                            <p:cond delay="0"/>
+                                          </p:stCondLst>
+                                        </p:cTn>
+                                        <p:tgtEl>
+                                          <p:spTgt spid="3">
+                                            <p:txEl>
+                                              <p:pRg st="2" end="2"/>
+                                            </p:txEl>
+                                          </p:spTgt>
+                                        </p:tgtEl>
+                                        <p:attrNameLst>
+                                          <p:attrName>style.visibility</p:attrName>
+                                        </p:attrNameLst>
+                                      </p:cBhvr>
+                                      <p:to>
+                                        <p:strVal val="visible"/>
+                                      </p:to>
+                                    </p:set>
+                                  </p:childTnLst>
+                                </p:cTn>
+                              </p:par>
+                            </p:childTnLst>
+                          </p:cTn>
+                        </p:par>
+                      </p:childTnLst>
+                    </p:cTn>
+                  </p:par>
+                  <p:par>
+                    <p:cTn id="15" fill="hold">
+                      <p:stCondLst>
+                        <p:cond delay="indefinite"/>
+                      </p:stCondLst>
+                      <p:childTnLst>
+                        <p:par>
+                          <p:cTn id="16" fill="hold">
+                            <p:stCondLst>
+                              <p:cond delay="0"/>
+                            </p:stCondLst>
+                            <p:childTnLst>
+                              <p:par>
+                                <p:cTn id="17" presetID="1" presetClass="entr" presetSubtype="0" fill="hold" nodeType="clickEffect">
+                                  <p:stCondLst>
+                                    <p:cond delay="0"/>
+                                  </p:stCondLst>
+                                  <p:childTnLst>
+                                    <p:set>
+                                      <p:cBhvr>
+                                        <p:cTn id="18" dur="1" fill="hold">
+                                          <p:stCondLst>
+                                            <p:cond delay="0"/>
+                                          </p:stCondLst>
+                                        </p:cTn>
+                                        <p:tgtEl>
+                                          <p:spTgt spid="3">
+                                            <p:txEl>
+                                              <p:pRg st="3" end="3"/>
+                                            </p:txEl>
+                                          </p:spTgt>
+                                        </p:tgtEl>
+                                        <p:attrNameLst>
+                                          <p:attrName>style.visibility</p:attrName>
+                                        </p:attrNameLst>
+                                      </p:cBhvr>
+                                      <p:to>
+                                        <p:strVal val="visible"/>
+                                      </p:to>
+                                    </p:set>
+                                  </p:childTnLst>
+                                </p:cTn>
+                              </p:par>
+                            </p:childTnLst>
+                          </p:cTn>
+                        </p:par>
+                      </p:childTnLst>
+                    </p:cTn>
+                  </p:par>
+                  <p:par>
+                    <p:cTn id="19" fill="hold">
+                      <p:stCondLst>
+                        <p:cond delay="indefinite"/>
+                      </p:stCondLst>
+                      <p:childTnLst>
+                        <p:par>
+                          <p:cTn id="20" fill="hold">
+                            <p:stCondLst>
+                              <p:cond delay="0"/>
+                            </p:stCondLst>
+                            <p:childTnLst>
+                              <p:par>
+                                <p:cTn id="21" presetID="1" presetClass="entr" presetSubtype="0" fill="hold" nodeType="clickEffect">
+                                  <p:stCondLst>
+                                    <p:cond delay="0"/>
+                                  </p:stCondLst>
+                                  <p:childTnLst>
+                                    <p:set>
+                                      <p:cBhvr>
+                                        <p:cTn id="22" dur="1" fill="hold">
+                                          <p:stCondLst>
+                                            <p:cond delay="0"/>
+                                          </p:stCondLst>
+                                        </p:cTn>
+                                        <p:tgtEl>
+                                          <p:spTgt spid="7"/>
+                                        </p:tgtEl>
+                                        <p:attrNameLst>
+                                          <p:attrName>style.visibility</p:attrName>
+                                        </p:attrNameLst>
+                                      </p:cBhvr>
+                                      <p:to>
+                                        <p:strVal val="visible"/>
+                                      </p:to>
+                                    </p:set>
+                                  </p:childTnLst>
+                                </p:cTn>
+                              </p:par>
+                              <p:par>
+                                <p:cTn id="23" presetID="1" presetClass="entr" presetSubtype="0" fill="hold" grpId="0" nodeType="withEffect">
+                                  <p:stCondLst>
+                                    <p:cond delay="0"/>
+                                  </p:stCondLst>
+                                  <p:childTnLst>
+                                    <p:set>
+                                      <p:cBhvr>
+                                        <p:cTn id="24" dur="1" fill="hold">
+                                          <p:stCondLst>
+                                            <p:cond delay="0"/>
+                                          </p:stCondLst>
+                                        </p:cTn>
+                                        <p:tgtEl>
+                                          <p:spTgt spid="10"/>
+                                        </p:tgtEl>
+                                        <p:attrNameLst>
+                                          <p:attrName>style.visibility</p:attrName>
+                                        </p:attrNameLst>
+                                      </p:cBhvr>
+                                      <p:to>
+                                        <p:strVal val="visible"/>
+                                      </p:to>
+                                    </p:set>
+                                  </p:childTnLst>
+                                </p:cTn>
+                              </p:par>
+                            </p:childTnLst>
+                          </p:cTn>
+                        </p:par>
+                      </p:childTnLst>
+                    </p:cTn>
+                  </p:par>
+                </p:childTnLst>
+              </p:cTn>
+              <p:prevCondLst>
+                <p:cond evt="onPrev" delay="0">
+                  <p:tgtEl>
+                    <p:sldTgt/>
+                  </p:tgtEl>
+                </p:cond>
+              </p:prevCondLst>
+              <p:nextCondLst>
+                <p:cond evt="onNext" delay="0">
+                  <p:tgtEl>
+                    <p:sldTgt/>
+                  </p:tgtEl>
+                </p:cond>
+              </p:nextCondLst>
+            </p:seq>
+          </p:childTnLst>
+        </p:cTn>
+      </p:par>
+    </p:tnLst>
+    <p:bldLst>
+      <p:bldP spid="10" grpId="0"/>
+    </p:bldLst>
+  </p:timing>
+</p:sld>
+</file>
+
+<file path=ppt/slides/slide9.xml><?xml version="1.0" encoding="utf-8"?>
+<p:sld xmlns:a="http://schemas.openxmlformats.org/drawingml/2006/main" xmlns:r="http://schemas.openxmlformats.org/officeDocument/2006/relationships" xmlns:p="http://schemas.openxmlformats.org/presentationml/2006/main">
+  <p:cSld>
+    <p:spTree>
+      <p:nvGrpSpPr>
+        <p:cNvPr id="1" name=""/>
+        <p:cNvGrpSpPr/>
+        <p:nvPr/>
+      </p:nvGrpSpPr>
+      <p:grpSpPr>
+        <a:xfrm>
+          <a:off x="0" y="0"/>
+          <a:ext cx="0" cy="0"/>
+          <a:chOff x="0" y="0"/>
+          <a:chExt cx="0" cy="0"/>
+        </a:xfrm>
+      </p:grpSpPr>
+      <p:sp>
+        <p:nvSpPr>
+          <p:cNvPr id="2" name="Titel 1">
+            <a:extLst>
+              <a:ext uri="{FF2B5EF4-FFF2-40B4-BE49-F238E27FC236}">
                 <a16:creationId xmlns:a16="http://schemas.microsoft.com/office/drawing/2014/main" id="{4274F073-F9C6-4809-83EB-B729EC8C8D4E}"/>
               </a:ext>
             </a:extLst>
@@ -20816,7 +21590,7 @@
           <a:p>
             <a:r>
               <a:rPr lang="de-DE" dirty="0"/>
-              <a:t>Ermöglicht dass Auffinden von Services mit dynamisch erzeugten Adressen</a:t>
+              <a:t>Ermöglicht das Auffinden von Services mit dynamisch erzeugten Adressen</a:t>
             </a:r>
           </a:p>
           <a:p>
@@ -20868,7 +21642,7 @@
           <a:p>
             <a:fld id="{BB7604C3-A478-448A-88D6-07EFA8665C1F}" type="datetime1">
               <a:rPr lang="de-DE" smtClean="0"/>
-              <a:t>09.11.2021</a:t>
+              <a:t>11.11.2021</a:t>
             </a:fld>
             <a:endParaRPr lang="en-US"/>
           </a:p>
@@ -20927,7 +21701,7 @@
           <a:p>
             <a:fld id="{6D22F896-40B5-4ADD-8801-0D06FADFA095}" type="slidenum">
               <a:rPr lang="en-US" smtClean="0"/>
-              <a:t>8</a:t>
+              <a:t>9</a:t>
             </a:fld>
             <a:endParaRPr lang="en-US"/>
           </a:p>
@@ -21380,585 +22154,6 @@
     </p:tnLst>
     <p:bldLst>
       <p:bldP spid="8" grpId="0"/>
-    </p:bldLst>
-  </p:timing>
-</p:sld>
-</file>
-
-<file path=ppt/slides/slide9.xml><?xml version="1.0" encoding="utf-8"?>
-<p:sld xmlns:a="http://schemas.openxmlformats.org/drawingml/2006/main" xmlns:r="http://schemas.openxmlformats.org/officeDocument/2006/relationships" xmlns:p="http://schemas.openxmlformats.org/presentationml/2006/main">
-  <p:cSld>
-    <p:spTree>
-      <p:nvGrpSpPr>
-        <p:cNvPr id="1" name=""/>
-        <p:cNvGrpSpPr/>
-        <p:nvPr/>
-      </p:nvGrpSpPr>
-      <p:grpSpPr>
-        <a:xfrm>
-          <a:off x="0" y="0"/>
-          <a:ext cx="0" cy="0"/>
-          <a:chOff x="0" y="0"/>
-          <a:chExt cx="0" cy="0"/>
-        </a:xfrm>
-      </p:grpSpPr>
-      <p:sp>
-        <p:nvSpPr>
-          <p:cNvPr id="2" name="Titel 1">
-            <a:extLst>
-              <a:ext uri="{FF2B5EF4-FFF2-40B4-BE49-F238E27FC236}">
-                <a16:creationId xmlns:a16="http://schemas.microsoft.com/office/drawing/2014/main" id="{60FB2F06-EF8A-4105-BFA3-024BDB9D9BBD}"/>
-              </a:ext>
-            </a:extLst>
-          </p:cNvPr>
-          <p:cNvSpPr>
-            <a:spLocks noGrp="1"/>
-          </p:cNvSpPr>
-          <p:nvPr>
-            <p:ph type="title"/>
-          </p:nvPr>
-        </p:nvSpPr>
-        <p:spPr/>
-        <p:txBody>
-          <a:bodyPr/>
-          <a:lstStyle/>
-          <a:p>
-            <a:r>
-              <a:rPr lang="de-DE" dirty="0"/>
-              <a:t>Load Balancer</a:t>
-            </a:r>
-          </a:p>
-        </p:txBody>
-      </p:sp>
-      <p:sp>
-        <p:nvSpPr>
-          <p:cNvPr id="3" name="Inhaltsplatzhalter 2">
-            <a:extLst>
-              <a:ext uri="{FF2B5EF4-FFF2-40B4-BE49-F238E27FC236}">
-                <a16:creationId xmlns:a16="http://schemas.microsoft.com/office/drawing/2014/main" id="{748AB6D0-79DE-4B5E-8EF7-0333D4C8C65B}"/>
-              </a:ext>
-            </a:extLst>
-          </p:cNvPr>
-          <p:cNvSpPr>
-            <a:spLocks noGrp="1"/>
-          </p:cNvSpPr>
-          <p:nvPr>
-            <p:ph idx="1"/>
-          </p:nvPr>
-        </p:nvSpPr>
-        <p:spPr>
-          <a:xfrm>
-            <a:off x="1614650" y="2052116"/>
-            <a:ext cx="5075517" cy="3144917"/>
-          </a:xfrm>
-        </p:spPr>
-        <p:txBody>
-          <a:bodyPr>
-            <a:normAutofit fontScale="85000" lnSpcReduction="20000"/>
-          </a:bodyPr>
-          <a:lstStyle/>
-          <a:p>
-            <a:r>
-              <a:rPr lang="de-DE" dirty="0"/>
-              <a:t>Setzt Lastverteilung in einem Netzwerk um (z.B. bei Aufruf eines mehrfach instanziierten Services)</a:t>
-            </a:r>
-          </a:p>
-          <a:p>
-            <a:r>
-              <a:rPr lang="de-DE" dirty="0"/>
-              <a:t>Ermittelt welche Rechenressource die Clientanforderung erfüllen kann</a:t>
-            </a:r>
-          </a:p>
-          <a:p>
-            <a:r>
-              <a:rPr lang="de-DE" dirty="0"/>
-              <a:t>Realisiert als Software- oder Hardware-Load Balancer</a:t>
-            </a:r>
-          </a:p>
-          <a:p>
-            <a:r>
-              <a:rPr lang="de-DE" dirty="0"/>
-              <a:t>Nutzt Algorithmen wie zum Beispiel: Round Robin oder Least-Time-Algorithmus</a:t>
-            </a:r>
-          </a:p>
-          <a:p>
-            <a:endParaRPr lang="de-DE" dirty="0"/>
-          </a:p>
-        </p:txBody>
-      </p:sp>
-      <p:sp>
-        <p:nvSpPr>
-          <p:cNvPr id="4" name="Datumsplatzhalter 3">
-            <a:extLst>
-              <a:ext uri="{FF2B5EF4-FFF2-40B4-BE49-F238E27FC236}">
-                <a16:creationId xmlns:a16="http://schemas.microsoft.com/office/drawing/2014/main" id="{FC3E1DB0-BC43-4A50-BC2B-4DEAD31BF47F}"/>
-              </a:ext>
-            </a:extLst>
-          </p:cNvPr>
-          <p:cNvSpPr>
-            <a:spLocks noGrp="1"/>
-          </p:cNvSpPr>
-          <p:nvPr>
-            <p:ph type="dt" sz="half" idx="10"/>
-          </p:nvPr>
-        </p:nvSpPr>
-        <p:spPr/>
-        <p:txBody>
-          <a:bodyPr/>
-          <a:lstStyle/>
-          <a:p>
-            <a:fld id="{BB7604C3-A478-448A-88D6-07EFA8665C1F}" type="datetime1">
-              <a:rPr lang="de-DE" smtClean="0"/>
-              <a:t>09.11.2021</a:t>
-            </a:fld>
-            <a:endParaRPr lang="en-US"/>
-          </a:p>
-        </p:txBody>
-      </p:sp>
-      <p:sp>
-        <p:nvSpPr>
-          <p:cNvPr id="5" name="Fußzeilenplatzhalter 4">
-            <a:extLst>
-              <a:ext uri="{FF2B5EF4-FFF2-40B4-BE49-F238E27FC236}">
-                <a16:creationId xmlns:a16="http://schemas.microsoft.com/office/drawing/2014/main" id="{A2165779-FC43-4D82-9713-0A4ED67D61F0}"/>
-              </a:ext>
-            </a:extLst>
-          </p:cNvPr>
-          <p:cNvSpPr>
-            <a:spLocks noGrp="1"/>
-          </p:cNvSpPr>
-          <p:nvPr>
-            <p:ph type="ftr" sz="quarter" idx="11"/>
-          </p:nvPr>
-        </p:nvSpPr>
-        <p:spPr/>
-        <p:txBody>
-          <a:bodyPr/>
-          <a:lstStyle/>
-          <a:p>
-            <a:pPr algn="ctr"/>
-            <a:r>
-              <a:rPr lang="en-US"/>
-              <a:t>Benjamin Swarovsky</a:t>
-            </a:r>
-            <a:endParaRPr lang="en-US" dirty="0"/>
-          </a:p>
-        </p:txBody>
-      </p:sp>
-      <p:sp>
-        <p:nvSpPr>
-          <p:cNvPr id="6" name="Foliennummernplatzhalter 5">
-            <a:extLst>
-              <a:ext uri="{FF2B5EF4-FFF2-40B4-BE49-F238E27FC236}">
-                <a16:creationId xmlns:a16="http://schemas.microsoft.com/office/drawing/2014/main" id="{1683AD29-EB1F-4515-B5C7-20E068ECDBD5}"/>
-              </a:ext>
-            </a:extLst>
-          </p:cNvPr>
-          <p:cNvSpPr>
-            <a:spLocks noGrp="1"/>
-          </p:cNvSpPr>
-          <p:nvPr>
-            <p:ph type="sldNum" sz="quarter" idx="12"/>
-          </p:nvPr>
-        </p:nvSpPr>
-        <p:spPr/>
-        <p:txBody>
-          <a:bodyPr/>
-          <a:lstStyle/>
-          <a:p>
-            <a:fld id="{6D22F896-40B5-4ADD-8801-0D06FADFA095}" type="slidenum">
-              <a:rPr lang="en-US" smtClean="0"/>
-              <a:t>9</a:t>
-            </a:fld>
-            <a:endParaRPr lang="en-US"/>
-          </a:p>
-        </p:txBody>
-      </p:sp>
-      <p:pic>
-        <p:nvPicPr>
-          <p:cNvPr id="7" name="Grafik 6">
-            <a:extLst>
-              <a:ext uri="{FF2B5EF4-FFF2-40B4-BE49-F238E27FC236}">
-                <a16:creationId xmlns:a16="http://schemas.microsoft.com/office/drawing/2014/main" id="{2B7E49EB-0683-45E3-8C42-4F3A5CACC0F7}"/>
-              </a:ext>
-            </a:extLst>
-          </p:cNvPr>
-          <p:cNvPicPr>
-            <a:picLocks noChangeAspect="1"/>
-          </p:cNvPicPr>
-          <p:nvPr/>
-        </p:nvPicPr>
-        <p:blipFill>
-          <a:blip r:embed="rId3">
-            <a:extLst>
-              <a:ext uri="{28A0092B-C50C-407E-A947-70E740481C1C}">
-                <a14:useLocalDpi xmlns:a14="http://schemas.microsoft.com/office/drawing/2010/main" val="0"/>
-              </a:ext>
-            </a:extLst>
-          </a:blip>
-          <a:srcRect/>
-          <a:stretch>
-            <a:fillRect/>
-          </a:stretch>
-        </p:blipFill>
-        <p:spPr bwMode="auto">
-          <a:xfrm>
-            <a:off x="6925356" y="2130404"/>
-            <a:ext cx="4999535" cy="2454317"/>
-          </a:xfrm>
-          <a:prstGeom prst="rect">
-            <a:avLst/>
-          </a:prstGeom>
-          <a:noFill/>
-          <a:ln>
-            <a:noFill/>
-          </a:ln>
-        </p:spPr>
-      </p:pic>
-      <p:sp>
-        <p:nvSpPr>
-          <p:cNvPr id="10" name="Textfeld 9">
-            <a:extLst>
-              <a:ext uri="{FF2B5EF4-FFF2-40B4-BE49-F238E27FC236}">
-                <a16:creationId xmlns:a16="http://schemas.microsoft.com/office/drawing/2014/main" id="{B3ADEBEE-5007-474D-9940-9C05862F0591}"/>
-              </a:ext>
-            </a:extLst>
-          </p:cNvPr>
-          <p:cNvSpPr txBox="1"/>
-          <p:nvPr/>
-        </p:nvSpPr>
-        <p:spPr>
-          <a:xfrm>
-            <a:off x="6873882" y="4638196"/>
-            <a:ext cx="4882822" cy="400110"/>
-          </a:xfrm>
-          <a:prstGeom prst="rect">
-            <a:avLst/>
-          </a:prstGeom>
-          <a:noFill/>
-        </p:spPr>
-        <p:txBody>
-          <a:bodyPr wrap="square" rtlCol="0">
-            <a:spAutoFit/>
-          </a:bodyPr>
-          <a:lstStyle/>
-          <a:p>
-            <a:r>
-              <a:rPr lang="de-DE" sz="1000" dirty="0"/>
-              <a:t>Quelle: NGINX, https://www.nginx.com/resources/glossary/load-balancing/  (07.09.2021) </a:t>
-            </a:r>
-          </a:p>
-        </p:txBody>
-      </p:sp>
-    </p:spTree>
-    <p:extLst>
-      <p:ext uri="{BB962C8B-B14F-4D97-AF65-F5344CB8AC3E}">
-        <p14:creationId xmlns:p14="http://schemas.microsoft.com/office/powerpoint/2010/main" val="2951404399"/>
-      </p:ext>
-    </p:extLst>
-  </p:cSld>
-  <p:clrMapOvr>
-    <a:masterClrMapping/>
-  </p:clrMapOvr>
-  <p:timing>
-    <p:tnLst>
-      <p:par>
-        <p:cTn id="1" dur="indefinite" restart="never" nodeType="tmRoot">
-          <p:childTnLst>
-            <p:seq concurrent="1" nextAc="seek">
-              <p:cTn id="2" dur="indefinite" nodeType="mainSeq">
-                <p:childTnLst>
-                  <p:par>
-                    <p:cTn id="3" fill="hold">
-                      <p:stCondLst>
-                        <p:cond delay="indefinite"/>
-                      </p:stCondLst>
-                      <p:childTnLst>
-                        <p:par>
-                          <p:cTn id="4" fill="hold">
-                            <p:stCondLst>
-                              <p:cond delay="0"/>
-                            </p:stCondLst>
-                            <p:childTnLst>
-                              <p:par>
-                                <p:cTn id="5" presetID="1" presetClass="entr" presetSubtype="0" fill="hold" nodeType="clickEffect">
-                                  <p:stCondLst>
-                                    <p:cond delay="0"/>
-                                  </p:stCondLst>
-                                  <p:childTnLst>
-                                    <p:set>
-                                      <p:cBhvr>
-                                        <p:cTn id="6" dur="1" fill="hold">
-                                          <p:stCondLst>
-                                            <p:cond delay="0"/>
-                                          </p:stCondLst>
-                                        </p:cTn>
-                                        <p:tgtEl>
-                                          <p:spTgt spid="3">
-                                            <p:txEl>
-                                              <p:pRg st="0" end="0"/>
-                                            </p:txEl>
-                                          </p:spTgt>
-                                        </p:tgtEl>
-                                        <p:attrNameLst>
-                                          <p:attrName>style.visibility</p:attrName>
-                                        </p:attrNameLst>
-                                      </p:cBhvr>
-                                      <p:to>
-                                        <p:strVal val="visible"/>
-                                      </p:to>
-                                    </p:set>
-                                  </p:childTnLst>
-                                </p:cTn>
-                              </p:par>
-                            </p:childTnLst>
-                          </p:cTn>
-                        </p:par>
-                      </p:childTnLst>
-                    </p:cTn>
-                  </p:par>
-                  <p:par>
-                    <p:cTn id="7" fill="hold">
-                      <p:stCondLst>
-                        <p:cond delay="indefinite"/>
-                      </p:stCondLst>
-                      <p:childTnLst>
-                        <p:par>
-                          <p:cTn id="8" fill="hold">
-                            <p:stCondLst>
-                              <p:cond delay="0"/>
-                            </p:stCondLst>
-                            <p:childTnLst>
-                              <p:par>
-                                <p:cTn id="9" presetID="1" presetClass="entr" presetSubtype="0" fill="hold" nodeType="clickEffect">
-                                  <p:stCondLst>
-                                    <p:cond delay="0"/>
-                                  </p:stCondLst>
-                                  <p:childTnLst>
-                                    <p:set>
-                                      <p:cBhvr>
-                                        <p:cTn id="10" dur="1" fill="hold">
-                                          <p:stCondLst>
-                                            <p:cond delay="0"/>
-                                          </p:stCondLst>
-                                        </p:cTn>
-                                        <p:tgtEl>
-                                          <p:spTgt spid="3">
-                                            <p:txEl>
-                                              <p:pRg st="1" end="1"/>
-                                            </p:txEl>
-                                          </p:spTgt>
-                                        </p:tgtEl>
-                                        <p:attrNameLst>
-                                          <p:attrName>style.visibility</p:attrName>
-                                        </p:attrNameLst>
-                                      </p:cBhvr>
-                                      <p:to>
-                                        <p:strVal val="visible"/>
-                                      </p:to>
-                                    </p:set>
-                                  </p:childTnLst>
-                                </p:cTn>
-                              </p:par>
-                            </p:childTnLst>
-                          </p:cTn>
-                        </p:par>
-                      </p:childTnLst>
-                    </p:cTn>
-                  </p:par>
-                  <p:par>
-                    <p:cTn id="11" fill="hold">
-                      <p:stCondLst>
-                        <p:cond delay="indefinite"/>
-                      </p:stCondLst>
-                      <p:childTnLst>
-                        <p:par>
-                          <p:cTn id="12" fill="hold">
-                            <p:stCondLst>
-                              <p:cond delay="0"/>
-                            </p:stCondLst>
-                            <p:childTnLst>
-                              <p:par>
-                                <p:cTn id="13" presetID="1" presetClass="entr" presetSubtype="0" fill="hold" nodeType="clickEffect">
-                                  <p:stCondLst>
-                                    <p:cond delay="0"/>
-                                  </p:stCondLst>
-                                  <p:childTnLst>
-                                    <p:set>
-                                      <p:cBhvr>
-                                        <p:cTn id="14" dur="1" fill="hold">
-                                          <p:stCondLst>
-                                            <p:cond delay="0"/>
-                                          </p:stCondLst>
-                                        </p:cTn>
-                                        <p:tgtEl>
-                                          <p:spTgt spid="3">
-                                            <p:txEl>
-                                              <p:pRg st="2" end="2"/>
-                                            </p:txEl>
-                                          </p:spTgt>
-                                        </p:tgtEl>
-                                        <p:attrNameLst>
-                                          <p:attrName>style.visibility</p:attrName>
-                                        </p:attrNameLst>
-                                      </p:cBhvr>
-                                      <p:to>
-                                        <p:strVal val="visible"/>
-                                      </p:to>
-                                    </p:set>
-                                  </p:childTnLst>
-                                </p:cTn>
-                              </p:par>
-                            </p:childTnLst>
-                          </p:cTn>
-                        </p:par>
-                      </p:childTnLst>
-                    </p:cTn>
-                  </p:par>
-                  <p:par>
-                    <p:cTn id="15" fill="hold">
-                      <p:stCondLst>
-                        <p:cond delay="indefinite"/>
-                      </p:stCondLst>
-                      <p:childTnLst>
-                        <p:par>
-                          <p:cTn id="16" fill="hold">
-                            <p:stCondLst>
-                              <p:cond delay="0"/>
-                            </p:stCondLst>
-                            <p:childTnLst>
-                              <p:par>
-                                <p:cTn id="17" presetID="1" presetClass="entr" presetSubtype="0" fill="hold" nodeType="clickEffect">
-                                  <p:stCondLst>
-                                    <p:cond delay="0"/>
-                                  </p:stCondLst>
-                                  <p:childTnLst>
-                                    <p:set>
-                                      <p:cBhvr>
-                                        <p:cTn id="18" dur="1" fill="hold">
-                                          <p:stCondLst>
-                                            <p:cond delay="0"/>
-                                          </p:stCondLst>
-                                        </p:cTn>
-                                        <p:tgtEl>
-                                          <p:spTgt spid="3">
-                                            <p:txEl>
-                                              <p:pRg st="3" end="3"/>
-                                            </p:txEl>
-                                          </p:spTgt>
-                                        </p:tgtEl>
-                                        <p:attrNameLst>
-                                          <p:attrName>style.visibility</p:attrName>
-                                        </p:attrNameLst>
-                                      </p:cBhvr>
-                                      <p:to>
-                                        <p:strVal val="visible"/>
-                                      </p:to>
-                                    </p:set>
-                                  </p:childTnLst>
-                                </p:cTn>
-                              </p:par>
-                            </p:childTnLst>
-                          </p:cTn>
-                        </p:par>
-                      </p:childTnLst>
-                    </p:cTn>
-                  </p:par>
-                  <p:par>
-                    <p:cTn id="19" fill="hold">
-                      <p:stCondLst>
-                        <p:cond delay="indefinite"/>
-                      </p:stCondLst>
-                      <p:childTnLst>
-                        <p:par>
-                          <p:cTn id="20" fill="hold">
-                            <p:stCondLst>
-                              <p:cond delay="0"/>
-                            </p:stCondLst>
-                            <p:childTnLst>
-                              <p:par>
-                                <p:cTn id="21" presetID="1" presetClass="entr" presetSubtype="0" fill="hold" nodeType="clickEffect">
-                                  <p:stCondLst>
-                                    <p:cond delay="0"/>
-                                  </p:stCondLst>
-                                  <p:childTnLst>
-                                    <p:set>
-                                      <p:cBhvr>
-                                        <p:cTn id="22" dur="1" fill="hold">
-                                          <p:stCondLst>
-                                            <p:cond delay="0"/>
-                                          </p:stCondLst>
-                                        </p:cTn>
-                                        <p:tgtEl>
-                                          <p:spTgt spid="7"/>
-                                        </p:tgtEl>
-                                        <p:attrNameLst>
-                                          <p:attrName>style.visibility</p:attrName>
-                                        </p:attrNameLst>
-                                      </p:cBhvr>
-                                      <p:to>
-                                        <p:strVal val="visible"/>
-                                      </p:to>
-                                    </p:set>
-                                  </p:childTnLst>
-                                </p:cTn>
-                              </p:par>
-                              <p:par>
-                                <p:cTn id="23" presetID="1" presetClass="entr" presetSubtype="0" fill="hold" grpId="0" nodeType="withEffect">
-                                  <p:stCondLst>
-                                    <p:cond delay="0"/>
-                                  </p:stCondLst>
-                                  <p:childTnLst>
-                                    <p:set>
-                                      <p:cBhvr>
-                                        <p:cTn id="24" dur="1" fill="hold">
-                                          <p:stCondLst>
-                                            <p:cond delay="0"/>
-                                          </p:stCondLst>
-                                        </p:cTn>
-                                        <p:tgtEl>
-                                          <p:spTgt spid="10"/>
-                                        </p:tgtEl>
-                                        <p:attrNameLst>
-                                          <p:attrName>style.visibility</p:attrName>
-                                        </p:attrNameLst>
-                                      </p:cBhvr>
-                                      <p:to>
-                                        <p:strVal val="visible"/>
-                                      </p:to>
-                                    </p:set>
-                                  </p:childTnLst>
-                                </p:cTn>
-                              </p:par>
-                            </p:childTnLst>
-                          </p:cTn>
-                        </p:par>
-                      </p:childTnLst>
-                    </p:cTn>
-                  </p:par>
-                </p:childTnLst>
-              </p:cTn>
-              <p:prevCondLst>
-                <p:cond evt="onPrev" delay="0">
-                  <p:tgtEl>
-                    <p:sldTgt/>
-                  </p:tgtEl>
-                </p:cond>
-              </p:prevCondLst>
-              <p:nextCondLst>
-                <p:cond evt="onNext" delay="0">
-                  <p:tgtEl>
-                    <p:sldTgt/>
-                  </p:tgtEl>
-                </p:cond>
-              </p:nextCondLst>
-            </p:seq>
-          </p:childTnLst>
-        </p:cTn>
-      </p:par>
-    </p:tnLst>
-    <p:bldLst>
-      <p:bldP spid="10" grpId="0"/>
     </p:bldLst>
   </p:timing>
 </p:sld>
